--- a/doc/2025编译系统设计赛答辩.pptx
+++ b/doc/2025编译系统设计赛答辩.pptx
@@ -5,7 +5,7 @@
     <p:sldMasterId id="2147483648" r:id="rId1"/>
   </p:sldMasterIdLst>
   <p:notesMasterIdLst>
-    <p:notesMasterId r:id="rId19"/>
+    <p:notesMasterId r:id="rId18"/>
   </p:notesMasterIdLst>
   <p:sldIdLst>
     <p:sldId id="302" r:id="rId2"/>
@@ -20,11 +20,10 @@
     <p:sldId id="509" r:id="rId11"/>
     <p:sldId id="13980" r:id="rId12"/>
     <p:sldId id="13981" r:id="rId13"/>
-    <p:sldId id="13982" r:id="rId14"/>
-    <p:sldId id="14015" r:id="rId15"/>
-    <p:sldId id="14003" r:id="rId16"/>
-    <p:sldId id="13979" r:id="rId17"/>
-    <p:sldId id="503" r:id="rId18"/>
+    <p:sldId id="14015" r:id="rId14"/>
+    <p:sldId id="14004" r:id="rId15"/>
+    <p:sldId id="13979" r:id="rId16"/>
+    <p:sldId id="503" r:id="rId17"/>
   </p:sldIdLst>
   <p:sldSz cx="12192000" cy="6858000"/>
   <p:notesSz cx="7104063" cy="10234613"/>
@@ -1981,925 +1980,6 @@
 </dgm:colorsDef>
 </file>
 
-<file path=ppt/diagrams/colors3.xml><?xml version="1.0" encoding="utf-8"?>
-<dgm:colorsDef xmlns:dgm="http://schemas.openxmlformats.org/drawingml/2006/diagram" xmlns:a="http://schemas.openxmlformats.org/drawingml/2006/main" uniqueId="urn:microsoft.com/office/officeart/2005/8/colors/colorful1">
-  <dgm:title val=""/>
-  <dgm:desc val=""/>
-  <dgm:catLst>
-    <dgm:cat type="colorful" pri="10100"/>
-  </dgm:catLst>
-  <dgm:styleLbl name="node0">
-    <dgm:fillClrLst meth="repeat">
-      <a:schemeClr val="accent1"/>
-    </dgm:fillClrLst>
-    <dgm:linClrLst meth="repeat">
-      <a:schemeClr val="lt1"/>
-    </dgm:linClrLst>
-    <dgm:effectClrLst/>
-    <dgm:txLinClrLst/>
-    <dgm:txFillClrLst/>
-    <dgm:txEffectClrLst/>
-  </dgm:styleLbl>
-  <dgm:styleLbl name="node1">
-    <dgm:fillClrLst meth="repeat">
-      <a:schemeClr val="accent2"/>
-      <a:schemeClr val="accent3"/>
-      <a:schemeClr val="accent4"/>
-      <a:schemeClr val="accent5"/>
-      <a:schemeClr val="accent6"/>
-    </dgm:fillClrLst>
-    <dgm:linClrLst meth="repeat">
-      <a:schemeClr val="lt1"/>
-    </dgm:linClrLst>
-    <dgm:effectClrLst/>
-    <dgm:txLinClrLst/>
-    <dgm:txFillClrLst/>
-    <dgm:txEffectClrLst/>
-  </dgm:styleLbl>
-  <dgm:styleLbl name="alignNode1">
-    <dgm:fillClrLst meth="repeat">
-      <a:schemeClr val="accent2"/>
-      <a:schemeClr val="accent3"/>
-      <a:schemeClr val="accent4"/>
-      <a:schemeClr val="accent5"/>
-      <a:schemeClr val="accent6"/>
-    </dgm:fillClrLst>
-    <dgm:linClrLst meth="repeat">
-      <a:schemeClr val="accent2"/>
-      <a:schemeClr val="accent3"/>
-      <a:schemeClr val="accent4"/>
-      <a:schemeClr val="accent5"/>
-      <a:schemeClr val="accent6"/>
-    </dgm:linClrLst>
-    <dgm:effectClrLst/>
-    <dgm:txLinClrLst/>
-    <dgm:txFillClrLst/>
-    <dgm:txEffectClrLst/>
-  </dgm:styleLbl>
-  <dgm:styleLbl name="lnNode1">
-    <dgm:fillClrLst meth="repeat">
-      <a:schemeClr val="accent2"/>
-      <a:schemeClr val="accent3"/>
-      <a:schemeClr val="accent4"/>
-      <a:schemeClr val="accent5"/>
-      <a:schemeClr val="accent6"/>
-    </dgm:fillClrLst>
-    <dgm:linClrLst meth="repeat">
-      <a:schemeClr val="lt1"/>
-    </dgm:linClrLst>
-    <dgm:effectClrLst/>
-    <dgm:txLinClrLst/>
-    <dgm:txFillClrLst/>
-    <dgm:txEffectClrLst/>
-  </dgm:styleLbl>
-  <dgm:styleLbl name="vennNode1">
-    <dgm:fillClrLst meth="repeat">
-      <a:schemeClr val="accent2">
-        <a:alpha val="50000"/>
-      </a:schemeClr>
-      <a:schemeClr val="accent3">
-        <a:alpha val="50000"/>
-      </a:schemeClr>
-      <a:schemeClr val="accent4">
-        <a:alpha val="50000"/>
-      </a:schemeClr>
-      <a:schemeClr val="accent5">
-        <a:alpha val="50000"/>
-      </a:schemeClr>
-      <a:schemeClr val="accent6">
-        <a:alpha val="50000"/>
-      </a:schemeClr>
-    </dgm:fillClrLst>
-    <dgm:linClrLst meth="repeat">
-      <a:schemeClr val="lt1"/>
-    </dgm:linClrLst>
-    <dgm:effectClrLst/>
-    <dgm:txLinClrLst/>
-    <dgm:txFillClrLst/>
-    <dgm:txEffectClrLst/>
-  </dgm:styleLbl>
-  <dgm:styleLbl name="node2">
-    <dgm:fillClrLst>
-      <a:schemeClr val="accent2"/>
-    </dgm:fillClrLst>
-    <dgm:linClrLst meth="repeat">
-      <a:schemeClr val="lt1"/>
-    </dgm:linClrLst>
-    <dgm:effectClrLst/>
-    <dgm:txLinClrLst/>
-    <dgm:txFillClrLst/>
-    <dgm:txEffectClrLst/>
-  </dgm:styleLbl>
-  <dgm:styleLbl name="node3">
-    <dgm:fillClrLst>
-      <a:schemeClr val="accent3"/>
-    </dgm:fillClrLst>
-    <dgm:linClrLst meth="repeat">
-      <a:schemeClr val="lt1"/>
-    </dgm:linClrLst>
-    <dgm:effectClrLst/>
-    <dgm:txLinClrLst/>
-    <dgm:txFillClrLst/>
-    <dgm:txEffectClrLst/>
-  </dgm:styleLbl>
-  <dgm:styleLbl name="node4">
-    <dgm:fillClrLst>
-      <a:schemeClr val="accent4"/>
-    </dgm:fillClrLst>
-    <dgm:linClrLst meth="repeat">
-      <a:schemeClr val="lt1"/>
-    </dgm:linClrLst>
-    <dgm:effectClrLst/>
-    <dgm:txLinClrLst/>
-    <dgm:txFillClrLst/>
-    <dgm:txEffectClrLst/>
-  </dgm:styleLbl>
-  <dgm:styleLbl name="fgImgPlace1">
-    <dgm:fillClrLst meth="repeat">
-      <a:schemeClr val="accent2">
-        <a:tint val="50000"/>
-      </a:schemeClr>
-      <a:schemeClr val="accent3">
-        <a:tint val="50000"/>
-      </a:schemeClr>
-      <a:schemeClr val="accent4">
-        <a:tint val="50000"/>
-      </a:schemeClr>
-      <a:schemeClr val="accent5">
-        <a:tint val="50000"/>
-      </a:schemeClr>
-      <a:schemeClr val="accent6">
-        <a:tint val="50000"/>
-      </a:schemeClr>
-    </dgm:fillClrLst>
-    <dgm:linClrLst meth="repeat">
-      <a:schemeClr val="lt1"/>
-    </dgm:linClrLst>
-    <dgm:effectClrLst/>
-    <dgm:txLinClrLst/>
-    <dgm:txFillClrLst meth="repeat">
-      <a:schemeClr val="lt1"/>
-    </dgm:txFillClrLst>
-    <dgm:txEffectClrLst/>
-  </dgm:styleLbl>
-  <dgm:styleLbl name="alignImgPlace1">
-    <dgm:fillClrLst>
-      <a:schemeClr val="accent1">
-        <a:tint val="50000"/>
-      </a:schemeClr>
-      <a:schemeClr val="accent2">
-        <a:tint val="20000"/>
-      </a:schemeClr>
-    </dgm:fillClrLst>
-    <dgm:linClrLst meth="repeat">
-      <a:schemeClr val="lt1"/>
-    </dgm:linClrLst>
-    <dgm:effectClrLst/>
-    <dgm:txLinClrLst/>
-    <dgm:txFillClrLst meth="repeat">
-      <a:schemeClr val="lt1"/>
-    </dgm:txFillClrLst>
-    <dgm:txEffectClrLst/>
-  </dgm:styleLbl>
-  <dgm:styleLbl name="bgImgPlace1">
-    <dgm:fillClrLst>
-      <a:schemeClr val="accent1">
-        <a:tint val="50000"/>
-      </a:schemeClr>
-      <a:schemeClr val="accent2">
-        <a:tint val="20000"/>
-      </a:schemeClr>
-    </dgm:fillClrLst>
-    <dgm:linClrLst meth="repeat">
-      <a:schemeClr val="lt1"/>
-    </dgm:linClrLst>
-    <dgm:effectClrLst/>
-    <dgm:txLinClrLst/>
-    <dgm:txFillClrLst meth="repeat">
-      <a:schemeClr val="lt1"/>
-    </dgm:txFillClrLst>
-    <dgm:txEffectClrLst/>
-  </dgm:styleLbl>
-  <dgm:styleLbl name="sibTrans2D1">
-    <dgm:fillClrLst meth="repeat">
-      <a:schemeClr val="accent2"/>
-      <a:schemeClr val="accent3"/>
-      <a:schemeClr val="accent4"/>
-      <a:schemeClr val="accent5"/>
-      <a:schemeClr val="accent6"/>
-    </dgm:fillClrLst>
-    <dgm:linClrLst meth="cycle">
-      <a:schemeClr val="lt1"/>
-    </dgm:linClrLst>
-    <dgm:effectClrLst/>
-    <dgm:txLinClrLst/>
-    <dgm:txFillClrLst/>
-    <dgm:txEffectClrLst/>
-  </dgm:styleLbl>
-  <dgm:styleLbl name="fgSibTrans2D1">
-    <dgm:fillClrLst meth="repeat">
-      <a:schemeClr val="accent2"/>
-      <a:schemeClr val="accent3"/>
-      <a:schemeClr val="accent4"/>
-      <a:schemeClr val="accent5"/>
-      <a:schemeClr val="accent6"/>
-    </dgm:fillClrLst>
-    <dgm:linClrLst meth="cycle">
-      <a:schemeClr val="lt1"/>
-    </dgm:linClrLst>
-    <dgm:effectClrLst/>
-    <dgm:txLinClrLst/>
-    <dgm:txFillClrLst meth="repeat">
-      <a:schemeClr val="lt1"/>
-    </dgm:txFillClrLst>
-    <dgm:txEffectClrLst/>
-  </dgm:styleLbl>
-  <dgm:styleLbl name="bgSibTrans2D1">
-    <dgm:fillClrLst meth="repeat">
-      <a:schemeClr val="accent2"/>
-      <a:schemeClr val="accent3"/>
-      <a:schemeClr val="accent4"/>
-      <a:schemeClr val="accent5"/>
-      <a:schemeClr val="accent6"/>
-    </dgm:fillClrLst>
-    <dgm:linClrLst meth="cycle">
-      <a:schemeClr val="lt1"/>
-    </dgm:linClrLst>
-    <dgm:effectClrLst/>
-    <dgm:txLinClrLst/>
-    <dgm:txFillClrLst meth="repeat">
-      <a:schemeClr val="lt1"/>
-    </dgm:txFillClrLst>
-    <dgm:txEffectClrLst/>
-  </dgm:styleLbl>
-  <dgm:styleLbl name="sibTrans1D1">
-    <dgm:fillClrLst meth="repeat">
-      <a:schemeClr val="accent2"/>
-      <a:schemeClr val="accent3"/>
-      <a:schemeClr val="accent4"/>
-      <a:schemeClr val="accent5"/>
-      <a:schemeClr val="accent6"/>
-    </dgm:fillClrLst>
-    <dgm:linClrLst meth="repeat">
-      <a:schemeClr val="accent2"/>
-      <a:schemeClr val="accent3"/>
-      <a:schemeClr val="accent4"/>
-      <a:schemeClr val="accent5"/>
-      <a:schemeClr val="accent6"/>
-    </dgm:linClrLst>
-    <dgm:effectClrLst/>
-    <dgm:txLinClrLst/>
-    <dgm:txFillClrLst meth="repeat">
-      <a:schemeClr val="tx1"/>
-    </dgm:txFillClrLst>
-    <dgm:txEffectClrLst/>
-  </dgm:styleLbl>
-  <dgm:styleLbl name="callout">
-    <dgm:fillClrLst meth="repeat">
-      <a:schemeClr val="accent2"/>
-    </dgm:fillClrLst>
-    <dgm:linClrLst meth="repeat">
-      <a:schemeClr val="accent2">
-        <a:tint val="50000"/>
-      </a:schemeClr>
-    </dgm:linClrLst>
-    <dgm:effectClrLst/>
-    <dgm:txLinClrLst/>
-    <dgm:txFillClrLst meth="repeat">
-      <a:schemeClr val="tx1"/>
-    </dgm:txFillClrLst>
-    <dgm:txEffectClrLst/>
-  </dgm:styleLbl>
-  <dgm:styleLbl name="asst0">
-    <dgm:fillClrLst meth="repeat">
-      <a:schemeClr val="accent1"/>
-    </dgm:fillClrLst>
-    <dgm:linClrLst meth="repeat">
-      <a:schemeClr val="lt1"/>
-    </dgm:linClrLst>
-    <dgm:effectClrLst/>
-    <dgm:txLinClrLst/>
-    <dgm:txFillClrLst/>
-    <dgm:txEffectClrLst/>
-  </dgm:styleLbl>
-  <dgm:styleLbl name="asst1">
-    <dgm:fillClrLst meth="repeat">
-      <a:schemeClr val="accent2"/>
-    </dgm:fillClrLst>
-    <dgm:linClrLst meth="repeat">
-      <a:schemeClr val="lt1"/>
-    </dgm:linClrLst>
-    <dgm:effectClrLst/>
-    <dgm:txLinClrLst/>
-    <dgm:txFillClrLst/>
-    <dgm:txEffectClrLst/>
-  </dgm:styleLbl>
-  <dgm:styleLbl name="asst2">
-    <dgm:fillClrLst>
-      <a:schemeClr val="accent3"/>
-    </dgm:fillClrLst>
-    <dgm:linClrLst meth="repeat">
-      <a:schemeClr val="lt1"/>
-    </dgm:linClrLst>
-    <dgm:effectClrLst/>
-    <dgm:txLinClrLst/>
-    <dgm:txFillClrLst/>
-    <dgm:txEffectClrLst/>
-  </dgm:styleLbl>
-  <dgm:styleLbl name="asst3">
-    <dgm:fillClrLst>
-      <a:schemeClr val="accent4"/>
-    </dgm:fillClrLst>
-    <dgm:linClrLst meth="repeat">
-      <a:schemeClr val="lt1"/>
-    </dgm:linClrLst>
-    <dgm:effectClrLst/>
-    <dgm:txLinClrLst/>
-    <dgm:txFillClrLst/>
-    <dgm:txEffectClrLst/>
-  </dgm:styleLbl>
-  <dgm:styleLbl name="asst4">
-    <dgm:fillClrLst>
-      <a:schemeClr val="accent5"/>
-    </dgm:fillClrLst>
-    <dgm:linClrLst meth="repeat">
-      <a:schemeClr val="lt1"/>
-    </dgm:linClrLst>
-    <dgm:effectClrLst/>
-    <dgm:txLinClrLst/>
-    <dgm:txFillClrLst/>
-    <dgm:txEffectClrLst/>
-  </dgm:styleLbl>
-  <dgm:styleLbl name="parChTrans2D1">
-    <dgm:fillClrLst meth="repeat">
-      <a:schemeClr val="accent2"/>
-    </dgm:fillClrLst>
-    <dgm:linClrLst meth="repeat">
-      <a:schemeClr val="lt1"/>
-    </dgm:linClrLst>
-    <dgm:effectClrLst/>
-    <dgm:txLinClrLst/>
-    <dgm:txFillClrLst meth="repeat">
-      <a:schemeClr val="lt1"/>
-    </dgm:txFillClrLst>
-    <dgm:txEffectClrLst/>
-  </dgm:styleLbl>
-  <dgm:styleLbl name="parChTrans2D2">
-    <dgm:fillClrLst meth="repeat">
-      <a:schemeClr val="accent3"/>
-    </dgm:fillClrLst>
-    <dgm:linClrLst meth="repeat">
-      <a:schemeClr val="lt1"/>
-    </dgm:linClrLst>
-    <dgm:effectClrLst/>
-    <dgm:txLinClrLst/>
-    <dgm:txFillClrLst/>
-    <dgm:txEffectClrLst/>
-  </dgm:styleLbl>
-  <dgm:styleLbl name="parChTrans2D3">
-    <dgm:fillClrLst meth="repeat">
-      <a:schemeClr val="accent4"/>
-    </dgm:fillClrLst>
-    <dgm:linClrLst meth="repeat">
-      <a:schemeClr val="lt1"/>
-    </dgm:linClrLst>
-    <dgm:effectClrLst/>
-    <dgm:txLinClrLst/>
-    <dgm:txFillClrLst/>
-    <dgm:txEffectClrLst/>
-  </dgm:styleLbl>
-  <dgm:styleLbl name="parChTrans2D4">
-    <dgm:fillClrLst meth="repeat">
-      <a:schemeClr val="accent5"/>
-    </dgm:fillClrLst>
-    <dgm:linClrLst meth="repeat">
-      <a:schemeClr val="lt1"/>
-    </dgm:linClrLst>
-    <dgm:effectClrLst/>
-    <dgm:txLinClrLst/>
-    <dgm:txFillClrLst meth="repeat">
-      <a:schemeClr val="lt1"/>
-    </dgm:txFillClrLst>
-    <dgm:txEffectClrLst/>
-  </dgm:styleLbl>
-  <dgm:styleLbl name="parChTrans1D1">
-    <dgm:fillClrLst meth="repeat">
-      <a:schemeClr val="accent2"/>
-    </dgm:fillClrLst>
-    <dgm:linClrLst meth="repeat">
-      <a:schemeClr val="accent1"/>
-    </dgm:linClrLst>
-    <dgm:effectClrLst/>
-    <dgm:txLinClrLst/>
-    <dgm:txFillClrLst meth="repeat">
-      <a:schemeClr val="tx1"/>
-    </dgm:txFillClrLst>
-    <dgm:txEffectClrLst/>
-  </dgm:styleLbl>
-  <dgm:styleLbl name="parChTrans1D2">
-    <dgm:fillClrLst meth="repeat">
-      <a:schemeClr val="accent3">
-        <a:tint val="90000"/>
-      </a:schemeClr>
-    </dgm:fillClrLst>
-    <dgm:linClrLst meth="repeat">
-      <a:schemeClr val="accent2"/>
-    </dgm:linClrLst>
-    <dgm:effectClrLst/>
-    <dgm:txLinClrLst/>
-    <dgm:txFillClrLst meth="repeat">
-      <a:schemeClr val="tx1"/>
-    </dgm:txFillClrLst>
-    <dgm:txEffectClrLst/>
-  </dgm:styleLbl>
-  <dgm:styleLbl name="parChTrans1D3">
-    <dgm:fillClrLst meth="repeat">
-      <a:schemeClr val="accent4">
-        <a:tint val="70000"/>
-      </a:schemeClr>
-    </dgm:fillClrLst>
-    <dgm:linClrLst meth="repeat">
-      <a:schemeClr val="accent3"/>
-    </dgm:linClrLst>
-    <dgm:effectClrLst/>
-    <dgm:txLinClrLst/>
-    <dgm:txFillClrLst meth="repeat">
-      <a:schemeClr val="tx1"/>
-    </dgm:txFillClrLst>
-    <dgm:txEffectClrLst/>
-  </dgm:styleLbl>
-  <dgm:styleLbl name="parChTrans1D4">
-    <dgm:fillClrLst meth="repeat">
-      <a:schemeClr val="accent5">
-        <a:tint val="50000"/>
-      </a:schemeClr>
-    </dgm:fillClrLst>
-    <dgm:linClrLst meth="repeat">
-      <a:schemeClr val="accent4"/>
-    </dgm:linClrLst>
-    <dgm:effectClrLst/>
-    <dgm:txLinClrLst/>
-    <dgm:txFillClrLst meth="repeat">
-      <a:schemeClr val="tx1"/>
-    </dgm:txFillClrLst>
-    <dgm:txEffectClrLst/>
-  </dgm:styleLbl>
-  <dgm:styleLbl name="fgAcc1">
-    <dgm:fillClrLst meth="repeat">
-      <a:schemeClr val="lt1">
-        <a:alpha val="90000"/>
-      </a:schemeClr>
-    </dgm:fillClrLst>
-    <dgm:linClrLst meth="repeat">
-      <a:schemeClr val="accent2"/>
-      <a:schemeClr val="accent3"/>
-      <a:schemeClr val="accent4"/>
-      <a:schemeClr val="accent5"/>
-      <a:schemeClr val="accent6"/>
-    </dgm:linClrLst>
-    <dgm:effectClrLst/>
-    <dgm:txLinClrLst/>
-    <dgm:txFillClrLst meth="repeat">
-      <a:schemeClr val="dk1"/>
-    </dgm:txFillClrLst>
-    <dgm:txEffectClrLst/>
-  </dgm:styleLbl>
-  <dgm:styleLbl name="conFgAcc1">
-    <dgm:fillClrLst meth="repeat">
-      <a:schemeClr val="lt1">
-        <a:alpha val="90000"/>
-      </a:schemeClr>
-    </dgm:fillClrLst>
-    <dgm:linClrLst meth="repeat">
-      <a:schemeClr val="accent2"/>
-      <a:schemeClr val="accent3"/>
-      <a:schemeClr val="accent4"/>
-      <a:schemeClr val="accent5"/>
-      <a:schemeClr val="accent6"/>
-    </dgm:linClrLst>
-    <dgm:effectClrLst/>
-    <dgm:txLinClrLst/>
-    <dgm:txFillClrLst meth="repeat">
-      <a:schemeClr val="dk1"/>
-    </dgm:txFillClrLst>
-    <dgm:txEffectClrLst/>
-  </dgm:styleLbl>
-  <dgm:styleLbl name="alignAcc1">
-    <dgm:fillClrLst meth="repeat">
-      <a:schemeClr val="lt1">
-        <a:alpha val="90000"/>
-      </a:schemeClr>
-    </dgm:fillClrLst>
-    <dgm:linClrLst meth="repeat">
-      <a:schemeClr val="accent2"/>
-      <a:schemeClr val="accent3"/>
-      <a:schemeClr val="accent4"/>
-      <a:schemeClr val="accent5"/>
-      <a:schemeClr val="accent6"/>
-    </dgm:linClrLst>
-    <dgm:effectClrLst/>
-    <dgm:txLinClrLst/>
-    <dgm:txFillClrLst meth="repeat">
-      <a:schemeClr val="dk1"/>
-    </dgm:txFillClrLst>
-    <dgm:txEffectClrLst/>
-  </dgm:styleLbl>
-  <dgm:styleLbl name="trAlignAcc1">
-    <dgm:fillClrLst meth="repeat">
-      <a:schemeClr val="lt1">
-        <a:alpha val="40000"/>
-      </a:schemeClr>
-    </dgm:fillClrLst>
-    <dgm:linClrLst meth="repeat">
-      <a:schemeClr val="accent1"/>
-    </dgm:linClrLst>
-    <dgm:effectClrLst/>
-    <dgm:txLinClrLst/>
-    <dgm:txFillClrLst meth="repeat">
-      <a:schemeClr val="dk1"/>
-    </dgm:txFillClrLst>
-    <dgm:txEffectClrLst/>
-  </dgm:styleLbl>
-  <dgm:styleLbl name="bgAcc1">
-    <dgm:fillClrLst meth="repeat">
-      <a:schemeClr val="lt1">
-        <a:alpha val="90000"/>
-      </a:schemeClr>
-    </dgm:fillClrLst>
-    <dgm:linClrLst meth="repeat">
-      <a:schemeClr val="accent2"/>
-      <a:schemeClr val="accent3"/>
-      <a:schemeClr val="accent4"/>
-      <a:schemeClr val="accent5"/>
-      <a:schemeClr val="accent6"/>
-    </dgm:linClrLst>
-    <dgm:effectClrLst/>
-    <dgm:txLinClrLst/>
-    <dgm:txFillClrLst meth="repeat">
-      <a:schemeClr val="dk1"/>
-    </dgm:txFillClrLst>
-    <dgm:txEffectClrLst/>
-  </dgm:styleLbl>
-  <dgm:styleLbl name="solidFgAcc1">
-    <dgm:fillClrLst meth="repeat">
-      <a:schemeClr val="lt1"/>
-    </dgm:fillClrLst>
-    <dgm:linClrLst meth="repeat">
-      <a:schemeClr val="accent2"/>
-      <a:schemeClr val="accent3"/>
-      <a:schemeClr val="accent4"/>
-      <a:schemeClr val="accent5"/>
-      <a:schemeClr val="accent6"/>
-    </dgm:linClrLst>
-    <dgm:effectClrLst/>
-    <dgm:txLinClrLst/>
-    <dgm:txFillClrLst meth="repeat">
-      <a:schemeClr val="dk1"/>
-    </dgm:txFillClrLst>
-    <dgm:txEffectClrLst/>
-  </dgm:styleLbl>
-  <dgm:styleLbl name="solidAlignAcc1">
-    <dgm:fillClrLst meth="repeat">
-      <a:schemeClr val="lt1"/>
-    </dgm:fillClrLst>
-    <dgm:linClrLst meth="repeat">
-      <a:schemeClr val="accent2"/>
-      <a:schemeClr val="accent3"/>
-      <a:schemeClr val="accent4"/>
-      <a:schemeClr val="accent5"/>
-      <a:schemeClr val="accent6"/>
-    </dgm:linClrLst>
-    <dgm:effectClrLst/>
-    <dgm:txLinClrLst/>
-    <dgm:txFillClrLst meth="repeat">
-      <a:schemeClr val="dk1"/>
-    </dgm:txFillClrLst>
-    <dgm:txEffectClrLst/>
-  </dgm:styleLbl>
-  <dgm:styleLbl name="solidBgAcc1">
-    <dgm:fillClrLst meth="repeat">
-      <a:schemeClr val="lt1"/>
-    </dgm:fillClrLst>
-    <dgm:linClrLst meth="repeat">
-      <a:schemeClr val="accent2"/>
-      <a:schemeClr val="accent3"/>
-      <a:schemeClr val="accent4"/>
-      <a:schemeClr val="accent5"/>
-      <a:schemeClr val="accent6"/>
-    </dgm:linClrLst>
-    <dgm:effectClrLst/>
-    <dgm:txLinClrLst/>
-    <dgm:txFillClrLst meth="repeat">
-      <a:schemeClr val="dk1"/>
-    </dgm:txFillClrLst>
-    <dgm:txEffectClrLst/>
-  </dgm:styleLbl>
-  <dgm:styleLbl name="fgAccFollowNode1">
-    <dgm:fillClrLst meth="repeat">
-      <a:schemeClr val="accent2">
-        <a:tint val="40000"/>
-        <a:alpha val="90000"/>
-      </a:schemeClr>
-      <a:schemeClr val="accent3">
-        <a:tint val="40000"/>
-        <a:alpha val="90000"/>
-      </a:schemeClr>
-      <a:schemeClr val="accent4">
-        <a:tint val="40000"/>
-        <a:alpha val="90000"/>
-      </a:schemeClr>
-      <a:schemeClr val="accent5">
-        <a:tint val="40000"/>
-        <a:alpha val="90000"/>
-      </a:schemeClr>
-      <a:schemeClr val="accent6">
-        <a:tint val="40000"/>
-        <a:alpha val="90000"/>
-      </a:schemeClr>
-    </dgm:fillClrLst>
-    <dgm:linClrLst meth="repeat">
-      <a:schemeClr val="accent2">
-        <a:tint val="40000"/>
-        <a:alpha val="90000"/>
-      </a:schemeClr>
-      <a:schemeClr val="accent3">
-        <a:tint val="40000"/>
-        <a:alpha val="90000"/>
-      </a:schemeClr>
-      <a:schemeClr val="accent4">
-        <a:tint val="40000"/>
-        <a:alpha val="90000"/>
-      </a:schemeClr>
-      <a:schemeClr val="accent5">
-        <a:tint val="40000"/>
-        <a:alpha val="90000"/>
-      </a:schemeClr>
-      <a:schemeClr val="accent6">
-        <a:tint val="40000"/>
-        <a:alpha val="90000"/>
-      </a:schemeClr>
-    </dgm:linClrLst>
-    <dgm:effectClrLst/>
-    <dgm:txLinClrLst/>
-    <dgm:txFillClrLst meth="repeat">
-      <a:schemeClr val="dk1"/>
-    </dgm:txFillClrLst>
-    <dgm:txEffectClrLst/>
-  </dgm:styleLbl>
-  <dgm:styleLbl name="alignAccFollowNode1">
-    <dgm:fillClrLst meth="repeat">
-      <a:schemeClr val="accent2">
-        <a:tint val="40000"/>
-        <a:alpha val="90000"/>
-      </a:schemeClr>
-      <a:schemeClr val="accent3">
-        <a:tint val="40000"/>
-        <a:alpha val="90000"/>
-      </a:schemeClr>
-      <a:schemeClr val="accent4">
-        <a:tint val="40000"/>
-        <a:alpha val="90000"/>
-      </a:schemeClr>
-      <a:schemeClr val="accent5">
-        <a:tint val="40000"/>
-        <a:alpha val="90000"/>
-      </a:schemeClr>
-      <a:schemeClr val="accent6">
-        <a:tint val="40000"/>
-        <a:alpha val="90000"/>
-      </a:schemeClr>
-    </dgm:fillClrLst>
-    <dgm:linClrLst meth="repeat">
-      <a:schemeClr val="accent2">
-        <a:tint val="40000"/>
-        <a:alpha val="90000"/>
-      </a:schemeClr>
-      <a:schemeClr val="accent3">
-        <a:tint val="40000"/>
-        <a:alpha val="90000"/>
-      </a:schemeClr>
-      <a:schemeClr val="accent4">
-        <a:tint val="40000"/>
-        <a:alpha val="90000"/>
-      </a:schemeClr>
-      <a:schemeClr val="accent5">
-        <a:tint val="40000"/>
-        <a:alpha val="90000"/>
-      </a:schemeClr>
-      <a:schemeClr val="accent6">
-        <a:tint val="40000"/>
-        <a:alpha val="90000"/>
-      </a:schemeClr>
-    </dgm:linClrLst>
-    <dgm:effectClrLst/>
-    <dgm:txLinClrLst/>
-    <dgm:txFillClrLst meth="repeat">
-      <a:schemeClr val="dk1"/>
-    </dgm:txFillClrLst>
-    <dgm:txEffectClrLst/>
-  </dgm:styleLbl>
-  <dgm:styleLbl name="bgAccFollowNode1">
-    <dgm:fillClrLst meth="repeat">
-      <a:schemeClr val="accent2">
-        <a:tint val="40000"/>
-        <a:alpha val="90000"/>
-      </a:schemeClr>
-      <a:schemeClr val="accent3">
-        <a:tint val="40000"/>
-        <a:alpha val="90000"/>
-      </a:schemeClr>
-      <a:schemeClr val="accent4">
-        <a:tint val="40000"/>
-        <a:alpha val="90000"/>
-      </a:schemeClr>
-      <a:schemeClr val="accent5">
-        <a:tint val="40000"/>
-        <a:alpha val="90000"/>
-      </a:schemeClr>
-      <a:schemeClr val="accent6">
-        <a:tint val="40000"/>
-        <a:alpha val="90000"/>
-      </a:schemeClr>
-    </dgm:fillClrLst>
-    <dgm:linClrLst meth="repeat">
-      <a:schemeClr val="accent2">
-        <a:tint val="40000"/>
-        <a:alpha val="90000"/>
-      </a:schemeClr>
-      <a:schemeClr val="accent3">
-        <a:tint val="40000"/>
-        <a:alpha val="90000"/>
-      </a:schemeClr>
-      <a:schemeClr val="accent4">
-        <a:tint val="40000"/>
-        <a:alpha val="90000"/>
-      </a:schemeClr>
-      <a:schemeClr val="accent5">
-        <a:tint val="40000"/>
-        <a:alpha val="90000"/>
-      </a:schemeClr>
-      <a:schemeClr val="accent6">
-        <a:tint val="40000"/>
-        <a:alpha val="90000"/>
-      </a:schemeClr>
-    </dgm:linClrLst>
-    <dgm:effectClrLst/>
-    <dgm:txLinClrLst/>
-    <dgm:txFillClrLst meth="repeat">
-      <a:schemeClr val="dk1"/>
-    </dgm:txFillClrLst>
-    <dgm:txEffectClrLst/>
-  </dgm:styleLbl>
-  <dgm:styleLbl name="fgAcc0">
-    <dgm:fillClrLst meth="repeat">
-      <a:schemeClr val="lt1">
-        <a:alpha val="90000"/>
-      </a:schemeClr>
-    </dgm:fillClrLst>
-    <dgm:linClrLst>
-      <a:schemeClr val="accent1"/>
-    </dgm:linClrLst>
-    <dgm:effectClrLst/>
-    <dgm:txLinClrLst/>
-    <dgm:txFillClrLst meth="repeat">
-      <a:schemeClr val="dk1"/>
-    </dgm:txFillClrLst>
-    <dgm:txEffectClrLst/>
-  </dgm:styleLbl>
-  <dgm:styleLbl name="fgAcc2">
-    <dgm:fillClrLst meth="repeat">
-      <a:schemeClr val="lt1">
-        <a:alpha val="90000"/>
-      </a:schemeClr>
-    </dgm:fillClrLst>
-    <dgm:linClrLst>
-      <a:schemeClr val="accent2"/>
-    </dgm:linClrLst>
-    <dgm:effectClrLst/>
-    <dgm:txLinClrLst/>
-    <dgm:txFillClrLst meth="repeat">
-      <a:schemeClr val="dk1"/>
-    </dgm:txFillClrLst>
-    <dgm:txEffectClrLst/>
-  </dgm:styleLbl>
-  <dgm:styleLbl name="fgAcc3">
-    <dgm:fillClrLst meth="repeat">
-      <a:schemeClr val="lt1">
-        <a:alpha val="90000"/>
-      </a:schemeClr>
-    </dgm:fillClrLst>
-    <dgm:linClrLst>
-      <a:schemeClr val="accent3"/>
-    </dgm:linClrLst>
-    <dgm:effectClrLst/>
-    <dgm:txLinClrLst/>
-    <dgm:txFillClrLst meth="repeat">
-      <a:schemeClr val="dk1"/>
-    </dgm:txFillClrLst>
-    <dgm:txEffectClrLst/>
-  </dgm:styleLbl>
-  <dgm:styleLbl name="fgAcc4">
-    <dgm:fillClrLst meth="repeat">
-      <a:schemeClr val="lt1">
-        <a:alpha val="90000"/>
-      </a:schemeClr>
-    </dgm:fillClrLst>
-    <dgm:linClrLst>
-      <a:schemeClr val="accent4"/>
-    </dgm:linClrLst>
-    <dgm:effectClrLst/>
-    <dgm:txLinClrLst/>
-    <dgm:txFillClrLst meth="repeat">
-      <a:schemeClr val="dk1"/>
-    </dgm:txFillClrLst>
-    <dgm:txEffectClrLst/>
-  </dgm:styleLbl>
-  <dgm:styleLbl name="bgShp">
-    <dgm:fillClrLst meth="repeat">
-      <a:schemeClr val="accent2">
-        <a:tint val="40000"/>
-      </a:schemeClr>
-    </dgm:fillClrLst>
-    <dgm:linClrLst meth="repeat">
-      <a:schemeClr val="dk1"/>
-    </dgm:linClrLst>
-    <dgm:effectClrLst/>
-    <dgm:txLinClrLst/>
-    <dgm:txFillClrLst meth="repeat">
-      <a:schemeClr val="dk1"/>
-    </dgm:txFillClrLst>
-    <dgm:txEffectClrLst/>
-  </dgm:styleLbl>
-  <dgm:styleLbl name="dkBgShp">
-    <dgm:fillClrLst meth="repeat">
-      <a:schemeClr val="accent2">
-        <a:shade val="90000"/>
-      </a:schemeClr>
-    </dgm:fillClrLst>
-    <dgm:linClrLst meth="repeat">
-      <a:schemeClr val="dk1"/>
-    </dgm:linClrLst>
-    <dgm:effectClrLst/>
-    <dgm:txLinClrLst/>
-    <dgm:txFillClrLst meth="repeat">
-      <a:schemeClr val="lt1"/>
-    </dgm:txFillClrLst>
-    <dgm:txEffectClrLst/>
-  </dgm:styleLbl>
-  <dgm:styleLbl name="trBgShp">
-    <dgm:fillClrLst meth="repeat">
-      <a:schemeClr val="accent1">
-        <a:tint val="50000"/>
-        <a:alpha val="40000"/>
-      </a:schemeClr>
-    </dgm:fillClrLst>
-    <dgm:linClrLst meth="repeat">
-      <a:schemeClr val="accent2"/>
-    </dgm:linClrLst>
-    <dgm:effectClrLst/>
-    <dgm:txLinClrLst/>
-    <dgm:txFillClrLst meth="repeat">
-      <a:schemeClr val="lt1"/>
-    </dgm:txFillClrLst>
-    <dgm:txEffectClrLst/>
-  </dgm:styleLbl>
-  <dgm:styleLbl name="fgShp">
-    <dgm:fillClrLst meth="repeat">
-      <a:schemeClr val="accent2">
-        <a:tint val="40000"/>
-      </a:schemeClr>
-    </dgm:fillClrLst>
-    <dgm:linClrLst meth="repeat">
-      <a:schemeClr val="lt1"/>
-    </dgm:linClrLst>
-    <dgm:effectClrLst/>
-    <dgm:txLinClrLst/>
-    <dgm:txFillClrLst meth="repeat">
-      <a:schemeClr val="dk1"/>
-    </dgm:txFillClrLst>
-    <dgm:txEffectClrLst/>
-  </dgm:styleLbl>
-  <dgm:styleLbl name="revTx">
-    <dgm:fillClrLst meth="repeat">
-      <a:schemeClr val="lt1">
-        <a:alpha val="0"/>
-      </a:schemeClr>
-    </dgm:fillClrLst>
-    <dgm:linClrLst meth="repeat">
-      <a:schemeClr val="dk1">
-        <a:alpha val="0"/>
-      </a:schemeClr>
-    </dgm:linClrLst>
-    <dgm:effectClrLst/>
-    <dgm:txLinClrLst/>
-    <dgm:txFillClrLst meth="repeat">
-      <a:schemeClr val="tx1"/>
-    </dgm:txFillClrLst>
-    <dgm:txEffectClrLst/>
-  </dgm:styleLbl>
-</dgm:colorsDef>
-</file>
-
 <file path=ppt/diagrams/data1.xml><?xml version="1.0" encoding="utf-8"?>
 <dgm:dataModel xmlns:dgm="http://schemas.openxmlformats.org/drawingml/2006/diagram" xmlns:a="http://schemas.openxmlformats.org/drawingml/2006/main">
   <dgm:ptLst>
@@ -2915,17 +1995,17 @@
       </dgm:t>
     </dgm:pt>
     <dgm:pt modelId="{34825726-E210-4CB5-9893-6A459F50A341}">
-      <dgm:prSet phldrT="[文本]"/>
+      <dgm:prSet phldrT="[文本]" custT="1"/>
       <dgm:spPr/>
       <dgm:t>
         <a:bodyPr/>
         <a:lstStyle/>
         <a:p>
           <a:r>
-            <a:rPr lang="en-US" altLang="zh-CN" dirty="0"/>
+            <a:rPr lang="en-US" altLang="zh-CN" sz="1800" b="1" dirty="0"/>
             <a:t>LLVM IR</a:t>
           </a:r>
-          <a:endParaRPr lang="zh-CN" altLang="en-US" dirty="0"/>
+          <a:endParaRPr lang="zh-CN" altLang="en-US" sz="1800" b="1" dirty="0"/>
         </a:p>
       </dgm:t>
     </dgm:pt>
@@ -2952,17 +2032,17 @@
       </dgm:t>
     </dgm:pt>
     <dgm:pt modelId="{3BA2F814-610C-4773-B8C1-87EFF2BCC7A6}">
-      <dgm:prSet phldrT="[文本]"/>
+      <dgm:prSet phldrT="[文本]" custT="1"/>
       <dgm:spPr/>
       <dgm:t>
         <a:bodyPr/>
         <a:lstStyle/>
         <a:p>
           <a:r>
-            <a:rPr lang="en-US" altLang="zh-CN" dirty="0" err="1"/>
+            <a:rPr lang="en-US" altLang="zh-CN" sz="1800" dirty="0" err="1"/>
             <a:t>IRBlock</a:t>
           </a:r>
-          <a:endParaRPr lang="zh-CN" altLang="en-US" dirty="0"/>
+          <a:endParaRPr lang="zh-CN" altLang="en-US" sz="1800" dirty="0"/>
         </a:p>
       </dgm:t>
     </dgm:pt>
@@ -2989,17 +2069,17 @@
       </dgm:t>
     </dgm:pt>
     <dgm:pt modelId="{E55CF204-38CF-4EC9-96D6-21B2D8502AB7}">
-      <dgm:prSet phldrT="[文本]"/>
+      <dgm:prSet phldrT="[文本]" custT="1"/>
       <dgm:spPr/>
       <dgm:t>
         <a:bodyPr/>
         <a:lstStyle/>
         <a:p>
           <a:r>
-            <a:rPr lang="en-US" altLang="zh-CN" dirty="0" err="1"/>
+            <a:rPr lang="en-US" altLang="zh-CN" sz="1800" dirty="0" err="1"/>
             <a:t>IRBlock</a:t>
           </a:r>
-          <a:endParaRPr lang="zh-CN" altLang="en-US" dirty="0"/>
+          <a:endParaRPr lang="zh-CN" altLang="en-US" sz="1800" dirty="0"/>
         </a:p>
       </dgm:t>
     </dgm:pt>
@@ -3026,17 +2106,17 @@
       </dgm:t>
     </dgm:pt>
     <dgm:pt modelId="{483ED94C-8A7E-4EAE-9552-6D205CFA358C}">
-      <dgm:prSet/>
+      <dgm:prSet custT="1"/>
       <dgm:spPr/>
       <dgm:t>
         <a:bodyPr/>
         <a:lstStyle/>
         <a:p>
           <a:r>
-            <a:rPr lang="en-US" altLang="zh-CN" dirty="0"/>
+            <a:rPr lang="en-US" altLang="zh-CN" sz="1800" dirty="0"/>
             <a:t>…</a:t>
           </a:r>
-          <a:endParaRPr lang="zh-CN" altLang="en-US" dirty="0"/>
+          <a:endParaRPr lang="zh-CN" altLang="en-US" sz="1800" dirty="0"/>
         </a:p>
       </dgm:t>
     </dgm:pt>
@@ -3063,17 +2143,17 @@
       </dgm:t>
     </dgm:pt>
     <dgm:pt modelId="{4E93DF05-BEEB-4D78-A243-5BAC8F0D0BFC}">
-      <dgm:prSet phldrT="[文本]"/>
+      <dgm:prSet phldrT="[文本]" custT="1"/>
       <dgm:spPr/>
       <dgm:t>
         <a:bodyPr/>
         <a:lstStyle/>
         <a:p>
           <a:r>
-            <a:rPr lang="en-US" altLang="zh-CN" dirty="0" err="1"/>
+            <a:rPr lang="en-US" altLang="zh-CN" sz="1800" dirty="0" err="1"/>
             <a:t>IRBlock</a:t>
           </a:r>
-          <a:endParaRPr lang="zh-CN" altLang="en-US" dirty="0"/>
+          <a:endParaRPr lang="zh-CN" altLang="en-US" sz="1800" dirty="0"/>
         </a:p>
       </dgm:t>
     </dgm:pt>
@@ -3107,8 +2187,8 @@
         <a:lstStyle/>
         <a:p>
           <a:r>
-            <a:rPr lang="en-US" altLang="zh-CN" dirty="0" err="1"/>
-            <a:t>IRInstruction</a:t>
+            <a:rPr lang="en-US" b="1" dirty="0" err="1"/>
+            <a:t>StoreInstruction</a:t>
           </a:r>
           <a:endParaRPr lang="zh-CN" altLang="en-US" dirty="0"/>
         </a:p>
@@ -3144,10 +2224,10 @@
         <a:lstStyle/>
         <a:p>
           <a:r>
-            <a:rPr lang="en-US" altLang="zh-CN" dirty="0" err="1"/>
-            <a:t>IRInstruction</a:t>
+            <a:rPr lang="en-US" b="0" dirty="0" err="1"/>
+            <a:t>LoadInstruction</a:t>
           </a:r>
-          <a:endParaRPr lang="zh-CN" altLang="en-US" dirty="0"/>
+          <a:endParaRPr lang="zh-CN" altLang="en-US" b="0" dirty="0"/>
         </a:p>
       </dgm:t>
     </dgm:pt>
@@ -3180,9 +2260,12 @@
         <a:bodyPr/>
         <a:lstStyle/>
         <a:p>
+          <a:pPr>
+            <a:buNone/>
+          </a:pPr>
           <a:r>
-            <a:rPr lang="en-US" altLang="zh-CN" dirty="0" err="1"/>
-            <a:t>IRInstruction</a:t>
+            <a:rPr lang="en-US" b="1" dirty="0" err="1"/>
+            <a:t>IcmpInstruction</a:t>
           </a:r>
           <a:endParaRPr lang="zh-CN" altLang="en-US" dirty="0"/>
         </a:p>
@@ -3706,17 +2789,17 @@
       </dgm:t>
     </dgm:pt>
     <dgm:pt modelId="{34825726-E210-4CB5-9893-6A459F50A341}">
-      <dgm:prSet phldrT="[文本]"/>
+      <dgm:prSet phldrT="[文本]" custT="1"/>
       <dgm:spPr/>
       <dgm:t>
         <a:bodyPr/>
         <a:lstStyle/>
         <a:p>
           <a:r>
-            <a:rPr lang="en-US" altLang="zh-CN" dirty="0"/>
+            <a:rPr lang="en-US" altLang="zh-CN" sz="1800" b="1" dirty="0"/>
             <a:t>RISCV</a:t>
           </a:r>
-          <a:endParaRPr lang="zh-CN" altLang="en-US" dirty="0"/>
+          <a:endParaRPr lang="zh-CN" altLang="en-US" sz="1800" b="1" dirty="0"/>
         </a:p>
       </dgm:t>
     </dgm:pt>
@@ -3743,17 +2826,17 @@
       </dgm:t>
     </dgm:pt>
     <dgm:pt modelId="{3BA2F814-610C-4773-B8C1-87EFF2BCC7A6}">
-      <dgm:prSet phldrT="[文本]"/>
+      <dgm:prSet phldrT="[文本]" custT="1"/>
       <dgm:spPr/>
       <dgm:t>
         <a:bodyPr/>
         <a:lstStyle/>
         <a:p>
           <a:r>
-            <a:rPr lang="en-US" altLang="zh-CN" dirty="0" err="1"/>
+            <a:rPr lang="en-US" altLang="zh-CN" sz="1800" dirty="0" err="1"/>
             <a:t>RISCVBlock</a:t>
           </a:r>
-          <a:endParaRPr lang="zh-CN" altLang="en-US" dirty="0"/>
+          <a:endParaRPr lang="zh-CN" altLang="en-US" sz="1800" dirty="0"/>
         </a:p>
       </dgm:t>
     </dgm:pt>
@@ -3780,17 +2863,17 @@
       </dgm:t>
     </dgm:pt>
     <dgm:pt modelId="{E55CF204-38CF-4EC9-96D6-21B2D8502AB7}">
-      <dgm:prSet phldrT="[文本]"/>
+      <dgm:prSet phldrT="[文本]" custT="1"/>
       <dgm:spPr/>
       <dgm:t>
         <a:bodyPr/>
         <a:lstStyle/>
         <a:p>
           <a:r>
-            <a:rPr lang="en-US" altLang="zh-CN" dirty="0" err="1"/>
+            <a:rPr lang="en-US" altLang="zh-CN" sz="1800" dirty="0" err="1"/>
             <a:t>RISCVBlock</a:t>
           </a:r>
-          <a:endParaRPr lang="zh-CN" altLang="en-US" dirty="0"/>
+          <a:endParaRPr lang="zh-CN" altLang="en-US" sz="1800" dirty="0"/>
         </a:p>
       </dgm:t>
     </dgm:pt>
@@ -3817,17 +2900,17 @@
       </dgm:t>
     </dgm:pt>
     <dgm:pt modelId="{483ED94C-8A7E-4EAE-9552-6D205CFA358C}">
-      <dgm:prSet/>
+      <dgm:prSet custT="1"/>
       <dgm:spPr/>
       <dgm:t>
         <a:bodyPr/>
         <a:lstStyle/>
         <a:p>
           <a:r>
-            <a:rPr lang="en-US" altLang="zh-CN" dirty="0"/>
+            <a:rPr lang="en-US" altLang="zh-CN" sz="1800" dirty="0"/>
             <a:t>…</a:t>
           </a:r>
-          <a:endParaRPr lang="zh-CN" altLang="en-US" dirty="0"/>
+          <a:endParaRPr lang="zh-CN" altLang="en-US" sz="1800" dirty="0"/>
         </a:p>
       </dgm:t>
     </dgm:pt>
@@ -3854,17 +2937,17 @@
       </dgm:t>
     </dgm:pt>
     <dgm:pt modelId="{4E93DF05-BEEB-4D78-A243-5BAC8F0D0BFC}">
-      <dgm:prSet phldrT="[文本]"/>
+      <dgm:prSet phldrT="[文本]" custT="1"/>
       <dgm:spPr/>
       <dgm:t>
         <a:bodyPr/>
         <a:lstStyle/>
         <a:p>
           <a:r>
-            <a:rPr lang="en-US" altLang="zh-CN" dirty="0" err="1"/>
+            <a:rPr lang="en-US" altLang="zh-CN" sz="1800" dirty="0" err="1"/>
             <a:t>RISCVBlock</a:t>
           </a:r>
-          <a:endParaRPr lang="zh-CN" altLang="en-US" dirty="0"/>
+          <a:endParaRPr lang="zh-CN" altLang="en-US" sz="1800" dirty="0"/>
         </a:p>
       </dgm:t>
     </dgm:pt>
@@ -4482,235 +3565,6 @@
 </dgm:dataModel>
 </file>
 
-<file path=ppt/diagrams/data3.xml><?xml version="1.0" encoding="utf-8"?>
-<dgm:dataModel xmlns:dgm="http://schemas.openxmlformats.org/drawingml/2006/diagram" xmlns:a="http://schemas.openxmlformats.org/drawingml/2006/main">
-  <dgm:ptLst>
-    <dgm:pt modelId="{966B0C18-4944-4860-B795-E7915713E1EB}" type="doc">
-      <dgm:prSet loTypeId="urn:microsoft.com/office/officeart/2005/8/layout/equation2" loCatId="process" qsTypeId="urn:microsoft.com/office/officeart/2005/8/quickstyle/simple1" qsCatId="simple" csTypeId="urn:microsoft.com/office/officeart/2005/8/colors/colorful1" csCatId="colorful" phldr="1"/>
-      <dgm:spPr/>
-    </dgm:pt>
-    <dgm:pt modelId="{6567A64F-D909-4277-90B4-60D22DCEE3C7}">
-      <dgm:prSet phldrT="[文本]" custT="1"/>
-      <dgm:spPr/>
-      <dgm:t>
-        <a:bodyPr/>
-        <a:lstStyle/>
-        <a:p>
-          <a:r>
-            <a:rPr lang="zh-CN" altLang="en-US" sz="2400" dirty="0"/>
-            <a:t>计算</a:t>
-          </a:r>
-          <a:endParaRPr lang="en-US" altLang="zh-CN" sz="2400" dirty="0"/>
-        </a:p>
-        <a:p>
-          <a:r>
-            <a:rPr lang="zh-CN" altLang="en-US" sz="2400" dirty="0"/>
-            <a:t>栈帧信息</a:t>
-          </a:r>
-        </a:p>
-      </dgm:t>
-    </dgm:pt>
-    <dgm:pt modelId="{B746F3CA-CDB9-4A40-A631-DFD3DF262C1B}" type="parTrans" cxnId="{CA312E9C-4A04-4276-ABBF-C06CFC8FDDD3}">
-      <dgm:prSet/>
-      <dgm:spPr/>
-      <dgm:t>
-        <a:bodyPr/>
-        <a:lstStyle/>
-        <a:p>
-          <a:endParaRPr lang="zh-CN" altLang="en-US"/>
-        </a:p>
-      </dgm:t>
-    </dgm:pt>
-    <dgm:pt modelId="{02E1345C-C605-4A10-9CC3-683DAB4A9A4D}" type="sibTrans" cxnId="{CA312E9C-4A04-4276-ABBF-C06CFC8FDDD3}">
-      <dgm:prSet/>
-      <dgm:spPr/>
-      <dgm:t>
-        <a:bodyPr/>
-        <a:lstStyle/>
-        <a:p>
-          <a:endParaRPr lang="zh-CN" altLang="en-US"/>
-        </a:p>
-      </dgm:t>
-    </dgm:pt>
-    <dgm:pt modelId="{C5229D52-51CC-48C7-92DB-259AB8DAF856}">
-      <dgm:prSet phldrT="[文本]"/>
-      <dgm:spPr/>
-      <dgm:t>
-        <a:bodyPr/>
-        <a:lstStyle/>
-        <a:p>
-          <a:r>
-            <a:rPr lang="zh-CN" altLang="en-US" dirty="0"/>
-            <a:t>将 </a:t>
-          </a:r>
-          <a:r>
-            <a:rPr lang="en-US" altLang="zh-CN" dirty="0" err="1"/>
-            <a:t>IRInstruction</a:t>
-          </a:r>
-          <a:r>
-            <a:rPr lang="en-US" altLang="zh-CN" dirty="0"/>
-            <a:t> </a:t>
-          </a:r>
-          <a:r>
-            <a:rPr lang="zh-CN" altLang="en-US" dirty="0"/>
-            <a:t>逐条翻译为</a:t>
-          </a:r>
-          <a:r>
-            <a:rPr lang="en-US" altLang="zh-CN" dirty="0" err="1"/>
-            <a:t>RISCVInstruction</a:t>
-          </a:r>
-          <a:endParaRPr lang="zh-CN" altLang="en-US" dirty="0"/>
-        </a:p>
-      </dgm:t>
-    </dgm:pt>
-    <dgm:pt modelId="{20388F80-50E7-4C3C-93EB-5A6748E51A15}" type="parTrans" cxnId="{06D05A5B-BDD5-402C-8CE2-065140085ACC}">
-      <dgm:prSet/>
-      <dgm:spPr/>
-      <dgm:t>
-        <a:bodyPr/>
-        <a:lstStyle/>
-        <a:p>
-          <a:endParaRPr lang="zh-CN" altLang="en-US"/>
-        </a:p>
-      </dgm:t>
-    </dgm:pt>
-    <dgm:pt modelId="{46CA2B06-8A26-4AF0-913A-3138FA04B191}" type="sibTrans" cxnId="{06D05A5B-BDD5-402C-8CE2-065140085ACC}">
-      <dgm:prSet/>
-      <dgm:spPr/>
-      <dgm:t>
-        <a:bodyPr/>
-        <a:lstStyle/>
-        <a:p>
-          <a:endParaRPr lang="zh-CN" altLang="en-US"/>
-        </a:p>
-      </dgm:t>
-    </dgm:pt>
-    <dgm:pt modelId="{EFEF750A-7F07-4475-8025-B16C89FE4127}">
-      <dgm:prSet phldrT="[文本]"/>
-      <dgm:spPr/>
-      <dgm:t>
-        <a:bodyPr/>
-        <a:lstStyle/>
-        <a:p>
-          <a:r>
-            <a:rPr lang="en-US" altLang="zh-CN" dirty="0"/>
-            <a:t>RISCV</a:t>
-          </a:r>
-          <a:endParaRPr lang="zh-CN" altLang="en-US" dirty="0"/>
-        </a:p>
-      </dgm:t>
-    </dgm:pt>
-    <dgm:pt modelId="{EE7E7B17-89BD-4A3F-B4F8-7B282787B836}" type="parTrans" cxnId="{7BB4714F-1EB4-4DD9-BFB5-58E9F6C31997}">
-      <dgm:prSet/>
-      <dgm:spPr/>
-      <dgm:t>
-        <a:bodyPr/>
-        <a:lstStyle/>
-        <a:p>
-          <a:endParaRPr lang="zh-CN" altLang="en-US"/>
-        </a:p>
-      </dgm:t>
-    </dgm:pt>
-    <dgm:pt modelId="{C889A182-ECE4-4D44-AB10-C5A8C0280074}" type="sibTrans" cxnId="{7BB4714F-1EB4-4DD9-BFB5-58E9F6C31997}">
-      <dgm:prSet/>
-      <dgm:spPr/>
-      <dgm:t>
-        <a:bodyPr/>
-        <a:lstStyle/>
-        <a:p>
-          <a:endParaRPr lang="zh-CN" altLang="en-US"/>
-        </a:p>
-      </dgm:t>
-    </dgm:pt>
-    <dgm:pt modelId="{0F1A98A3-72C1-491E-8AB6-AEDCD042356B}" type="pres">
-      <dgm:prSet presAssocID="{966B0C18-4944-4860-B795-E7915713E1EB}" presName="Name0" presStyleCnt="0">
-        <dgm:presLayoutVars>
-          <dgm:dir/>
-          <dgm:resizeHandles val="exact"/>
-        </dgm:presLayoutVars>
-      </dgm:prSet>
-      <dgm:spPr/>
-    </dgm:pt>
-    <dgm:pt modelId="{A55A60E6-06B8-4D6F-BA61-11C1F628ACA2}" type="pres">
-      <dgm:prSet presAssocID="{966B0C18-4944-4860-B795-E7915713E1EB}" presName="vNodes" presStyleCnt="0"/>
-      <dgm:spPr/>
-    </dgm:pt>
-    <dgm:pt modelId="{FBBA0A57-818C-400C-B18B-C229FB376116}" type="pres">
-      <dgm:prSet presAssocID="{6567A64F-D909-4277-90B4-60D22DCEE3C7}" presName="node" presStyleLbl="node1" presStyleIdx="0" presStyleCnt="3" custScaleX="159152">
-        <dgm:presLayoutVars>
-          <dgm:bulletEnabled val="1"/>
-        </dgm:presLayoutVars>
-      </dgm:prSet>
-      <dgm:spPr/>
-    </dgm:pt>
-    <dgm:pt modelId="{0D521546-5DFB-481F-BA26-51A15CC8043F}" type="pres">
-      <dgm:prSet presAssocID="{02E1345C-C605-4A10-9CC3-683DAB4A9A4D}" presName="spacerT" presStyleCnt="0"/>
-      <dgm:spPr/>
-    </dgm:pt>
-    <dgm:pt modelId="{3D44FCD5-3DAB-4FBC-9081-5EBC4729D1B5}" type="pres">
-      <dgm:prSet presAssocID="{02E1345C-C605-4A10-9CC3-683DAB4A9A4D}" presName="sibTrans" presStyleLbl="sibTrans2D1" presStyleIdx="0" presStyleCnt="2"/>
-      <dgm:spPr/>
-    </dgm:pt>
-    <dgm:pt modelId="{E842804A-B6E1-44B8-94BF-F21DB8465971}" type="pres">
-      <dgm:prSet presAssocID="{02E1345C-C605-4A10-9CC3-683DAB4A9A4D}" presName="spacerB" presStyleCnt="0"/>
-      <dgm:spPr/>
-    </dgm:pt>
-    <dgm:pt modelId="{6871BE3F-0255-4D77-A21B-D2023F500B94}" type="pres">
-      <dgm:prSet presAssocID="{C5229D52-51CC-48C7-92DB-259AB8DAF856}" presName="node" presStyleLbl="node1" presStyleIdx="1" presStyleCnt="3" custScaleX="146899">
-        <dgm:presLayoutVars>
-          <dgm:bulletEnabled val="1"/>
-        </dgm:presLayoutVars>
-      </dgm:prSet>
-      <dgm:spPr/>
-    </dgm:pt>
-    <dgm:pt modelId="{55C7BF63-EE55-483E-90A8-57FDD77495D3}" type="pres">
-      <dgm:prSet presAssocID="{966B0C18-4944-4860-B795-E7915713E1EB}" presName="sibTransLast" presStyleLbl="sibTrans2D1" presStyleIdx="1" presStyleCnt="2"/>
-      <dgm:spPr/>
-    </dgm:pt>
-    <dgm:pt modelId="{E9F55ADE-EB39-491B-96C4-5BFA9C7816F2}" type="pres">
-      <dgm:prSet presAssocID="{966B0C18-4944-4860-B795-E7915713E1EB}" presName="connectorText" presStyleLbl="sibTrans2D1" presStyleIdx="1" presStyleCnt="2"/>
-      <dgm:spPr/>
-    </dgm:pt>
-    <dgm:pt modelId="{7A8B6360-AB9D-4C5D-B836-9C591E7BCE6E}" type="pres">
-      <dgm:prSet presAssocID="{966B0C18-4944-4860-B795-E7915713E1EB}" presName="lastNode" presStyleLbl="node1" presStyleIdx="2" presStyleCnt="3">
-        <dgm:presLayoutVars>
-          <dgm:bulletEnabled val="1"/>
-        </dgm:presLayoutVars>
-      </dgm:prSet>
-      <dgm:spPr/>
-    </dgm:pt>
-  </dgm:ptLst>
-  <dgm:cxnLst>
-    <dgm:cxn modelId="{77B10912-9D8B-48BC-BD77-2011342815C1}" type="presOf" srcId="{6567A64F-D909-4277-90B4-60D22DCEE3C7}" destId="{FBBA0A57-818C-400C-B18B-C229FB376116}" srcOrd="0" destOrd="0" presId="urn:microsoft.com/office/officeart/2005/8/layout/equation2"/>
-    <dgm:cxn modelId="{130A1F2C-6025-4748-ADD0-23E1A14F101E}" type="presOf" srcId="{46CA2B06-8A26-4AF0-913A-3138FA04B191}" destId="{E9F55ADE-EB39-491B-96C4-5BFA9C7816F2}" srcOrd="1" destOrd="0" presId="urn:microsoft.com/office/officeart/2005/8/layout/equation2"/>
-    <dgm:cxn modelId="{06D05A5B-BDD5-402C-8CE2-065140085ACC}" srcId="{966B0C18-4944-4860-B795-E7915713E1EB}" destId="{C5229D52-51CC-48C7-92DB-259AB8DAF856}" srcOrd="1" destOrd="0" parTransId="{20388F80-50E7-4C3C-93EB-5A6748E51A15}" sibTransId="{46CA2B06-8A26-4AF0-913A-3138FA04B191}"/>
-    <dgm:cxn modelId="{10CE425C-5EBC-4897-8BFB-3C18A4C3BD47}" type="presOf" srcId="{EFEF750A-7F07-4475-8025-B16C89FE4127}" destId="{7A8B6360-AB9D-4C5D-B836-9C591E7BCE6E}" srcOrd="0" destOrd="0" presId="urn:microsoft.com/office/officeart/2005/8/layout/equation2"/>
-    <dgm:cxn modelId="{2D1B2463-8285-4628-B04B-D0E3298AA136}" type="presOf" srcId="{C5229D52-51CC-48C7-92DB-259AB8DAF856}" destId="{6871BE3F-0255-4D77-A21B-D2023F500B94}" srcOrd="0" destOrd="0" presId="urn:microsoft.com/office/officeart/2005/8/layout/equation2"/>
-    <dgm:cxn modelId="{678C5666-FCC0-434E-BF88-96CD52E5D640}" type="presOf" srcId="{966B0C18-4944-4860-B795-E7915713E1EB}" destId="{0F1A98A3-72C1-491E-8AB6-AEDCD042356B}" srcOrd="0" destOrd="0" presId="urn:microsoft.com/office/officeart/2005/8/layout/equation2"/>
-    <dgm:cxn modelId="{7BB4714F-1EB4-4DD9-BFB5-58E9F6C31997}" srcId="{966B0C18-4944-4860-B795-E7915713E1EB}" destId="{EFEF750A-7F07-4475-8025-B16C89FE4127}" srcOrd="2" destOrd="0" parTransId="{EE7E7B17-89BD-4A3F-B4F8-7B282787B836}" sibTransId="{C889A182-ECE4-4D44-AB10-C5A8C0280074}"/>
-    <dgm:cxn modelId="{DB604176-FB3C-429B-9208-3108D26D4150}" type="presOf" srcId="{46CA2B06-8A26-4AF0-913A-3138FA04B191}" destId="{55C7BF63-EE55-483E-90A8-57FDD77495D3}" srcOrd="0" destOrd="0" presId="urn:microsoft.com/office/officeart/2005/8/layout/equation2"/>
-    <dgm:cxn modelId="{CA312E9C-4A04-4276-ABBF-C06CFC8FDDD3}" srcId="{966B0C18-4944-4860-B795-E7915713E1EB}" destId="{6567A64F-D909-4277-90B4-60D22DCEE3C7}" srcOrd="0" destOrd="0" parTransId="{B746F3CA-CDB9-4A40-A631-DFD3DF262C1B}" sibTransId="{02E1345C-C605-4A10-9CC3-683DAB4A9A4D}"/>
-    <dgm:cxn modelId="{9DB598B9-C7B7-43F6-A4B7-0D4E4C79FFB6}" type="presOf" srcId="{02E1345C-C605-4A10-9CC3-683DAB4A9A4D}" destId="{3D44FCD5-3DAB-4FBC-9081-5EBC4729D1B5}" srcOrd="0" destOrd="0" presId="urn:microsoft.com/office/officeart/2005/8/layout/equation2"/>
-    <dgm:cxn modelId="{09418618-443B-4C7E-85DF-C0A5FF44F050}" type="presParOf" srcId="{0F1A98A3-72C1-491E-8AB6-AEDCD042356B}" destId="{A55A60E6-06B8-4D6F-BA61-11C1F628ACA2}" srcOrd="0" destOrd="0" presId="urn:microsoft.com/office/officeart/2005/8/layout/equation2"/>
-    <dgm:cxn modelId="{66222EA0-72A3-4BD7-97F1-B47E7BEAE8EB}" type="presParOf" srcId="{A55A60E6-06B8-4D6F-BA61-11C1F628ACA2}" destId="{FBBA0A57-818C-400C-B18B-C229FB376116}" srcOrd="0" destOrd="0" presId="urn:microsoft.com/office/officeart/2005/8/layout/equation2"/>
-    <dgm:cxn modelId="{645367EC-CA51-4542-81D0-DAF51DAFCB45}" type="presParOf" srcId="{A55A60E6-06B8-4D6F-BA61-11C1F628ACA2}" destId="{0D521546-5DFB-481F-BA26-51A15CC8043F}" srcOrd="1" destOrd="0" presId="urn:microsoft.com/office/officeart/2005/8/layout/equation2"/>
-    <dgm:cxn modelId="{8CC9E0EA-DDFA-441B-B064-E4D301C9E717}" type="presParOf" srcId="{A55A60E6-06B8-4D6F-BA61-11C1F628ACA2}" destId="{3D44FCD5-3DAB-4FBC-9081-5EBC4729D1B5}" srcOrd="2" destOrd="0" presId="urn:microsoft.com/office/officeart/2005/8/layout/equation2"/>
-    <dgm:cxn modelId="{A09DFB97-16A8-44C5-BC8F-00529FE682AB}" type="presParOf" srcId="{A55A60E6-06B8-4D6F-BA61-11C1F628ACA2}" destId="{E842804A-B6E1-44B8-94BF-F21DB8465971}" srcOrd="3" destOrd="0" presId="urn:microsoft.com/office/officeart/2005/8/layout/equation2"/>
-    <dgm:cxn modelId="{AE5C7CD9-9425-463E-A6A4-A5399634D3D9}" type="presParOf" srcId="{A55A60E6-06B8-4D6F-BA61-11C1F628ACA2}" destId="{6871BE3F-0255-4D77-A21B-D2023F500B94}" srcOrd="4" destOrd="0" presId="urn:microsoft.com/office/officeart/2005/8/layout/equation2"/>
-    <dgm:cxn modelId="{AC580E99-57BD-4381-98CD-51CE8CF9E3EB}" type="presParOf" srcId="{0F1A98A3-72C1-491E-8AB6-AEDCD042356B}" destId="{55C7BF63-EE55-483E-90A8-57FDD77495D3}" srcOrd="1" destOrd="0" presId="urn:microsoft.com/office/officeart/2005/8/layout/equation2"/>
-    <dgm:cxn modelId="{3A99F501-FA21-43EC-AFD5-1E04D2E40E5B}" type="presParOf" srcId="{55C7BF63-EE55-483E-90A8-57FDD77495D3}" destId="{E9F55ADE-EB39-491B-96C4-5BFA9C7816F2}" srcOrd="0" destOrd="0" presId="urn:microsoft.com/office/officeart/2005/8/layout/equation2"/>
-    <dgm:cxn modelId="{9E1535AE-CCF8-45A4-AEB5-2FC9D4F1E544}" type="presParOf" srcId="{0F1A98A3-72C1-491E-8AB6-AEDCD042356B}" destId="{7A8B6360-AB9D-4C5D-B836-9C591E7BCE6E}" srcOrd="2" destOrd="0" presId="urn:microsoft.com/office/officeart/2005/8/layout/equation2"/>
-  </dgm:cxnLst>
-  <dgm:bg/>
-  <dgm:whole/>
-  <dgm:extLst>
-    <a:ext uri="http://schemas.microsoft.com/office/drawing/2008/diagram">
-      <dsp:dataModelExt xmlns:dsp="http://schemas.microsoft.com/office/drawing/2008/diagram" relId="rId9" minVer="http://schemas.openxmlformats.org/drawingml/2006/diagram"/>
-    </a:ext>
-  </dgm:extLst>
-</dgm:dataModel>
-</file>
-
 <file path=ppt/diagrams/drawing1.xml><?xml version="1.0" encoding="utf-8"?>
 <dsp:drawing xmlns:dgm="http://schemas.openxmlformats.org/drawingml/2006/diagram" xmlns:dsp="http://schemas.microsoft.com/office/drawing/2008/diagram" xmlns:a="http://schemas.openxmlformats.org/drawingml/2006/main">
   <dsp:spTree>
@@ -5302,10 +4156,10 @@
             <a:buNone/>
           </a:pPr>
           <a:r>
-            <a:rPr lang="en-US" altLang="zh-CN" sz="1800" kern="1200" dirty="0"/>
+            <a:rPr lang="en-US" altLang="zh-CN" sz="1800" b="1" kern="1200" dirty="0"/>
             <a:t>LLVM IR</a:t>
           </a:r>
-          <a:endParaRPr lang="zh-CN" altLang="en-US" sz="1800" kern="1200" dirty="0"/>
+          <a:endParaRPr lang="zh-CN" altLang="en-US" sz="1800" b="1" kern="1200" dirty="0"/>
         </a:p>
       </dsp:txBody>
       <dsp:txXfrm>
@@ -5602,12 +4456,12 @@
         </a:fontRef>
       </dsp:style>
       <dsp:txBody>
-        <a:bodyPr spcFirstLastPara="0" vert="horz" wrap="square" lIns="11430" tIns="11430" rIns="11430" bIns="11430" numCol="1" spcCol="1270" anchor="ctr" anchorCtr="0">
+        <a:bodyPr spcFirstLastPara="0" vert="horz" wrap="square" lIns="8890" tIns="8890" rIns="8890" bIns="8890" numCol="1" spcCol="1270" anchor="ctr" anchorCtr="0">
           <a:noAutofit/>
         </a:bodyPr>
         <a:lstStyle/>
         <a:p>
-          <a:pPr marL="0" lvl="0" indent="0" algn="ctr" defTabSz="800100">
+          <a:pPr marL="0" lvl="0" indent="0" algn="ctr" defTabSz="622300">
             <a:lnSpc>
               <a:spcPct val="90000"/>
             </a:lnSpc>
@@ -5620,10 +4474,10 @@
             <a:buNone/>
           </a:pPr>
           <a:r>
-            <a:rPr lang="en-US" altLang="zh-CN" sz="1800" kern="1200" dirty="0" err="1"/>
-            <a:t>IRInstruction</a:t>
+            <a:rPr lang="en-US" sz="1400" b="0" kern="1200" dirty="0" err="1"/>
+            <a:t>LoadInstruction</a:t>
           </a:r>
-          <a:endParaRPr lang="zh-CN" altLang="en-US" sz="1800" kern="1200" dirty="0"/>
+          <a:endParaRPr lang="zh-CN" altLang="en-US" sz="1400" b="0" kern="1200" dirty="0"/>
         </a:p>
       </dsp:txBody>
       <dsp:txXfrm>
@@ -5708,12 +4562,12 @@
         </a:fontRef>
       </dsp:style>
       <dsp:txBody>
-        <a:bodyPr spcFirstLastPara="0" vert="horz" wrap="square" lIns="11430" tIns="11430" rIns="11430" bIns="11430" numCol="1" spcCol="1270" anchor="ctr" anchorCtr="0">
+        <a:bodyPr spcFirstLastPara="0" vert="horz" wrap="square" lIns="8890" tIns="8890" rIns="8890" bIns="8890" numCol="1" spcCol="1270" anchor="ctr" anchorCtr="0">
           <a:noAutofit/>
         </a:bodyPr>
         <a:lstStyle/>
         <a:p>
-          <a:pPr marL="0" lvl="0" indent="0" algn="ctr" defTabSz="800100">
+          <a:pPr marL="0" lvl="0" indent="0" algn="ctr" defTabSz="622300">
             <a:lnSpc>
               <a:spcPct val="90000"/>
             </a:lnSpc>
@@ -5726,10 +4580,10 @@
             <a:buNone/>
           </a:pPr>
           <a:r>
-            <a:rPr lang="en-US" altLang="zh-CN" sz="1800" kern="1200" dirty="0" err="1"/>
-            <a:t>IRInstruction</a:t>
+            <a:rPr lang="en-US" sz="1400" b="1" kern="1200" dirty="0" err="1"/>
+            <a:t>IcmpInstruction</a:t>
           </a:r>
-          <a:endParaRPr lang="zh-CN" altLang="en-US" sz="1800" kern="1200" dirty="0"/>
+          <a:endParaRPr lang="zh-CN" altLang="en-US" sz="1400" kern="1200" dirty="0"/>
         </a:p>
       </dsp:txBody>
       <dsp:txXfrm>
@@ -5814,12 +4668,12 @@
         </a:fontRef>
       </dsp:style>
       <dsp:txBody>
-        <a:bodyPr spcFirstLastPara="0" vert="horz" wrap="square" lIns="11430" tIns="11430" rIns="11430" bIns="11430" numCol="1" spcCol="1270" anchor="ctr" anchorCtr="0">
+        <a:bodyPr spcFirstLastPara="0" vert="horz" wrap="square" lIns="8890" tIns="8890" rIns="8890" bIns="8890" numCol="1" spcCol="1270" anchor="ctr" anchorCtr="0">
           <a:noAutofit/>
         </a:bodyPr>
         <a:lstStyle/>
         <a:p>
-          <a:pPr marL="0" lvl="0" indent="0" algn="ctr" defTabSz="800100">
+          <a:pPr marL="0" lvl="0" indent="0" algn="ctr" defTabSz="622300">
             <a:lnSpc>
               <a:spcPct val="90000"/>
             </a:lnSpc>
@@ -5832,10 +4686,10 @@
             <a:buNone/>
           </a:pPr>
           <a:r>
-            <a:rPr lang="en-US" altLang="zh-CN" sz="1800" kern="1200" dirty="0"/>
+            <a:rPr lang="en-US" altLang="zh-CN" sz="1400" kern="1200" dirty="0"/>
             <a:t>…</a:t>
           </a:r>
-          <a:endParaRPr lang="zh-CN" altLang="en-US" sz="1800" kern="1200" dirty="0"/>
+          <a:endParaRPr lang="zh-CN" altLang="en-US" sz="1400" kern="1200" dirty="0"/>
         </a:p>
       </dsp:txBody>
       <dsp:txXfrm>
@@ -5920,12 +4774,12 @@
         </a:fontRef>
       </dsp:style>
       <dsp:txBody>
-        <a:bodyPr spcFirstLastPara="0" vert="horz" wrap="square" lIns="11430" tIns="11430" rIns="11430" bIns="11430" numCol="1" spcCol="1270" anchor="ctr" anchorCtr="0">
+        <a:bodyPr spcFirstLastPara="0" vert="horz" wrap="square" lIns="8890" tIns="8890" rIns="8890" bIns="8890" numCol="1" spcCol="1270" anchor="ctr" anchorCtr="0">
           <a:noAutofit/>
         </a:bodyPr>
         <a:lstStyle/>
         <a:p>
-          <a:pPr marL="0" lvl="0" indent="0" algn="ctr" defTabSz="800100">
+          <a:pPr marL="0" lvl="0" indent="0" algn="ctr" defTabSz="622300">
             <a:lnSpc>
               <a:spcPct val="90000"/>
             </a:lnSpc>
@@ -5938,10 +4792,10 @@
             <a:buNone/>
           </a:pPr>
           <a:r>
-            <a:rPr lang="en-US" altLang="zh-CN" sz="1800" kern="1200" dirty="0" err="1"/>
-            <a:t>IRInstruction</a:t>
+            <a:rPr lang="en-US" sz="1400" b="1" kern="1200" dirty="0" err="1"/>
+            <a:t>StoreInstruction</a:t>
           </a:r>
-          <a:endParaRPr lang="zh-CN" altLang="en-US" sz="1800" kern="1200" dirty="0"/>
+          <a:endParaRPr lang="zh-CN" altLang="en-US" sz="1400" kern="1200" dirty="0"/>
         </a:p>
       </dsp:txBody>
       <dsp:txXfrm>
@@ -6738,12 +5592,12 @@
         </a:fontRef>
       </dsp:style>
       <dsp:txBody>
-        <a:bodyPr spcFirstLastPara="0" vert="horz" wrap="square" lIns="9525" tIns="9525" rIns="9525" bIns="9525" numCol="1" spcCol="1270" anchor="ctr" anchorCtr="0">
+        <a:bodyPr spcFirstLastPara="0" vert="horz" wrap="square" lIns="11430" tIns="11430" rIns="11430" bIns="11430" numCol="1" spcCol="1270" anchor="ctr" anchorCtr="0">
           <a:noAutofit/>
         </a:bodyPr>
         <a:lstStyle/>
         <a:p>
-          <a:pPr marL="0" lvl="0" indent="0" algn="ctr" defTabSz="666750">
+          <a:pPr marL="0" lvl="0" indent="0" algn="ctr" defTabSz="800100">
             <a:lnSpc>
               <a:spcPct val="90000"/>
             </a:lnSpc>
@@ -6756,10 +5610,10 @@
             <a:buNone/>
           </a:pPr>
           <a:r>
-            <a:rPr lang="en-US" altLang="zh-CN" sz="1500" kern="1200" dirty="0"/>
+            <a:rPr lang="en-US" altLang="zh-CN" sz="1800" b="1" kern="1200" dirty="0"/>
             <a:t>RISCV</a:t>
           </a:r>
-          <a:endParaRPr lang="zh-CN" altLang="en-US" sz="1500" kern="1200" dirty="0"/>
+          <a:endParaRPr lang="zh-CN" altLang="en-US" sz="1800" b="1" kern="1200" dirty="0"/>
         </a:p>
       </dsp:txBody>
       <dsp:txXfrm>
@@ -6844,12 +5698,12 @@
         </a:fontRef>
       </dsp:style>
       <dsp:txBody>
-        <a:bodyPr spcFirstLastPara="0" vert="horz" wrap="square" lIns="9525" tIns="9525" rIns="9525" bIns="9525" numCol="1" spcCol="1270" anchor="ctr" anchorCtr="0">
+        <a:bodyPr spcFirstLastPara="0" vert="horz" wrap="square" lIns="11430" tIns="11430" rIns="11430" bIns="11430" numCol="1" spcCol="1270" anchor="ctr" anchorCtr="0">
           <a:noAutofit/>
         </a:bodyPr>
         <a:lstStyle/>
         <a:p>
-          <a:pPr marL="0" lvl="0" indent="0" algn="ctr" defTabSz="666750">
+          <a:pPr marL="0" lvl="0" indent="0" algn="ctr" defTabSz="800100">
             <a:lnSpc>
               <a:spcPct val="90000"/>
             </a:lnSpc>
@@ -6862,10 +5716,10 @@
             <a:buNone/>
           </a:pPr>
           <a:r>
-            <a:rPr lang="en-US" altLang="zh-CN" sz="1500" kern="1200" dirty="0" err="1"/>
+            <a:rPr lang="en-US" altLang="zh-CN" sz="1800" kern="1200" dirty="0" err="1"/>
             <a:t>RISCVBlock</a:t>
           </a:r>
-          <a:endParaRPr lang="zh-CN" altLang="en-US" sz="1500" kern="1200" dirty="0"/>
+          <a:endParaRPr lang="zh-CN" altLang="en-US" sz="1800" kern="1200" dirty="0"/>
         </a:p>
       </dsp:txBody>
       <dsp:txXfrm>
@@ -6950,12 +5804,12 @@
         </a:fontRef>
       </dsp:style>
       <dsp:txBody>
-        <a:bodyPr spcFirstLastPara="0" vert="horz" wrap="square" lIns="9525" tIns="9525" rIns="9525" bIns="9525" numCol="1" spcCol="1270" anchor="ctr" anchorCtr="0">
+        <a:bodyPr spcFirstLastPara="0" vert="horz" wrap="square" lIns="11430" tIns="11430" rIns="11430" bIns="11430" numCol="1" spcCol="1270" anchor="ctr" anchorCtr="0">
           <a:noAutofit/>
         </a:bodyPr>
         <a:lstStyle/>
         <a:p>
-          <a:pPr marL="0" lvl="0" indent="0" algn="ctr" defTabSz="666750">
+          <a:pPr marL="0" lvl="0" indent="0" algn="ctr" defTabSz="800100">
             <a:lnSpc>
               <a:spcPct val="90000"/>
             </a:lnSpc>
@@ -6968,10 +5822,10 @@
             <a:buNone/>
           </a:pPr>
           <a:r>
-            <a:rPr lang="en-US" altLang="zh-CN" sz="1500" kern="1200" dirty="0" err="1"/>
+            <a:rPr lang="en-US" altLang="zh-CN" sz="1800" kern="1200" dirty="0" err="1"/>
             <a:t>RISCVBlock</a:t>
           </a:r>
-          <a:endParaRPr lang="zh-CN" altLang="en-US" sz="1500" kern="1200" dirty="0"/>
+          <a:endParaRPr lang="zh-CN" altLang="en-US" sz="1800" kern="1200" dirty="0"/>
         </a:p>
       </dsp:txBody>
       <dsp:txXfrm>
@@ -7480,12 +6334,12 @@
         </a:fontRef>
       </dsp:style>
       <dsp:txBody>
-        <a:bodyPr spcFirstLastPara="0" vert="horz" wrap="square" lIns="9525" tIns="9525" rIns="9525" bIns="9525" numCol="1" spcCol="1270" anchor="ctr" anchorCtr="0">
+        <a:bodyPr spcFirstLastPara="0" vert="horz" wrap="square" lIns="11430" tIns="11430" rIns="11430" bIns="11430" numCol="1" spcCol="1270" anchor="ctr" anchorCtr="0">
           <a:noAutofit/>
         </a:bodyPr>
         <a:lstStyle/>
         <a:p>
-          <a:pPr marL="0" lvl="0" indent="0" algn="ctr" defTabSz="666750">
+          <a:pPr marL="0" lvl="0" indent="0" algn="ctr" defTabSz="800100">
             <a:lnSpc>
               <a:spcPct val="90000"/>
             </a:lnSpc>
@@ -7498,10 +6352,10 @@
             <a:buNone/>
           </a:pPr>
           <a:r>
-            <a:rPr lang="en-US" altLang="zh-CN" sz="1500" kern="1200" dirty="0"/>
+            <a:rPr lang="en-US" altLang="zh-CN" sz="1800" kern="1200" dirty="0"/>
             <a:t>…</a:t>
           </a:r>
-          <a:endParaRPr lang="zh-CN" altLang="en-US" sz="1500" kern="1200" dirty="0"/>
+          <a:endParaRPr lang="zh-CN" altLang="en-US" sz="1800" kern="1200" dirty="0"/>
         </a:p>
       </dsp:txBody>
       <dsp:txXfrm>
@@ -7586,12 +6440,12 @@
         </a:fontRef>
       </dsp:style>
       <dsp:txBody>
-        <a:bodyPr spcFirstLastPara="0" vert="horz" wrap="square" lIns="9525" tIns="9525" rIns="9525" bIns="9525" numCol="1" spcCol="1270" anchor="ctr" anchorCtr="0">
+        <a:bodyPr spcFirstLastPara="0" vert="horz" wrap="square" lIns="11430" tIns="11430" rIns="11430" bIns="11430" numCol="1" spcCol="1270" anchor="ctr" anchorCtr="0">
           <a:noAutofit/>
         </a:bodyPr>
         <a:lstStyle/>
         <a:p>
-          <a:pPr marL="0" lvl="0" indent="0" algn="ctr" defTabSz="666750">
+          <a:pPr marL="0" lvl="0" indent="0" algn="ctr" defTabSz="800100">
             <a:lnSpc>
               <a:spcPct val="90000"/>
             </a:lnSpc>
@@ -7604,433 +6458,15 @@
             <a:buNone/>
           </a:pPr>
           <a:r>
-            <a:rPr lang="en-US" altLang="zh-CN" sz="1500" kern="1200" dirty="0" err="1"/>
+            <a:rPr lang="en-US" altLang="zh-CN" sz="1800" kern="1200" dirty="0" err="1"/>
             <a:t>RISCVBlock</a:t>
           </a:r>
-          <a:endParaRPr lang="zh-CN" altLang="en-US" sz="1500" kern="1200" dirty="0"/>
+          <a:endParaRPr lang="zh-CN" altLang="en-US" sz="1800" kern="1200" dirty="0"/>
         </a:p>
       </dsp:txBody>
       <dsp:txXfrm>
         <a:off x="1572042" y="2810732"/>
         <a:ext cx="1308563" cy="399111"/>
-      </dsp:txXfrm>
-    </dsp:sp>
-  </dsp:spTree>
-</dsp:drawing>
-</file>
-
-<file path=ppt/diagrams/drawing3.xml><?xml version="1.0" encoding="utf-8"?>
-<dsp:drawing xmlns:dgm="http://schemas.openxmlformats.org/drawingml/2006/diagram" xmlns:dsp="http://schemas.microsoft.com/office/drawing/2008/diagram" xmlns:a="http://schemas.openxmlformats.org/drawingml/2006/main">
-  <dsp:spTree>
-    <dsp:nvGrpSpPr>
-      <dsp:cNvPr id="0" name=""/>
-      <dsp:cNvGrpSpPr/>
-    </dsp:nvGrpSpPr>
-    <dsp:grpSpPr/>
-    <dsp:sp modelId="{FBBA0A57-818C-400C-B18B-C229FB376116}">
-      <dsp:nvSpPr>
-        <dsp:cNvPr id="0" name=""/>
-        <dsp:cNvSpPr/>
-      </dsp:nvSpPr>
-      <dsp:spPr>
-        <a:xfrm>
-          <a:off x="679" y="205611"/>
-          <a:ext cx="2386929" cy="1499779"/>
-        </a:xfrm>
-        <a:prstGeom prst="ellipse">
-          <a:avLst/>
-        </a:prstGeom>
-        <a:solidFill>
-          <a:schemeClr val="accent2">
-            <a:hueOff val="0"/>
-            <a:satOff val="0"/>
-            <a:lumOff val="0"/>
-            <a:alphaOff val="0"/>
-          </a:schemeClr>
-        </a:solidFill>
-        <a:ln w="12700" cap="flat" cmpd="sng" algn="ctr">
-          <a:solidFill>
-            <a:schemeClr val="lt1">
-              <a:hueOff val="0"/>
-              <a:satOff val="0"/>
-              <a:lumOff val="0"/>
-              <a:alphaOff val="0"/>
-            </a:schemeClr>
-          </a:solidFill>
-          <a:prstDash val="solid"/>
-          <a:miter lim="800000"/>
-        </a:ln>
-        <a:effectLst/>
-      </dsp:spPr>
-      <dsp:style>
-        <a:lnRef idx="2">
-          <a:scrgbClr r="0" g="0" b="0"/>
-        </a:lnRef>
-        <a:fillRef idx="1">
-          <a:scrgbClr r="0" g="0" b="0"/>
-        </a:fillRef>
-        <a:effectRef idx="0">
-          <a:scrgbClr r="0" g="0" b="0"/>
-        </a:effectRef>
-        <a:fontRef idx="minor">
-          <a:schemeClr val="lt1"/>
-        </a:fontRef>
-      </dsp:style>
-      <dsp:txBody>
-        <a:bodyPr spcFirstLastPara="0" vert="horz" wrap="square" lIns="30480" tIns="30480" rIns="30480" bIns="30480" numCol="1" spcCol="1270" anchor="ctr" anchorCtr="0">
-          <a:noAutofit/>
-        </a:bodyPr>
-        <a:lstStyle/>
-        <a:p>
-          <a:pPr marL="0" lvl="0" indent="0" algn="ctr" defTabSz="1066800">
-            <a:lnSpc>
-              <a:spcPct val="90000"/>
-            </a:lnSpc>
-            <a:spcBef>
-              <a:spcPct val="0"/>
-            </a:spcBef>
-            <a:spcAft>
-              <a:spcPct val="35000"/>
-            </a:spcAft>
-            <a:buNone/>
-          </a:pPr>
-          <a:r>
-            <a:rPr lang="zh-CN" altLang="en-US" sz="2400" kern="1200" dirty="0"/>
-            <a:t>计算</a:t>
-          </a:r>
-          <a:endParaRPr lang="en-US" altLang="zh-CN" sz="2400" kern="1200" dirty="0"/>
-        </a:p>
-        <a:p>
-          <a:pPr marL="0" lvl="0" indent="0" algn="ctr" defTabSz="1066800">
-            <a:lnSpc>
-              <a:spcPct val="90000"/>
-            </a:lnSpc>
-            <a:spcBef>
-              <a:spcPct val="0"/>
-            </a:spcBef>
-            <a:spcAft>
-              <a:spcPct val="35000"/>
-            </a:spcAft>
-            <a:buNone/>
-          </a:pPr>
-          <a:r>
-            <a:rPr lang="zh-CN" altLang="en-US" sz="2400" kern="1200" dirty="0"/>
-            <a:t>栈帧信息</a:t>
-          </a:r>
-        </a:p>
-      </dsp:txBody>
-      <dsp:txXfrm>
-        <a:off x="350237" y="425249"/>
-        <a:ext cx="1687813" cy="1060503"/>
-      </dsp:txXfrm>
-    </dsp:sp>
-    <dsp:sp modelId="{3D44FCD5-3DAB-4FBC-9081-5EBC4729D1B5}">
-      <dsp:nvSpPr>
-        <dsp:cNvPr id="0" name=""/>
-        <dsp:cNvSpPr/>
-      </dsp:nvSpPr>
-      <dsp:spPr>
-        <a:xfrm>
-          <a:off x="759207" y="1827172"/>
-          <a:ext cx="869872" cy="869872"/>
-        </a:xfrm>
-        <a:prstGeom prst="mathPlus">
-          <a:avLst/>
-        </a:prstGeom>
-        <a:solidFill>
-          <a:schemeClr val="accent2">
-            <a:hueOff val="0"/>
-            <a:satOff val="0"/>
-            <a:lumOff val="0"/>
-            <a:alphaOff val="0"/>
-          </a:schemeClr>
-        </a:solidFill>
-        <a:ln>
-          <a:noFill/>
-        </a:ln>
-        <a:effectLst/>
-      </dsp:spPr>
-      <dsp:style>
-        <a:lnRef idx="0">
-          <a:scrgbClr r="0" g="0" b="0"/>
-        </a:lnRef>
-        <a:fillRef idx="1">
-          <a:scrgbClr r="0" g="0" b="0"/>
-        </a:fillRef>
-        <a:effectRef idx="0">
-          <a:scrgbClr r="0" g="0" b="0"/>
-        </a:effectRef>
-        <a:fontRef idx="minor">
-          <a:schemeClr val="lt1"/>
-        </a:fontRef>
-      </dsp:style>
-      <dsp:txBody>
-        <a:bodyPr spcFirstLastPara="0" vert="horz" wrap="square" lIns="0" tIns="0" rIns="0" bIns="0" numCol="1" spcCol="1270" anchor="ctr" anchorCtr="0">
-          <a:noAutofit/>
-        </a:bodyPr>
-        <a:lstStyle/>
-        <a:p>
-          <a:pPr marL="0" lvl="0" indent="0" algn="ctr" defTabSz="577850">
-            <a:lnSpc>
-              <a:spcPct val="90000"/>
-            </a:lnSpc>
-            <a:spcBef>
-              <a:spcPct val="0"/>
-            </a:spcBef>
-            <a:spcAft>
-              <a:spcPct val="35000"/>
-            </a:spcAft>
-            <a:buNone/>
-          </a:pPr>
-          <a:endParaRPr lang="zh-CN" altLang="en-US" sz="1300" kern="1200"/>
-        </a:p>
-      </dsp:txBody>
-      <dsp:txXfrm>
-        <a:off x="874509" y="2159811"/>
-        <a:ext cx="639268" cy="204594"/>
-      </dsp:txXfrm>
-    </dsp:sp>
-    <dsp:sp modelId="{6871BE3F-0255-4D77-A21B-D2023F500B94}">
-      <dsp:nvSpPr>
-        <dsp:cNvPr id="0" name=""/>
-        <dsp:cNvSpPr/>
-      </dsp:nvSpPr>
-      <dsp:spPr>
-        <a:xfrm>
-          <a:off x="92563" y="2818827"/>
-          <a:ext cx="2203161" cy="1499779"/>
-        </a:xfrm>
-        <a:prstGeom prst="ellipse">
-          <a:avLst/>
-        </a:prstGeom>
-        <a:solidFill>
-          <a:schemeClr val="accent3">
-            <a:hueOff val="0"/>
-            <a:satOff val="0"/>
-            <a:lumOff val="0"/>
-            <a:alphaOff val="0"/>
-          </a:schemeClr>
-        </a:solidFill>
-        <a:ln w="12700" cap="flat" cmpd="sng" algn="ctr">
-          <a:solidFill>
-            <a:schemeClr val="lt1">
-              <a:hueOff val="0"/>
-              <a:satOff val="0"/>
-              <a:lumOff val="0"/>
-              <a:alphaOff val="0"/>
-            </a:schemeClr>
-          </a:solidFill>
-          <a:prstDash val="solid"/>
-          <a:miter lim="800000"/>
-        </a:ln>
-        <a:effectLst/>
-      </dsp:spPr>
-      <dsp:style>
-        <a:lnRef idx="2">
-          <a:scrgbClr r="0" g="0" b="0"/>
-        </a:lnRef>
-        <a:fillRef idx="1">
-          <a:scrgbClr r="0" g="0" b="0"/>
-        </a:fillRef>
-        <a:effectRef idx="0">
-          <a:scrgbClr r="0" g="0" b="0"/>
-        </a:effectRef>
-        <a:fontRef idx="minor">
-          <a:schemeClr val="lt1"/>
-        </a:fontRef>
-      </dsp:style>
-      <dsp:txBody>
-        <a:bodyPr spcFirstLastPara="0" vert="horz" wrap="square" lIns="21590" tIns="21590" rIns="21590" bIns="21590" numCol="1" spcCol="1270" anchor="ctr" anchorCtr="0">
-          <a:noAutofit/>
-        </a:bodyPr>
-        <a:lstStyle/>
-        <a:p>
-          <a:pPr marL="0" lvl="0" indent="0" algn="ctr" defTabSz="755650">
-            <a:lnSpc>
-              <a:spcPct val="90000"/>
-            </a:lnSpc>
-            <a:spcBef>
-              <a:spcPct val="0"/>
-            </a:spcBef>
-            <a:spcAft>
-              <a:spcPct val="35000"/>
-            </a:spcAft>
-            <a:buNone/>
-          </a:pPr>
-          <a:r>
-            <a:rPr lang="zh-CN" altLang="en-US" sz="1700" kern="1200" dirty="0"/>
-            <a:t>将 </a:t>
-          </a:r>
-          <a:r>
-            <a:rPr lang="en-US" altLang="zh-CN" sz="1700" kern="1200" dirty="0" err="1"/>
-            <a:t>IRInstruction</a:t>
-          </a:r>
-          <a:r>
-            <a:rPr lang="en-US" altLang="zh-CN" sz="1700" kern="1200" dirty="0"/>
-            <a:t> </a:t>
-          </a:r>
-          <a:r>
-            <a:rPr lang="zh-CN" altLang="en-US" sz="1700" kern="1200" dirty="0"/>
-            <a:t>逐条翻译为</a:t>
-          </a:r>
-          <a:r>
-            <a:rPr lang="en-US" altLang="zh-CN" sz="1700" kern="1200" dirty="0" err="1"/>
-            <a:t>RISCVInstruction</a:t>
-          </a:r>
-          <a:endParaRPr lang="zh-CN" altLang="en-US" sz="1700" kern="1200" dirty="0"/>
-        </a:p>
-      </dsp:txBody>
-      <dsp:txXfrm>
-        <a:off x="415208" y="3038465"/>
-        <a:ext cx="1557871" cy="1060503"/>
-      </dsp:txXfrm>
-    </dsp:sp>
-    <dsp:sp modelId="{55C7BF63-EE55-483E-90A8-57FDD77495D3}">
-      <dsp:nvSpPr>
-        <dsp:cNvPr id="0" name=""/>
-        <dsp:cNvSpPr/>
-      </dsp:nvSpPr>
-      <dsp:spPr>
-        <a:xfrm>
-          <a:off x="2612575" y="1983149"/>
-          <a:ext cx="476929" cy="557918"/>
-        </a:xfrm>
-        <a:prstGeom prst="rightArrow">
-          <a:avLst>
-            <a:gd name="adj1" fmla="val 60000"/>
-            <a:gd name="adj2" fmla="val 50000"/>
-          </a:avLst>
-        </a:prstGeom>
-        <a:solidFill>
-          <a:schemeClr val="accent3">
-            <a:hueOff val="0"/>
-            <a:satOff val="0"/>
-            <a:lumOff val="0"/>
-            <a:alphaOff val="0"/>
-          </a:schemeClr>
-        </a:solidFill>
-        <a:ln>
-          <a:noFill/>
-        </a:ln>
-        <a:effectLst/>
-      </dsp:spPr>
-      <dsp:style>
-        <a:lnRef idx="0">
-          <a:scrgbClr r="0" g="0" b="0"/>
-        </a:lnRef>
-        <a:fillRef idx="1">
-          <a:scrgbClr r="0" g="0" b="0"/>
-        </a:fillRef>
-        <a:effectRef idx="0">
-          <a:scrgbClr r="0" g="0" b="0"/>
-        </a:effectRef>
-        <a:fontRef idx="minor">
-          <a:schemeClr val="lt1"/>
-        </a:fontRef>
-      </dsp:style>
-      <dsp:txBody>
-        <a:bodyPr spcFirstLastPara="0" vert="horz" wrap="square" lIns="0" tIns="0" rIns="0" bIns="0" numCol="1" spcCol="1270" anchor="ctr" anchorCtr="0">
-          <a:noAutofit/>
-        </a:bodyPr>
-        <a:lstStyle/>
-        <a:p>
-          <a:pPr marL="0" lvl="0" indent="0" algn="ctr" defTabSz="577850">
-            <a:lnSpc>
-              <a:spcPct val="90000"/>
-            </a:lnSpc>
-            <a:spcBef>
-              <a:spcPct val="0"/>
-            </a:spcBef>
-            <a:spcAft>
-              <a:spcPct val="35000"/>
-            </a:spcAft>
-            <a:buNone/>
-          </a:pPr>
-          <a:endParaRPr lang="zh-CN" altLang="en-US" sz="1300" kern="1200"/>
-        </a:p>
-      </dsp:txBody>
-      <dsp:txXfrm>
-        <a:off x="2612575" y="2094733"/>
-        <a:ext cx="333850" cy="334750"/>
-      </dsp:txXfrm>
-    </dsp:sp>
-    <dsp:sp modelId="{7A8B6360-AB9D-4C5D-B836-9C591E7BCE6E}">
-      <dsp:nvSpPr>
-        <dsp:cNvPr id="0" name=""/>
-        <dsp:cNvSpPr/>
-      </dsp:nvSpPr>
-      <dsp:spPr>
-        <a:xfrm>
-          <a:off x="3287476" y="762329"/>
-          <a:ext cx="2999559" cy="2999559"/>
-        </a:xfrm>
-        <a:prstGeom prst="ellipse">
-          <a:avLst/>
-        </a:prstGeom>
-        <a:solidFill>
-          <a:schemeClr val="accent4">
-            <a:hueOff val="0"/>
-            <a:satOff val="0"/>
-            <a:lumOff val="0"/>
-            <a:alphaOff val="0"/>
-          </a:schemeClr>
-        </a:solidFill>
-        <a:ln w="12700" cap="flat" cmpd="sng" algn="ctr">
-          <a:solidFill>
-            <a:schemeClr val="lt1">
-              <a:hueOff val="0"/>
-              <a:satOff val="0"/>
-              <a:lumOff val="0"/>
-              <a:alphaOff val="0"/>
-            </a:schemeClr>
-          </a:solidFill>
-          <a:prstDash val="solid"/>
-          <a:miter lim="800000"/>
-        </a:ln>
-        <a:effectLst/>
-      </dsp:spPr>
-      <dsp:style>
-        <a:lnRef idx="2">
-          <a:scrgbClr r="0" g="0" b="0"/>
-        </a:lnRef>
-        <a:fillRef idx="1">
-          <a:scrgbClr r="0" g="0" b="0"/>
-        </a:fillRef>
-        <a:effectRef idx="0">
-          <a:scrgbClr r="0" g="0" b="0"/>
-        </a:effectRef>
-        <a:fontRef idx="minor">
-          <a:schemeClr val="lt1"/>
-        </a:fontRef>
-      </dsp:style>
-      <dsp:txBody>
-        <a:bodyPr spcFirstLastPara="0" vert="horz" wrap="square" lIns="82550" tIns="82550" rIns="82550" bIns="82550" numCol="1" spcCol="1270" anchor="ctr" anchorCtr="0">
-          <a:noAutofit/>
-        </a:bodyPr>
-        <a:lstStyle/>
-        <a:p>
-          <a:pPr marL="0" lvl="0" indent="0" algn="ctr" defTabSz="2889250">
-            <a:lnSpc>
-              <a:spcPct val="90000"/>
-            </a:lnSpc>
-            <a:spcBef>
-              <a:spcPct val="0"/>
-            </a:spcBef>
-            <a:spcAft>
-              <a:spcPct val="35000"/>
-            </a:spcAft>
-            <a:buNone/>
-          </a:pPr>
-          <a:r>
-            <a:rPr lang="en-US" altLang="zh-CN" sz="6500" kern="1200" dirty="0"/>
-            <a:t>RISCV</a:t>
-          </a:r>
-          <a:endParaRPr lang="zh-CN" altLang="en-US" sz="6500" kern="1200" dirty="0"/>
-        </a:p>
-      </dsp:txBody>
-      <dsp:txXfrm>
-        <a:off x="3726751" y="1201604"/>
-        <a:ext cx="2121009" cy="2121009"/>
       </dsp:txXfrm>
     </dsp:sp>
   </dsp:spTree>
@@ -10405,271 +8841,6 @@
 </dgm:layoutDef>
 </file>
 
-<file path=ppt/diagrams/layout3.xml><?xml version="1.0" encoding="utf-8"?>
-<dgm:layoutDef xmlns:dgm="http://schemas.openxmlformats.org/drawingml/2006/diagram" xmlns:a="http://schemas.openxmlformats.org/drawingml/2006/main" uniqueId="urn:microsoft.com/office/officeart/2005/8/layout/equation2">
-  <dgm:title val=""/>
-  <dgm:desc val=""/>
-  <dgm:catLst>
-    <dgm:cat type="relationship" pri="18000"/>
-    <dgm:cat type="process" pri="26000"/>
-  </dgm:catLst>
-  <dgm:sampData useDef="1">
-    <dgm:dataModel>
-      <dgm:ptLst/>
-      <dgm:bg/>
-      <dgm:whole/>
-    </dgm:dataModel>
-  </dgm:sampData>
-  <dgm:styleData>
-    <dgm:dataModel>
-      <dgm:ptLst>
-        <dgm:pt modelId="0" type="doc"/>
-        <dgm:pt modelId="1"/>
-        <dgm:pt modelId="2"/>
-      </dgm:ptLst>
-      <dgm:cxnLst>
-        <dgm:cxn modelId="3" srcId="0" destId="1" srcOrd="0" destOrd="0"/>
-        <dgm:cxn modelId="4" srcId="0" destId="2" srcOrd="1" destOrd="0"/>
-      </dgm:cxnLst>
-      <dgm:bg/>
-      <dgm:whole/>
-    </dgm:dataModel>
-  </dgm:styleData>
-  <dgm:clrData>
-    <dgm:dataModel>
-      <dgm:ptLst>
-        <dgm:pt modelId="0" type="doc"/>
-        <dgm:pt modelId="1"/>
-        <dgm:pt modelId="2"/>
-        <dgm:pt modelId="3"/>
-        <dgm:pt modelId="4"/>
-      </dgm:ptLst>
-      <dgm:cxnLst>
-        <dgm:cxn modelId="5" srcId="0" destId="1" srcOrd="0" destOrd="0"/>
-        <dgm:cxn modelId="6" srcId="0" destId="2" srcOrd="1" destOrd="0"/>
-        <dgm:cxn modelId="7" srcId="0" destId="3" srcOrd="2" destOrd="0"/>
-        <dgm:cxn modelId="8" srcId="0" destId="4" srcOrd="3" destOrd="0"/>
-      </dgm:cxnLst>
-      <dgm:bg/>
-      <dgm:whole/>
-    </dgm:dataModel>
-  </dgm:clrData>
-  <dgm:layoutNode name="Name0">
-    <dgm:varLst>
-      <dgm:dir/>
-      <dgm:resizeHandles val="exact"/>
-    </dgm:varLst>
-    <dgm:choose name="Name1">
-      <dgm:if name="Name2" func="var" arg="dir" op="equ" val="norm">
-        <dgm:alg type="lin">
-          <dgm:param type="linDir" val="fromL"/>
-          <dgm:param type="fallback" val="2D"/>
-        </dgm:alg>
-      </dgm:if>
-      <dgm:else name="Name3">
-        <dgm:alg type="lin">
-          <dgm:param type="linDir" val="fromR"/>
-          <dgm:param type="fallback" val="2D"/>
-        </dgm:alg>
-      </dgm:else>
-    </dgm:choose>
-    <dgm:shape xmlns:r="http://schemas.openxmlformats.org/officeDocument/2006/relationships" r:blip="">
-      <dgm:adjLst/>
-    </dgm:shape>
-    <dgm:presOf/>
-    <dgm:choose name="Name4">
-      <dgm:if name="Name5" axis="ch" ptType="node" func="cnt" op="gte" val="3">
-        <dgm:constrLst>
-          <dgm:constr type="h" for="des" forName="node" refType="w" fact="0.5"/>
-          <dgm:constr type="w" for="ch" forName="lastNode" refType="w"/>
-          <dgm:constr type="w" for="des" forName="node" refType="h" refFor="des" refForName="node"/>
-          <dgm:constr type="w" for="ch" forName="sibTransLast" refType="h" refFor="des" refForName="node" fact="0.6"/>
-          <dgm:constr type="h" for="des" forName="sibTrans" refType="h" refFor="des" refForName="node" op="equ" fact="0.58"/>
-          <dgm:constr type="w" for="des" forName="sibTrans" refType="h" refFor="des" refForName="sibTrans" op="equ"/>
-          <dgm:constr type="primFontSz" for="ch" forName="lastNode" op="equ" val="65"/>
-          <dgm:constr type="primFontSz" for="des" forName="node" op="equ" val="65"/>
-          <dgm:constr type="primFontSz" for="des" forName="sibTrans" val="55"/>
-          <dgm:constr type="primFontSz" for="des" forName="sibTrans" refType="primFontSz" refFor="des" refForName="node" op="lte" fact="0.8"/>
-          <dgm:constr type="primFontSz" for="des" forName="connectorText" refType="primFontSz" refFor="des" refForName="node" op="lte" fact="0.8"/>
-          <dgm:constr type="primFontSz" for="des" forName="connectorText" refType="primFontSz" refFor="des" refForName="sibTrans" op="equ"/>
-          <dgm:constr type="h" for="des" forName="spacerT" refType="h" refFor="des" refForName="sibTrans" fact="0.14"/>
-          <dgm:constr type="h" for="des" forName="spacerB" refType="h" refFor="des" refForName="sibTrans" fact="0.14"/>
-        </dgm:constrLst>
-      </dgm:if>
-      <dgm:else name="Name6">
-        <dgm:constrLst>
-          <dgm:constr type="h" for="des" forName="node" refType="w"/>
-          <dgm:constr type="w" for="ch" forName="lastNode" refType="w"/>
-          <dgm:constr type="w" for="des" forName="node" refType="h" refFor="des" refForName="node"/>
-          <dgm:constr type="w" for="ch" forName="sibTransLast" refType="h" refFor="des" refForName="node" fact="0.6"/>
-          <dgm:constr type="h" for="des" forName="sibTrans" refType="h" refFor="des" refForName="node" op="equ" fact="0.58"/>
-          <dgm:constr type="w" for="des" forName="sibTrans" refType="h" refFor="des" refForName="sibTrans" op="equ"/>
-          <dgm:constr type="primFontSz" for="des" forName="node" val="65"/>
-          <dgm:constr type="primFontSz" for="ch" forName="lastNode" refType="primFontSz" refFor="des" refForName="node" op="equ"/>
-          <dgm:constr type="primFontSz" for="des" forName="sibTrans" val="55"/>
-          <dgm:constr type="primFontSz" for="des" forName="connectorText" refType="primFontSz" refFor="des" refForName="node" op="lte" fact="0.8"/>
-          <dgm:constr type="primFontSz" for="des" forName="connectorText" refType="primFontSz" refFor="des" refForName="sibTrans" op="equ"/>
-          <dgm:constr type="h" for="des" forName="spacerT" refType="h" refFor="des" refForName="sibTrans" fact="0.14"/>
-          <dgm:constr type="h" for="des" forName="spacerB" refType="h" refFor="des" refForName="sibTrans" fact="0.14"/>
-        </dgm:constrLst>
-      </dgm:else>
-    </dgm:choose>
-    <dgm:ruleLst/>
-    <dgm:choose name="Name7">
-      <dgm:if name="Name8" axis="ch" ptType="node" func="cnt" op="gte" val="1">
-        <dgm:layoutNode name="vNodes">
-          <dgm:alg type="lin">
-            <dgm:param type="linDir" val="fromT"/>
-            <dgm:param type="fallback" val="2D"/>
-          </dgm:alg>
-          <dgm:shape xmlns:r="http://schemas.openxmlformats.org/officeDocument/2006/relationships" r:blip="">
-            <dgm:adjLst/>
-          </dgm:shape>
-          <dgm:presOf/>
-          <dgm:constrLst/>
-          <dgm:ruleLst/>
-          <dgm:forEach name="Name9" axis="ch" ptType="node">
-            <dgm:choose name="Name10">
-              <dgm:if name="Name11" axis="self" func="revPos" op="neq" val="1">
-                <dgm:layoutNode name="node">
-                  <dgm:varLst>
-                    <dgm:bulletEnabled val="1"/>
-                  </dgm:varLst>
-                  <dgm:alg type="tx">
-                    <dgm:param type="txAnchorVertCh" val="mid"/>
-                  </dgm:alg>
-                  <dgm:shape xmlns:r="http://schemas.openxmlformats.org/officeDocument/2006/relationships" type="ellipse" r:blip="">
-                    <dgm:adjLst/>
-                  </dgm:shape>
-                  <dgm:presOf axis="desOrSelf" ptType="node"/>
-                  <dgm:constrLst>
-                    <dgm:constr type="tMarg" refType="primFontSz" fact="0.1"/>
-                    <dgm:constr type="bMarg" refType="primFontSz" fact="0.1"/>
-                    <dgm:constr type="lMarg" refType="primFontSz" fact="0.1"/>
-                    <dgm:constr type="rMarg" refType="primFontSz" fact="0.1"/>
-                  </dgm:constrLst>
-                  <dgm:ruleLst>
-                    <dgm:rule type="primFontSz" val="5" fact="NaN" max="NaN"/>
-                  </dgm:ruleLst>
-                </dgm:layoutNode>
-                <dgm:choose name="Name12">
-                  <dgm:if name="Name13" axis="self" ptType="node" func="revPos" op="gt" val="2">
-                    <dgm:forEach name="sibTransForEach" axis="followSib" ptType="sibTrans" cnt="1">
-                      <dgm:layoutNode name="spacerT">
-                        <dgm:alg type="sp"/>
-                        <dgm:shape xmlns:r="http://schemas.openxmlformats.org/officeDocument/2006/relationships" r:blip="">
-                          <dgm:adjLst/>
-                        </dgm:shape>
-                        <dgm:presOf axis="self"/>
-                        <dgm:constrLst/>
-                        <dgm:ruleLst/>
-                      </dgm:layoutNode>
-                      <dgm:layoutNode name="sibTrans">
-                        <dgm:alg type="tx"/>
-                        <dgm:shape xmlns:r="http://schemas.openxmlformats.org/officeDocument/2006/relationships" type="mathPlus" r:blip="">
-                          <dgm:adjLst/>
-                        </dgm:shape>
-                        <dgm:presOf axis="self"/>
-                        <dgm:constrLst>
-                          <dgm:constr type="h" refType="w"/>
-                          <dgm:constr type="lMarg"/>
-                          <dgm:constr type="rMarg"/>
-                          <dgm:constr type="tMarg"/>
-                          <dgm:constr type="bMarg"/>
-                        </dgm:constrLst>
-                        <dgm:ruleLst>
-                          <dgm:rule type="primFontSz" val="5" fact="NaN" max="NaN"/>
-                        </dgm:ruleLst>
-                      </dgm:layoutNode>
-                      <dgm:layoutNode name="spacerB">
-                        <dgm:alg type="sp"/>
-                        <dgm:shape xmlns:r="http://schemas.openxmlformats.org/officeDocument/2006/relationships" r:blip="">
-                          <dgm:adjLst/>
-                        </dgm:shape>
-                        <dgm:presOf axis="self"/>
-                        <dgm:constrLst/>
-                        <dgm:ruleLst/>
-                      </dgm:layoutNode>
-                    </dgm:forEach>
-                  </dgm:if>
-                  <dgm:else name="Name14"/>
-                </dgm:choose>
-              </dgm:if>
-              <dgm:else name="Name15"/>
-            </dgm:choose>
-          </dgm:forEach>
-        </dgm:layoutNode>
-        <dgm:choose name="Name16">
-          <dgm:if name="Name17" axis="ch" ptType="node" func="cnt" op="gt" val="1">
-            <dgm:layoutNode name="sibTransLast">
-              <dgm:alg type="conn">
-                <dgm:param type="begPts" val="auto"/>
-                <dgm:param type="endPts" val="auto"/>
-                <dgm:param type="srcNode" val="vNodes"/>
-                <dgm:param type="dstNode" val="lastNode"/>
-              </dgm:alg>
-              <dgm:shape xmlns:r="http://schemas.openxmlformats.org/officeDocument/2006/relationships" type="conn" r:blip="">
-                <dgm:adjLst/>
-              </dgm:shape>
-              <dgm:presOf axis="ch" ptType="sibTrans" st="-1" cnt="1"/>
-              <dgm:constrLst>
-                <dgm:constr type="h" refType="w" fact="0.62"/>
-                <dgm:constr type="connDist"/>
-                <dgm:constr type="begPad" refType="connDist" fact="0.25"/>
-                <dgm:constr type="endPad" refType="connDist" fact="0.22"/>
-              </dgm:constrLst>
-              <dgm:ruleLst/>
-              <dgm:layoutNode name="connectorText">
-                <dgm:alg type="tx">
-                  <dgm:param type="autoTxRot" val="grav"/>
-                </dgm:alg>
-                <dgm:shape xmlns:r="http://schemas.openxmlformats.org/officeDocument/2006/relationships" type="conn" r:blip="" hideGeom="1">
-                  <dgm:adjLst/>
-                </dgm:shape>
-                <dgm:presOf axis="ch desOrSelf" ptType="sibTrans sibTrans" st="-1 1" cnt="1 0"/>
-                <dgm:constrLst>
-                  <dgm:constr type="lMarg"/>
-                  <dgm:constr type="rMarg"/>
-                  <dgm:constr type="tMarg"/>
-                  <dgm:constr type="bMarg"/>
-                </dgm:constrLst>
-                <dgm:ruleLst>
-                  <dgm:rule type="primFontSz" val="5" fact="NaN" max="NaN"/>
-                </dgm:ruleLst>
-              </dgm:layoutNode>
-            </dgm:layoutNode>
-          </dgm:if>
-          <dgm:else name="Name18"/>
-        </dgm:choose>
-        <dgm:layoutNode name="lastNode">
-          <dgm:varLst>
-            <dgm:bulletEnabled val="1"/>
-          </dgm:varLst>
-          <dgm:alg type="tx">
-            <dgm:param type="txAnchorVertCh" val="mid"/>
-          </dgm:alg>
-          <dgm:shape xmlns:r="http://schemas.openxmlformats.org/officeDocument/2006/relationships" type="ellipse" r:blip="">
-            <dgm:adjLst/>
-          </dgm:shape>
-          <dgm:presOf axis="ch desOrSelf" ptType="node node" st="-1 1" cnt="1 0"/>
-          <dgm:constrLst>
-            <dgm:constr type="h" refType="w"/>
-            <dgm:constr type="tMarg" refType="primFontSz" fact="0.1"/>
-            <dgm:constr type="bMarg" refType="primFontSz" fact="0.1"/>
-            <dgm:constr type="lMarg" refType="primFontSz" fact="0.1"/>
-            <dgm:constr type="rMarg" refType="primFontSz" fact="0.1"/>
-          </dgm:constrLst>
-          <dgm:ruleLst>
-            <dgm:rule type="primFontSz" val="5" fact="NaN" max="NaN"/>
-          </dgm:ruleLst>
-        </dgm:layoutNode>
-      </dgm:if>
-      <dgm:else name="Name19"/>
-    </dgm:choose>
-  </dgm:layoutNode>
-</dgm:layoutDef>
-</file>
-
 <file path=ppt/diagrams/quickStyle1.xml><?xml version="1.0" encoding="utf-8"?>
 <dgm:styleDef xmlns:dgm="http://schemas.openxmlformats.org/drawingml/2006/diagram" xmlns:a="http://schemas.openxmlformats.org/drawingml/2006/main" uniqueId="urn:microsoft.com/office/officeart/2005/8/quickstyle/simple5">
   <dgm:title val=""/>
@@ -12710,1040 +10881,6 @@
         <a:scrgbClr r="0" g="0" b="0"/>
       </a:fillRef>
       <a:effectRef idx="3">
-        <a:scrgbClr r="0" g="0" b="0"/>
-      </a:effectRef>
-      <a:fontRef idx="minor"/>
-    </dgm:style>
-  </dgm:styleLbl>
-  <dgm:styleLbl name="revTx">
-    <dgm:scene3d>
-      <a:camera prst="orthographicFront"/>
-      <a:lightRig rig="threePt" dir="t"/>
-    </dgm:scene3d>
-    <dgm:sp3d/>
-    <dgm:txPr/>
-    <dgm:style>
-      <a:lnRef idx="0">
-        <a:scrgbClr r="0" g="0" b="0"/>
-      </a:lnRef>
-      <a:fillRef idx="0">
-        <a:scrgbClr r="0" g="0" b="0"/>
-      </a:fillRef>
-      <a:effectRef idx="0">
-        <a:scrgbClr r="0" g="0" b="0"/>
-      </a:effectRef>
-      <a:fontRef idx="minor"/>
-    </dgm:style>
-  </dgm:styleLbl>
-</dgm:styleDef>
-</file>
-
-<file path=ppt/diagrams/quickStyle3.xml><?xml version="1.0" encoding="utf-8"?>
-<dgm:styleDef xmlns:dgm="http://schemas.openxmlformats.org/drawingml/2006/diagram" xmlns:a="http://schemas.openxmlformats.org/drawingml/2006/main" uniqueId="urn:microsoft.com/office/officeart/2005/8/quickstyle/simple1">
-  <dgm:title val=""/>
-  <dgm:desc val=""/>
-  <dgm:catLst>
-    <dgm:cat type="simple" pri="10100"/>
-  </dgm:catLst>
-  <dgm:scene3d>
-    <a:camera prst="orthographicFront"/>
-    <a:lightRig rig="threePt" dir="t"/>
-  </dgm:scene3d>
-  <dgm:styleLbl name="node0">
-    <dgm:scene3d>
-      <a:camera prst="orthographicFront"/>
-      <a:lightRig rig="threePt" dir="t"/>
-    </dgm:scene3d>
-    <dgm:sp3d/>
-    <dgm:txPr/>
-    <dgm:style>
-      <a:lnRef idx="2">
-        <a:scrgbClr r="0" g="0" b="0"/>
-      </a:lnRef>
-      <a:fillRef idx="1">
-        <a:scrgbClr r="0" g="0" b="0"/>
-      </a:fillRef>
-      <a:effectRef idx="0">
-        <a:scrgbClr r="0" g="0" b="0"/>
-      </a:effectRef>
-      <a:fontRef idx="minor">
-        <a:schemeClr val="lt1"/>
-      </a:fontRef>
-    </dgm:style>
-  </dgm:styleLbl>
-  <dgm:styleLbl name="lnNode1">
-    <dgm:scene3d>
-      <a:camera prst="orthographicFront"/>
-      <a:lightRig rig="threePt" dir="t"/>
-    </dgm:scene3d>
-    <dgm:sp3d/>
-    <dgm:txPr/>
-    <dgm:style>
-      <a:lnRef idx="2">
-        <a:scrgbClr r="0" g="0" b="0"/>
-      </a:lnRef>
-      <a:fillRef idx="1">
-        <a:scrgbClr r="0" g="0" b="0"/>
-      </a:fillRef>
-      <a:effectRef idx="0">
-        <a:scrgbClr r="0" g="0" b="0"/>
-      </a:effectRef>
-      <a:fontRef idx="minor">
-        <a:schemeClr val="lt1"/>
-      </a:fontRef>
-    </dgm:style>
-  </dgm:styleLbl>
-  <dgm:styleLbl name="vennNode1">
-    <dgm:scene3d>
-      <a:camera prst="orthographicFront"/>
-      <a:lightRig rig="threePt" dir="t"/>
-    </dgm:scene3d>
-    <dgm:sp3d/>
-    <dgm:txPr/>
-    <dgm:style>
-      <a:lnRef idx="2">
-        <a:scrgbClr r="0" g="0" b="0"/>
-      </a:lnRef>
-      <a:fillRef idx="1">
-        <a:scrgbClr r="0" g="0" b="0"/>
-      </a:fillRef>
-      <a:effectRef idx="0">
-        <a:scrgbClr r="0" g="0" b="0"/>
-      </a:effectRef>
-      <a:fontRef idx="minor">
-        <a:schemeClr val="tx1"/>
-      </a:fontRef>
-    </dgm:style>
-  </dgm:styleLbl>
-  <dgm:styleLbl name="alignNode1">
-    <dgm:scene3d>
-      <a:camera prst="orthographicFront"/>
-      <a:lightRig rig="threePt" dir="t"/>
-    </dgm:scene3d>
-    <dgm:sp3d/>
-    <dgm:txPr/>
-    <dgm:style>
-      <a:lnRef idx="2">
-        <a:scrgbClr r="0" g="0" b="0"/>
-      </a:lnRef>
-      <a:fillRef idx="1">
-        <a:scrgbClr r="0" g="0" b="0"/>
-      </a:fillRef>
-      <a:effectRef idx="0">
-        <a:scrgbClr r="0" g="0" b="0"/>
-      </a:effectRef>
-      <a:fontRef idx="minor">
-        <a:schemeClr val="lt1"/>
-      </a:fontRef>
-    </dgm:style>
-  </dgm:styleLbl>
-  <dgm:styleLbl name="node1">
-    <dgm:scene3d>
-      <a:camera prst="orthographicFront"/>
-      <a:lightRig rig="threePt" dir="t"/>
-    </dgm:scene3d>
-    <dgm:sp3d/>
-    <dgm:txPr/>
-    <dgm:style>
-      <a:lnRef idx="2">
-        <a:scrgbClr r="0" g="0" b="0"/>
-      </a:lnRef>
-      <a:fillRef idx="1">
-        <a:scrgbClr r="0" g="0" b="0"/>
-      </a:fillRef>
-      <a:effectRef idx="0">
-        <a:scrgbClr r="0" g="0" b="0"/>
-      </a:effectRef>
-      <a:fontRef idx="minor">
-        <a:schemeClr val="lt1"/>
-      </a:fontRef>
-    </dgm:style>
-  </dgm:styleLbl>
-  <dgm:styleLbl name="node2">
-    <dgm:scene3d>
-      <a:camera prst="orthographicFront"/>
-      <a:lightRig rig="threePt" dir="t"/>
-    </dgm:scene3d>
-    <dgm:sp3d/>
-    <dgm:txPr/>
-    <dgm:style>
-      <a:lnRef idx="2">
-        <a:scrgbClr r="0" g="0" b="0"/>
-      </a:lnRef>
-      <a:fillRef idx="1">
-        <a:scrgbClr r="0" g="0" b="0"/>
-      </a:fillRef>
-      <a:effectRef idx="0">
-        <a:scrgbClr r="0" g="0" b="0"/>
-      </a:effectRef>
-      <a:fontRef idx="minor">
-        <a:schemeClr val="lt1"/>
-      </a:fontRef>
-    </dgm:style>
-  </dgm:styleLbl>
-  <dgm:styleLbl name="node3">
-    <dgm:scene3d>
-      <a:camera prst="orthographicFront"/>
-      <a:lightRig rig="threePt" dir="t"/>
-    </dgm:scene3d>
-    <dgm:sp3d/>
-    <dgm:txPr/>
-    <dgm:style>
-      <a:lnRef idx="2">
-        <a:scrgbClr r="0" g="0" b="0"/>
-      </a:lnRef>
-      <a:fillRef idx="1">
-        <a:scrgbClr r="0" g="0" b="0"/>
-      </a:fillRef>
-      <a:effectRef idx="0">
-        <a:scrgbClr r="0" g="0" b="0"/>
-      </a:effectRef>
-      <a:fontRef idx="minor">
-        <a:schemeClr val="lt1"/>
-      </a:fontRef>
-    </dgm:style>
-  </dgm:styleLbl>
-  <dgm:styleLbl name="node4">
-    <dgm:scene3d>
-      <a:camera prst="orthographicFront"/>
-      <a:lightRig rig="threePt" dir="t"/>
-    </dgm:scene3d>
-    <dgm:sp3d/>
-    <dgm:txPr/>
-    <dgm:style>
-      <a:lnRef idx="2">
-        <a:scrgbClr r="0" g="0" b="0"/>
-      </a:lnRef>
-      <a:fillRef idx="1">
-        <a:scrgbClr r="0" g="0" b="0"/>
-      </a:fillRef>
-      <a:effectRef idx="0">
-        <a:scrgbClr r="0" g="0" b="0"/>
-      </a:effectRef>
-      <a:fontRef idx="minor">
-        <a:schemeClr val="lt1"/>
-      </a:fontRef>
-    </dgm:style>
-  </dgm:styleLbl>
-  <dgm:styleLbl name="fgImgPlace1">
-    <dgm:scene3d>
-      <a:camera prst="orthographicFront"/>
-      <a:lightRig rig="threePt" dir="t"/>
-    </dgm:scene3d>
-    <dgm:sp3d/>
-    <dgm:txPr/>
-    <dgm:style>
-      <a:lnRef idx="2">
-        <a:scrgbClr r="0" g="0" b="0"/>
-      </a:lnRef>
-      <a:fillRef idx="1">
-        <a:scrgbClr r="0" g="0" b="0"/>
-      </a:fillRef>
-      <a:effectRef idx="0">
-        <a:scrgbClr r="0" g="0" b="0"/>
-      </a:effectRef>
-      <a:fontRef idx="minor"/>
-    </dgm:style>
-  </dgm:styleLbl>
-  <dgm:styleLbl name="alignImgPlace1">
-    <dgm:scene3d>
-      <a:camera prst="orthographicFront"/>
-      <a:lightRig rig="threePt" dir="t"/>
-    </dgm:scene3d>
-    <dgm:sp3d/>
-    <dgm:txPr/>
-    <dgm:style>
-      <a:lnRef idx="2">
-        <a:scrgbClr r="0" g="0" b="0"/>
-      </a:lnRef>
-      <a:fillRef idx="1">
-        <a:scrgbClr r="0" g="0" b="0"/>
-      </a:fillRef>
-      <a:effectRef idx="0">
-        <a:scrgbClr r="0" g="0" b="0"/>
-      </a:effectRef>
-      <a:fontRef idx="minor"/>
-    </dgm:style>
-  </dgm:styleLbl>
-  <dgm:styleLbl name="bgImgPlace1">
-    <dgm:scene3d>
-      <a:camera prst="orthographicFront"/>
-      <a:lightRig rig="threePt" dir="t"/>
-    </dgm:scene3d>
-    <dgm:sp3d/>
-    <dgm:txPr/>
-    <dgm:style>
-      <a:lnRef idx="2">
-        <a:scrgbClr r="0" g="0" b="0"/>
-      </a:lnRef>
-      <a:fillRef idx="1">
-        <a:scrgbClr r="0" g="0" b="0"/>
-      </a:fillRef>
-      <a:effectRef idx="0">
-        <a:scrgbClr r="0" g="0" b="0"/>
-      </a:effectRef>
-      <a:fontRef idx="minor"/>
-    </dgm:style>
-  </dgm:styleLbl>
-  <dgm:styleLbl name="sibTrans2D1">
-    <dgm:scene3d>
-      <a:camera prst="orthographicFront"/>
-      <a:lightRig rig="threePt" dir="t"/>
-    </dgm:scene3d>
-    <dgm:sp3d/>
-    <dgm:txPr/>
-    <dgm:style>
-      <a:lnRef idx="0">
-        <a:scrgbClr r="0" g="0" b="0"/>
-      </a:lnRef>
-      <a:fillRef idx="1">
-        <a:scrgbClr r="0" g="0" b="0"/>
-      </a:fillRef>
-      <a:effectRef idx="0">
-        <a:scrgbClr r="0" g="0" b="0"/>
-      </a:effectRef>
-      <a:fontRef idx="minor">
-        <a:schemeClr val="lt1"/>
-      </a:fontRef>
-    </dgm:style>
-  </dgm:styleLbl>
-  <dgm:styleLbl name="fgSibTrans2D1">
-    <dgm:scene3d>
-      <a:camera prst="orthographicFront"/>
-      <a:lightRig rig="threePt" dir="t"/>
-    </dgm:scene3d>
-    <dgm:sp3d/>
-    <dgm:txPr/>
-    <dgm:style>
-      <a:lnRef idx="0">
-        <a:scrgbClr r="0" g="0" b="0"/>
-      </a:lnRef>
-      <a:fillRef idx="1">
-        <a:scrgbClr r="0" g="0" b="0"/>
-      </a:fillRef>
-      <a:effectRef idx="0">
-        <a:scrgbClr r="0" g="0" b="0"/>
-      </a:effectRef>
-      <a:fontRef idx="minor">
-        <a:schemeClr val="lt1"/>
-      </a:fontRef>
-    </dgm:style>
-  </dgm:styleLbl>
-  <dgm:styleLbl name="bgSibTrans2D1">
-    <dgm:scene3d>
-      <a:camera prst="orthographicFront"/>
-      <a:lightRig rig="threePt" dir="t"/>
-    </dgm:scene3d>
-    <dgm:sp3d/>
-    <dgm:txPr/>
-    <dgm:style>
-      <a:lnRef idx="0">
-        <a:scrgbClr r="0" g="0" b="0"/>
-      </a:lnRef>
-      <a:fillRef idx="1">
-        <a:scrgbClr r="0" g="0" b="0"/>
-      </a:fillRef>
-      <a:effectRef idx="0">
-        <a:scrgbClr r="0" g="0" b="0"/>
-      </a:effectRef>
-      <a:fontRef idx="minor">
-        <a:schemeClr val="lt1"/>
-      </a:fontRef>
-    </dgm:style>
-  </dgm:styleLbl>
-  <dgm:styleLbl name="sibTrans1D1">
-    <dgm:scene3d>
-      <a:camera prst="orthographicFront"/>
-      <a:lightRig rig="threePt" dir="t"/>
-    </dgm:scene3d>
-    <dgm:sp3d/>
-    <dgm:txPr/>
-    <dgm:style>
-      <a:lnRef idx="1">
-        <a:scrgbClr r="0" g="0" b="0"/>
-      </a:lnRef>
-      <a:fillRef idx="0">
-        <a:scrgbClr r="0" g="0" b="0"/>
-      </a:fillRef>
-      <a:effectRef idx="0">
-        <a:scrgbClr r="0" g="0" b="0"/>
-      </a:effectRef>
-      <a:fontRef idx="minor"/>
-    </dgm:style>
-  </dgm:styleLbl>
-  <dgm:styleLbl name="callout">
-    <dgm:scene3d>
-      <a:camera prst="orthographicFront"/>
-      <a:lightRig rig="threePt" dir="t"/>
-    </dgm:scene3d>
-    <dgm:sp3d/>
-    <dgm:txPr/>
-    <dgm:style>
-      <a:lnRef idx="2">
-        <a:scrgbClr r="0" g="0" b="0"/>
-      </a:lnRef>
-      <a:fillRef idx="1">
-        <a:scrgbClr r="0" g="0" b="0"/>
-      </a:fillRef>
-      <a:effectRef idx="0">
-        <a:scrgbClr r="0" g="0" b="0"/>
-      </a:effectRef>
-      <a:fontRef idx="minor"/>
-    </dgm:style>
-  </dgm:styleLbl>
-  <dgm:styleLbl name="asst0">
-    <dgm:scene3d>
-      <a:camera prst="orthographicFront"/>
-      <a:lightRig rig="threePt" dir="t"/>
-    </dgm:scene3d>
-    <dgm:sp3d/>
-    <dgm:txPr/>
-    <dgm:style>
-      <a:lnRef idx="2">
-        <a:scrgbClr r="0" g="0" b="0"/>
-      </a:lnRef>
-      <a:fillRef idx="1">
-        <a:scrgbClr r="0" g="0" b="0"/>
-      </a:fillRef>
-      <a:effectRef idx="0">
-        <a:scrgbClr r="0" g="0" b="0"/>
-      </a:effectRef>
-      <a:fontRef idx="minor">
-        <a:schemeClr val="lt1"/>
-      </a:fontRef>
-    </dgm:style>
-  </dgm:styleLbl>
-  <dgm:styleLbl name="asst1">
-    <dgm:scene3d>
-      <a:camera prst="orthographicFront"/>
-      <a:lightRig rig="threePt" dir="t"/>
-    </dgm:scene3d>
-    <dgm:sp3d/>
-    <dgm:txPr/>
-    <dgm:style>
-      <a:lnRef idx="2">
-        <a:scrgbClr r="0" g="0" b="0"/>
-      </a:lnRef>
-      <a:fillRef idx="1">
-        <a:scrgbClr r="0" g="0" b="0"/>
-      </a:fillRef>
-      <a:effectRef idx="0">
-        <a:scrgbClr r="0" g="0" b="0"/>
-      </a:effectRef>
-      <a:fontRef idx="minor">
-        <a:schemeClr val="lt1"/>
-      </a:fontRef>
-    </dgm:style>
-  </dgm:styleLbl>
-  <dgm:styleLbl name="asst2">
-    <dgm:scene3d>
-      <a:camera prst="orthographicFront"/>
-      <a:lightRig rig="threePt" dir="t"/>
-    </dgm:scene3d>
-    <dgm:sp3d/>
-    <dgm:txPr/>
-    <dgm:style>
-      <a:lnRef idx="2">
-        <a:scrgbClr r="0" g="0" b="0"/>
-      </a:lnRef>
-      <a:fillRef idx="1">
-        <a:scrgbClr r="0" g="0" b="0"/>
-      </a:fillRef>
-      <a:effectRef idx="0">
-        <a:scrgbClr r="0" g="0" b="0"/>
-      </a:effectRef>
-      <a:fontRef idx="minor">
-        <a:schemeClr val="lt1"/>
-      </a:fontRef>
-    </dgm:style>
-  </dgm:styleLbl>
-  <dgm:styleLbl name="asst3">
-    <dgm:scene3d>
-      <a:camera prst="orthographicFront"/>
-      <a:lightRig rig="threePt" dir="t"/>
-    </dgm:scene3d>
-    <dgm:sp3d/>
-    <dgm:txPr/>
-    <dgm:style>
-      <a:lnRef idx="2">
-        <a:scrgbClr r="0" g="0" b="0"/>
-      </a:lnRef>
-      <a:fillRef idx="1">
-        <a:scrgbClr r="0" g="0" b="0"/>
-      </a:fillRef>
-      <a:effectRef idx="0">
-        <a:scrgbClr r="0" g="0" b="0"/>
-      </a:effectRef>
-      <a:fontRef idx="minor">
-        <a:schemeClr val="lt1"/>
-      </a:fontRef>
-    </dgm:style>
-  </dgm:styleLbl>
-  <dgm:styleLbl name="asst4">
-    <dgm:scene3d>
-      <a:camera prst="orthographicFront"/>
-      <a:lightRig rig="threePt" dir="t"/>
-    </dgm:scene3d>
-    <dgm:sp3d/>
-    <dgm:txPr/>
-    <dgm:style>
-      <a:lnRef idx="2">
-        <a:scrgbClr r="0" g="0" b="0"/>
-      </a:lnRef>
-      <a:fillRef idx="1">
-        <a:scrgbClr r="0" g="0" b="0"/>
-      </a:fillRef>
-      <a:effectRef idx="0">
-        <a:scrgbClr r="0" g="0" b="0"/>
-      </a:effectRef>
-      <a:fontRef idx="minor">
-        <a:schemeClr val="lt1"/>
-      </a:fontRef>
-    </dgm:style>
-  </dgm:styleLbl>
-  <dgm:styleLbl name="parChTrans2D1">
-    <dgm:scene3d>
-      <a:camera prst="orthographicFront"/>
-      <a:lightRig rig="threePt" dir="t"/>
-    </dgm:scene3d>
-    <dgm:sp3d/>
-    <dgm:txPr/>
-    <dgm:style>
-      <a:lnRef idx="2">
-        <a:scrgbClr r="0" g="0" b="0"/>
-      </a:lnRef>
-      <a:fillRef idx="1">
-        <a:scrgbClr r="0" g="0" b="0"/>
-      </a:fillRef>
-      <a:effectRef idx="0">
-        <a:scrgbClr r="0" g="0" b="0"/>
-      </a:effectRef>
-      <a:fontRef idx="minor">
-        <a:schemeClr val="lt1"/>
-      </a:fontRef>
-    </dgm:style>
-  </dgm:styleLbl>
-  <dgm:styleLbl name="parChTrans2D2">
-    <dgm:scene3d>
-      <a:camera prst="orthographicFront"/>
-      <a:lightRig rig="threePt" dir="t"/>
-    </dgm:scene3d>
-    <dgm:sp3d/>
-    <dgm:txPr/>
-    <dgm:style>
-      <a:lnRef idx="2">
-        <a:scrgbClr r="0" g="0" b="0"/>
-      </a:lnRef>
-      <a:fillRef idx="1">
-        <a:scrgbClr r="0" g="0" b="0"/>
-      </a:fillRef>
-      <a:effectRef idx="0">
-        <a:scrgbClr r="0" g="0" b="0"/>
-      </a:effectRef>
-      <a:fontRef idx="minor">
-        <a:schemeClr val="lt1"/>
-      </a:fontRef>
-    </dgm:style>
-  </dgm:styleLbl>
-  <dgm:styleLbl name="parChTrans2D3">
-    <dgm:scene3d>
-      <a:camera prst="orthographicFront"/>
-      <a:lightRig rig="threePt" dir="t"/>
-    </dgm:scene3d>
-    <dgm:sp3d/>
-    <dgm:txPr/>
-    <dgm:style>
-      <a:lnRef idx="2">
-        <a:scrgbClr r="0" g="0" b="0"/>
-      </a:lnRef>
-      <a:fillRef idx="1">
-        <a:scrgbClr r="0" g="0" b="0"/>
-      </a:fillRef>
-      <a:effectRef idx="0">
-        <a:scrgbClr r="0" g="0" b="0"/>
-      </a:effectRef>
-      <a:fontRef idx="minor">
-        <a:schemeClr val="lt1"/>
-      </a:fontRef>
-    </dgm:style>
-  </dgm:styleLbl>
-  <dgm:styleLbl name="parChTrans2D4">
-    <dgm:scene3d>
-      <a:camera prst="orthographicFront"/>
-      <a:lightRig rig="threePt" dir="t"/>
-    </dgm:scene3d>
-    <dgm:sp3d/>
-    <dgm:txPr/>
-    <dgm:style>
-      <a:lnRef idx="2">
-        <a:scrgbClr r="0" g="0" b="0"/>
-      </a:lnRef>
-      <a:fillRef idx="1">
-        <a:scrgbClr r="0" g="0" b="0"/>
-      </a:fillRef>
-      <a:effectRef idx="0">
-        <a:scrgbClr r="0" g="0" b="0"/>
-      </a:effectRef>
-      <a:fontRef idx="minor">
-        <a:schemeClr val="lt1"/>
-      </a:fontRef>
-    </dgm:style>
-  </dgm:styleLbl>
-  <dgm:styleLbl name="parChTrans1D1">
-    <dgm:scene3d>
-      <a:camera prst="orthographicFront"/>
-      <a:lightRig rig="threePt" dir="t"/>
-    </dgm:scene3d>
-    <dgm:sp3d/>
-    <dgm:txPr/>
-    <dgm:style>
-      <a:lnRef idx="2">
-        <a:scrgbClr r="0" g="0" b="0"/>
-      </a:lnRef>
-      <a:fillRef idx="0">
-        <a:scrgbClr r="0" g="0" b="0"/>
-      </a:fillRef>
-      <a:effectRef idx="0">
-        <a:scrgbClr r="0" g="0" b="0"/>
-      </a:effectRef>
-      <a:fontRef idx="minor"/>
-    </dgm:style>
-  </dgm:styleLbl>
-  <dgm:styleLbl name="parChTrans1D2">
-    <dgm:scene3d>
-      <a:camera prst="orthographicFront"/>
-      <a:lightRig rig="threePt" dir="t"/>
-    </dgm:scene3d>
-    <dgm:sp3d/>
-    <dgm:txPr/>
-    <dgm:style>
-      <a:lnRef idx="2">
-        <a:scrgbClr r="0" g="0" b="0"/>
-      </a:lnRef>
-      <a:fillRef idx="0">
-        <a:scrgbClr r="0" g="0" b="0"/>
-      </a:fillRef>
-      <a:effectRef idx="0">
-        <a:scrgbClr r="0" g="0" b="0"/>
-      </a:effectRef>
-      <a:fontRef idx="minor"/>
-    </dgm:style>
-  </dgm:styleLbl>
-  <dgm:styleLbl name="parChTrans1D3">
-    <dgm:scene3d>
-      <a:camera prst="orthographicFront"/>
-      <a:lightRig rig="threePt" dir="t"/>
-    </dgm:scene3d>
-    <dgm:sp3d/>
-    <dgm:txPr/>
-    <dgm:style>
-      <a:lnRef idx="2">
-        <a:scrgbClr r="0" g="0" b="0"/>
-      </a:lnRef>
-      <a:fillRef idx="0">
-        <a:scrgbClr r="0" g="0" b="0"/>
-      </a:fillRef>
-      <a:effectRef idx="0">
-        <a:scrgbClr r="0" g="0" b="0"/>
-      </a:effectRef>
-      <a:fontRef idx="minor"/>
-    </dgm:style>
-  </dgm:styleLbl>
-  <dgm:styleLbl name="parChTrans1D4">
-    <dgm:scene3d>
-      <a:camera prst="orthographicFront"/>
-      <a:lightRig rig="threePt" dir="t"/>
-    </dgm:scene3d>
-    <dgm:sp3d/>
-    <dgm:txPr/>
-    <dgm:style>
-      <a:lnRef idx="2">
-        <a:scrgbClr r="0" g="0" b="0"/>
-      </a:lnRef>
-      <a:fillRef idx="0">
-        <a:scrgbClr r="0" g="0" b="0"/>
-      </a:fillRef>
-      <a:effectRef idx="0">
-        <a:scrgbClr r="0" g="0" b="0"/>
-      </a:effectRef>
-      <a:fontRef idx="minor"/>
-    </dgm:style>
-  </dgm:styleLbl>
-  <dgm:styleLbl name="fgAcc1">
-    <dgm:scene3d>
-      <a:camera prst="orthographicFront"/>
-      <a:lightRig rig="threePt" dir="t"/>
-    </dgm:scene3d>
-    <dgm:sp3d/>
-    <dgm:txPr/>
-    <dgm:style>
-      <a:lnRef idx="2">
-        <a:scrgbClr r="0" g="0" b="0"/>
-      </a:lnRef>
-      <a:fillRef idx="1">
-        <a:scrgbClr r="0" g="0" b="0"/>
-      </a:fillRef>
-      <a:effectRef idx="0">
-        <a:scrgbClr r="0" g="0" b="0"/>
-      </a:effectRef>
-      <a:fontRef idx="minor"/>
-    </dgm:style>
-  </dgm:styleLbl>
-  <dgm:styleLbl name="conFgAcc1">
-    <dgm:scene3d>
-      <a:camera prst="orthographicFront"/>
-      <a:lightRig rig="threePt" dir="t"/>
-    </dgm:scene3d>
-    <dgm:sp3d/>
-    <dgm:txPr/>
-    <dgm:style>
-      <a:lnRef idx="2">
-        <a:scrgbClr r="0" g="0" b="0"/>
-      </a:lnRef>
-      <a:fillRef idx="1">
-        <a:scrgbClr r="0" g="0" b="0"/>
-      </a:fillRef>
-      <a:effectRef idx="0">
-        <a:scrgbClr r="0" g="0" b="0"/>
-      </a:effectRef>
-      <a:fontRef idx="minor"/>
-    </dgm:style>
-  </dgm:styleLbl>
-  <dgm:styleLbl name="alignAcc1">
-    <dgm:scene3d>
-      <a:camera prst="orthographicFront"/>
-      <a:lightRig rig="threePt" dir="t"/>
-    </dgm:scene3d>
-    <dgm:sp3d/>
-    <dgm:txPr/>
-    <dgm:style>
-      <a:lnRef idx="2">
-        <a:scrgbClr r="0" g="0" b="0"/>
-      </a:lnRef>
-      <a:fillRef idx="1">
-        <a:scrgbClr r="0" g="0" b="0"/>
-      </a:fillRef>
-      <a:effectRef idx="0">
-        <a:scrgbClr r="0" g="0" b="0"/>
-      </a:effectRef>
-      <a:fontRef idx="minor"/>
-    </dgm:style>
-  </dgm:styleLbl>
-  <dgm:styleLbl name="trAlignAcc1">
-    <dgm:scene3d>
-      <a:camera prst="orthographicFront"/>
-      <a:lightRig rig="threePt" dir="t"/>
-    </dgm:scene3d>
-    <dgm:sp3d/>
-    <dgm:txPr/>
-    <dgm:style>
-      <a:lnRef idx="1">
-        <a:scrgbClr r="0" g="0" b="0"/>
-      </a:lnRef>
-      <a:fillRef idx="1">
-        <a:scrgbClr r="0" g="0" b="0"/>
-      </a:fillRef>
-      <a:effectRef idx="0">
-        <a:scrgbClr r="0" g="0" b="0"/>
-      </a:effectRef>
-      <a:fontRef idx="minor"/>
-    </dgm:style>
-  </dgm:styleLbl>
-  <dgm:styleLbl name="bgAcc1">
-    <dgm:scene3d>
-      <a:camera prst="orthographicFront"/>
-      <a:lightRig rig="threePt" dir="t"/>
-    </dgm:scene3d>
-    <dgm:sp3d/>
-    <dgm:txPr/>
-    <dgm:style>
-      <a:lnRef idx="2">
-        <a:scrgbClr r="0" g="0" b="0"/>
-      </a:lnRef>
-      <a:fillRef idx="1">
-        <a:scrgbClr r="0" g="0" b="0"/>
-      </a:fillRef>
-      <a:effectRef idx="0">
-        <a:scrgbClr r="0" g="0" b="0"/>
-      </a:effectRef>
-      <a:fontRef idx="minor"/>
-    </dgm:style>
-  </dgm:styleLbl>
-  <dgm:styleLbl name="solidFgAcc1">
-    <dgm:scene3d>
-      <a:camera prst="orthographicFront"/>
-      <a:lightRig rig="threePt" dir="t"/>
-    </dgm:scene3d>
-    <dgm:sp3d/>
-    <dgm:txPr/>
-    <dgm:style>
-      <a:lnRef idx="2">
-        <a:scrgbClr r="0" g="0" b="0"/>
-      </a:lnRef>
-      <a:fillRef idx="1">
-        <a:scrgbClr r="0" g="0" b="0"/>
-      </a:fillRef>
-      <a:effectRef idx="0">
-        <a:scrgbClr r="0" g="0" b="0"/>
-      </a:effectRef>
-      <a:fontRef idx="minor"/>
-    </dgm:style>
-  </dgm:styleLbl>
-  <dgm:styleLbl name="solidAlignAcc1">
-    <dgm:scene3d>
-      <a:camera prst="orthographicFront"/>
-      <a:lightRig rig="threePt" dir="t"/>
-    </dgm:scene3d>
-    <dgm:sp3d/>
-    <dgm:txPr/>
-    <dgm:style>
-      <a:lnRef idx="2">
-        <a:scrgbClr r="0" g="0" b="0"/>
-      </a:lnRef>
-      <a:fillRef idx="1">
-        <a:scrgbClr r="0" g="0" b="0"/>
-      </a:fillRef>
-      <a:effectRef idx="0">
-        <a:scrgbClr r="0" g="0" b="0"/>
-      </a:effectRef>
-      <a:fontRef idx="minor"/>
-    </dgm:style>
-  </dgm:styleLbl>
-  <dgm:styleLbl name="solidBgAcc1">
-    <dgm:scene3d>
-      <a:camera prst="orthographicFront"/>
-      <a:lightRig rig="threePt" dir="t"/>
-    </dgm:scene3d>
-    <dgm:sp3d/>
-    <dgm:txPr/>
-    <dgm:style>
-      <a:lnRef idx="2">
-        <a:scrgbClr r="0" g="0" b="0"/>
-      </a:lnRef>
-      <a:fillRef idx="1">
-        <a:scrgbClr r="0" g="0" b="0"/>
-      </a:fillRef>
-      <a:effectRef idx="0">
-        <a:scrgbClr r="0" g="0" b="0"/>
-      </a:effectRef>
-      <a:fontRef idx="minor"/>
-    </dgm:style>
-  </dgm:styleLbl>
-  <dgm:styleLbl name="fgAccFollowNode1">
-    <dgm:scene3d>
-      <a:camera prst="orthographicFront"/>
-      <a:lightRig rig="threePt" dir="t"/>
-    </dgm:scene3d>
-    <dgm:sp3d/>
-    <dgm:txPr/>
-    <dgm:style>
-      <a:lnRef idx="2">
-        <a:scrgbClr r="0" g="0" b="0"/>
-      </a:lnRef>
-      <a:fillRef idx="1">
-        <a:scrgbClr r="0" g="0" b="0"/>
-      </a:fillRef>
-      <a:effectRef idx="0">
-        <a:scrgbClr r="0" g="0" b="0"/>
-      </a:effectRef>
-      <a:fontRef idx="minor"/>
-    </dgm:style>
-  </dgm:styleLbl>
-  <dgm:styleLbl name="alignAccFollowNode1">
-    <dgm:scene3d>
-      <a:camera prst="orthographicFront"/>
-      <a:lightRig rig="threePt" dir="t"/>
-    </dgm:scene3d>
-    <dgm:sp3d/>
-    <dgm:txPr/>
-    <dgm:style>
-      <a:lnRef idx="2">
-        <a:scrgbClr r="0" g="0" b="0"/>
-      </a:lnRef>
-      <a:fillRef idx="1">
-        <a:scrgbClr r="0" g="0" b="0"/>
-      </a:fillRef>
-      <a:effectRef idx="0">
-        <a:scrgbClr r="0" g="0" b="0"/>
-      </a:effectRef>
-      <a:fontRef idx="minor"/>
-    </dgm:style>
-  </dgm:styleLbl>
-  <dgm:styleLbl name="bgAccFollowNode1">
-    <dgm:scene3d>
-      <a:camera prst="orthographicFront"/>
-      <a:lightRig rig="threePt" dir="t"/>
-    </dgm:scene3d>
-    <dgm:sp3d/>
-    <dgm:txPr/>
-    <dgm:style>
-      <a:lnRef idx="2">
-        <a:scrgbClr r="0" g="0" b="0"/>
-      </a:lnRef>
-      <a:fillRef idx="1">
-        <a:scrgbClr r="0" g="0" b="0"/>
-      </a:fillRef>
-      <a:effectRef idx="0">
-        <a:scrgbClr r="0" g="0" b="0"/>
-      </a:effectRef>
-      <a:fontRef idx="minor"/>
-    </dgm:style>
-  </dgm:styleLbl>
-  <dgm:styleLbl name="fgAcc0">
-    <dgm:scene3d>
-      <a:camera prst="orthographicFront"/>
-      <a:lightRig rig="threePt" dir="t"/>
-    </dgm:scene3d>
-    <dgm:sp3d/>
-    <dgm:txPr/>
-    <dgm:style>
-      <a:lnRef idx="2">
-        <a:scrgbClr r="0" g="0" b="0"/>
-      </a:lnRef>
-      <a:fillRef idx="1">
-        <a:scrgbClr r="0" g="0" b="0"/>
-      </a:fillRef>
-      <a:effectRef idx="0">
-        <a:scrgbClr r="0" g="0" b="0"/>
-      </a:effectRef>
-      <a:fontRef idx="minor"/>
-    </dgm:style>
-  </dgm:styleLbl>
-  <dgm:styleLbl name="fgAcc2">
-    <dgm:scene3d>
-      <a:camera prst="orthographicFront"/>
-      <a:lightRig rig="threePt" dir="t"/>
-    </dgm:scene3d>
-    <dgm:sp3d/>
-    <dgm:txPr/>
-    <dgm:style>
-      <a:lnRef idx="2">
-        <a:scrgbClr r="0" g="0" b="0"/>
-      </a:lnRef>
-      <a:fillRef idx="1">
-        <a:scrgbClr r="0" g="0" b="0"/>
-      </a:fillRef>
-      <a:effectRef idx="0">
-        <a:scrgbClr r="0" g="0" b="0"/>
-      </a:effectRef>
-      <a:fontRef idx="minor"/>
-    </dgm:style>
-  </dgm:styleLbl>
-  <dgm:styleLbl name="fgAcc3">
-    <dgm:scene3d>
-      <a:camera prst="orthographicFront"/>
-      <a:lightRig rig="threePt" dir="t"/>
-    </dgm:scene3d>
-    <dgm:sp3d/>
-    <dgm:txPr/>
-    <dgm:style>
-      <a:lnRef idx="2">
-        <a:scrgbClr r="0" g="0" b="0"/>
-      </a:lnRef>
-      <a:fillRef idx="1">
-        <a:scrgbClr r="0" g="0" b="0"/>
-      </a:fillRef>
-      <a:effectRef idx="0">
-        <a:scrgbClr r="0" g="0" b="0"/>
-      </a:effectRef>
-      <a:fontRef idx="minor"/>
-    </dgm:style>
-  </dgm:styleLbl>
-  <dgm:styleLbl name="fgAcc4">
-    <dgm:scene3d>
-      <a:camera prst="orthographicFront"/>
-      <a:lightRig rig="threePt" dir="t"/>
-    </dgm:scene3d>
-    <dgm:sp3d/>
-    <dgm:txPr/>
-    <dgm:style>
-      <a:lnRef idx="2">
-        <a:scrgbClr r="0" g="0" b="0"/>
-      </a:lnRef>
-      <a:fillRef idx="1">
-        <a:scrgbClr r="0" g="0" b="0"/>
-      </a:fillRef>
-      <a:effectRef idx="0">
-        <a:scrgbClr r="0" g="0" b="0"/>
-      </a:effectRef>
-      <a:fontRef idx="minor"/>
-    </dgm:style>
-  </dgm:styleLbl>
-  <dgm:styleLbl name="bgShp">
-    <dgm:scene3d>
-      <a:camera prst="orthographicFront"/>
-      <a:lightRig rig="threePt" dir="t"/>
-    </dgm:scene3d>
-    <dgm:sp3d/>
-    <dgm:txPr/>
-    <dgm:style>
-      <a:lnRef idx="0">
-        <a:scrgbClr r="0" g="0" b="0"/>
-      </a:lnRef>
-      <a:fillRef idx="1">
-        <a:scrgbClr r="0" g="0" b="0"/>
-      </a:fillRef>
-      <a:effectRef idx="0">
-        <a:scrgbClr r="0" g="0" b="0"/>
-      </a:effectRef>
-      <a:fontRef idx="minor"/>
-    </dgm:style>
-  </dgm:styleLbl>
-  <dgm:styleLbl name="dkBgShp">
-    <dgm:scene3d>
-      <a:camera prst="orthographicFront"/>
-      <a:lightRig rig="threePt" dir="t"/>
-    </dgm:scene3d>
-    <dgm:sp3d/>
-    <dgm:txPr/>
-    <dgm:style>
-      <a:lnRef idx="0">
-        <a:scrgbClr r="0" g="0" b="0"/>
-      </a:lnRef>
-      <a:fillRef idx="1">
-        <a:scrgbClr r="0" g="0" b="0"/>
-      </a:fillRef>
-      <a:effectRef idx="0">
-        <a:scrgbClr r="0" g="0" b="0"/>
-      </a:effectRef>
-      <a:fontRef idx="minor"/>
-    </dgm:style>
-  </dgm:styleLbl>
-  <dgm:styleLbl name="trBgShp">
-    <dgm:scene3d>
-      <a:camera prst="orthographicFront"/>
-      <a:lightRig rig="threePt" dir="t"/>
-    </dgm:scene3d>
-    <dgm:sp3d/>
-    <dgm:txPr/>
-    <dgm:style>
-      <a:lnRef idx="0">
-        <a:scrgbClr r="0" g="0" b="0"/>
-      </a:lnRef>
-      <a:fillRef idx="1">
-        <a:scrgbClr r="0" g="0" b="0"/>
-      </a:fillRef>
-      <a:effectRef idx="0">
-        <a:scrgbClr r="0" g="0" b="0"/>
-      </a:effectRef>
-      <a:fontRef idx="minor"/>
-    </dgm:style>
-  </dgm:styleLbl>
-  <dgm:styleLbl name="fgShp">
-    <dgm:scene3d>
-      <a:camera prst="orthographicFront"/>
-      <a:lightRig rig="threePt" dir="t"/>
-    </dgm:scene3d>
-    <dgm:sp3d/>
-    <dgm:txPr/>
-    <dgm:style>
-      <a:lnRef idx="2">
-        <a:scrgbClr r="0" g="0" b="0"/>
-      </a:lnRef>
-      <a:fillRef idx="1">
-        <a:scrgbClr r="0" g="0" b="0"/>
-      </a:fillRef>
-      <a:effectRef idx="0">
         <a:scrgbClr r="0" g="0" b="0"/>
       </a:effectRef>
       <a:fontRef idx="minor"/>
@@ -14463,6 +11600,18 @@
               <a:tabLst/>
               <a:defRPr/>
             </a:pPr>
+            <a:r>
+              <a:rPr lang="zh-CN" altLang="en-US" sz="1200" b="0" i="0" kern="1200" dirty="0">
+                <a:solidFill>
+                  <a:schemeClr val="tx1"/>
+                </a:solidFill>
+                <a:effectLst/>
+                <a:latin typeface="+mn-lt"/>
+                <a:ea typeface="+mn-ea"/>
+                <a:cs typeface="+mn-cs"/>
+              </a:rPr>
+              <a:t>局部”（决策范围小、上下文有限）与“贪心”（当前点即时最优、无回溯、带有序回退）</a:t>
+            </a:r>
             <a:endParaRPr kumimoji="1" lang="zh-CN" altLang="en-US" sz="1200" dirty="0">
               <a:solidFill>
                 <a:schemeClr val="bg1"/>
@@ -14510,118 +11659,6 @@
 </file>
 
 <file path=ppt/notesSlides/notesSlide13.xml><?xml version="1.0" encoding="utf-8"?>
-<p:notes xmlns:a="http://schemas.openxmlformats.org/drawingml/2006/main" xmlns:r="http://schemas.openxmlformats.org/officeDocument/2006/relationships" xmlns:p="http://schemas.openxmlformats.org/presentationml/2006/main">
-  <p:cSld>
-    <p:spTree>
-      <p:nvGrpSpPr>
-        <p:cNvPr id="1" name=""/>
-        <p:cNvGrpSpPr/>
-        <p:nvPr/>
-      </p:nvGrpSpPr>
-      <p:grpSpPr>
-        <a:xfrm>
-          <a:off x="0" y="0"/>
-          <a:ext cx="0" cy="0"/>
-          <a:chOff x="0" y="0"/>
-          <a:chExt cx="0" cy="0"/>
-        </a:xfrm>
-      </p:grpSpPr>
-      <p:sp>
-        <p:nvSpPr>
-          <p:cNvPr id="2" name="幻灯片图像占位符 1"/>
-          <p:cNvSpPr>
-            <a:spLocks noGrp="1" noRot="1" noChangeAspect="1"/>
-          </p:cNvSpPr>
-          <p:nvPr>
-            <p:ph type="sldImg"/>
-          </p:nvPr>
-        </p:nvSpPr>
-        <p:spPr>
-          <a:xfrm>
-            <a:off x="481013" y="1279525"/>
-            <a:ext cx="6140450" cy="3454400"/>
-          </a:xfrm>
-        </p:spPr>
-      </p:sp>
-      <p:sp>
-        <p:nvSpPr>
-          <p:cNvPr id="3" name="备注占位符 2"/>
-          <p:cNvSpPr>
-            <a:spLocks noGrp="1"/>
-          </p:cNvSpPr>
-          <p:nvPr>
-            <p:ph type="body" idx="1"/>
-          </p:nvPr>
-        </p:nvSpPr>
-        <p:spPr/>
-        <p:txBody>
-          <a:bodyPr/>
-          <a:lstStyle/>
-          <a:p>
-            <a:pPr marL="0" marR="0" lvl="0" indent="0" algn="l" defTabSz="914400" rtl="0" eaLnBrk="1" fontAlgn="auto" latinLnBrk="0" hangingPunct="1">
-              <a:lnSpc>
-                <a:spcPct val="150000"/>
-              </a:lnSpc>
-              <a:spcBef>
-                <a:spcPts val="0"/>
-              </a:spcBef>
-              <a:spcAft>
-                <a:spcPts val="0"/>
-              </a:spcAft>
-              <a:buClrTx/>
-              <a:buSzTx/>
-              <a:buFont typeface="Arial" panose="020B0604020202090204" pitchFamily="34" charset="0"/>
-              <a:buNone/>
-              <a:tabLst/>
-              <a:defRPr/>
-            </a:pPr>
-            <a:endParaRPr kumimoji="1" lang="zh-CN" altLang="en-US" sz="1200" dirty="0">
-              <a:solidFill>
-                <a:schemeClr val="bg1"/>
-              </a:solidFill>
-              <a:latin typeface="Microsoft YaHei" panose="020B0503020204020204" pitchFamily="34" charset="-122"/>
-              <a:ea typeface="Microsoft YaHei" panose="020B0503020204020204" pitchFamily="34" charset="-122"/>
-            </a:endParaRPr>
-          </a:p>
-        </p:txBody>
-      </p:sp>
-      <p:sp>
-        <p:nvSpPr>
-          <p:cNvPr id="4" name="幻灯片编号占位符 3"/>
-          <p:cNvSpPr>
-            <a:spLocks noGrp="1"/>
-          </p:cNvSpPr>
-          <p:nvPr>
-            <p:ph type="sldNum" sz="quarter" idx="10"/>
-          </p:nvPr>
-        </p:nvSpPr>
-        <p:spPr/>
-        <p:txBody>
-          <a:bodyPr/>
-          <a:lstStyle/>
-          <a:p>
-            <a:fld id="{D6A4FA4F-9867-684F-8B57-47CD0A7C1CFD}" type="slidenum">
-              <a:rPr kumimoji="1" lang="zh-CN" altLang="en-US" smtClean="0"/>
-              <a:t>13</a:t>
-            </a:fld>
-            <a:endParaRPr kumimoji="1" lang="zh-CN" altLang="en-US"/>
-          </a:p>
-        </p:txBody>
-      </p:sp>
-    </p:spTree>
-    <p:extLst>
-      <p:ext uri="{BB962C8B-B14F-4D97-AF65-F5344CB8AC3E}">
-        <p14:creationId xmlns:p14="http://schemas.microsoft.com/office/powerpoint/2010/main" val="2738024391"/>
-      </p:ext>
-    </p:extLst>
-  </p:cSld>
-  <p:clrMapOvr>
-    <a:masterClrMapping/>
-  </p:clrMapOvr>
-</p:notes>
-</file>
-
-<file path=ppt/notesSlides/notesSlide14.xml><?xml version="1.0" encoding="utf-8"?>
 <p:notes xmlns:a="http://schemas.openxmlformats.org/drawingml/2006/main" xmlns:r="http://schemas.openxmlformats.org/officeDocument/2006/relationships" xmlns:p="http://schemas.openxmlformats.org/presentationml/2006/main">
   <p:cSld>
     <p:spTree>
@@ -14738,7 +11775,7 @@
           <a:p>
             <a:fld id="{D6A4FA4F-9867-684F-8B57-47CD0A7C1CFD}" type="slidenum">
               <a:rPr kumimoji="1" lang="zh-CN" altLang="en-US" smtClean="0"/>
-              <a:t>14</a:t>
+              <a:t>13</a:t>
             </a:fld>
             <a:endParaRPr kumimoji="1" lang="zh-CN" altLang="en-US"/>
           </a:p>
@@ -14757,7 +11794,7 @@
 </p:notes>
 </file>
 
-<file path=ppt/notesSlides/notesSlide15.xml><?xml version="1.0" encoding="utf-8"?>
+<file path=ppt/notesSlides/notesSlide14.xml><?xml version="1.0" encoding="utf-8"?>
 <p:notes xmlns:a="http://schemas.openxmlformats.org/drawingml/2006/main" xmlns:r="http://schemas.openxmlformats.org/officeDocument/2006/relationships" xmlns:p="http://schemas.openxmlformats.org/presentationml/2006/main">
   <p:cSld>
     <p:spTree>
@@ -14765,7 +11802,7 @@
         <p:cNvPr id="1" name="">
           <a:extLst>
             <a:ext uri="{FF2B5EF4-FFF2-40B4-BE49-F238E27FC236}">
-              <a16:creationId xmlns:a16="http://schemas.microsoft.com/office/drawing/2014/main" id="{B2A579DF-AC3A-BE5F-21B3-411A235A4ECC}"/>
+              <a16:creationId xmlns:a16="http://schemas.microsoft.com/office/drawing/2014/main" id="{54A35345-39BF-F918-4099-6E6E80DFCD62}"/>
             </a:ext>
           </a:extLst>
         </p:cNvPr>
@@ -14785,7 +11822,7 @@
           <p:cNvPr id="2" name="幻灯片图像占位符 1">
             <a:extLst>
               <a:ext uri="{FF2B5EF4-FFF2-40B4-BE49-F238E27FC236}">
-                <a16:creationId xmlns:a16="http://schemas.microsoft.com/office/drawing/2014/main" id="{50C2B77E-9308-A9D6-85E9-C680DD6806F0}"/>
+                <a16:creationId xmlns:a16="http://schemas.microsoft.com/office/drawing/2014/main" id="{6615C346-D1D7-67BB-1F4E-87B93C8B52C8}"/>
               </a:ext>
             </a:extLst>
           </p:cNvPr>
@@ -14808,7 +11845,7 @@
           <p:cNvPr id="3" name="备注占位符 2">
             <a:extLst>
               <a:ext uri="{FF2B5EF4-FFF2-40B4-BE49-F238E27FC236}">
-                <a16:creationId xmlns:a16="http://schemas.microsoft.com/office/drawing/2014/main" id="{E508B1A2-CE1E-AB9E-FD2B-62C8B124BFFD}"/>
+                <a16:creationId xmlns:a16="http://schemas.microsoft.com/office/drawing/2014/main" id="{2580B0E4-C51B-0B93-3142-AFEAF0575621}"/>
               </a:ext>
             </a:extLst>
           </p:cNvPr>
@@ -14856,7 +11893,7 @@
           <p:cNvPr id="4" name="幻灯片编号占位符 3">
             <a:extLst>
               <a:ext uri="{FF2B5EF4-FFF2-40B4-BE49-F238E27FC236}">
-                <a16:creationId xmlns:a16="http://schemas.microsoft.com/office/drawing/2014/main" id="{EB456224-5CD5-1C5B-E7E0-ED0E15149DEC}"/>
+                <a16:creationId xmlns:a16="http://schemas.microsoft.com/office/drawing/2014/main" id="{06640BAE-B6BF-69AD-D0F4-6F0B82551A92}"/>
               </a:ext>
             </a:extLst>
           </p:cNvPr>
@@ -14874,7 +11911,7 @@
           <a:p>
             <a:fld id="{D6A4FA4F-9867-684F-8B57-47CD0A7C1CFD}" type="slidenum">
               <a:rPr kumimoji="1" lang="zh-CN" altLang="en-US" smtClean="0"/>
-              <a:t>15</a:t>
+              <a:t>14</a:t>
             </a:fld>
             <a:endParaRPr kumimoji="1" lang="zh-CN" altLang="en-US"/>
           </a:p>
@@ -14883,7 +11920,119 @@
     </p:spTree>
     <p:extLst>
       <p:ext uri="{BB962C8B-B14F-4D97-AF65-F5344CB8AC3E}">
-        <p14:creationId xmlns:p14="http://schemas.microsoft.com/office/powerpoint/2010/main" val="1510729789"/>
+        <p14:creationId xmlns:p14="http://schemas.microsoft.com/office/powerpoint/2010/main" val="3584557958"/>
+      </p:ext>
+    </p:extLst>
+  </p:cSld>
+  <p:clrMapOvr>
+    <a:masterClrMapping/>
+  </p:clrMapOvr>
+</p:notes>
+</file>
+
+<file path=ppt/notesSlides/notesSlide15.xml><?xml version="1.0" encoding="utf-8"?>
+<p:notes xmlns:a="http://schemas.openxmlformats.org/drawingml/2006/main" xmlns:r="http://schemas.openxmlformats.org/officeDocument/2006/relationships" xmlns:p="http://schemas.openxmlformats.org/presentationml/2006/main">
+  <p:cSld>
+    <p:spTree>
+      <p:nvGrpSpPr>
+        <p:cNvPr id="1" name=""/>
+        <p:cNvGrpSpPr/>
+        <p:nvPr/>
+      </p:nvGrpSpPr>
+      <p:grpSpPr>
+        <a:xfrm>
+          <a:off x="0" y="0"/>
+          <a:ext cx="0" cy="0"/>
+          <a:chOff x="0" y="0"/>
+          <a:chExt cx="0" cy="0"/>
+        </a:xfrm>
+      </p:grpSpPr>
+      <p:sp>
+        <p:nvSpPr>
+          <p:cNvPr id="2" name="幻灯片图像占位符 1"/>
+          <p:cNvSpPr>
+            <a:spLocks noGrp="1" noRot="1" noChangeAspect="1"/>
+          </p:cNvSpPr>
+          <p:nvPr>
+            <p:ph type="sldImg"/>
+          </p:nvPr>
+        </p:nvSpPr>
+        <p:spPr>
+          <a:xfrm>
+            <a:off x="481013" y="1279525"/>
+            <a:ext cx="6140450" cy="3454400"/>
+          </a:xfrm>
+        </p:spPr>
+      </p:sp>
+      <p:sp>
+        <p:nvSpPr>
+          <p:cNvPr id="3" name="备注占位符 2"/>
+          <p:cNvSpPr>
+            <a:spLocks noGrp="1"/>
+          </p:cNvSpPr>
+          <p:nvPr>
+            <p:ph type="body" idx="1"/>
+          </p:nvPr>
+        </p:nvSpPr>
+        <p:spPr/>
+        <p:txBody>
+          <a:bodyPr/>
+          <a:lstStyle/>
+          <a:p>
+            <a:pPr marL="0" marR="0" lvl="0" indent="0" algn="l" defTabSz="914400" rtl="0" eaLnBrk="1" fontAlgn="auto" latinLnBrk="0" hangingPunct="1">
+              <a:lnSpc>
+                <a:spcPct val="150000"/>
+              </a:lnSpc>
+              <a:spcBef>
+                <a:spcPts val="0"/>
+              </a:spcBef>
+              <a:spcAft>
+                <a:spcPts val="0"/>
+              </a:spcAft>
+              <a:buClrTx/>
+              <a:buSzTx/>
+              <a:buFont typeface="Arial" panose="020B0604020202090204" pitchFamily="34" charset="0"/>
+              <a:buNone/>
+              <a:tabLst/>
+              <a:defRPr/>
+            </a:pPr>
+            <a:endParaRPr kumimoji="1" lang="zh-CN" altLang="en-US" sz="1200" dirty="0">
+              <a:solidFill>
+                <a:schemeClr val="bg1"/>
+              </a:solidFill>
+              <a:latin typeface="Microsoft YaHei" panose="020B0503020204020204" pitchFamily="34" charset="-122"/>
+              <a:ea typeface="Microsoft YaHei" panose="020B0503020204020204" pitchFamily="34" charset="-122"/>
+            </a:endParaRPr>
+          </a:p>
+        </p:txBody>
+      </p:sp>
+      <p:sp>
+        <p:nvSpPr>
+          <p:cNvPr id="4" name="幻灯片编号占位符 3"/>
+          <p:cNvSpPr>
+            <a:spLocks noGrp="1"/>
+          </p:cNvSpPr>
+          <p:nvPr>
+            <p:ph type="sldNum" sz="quarter" idx="10"/>
+          </p:nvPr>
+        </p:nvSpPr>
+        <p:spPr/>
+        <p:txBody>
+          <a:bodyPr/>
+          <a:lstStyle/>
+          <a:p>
+            <a:fld id="{D6A4FA4F-9867-684F-8B57-47CD0A7C1CFD}" type="slidenum">
+              <a:rPr kumimoji="1" lang="zh-CN" altLang="en-US" smtClean="0"/>
+              <a:t>15</a:t>
+            </a:fld>
+            <a:endParaRPr kumimoji="1" lang="zh-CN" altLang="en-US"/>
+          </a:p>
+        </p:txBody>
+      </p:sp>
+    </p:spTree>
+    <p:extLst>
+      <p:ext uri="{BB962C8B-B14F-4D97-AF65-F5344CB8AC3E}">
+        <p14:creationId xmlns:p14="http://schemas.microsoft.com/office/powerpoint/2010/main" val="1023847767"/>
       </p:ext>
     </p:extLst>
   </p:cSld>
@@ -14944,118 +12093,6 @@
           <a:p>
             <a:pPr marL="0" marR="0" lvl="0" indent="0" algn="l" defTabSz="914400" rtl="0" eaLnBrk="1" fontAlgn="auto" latinLnBrk="0" hangingPunct="1">
               <a:lnSpc>
-                <a:spcPct val="150000"/>
-              </a:lnSpc>
-              <a:spcBef>
-                <a:spcPts val="0"/>
-              </a:spcBef>
-              <a:spcAft>
-                <a:spcPts val="0"/>
-              </a:spcAft>
-              <a:buClrTx/>
-              <a:buSzTx/>
-              <a:buFont typeface="Arial" panose="020B0604020202090204" pitchFamily="34" charset="0"/>
-              <a:buNone/>
-              <a:tabLst/>
-              <a:defRPr/>
-            </a:pPr>
-            <a:endParaRPr kumimoji="1" lang="zh-CN" altLang="en-US" sz="1200" dirty="0">
-              <a:solidFill>
-                <a:schemeClr val="bg1"/>
-              </a:solidFill>
-              <a:latin typeface="Microsoft YaHei" panose="020B0503020204020204" pitchFamily="34" charset="-122"/>
-              <a:ea typeface="Microsoft YaHei" panose="020B0503020204020204" pitchFamily="34" charset="-122"/>
-            </a:endParaRPr>
-          </a:p>
-        </p:txBody>
-      </p:sp>
-      <p:sp>
-        <p:nvSpPr>
-          <p:cNvPr id="4" name="幻灯片编号占位符 3"/>
-          <p:cNvSpPr>
-            <a:spLocks noGrp="1"/>
-          </p:cNvSpPr>
-          <p:nvPr>
-            <p:ph type="sldNum" sz="quarter" idx="10"/>
-          </p:nvPr>
-        </p:nvSpPr>
-        <p:spPr/>
-        <p:txBody>
-          <a:bodyPr/>
-          <a:lstStyle/>
-          <a:p>
-            <a:fld id="{D6A4FA4F-9867-684F-8B57-47CD0A7C1CFD}" type="slidenum">
-              <a:rPr kumimoji="1" lang="zh-CN" altLang="en-US" smtClean="0"/>
-              <a:t>16</a:t>
-            </a:fld>
-            <a:endParaRPr kumimoji="1" lang="zh-CN" altLang="en-US"/>
-          </a:p>
-        </p:txBody>
-      </p:sp>
-    </p:spTree>
-    <p:extLst>
-      <p:ext uri="{BB962C8B-B14F-4D97-AF65-F5344CB8AC3E}">
-        <p14:creationId xmlns:p14="http://schemas.microsoft.com/office/powerpoint/2010/main" val="1023847767"/>
-      </p:ext>
-    </p:extLst>
-  </p:cSld>
-  <p:clrMapOvr>
-    <a:masterClrMapping/>
-  </p:clrMapOvr>
-</p:notes>
-</file>
-
-<file path=ppt/notesSlides/notesSlide17.xml><?xml version="1.0" encoding="utf-8"?>
-<p:notes xmlns:a="http://schemas.openxmlformats.org/drawingml/2006/main" xmlns:r="http://schemas.openxmlformats.org/officeDocument/2006/relationships" xmlns:p="http://schemas.openxmlformats.org/presentationml/2006/main">
-  <p:cSld>
-    <p:spTree>
-      <p:nvGrpSpPr>
-        <p:cNvPr id="1" name=""/>
-        <p:cNvGrpSpPr/>
-        <p:nvPr/>
-      </p:nvGrpSpPr>
-      <p:grpSpPr>
-        <a:xfrm>
-          <a:off x="0" y="0"/>
-          <a:ext cx="0" cy="0"/>
-          <a:chOff x="0" y="0"/>
-          <a:chExt cx="0" cy="0"/>
-        </a:xfrm>
-      </p:grpSpPr>
-      <p:sp>
-        <p:nvSpPr>
-          <p:cNvPr id="2" name="幻灯片图像占位符 1"/>
-          <p:cNvSpPr>
-            <a:spLocks noGrp="1" noRot="1" noChangeAspect="1"/>
-          </p:cNvSpPr>
-          <p:nvPr>
-            <p:ph type="sldImg"/>
-          </p:nvPr>
-        </p:nvSpPr>
-        <p:spPr>
-          <a:xfrm>
-            <a:off x="481013" y="1279525"/>
-            <a:ext cx="6140450" cy="3454400"/>
-          </a:xfrm>
-        </p:spPr>
-      </p:sp>
-      <p:sp>
-        <p:nvSpPr>
-          <p:cNvPr id="3" name="备注占位符 2"/>
-          <p:cNvSpPr>
-            <a:spLocks noGrp="1"/>
-          </p:cNvSpPr>
-          <p:nvPr>
-            <p:ph type="body" idx="1"/>
-          </p:nvPr>
-        </p:nvSpPr>
-        <p:spPr/>
-        <p:txBody>
-          <a:bodyPr/>
-          <a:lstStyle/>
-          <a:p>
-            <a:pPr marL="0" marR="0" lvl="0" indent="0" algn="l" defTabSz="914400" rtl="0" eaLnBrk="1" fontAlgn="auto" latinLnBrk="0" hangingPunct="1">
-              <a:lnSpc>
                 <a:spcPct val="100000"/>
               </a:lnSpc>
               <a:spcBef>
@@ -15099,7 +12136,7 @@
           <a:p>
             <a:fld id="{D6A4FA4F-9867-684F-8B57-47CD0A7C1CFD}" type="slidenum">
               <a:rPr kumimoji="1" lang="zh-CN" altLang="en-US" smtClean="0"/>
-              <a:t>17</a:t>
+              <a:t>16</a:t>
             </a:fld>
             <a:endParaRPr kumimoji="1" lang="zh-CN" altLang="en-US"/>
           </a:p>
@@ -22134,7 +19171,7 @@
                 <a:ea typeface="微软雅黑" charset="-122"/>
                 <a:sym typeface="Helvetica Light"/>
               </a:rPr>
-              <a:t>翻译架构</a:t>
+              <a:t>指令选择</a:t>
             </a:r>
             <a:endParaRPr lang="zh-CN" altLang="en-US" sz="4000" b="1" dirty="0">
               <a:solidFill>
@@ -22340,13 +19377,13 @@
           <p:nvPr>
             <p:extLst>
               <p:ext uri="{D42A27DB-BD31-4B8C-83A1-F6EECF244321}">
-                <p14:modId xmlns:p14="http://schemas.microsoft.com/office/powerpoint/2010/main" val="2682862080"/>
+                <p14:modId xmlns:p14="http://schemas.microsoft.com/office/powerpoint/2010/main" val="3099400846"/>
               </p:ext>
             </p:extLst>
           </p:nvPr>
         </p:nvGraphicFramePr>
         <p:xfrm>
-          <a:off x="357809" y="2687541"/>
+          <a:off x="345998" y="1563119"/>
           <a:ext cx="4198288" cy="4170459"/>
         </p:xfrm>
         <a:graphic>
@@ -22368,13 +19405,13 @@
           <p:nvPr>
             <p:extLst>
               <p:ext uri="{D42A27DB-BD31-4B8C-83A1-F6EECF244321}">
-                <p14:modId xmlns:p14="http://schemas.microsoft.com/office/powerpoint/2010/main" val="522024310"/>
+                <p14:modId xmlns:p14="http://schemas.microsoft.com/office/powerpoint/2010/main" val="2515685244"/>
               </p:ext>
             </p:extLst>
           </p:nvPr>
         </p:nvGraphicFramePr>
         <p:xfrm>
-          <a:off x="7482179" y="2806810"/>
+          <a:off x="7431772" y="1622753"/>
           <a:ext cx="4452648" cy="4051190"/>
         </p:xfrm>
         <a:graphic>
@@ -22397,8 +19434,8 @@
         </p:nvSpPr>
         <p:spPr>
           <a:xfrm>
-            <a:off x="4929610" y="4608342"/>
-            <a:ext cx="2332780" cy="484632"/>
+            <a:off x="4844053" y="2944368"/>
+            <a:ext cx="2393348" cy="484632"/>
           </a:xfrm>
           <a:prstGeom prst="rightArrow">
             <a:avLst/>
@@ -22443,8 +19480,8 @@
         </p:nvSpPr>
         <p:spPr>
           <a:xfrm>
-            <a:off x="5096787" y="4123710"/>
-            <a:ext cx="1844702" cy="484632"/>
+            <a:off x="5033669" y="3435651"/>
+            <a:ext cx="1939625" cy="1493771"/>
           </a:xfrm>
           <a:prstGeom prst="roundRect">
             <a:avLst/>
@@ -22471,10 +19508,78 @@
           <a:lstStyle/>
           <a:p>
             <a:pPr algn="ctr"/>
-            <a:r>
-              <a:rPr lang="en-US" altLang="zh-CN" dirty="0" err="1"/>
-              <a:t>IRTranslator</a:t>
-            </a:r>
+            <a:endParaRPr lang="en-US" altLang="zh-CN" dirty="0"/>
+          </a:p>
+          <a:p>
+            <a:pPr algn="ctr"/>
+            <a:endParaRPr lang="en-US" altLang="zh-CN" dirty="0"/>
+          </a:p>
+          <a:p>
+            <a:pPr algn="ctr"/>
+            <a:r>
+              <a:rPr lang="en-US" altLang="zh-CN" b="1" dirty="0"/>
+              <a:t>Translator</a:t>
+            </a:r>
+            <a:br>
+              <a:rPr lang="en-US" altLang="zh-CN" dirty="0"/>
+            </a:br>
+            <a:r>
+              <a:rPr lang="en-US" altLang="zh-CN" dirty="0" err="1">
+                <a:latin typeface="Calibri (正文)"/>
+              </a:rPr>
+              <a:t>translateLoad</a:t>
+            </a:r>
+            <a:r>
+              <a:rPr lang="en-US" altLang="zh-CN" dirty="0">
+                <a:latin typeface="Calibri (正文)"/>
+              </a:rPr>
+              <a:t>,</a:t>
+            </a:r>
+            <a:r>
+              <a:rPr lang="zh-CN" altLang="en-US" dirty="0">
+                <a:latin typeface="Calibri (正文)"/>
+              </a:rPr>
+              <a:t> </a:t>
+            </a:r>
+            <a:r>
+              <a:rPr lang="en-US" altLang="zh-CN" dirty="0" err="1">
+                <a:latin typeface="Calibri (正文)"/>
+              </a:rPr>
+              <a:t>translateStore</a:t>
+            </a:r>
+            <a:r>
+              <a:rPr lang="en-US" altLang="zh-CN" dirty="0">
+                <a:latin typeface="Calibri (正文)"/>
+              </a:rPr>
+              <a:t>, </a:t>
+            </a:r>
+            <a:r>
+              <a:rPr lang="en-US" altLang="zh-CN" dirty="0" err="1">
+                <a:latin typeface="Calibri (正文)"/>
+              </a:rPr>
+              <a:t>translateAdd</a:t>
+            </a:r>
+            <a:endParaRPr lang="en-US" altLang="zh-CN" dirty="0">
+              <a:latin typeface="Calibri (正文)"/>
+            </a:endParaRPr>
+          </a:p>
+          <a:p>
+            <a:pPr algn="ctr"/>
+            <a:r>
+              <a:rPr lang="en-US" altLang="zh-CN" dirty="0">
+                <a:latin typeface="Calibri (正文)"/>
+              </a:rPr>
+              <a:t>…</a:t>
+            </a:r>
+          </a:p>
+          <a:p>
+            <a:pPr algn="ctr"/>
+            <a:endParaRPr lang="en-US" altLang="zh-CN" dirty="0">
+              <a:latin typeface="Calibri (正文)"/>
+            </a:endParaRPr>
+          </a:p>
+          <a:p>
+            <a:pPr algn="ctr"/>
             <a:endParaRPr lang="zh-CN" altLang="en-US" dirty="0"/>
           </a:p>
         </p:txBody>
@@ -22493,70 +19598,709 @@
         </p:nvSpPr>
         <p:spPr>
           <a:xfrm>
-            <a:off x="645625" y="1910883"/>
-            <a:ext cx="7083043" cy="646331"/>
+            <a:off x="217716" y="1388439"/>
+            <a:ext cx="11538422" cy="677108"/>
           </a:xfrm>
           <a:custGeom>
             <a:avLst/>
             <a:gdLst>
-              <a:gd name="connsiteX0" fmla="*/ 0 w 7083043"/>
-              <a:gd name="connsiteY0" fmla="*/ 0 h 646331"/>
-              <a:gd name="connsiteX1" fmla="*/ 519423 w 7083043"/>
-              <a:gd name="connsiteY1" fmla="*/ 0 h 646331"/>
-              <a:gd name="connsiteX2" fmla="*/ 897185 w 7083043"/>
-              <a:gd name="connsiteY2" fmla="*/ 0 h 646331"/>
-              <a:gd name="connsiteX3" fmla="*/ 1629100 w 7083043"/>
-              <a:gd name="connsiteY3" fmla="*/ 0 h 646331"/>
-              <a:gd name="connsiteX4" fmla="*/ 2148523 w 7083043"/>
-              <a:gd name="connsiteY4" fmla="*/ 0 h 646331"/>
-              <a:gd name="connsiteX5" fmla="*/ 2667946 w 7083043"/>
-              <a:gd name="connsiteY5" fmla="*/ 0 h 646331"/>
-              <a:gd name="connsiteX6" fmla="*/ 3399861 w 7083043"/>
-              <a:gd name="connsiteY6" fmla="*/ 0 h 646331"/>
-              <a:gd name="connsiteX7" fmla="*/ 3848453 w 7083043"/>
-              <a:gd name="connsiteY7" fmla="*/ 0 h 646331"/>
-              <a:gd name="connsiteX8" fmla="*/ 4580368 w 7083043"/>
-              <a:gd name="connsiteY8" fmla="*/ 0 h 646331"/>
-              <a:gd name="connsiteX9" fmla="*/ 5312282 w 7083043"/>
-              <a:gd name="connsiteY9" fmla="*/ 0 h 646331"/>
-              <a:gd name="connsiteX10" fmla="*/ 5902536 w 7083043"/>
-              <a:gd name="connsiteY10" fmla="*/ 0 h 646331"/>
-              <a:gd name="connsiteX11" fmla="*/ 7083043 w 7083043"/>
-              <a:gd name="connsiteY11" fmla="*/ 0 h 646331"/>
-              <a:gd name="connsiteX12" fmla="*/ 7083043 w 7083043"/>
-              <a:gd name="connsiteY12" fmla="*/ 316702 h 646331"/>
-              <a:gd name="connsiteX13" fmla="*/ 7083043 w 7083043"/>
-              <a:gd name="connsiteY13" fmla="*/ 646331 h 646331"/>
-              <a:gd name="connsiteX14" fmla="*/ 6492789 w 7083043"/>
-              <a:gd name="connsiteY14" fmla="*/ 646331 h 646331"/>
-              <a:gd name="connsiteX15" fmla="*/ 6044197 w 7083043"/>
-              <a:gd name="connsiteY15" fmla="*/ 646331 h 646331"/>
-              <a:gd name="connsiteX16" fmla="*/ 5453943 w 7083043"/>
-              <a:gd name="connsiteY16" fmla="*/ 646331 h 646331"/>
-              <a:gd name="connsiteX17" fmla="*/ 4722029 w 7083043"/>
-              <a:gd name="connsiteY17" fmla="*/ 646331 h 646331"/>
-              <a:gd name="connsiteX18" fmla="*/ 4131775 w 7083043"/>
-              <a:gd name="connsiteY18" fmla="*/ 646331 h 646331"/>
-              <a:gd name="connsiteX19" fmla="*/ 3754013 w 7083043"/>
-              <a:gd name="connsiteY19" fmla="*/ 646331 h 646331"/>
-              <a:gd name="connsiteX20" fmla="*/ 3305420 w 7083043"/>
-              <a:gd name="connsiteY20" fmla="*/ 646331 h 646331"/>
-              <a:gd name="connsiteX21" fmla="*/ 2573506 w 7083043"/>
-              <a:gd name="connsiteY21" fmla="*/ 646331 h 646331"/>
-              <a:gd name="connsiteX22" fmla="*/ 1983252 w 7083043"/>
-              <a:gd name="connsiteY22" fmla="*/ 646331 h 646331"/>
-              <a:gd name="connsiteX23" fmla="*/ 1534659 w 7083043"/>
-              <a:gd name="connsiteY23" fmla="*/ 646331 h 646331"/>
-              <a:gd name="connsiteX24" fmla="*/ 944406 w 7083043"/>
-              <a:gd name="connsiteY24" fmla="*/ 646331 h 646331"/>
-              <a:gd name="connsiteX25" fmla="*/ 566643 w 7083043"/>
-              <a:gd name="connsiteY25" fmla="*/ 646331 h 646331"/>
-              <a:gd name="connsiteX26" fmla="*/ 0 w 7083043"/>
-              <a:gd name="connsiteY26" fmla="*/ 646331 h 646331"/>
-              <a:gd name="connsiteX27" fmla="*/ 0 w 7083043"/>
-              <a:gd name="connsiteY27" fmla="*/ 323166 h 646331"/>
-              <a:gd name="connsiteX28" fmla="*/ 0 w 7083043"/>
-              <a:gd name="connsiteY28" fmla="*/ 0 h 646331"/>
+              <a:gd name="connsiteX0" fmla="*/ 0 w 11538422"/>
+              <a:gd name="connsiteY0" fmla="*/ 0 h 677108"/>
+              <a:gd name="connsiteX1" fmla="*/ 461537 w 11538422"/>
+              <a:gd name="connsiteY1" fmla="*/ 0 h 677108"/>
+              <a:gd name="connsiteX2" fmla="*/ 692305 w 11538422"/>
+              <a:gd name="connsiteY2" fmla="*/ 0 h 677108"/>
+              <a:gd name="connsiteX3" fmla="*/ 1499995 w 11538422"/>
+              <a:gd name="connsiteY3" fmla="*/ 0 h 677108"/>
+              <a:gd name="connsiteX4" fmla="*/ 1961532 w 11538422"/>
+              <a:gd name="connsiteY4" fmla="*/ 0 h 677108"/>
+              <a:gd name="connsiteX5" fmla="*/ 2423069 w 11538422"/>
+              <a:gd name="connsiteY5" fmla="*/ 0 h 677108"/>
+              <a:gd name="connsiteX6" fmla="*/ 3230758 w 11538422"/>
+              <a:gd name="connsiteY6" fmla="*/ 0 h 677108"/>
+              <a:gd name="connsiteX7" fmla="*/ 3576911 w 11538422"/>
+              <a:gd name="connsiteY7" fmla="*/ 0 h 677108"/>
+              <a:gd name="connsiteX8" fmla="*/ 4384600 w 11538422"/>
+              <a:gd name="connsiteY8" fmla="*/ 0 h 677108"/>
+              <a:gd name="connsiteX9" fmla="*/ 5192290 w 11538422"/>
+              <a:gd name="connsiteY9" fmla="*/ 0 h 677108"/>
+              <a:gd name="connsiteX10" fmla="*/ 5769211 w 11538422"/>
+              <a:gd name="connsiteY10" fmla="*/ 0 h 677108"/>
+              <a:gd name="connsiteX11" fmla="*/ 6576901 w 11538422"/>
+              <a:gd name="connsiteY11" fmla="*/ 0 h 677108"/>
+              <a:gd name="connsiteX12" fmla="*/ 7038437 w 11538422"/>
+              <a:gd name="connsiteY12" fmla="*/ 0 h 677108"/>
+              <a:gd name="connsiteX13" fmla="*/ 7499974 w 11538422"/>
+              <a:gd name="connsiteY13" fmla="*/ 0 h 677108"/>
+              <a:gd name="connsiteX14" fmla="*/ 8192280 w 11538422"/>
+              <a:gd name="connsiteY14" fmla="*/ 0 h 677108"/>
+              <a:gd name="connsiteX15" fmla="*/ 8653817 w 11538422"/>
+              <a:gd name="connsiteY15" fmla="*/ 0 h 677108"/>
+              <a:gd name="connsiteX16" fmla="*/ 9461506 w 11538422"/>
+              <a:gd name="connsiteY16" fmla="*/ 0 h 677108"/>
+              <a:gd name="connsiteX17" fmla="*/ 10269196 w 11538422"/>
+              <a:gd name="connsiteY17" fmla="*/ 0 h 677108"/>
+              <a:gd name="connsiteX18" fmla="*/ 10846117 w 11538422"/>
+              <a:gd name="connsiteY18" fmla="*/ 0 h 677108"/>
+              <a:gd name="connsiteX19" fmla="*/ 11538422 w 11538422"/>
+              <a:gd name="connsiteY19" fmla="*/ 0 h 677108"/>
+              <a:gd name="connsiteX20" fmla="*/ 11538422 w 11538422"/>
+              <a:gd name="connsiteY20" fmla="*/ 318241 h 677108"/>
+              <a:gd name="connsiteX21" fmla="*/ 11538422 w 11538422"/>
+              <a:gd name="connsiteY21" fmla="*/ 677108 h 677108"/>
+              <a:gd name="connsiteX22" fmla="*/ 10846117 w 11538422"/>
+              <a:gd name="connsiteY22" fmla="*/ 677108 h 677108"/>
+              <a:gd name="connsiteX23" fmla="*/ 10499964 w 11538422"/>
+              <a:gd name="connsiteY23" fmla="*/ 677108 h 677108"/>
+              <a:gd name="connsiteX24" fmla="*/ 9923043 w 11538422"/>
+              <a:gd name="connsiteY24" fmla="*/ 677108 h 677108"/>
+              <a:gd name="connsiteX25" fmla="*/ 9692274 w 11538422"/>
+              <a:gd name="connsiteY25" fmla="*/ 677108 h 677108"/>
+              <a:gd name="connsiteX26" fmla="*/ 9461506 w 11538422"/>
+              <a:gd name="connsiteY26" fmla="*/ 677108 h 677108"/>
+              <a:gd name="connsiteX27" fmla="*/ 8884585 w 11538422"/>
+              <a:gd name="connsiteY27" fmla="*/ 677108 h 677108"/>
+              <a:gd name="connsiteX28" fmla="*/ 8538432 w 11538422"/>
+              <a:gd name="connsiteY28" fmla="*/ 677108 h 677108"/>
+              <a:gd name="connsiteX29" fmla="*/ 7846127 w 11538422"/>
+              <a:gd name="connsiteY29" fmla="*/ 677108 h 677108"/>
+              <a:gd name="connsiteX30" fmla="*/ 7499974 w 11538422"/>
+              <a:gd name="connsiteY30" fmla="*/ 677108 h 677108"/>
+              <a:gd name="connsiteX31" fmla="*/ 6807669 w 11538422"/>
+              <a:gd name="connsiteY31" fmla="*/ 677108 h 677108"/>
+              <a:gd name="connsiteX32" fmla="*/ 6576901 w 11538422"/>
+              <a:gd name="connsiteY32" fmla="*/ 677108 h 677108"/>
+              <a:gd name="connsiteX33" fmla="*/ 5884595 w 11538422"/>
+              <a:gd name="connsiteY33" fmla="*/ 677108 h 677108"/>
+              <a:gd name="connsiteX34" fmla="*/ 5538443 w 11538422"/>
+              <a:gd name="connsiteY34" fmla="*/ 677108 h 677108"/>
+              <a:gd name="connsiteX35" fmla="*/ 5307674 w 11538422"/>
+              <a:gd name="connsiteY35" fmla="*/ 677108 h 677108"/>
+              <a:gd name="connsiteX36" fmla="*/ 4961521 w 11538422"/>
+              <a:gd name="connsiteY36" fmla="*/ 677108 h 677108"/>
+              <a:gd name="connsiteX37" fmla="*/ 4269216 w 11538422"/>
+              <a:gd name="connsiteY37" fmla="*/ 677108 h 677108"/>
+              <a:gd name="connsiteX38" fmla="*/ 3923063 w 11538422"/>
+              <a:gd name="connsiteY38" fmla="*/ 677108 h 677108"/>
+              <a:gd name="connsiteX39" fmla="*/ 3692295 w 11538422"/>
+              <a:gd name="connsiteY39" fmla="*/ 677108 h 677108"/>
+              <a:gd name="connsiteX40" fmla="*/ 3346142 w 11538422"/>
+              <a:gd name="connsiteY40" fmla="*/ 677108 h 677108"/>
+              <a:gd name="connsiteX41" fmla="*/ 2884605 w 11538422"/>
+              <a:gd name="connsiteY41" fmla="*/ 677108 h 677108"/>
+              <a:gd name="connsiteX42" fmla="*/ 2307684 w 11538422"/>
+              <a:gd name="connsiteY42" fmla="*/ 677108 h 677108"/>
+              <a:gd name="connsiteX43" fmla="*/ 1961532 w 11538422"/>
+              <a:gd name="connsiteY43" fmla="*/ 677108 h 677108"/>
+              <a:gd name="connsiteX44" fmla="*/ 1153842 w 11538422"/>
+              <a:gd name="connsiteY44" fmla="*/ 677108 h 677108"/>
+              <a:gd name="connsiteX45" fmla="*/ 576921 w 11538422"/>
+              <a:gd name="connsiteY45" fmla="*/ 677108 h 677108"/>
+              <a:gd name="connsiteX46" fmla="*/ 0 w 11538422"/>
+              <a:gd name="connsiteY46" fmla="*/ 677108 h 677108"/>
+              <a:gd name="connsiteX47" fmla="*/ 0 w 11538422"/>
+              <a:gd name="connsiteY47" fmla="*/ 331783 h 677108"/>
+              <a:gd name="connsiteX48" fmla="*/ 0 w 11538422"/>
+              <a:gd name="connsiteY48" fmla="*/ 0 h 677108"/>
+            </a:gdLst>
+            <a:ahLst/>
+            <a:cxnLst>
+              <a:cxn ang="0">
+                <a:pos x="connsiteX0" y="connsiteY0"/>
+              </a:cxn>
+              <a:cxn ang="0">
+                <a:pos x="connsiteX1" y="connsiteY1"/>
+              </a:cxn>
+              <a:cxn ang="0">
+                <a:pos x="connsiteX2" y="connsiteY2"/>
+              </a:cxn>
+              <a:cxn ang="0">
+                <a:pos x="connsiteX3" y="connsiteY3"/>
+              </a:cxn>
+              <a:cxn ang="0">
+                <a:pos x="connsiteX4" y="connsiteY4"/>
+              </a:cxn>
+              <a:cxn ang="0">
+                <a:pos x="connsiteX5" y="connsiteY5"/>
+              </a:cxn>
+              <a:cxn ang="0">
+                <a:pos x="connsiteX6" y="connsiteY6"/>
+              </a:cxn>
+              <a:cxn ang="0">
+                <a:pos x="connsiteX7" y="connsiteY7"/>
+              </a:cxn>
+              <a:cxn ang="0">
+                <a:pos x="connsiteX8" y="connsiteY8"/>
+              </a:cxn>
+              <a:cxn ang="0">
+                <a:pos x="connsiteX9" y="connsiteY9"/>
+              </a:cxn>
+              <a:cxn ang="0">
+                <a:pos x="connsiteX10" y="connsiteY10"/>
+              </a:cxn>
+              <a:cxn ang="0">
+                <a:pos x="connsiteX11" y="connsiteY11"/>
+              </a:cxn>
+              <a:cxn ang="0">
+                <a:pos x="connsiteX12" y="connsiteY12"/>
+              </a:cxn>
+              <a:cxn ang="0">
+                <a:pos x="connsiteX13" y="connsiteY13"/>
+              </a:cxn>
+              <a:cxn ang="0">
+                <a:pos x="connsiteX14" y="connsiteY14"/>
+              </a:cxn>
+              <a:cxn ang="0">
+                <a:pos x="connsiteX15" y="connsiteY15"/>
+              </a:cxn>
+              <a:cxn ang="0">
+                <a:pos x="connsiteX16" y="connsiteY16"/>
+              </a:cxn>
+              <a:cxn ang="0">
+                <a:pos x="connsiteX17" y="connsiteY17"/>
+              </a:cxn>
+              <a:cxn ang="0">
+                <a:pos x="connsiteX18" y="connsiteY18"/>
+              </a:cxn>
+              <a:cxn ang="0">
+                <a:pos x="connsiteX19" y="connsiteY19"/>
+              </a:cxn>
+              <a:cxn ang="0">
+                <a:pos x="connsiteX20" y="connsiteY20"/>
+              </a:cxn>
+              <a:cxn ang="0">
+                <a:pos x="connsiteX21" y="connsiteY21"/>
+              </a:cxn>
+              <a:cxn ang="0">
+                <a:pos x="connsiteX22" y="connsiteY22"/>
+              </a:cxn>
+              <a:cxn ang="0">
+                <a:pos x="connsiteX23" y="connsiteY23"/>
+              </a:cxn>
+              <a:cxn ang="0">
+                <a:pos x="connsiteX24" y="connsiteY24"/>
+              </a:cxn>
+              <a:cxn ang="0">
+                <a:pos x="connsiteX25" y="connsiteY25"/>
+              </a:cxn>
+              <a:cxn ang="0">
+                <a:pos x="connsiteX26" y="connsiteY26"/>
+              </a:cxn>
+              <a:cxn ang="0">
+                <a:pos x="connsiteX27" y="connsiteY27"/>
+              </a:cxn>
+              <a:cxn ang="0">
+                <a:pos x="connsiteX28" y="connsiteY28"/>
+              </a:cxn>
+              <a:cxn ang="0">
+                <a:pos x="connsiteX29" y="connsiteY29"/>
+              </a:cxn>
+              <a:cxn ang="0">
+                <a:pos x="connsiteX30" y="connsiteY30"/>
+              </a:cxn>
+              <a:cxn ang="0">
+                <a:pos x="connsiteX31" y="connsiteY31"/>
+              </a:cxn>
+              <a:cxn ang="0">
+                <a:pos x="connsiteX32" y="connsiteY32"/>
+              </a:cxn>
+              <a:cxn ang="0">
+                <a:pos x="connsiteX33" y="connsiteY33"/>
+              </a:cxn>
+              <a:cxn ang="0">
+                <a:pos x="connsiteX34" y="connsiteY34"/>
+              </a:cxn>
+              <a:cxn ang="0">
+                <a:pos x="connsiteX35" y="connsiteY35"/>
+              </a:cxn>
+              <a:cxn ang="0">
+                <a:pos x="connsiteX36" y="connsiteY36"/>
+              </a:cxn>
+              <a:cxn ang="0">
+                <a:pos x="connsiteX37" y="connsiteY37"/>
+              </a:cxn>
+              <a:cxn ang="0">
+                <a:pos x="connsiteX38" y="connsiteY38"/>
+              </a:cxn>
+              <a:cxn ang="0">
+                <a:pos x="connsiteX39" y="connsiteY39"/>
+              </a:cxn>
+              <a:cxn ang="0">
+                <a:pos x="connsiteX40" y="connsiteY40"/>
+              </a:cxn>
+              <a:cxn ang="0">
+                <a:pos x="connsiteX41" y="connsiteY41"/>
+              </a:cxn>
+              <a:cxn ang="0">
+                <a:pos x="connsiteX42" y="connsiteY42"/>
+              </a:cxn>
+              <a:cxn ang="0">
+                <a:pos x="connsiteX43" y="connsiteY43"/>
+              </a:cxn>
+              <a:cxn ang="0">
+                <a:pos x="connsiteX44" y="connsiteY44"/>
+              </a:cxn>
+              <a:cxn ang="0">
+                <a:pos x="connsiteX45" y="connsiteY45"/>
+              </a:cxn>
+              <a:cxn ang="0">
+                <a:pos x="connsiteX46" y="connsiteY46"/>
+              </a:cxn>
+              <a:cxn ang="0">
+                <a:pos x="connsiteX47" y="connsiteY47"/>
+              </a:cxn>
+              <a:cxn ang="0">
+                <a:pos x="connsiteX48" y="connsiteY48"/>
+              </a:cxn>
+            </a:cxnLst>
+            <a:rect l="l" t="t" r="r" b="b"/>
+            <a:pathLst>
+              <a:path w="11538422" h="677108" extrusionOk="0">
+                <a:moveTo>
+                  <a:pt x="0" y="0"/>
+                </a:moveTo>
+                <a:cubicBezTo>
+                  <a:pt x="158969" y="-6130"/>
+                  <a:pt x="231756" y="1952"/>
+                  <a:pt x="461537" y="0"/>
+                </a:cubicBezTo>
+                <a:cubicBezTo>
+                  <a:pt x="691318" y="-1952"/>
+                  <a:pt x="595916" y="22086"/>
+                  <a:pt x="692305" y="0"/>
+                </a:cubicBezTo>
+                <a:cubicBezTo>
+                  <a:pt x="788694" y="-22086"/>
+                  <a:pt x="1151914" y="45505"/>
+                  <a:pt x="1499995" y="0"/>
+                </a:cubicBezTo>
+                <a:cubicBezTo>
+                  <a:pt x="1848076" y="-45505"/>
+                  <a:pt x="1838712" y="616"/>
+                  <a:pt x="1961532" y="0"/>
+                </a:cubicBezTo>
+                <a:cubicBezTo>
+                  <a:pt x="2084352" y="-616"/>
+                  <a:pt x="2273371" y="16155"/>
+                  <a:pt x="2423069" y="0"/>
+                </a:cubicBezTo>
+                <a:cubicBezTo>
+                  <a:pt x="2572767" y="-16155"/>
+                  <a:pt x="3016896" y="5642"/>
+                  <a:pt x="3230758" y="0"/>
+                </a:cubicBezTo>
+                <a:cubicBezTo>
+                  <a:pt x="3444620" y="-5642"/>
+                  <a:pt x="3477085" y="30350"/>
+                  <a:pt x="3576911" y="0"/>
+                </a:cubicBezTo>
+                <a:cubicBezTo>
+                  <a:pt x="3676737" y="-30350"/>
+                  <a:pt x="4083158" y="59922"/>
+                  <a:pt x="4384600" y="0"/>
+                </a:cubicBezTo>
+                <a:cubicBezTo>
+                  <a:pt x="4686042" y="-59922"/>
+                  <a:pt x="4843858" y="55950"/>
+                  <a:pt x="5192290" y="0"/>
+                </a:cubicBezTo>
+                <a:cubicBezTo>
+                  <a:pt x="5540722" y="-55950"/>
+                  <a:pt x="5643592" y="56335"/>
+                  <a:pt x="5769211" y="0"/>
+                </a:cubicBezTo>
+                <a:cubicBezTo>
+                  <a:pt x="5894830" y="-56335"/>
+                  <a:pt x="6318367" y="79577"/>
+                  <a:pt x="6576901" y="0"/>
+                </a:cubicBezTo>
+                <a:cubicBezTo>
+                  <a:pt x="6835435" y="-79577"/>
+                  <a:pt x="6850280" y="34729"/>
+                  <a:pt x="7038437" y="0"/>
+                </a:cubicBezTo>
+                <a:cubicBezTo>
+                  <a:pt x="7226594" y="-34729"/>
+                  <a:pt x="7306666" y="7828"/>
+                  <a:pt x="7499974" y="0"/>
+                </a:cubicBezTo>
+                <a:cubicBezTo>
+                  <a:pt x="7693282" y="-7828"/>
+                  <a:pt x="7989464" y="63139"/>
+                  <a:pt x="8192280" y="0"/>
+                </a:cubicBezTo>
+                <a:cubicBezTo>
+                  <a:pt x="8395096" y="-63139"/>
+                  <a:pt x="8458035" y="24588"/>
+                  <a:pt x="8653817" y="0"/>
+                </a:cubicBezTo>
+                <a:cubicBezTo>
+                  <a:pt x="8849599" y="-24588"/>
+                  <a:pt x="9280794" y="5919"/>
+                  <a:pt x="9461506" y="0"/>
+                </a:cubicBezTo>
+                <a:cubicBezTo>
+                  <a:pt x="9642218" y="-5919"/>
+                  <a:pt x="9869934" y="29207"/>
+                  <a:pt x="10269196" y="0"/>
+                </a:cubicBezTo>
+                <a:cubicBezTo>
+                  <a:pt x="10668458" y="-29207"/>
+                  <a:pt x="10680671" y="17374"/>
+                  <a:pt x="10846117" y="0"/>
+                </a:cubicBezTo>
+                <a:cubicBezTo>
+                  <a:pt x="11011563" y="-17374"/>
+                  <a:pt x="11336734" y="46931"/>
+                  <a:pt x="11538422" y="0"/>
+                </a:cubicBezTo>
+                <a:cubicBezTo>
+                  <a:pt x="11558142" y="128134"/>
+                  <a:pt x="11517675" y="202844"/>
+                  <a:pt x="11538422" y="318241"/>
+                </a:cubicBezTo>
+                <a:cubicBezTo>
+                  <a:pt x="11559169" y="433638"/>
+                  <a:pt x="11520154" y="586169"/>
+                  <a:pt x="11538422" y="677108"/>
+                </a:cubicBezTo>
+                <a:cubicBezTo>
+                  <a:pt x="11306163" y="742213"/>
+                  <a:pt x="11136693" y="651075"/>
+                  <a:pt x="10846117" y="677108"/>
+                </a:cubicBezTo>
+                <a:cubicBezTo>
+                  <a:pt x="10555542" y="703141"/>
+                  <a:pt x="10604463" y="672626"/>
+                  <a:pt x="10499964" y="677108"/>
+                </a:cubicBezTo>
+                <a:cubicBezTo>
+                  <a:pt x="10395465" y="681590"/>
+                  <a:pt x="10052938" y="667602"/>
+                  <a:pt x="9923043" y="677108"/>
+                </a:cubicBezTo>
+                <a:cubicBezTo>
+                  <a:pt x="9793148" y="686614"/>
+                  <a:pt x="9774775" y="649817"/>
+                  <a:pt x="9692274" y="677108"/>
+                </a:cubicBezTo>
+                <a:cubicBezTo>
+                  <a:pt x="9609773" y="704399"/>
+                  <a:pt x="9529590" y="672249"/>
+                  <a:pt x="9461506" y="677108"/>
+                </a:cubicBezTo>
+                <a:cubicBezTo>
+                  <a:pt x="9393422" y="681967"/>
+                  <a:pt x="9026287" y="672899"/>
+                  <a:pt x="8884585" y="677108"/>
+                </a:cubicBezTo>
+                <a:cubicBezTo>
+                  <a:pt x="8742883" y="681317"/>
+                  <a:pt x="8616513" y="643311"/>
+                  <a:pt x="8538432" y="677108"/>
+                </a:cubicBezTo>
+                <a:cubicBezTo>
+                  <a:pt x="8460351" y="710905"/>
+                  <a:pt x="7986021" y="663155"/>
+                  <a:pt x="7846127" y="677108"/>
+                </a:cubicBezTo>
+                <a:cubicBezTo>
+                  <a:pt x="7706234" y="691061"/>
+                  <a:pt x="7656886" y="650851"/>
+                  <a:pt x="7499974" y="677108"/>
+                </a:cubicBezTo>
+                <a:cubicBezTo>
+                  <a:pt x="7343062" y="703365"/>
+                  <a:pt x="7044686" y="674344"/>
+                  <a:pt x="6807669" y="677108"/>
+                </a:cubicBezTo>
+                <a:cubicBezTo>
+                  <a:pt x="6570652" y="679872"/>
+                  <a:pt x="6626569" y="651242"/>
+                  <a:pt x="6576901" y="677108"/>
+                </a:cubicBezTo>
+                <a:cubicBezTo>
+                  <a:pt x="6527233" y="702974"/>
+                  <a:pt x="6165271" y="643997"/>
+                  <a:pt x="5884595" y="677108"/>
+                </a:cubicBezTo>
+                <a:cubicBezTo>
+                  <a:pt x="5603919" y="710219"/>
+                  <a:pt x="5681733" y="638387"/>
+                  <a:pt x="5538443" y="677108"/>
+                </a:cubicBezTo>
+                <a:cubicBezTo>
+                  <a:pt x="5395153" y="715829"/>
+                  <a:pt x="5375901" y="672391"/>
+                  <a:pt x="5307674" y="677108"/>
+                </a:cubicBezTo>
+                <a:cubicBezTo>
+                  <a:pt x="5239447" y="681825"/>
+                  <a:pt x="5046026" y="658966"/>
+                  <a:pt x="4961521" y="677108"/>
+                </a:cubicBezTo>
+                <a:cubicBezTo>
+                  <a:pt x="4877016" y="695250"/>
+                  <a:pt x="4550973" y="670202"/>
+                  <a:pt x="4269216" y="677108"/>
+                </a:cubicBezTo>
+                <a:cubicBezTo>
+                  <a:pt x="3987460" y="684014"/>
+                  <a:pt x="4046678" y="651291"/>
+                  <a:pt x="3923063" y="677108"/>
+                </a:cubicBezTo>
+                <a:cubicBezTo>
+                  <a:pt x="3799448" y="702925"/>
+                  <a:pt x="3760246" y="675644"/>
+                  <a:pt x="3692295" y="677108"/>
+                </a:cubicBezTo>
+                <a:cubicBezTo>
+                  <a:pt x="3624344" y="678572"/>
+                  <a:pt x="3515425" y="668590"/>
+                  <a:pt x="3346142" y="677108"/>
+                </a:cubicBezTo>
+                <a:cubicBezTo>
+                  <a:pt x="3176859" y="685626"/>
+                  <a:pt x="3053334" y="634951"/>
+                  <a:pt x="2884605" y="677108"/>
+                </a:cubicBezTo>
+                <a:cubicBezTo>
+                  <a:pt x="2715876" y="719265"/>
+                  <a:pt x="2572564" y="612862"/>
+                  <a:pt x="2307684" y="677108"/>
+                </a:cubicBezTo>
+                <a:cubicBezTo>
+                  <a:pt x="2042804" y="741354"/>
+                  <a:pt x="2034167" y="665620"/>
+                  <a:pt x="1961532" y="677108"/>
+                </a:cubicBezTo>
+                <a:cubicBezTo>
+                  <a:pt x="1888897" y="688596"/>
+                  <a:pt x="1485720" y="605121"/>
+                  <a:pt x="1153842" y="677108"/>
+                </a:cubicBezTo>
+                <a:cubicBezTo>
+                  <a:pt x="821964" y="749095"/>
+                  <a:pt x="705764" y="650303"/>
+                  <a:pt x="576921" y="677108"/>
+                </a:cubicBezTo>
+                <a:cubicBezTo>
+                  <a:pt x="448078" y="703913"/>
+                  <a:pt x="250798" y="660451"/>
+                  <a:pt x="0" y="677108"/>
+                </a:cubicBezTo>
+                <a:cubicBezTo>
+                  <a:pt x="-4272" y="548524"/>
+                  <a:pt x="5987" y="498998"/>
+                  <a:pt x="0" y="331783"/>
+                </a:cubicBezTo>
+                <a:cubicBezTo>
+                  <a:pt x="-5987" y="164568"/>
+                  <a:pt x="14103" y="139071"/>
+                  <a:pt x="0" y="0"/>
+                </a:cubicBezTo>
+                <a:close/>
+              </a:path>
+            </a:pathLst>
+          </a:custGeom>
+          <a:noFill/>
+          <a:ln w="19050" cap="rnd" cmpd="dbl">
+            <a:solidFill>
+              <a:srgbClr val="0F5182"/>
+            </a:solidFill>
+            <a:prstDash val="solid"/>
+            <a:round/>
+            <a:extLst>
+              <a:ext uri="{C807C97D-BFC1-408E-A445-0C87EB9F89A2}">
+                <ask:lineSketchStyleProps xmlns:ask="http://schemas.microsoft.com/office/drawing/2018/sketchyshapes" sd="1219033472">
+                  <a:prstGeom prst="rect">
+                    <a:avLst/>
+                  </a:prstGeom>
+                  <ask:type>
+                    <ask:lineSketchScribble/>
+                  </ask:type>
+                </ask:lineSketchStyleProps>
+              </a:ext>
+            </a:extLst>
+          </a:ln>
+        </p:spPr>
+        <p:txBody>
+          <a:bodyPr wrap="square">
+            <a:spAutoFit/>
+          </a:bodyPr>
+          <a:lstStyle/>
+          <a:p>
+            <a:r>
+              <a:rPr lang="zh-CN" altLang="en-US" b="1" dirty="0">
+                <a:latin typeface="微软雅黑" panose="020B0503020204020204" pitchFamily="34" charset="-122"/>
+                <a:ea typeface="微软雅黑" panose="020B0503020204020204" pitchFamily="34" charset="-122"/>
+              </a:rPr>
+              <a:t>指令选择部分，采用一种朴素的算法</a:t>
+            </a:r>
+            <a:r>
+              <a:rPr lang="en-US" altLang="zh-CN" b="1" dirty="0">
+                <a:latin typeface="微软雅黑" panose="020B0503020204020204" pitchFamily="34" charset="-122"/>
+                <a:ea typeface="微软雅黑" panose="020B0503020204020204" pitchFamily="34" charset="-122"/>
+              </a:rPr>
+              <a:t>——</a:t>
+            </a:r>
+            <a:r>
+              <a:rPr lang="zh-CN" altLang="en-US" sz="2000" b="1" dirty="0">
+                <a:effectLst>
+                  <a:outerShdw blurRad="38100" dist="38100" dir="2700000" algn="tl">
+                    <a:srgbClr val="000000">
+                      <a:alpha val="43137"/>
+                    </a:srgbClr>
+                  </a:outerShdw>
+                </a:effectLst>
+                <a:latin typeface="微软雅黑" panose="020B0503020204020204" pitchFamily="34" charset="-122"/>
+                <a:ea typeface="微软雅黑" panose="020B0503020204020204" pitchFamily="34" charset="-122"/>
+              </a:rPr>
+              <a:t>基于规则的局部贪心</a:t>
+            </a:r>
+            <a:r>
+              <a:rPr lang="zh-CN" altLang="en-US" b="1" dirty="0">
+                <a:latin typeface="微软雅黑" panose="020B0503020204020204" pitchFamily="34" charset="-122"/>
+                <a:ea typeface="微软雅黑" panose="020B0503020204020204" pitchFamily="34" charset="-122"/>
+              </a:rPr>
+              <a:t>：</a:t>
+            </a:r>
+            <a:endParaRPr lang="en-US" altLang="zh-CN" b="1" dirty="0">
+              <a:latin typeface="微软雅黑" panose="020B0503020204020204" pitchFamily="34" charset="-122"/>
+              <a:ea typeface="微软雅黑" panose="020B0503020204020204" pitchFamily="34" charset="-122"/>
+            </a:endParaRPr>
+          </a:p>
+          <a:p>
+            <a:r>
+              <a:rPr lang="zh-CN" altLang="en-US" b="1" dirty="0">
+                <a:latin typeface="微软雅黑" panose="020B0503020204020204" pitchFamily="34" charset="-122"/>
+                <a:ea typeface="微软雅黑" panose="020B0503020204020204" pitchFamily="34" charset="-122"/>
+              </a:rPr>
+              <a:t>单遍扫描，按基本块顺序，对于每条 </a:t>
+            </a:r>
+            <a:r>
+              <a:rPr lang="en-US" altLang="zh-CN" b="1" dirty="0">
+                <a:latin typeface="微软雅黑" panose="020B0503020204020204" pitchFamily="34" charset="-122"/>
+                <a:ea typeface="微软雅黑" panose="020B0503020204020204" pitchFamily="34" charset="-122"/>
+              </a:rPr>
+              <a:t>LLVM IR </a:t>
+            </a:r>
+            <a:r>
+              <a:rPr lang="zh-CN" altLang="en-US" b="1" dirty="0">
+                <a:latin typeface="微软雅黑" panose="020B0503020204020204" pitchFamily="34" charset="-122"/>
+                <a:ea typeface="微软雅黑" panose="020B0503020204020204" pitchFamily="34" charset="-122"/>
+              </a:rPr>
+              <a:t>指令，根据指令类型 </a:t>
+            </a:r>
+            <a:r>
+              <a:rPr lang="en-US" altLang="zh-CN" b="1" dirty="0">
+                <a:latin typeface="微软雅黑" panose="020B0503020204020204" pitchFamily="34" charset="-122"/>
+                <a:ea typeface="微软雅黑" panose="020B0503020204020204" pitchFamily="34" charset="-122"/>
+              </a:rPr>
+              <a:t>opcode </a:t>
+            </a:r>
+            <a:r>
+              <a:rPr lang="zh-CN" altLang="en-US" b="1" dirty="0">
+                <a:latin typeface="微软雅黑" panose="020B0503020204020204" pitchFamily="34" charset="-122"/>
+                <a:ea typeface="微软雅黑" panose="020B0503020204020204" pitchFamily="34" charset="-122"/>
+              </a:rPr>
+              <a:t>分发到对应的 </a:t>
+            </a:r>
+            <a:r>
+              <a:rPr lang="en-US" altLang="zh-CN" b="1" dirty="0">
+                <a:latin typeface="微软雅黑" panose="020B0503020204020204" pitchFamily="34" charset="-122"/>
+                <a:ea typeface="微软雅黑" panose="020B0503020204020204" pitchFamily="34" charset="-122"/>
+              </a:rPr>
+              <a:t>Translate </a:t>
+            </a:r>
+            <a:r>
+              <a:rPr lang="zh-CN" altLang="en-US" b="1" dirty="0">
+                <a:latin typeface="微软雅黑" panose="020B0503020204020204" pitchFamily="34" charset="-122"/>
+                <a:ea typeface="微软雅黑" panose="020B0503020204020204" pitchFamily="34" charset="-122"/>
+              </a:rPr>
+              <a:t>规则模板</a:t>
+            </a:r>
+          </a:p>
+        </p:txBody>
+      </p:sp>
+      <p:sp>
+        <p:nvSpPr>
+          <p:cNvPr id="2" name="文本框 1">
+            <a:extLst>
+              <a:ext uri="{FF2B5EF4-FFF2-40B4-BE49-F238E27FC236}">
+                <a16:creationId xmlns:a16="http://schemas.microsoft.com/office/drawing/2014/main" id="{BB9528EF-4496-DE98-5A37-EC8C89FD1713}"/>
+              </a:ext>
+            </a:extLst>
+          </p:cNvPr>
+          <p:cNvSpPr txBox="1"/>
+          <p:nvPr/>
+        </p:nvSpPr>
+        <p:spPr>
+          <a:xfrm rot="10800000" flipV="1">
+            <a:off x="257174" y="5185105"/>
+            <a:ext cx="6215187" cy="1477328"/>
+          </a:xfrm>
+          <a:custGeom>
+            <a:avLst/>
+            <a:gdLst>
+              <a:gd name="connsiteX0" fmla="*/ 0 w 6215187"/>
+              <a:gd name="connsiteY0" fmla="*/ 0 h 1477328"/>
+              <a:gd name="connsiteX1" fmla="*/ 502865 w 6215187"/>
+              <a:gd name="connsiteY1" fmla="*/ 0 h 1477328"/>
+              <a:gd name="connsiteX2" fmla="*/ 881427 w 6215187"/>
+              <a:gd name="connsiteY2" fmla="*/ 0 h 1477328"/>
+              <a:gd name="connsiteX3" fmla="*/ 1570747 w 6215187"/>
+              <a:gd name="connsiteY3" fmla="*/ 0 h 1477328"/>
+              <a:gd name="connsiteX4" fmla="*/ 2073612 w 6215187"/>
+              <a:gd name="connsiteY4" fmla="*/ 0 h 1477328"/>
+              <a:gd name="connsiteX5" fmla="*/ 2576478 w 6215187"/>
+              <a:gd name="connsiteY5" fmla="*/ 0 h 1477328"/>
+              <a:gd name="connsiteX6" fmla="*/ 3265798 w 6215187"/>
+              <a:gd name="connsiteY6" fmla="*/ 0 h 1477328"/>
+              <a:gd name="connsiteX7" fmla="*/ 3706512 w 6215187"/>
+              <a:gd name="connsiteY7" fmla="*/ 0 h 1477328"/>
+              <a:gd name="connsiteX8" fmla="*/ 4395832 w 6215187"/>
+              <a:gd name="connsiteY8" fmla="*/ 0 h 1477328"/>
+              <a:gd name="connsiteX9" fmla="*/ 5085153 w 6215187"/>
+              <a:gd name="connsiteY9" fmla="*/ 0 h 1477328"/>
+              <a:gd name="connsiteX10" fmla="*/ 5650170 w 6215187"/>
+              <a:gd name="connsiteY10" fmla="*/ 0 h 1477328"/>
+              <a:gd name="connsiteX11" fmla="*/ 6215187 w 6215187"/>
+              <a:gd name="connsiteY11" fmla="*/ 0 h 1477328"/>
+              <a:gd name="connsiteX12" fmla="*/ 6215187 w 6215187"/>
+              <a:gd name="connsiteY12" fmla="*/ 477669 h 1477328"/>
+              <a:gd name="connsiteX13" fmla="*/ 6215187 w 6215187"/>
+              <a:gd name="connsiteY13" fmla="*/ 925792 h 1477328"/>
+              <a:gd name="connsiteX14" fmla="*/ 6215187 w 6215187"/>
+              <a:gd name="connsiteY14" fmla="*/ 1477328 h 1477328"/>
+              <a:gd name="connsiteX15" fmla="*/ 5650170 w 6215187"/>
+              <a:gd name="connsiteY15" fmla="*/ 1477328 h 1477328"/>
+              <a:gd name="connsiteX16" fmla="*/ 5085153 w 6215187"/>
+              <a:gd name="connsiteY16" fmla="*/ 1477328 h 1477328"/>
+              <a:gd name="connsiteX17" fmla="*/ 4395832 w 6215187"/>
+              <a:gd name="connsiteY17" fmla="*/ 1477328 h 1477328"/>
+              <a:gd name="connsiteX18" fmla="*/ 3830815 w 6215187"/>
+              <a:gd name="connsiteY18" fmla="*/ 1477328 h 1477328"/>
+              <a:gd name="connsiteX19" fmla="*/ 3452254 w 6215187"/>
+              <a:gd name="connsiteY19" fmla="*/ 1477328 h 1477328"/>
+              <a:gd name="connsiteX20" fmla="*/ 3011541 w 6215187"/>
+              <a:gd name="connsiteY20" fmla="*/ 1477328 h 1477328"/>
+              <a:gd name="connsiteX21" fmla="*/ 2322220 w 6215187"/>
+              <a:gd name="connsiteY21" fmla="*/ 1477328 h 1477328"/>
+              <a:gd name="connsiteX22" fmla="*/ 1757203 w 6215187"/>
+              <a:gd name="connsiteY22" fmla="*/ 1477328 h 1477328"/>
+              <a:gd name="connsiteX23" fmla="*/ 1316490 w 6215187"/>
+              <a:gd name="connsiteY23" fmla="*/ 1477328 h 1477328"/>
+              <a:gd name="connsiteX24" fmla="*/ 751473 w 6215187"/>
+              <a:gd name="connsiteY24" fmla="*/ 1477328 h 1477328"/>
+              <a:gd name="connsiteX25" fmla="*/ 0 w 6215187"/>
+              <a:gd name="connsiteY25" fmla="*/ 1477328 h 1477328"/>
+              <a:gd name="connsiteX26" fmla="*/ 0 w 6215187"/>
+              <a:gd name="connsiteY26" fmla="*/ 1029205 h 1477328"/>
+              <a:gd name="connsiteX27" fmla="*/ 0 w 6215187"/>
+              <a:gd name="connsiteY27" fmla="*/ 521989 h 1477328"/>
+              <a:gd name="connsiteX28" fmla="*/ 0 w 6215187"/>
+              <a:gd name="connsiteY28" fmla="*/ 0 h 1477328"/>
             </a:gdLst>
             <a:ahLst/>
             <a:cxnLst>
@@ -22650,148 +20394,148 @@
             </a:cxnLst>
             <a:rect l="l" t="t" r="r" b="b"/>
             <a:pathLst>
-              <a:path w="7083043" h="646331" extrusionOk="0">
+              <a:path w="6215187" h="1477328" extrusionOk="0">
                 <a:moveTo>
                   <a:pt x="0" y="0"/>
                 </a:moveTo>
                 <a:cubicBezTo>
-                  <a:pt x="138534" y="-52756"/>
-                  <a:pt x="332982" y="51940"/>
-                  <a:pt x="519423" y="0"/>
+                  <a:pt x="232883" y="-36663"/>
+                  <a:pt x="316861" y="39610"/>
+                  <a:pt x="502865" y="0"/>
                 </a:cubicBezTo>
                 <a:cubicBezTo>
-                  <a:pt x="705864" y="-51940"/>
-                  <a:pt x="803954" y="2425"/>
-                  <a:pt x="897185" y="0"/>
+                  <a:pt x="688869" y="-39610"/>
+                  <a:pt x="710083" y="26285"/>
+                  <a:pt x="881427" y="0"/>
                 </a:cubicBezTo>
                 <a:cubicBezTo>
-                  <a:pt x="990416" y="-2425"/>
-                  <a:pt x="1317732" y="75162"/>
-                  <a:pt x="1629100" y="0"/>
+                  <a:pt x="1052771" y="-26285"/>
+                  <a:pt x="1230093" y="31848"/>
+                  <a:pt x="1570747" y="0"/>
                 </a:cubicBezTo>
                 <a:cubicBezTo>
-                  <a:pt x="1940468" y="-75162"/>
-                  <a:pt x="1929370" y="31253"/>
-                  <a:pt x="2148523" y="0"/>
+                  <a:pt x="1911401" y="-31848"/>
+                  <a:pt x="1916663" y="8960"/>
+                  <a:pt x="2073612" y="0"/>
                 </a:cubicBezTo>
                 <a:cubicBezTo>
-                  <a:pt x="2367676" y="-31253"/>
-                  <a:pt x="2489698" y="37739"/>
-                  <a:pt x="2667946" y="0"/>
+                  <a:pt x="2230562" y="-8960"/>
+                  <a:pt x="2374949" y="32714"/>
+                  <a:pt x="2576478" y="0"/>
                 </a:cubicBezTo>
                 <a:cubicBezTo>
-                  <a:pt x="2846194" y="-37739"/>
-                  <a:pt x="3114603" y="12297"/>
-                  <a:pt x="3399861" y="0"/>
+                  <a:pt x="2778007" y="-32714"/>
+                  <a:pt x="2941256" y="68297"/>
+                  <a:pt x="3265798" y="0"/>
                 </a:cubicBezTo>
                 <a:cubicBezTo>
-                  <a:pt x="3685120" y="-12297"/>
-                  <a:pt x="3627831" y="18336"/>
-                  <a:pt x="3848453" y="0"/>
+                  <a:pt x="3590340" y="-68297"/>
+                  <a:pt x="3501812" y="18112"/>
+                  <a:pt x="3706512" y="0"/>
                 </a:cubicBezTo>
                 <a:cubicBezTo>
-                  <a:pt x="4069075" y="-18336"/>
-                  <a:pt x="4309426" y="38396"/>
-                  <a:pt x="4580368" y="0"/>
+                  <a:pt x="3911212" y="-18112"/>
+                  <a:pt x="4067059" y="54951"/>
+                  <a:pt x="4395832" y="0"/>
                 </a:cubicBezTo>
                 <a:cubicBezTo>
-                  <a:pt x="4851311" y="-38396"/>
-                  <a:pt x="5016847" y="2793"/>
-                  <a:pt x="5312282" y="0"/>
+                  <a:pt x="4724605" y="-54951"/>
+                  <a:pt x="4848412" y="20783"/>
+                  <a:pt x="5085153" y="0"/>
                 </a:cubicBezTo>
                 <a:cubicBezTo>
-                  <a:pt x="5607717" y="-2793"/>
-                  <a:pt x="5747943" y="58469"/>
-                  <a:pt x="5902536" y="0"/>
+                  <a:pt x="5321894" y="-20783"/>
+                  <a:pt x="5379755" y="15970"/>
+                  <a:pt x="5650170" y="0"/>
                 </a:cubicBezTo>
                 <a:cubicBezTo>
-                  <a:pt x="6057129" y="-58469"/>
-                  <a:pt x="6542311" y="59549"/>
-                  <a:pt x="7083043" y="0"/>
+                  <a:pt x="5920585" y="-15970"/>
+                  <a:pt x="5944054" y="56366"/>
+                  <a:pt x="6215187" y="0"/>
                 </a:cubicBezTo>
                 <a:cubicBezTo>
-                  <a:pt x="7118981" y="82963"/>
-                  <a:pt x="7060105" y="180507"/>
-                  <a:pt x="7083043" y="316702"/>
+                  <a:pt x="6221867" y="213025"/>
+                  <a:pt x="6162915" y="292181"/>
+                  <a:pt x="6215187" y="477669"/>
                 </a:cubicBezTo>
                 <a:cubicBezTo>
-                  <a:pt x="7105981" y="452897"/>
-                  <a:pt x="7043910" y="530388"/>
-                  <a:pt x="7083043" y="646331"/>
+                  <a:pt x="6267459" y="663157"/>
+                  <a:pt x="6169534" y="723509"/>
+                  <a:pt x="6215187" y="925792"/>
                 </a:cubicBezTo>
                 <a:cubicBezTo>
-                  <a:pt x="6808364" y="665046"/>
-                  <a:pt x="6709221" y="609689"/>
-                  <a:pt x="6492789" y="646331"/>
+                  <a:pt x="6260840" y="1128075"/>
+                  <a:pt x="6194776" y="1354091"/>
+                  <a:pt x="6215187" y="1477328"/>
                 </a:cubicBezTo>
                 <a:cubicBezTo>
-                  <a:pt x="6276357" y="682973"/>
-                  <a:pt x="6243993" y="625894"/>
-                  <a:pt x="6044197" y="646331"/>
+                  <a:pt x="6028925" y="1499961"/>
+                  <a:pt x="5905332" y="1414585"/>
+                  <a:pt x="5650170" y="1477328"/>
                 </a:cubicBezTo>
                 <a:cubicBezTo>
-                  <a:pt x="5844401" y="666768"/>
-                  <a:pt x="5735166" y="630454"/>
-                  <a:pt x="5453943" y="646331"/>
+                  <a:pt x="5395008" y="1540071"/>
+                  <a:pt x="5262329" y="1446317"/>
+                  <a:pt x="5085153" y="1477328"/>
                 </a:cubicBezTo>
                 <a:cubicBezTo>
-                  <a:pt x="5172720" y="662208"/>
-                  <a:pt x="4902804" y="577682"/>
-                  <a:pt x="4722029" y="646331"/>
+                  <a:pt x="4907977" y="1508339"/>
+                  <a:pt x="4684136" y="1452366"/>
+                  <a:pt x="4395832" y="1477328"/>
                 </a:cubicBezTo>
                 <a:cubicBezTo>
-                  <a:pt x="4541254" y="714980"/>
-                  <a:pt x="4278325" y="640949"/>
-                  <a:pt x="4131775" y="646331"/>
+                  <a:pt x="4107528" y="1502290"/>
+                  <a:pt x="3964824" y="1442404"/>
+                  <a:pt x="3830815" y="1477328"/>
                 </a:cubicBezTo>
                 <a:cubicBezTo>
-                  <a:pt x="3985225" y="651713"/>
-                  <a:pt x="3897254" y="623338"/>
-                  <a:pt x="3754013" y="646331"/>
+                  <a:pt x="3696806" y="1512252"/>
+                  <a:pt x="3628314" y="1461456"/>
+                  <a:pt x="3452254" y="1477328"/>
                 </a:cubicBezTo>
                 <a:cubicBezTo>
-                  <a:pt x="3610772" y="669324"/>
-                  <a:pt x="3501517" y="605492"/>
-                  <a:pt x="3305420" y="646331"/>
+                  <a:pt x="3276194" y="1493200"/>
+                  <a:pt x="3163313" y="1443562"/>
+                  <a:pt x="3011541" y="1477328"/>
                 </a:cubicBezTo>
                 <a:cubicBezTo>
-                  <a:pt x="3109323" y="687170"/>
-                  <a:pt x="2910020" y="608794"/>
-                  <a:pt x="2573506" y="646331"/>
+                  <a:pt x="2859769" y="1511094"/>
+                  <a:pt x="2625590" y="1431741"/>
+                  <a:pt x="2322220" y="1477328"/>
                 </a:cubicBezTo>
                 <a:cubicBezTo>
-                  <a:pt x="2236992" y="683868"/>
-                  <a:pt x="2212183" y="638863"/>
-                  <a:pt x="1983252" y="646331"/>
+                  <a:pt x="2018850" y="1522915"/>
+                  <a:pt x="1904812" y="1440734"/>
+                  <a:pt x="1757203" y="1477328"/>
                 </a:cubicBezTo>
                 <a:cubicBezTo>
-                  <a:pt x="1754321" y="653799"/>
-                  <a:pt x="1682691" y="627686"/>
-                  <a:pt x="1534659" y="646331"/>
+                  <a:pt x="1609594" y="1513922"/>
+                  <a:pt x="1431115" y="1457437"/>
+                  <a:pt x="1316490" y="1477328"/>
                 </a:cubicBezTo>
                 <a:cubicBezTo>
-                  <a:pt x="1386627" y="664976"/>
-                  <a:pt x="1093316" y="625396"/>
-                  <a:pt x="944406" y="646331"/>
+                  <a:pt x="1201865" y="1497219"/>
+                  <a:pt x="1009749" y="1437091"/>
+                  <a:pt x="751473" y="1477328"/>
                 </a:cubicBezTo>
                 <a:cubicBezTo>
-                  <a:pt x="795496" y="667266"/>
-                  <a:pt x="743711" y="624018"/>
-                  <a:pt x="566643" y="646331"/>
+                  <a:pt x="493197" y="1517565"/>
+                  <a:pt x="359360" y="1397917"/>
+                  <a:pt x="0" y="1477328"/>
                 </a:cubicBezTo>
                 <a:cubicBezTo>
-                  <a:pt x="389575" y="668644"/>
-                  <a:pt x="142458" y="592973"/>
-                  <a:pt x="0" y="646331"/>
+                  <a:pt x="-32460" y="1327498"/>
+                  <a:pt x="17716" y="1147563"/>
+                  <a:pt x="0" y="1029205"/>
                 </a:cubicBezTo>
                 <a:cubicBezTo>
-                  <a:pt x="-2830" y="507617"/>
-                  <a:pt x="11697" y="402802"/>
-                  <a:pt x="0" y="323166"/>
+                  <a:pt x="-17716" y="910847"/>
+                  <a:pt x="57730" y="724922"/>
+                  <a:pt x="0" y="521989"/>
                 </a:cubicBezTo>
                 <a:cubicBezTo>
-                  <a:pt x="-11697" y="243531"/>
-                  <a:pt x="10060" y="113881"/>
+                  <a:pt x="-57730" y="319056"/>
+                  <a:pt x="34821" y="210019"/>
                   <a:pt x="0" y="0"/>
                 </a:cubicBezTo>
                 <a:close/>
@@ -22826,64 +20570,149 @@
           <a:lstStyle/>
           <a:p>
             <a:r>
+              <a:rPr lang="en-US" altLang="zh-CN" b="1" dirty="0">
+                <a:latin typeface="微软雅黑" panose="020B0503020204020204" pitchFamily="34" charset="-122"/>
+                <a:ea typeface="微软雅黑" panose="020B0503020204020204" pitchFamily="34" charset="-122"/>
+              </a:rPr>
+              <a:t>Translate </a:t>
+            </a:r>
+            <a:r>
               <a:rPr lang="zh-CN" altLang="en-US" b="1" dirty="0">
                 <a:latin typeface="微软雅黑" panose="020B0503020204020204" pitchFamily="34" charset="-122"/>
                 <a:ea typeface="微软雅黑" panose="020B0503020204020204" pitchFamily="34" charset="-122"/>
               </a:rPr>
-              <a:t>指令选择的翻译框架与中间表示生成保持一致，通过 </a:t>
-            </a:r>
-            <a:r>
-              <a:rPr lang="en-US" altLang="zh-CN" b="1" dirty="0" err="1">
+              <a:t>决策优先级：</a:t>
+            </a:r>
+          </a:p>
+          <a:p>
+            <a:pPr lvl="1"/>
+            <a:r>
+              <a:rPr lang="zh-CN" altLang="en-US" b="1" dirty="0">
                 <a:latin typeface="微软雅黑" panose="020B0503020204020204" pitchFamily="34" charset="-122"/>
                 <a:ea typeface="微软雅黑" panose="020B0503020204020204" pitchFamily="34" charset="-122"/>
               </a:rPr>
-              <a:t>IRTranslator</a:t>
+              <a:t>优先匹配“带立即数</a:t>
             </a:r>
             <a:r>
               <a:rPr lang="en-US" altLang="zh-CN" b="1" dirty="0">
                 <a:latin typeface="微软雅黑" panose="020B0503020204020204" pitchFamily="34" charset="-122"/>
                 <a:ea typeface="微软雅黑" panose="020B0503020204020204" pitchFamily="34" charset="-122"/>
               </a:rPr>
-              <a:t> </a:t>
+              <a:t>/</a:t>
             </a:r>
             <a:r>
               <a:rPr lang="zh-CN" altLang="en-US" b="1" dirty="0">
                 <a:latin typeface="微软雅黑" panose="020B0503020204020204" pitchFamily="34" charset="-122"/>
                 <a:ea typeface="微软雅黑" panose="020B0503020204020204" pitchFamily="34" charset="-122"/>
               </a:rPr>
-              <a:t>将 </a:t>
-            </a:r>
-            <a:r>
-              <a:rPr lang="en-US" altLang="zh-CN" b="1" dirty="0" err="1">
+              <a:t>移位”的更短形式</a:t>
+            </a:r>
+          </a:p>
+          <a:p>
+            <a:pPr lvl="1"/>
+            <a:r>
+              <a:rPr lang="zh-CN" altLang="en-US" b="1" dirty="0">
                 <a:latin typeface="微软雅黑" panose="020B0503020204020204" pitchFamily="34" charset="-122"/>
                 <a:ea typeface="微软雅黑" panose="020B0503020204020204" pitchFamily="34" charset="-122"/>
               </a:rPr>
-              <a:t>IRInstruction</a:t>
+              <a:t>其次匹配寄存器</a:t>
             </a:r>
             <a:r>
               <a:rPr lang="en-US" altLang="zh-CN" b="1" dirty="0">
                 <a:latin typeface="微软雅黑" panose="020B0503020204020204" pitchFamily="34" charset="-122"/>
                 <a:ea typeface="微软雅黑" panose="020B0503020204020204" pitchFamily="34" charset="-122"/>
               </a:rPr>
-              <a:t> </a:t>
+              <a:t>-</a:t>
             </a:r>
             <a:r>
               <a:rPr lang="zh-CN" altLang="en-US" b="1" dirty="0">
                 <a:latin typeface="微软雅黑" panose="020B0503020204020204" pitchFamily="34" charset="-122"/>
                 <a:ea typeface="微软雅黑" panose="020B0503020204020204" pitchFamily="34" charset="-122"/>
               </a:rPr>
-              <a:t>翻译为对应的一条或多条 </a:t>
-            </a:r>
-            <a:r>
-              <a:rPr lang="en-US" altLang="zh-CN" b="1" dirty="0" err="1">
+              <a:t>寄存器形式</a:t>
+            </a:r>
+          </a:p>
+          <a:p>
+            <a:pPr lvl="1"/>
+            <a:r>
+              <a:rPr lang="zh-CN" altLang="en-US" b="1" dirty="0">
                 <a:latin typeface="微软雅黑" panose="020B0503020204020204" pitchFamily="34" charset="-122"/>
                 <a:ea typeface="微软雅黑" panose="020B0503020204020204" pitchFamily="34" charset="-122"/>
               </a:rPr>
-              <a:t>RISCVInstruction</a:t>
-            </a:r>
-            <a:endParaRPr lang="zh-CN" altLang="en-US" b="1" dirty="0">
-              <a:latin typeface="微软雅黑" panose="020B0503020204020204" pitchFamily="34" charset="-122"/>
-              <a:ea typeface="微软雅黑" panose="020B0503020204020204" pitchFamily="34" charset="-122"/>
+              <a:t>超出编码范围时自动降级为“装载</a:t>
+            </a:r>
+            <a:r>
+              <a:rPr lang="en-US" altLang="zh-CN" b="1" dirty="0">
+                <a:latin typeface="微软雅黑" panose="020B0503020204020204" pitchFamily="34" charset="-122"/>
+                <a:ea typeface="微软雅黑" panose="020B0503020204020204" pitchFamily="34" charset="-122"/>
+              </a:rPr>
+              <a:t>+</a:t>
+            </a:r>
+            <a:r>
+              <a:rPr lang="zh-CN" altLang="en-US" b="1" dirty="0">
+                <a:latin typeface="微软雅黑" panose="020B0503020204020204" pitchFamily="34" charset="-122"/>
+                <a:ea typeface="微软雅黑" panose="020B0503020204020204" pitchFamily="34" charset="-122"/>
+              </a:rPr>
+              <a:t>算术”的序列</a:t>
+            </a:r>
+          </a:p>
+          <a:p>
+            <a:r>
+              <a:rPr lang="zh-CN" altLang="en-US" b="1" dirty="0">
+                <a:latin typeface="微软雅黑" panose="020B0503020204020204" pitchFamily="34" charset="-122"/>
+                <a:ea typeface="微软雅黑" panose="020B0503020204020204" pitchFamily="34" charset="-122"/>
+              </a:rPr>
+              <a:t>失败回退：任何一条规则不满足约束，退回到更通用的模板</a:t>
+            </a:r>
+          </a:p>
+        </p:txBody>
+      </p:sp>
+      <p:sp>
+        <p:nvSpPr>
+          <p:cNvPr id="6" name="箭头: 左弧形 5">
+            <a:extLst>
+              <a:ext uri="{FF2B5EF4-FFF2-40B4-BE49-F238E27FC236}">
+                <a16:creationId xmlns:a16="http://schemas.microsoft.com/office/drawing/2014/main" id="{FFCA2464-ED34-269D-95C9-BCE0C9ADEE4B}"/>
+              </a:ext>
+            </a:extLst>
+          </p:cNvPr>
+          <p:cNvSpPr/>
+          <p:nvPr/>
+        </p:nvSpPr>
+        <p:spPr>
+          <a:xfrm rot="1355400">
+            <a:off x="4534431" y="4417692"/>
+            <a:ext cx="620496" cy="1023457"/>
+          </a:xfrm>
+          <a:prstGeom prst="curvedRightArrow">
+            <a:avLst/>
+          </a:prstGeom>
+        </p:spPr>
+        <p:style>
+          <a:lnRef idx="2">
+            <a:schemeClr val="accent1">
+              <a:shade val="15000"/>
+            </a:schemeClr>
+          </a:lnRef>
+          <a:fillRef idx="1">
+            <a:schemeClr val="accent1"/>
+          </a:fillRef>
+          <a:effectRef idx="0">
+            <a:schemeClr val="accent1"/>
+          </a:effectRef>
+          <a:fontRef idx="minor">
+            <a:schemeClr val="lt1"/>
+          </a:fontRef>
+        </p:style>
+        <p:txBody>
+          <a:bodyPr rtlCol="0" anchor="ctr"/>
+          <a:lstStyle/>
+          <a:p>
+            <a:pPr algn="ctr"/>
+            <a:endParaRPr lang="zh-CN" altLang="en-US">
+              <a:solidFill>
+                <a:schemeClr val="tx1"/>
+              </a:solidFill>
             </a:endParaRPr>
           </a:p>
         </p:txBody>
@@ -22906,7 +20735,13 @@
   <p:cSld>
     <p:spTree>
       <p:nvGrpSpPr>
-        <p:cNvPr id="1" name=""/>
+        <p:cNvPr id="1" name="">
+          <a:extLst>
+            <a:ext uri="{FF2B5EF4-FFF2-40B4-BE49-F238E27FC236}">
+              <a16:creationId xmlns:a16="http://schemas.microsoft.com/office/drawing/2014/main" id="{715EF18A-3C9C-E3DD-3588-AF80C2C6273F}"/>
+            </a:ext>
+          </a:extLst>
+        </p:cNvPr>
         <p:cNvGrpSpPr/>
         <p:nvPr/>
       </p:nvGrpSpPr>
@@ -22920,325 +20755,99 @@
       </p:grpSpPr>
       <p:sp>
         <p:nvSpPr>
-          <p:cNvPr id="106" name="流程图: 过程 52"/>
-          <p:cNvSpPr/>
+          <p:cNvPr id="103" name="文本框 102">
+            <a:extLst>
+              <a:ext uri="{FF2B5EF4-FFF2-40B4-BE49-F238E27FC236}">
+                <a16:creationId xmlns:a16="http://schemas.microsoft.com/office/drawing/2014/main" id="{282DDBE9-5762-4E22-B1CD-C1378A6D07B7}"/>
+              </a:ext>
+            </a:extLst>
+          </p:cNvPr>
+          <p:cNvSpPr txBox="1"/>
           <p:nvPr/>
         </p:nvSpPr>
         <p:spPr>
           <a:xfrm>
-            <a:off x="-10795" y="953770"/>
-            <a:ext cx="12192000" cy="168275"/>
-          </a:xfrm>
-          <a:prstGeom prst="flowChartProcess">
-            <a:avLst/>
-          </a:prstGeom>
-          <a:gradFill>
-            <a:gsLst>
-              <a:gs pos="2000">
-                <a:schemeClr val="bg1"/>
-              </a:gs>
-              <a:gs pos="78000">
-                <a:srgbClr val="9A1F2D"/>
-              </a:gs>
-              <a:gs pos="9000">
-                <a:schemeClr val="bg1"/>
-              </a:gs>
-              <a:gs pos="100000">
-                <a:srgbClr val="9A1F2D"/>
-              </a:gs>
-            </a:gsLst>
-            <a:lin ang="13500000" scaled="0"/>
-          </a:gradFill>
-          <a:ln>
-            <a:noFill/>
-          </a:ln>
-        </p:spPr>
-        <p:style>
-          <a:lnRef idx="2">
-            <a:schemeClr val="accent1">
-              <a:shade val="50000"/>
-            </a:schemeClr>
-          </a:lnRef>
-          <a:fillRef idx="1">
-            <a:schemeClr val="accent1"/>
-          </a:fillRef>
-          <a:effectRef idx="0">
-            <a:schemeClr val="accent1"/>
-          </a:effectRef>
-          <a:fontRef idx="minor">
-            <a:schemeClr val="lt1"/>
-          </a:fontRef>
-        </p:style>
-        <p:txBody>
-          <a:bodyPr rtlCol="0" anchor="ctr"/>
-          <a:lstStyle/>
-          <a:p>
-            <a:pPr algn="ctr"/>
-            <a:endParaRPr lang="zh-CN" altLang="en-US"/>
-          </a:p>
-        </p:txBody>
-      </p:sp>
-      <p:sp>
-        <p:nvSpPr>
-          <p:cNvPr id="3" name="文本框 2"/>
-          <p:cNvSpPr txBox="1"/>
-          <p:nvPr/>
-        </p:nvSpPr>
-        <p:spPr>
-          <a:xfrm flipH="1">
-            <a:off x="549907" y="163830"/>
-            <a:ext cx="11628435" cy="707886"/>
+            <a:off x="1540423" y="2360346"/>
+            <a:ext cx="8874438" cy="1569660"/>
           </a:xfrm>
           <a:prstGeom prst="rect">
             <a:avLst/>
           </a:prstGeom>
-          <a:noFill/>
+          <a:solidFill>
+            <a:srgbClr val="C00000">
+              <a:alpha val="58039"/>
+            </a:srgbClr>
+          </a:solidFill>
         </p:spPr>
         <p:txBody>
           <a:bodyPr wrap="square" rtlCol="0">
             <a:spAutoFit/>
           </a:bodyPr>
-          <a:lstStyle>
-            <a:defPPr>
-              <a:defRPr lang="zh-CN"/>
-            </a:defPPr>
-            <a:lvl1pPr marL="0" algn="l" defTabSz="914400" rtl="0" eaLnBrk="1" latinLnBrk="0" hangingPunct="1">
-              <a:defRPr sz="1800" kern="1200">
+          <a:lstStyle/>
+          <a:p>
+            <a:pPr algn="ctr"/>
+            <a:r>
+              <a:rPr kumimoji="1" lang="zh-CN" altLang="en-US" sz="9600">
                 <a:solidFill>
-                  <a:schemeClr val="tx1"/>
+                  <a:schemeClr val="bg1"/>
                 </a:solidFill>
-                <a:latin typeface="+mn-lt"/>
-                <a:ea typeface="+mn-ea"/>
-                <a:cs typeface="+mn-cs"/>
-              </a:defRPr>
-            </a:lvl1pPr>
-            <a:lvl2pPr marL="457200" algn="l" defTabSz="914400" rtl="0" eaLnBrk="1" latinLnBrk="0" hangingPunct="1">
-              <a:defRPr sz="1800" kern="1200">
-                <a:solidFill>
-                  <a:schemeClr val="tx1"/>
-                </a:solidFill>
-                <a:latin typeface="+mn-lt"/>
-                <a:ea typeface="+mn-ea"/>
-                <a:cs typeface="+mn-cs"/>
-              </a:defRPr>
-            </a:lvl2pPr>
-            <a:lvl3pPr marL="914400" algn="l" defTabSz="914400" rtl="0" eaLnBrk="1" latinLnBrk="0" hangingPunct="1">
-              <a:defRPr sz="1800" kern="1200">
-                <a:solidFill>
-                  <a:schemeClr val="tx1"/>
-                </a:solidFill>
-                <a:latin typeface="+mn-lt"/>
-                <a:ea typeface="+mn-ea"/>
-                <a:cs typeface="+mn-cs"/>
-              </a:defRPr>
-            </a:lvl3pPr>
-            <a:lvl4pPr marL="1371600" algn="l" defTabSz="914400" rtl="0" eaLnBrk="1" latinLnBrk="0" hangingPunct="1">
-              <a:defRPr sz="1800" kern="1200">
-                <a:solidFill>
-                  <a:schemeClr val="tx1"/>
-                </a:solidFill>
-                <a:latin typeface="+mn-lt"/>
-                <a:ea typeface="+mn-ea"/>
-                <a:cs typeface="+mn-cs"/>
-              </a:defRPr>
-            </a:lvl4pPr>
-            <a:lvl5pPr marL="1828800" algn="l" defTabSz="914400" rtl="0" eaLnBrk="1" latinLnBrk="0" hangingPunct="1">
-              <a:defRPr sz="1800" kern="1200">
-                <a:solidFill>
-                  <a:schemeClr val="tx1"/>
-                </a:solidFill>
-                <a:latin typeface="+mn-lt"/>
-                <a:ea typeface="+mn-ea"/>
-                <a:cs typeface="+mn-cs"/>
-              </a:defRPr>
-            </a:lvl5pPr>
-            <a:lvl6pPr marL="2286000" algn="l" defTabSz="914400" rtl="0" eaLnBrk="1" latinLnBrk="0" hangingPunct="1">
-              <a:defRPr sz="1800" kern="1200">
-                <a:solidFill>
-                  <a:schemeClr val="tx1"/>
-                </a:solidFill>
-                <a:latin typeface="+mn-lt"/>
-                <a:ea typeface="+mn-ea"/>
-                <a:cs typeface="+mn-cs"/>
-              </a:defRPr>
-            </a:lvl6pPr>
-            <a:lvl7pPr marL="2743200" algn="l" defTabSz="914400" rtl="0" eaLnBrk="1" latinLnBrk="0" hangingPunct="1">
-              <a:defRPr sz="1800" kern="1200">
-                <a:solidFill>
-                  <a:schemeClr val="tx1"/>
-                </a:solidFill>
-                <a:latin typeface="+mn-lt"/>
-                <a:ea typeface="+mn-ea"/>
-                <a:cs typeface="+mn-cs"/>
-              </a:defRPr>
-            </a:lvl7pPr>
-            <a:lvl8pPr marL="3200400" algn="l" defTabSz="914400" rtl="0" eaLnBrk="1" latinLnBrk="0" hangingPunct="1">
-              <a:defRPr sz="1800" kern="1200">
-                <a:solidFill>
-                  <a:schemeClr val="tx1"/>
-                </a:solidFill>
-                <a:latin typeface="+mn-lt"/>
-                <a:ea typeface="+mn-ea"/>
-                <a:cs typeface="+mn-cs"/>
-              </a:defRPr>
-            </a:lvl8pPr>
-            <a:lvl9pPr marL="3657600" algn="l" defTabSz="914400" rtl="0" eaLnBrk="1" latinLnBrk="0" hangingPunct="1">
-              <a:defRPr sz="1800" kern="1200">
-                <a:solidFill>
-                  <a:schemeClr val="tx1"/>
-                </a:solidFill>
-                <a:latin typeface="+mn-lt"/>
-                <a:ea typeface="+mn-ea"/>
-                <a:cs typeface="+mn-cs"/>
-              </a:defRPr>
-            </a:lvl9pPr>
-          </a:lstStyle>
-          <a:p>
-            <a:pPr lvl="0">
-              <a:defRPr/>
-            </a:pPr>
-            <a:r>
-              <a:rPr lang="zh-CN" altLang="en-US" sz="4000" b="1" dirty="0">
-                <a:solidFill>
-                  <a:srgbClr val="9A1F2D"/>
-                </a:solidFill>
-                <a:latin typeface="微软雅黑" charset="-122"/>
-                <a:ea typeface="微软雅黑" charset="-122"/>
-                <a:sym typeface="Helvetica Light"/>
-              </a:rPr>
-              <a:t>翻译流程</a:t>
-            </a:r>
-            <a:endParaRPr lang="zh-CN" altLang="en-US" sz="4000" b="1" dirty="0">
+                <a:latin typeface="Microsoft YaHei" panose="020B0503020204020204" pitchFamily="34" charset="-122"/>
+                <a:ea typeface="Microsoft YaHei" panose="020B0503020204020204" pitchFamily="34" charset="-122"/>
+              </a:rPr>
+              <a:t>寄存器分配</a:t>
+            </a:r>
+            <a:endParaRPr kumimoji="1" lang="zh-CN" altLang="en-US" sz="9600" dirty="0">
               <a:solidFill>
-                <a:srgbClr val="0F5182"/>
+                <a:schemeClr val="bg1"/>
               </a:solidFill>
-              <a:latin typeface="微软雅黑" charset="-122"/>
-              <a:ea typeface="微软雅黑" charset="-122"/>
-              <a:sym typeface="Helvetica Light"/>
+              <a:latin typeface="Microsoft YaHei" panose="020B0503020204020204" pitchFamily="34" charset="-122"/>
+              <a:ea typeface="Microsoft YaHei" panose="020B0503020204020204" pitchFamily="34" charset="-122"/>
             </a:endParaRPr>
           </a:p>
         </p:txBody>
       </p:sp>
-      <p:grpSp>
-        <p:nvGrpSpPr>
-          <p:cNvPr id="4" name="组 2"/>
-          <p:cNvGrpSpPr/>
-          <p:nvPr/>
-        </p:nvGrpSpPr>
-        <p:grpSpPr>
-          <a:xfrm>
-            <a:off x="257175" y="299720"/>
-            <a:ext cx="250825" cy="394335"/>
-            <a:chOff x="199895" y="181334"/>
-            <a:chExt cx="315595" cy="560705"/>
-          </a:xfrm>
-          <a:solidFill>
-            <a:schemeClr val="bg1"/>
-          </a:solidFill>
-        </p:grpSpPr>
-        <p:sp>
-          <p:nvSpPr>
-            <p:cNvPr id="29" name="矩形 28"/>
-            <p:cNvSpPr/>
-            <p:nvPr>
-              <p:custDataLst>
-                <p:tags r:id="rId1"/>
-              </p:custDataLst>
-            </p:nvPr>
-          </p:nvSpPr>
-          <p:spPr>
-            <a:xfrm>
-              <a:off x="199895" y="181334"/>
-              <a:ext cx="223520" cy="560705"/>
-            </a:xfrm>
-            <a:prstGeom prst="rect">
-              <a:avLst/>
-            </a:prstGeom>
-            <a:solidFill>
-              <a:srgbClr val="951F2F"/>
-            </a:solidFill>
-            <a:ln>
-              <a:noFill/>
-            </a:ln>
-          </p:spPr>
-          <p:style>
-            <a:lnRef idx="2">
-              <a:schemeClr val="accent1">
-                <a:shade val="50000"/>
-              </a:schemeClr>
-            </a:lnRef>
-            <a:fillRef idx="1">
-              <a:schemeClr val="accent1"/>
-            </a:fillRef>
-            <a:effectRef idx="0">
-              <a:schemeClr val="accent1"/>
-            </a:effectRef>
-            <a:fontRef idx="minor">
-              <a:schemeClr val="lt1"/>
-            </a:fontRef>
-          </p:style>
-          <p:txBody>
-            <a:bodyPr wrap="square" rtlCol="0" anchor="ctr">
-              <a:normAutofit/>
-            </a:bodyPr>
-            <a:lstStyle/>
-            <a:p>
-              <a:pPr algn="ctr"/>
-              <a:endParaRPr lang="zh-CN" altLang="en-US" sz="1320">
-                <a:solidFill>
-                  <a:srgbClr val="2A608D"/>
-                </a:solidFill>
-              </a:endParaRPr>
-            </a:p>
-          </p:txBody>
-        </p:sp>
-        <p:cxnSp>
-          <p:nvCxnSpPr>
-            <p:cNvPr id="30" name="直接连接符 4"/>
-            <p:cNvCxnSpPr/>
-            <p:nvPr>
-              <p:custDataLst>
-                <p:tags r:id="rId2"/>
-              </p:custDataLst>
-            </p:nvPr>
-          </p:nvCxnSpPr>
-          <p:spPr>
-            <a:xfrm>
-              <a:off x="515490" y="181334"/>
-              <a:ext cx="0" cy="560705"/>
-            </a:xfrm>
-            <a:prstGeom prst="line">
-              <a:avLst/>
-            </a:prstGeom>
-            <a:grpFill/>
-            <a:ln w="38100">
-              <a:solidFill>
-                <a:schemeClr val="accent5"/>
-              </a:solidFill>
-            </a:ln>
-          </p:spPr>
-          <p:style>
-            <a:lnRef idx="1">
-              <a:schemeClr val="accent1"/>
-            </a:lnRef>
-            <a:fillRef idx="0">
-              <a:schemeClr val="accent1"/>
-            </a:fillRef>
-            <a:effectRef idx="0">
-              <a:schemeClr val="accent1"/>
-            </a:effectRef>
-            <a:fontRef idx="minor">
-              <a:schemeClr val="tx1"/>
-            </a:fontRef>
-          </p:style>
-        </p:cxnSp>
-      </p:grpSp>
+    </p:spTree>
+    <p:extLst>
+      <p:ext uri="{BB962C8B-B14F-4D97-AF65-F5344CB8AC3E}">
+        <p14:creationId xmlns:p14="http://schemas.microsoft.com/office/powerpoint/2010/main" val="2623444736"/>
+      </p:ext>
+    </p:extLst>
+  </p:cSld>
+  <p:clrMapOvr>
+    <a:masterClrMapping/>
+  </p:clrMapOvr>
+</p:sld>
+</file>
+
+<file path=ppt/slides/slide14.xml><?xml version="1.0" encoding="utf-8"?>
+<p:sld xmlns:a="http://schemas.openxmlformats.org/drawingml/2006/main" xmlns:r="http://schemas.openxmlformats.org/officeDocument/2006/relationships" xmlns:p="http://schemas.openxmlformats.org/presentationml/2006/main">
+  <p:cSld>
+    <p:spTree>
+      <p:nvGrpSpPr>
+        <p:cNvPr id="1" name="">
+          <a:extLst>
+            <a:ext uri="{FF2B5EF4-FFF2-40B4-BE49-F238E27FC236}">
+              <a16:creationId xmlns:a16="http://schemas.microsoft.com/office/drawing/2014/main" id="{8AFDE9E3-7936-6449-8C86-C11E6082D130}"/>
+            </a:ext>
+          </a:extLst>
+        </p:cNvPr>
+        <p:cNvGrpSpPr/>
+        <p:nvPr/>
+      </p:nvGrpSpPr>
+      <p:grpSpPr>
+        <a:xfrm>
+          <a:off x="0" y="0"/>
+          <a:ext cx="0" cy="0"/>
+          <a:chOff x="0" y="0"/>
+          <a:chExt cx="0" cy="0"/>
+        </a:xfrm>
+      </p:grpSpPr>
       <p:sp>
         <p:nvSpPr>
-          <p:cNvPr id="5" name="流程图: 过程 52">
+          <p:cNvPr id="106" name="流程图: 过程 52">
             <a:extLst>
               <a:ext uri="{FF2B5EF4-FFF2-40B4-BE49-F238E27FC236}">
-                <a16:creationId xmlns:a16="http://schemas.microsoft.com/office/drawing/2014/main" id="{69A786D5-94C9-1BC0-E942-C34FD4153971}"/>
+                <a16:creationId xmlns:a16="http://schemas.microsoft.com/office/drawing/2014/main" id="{741701AB-704D-A649-DABA-5EE2AFF909E9}"/>
               </a:ext>
             </a:extLst>
           </p:cNvPr>
@@ -23301,716 +20910,10 @@
       </p:sp>
       <p:sp>
         <p:nvSpPr>
-          <p:cNvPr id="2" name="流程图: 过程 52">
-            <a:extLst>
-              <a:ext uri="{FF2B5EF4-FFF2-40B4-BE49-F238E27FC236}">
-                <a16:creationId xmlns:a16="http://schemas.microsoft.com/office/drawing/2014/main" id="{DE56112A-558E-D3FC-8F62-68613F622322}"/>
-              </a:ext>
-            </a:extLst>
-          </p:cNvPr>
-          <p:cNvSpPr/>
-          <p:nvPr/>
-        </p:nvSpPr>
-        <p:spPr>
-          <a:xfrm>
-            <a:off x="-10795" y="953770"/>
-            <a:ext cx="12192000" cy="168275"/>
-          </a:xfrm>
-          <a:prstGeom prst="flowChartProcess">
-            <a:avLst/>
-          </a:prstGeom>
-          <a:gradFill>
-            <a:gsLst>
-              <a:gs pos="2000">
-                <a:schemeClr val="bg1"/>
-              </a:gs>
-              <a:gs pos="78000">
-                <a:srgbClr val="9A1F2D"/>
-              </a:gs>
-              <a:gs pos="9000">
-                <a:schemeClr val="bg1"/>
-              </a:gs>
-              <a:gs pos="100000">
-                <a:srgbClr val="9A1F2D"/>
-              </a:gs>
-            </a:gsLst>
-            <a:lin ang="13500000" scaled="0"/>
-          </a:gradFill>
-          <a:ln>
-            <a:noFill/>
-          </a:ln>
-        </p:spPr>
-        <p:style>
-          <a:lnRef idx="2">
-            <a:schemeClr val="accent1">
-              <a:shade val="50000"/>
-            </a:schemeClr>
-          </a:lnRef>
-          <a:fillRef idx="1">
-            <a:schemeClr val="accent1"/>
-          </a:fillRef>
-          <a:effectRef idx="0">
-            <a:schemeClr val="accent1"/>
-          </a:effectRef>
-          <a:fontRef idx="minor">
-            <a:schemeClr val="lt1"/>
-          </a:fontRef>
-        </p:style>
-        <p:txBody>
-          <a:bodyPr rtlCol="0" anchor="ctr"/>
-          <a:lstStyle/>
-          <a:p>
-            <a:pPr algn="ctr"/>
-            <a:endParaRPr lang="zh-CN" altLang="en-US"/>
-          </a:p>
-        </p:txBody>
-      </p:sp>
-      <p:graphicFrame>
-        <p:nvGraphicFramePr>
-          <p:cNvPr id="7" name="图示 6">
-            <a:extLst>
-              <a:ext uri="{FF2B5EF4-FFF2-40B4-BE49-F238E27FC236}">
-                <a16:creationId xmlns:a16="http://schemas.microsoft.com/office/drawing/2014/main" id="{6D94CE1E-B6F4-838C-042D-19970768EAE4}"/>
-              </a:ext>
-            </a:extLst>
-          </p:cNvPr>
-          <p:cNvGraphicFramePr/>
-          <p:nvPr>
-            <p:extLst>
-              <p:ext uri="{D42A27DB-BD31-4B8C-83A1-F6EECF244321}">
-                <p14:modId xmlns:p14="http://schemas.microsoft.com/office/powerpoint/2010/main" val="2973451890"/>
-              </p:ext>
-            </p:extLst>
-          </p:nvPr>
-        </p:nvGraphicFramePr>
-        <p:xfrm>
-          <a:off x="5311470" y="1566407"/>
-          <a:ext cx="6287715" cy="4524218"/>
-        </p:xfrm>
-        <a:graphic>
-          <a:graphicData uri="http://schemas.openxmlformats.org/drawingml/2006/diagram">
-            <dgm:relIds xmlns:dgm="http://schemas.openxmlformats.org/drawingml/2006/diagram" xmlns:r="http://schemas.openxmlformats.org/officeDocument/2006/relationships" r:dm="rId5" r:lo="rId6" r:qs="rId7" r:cs="rId8"/>
-          </a:graphicData>
-        </a:graphic>
-      </p:graphicFrame>
-      <p:sp>
-        <p:nvSpPr>
-          <p:cNvPr id="11" name="文本框 10">
-            <a:extLst>
-              <a:ext uri="{FF2B5EF4-FFF2-40B4-BE49-F238E27FC236}">
-                <a16:creationId xmlns:a16="http://schemas.microsoft.com/office/drawing/2014/main" id="{389E06FE-97F6-7590-7232-4CAC5A171E7C}"/>
-              </a:ext>
-            </a:extLst>
-          </p:cNvPr>
-          <p:cNvSpPr txBox="1"/>
-          <p:nvPr/>
-        </p:nvSpPr>
-        <p:spPr>
-          <a:xfrm>
-            <a:off x="345998" y="1566407"/>
-            <a:ext cx="4480444" cy="2308324"/>
-          </a:xfrm>
-          <a:custGeom>
-            <a:avLst/>
-            <a:gdLst>
-              <a:gd name="connsiteX0" fmla="*/ 0 w 4480444"/>
-              <a:gd name="connsiteY0" fmla="*/ 0 h 2308324"/>
-              <a:gd name="connsiteX1" fmla="*/ 515251 w 4480444"/>
-              <a:gd name="connsiteY1" fmla="*/ 0 h 2308324"/>
-              <a:gd name="connsiteX2" fmla="*/ 940893 w 4480444"/>
-              <a:gd name="connsiteY2" fmla="*/ 0 h 2308324"/>
-              <a:gd name="connsiteX3" fmla="*/ 1590558 w 4480444"/>
-              <a:gd name="connsiteY3" fmla="*/ 0 h 2308324"/>
-              <a:gd name="connsiteX4" fmla="*/ 2105809 w 4480444"/>
-              <a:gd name="connsiteY4" fmla="*/ 0 h 2308324"/>
-              <a:gd name="connsiteX5" fmla="*/ 2621060 w 4480444"/>
-              <a:gd name="connsiteY5" fmla="*/ 0 h 2308324"/>
-              <a:gd name="connsiteX6" fmla="*/ 3270724 w 4480444"/>
-              <a:gd name="connsiteY6" fmla="*/ 0 h 2308324"/>
-              <a:gd name="connsiteX7" fmla="*/ 3741171 w 4480444"/>
-              <a:gd name="connsiteY7" fmla="*/ 0 h 2308324"/>
-              <a:gd name="connsiteX8" fmla="*/ 4480444 w 4480444"/>
-              <a:gd name="connsiteY8" fmla="*/ 0 h 2308324"/>
-              <a:gd name="connsiteX9" fmla="*/ 4480444 w 4480444"/>
-              <a:gd name="connsiteY9" fmla="*/ 623247 h 2308324"/>
-              <a:gd name="connsiteX10" fmla="*/ 4480444 w 4480444"/>
-              <a:gd name="connsiteY10" fmla="*/ 1154162 h 2308324"/>
-              <a:gd name="connsiteX11" fmla="*/ 4480444 w 4480444"/>
-              <a:gd name="connsiteY11" fmla="*/ 1731243 h 2308324"/>
-              <a:gd name="connsiteX12" fmla="*/ 4480444 w 4480444"/>
-              <a:gd name="connsiteY12" fmla="*/ 2308324 h 2308324"/>
-              <a:gd name="connsiteX13" fmla="*/ 4054802 w 4480444"/>
-              <a:gd name="connsiteY13" fmla="*/ 2308324 h 2308324"/>
-              <a:gd name="connsiteX14" fmla="*/ 3405137 w 4480444"/>
-              <a:gd name="connsiteY14" fmla="*/ 2308324 h 2308324"/>
-              <a:gd name="connsiteX15" fmla="*/ 2934691 w 4480444"/>
-              <a:gd name="connsiteY15" fmla="*/ 2308324 h 2308324"/>
-              <a:gd name="connsiteX16" fmla="*/ 2374635 w 4480444"/>
-              <a:gd name="connsiteY16" fmla="*/ 2308324 h 2308324"/>
-              <a:gd name="connsiteX17" fmla="*/ 1724971 w 4480444"/>
-              <a:gd name="connsiteY17" fmla="*/ 2308324 h 2308324"/>
-              <a:gd name="connsiteX18" fmla="*/ 1164915 w 4480444"/>
-              <a:gd name="connsiteY18" fmla="*/ 2308324 h 2308324"/>
-              <a:gd name="connsiteX19" fmla="*/ 739273 w 4480444"/>
-              <a:gd name="connsiteY19" fmla="*/ 2308324 h 2308324"/>
-              <a:gd name="connsiteX20" fmla="*/ 0 w 4480444"/>
-              <a:gd name="connsiteY20" fmla="*/ 2308324 h 2308324"/>
-              <a:gd name="connsiteX21" fmla="*/ 0 w 4480444"/>
-              <a:gd name="connsiteY21" fmla="*/ 1685077 h 2308324"/>
-              <a:gd name="connsiteX22" fmla="*/ 0 w 4480444"/>
-              <a:gd name="connsiteY22" fmla="*/ 1061829 h 2308324"/>
-              <a:gd name="connsiteX23" fmla="*/ 0 w 4480444"/>
-              <a:gd name="connsiteY23" fmla="*/ 0 h 2308324"/>
-            </a:gdLst>
-            <a:ahLst/>
-            <a:cxnLst>
-              <a:cxn ang="0">
-                <a:pos x="connsiteX0" y="connsiteY0"/>
-              </a:cxn>
-              <a:cxn ang="0">
-                <a:pos x="connsiteX1" y="connsiteY1"/>
-              </a:cxn>
-              <a:cxn ang="0">
-                <a:pos x="connsiteX2" y="connsiteY2"/>
-              </a:cxn>
-              <a:cxn ang="0">
-                <a:pos x="connsiteX3" y="connsiteY3"/>
-              </a:cxn>
-              <a:cxn ang="0">
-                <a:pos x="connsiteX4" y="connsiteY4"/>
-              </a:cxn>
-              <a:cxn ang="0">
-                <a:pos x="connsiteX5" y="connsiteY5"/>
-              </a:cxn>
-              <a:cxn ang="0">
-                <a:pos x="connsiteX6" y="connsiteY6"/>
-              </a:cxn>
-              <a:cxn ang="0">
-                <a:pos x="connsiteX7" y="connsiteY7"/>
-              </a:cxn>
-              <a:cxn ang="0">
-                <a:pos x="connsiteX8" y="connsiteY8"/>
-              </a:cxn>
-              <a:cxn ang="0">
-                <a:pos x="connsiteX9" y="connsiteY9"/>
-              </a:cxn>
-              <a:cxn ang="0">
-                <a:pos x="connsiteX10" y="connsiteY10"/>
-              </a:cxn>
-              <a:cxn ang="0">
-                <a:pos x="connsiteX11" y="connsiteY11"/>
-              </a:cxn>
-              <a:cxn ang="0">
-                <a:pos x="connsiteX12" y="connsiteY12"/>
-              </a:cxn>
-              <a:cxn ang="0">
-                <a:pos x="connsiteX13" y="connsiteY13"/>
-              </a:cxn>
-              <a:cxn ang="0">
-                <a:pos x="connsiteX14" y="connsiteY14"/>
-              </a:cxn>
-              <a:cxn ang="0">
-                <a:pos x="connsiteX15" y="connsiteY15"/>
-              </a:cxn>
-              <a:cxn ang="0">
-                <a:pos x="connsiteX16" y="connsiteY16"/>
-              </a:cxn>
-              <a:cxn ang="0">
-                <a:pos x="connsiteX17" y="connsiteY17"/>
-              </a:cxn>
-              <a:cxn ang="0">
-                <a:pos x="connsiteX18" y="connsiteY18"/>
-              </a:cxn>
-              <a:cxn ang="0">
-                <a:pos x="connsiteX19" y="connsiteY19"/>
-              </a:cxn>
-              <a:cxn ang="0">
-                <a:pos x="connsiteX20" y="connsiteY20"/>
-              </a:cxn>
-              <a:cxn ang="0">
-                <a:pos x="connsiteX21" y="connsiteY21"/>
-              </a:cxn>
-              <a:cxn ang="0">
-                <a:pos x="connsiteX22" y="connsiteY22"/>
-              </a:cxn>
-              <a:cxn ang="0">
-                <a:pos x="connsiteX23" y="connsiteY23"/>
-              </a:cxn>
-            </a:cxnLst>
-            <a:rect l="l" t="t" r="r" b="b"/>
-            <a:pathLst>
-              <a:path w="4480444" h="2308324" extrusionOk="0">
-                <a:moveTo>
-                  <a:pt x="0" y="0"/>
-                </a:moveTo>
-                <a:cubicBezTo>
-                  <a:pt x="111802" y="-45453"/>
-                  <a:pt x="344353" y="16771"/>
-                  <a:pt x="515251" y="0"/>
-                </a:cubicBezTo>
-                <a:cubicBezTo>
-                  <a:pt x="686149" y="-16771"/>
-                  <a:pt x="823837" y="36858"/>
-                  <a:pt x="940893" y="0"/>
-                </a:cubicBezTo>
-                <a:cubicBezTo>
-                  <a:pt x="1057949" y="-36858"/>
-                  <a:pt x="1427499" y="45010"/>
-                  <a:pt x="1590558" y="0"/>
-                </a:cubicBezTo>
-                <a:cubicBezTo>
-                  <a:pt x="1753617" y="-45010"/>
-                  <a:pt x="1981086" y="55032"/>
-                  <a:pt x="2105809" y="0"/>
-                </a:cubicBezTo>
-                <a:cubicBezTo>
-                  <a:pt x="2230532" y="-55032"/>
-                  <a:pt x="2455340" y="54390"/>
-                  <a:pt x="2621060" y="0"/>
-                </a:cubicBezTo>
-                <a:cubicBezTo>
-                  <a:pt x="2786780" y="-54390"/>
-                  <a:pt x="3016283" y="13288"/>
-                  <a:pt x="3270724" y="0"/>
-                </a:cubicBezTo>
-                <a:cubicBezTo>
-                  <a:pt x="3525165" y="-13288"/>
-                  <a:pt x="3567083" y="44632"/>
-                  <a:pt x="3741171" y="0"/>
-                </a:cubicBezTo>
-                <a:cubicBezTo>
-                  <a:pt x="3915259" y="-44632"/>
-                  <a:pt x="4322697" y="18872"/>
-                  <a:pt x="4480444" y="0"/>
-                </a:cubicBezTo>
-                <a:cubicBezTo>
-                  <a:pt x="4521378" y="300366"/>
-                  <a:pt x="4461718" y="407459"/>
-                  <a:pt x="4480444" y="623247"/>
-                </a:cubicBezTo>
-                <a:cubicBezTo>
-                  <a:pt x="4499170" y="839035"/>
-                  <a:pt x="4445808" y="1039505"/>
-                  <a:pt x="4480444" y="1154162"/>
-                </a:cubicBezTo>
-                <a:cubicBezTo>
-                  <a:pt x="4515080" y="1268819"/>
-                  <a:pt x="4445400" y="1502913"/>
-                  <a:pt x="4480444" y="1731243"/>
-                </a:cubicBezTo>
-                <a:cubicBezTo>
-                  <a:pt x="4515488" y="1959573"/>
-                  <a:pt x="4478872" y="2182865"/>
-                  <a:pt x="4480444" y="2308324"/>
-                </a:cubicBezTo>
-                <a:cubicBezTo>
-                  <a:pt x="4318513" y="2311929"/>
-                  <a:pt x="4181225" y="2303349"/>
-                  <a:pt x="4054802" y="2308324"/>
-                </a:cubicBezTo>
-                <a:cubicBezTo>
-                  <a:pt x="3928379" y="2313299"/>
-                  <a:pt x="3553325" y="2233276"/>
-                  <a:pt x="3405137" y="2308324"/>
-                </a:cubicBezTo>
-                <a:cubicBezTo>
-                  <a:pt x="3256950" y="2383372"/>
-                  <a:pt x="3035909" y="2288582"/>
-                  <a:pt x="2934691" y="2308324"/>
-                </a:cubicBezTo>
-                <a:cubicBezTo>
-                  <a:pt x="2833473" y="2328066"/>
-                  <a:pt x="2615011" y="2286185"/>
-                  <a:pt x="2374635" y="2308324"/>
-                </a:cubicBezTo>
-                <a:cubicBezTo>
-                  <a:pt x="2134259" y="2330463"/>
-                  <a:pt x="1869831" y="2247046"/>
-                  <a:pt x="1724971" y="2308324"/>
-                </a:cubicBezTo>
-                <a:cubicBezTo>
-                  <a:pt x="1580111" y="2369602"/>
-                  <a:pt x="1369601" y="2298714"/>
-                  <a:pt x="1164915" y="2308324"/>
-                </a:cubicBezTo>
-                <a:cubicBezTo>
-                  <a:pt x="960229" y="2317934"/>
-                  <a:pt x="835158" y="2279965"/>
-                  <a:pt x="739273" y="2308324"/>
-                </a:cubicBezTo>
-                <a:cubicBezTo>
-                  <a:pt x="643388" y="2336683"/>
-                  <a:pt x="270198" y="2279042"/>
-                  <a:pt x="0" y="2308324"/>
-                </a:cubicBezTo>
-                <a:cubicBezTo>
-                  <a:pt x="-17552" y="2178820"/>
-                  <a:pt x="66296" y="1840819"/>
-                  <a:pt x="0" y="1685077"/>
-                </a:cubicBezTo>
-                <a:cubicBezTo>
-                  <a:pt x="-66296" y="1529335"/>
-                  <a:pt x="4003" y="1285021"/>
-                  <a:pt x="0" y="1061829"/>
-                </a:cubicBezTo>
-                <a:cubicBezTo>
-                  <a:pt x="-4003" y="838637"/>
-                  <a:pt x="66696" y="391494"/>
-                  <a:pt x="0" y="0"/>
-                </a:cubicBezTo>
-                <a:close/>
-              </a:path>
-            </a:pathLst>
-          </a:custGeom>
-          <a:noFill/>
-          <a:ln w="19050" cap="rnd" cmpd="dbl">
-            <a:solidFill>
-              <a:srgbClr val="0F5182"/>
-            </a:solidFill>
-            <a:prstDash val="solid"/>
-            <a:round/>
-            <a:extLst>
-              <a:ext uri="{C807C97D-BFC1-408E-A445-0C87EB9F89A2}">
-                <ask:lineSketchStyleProps xmlns:ask="http://schemas.microsoft.com/office/drawing/2018/sketchyshapes" sd="1219033472">
-                  <a:prstGeom prst="rect">
-                    <a:avLst/>
-                  </a:prstGeom>
-                  <ask:type>
-                    <ask:lineSketchScribble/>
-                  </ask:type>
-                </ask:lineSketchStyleProps>
-              </a:ext>
-            </a:extLst>
-          </a:ln>
-        </p:spPr>
-        <p:txBody>
-          <a:bodyPr wrap="square">
-            <a:spAutoFit/>
-          </a:bodyPr>
-          <a:lstStyle/>
-          <a:p>
-            <a:r>
-              <a:rPr lang="zh-CN" altLang="en-US" sz="2400" b="1" dirty="0">
-                <a:latin typeface="微软雅黑" panose="020B0503020204020204" pitchFamily="34" charset="-122"/>
-                <a:ea typeface="微软雅黑" panose="020B0503020204020204" pitchFamily="34" charset="-122"/>
-              </a:rPr>
-              <a:t>对于每个基本块 </a:t>
-            </a:r>
-            <a:r>
-              <a:rPr lang="en-US" altLang="zh-CN" sz="2400" b="1" dirty="0" err="1">
-                <a:latin typeface="微软雅黑" panose="020B0503020204020204" pitchFamily="34" charset="-122"/>
-                <a:ea typeface="微软雅黑" panose="020B0503020204020204" pitchFamily="34" charset="-122"/>
-              </a:rPr>
-              <a:t>IRBlock</a:t>
-            </a:r>
-            <a:r>
-              <a:rPr lang="zh-CN" altLang="en-US" sz="2400" b="1" dirty="0">
-                <a:latin typeface="微软雅黑" panose="020B0503020204020204" pitchFamily="34" charset="-122"/>
-                <a:ea typeface="微软雅黑" panose="020B0503020204020204" pitchFamily="34" charset="-122"/>
-              </a:rPr>
-              <a:t> 的翻译，主要进行两次扫描：</a:t>
-            </a:r>
-            <a:endParaRPr lang="en-US" altLang="zh-CN" sz="2400" b="1" dirty="0">
-              <a:latin typeface="微软雅黑" panose="020B0503020204020204" pitchFamily="34" charset="-122"/>
-              <a:ea typeface="微软雅黑" panose="020B0503020204020204" pitchFamily="34" charset="-122"/>
-            </a:endParaRPr>
-          </a:p>
-          <a:p>
-            <a:r>
-              <a:rPr lang="zh-CN" altLang="en-US" sz="2400" b="1" dirty="0">
-                <a:latin typeface="微软雅黑" panose="020B0503020204020204" pitchFamily="34" charset="-122"/>
-                <a:ea typeface="微软雅黑" panose="020B0503020204020204" pitchFamily="34" charset="-122"/>
-              </a:rPr>
-              <a:t>第一次扫描计算函数栈帧信息；第二次扫描将 </a:t>
-            </a:r>
-            <a:r>
-              <a:rPr lang="en-US" altLang="zh-CN" sz="2400" b="1" dirty="0" err="1">
-                <a:latin typeface="微软雅黑" panose="020B0503020204020204" pitchFamily="34" charset="-122"/>
-                <a:ea typeface="微软雅黑" panose="020B0503020204020204" pitchFamily="34" charset="-122"/>
-              </a:rPr>
-              <a:t>IRInstruction</a:t>
-            </a:r>
-            <a:r>
-              <a:rPr lang="en-US" altLang="zh-CN" sz="2400" b="1" dirty="0">
-                <a:latin typeface="微软雅黑" panose="020B0503020204020204" pitchFamily="34" charset="-122"/>
-                <a:ea typeface="微软雅黑" panose="020B0503020204020204" pitchFamily="34" charset="-122"/>
-              </a:rPr>
-              <a:t> </a:t>
-            </a:r>
-            <a:r>
-              <a:rPr lang="zh-CN" altLang="en-US" sz="2400" b="1" dirty="0">
-                <a:latin typeface="微软雅黑" panose="020B0503020204020204" pitchFamily="34" charset="-122"/>
-                <a:ea typeface="微软雅黑" panose="020B0503020204020204" pitchFamily="34" charset="-122"/>
-              </a:rPr>
-              <a:t>逐条翻译为</a:t>
-            </a:r>
-            <a:r>
-              <a:rPr lang="en-US" altLang="zh-CN" sz="2400" b="1" dirty="0" err="1">
-                <a:latin typeface="微软雅黑" panose="020B0503020204020204" pitchFamily="34" charset="-122"/>
-                <a:ea typeface="微软雅黑" panose="020B0503020204020204" pitchFamily="34" charset="-122"/>
-              </a:rPr>
-              <a:t>RISCVInstruction</a:t>
-            </a:r>
-            <a:endParaRPr lang="zh-CN" altLang="en-US" sz="2400" b="1" dirty="0">
-              <a:latin typeface="微软雅黑" panose="020B0503020204020204" pitchFamily="34" charset="-122"/>
-              <a:ea typeface="微软雅黑" panose="020B0503020204020204" pitchFamily="34" charset="-122"/>
-            </a:endParaRPr>
-          </a:p>
-          <a:p>
-            <a:endParaRPr lang="zh-CN" altLang="en-US" sz="2400" b="1" dirty="0">
-              <a:latin typeface="微软雅黑" panose="020B0503020204020204" pitchFamily="34" charset="-122"/>
-              <a:ea typeface="微软雅黑" panose="020B0503020204020204" pitchFamily="34" charset="-122"/>
-            </a:endParaRPr>
-          </a:p>
-        </p:txBody>
-      </p:sp>
-      <p:sp>
-        <p:nvSpPr>
-          <p:cNvPr id="12" name="箭头: 圆角右 11">
-            <a:extLst>
-              <a:ext uri="{FF2B5EF4-FFF2-40B4-BE49-F238E27FC236}">
-                <a16:creationId xmlns:a16="http://schemas.microsoft.com/office/drawing/2014/main" id="{4FE11FF2-8981-31A2-E9AD-079F8780EA4C}"/>
-              </a:ext>
-            </a:extLst>
-          </p:cNvPr>
-          <p:cNvSpPr/>
-          <p:nvPr/>
-        </p:nvSpPr>
-        <p:spPr>
-          <a:xfrm flipV="1">
-            <a:off x="2000963" y="4144048"/>
-            <a:ext cx="1604185" cy="1293331"/>
-          </a:xfrm>
-          <a:prstGeom prst="bentArrow">
-            <a:avLst/>
-          </a:prstGeom>
-        </p:spPr>
-        <p:style>
-          <a:lnRef idx="2">
-            <a:schemeClr val="accent1">
-              <a:shade val="50000"/>
-            </a:schemeClr>
-          </a:lnRef>
-          <a:fillRef idx="1">
-            <a:schemeClr val="accent1"/>
-          </a:fillRef>
-          <a:effectRef idx="0">
-            <a:schemeClr val="accent1"/>
-          </a:effectRef>
-          <a:fontRef idx="minor">
-            <a:schemeClr val="lt1"/>
-          </a:fontRef>
-        </p:style>
-        <p:txBody>
-          <a:bodyPr rtlCol="0" anchor="ctr"/>
-          <a:lstStyle/>
-          <a:p>
-            <a:pPr algn="ctr"/>
-            <a:endParaRPr lang="en-SG">
-              <a:solidFill>
-                <a:schemeClr val="tx1"/>
-              </a:solidFill>
-            </a:endParaRPr>
-          </a:p>
-        </p:txBody>
-      </p:sp>
-    </p:spTree>
-    <p:extLst>
-      <p:ext uri="{BB962C8B-B14F-4D97-AF65-F5344CB8AC3E}">
-        <p14:creationId xmlns:p14="http://schemas.microsoft.com/office/powerpoint/2010/main" val="1700695229"/>
-      </p:ext>
-    </p:extLst>
-  </p:cSld>
-  <p:clrMapOvr>
-    <a:masterClrMapping/>
-  </p:clrMapOvr>
-</p:sld>
-</file>
-
-<file path=ppt/slides/slide14.xml><?xml version="1.0" encoding="utf-8"?>
-<p:sld xmlns:a="http://schemas.openxmlformats.org/drawingml/2006/main" xmlns:r="http://schemas.openxmlformats.org/officeDocument/2006/relationships" xmlns:p="http://schemas.openxmlformats.org/presentationml/2006/main">
-  <p:cSld>
-    <p:spTree>
-      <p:nvGrpSpPr>
-        <p:cNvPr id="1" name="">
-          <a:extLst>
-            <a:ext uri="{FF2B5EF4-FFF2-40B4-BE49-F238E27FC236}">
-              <a16:creationId xmlns:a16="http://schemas.microsoft.com/office/drawing/2014/main" id="{715EF18A-3C9C-E3DD-3588-AF80C2C6273F}"/>
-            </a:ext>
-          </a:extLst>
-        </p:cNvPr>
-        <p:cNvGrpSpPr/>
-        <p:nvPr/>
-      </p:nvGrpSpPr>
-      <p:grpSpPr>
-        <a:xfrm>
-          <a:off x="0" y="0"/>
-          <a:ext cx="0" cy="0"/>
-          <a:chOff x="0" y="0"/>
-          <a:chExt cx="0" cy="0"/>
-        </a:xfrm>
-      </p:grpSpPr>
-      <p:sp>
-        <p:nvSpPr>
-          <p:cNvPr id="103" name="文本框 102">
-            <a:extLst>
-              <a:ext uri="{FF2B5EF4-FFF2-40B4-BE49-F238E27FC236}">
-                <a16:creationId xmlns:a16="http://schemas.microsoft.com/office/drawing/2014/main" id="{282DDBE9-5762-4E22-B1CD-C1378A6D07B7}"/>
-              </a:ext>
-            </a:extLst>
-          </p:cNvPr>
-          <p:cNvSpPr txBox="1"/>
-          <p:nvPr/>
-        </p:nvSpPr>
-        <p:spPr>
-          <a:xfrm>
-            <a:off x="1540423" y="2360346"/>
-            <a:ext cx="8874438" cy="1569660"/>
-          </a:xfrm>
-          <a:prstGeom prst="rect">
-            <a:avLst/>
-          </a:prstGeom>
-          <a:solidFill>
-            <a:srgbClr val="C00000">
-              <a:alpha val="58039"/>
-            </a:srgbClr>
-          </a:solidFill>
-        </p:spPr>
-        <p:txBody>
-          <a:bodyPr wrap="square" rtlCol="0">
-            <a:spAutoFit/>
-          </a:bodyPr>
-          <a:lstStyle/>
-          <a:p>
-            <a:pPr algn="ctr"/>
-            <a:r>
-              <a:rPr kumimoji="1" lang="zh-CN" altLang="en-US" sz="9600">
-                <a:solidFill>
-                  <a:schemeClr val="bg1"/>
-                </a:solidFill>
-                <a:latin typeface="Microsoft YaHei" panose="020B0503020204020204" pitchFamily="34" charset="-122"/>
-                <a:ea typeface="Microsoft YaHei" panose="020B0503020204020204" pitchFamily="34" charset="-122"/>
-              </a:rPr>
-              <a:t>寄存器分配</a:t>
-            </a:r>
-            <a:endParaRPr kumimoji="1" lang="zh-CN" altLang="en-US" sz="9600" dirty="0">
-              <a:solidFill>
-                <a:schemeClr val="bg1"/>
-              </a:solidFill>
-              <a:latin typeface="Microsoft YaHei" panose="020B0503020204020204" pitchFamily="34" charset="-122"/>
-              <a:ea typeface="Microsoft YaHei" panose="020B0503020204020204" pitchFamily="34" charset="-122"/>
-            </a:endParaRPr>
-          </a:p>
-        </p:txBody>
-      </p:sp>
-    </p:spTree>
-    <p:extLst>
-      <p:ext uri="{BB962C8B-B14F-4D97-AF65-F5344CB8AC3E}">
-        <p14:creationId xmlns:p14="http://schemas.microsoft.com/office/powerpoint/2010/main" val="2623444736"/>
-      </p:ext>
-    </p:extLst>
-  </p:cSld>
-  <p:clrMapOvr>
-    <a:masterClrMapping/>
-  </p:clrMapOvr>
-</p:sld>
-</file>
-
-<file path=ppt/slides/slide15.xml><?xml version="1.0" encoding="utf-8"?>
-<p:sld xmlns:a="http://schemas.openxmlformats.org/drawingml/2006/main" xmlns:r="http://schemas.openxmlformats.org/officeDocument/2006/relationships" xmlns:p="http://schemas.openxmlformats.org/presentationml/2006/main">
-  <p:cSld>
-    <p:spTree>
-      <p:nvGrpSpPr>
-        <p:cNvPr id="1" name="">
-          <a:extLst>
-            <a:ext uri="{FF2B5EF4-FFF2-40B4-BE49-F238E27FC236}">
-              <a16:creationId xmlns:a16="http://schemas.microsoft.com/office/drawing/2014/main" id="{E4C67201-FBAE-3C27-D6BB-13FFD185A2AF}"/>
-            </a:ext>
-          </a:extLst>
-        </p:cNvPr>
-        <p:cNvGrpSpPr/>
-        <p:nvPr/>
-      </p:nvGrpSpPr>
-      <p:grpSpPr>
-        <a:xfrm>
-          <a:off x="0" y="0"/>
-          <a:ext cx="0" cy="0"/>
-          <a:chOff x="0" y="0"/>
-          <a:chExt cx="0" cy="0"/>
-        </a:xfrm>
-      </p:grpSpPr>
-      <p:sp>
-        <p:nvSpPr>
-          <p:cNvPr id="106" name="流程图: 过程 52">
-            <a:extLst>
-              <a:ext uri="{FF2B5EF4-FFF2-40B4-BE49-F238E27FC236}">
-                <a16:creationId xmlns:a16="http://schemas.microsoft.com/office/drawing/2014/main" id="{A9127495-0173-2130-CBA6-55B4C146E0F4}"/>
-              </a:ext>
-            </a:extLst>
-          </p:cNvPr>
-          <p:cNvSpPr/>
-          <p:nvPr/>
-        </p:nvSpPr>
-        <p:spPr>
-          <a:xfrm>
-            <a:off x="-10795" y="953770"/>
-            <a:ext cx="12192000" cy="168275"/>
-          </a:xfrm>
-          <a:prstGeom prst="flowChartProcess">
-            <a:avLst/>
-          </a:prstGeom>
-          <a:gradFill>
-            <a:gsLst>
-              <a:gs pos="2000">
-                <a:schemeClr val="bg1"/>
-              </a:gs>
-              <a:gs pos="78000">
-                <a:srgbClr val="9A1F2D"/>
-              </a:gs>
-              <a:gs pos="9000">
-                <a:schemeClr val="bg1"/>
-              </a:gs>
-              <a:gs pos="100000">
-                <a:srgbClr val="9A1F2D"/>
-              </a:gs>
-            </a:gsLst>
-            <a:lin ang="13500000" scaled="0"/>
-          </a:gradFill>
-          <a:ln>
-            <a:noFill/>
-          </a:ln>
-        </p:spPr>
-        <p:style>
-          <a:lnRef idx="2">
-            <a:schemeClr val="accent1">
-              <a:shade val="50000"/>
-            </a:schemeClr>
-          </a:lnRef>
-          <a:fillRef idx="1">
-            <a:schemeClr val="accent1"/>
-          </a:fillRef>
-          <a:effectRef idx="0">
-            <a:schemeClr val="accent1"/>
-          </a:effectRef>
-          <a:fontRef idx="minor">
-            <a:schemeClr val="lt1"/>
-          </a:fontRef>
-        </p:style>
-        <p:txBody>
-          <a:bodyPr rtlCol="0" anchor="ctr"/>
-          <a:lstStyle/>
-          <a:p>
-            <a:pPr algn="ctr"/>
-            <a:endParaRPr lang="zh-CN" altLang="en-US"/>
-          </a:p>
-        </p:txBody>
-      </p:sp>
-      <p:sp>
-        <p:nvSpPr>
           <p:cNvPr id="3" name="文本框 2">
             <a:extLst>
               <a:ext uri="{FF2B5EF4-FFF2-40B4-BE49-F238E27FC236}">
-                <a16:creationId xmlns:a16="http://schemas.microsoft.com/office/drawing/2014/main" id="{B823066F-469B-0F0E-5910-C013D57D1B86}"/>
+                <a16:creationId xmlns:a16="http://schemas.microsoft.com/office/drawing/2014/main" id="{DA847566-3307-FE6A-69EA-A5D018C846BC}"/>
               </a:ext>
             </a:extLst>
           </p:cNvPr>
@@ -24157,7 +21060,7 @@
           <p:cNvPr id="4" name="组 2">
             <a:extLst>
               <a:ext uri="{FF2B5EF4-FFF2-40B4-BE49-F238E27FC236}">
-                <a16:creationId xmlns:a16="http://schemas.microsoft.com/office/drawing/2014/main" id="{302A2180-CCED-1040-10F8-34F7C686B5CD}"/>
+                <a16:creationId xmlns:a16="http://schemas.microsoft.com/office/drawing/2014/main" id="{CDABA034-4AB3-1663-FB9D-C265D75CF4D9}"/>
               </a:ext>
             </a:extLst>
           </p:cNvPr>
@@ -24180,7 +21083,7 @@
             <p:cNvPr id="29" name="矩形 28">
               <a:extLst>
                 <a:ext uri="{FF2B5EF4-FFF2-40B4-BE49-F238E27FC236}">
-                  <a16:creationId xmlns:a16="http://schemas.microsoft.com/office/drawing/2014/main" id="{3649AB32-CD93-F38C-7603-7AEFF98E3B08}"/>
+                  <a16:creationId xmlns:a16="http://schemas.microsoft.com/office/drawing/2014/main" id="{FAB6A061-8036-B322-2670-C95B94FA7729}"/>
                 </a:ext>
               </a:extLst>
             </p:cNvPr>
@@ -24242,7 +21145,7 @@
             <p:cNvPr id="30" name="直接连接符 4">
               <a:extLst>
                 <a:ext uri="{FF2B5EF4-FFF2-40B4-BE49-F238E27FC236}">
-                  <a16:creationId xmlns:a16="http://schemas.microsoft.com/office/drawing/2014/main" id="{33A18ACE-6F53-D861-4EBB-FFCD12F4AE43}"/>
+                  <a16:creationId xmlns:a16="http://schemas.microsoft.com/office/drawing/2014/main" id="{CA9218F9-F399-4C29-92C6-8757BB0E2C60}"/>
                 </a:ext>
               </a:extLst>
             </p:cNvPr>
@@ -24289,7 +21192,7 @@
           <p:cNvPr id="5" name="流程图: 过程 52">
             <a:extLst>
               <a:ext uri="{FF2B5EF4-FFF2-40B4-BE49-F238E27FC236}">
-                <a16:creationId xmlns:a16="http://schemas.microsoft.com/office/drawing/2014/main" id="{261F6185-0787-1E9B-16DF-7F9BC0F19654}"/>
+                <a16:creationId xmlns:a16="http://schemas.microsoft.com/office/drawing/2014/main" id="{3D248FCF-2CA3-B171-2A1A-D9F994136CBB}"/>
               </a:ext>
             </a:extLst>
           </p:cNvPr>
@@ -24355,7 +21258,7 @@
           <p:cNvPr id="2" name="流程图: 过程 52">
             <a:extLst>
               <a:ext uri="{FF2B5EF4-FFF2-40B4-BE49-F238E27FC236}">
-                <a16:creationId xmlns:a16="http://schemas.microsoft.com/office/drawing/2014/main" id="{14ED9D5F-5863-D08D-03F5-0DD5DF009F6B}"/>
+                <a16:creationId xmlns:a16="http://schemas.microsoft.com/office/drawing/2014/main" id="{707BEAB8-56C7-5A4D-2545-9FC856DFFAD8}"/>
               </a:ext>
             </a:extLst>
           </p:cNvPr>
@@ -24421,7 +21324,7 @@
           <p:cNvPr id="27" name="图片 26">
             <a:extLst>
               <a:ext uri="{FF2B5EF4-FFF2-40B4-BE49-F238E27FC236}">
-                <a16:creationId xmlns:a16="http://schemas.microsoft.com/office/drawing/2014/main" id="{9FF69424-B493-C850-1A55-0AD4AC158130}"/>
+                <a16:creationId xmlns:a16="http://schemas.microsoft.com/office/drawing/2014/main" id="{39A67239-2BBF-DF74-F698-1942E4425944}"/>
               </a:ext>
             </a:extLst>
           </p:cNvPr>
@@ -24448,361 +21351,784 @@
       </p:pic>
       <p:sp>
         <p:nvSpPr>
-          <p:cNvPr id="39" name="文本框 38">
+          <p:cNvPr id="6" name="矩形: 圆角 5">
             <a:extLst>
               <a:ext uri="{FF2B5EF4-FFF2-40B4-BE49-F238E27FC236}">
-                <a16:creationId xmlns:a16="http://schemas.microsoft.com/office/drawing/2014/main" id="{56F3C977-6EF8-A8D6-E988-E16AD865B3D4}"/>
+                <a16:creationId xmlns:a16="http://schemas.microsoft.com/office/drawing/2014/main" id="{86C1C5CE-725B-518D-CFE8-4A1D99E42AD1}"/>
               </a:ext>
             </a:extLst>
           </p:cNvPr>
-          <p:cNvSpPr txBox="1"/>
+          <p:cNvSpPr/>
           <p:nvPr/>
         </p:nvSpPr>
         <p:spPr>
           <a:xfrm>
-            <a:off x="560533" y="1221643"/>
-            <a:ext cx="11743520" cy="6001643"/>
+            <a:off x="434822" y="1657350"/>
+            <a:ext cx="2717953" cy="1247775"/>
           </a:xfrm>
-          <a:prstGeom prst="rect">
+          <a:prstGeom prst="roundRect">
             <a:avLst/>
           </a:prstGeom>
-          <a:noFill/>
+          <a:ln>
+            <a:headEnd type="none" w="med" len="med"/>
+            <a:tailEnd type="none" w="med" len="med"/>
+          </a:ln>
         </p:spPr>
+        <p:style>
+          <a:lnRef idx="2">
+            <a:schemeClr val="dk1"/>
+          </a:lnRef>
+          <a:fillRef idx="1">
+            <a:schemeClr val="lt1"/>
+          </a:fillRef>
+          <a:effectRef idx="0">
+            <a:schemeClr val="dk1"/>
+          </a:effectRef>
+          <a:fontRef idx="minor">
+            <a:schemeClr val="dk1"/>
+          </a:fontRef>
+        </p:style>
         <p:txBody>
-          <a:bodyPr wrap="square">
-            <a:spAutoFit/>
-          </a:bodyPr>
+          <a:bodyPr rtlCol="0" anchor="ctr"/>
           <a:lstStyle/>
           <a:p>
-            <a:pPr marL="457200" indent="-457200">
-              <a:buFont typeface="+mj-lt"/>
-              <a:buAutoNum type="arabicPeriod"/>
-            </a:pPr>
-            <a:r>
-              <a:rPr lang="zh-CN" altLang="en-US" sz="2400" b="1" dirty="0">
-                <a:latin typeface="Microsoft YaHei" panose="020B0503020204020204" pitchFamily="34" charset="-122"/>
-                <a:ea typeface="Microsoft YaHei" panose="020B0503020204020204" pitchFamily="34" charset="-122"/>
+            <a:pPr algn="ctr"/>
+            <a:r>
+              <a:rPr lang="en-US" altLang="zh-CN" sz="2200" b="1" dirty="0">
+                <a:latin typeface="微软雅黑" panose="020B0503020204020204" pitchFamily="34" charset="-122"/>
+                <a:ea typeface="微软雅黑" panose="020B0503020204020204" pitchFamily="34" charset="-122"/>
+              </a:rPr>
+              <a:t>1. </a:t>
+            </a:r>
+            <a:r>
+              <a:rPr lang="zh-CN" altLang="en-US" sz="2200" b="1" dirty="0">
+                <a:latin typeface="微软雅黑" panose="020B0503020204020204" pitchFamily="34" charset="-122"/>
+                <a:ea typeface="微软雅黑" panose="020B0503020204020204" pitchFamily="34" charset="-122"/>
               </a:rPr>
               <a:t>生存期分析</a:t>
             </a:r>
-            <a:endParaRPr lang="en-US" altLang="zh-CN" sz="2400" b="1" dirty="0">
-              <a:latin typeface="Microsoft YaHei" panose="020B0503020204020204" pitchFamily="34" charset="-122"/>
-              <a:ea typeface="Microsoft YaHei" panose="020B0503020204020204" pitchFamily="34" charset="-122"/>
+            <a:endParaRPr lang="en-US" altLang="zh-CN" sz="2200" b="1" dirty="0">
+              <a:latin typeface="微软雅黑" panose="020B0503020204020204" pitchFamily="34" charset="-122"/>
+              <a:ea typeface="微软雅黑" panose="020B0503020204020204" pitchFamily="34" charset="-122"/>
             </a:endParaRPr>
           </a:p>
           <a:p>
-            <a:pPr marL="914400" lvl="1" indent="-457200">
-              <a:buFont typeface="+mj-lt"/>
-              <a:buAutoNum type="arabicPeriod"/>
-            </a:pPr>
-            <a:r>
-              <a:rPr lang="zh-CN" altLang="en-US" sz="2400" dirty="0">
-                <a:latin typeface="Microsoft YaHei" panose="020B0503020204020204" pitchFamily="34" charset="-122"/>
-                <a:ea typeface="Microsoft YaHei" panose="020B0503020204020204" pitchFamily="34" charset="-122"/>
-              </a:rPr>
-              <a:t>构建控制流图</a:t>
-            </a:r>
-            <a:r>
-              <a:rPr lang="en-US" altLang="zh-CN" sz="2400" dirty="0">
-                <a:latin typeface="Microsoft YaHei" panose="020B0503020204020204" pitchFamily="34" charset="-122"/>
-                <a:ea typeface="Microsoft YaHei" panose="020B0503020204020204" pitchFamily="34" charset="-122"/>
+            <a:pPr algn="ctr"/>
+            <a:r>
+              <a:rPr lang="zh-CN" altLang="en-US" sz="2200" dirty="0">
+                <a:latin typeface="微软雅黑" panose="020B0503020204020204" pitchFamily="34" charset="-122"/>
+                <a:ea typeface="微软雅黑" panose="020B0503020204020204" pitchFamily="34" charset="-122"/>
+              </a:rPr>
+              <a:t>构建控制流图（</a:t>
+            </a:r>
+            <a:r>
+              <a:rPr lang="en-US" altLang="zh-CN" sz="2200" dirty="0">
+                <a:latin typeface="微软雅黑" panose="020B0503020204020204" pitchFamily="34" charset="-122"/>
+                <a:ea typeface="微软雅黑" panose="020B0503020204020204" pitchFamily="34" charset="-122"/>
               </a:rPr>
               <a:t>CFG</a:t>
             </a:r>
-          </a:p>
-          <a:p>
-            <a:pPr marL="914400" lvl="1" indent="-457200">
-              <a:buFont typeface="+mj-lt"/>
-              <a:buAutoNum type="arabicPeriod"/>
-            </a:pPr>
-            <a:r>
-              <a:rPr lang="zh-CN" altLang="en-US" sz="2400" dirty="0">
-                <a:latin typeface="Microsoft YaHei" panose="020B0503020204020204" pitchFamily="34" charset="-122"/>
-                <a:ea typeface="Microsoft YaHei" panose="020B0503020204020204" pitchFamily="34" charset="-122"/>
-              </a:rPr>
-              <a:t>活跃变量分析，计算线性区间</a:t>
-            </a:r>
-            <a:endParaRPr lang="en-US" altLang="zh-CN" sz="2400" dirty="0">
-              <a:latin typeface="Microsoft YaHei" panose="020B0503020204020204" pitchFamily="34" charset="-122"/>
-              <a:ea typeface="Microsoft YaHei" panose="020B0503020204020204" pitchFamily="34" charset="-122"/>
+            <a:r>
+              <a:rPr lang="zh-CN" altLang="en-US" sz="2200" dirty="0">
+                <a:latin typeface="微软雅黑" panose="020B0503020204020204" pitchFamily="34" charset="-122"/>
+                <a:ea typeface="微软雅黑" panose="020B0503020204020204" pitchFamily="34" charset="-122"/>
+              </a:rPr>
+              <a:t>）</a:t>
+            </a:r>
+          </a:p>
+        </p:txBody>
+      </p:sp>
+      <p:sp>
+        <p:nvSpPr>
+          <p:cNvPr id="7" name="矩形: 圆角 6">
+            <a:extLst>
+              <a:ext uri="{FF2B5EF4-FFF2-40B4-BE49-F238E27FC236}">
+                <a16:creationId xmlns:a16="http://schemas.microsoft.com/office/drawing/2014/main" id="{603BF224-7A53-A052-000D-F79E5B2E002E}"/>
+              </a:ext>
+            </a:extLst>
+          </p:cNvPr>
+          <p:cNvSpPr/>
+          <p:nvPr/>
+        </p:nvSpPr>
+        <p:spPr>
+          <a:xfrm>
+            <a:off x="434821" y="3429000"/>
+            <a:ext cx="2717953" cy="1247775"/>
+          </a:xfrm>
+          <a:prstGeom prst="roundRect">
+            <a:avLst/>
+          </a:prstGeom>
+          <a:ln>
+            <a:headEnd type="none" w="med" len="med"/>
+            <a:tailEnd type="none" w="med" len="med"/>
+          </a:ln>
+        </p:spPr>
+        <p:style>
+          <a:lnRef idx="2">
+            <a:schemeClr val="dk1"/>
+          </a:lnRef>
+          <a:fillRef idx="1">
+            <a:schemeClr val="lt1"/>
+          </a:fillRef>
+          <a:effectRef idx="0">
+            <a:schemeClr val="dk1"/>
+          </a:effectRef>
+          <a:fontRef idx="minor">
+            <a:schemeClr val="dk1"/>
+          </a:fontRef>
+        </p:style>
+        <p:txBody>
+          <a:bodyPr rtlCol="0" anchor="ctr"/>
+          <a:lstStyle/>
+          <a:p>
+            <a:pPr algn="ctr"/>
+            <a:r>
+              <a:rPr lang="en-US" altLang="zh-CN" sz="2200" b="1" dirty="0">
+                <a:latin typeface="微软雅黑" panose="020B0503020204020204" pitchFamily="34" charset="-122"/>
+                <a:ea typeface="微软雅黑" panose="020B0503020204020204" pitchFamily="34" charset="-122"/>
+              </a:rPr>
+              <a:t>2. </a:t>
+            </a:r>
+            <a:r>
+              <a:rPr lang="zh-CN" altLang="en-US" sz="2200" b="1" dirty="0">
+                <a:latin typeface="微软雅黑" panose="020B0503020204020204" pitchFamily="34" charset="-122"/>
+                <a:ea typeface="微软雅黑" panose="020B0503020204020204" pitchFamily="34" charset="-122"/>
+              </a:rPr>
+              <a:t>寄存器类型分析</a:t>
+            </a:r>
+            <a:endParaRPr lang="en-US" altLang="zh-CN" sz="2200" b="1" dirty="0">
+              <a:latin typeface="微软雅黑" panose="020B0503020204020204" pitchFamily="34" charset="-122"/>
+              <a:ea typeface="微软雅黑" panose="020B0503020204020204" pitchFamily="34" charset="-122"/>
             </a:endParaRPr>
           </a:p>
           <a:p>
-            <a:pPr marL="457200" indent="-457200">
-              <a:buFont typeface="+mj-lt"/>
-              <a:buAutoNum type="arabicPeriod"/>
-            </a:pPr>
-            <a:r>
-              <a:rPr lang="zh-CN" altLang="en-US" sz="2400" b="1" dirty="0">
-                <a:latin typeface="Microsoft YaHei" panose="020B0503020204020204" pitchFamily="34" charset="-122"/>
-                <a:ea typeface="Microsoft YaHei" panose="020B0503020204020204" pitchFamily="34" charset="-122"/>
-              </a:rPr>
-              <a:t>寄存器类型分析</a:t>
-            </a:r>
-            <a:endParaRPr lang="en-US" altLang="zh-CN" sz="2400" b="1" dirty="0">
-              <a:latin typeface="Microsoft YaHei" panose="020B0503020204020204" pitchFamily="34" charset="-122"/>
-              <a:ea typeface="Microsoft YaHei" panose="020B0503020204020204" pitchFamily="34" charset="-122"/>
+            <a:pPr algn="ctr"/>
+            <a:r>
+              <a:rPr lang="zh-CN" altLang="en-US" sz="2200" dirty="0">
+                <a:latin typeface="微软雅黑" panose="020B0503020204020204" pitchFamily="34" charset="-122"/>
+                <a:ea typeface="微软雅黑" panose="020B0503020204020204" pitchFamily="34" charset="-122"/>
+              </a:rPr>
+              <a:t>浮点操作单独标记</a:t>
+            </a:r>
+          </a:p>
+        </p:txBody>
+      </p:sp>
+      <p:sp>
+        <p:nvSpPr>
+          <p:cNvPr id="8" name="矩形: 圆角 7">
+            <a:extLst>
+              <a:ext uri="{FF2B5EF4-FFF2-40B4-BE49-F238E27FC236}">
+                <a16:creationId xmlns:a16="http://schemas.microsoft.com/office/drawing/2014/main" id="{CBDCAD74-8D93-90D1-E23C-15C171B8ACC5}"/>
+              </a:ext>
+            </a:extLst>
+          </p:cNvPr>
+          <p:cNvSpPr/>
+          <p:nvPr/>
+        </p:nvSpPr>
+        <p:spPr>
+          <a:xfrm>
+            <a:off x="434820" y="5212080"/>
+            <a:ext cx="2717953" cy="1247775"/>
+          </a:xfrm>
+          <a:prstGeom prst="roundRect">
+            <a:avLst/>
+          </a:prstGeom>
+          <a:ln>
+            <a:headEnd type="none" w="med" len="med"/>
+            <a:tailEnd type="none" w="med" len="med"/>
+          </a:ln>
+        </p:spPr>
+        <p:style>
+          <a:lnRef idx="2">
+            <a:schemeClr val="dk1"/>
+          </a:lnRef>
+          <a:fillRef idx="1">
+            <a:schemeClr val="lt1"/>
+          </a:fillRef>
+          <a:effectRef idx="0">
+            <a:schemeClr val="dk1"/>
+          </a:effectRef>
+          <a:fontRef idx="minor">
+            <a:schemeClr val="dk1"/>
+          </a:fontRef>
+        </p:style>
+        <p:txBody>
+          <a:bodyPr rtlCol="0" anchor="ctr"/>
+          <a:lstStyle/>
+          <a:p>
+            <a:pPr algn="ctr"/>
+            <a:r>
+              <a:rPr lang="en-US" altLang="zh-CN" sz="2200" b="1" dirty="0">
+                <a:latin typeface="微软雅黑" panose="020B0503020204020204" pitchFamily="34" charset="-122"/>
+                <a:ea typeface="微软雅黑" panose="020B0503020204020204" pitchFamily="34" charset="-122"/>
+              </a:rPr>
+              <a:t>3. </a:t>
+            </a:r>
+            <a:r>
+              <a:rPr lang="zh-CN" altLang="en-US" sz="2200" b="1" dirty="0">
+                <a:latin typeface="微软雅黑" panose="020B0503020204020204" pitchFamily="34" charset="-122"/>
+                <a:ea typeface="微软雅黑" panose="020B0503020204020204" pitchFamily="34" charset="-122"/>
+              </a:rPr>
+              <a:t>处理函数传参</a:t>
+            </a:r>
+            <a:endParaRPr lang="en-US" altLang="zh-CN" sz="2200" b="1" dirty="0">
+              <a:latin typeface="微软雅黑" panose="020B0503020204020204" pitchFamily="34" charset="-122"/>
+              <a:ea typeface="微软雅黑" panose="020B0503020204020204" pitchFamily="34" charset="-122"/>
             </a:endParaRPr>
           </a:p>
           <a:p>
-            <a:pPr marL="914400" lvl="1" indent="-457200">
-              <a:buFont typeface="+mj-lt"/>
-              <a:buAutoNum type="arabicPeriod"/>
-            </a:pPr>
-            <a:r>
-              <a:rPr lang="zh-CN" altLang="en-US" sz="2400" dirty="0">
-                <a:latin typeface="Microsoft YaHei" panose="020B0503020204020204" pitchFamily="34" charset="-122"/>
-                <a:ea typeface="Microsoft YaHei" panose="020B0503020204020204" pitchFamily="34" charset="-122"/>
-              </a:rPr>
-              <a:t>将浮点数据指令有关虚拟寄存器记为浮点型</a:t>
-            </a:r>
-            <a:endParaRPr lang="en-US" altLang="zh-CN" sz="2400" dirty="0">
-              <a:latin typeface="Microsoft YaHei" panose="020B0503020204020204" pitchFamily="34" charset="-122"/>
-              <a:ea typeface="Microsoft YaHei" panose="020B0503020204020204" pitchFamily="34" charset="-122"/>
+            <a:pPr algn="ctr"/>
+            <a:r>
+              <a:rPr lang="zh-CN" altLang="en-US" sz="2200" dirty="0">
+                <a:latin typeface="微软雅黑" panose="020B0503020204020204" pitchFamily="34" charset="-122"/>
+                <a:ea typeface="微软雅黑" panose="020B0503020204020204" pitchFamily="34" charset="-122"/>
+              </a:rPr>
+              <a:t>符合约定</a:t>
+            </a:r>
+          </a:p>
+        </p:txBody>
+      </p:sp>
+      <p:sp>
+        <p:nvSpPr>
+          <p:cNvPr id="9" name="矩形: 圆角 8">
+            <a:extLst>
+              <a:ext uri="{FF2B5EF4-FFF2-40B4-BE49-F238E27FC236}">
+                <a16:creationId xmlns:a16="http://schemas.microsoft.com/office/drawing/2014/main" id="{BA9EF6A0-2EE0-D70F-1392-9FA418F5F80C}"/>
+              </a:ext>
+            </a:extLst>
+          </p:cNvPr>
+          <p:cNvSpPr/>
+          <p:nvPr/>
+        </p:nvSpPr>
+        <p:spPr>
+          <a:xfrm>
+            <a:off x="9048751" y="2275840"/>
+            <a:ext cx="2593340" cy="1247775"/>
+          </a:xfrm>
+          <a:prstGeom prst="roundRect">
+            <a:avLst/>
+          </a:prstGeom>
+          <a:ln>
+            <a:headEnd type="none" w="med" len="med"/>
+            <a:tailEnd type="none" w="med" len="med"/>
+          </a:ln>
+        </p:spPr>
+        <p:style>
+          <a:lnRef idx="2">
+            <a:schemeClr val="dk1"/>
+          </a:lnRef>
+          <a:fillRef idx="1">
+            <a:schemeClr val="lt1"/>
+          </a:fillRef>
+          <a:effectRef idx="0">
+            <a:schemeClr val="dk1"/>
+          </a:effectRef>
+          <a:fontRef idx="minor">
+            <a:schemeClr val="dk1"/>
+          </a:fontRef>
+        </p:style>
+        <p:txBody>
+          <a:bodyPr rtlCol="0" anchor="ctr"/>
+          <a:lstStyle/>
+          <a:p>
+            <a:pPr algn="ctr"/>
+            <a:r>
+              <a:rPr lang="en-US" altLang="zh-CN" sz="2200" b="1" dirty="0">
+                <a:latin typeface="微软雅黑" panose="020B0503020204020204" pitchFamily="34" charset="-122"/>
+                <a:ea typeface="微软雅黑" panose="020B0503020204020204" pitchFamily="34" charset="-122"/>
+              </a:rPr>
+              <a:t>5. </a:t>
+            </a:r>
+            <a:r>
+              <a:rPr lang="zh-CN" altLang="en-US" sz="2200" b="1" dirty="0">
+                <a:latin typeface="微软雅黑" panose="020B0503020204020204" pitchFamily="34" charset="-122"/>
+                <a:ea typeface="微软雅黑" panose="020B0503020204020204" pitchFamily="34" charset="-122"/>
+              </a:rPr>
+              <a:t>指令重写</a:t>
+            </a:r>
+            <a:endParaRPr lang="en-US" altLang="zh-CN" sz="2200" b="1" dirty="0">
+              <a:latin typeface="微软雅黑" panose="020B0503020204020204" pitchFamily="34" charset="-122"/>
+              <a:ea typeface="微软雅黑" panose="020B0503020204020204" pitchFamily="34" charset="-122"/>
             </a:endParaRPr>
           </a:p>
           <a:p>
-            <a:pPr marL="457200" indent="-457200">
-              <a:buFont typeface="+mj-lt"/>
-              <a:buAutoNum type="arabicPeriod"/>
-            </a:pPr>
-            <a:r>
-              <a:rPr lang="zh-CN" altLang="en-US" sz="2400" b="1" dirty="0">
-                <a:latin typeface="Microsoft YaHei" panose="020B0503020204020204" pitchFamily="34" charset="-122"/>
-                <a:ea typeface="Microsoft YaHei" panose="020B0503020204020204" pitchFamily="34" charset="-122"/>
-              </a:rPr>
-              <a:t>处理函数调用</a:t>
-            </a:r>
-            <a:endParaRPr lang="en-US" altLang="zh-CN" sz="2400" b="1" dirty="0">
-              <a:latin typeface="Microsoft YaHei" panose="020B0503020204020204" pitchFamily="34" charset="-122"/>
-              <a:ea typeface="Microsoft YaHei" panose="020B0503020204020204" pitchFamily="34" charset="-122"/>
+            <a:pPr algn="ctr"/>
+            <a:r>
+              <a:rPr lang="zh-CN" altLang="en-US" sz="2200" dirty="0">
+                <a:latin typeface="微软雅黑" panose="020B0503020204020204" pitchFamily="34" charset="-122"/>
+                <a:ea typeface="微软雅黑" panose="020B0503020204020204" pitchFamily="34" charset="-122"/>
+              </a:rPr>
+              <a:t>分配者替换</a:t>
+            </a:r>
+            <a:endParaRPr lang="en-US" altLang="zh-CN" sz="2200" dirty="0">
+              <a:latin typeface="微软雅黑" panose="020B0503020204020204" pitchFamily="34" charset="-122"/>
+              <a:ea typeface="微软雅黑" panose="020B0503020204020204" pitchFamily="34" charset="-122"/>
             </a:endParaRPr>
           </a:p>
           <a:p>
-            <a:pPr marL="914400" lvl="1" indent="-457200">
-              <a:buFont typeface="+mj-lt"/>
-              <a:buAutoNum type="arabicPeriod"/>
-            </a:pPr>
-            <a:r>
-              <a:rPr lang="zh-CN" altLang="en-US" sz="2400" dirty="0">
-                <a:latin typeface="Microsoft YaHei" panose="020B0503020204020204" pitchFamily="34" charset="-122"/>
-                <a:ea typeface="Microsoft YaHei" panose="020B0503020204020204" pitchFamily="34" charset="-122"/>
-              </a:rPr>
-              <a:t>将每个函数传参的虚拟寄存器加载到约定的参数寄存器</a:t>
-            </a:r>
-            <a:endParaRPr lang="en-US" altLang="zh-CN" sz="2400" dirty="0">
-              <a:latin typeface="Microsoft YaHei" panose="020B0503020204020204" pitchFamily="34" charset="-122"/>
-              <a:ea typeface="Microsoft YaHei" panose="020B0503020204020204" pitchFamily="34" charset="-122"/>
+            <a:pPr algn="ctr"/>
+            <a:r>
+              <a:rPr lang="zh-CN" altLang="en-US" sz="2200" dirty="0">
+                <a:latin typeface="微软雅黑" panose="020B0503020204020204" pitchFamily="34" charset="-122"/>
+                <a:ea typeface="微软雅黑" panose="020B0503020204020204" pitchFamily="34" charset="-122"/>
+              </a:rPr>
+              <a:t>未分配者溢出</a:t>
+            </a:r>
+          </a:p>
+        </p:txBody>
+      </p:sp>
+      <p:sp>
+        <p:nvSpPr>
+          <p:cNvPr id="10" name="矩形: 圆角 9">
+            <a:extLst>
+              <a:ext uri="{FF2B5EF4-FFF2-40B4-BE49-F238E27FC236}">
+                <a16:creationId xmlns:a16="http://schemas.microsoft.com/office/drawing/2014/main" id="{5036EB67-0AD0-A4D4-D027-26415BF344D1}"/>
+              </a:ext>
+            </a:extLst>
+          </p:cNvPr>
+          <p:cNvSpPr/>
+          <p:nvPr/>
+        </p:nvSpPr>
+        <p:spPr>
+          <a:xfrm>
+            <a:off x="9048750" y="4171950"/>
+            <a:ext cx="2593340" cy="1247775"/>
+          </a:xfrm>
+          <a:prstGeom prst="roundRect">
+            <a:avLst/>
+          </a:prstGeom>
+          <a:ln>
+            <a:headEnd type="none" w="med" len="med"/>
+            <a:tailEnd type="none" w="med" len="med"/>
+          </a:ln>
+        </p:spPr>
+        <p:style>
+          <a:lnRef idx="2">
+            <a:schemeClr val="dk1"/>
+          </a:lnRef>
+          <a:fillRef idx="1">
+            <a:schemeClr val="lt1"/>
+          </a:fillRef>
+          <a:effectRef idx="0">
+            <a:schemeClr val="dk1"/>
+          </a:effectRef>
+          <a:fontRef idx="minor">
+            <a:schemeClr val="dk1"/>
+          </a:fontRef>
+        </p:style>
+        <p:txBody>
+          <a:bodyPr rtlCol="0" anchor="ctr"/>
+          <a:lstStyle/>
+          <a:p>
+            <a:pPr algn="ctr"/>
+            <a:r>
+              <a:rPr lang="en-US" altLang="zh-CN" sz="2200" b="1" dirty="0">
+                <a:latin typeface="微软雅黑" panose="020B0503020204020204" pitchFamily="34" charset="-122"/>
+                <a:ea typeface="微软雅黑" panose="020B0503020204020204" pitchFamily="34" charset="-122"/>
+              </a:rPr>
+              <a:t>6. </a:t>
+            </a:r>
+            <a:r>
+              <a:rPr lang="zh-CN" altLang="en-US" sz="2200" b="1" dirty="0">
+                <a:latin typeface="微软雅黑" panose="020B0503020204020204" pitchFamily="34" charset="-122"/>
+                <a:ea typeface="微软雅黑" panose="020B0503020204020204" pitchFamily="34" charset="-122"/>
+              </a:rPr>
+              <a:t>栈帧与最终化</a:t>
+            </a:r>
+            <a:endParaRPr lang="en-US" altLang="zh-CN" sz="2200" b="1" dirty="0">
+              <a:latin typeface="微软雅黑" panose="020B0503020204020204" pitchFamily="34" charset="-122"/>
+              <a:ea typeface="微软雅黑" panose="020B0503020204020204" pitchFamily="34" charset="-122"/>
             </a:endParaRPr>
           </a:p>
           <a:p>
-            <a:pPr marL="457200" indent="-457200">
-              <a:buFont typeface="+mj-lt"/>
-              <a:buAutoNum type="arabicPeriod"/>
-            </a:pPr>
-            <a:r>
-              <a:rPr lang="zh-CN" altLang="en-US" sz="2400" b="1" dirty="0">
-                <a:latin typeface="Microsoft YaHei" panose="020B0503020204020204" pitchFamily="34" charset="-122"/>
-                <a:ea typeface="Microsoft YaHei" panose="020B0503020204020204" pitchFamily="34" charset="-122"/>
-              </a:rPr>
-              <a:t>线性扫描分配</a:t>
-            </a:r>
-            <a:endParaRPr lang="en-US" altLang="zh-CN" sz="2400" b="1" dirty="0">
-              <a:latin typeface="Microsoft YaHei" panose="020B0503020204020204" pitchFamily="34" charset="-122"/>
-              <a:ea typeface="Microsoft YaHei" panose="020B0503020204020204" pitchFamily="34" charset="-122"/>
+            <a:pPr algn="ctr"/>
+            <a:r>
+              <a:rPr lang="zh-CN" altLang="en-US" sz="2200" dirty="0">
+                <a:latin typeface="微软雅黑" panose="020B0503020204020204" pitchFamily="34" charset="-122"/>
+                <a:ea typeface="微软雅黑" panose="020B0503020204020204" pitchFamily="34" charset="-122"/>
+              </a:rPr>
+              <a:t>计算栈帧大小</a:t>
+            </a:r>
+            <a:endParaRPr lang="en-US" altLang="zh-CN" sz="2200" dirty="0">
+              <a:latin typeface="微软雅黑" panose="020B0503020204020204" pitchFamily="34" charset="-122"/>
+              <a:ea typeface="微软雅黑" panose="020B0503020204020204" pitchFamily="34" charset="-122"/>
             </a:endParaRPr>
           </a:p>
           <a:p>
-            <a:pPr marL="914400" lvl="1" indent="-457200">
-              <a:buFont typeface="+mj-lt"/>
-              <a:buAutoNum type="arabicPeriod"/>
-            </a:pPr>
-            <a:r>
-              <a:rPr lang="zh-CN" altLang="en-US" sz="2400" dirty="0">
-                <a:latin typeface="Microsoft YaHei" panose="020B0503020204020204" pitchFamily="34" charset="-122"/>
-                <a:ea typeface="Microsoft YaHei" panose="020B0503020204020204" pitchFamily="34" charset="-122"/>
-              </a:rPr>
-              <a:t>维护可用寄存器池，线性扫描维护释放和分配</a:t>
-            </a:r>
-            <a:endParaRPr lang="en-US" altLang="zh-CN" sz="2400" dirty="0">
-              <a:latin typeface="Microsoft YaHei" panose="020B0503020204020204" pitchFamily="34" charset="-122"/>
-              <a:ea typeface="Microsoft YaHei" panose="020B0503020204020204" pitchFamily="34" charset="-122"/>
+            <a:pPr algn="ctr"/>
+            <a:r>
+              <a:rPr lang="zh-CN" altLang="en-US" sz="2200" dirty="0">
+                <a:latin typeface="微软雅黑" panose="020B0503020204020204" pitchFamily="34" charset="-122"/>
+                <a:ea typeface="微软雅黑" panose="020B0503020204020204" pitchFamily="34" charset="-122"/>
+              </a:rPr>
+              <a:t>生成序言</a:t>
+            </a:r>
+            <a:r>
+              <a:rPr lang="en-US" altLang="zh-CN" sz="2200" dirty="0">
+                <a:latin typeface="微软雅黑" panose="020B0503020204020204" pitchFamily="34" charset="-122"/>
+                <a:ea typeface="微软雅黑" panose="020B0503020204020204" pitchFamily="34" charset="-122"/>
+              </a:rPr>
+              <a:t>&amp;</a:t>
+            </a:r>
+            <a:r>
+              <a:rPr lang="zh-CN" altLang="en-US" sz="2200" dirty="0">
+                <a:latin typeface="微软雅黑" panose="020B0503020204020204" pitchFamily="34" charset="-122"/>
+                <a:ea typeface="微软雅黑" panose="020B0503020204020204" pitchFamily="34" charset="-122"/>
+              </a:rPr>
+              <a:t>尾声</a:t>
+            </a:r>
+          </a:p>
+        </p:txBody>
+      </p:sp>
+      <p:sp>
+        <p:nvSpPr>
+          <p:cNvPr id="11" name="矩形: 圆角 10">
+            <a:extLst>
+              <a:ext uri="{FF2B5EF4-FFF2-40B4-BE49-F238E27FC236}">
+                <a16:creationId xmlns:a16="http://schemas.microsoft.com/office/drawing/2014/main" id="{F99F3BFB-17D6-A363-123A-39404697B162}"/>
+              </a:ext>
+            </a:extLst>
+          </p:cNvPr>
+          <p:cNvSpPr/>
+          <p:nvPr/>
+        </p:nvSpPr>
+        <p:spPr>
+          <a:xfrm>
+            <a:off x="3768572" y="1809750"/>
+            <a:ext cx="4508653" cy="4650105"/>
+          </a:xfrm>
+          <a:prstGeom prst="roundRect">
+            <a:avLst/>
+          </a:prstGeom>
+          <a:ln>
+            <a:headEnd type="none" w="med" len="med"/>
+            <a:tailEnd type="none" w="med" len="med"/>
+          </a:ln>
+        </p:spPr>
+        <p:style>
+          <a:lnRef idx="2">
+            <a:schemeClr val="dk1"/>
+          </a:lnRef>
+          <a:fillRef idx="1">
+            <a:schemeClr val="lt1"/>
+          </a:fillRef>
+          <a:effectRef idx="0">
+            <a:schemeClr val="dk1"/>
+          </a:effectRef>
+          <a:fontRef idx="minor">
+            <a:schemeClr val="dk1"/>
+          </a:fontRef>
+        </p:style>
+        <p:txBody>
+          <a:bodyPr rtlCol="0" anchor="ctr"/>
+          <a:lstStyle/>
+          <a:p>
+            <a:pPr algn="ctr"/>
+            <a:r>
+              <a:rPr lang="en-US" altLang="zh-CN" sz="2800" b="1" dirty="0">
+                <a:latin typeface="微软雅黑" panose="020B0503020204020204" pitchFamily="34" charset="-122"/>
+                <a:ea typeface="微软雅黑" panose="020B0503020204020204" pitchFamily="34" charset="-122"/>
+              </a:rPr>
+              <a:t>4. </a:t>
+            </a:r>
+            <a:r>
+              <a:rPr lang="zh-CN" altLang="en-US" sz="2800" b="1" dirty="0">
+                <a:latin typeface="微软雅黑" panose="020B0503020204020204" pitchFamily="34" charset="-122"/>
+                <a:ea typeface="微软雅黑" panose="020B0503020204020204" pitchFamily="34" charset="-122"/>
+              </a:rPr>
+              <a:t>线性扫描分配算法</a:t>
+            </a:r>
+            <a:endParaRPr lang="en-US" altLang="zh-CN" sz="2800" b="1" dirty="0">
+              <a:latin typeface="微软雅黑" panose="020B0503020204020204" pitchFamily="34" charset="-122"/>
+              <a:ea typeface="微软雅黑" panose="020B0503020204020204" pitchFamily="34" charset="-122"/>
             </a:endParaRPr>
           </a:p>
           <a:p>
-            <a:pPr marL="457200" indent="-457200">
-              <a:buFont typeface="+mj-lt"/>
-              <a:buAutoNum type="arabicPeriod"/>
-            </a:pPr>
-            <a:r>
-              <a:rPr lang="zh-CN" altLang="en-US" sz="2400" b="1" dirty="0">
-                <a:latin typeface="Microsoft YaHei" panose="020B0503020204020204" pitchFamily="34" charset="-122"/>
-                <a:ea typeface="Microsoft YaHei" panose="020B0503020204020204" pitchFamily="34" charset="-122"/>
-              </a:rPr>
-              <a:t>指令重写</a:t>
-            </a:r>
-            <a:endParaRPr lang="en-US" altLang="zh-CN" sz="2400" b="1" dirty="0">
-              <a:latin typeface="Microsoft YaHei" panose="020B0503020204020204" pitchFamily="34" charset="-122"/>
-              <a:ea typeface="Microsoft YaHei" panose="020B0503020204020204" pitchFamily="34" charset="-122"/>
+            <a:r>
+              <a:rPr lang="en-US" altLang="zh-CN" sz="2200" dirty="0">
+                <a:latin typeface="微软雅黑" panose="020B0503020204020204" pitchFamily="34" charset="-122"/>
+                <a:ea typeface="微软雅黑" panose="020B0503020204020204" pitchFamily="34" charset="-122"/>
+              </a:rPr>
+              <a:t>(1) </a:t>
+            </a:r>
+            <a:r>
+              <a:rPr lang="zh-CN" altLang="en-US" sz="2200" dirty="0">
+                <a:latin typeface="微软雅黑" panose="020B0503020204020204" pitchFamily="34" charset="-122"/>
+                <a:ea typeface="微软雅黑" panose="020B0503020204020204" pitchFamily="34" charset="-122"/>
+              </a:rPr>
+              <a:t>将生存期按起始位置排序</a:t>
+            </a:r>
+            <a:endParaRPr lang="en-US" altLang="zh-CN" sz="2200" dirty="0">
+              <a:latin typeface="微软雅黑" panose="020B0503020204020204" pitchFamily="34" charset="-122"/>
+              <a:ea typeface="微软雅黑" panose="020B0503020204020204" pitchFamily="34" charset="-122"/>
             </a:endParaRPr>
           </a:p>
           <a:p>
-            <a:pPr marL="914400" lvl="1" indent="-457200">
-              <a:buFont typeface="+mj-lt"/>
-              <a:buAutoNum type="arabicPeriod"/>
-            </a:pPr>
-            <a:r>
-              <a:rPr lang="zh-CN" altLang="en-US" sz="2400" dirty="0">
-                <a:latin typeface="Microsoft YaHei" panose="020B0503020204020204" pitchFamily="34" charset="-122"/>
-                <a:ea typeface="Microsoft YaHei" panose="020B0503020204020204" pitchFamily="34" charset="-122"/>
-              </a:rPr>
-              <a:t>成功分配的将虚拟替换为物理寄存器</a:t>
-            </a:r>
-            <a:endParaRPr lang="en-US" altLang="zh-CN" sz="2400" dirty="0">
-              <a:latin typeface="Microsoft YaHei" panose="020B0503020204020204" pitchFamily="34" charset="-122"/>
-              <a:ea typeface="Microsoft YaHei" panose="020B0503020204020204" pitchFamily="34" charset="-122"/>
+            <a:r>
+              <a:rPr lang="en-US" altLang="zh-CN" sz="2200" dirty="0">
+                <a:latin typeface="微软雅黑" panose="020B0503020204020204" pitchFamily="34" charset="-122"/>
+                <a:ea typeface="微软雅黑" panose="020B0503020204020204" pitchFamily="34" charset="-122"/>
+              </a:rPr>
+              <a:t>(3) </a:t>
+            </a:r>
+            <a:r>
+              <a:rPr lang="zh-CN" altLang="en-US" sz="2200" dirty="0">
+                <a:latin typeface="微软雅黑" panose="020B0503020204020204" pitchFamily="34" charset="-122"/>
+                <a:ea typeface="微软雅黑" panose="020B0503020204020204" pitchFamily="34" charset="-122"/>
+              </a:rPr>
+              <a:t>动态维护活跃集合，释放不再活跃的寄存器，为当前区间从可用寄存器中寻找空闲</a:t>
+            </a:r>
+            <a:endParaRPr lang="en-US" altLang="zh-CN" sz="2200" dirty="0">
+              <a:latin typeface="微软雅黑" panose="020B0503020204020204" pitchFamily="34" charset="-122"/>
+              <a:ea typeface="微软雅黑" panose="020B0503020204020204" pitchFamily="34" charset="-122"/>
             </a:endParaRPr>
           </a:p>
           <a:p>
-            <a:pPr marL="914400" lvl="1" indent="-457200">
-              <a:buFont typeface="+mj-lt"/>
-              <a:buAutoNum type="arabicPeriod"/>
-            </a:pPr>
-            <a:r>
-              <a:rPr lang="zh-CN" altLang="en-US" sz="2400" dirty="0">
-                <a:latin typeface="Microsoft YaHei" panose="020B0503020204020204" pitchFamily="34" charset="-122"/>
-                <a:ea typeface="Microsoft YaHei" panose="020B0503020204020204" pitchFamily="34" charset="-122"/>
-              </a:rPr>
-              <a:t>插入</a:t>
-            </a:r>
-            <a:r>
-              <a:rPr lang="en-US" altLang="zh-CN" sz="2400" dirty="0">
-                <a:latin typeface="Microsoft YaHei" panose="020B0503020204020204" pitchFamily="34" charset="-122"/>
-                <a:ea typeface="Microsoft YaHei" panose="020B0503020204020204" pitchFamily="34" charset="-122"/>
-              </a:rPr>
-              <a:t>load/store</a:t>
-            </a:r>
-            <a:r>
-              <a:rPr lang="zh-CN" altLang="en-US" sz="2400" dirty="0">
-                <a:latin typeface="Microsoft YaHei" panose="020B0503020204020204" pitchFamily="34" charset="-122"/>
-                <a:ea typeface="Microsoft YaHei" panose="020B0503020204020204" pitchFamily="34" charset="-122"/>
-              </a:rPr>
-              <a:t>溢出到栈</a:t>
-            </a:r>
-            <a:endParaRPr lang="en-US" altLang="zh-CN" sz="2400" dirty="0">
-              <a:latin typeface="Microsoft YaHei" panose="020B0503020204020204" pitchFamily="34" charset="-122"/>
-              <a:ea typeface="Microsoft YaHei" panose="020B0503020204020204" pitchFamily="34" charset="-122"/>
+            <a:r>
+              <a:rPr lang="en-US" altLang="zh-CN" sz="2200" dirty="0">
+                <a:latin typeface="微软雅黑" panose="020B0503020204020204" pitchFamily="34" charset="-122"/>
+                <a:ea typeface="微软雅黑" panose="020B0503020204020204" pitchFamily="34" charset="-122"/>
+              </a:rPr>
+              <a:t>(4) </a:t>
+            </a:r>
+            <a:r>
+              <a:rPr lang="zh-CN" altLang="en-US" sz="2200" dirty="0">
+                <a:latin typeface="微软雅黑" panose="020B0503020204020204" pitchFamily="34" charset="-122"/>
+                <a:ea typeface="微软雅黑" panose="020B0503020204020204" pitchFamily="34" charset="-122"/>
+              </a:rPr>
+              <a:t>无可用寄存器时，从活跃集合选择结束最晚的为受害者，选择区间较长者溢出</a:t>
+            </a:r>
+            <a:endParaRPr lang="en-US" altLang="zh-CN" sz="2200" dirty="0">
+              <a:latin typeface="微软雅黑" panose="020B0503020204020204" pitchFamily="34" charset="-122"/>
+              <a:ea typeface="微软雅黑" panose="020B0503020204020204" pitchFamily="34" charset="-122"/>
             </a:endParaRPr>
           </a:p>
-          <a:p>
-            <a:pPr marL="457200" indent="-457200">
-              <a:buFont typeface="+mj-lt"/>
-              <a:buAutoNum type="arabicPeriod"/>
-            </a:pPr>
-            <a:r>
-              <a:rPr lang="zh-CN" altLang="en-US" sz="2400" b="1" dirty="0">
-                <a:latin typeface="Microsoft YaHei" panose="020B0503020204020204" pitchFamily="34" charset="-122"/>
-                <a:ea typeface="Microsoft YaHei" panose="020B0503020204020204" pitchFamily="34" charset="-122"/>
-              </a:rPr>
-              <a:t>管理栈帧和最终化</a:t>
-            </a:r>
-            <a:endParaRPr lang="en-US" altLang="zh-CN" sz="2400" b="1" dirty="0">
-              <a:latin typeface="Microsoft YaHei" panose="020B0503020204020204" pitchFamily="34" charset="-122"/>
-              <a:ea typeface="Microsoft YaHei" panose="020B0503020204020204" pitchFamily="34" charset="-122"/>
-            </a:endParaRPr>
-          </a:p>
-          <a:p>
-            <a:pPr marL="914400" lvl="1" indent="-457200">
-              <a:buFont typeface="+mj-lt"/>
-              <a:buAutoNum type="arabicPeriod"/>
-            </a:pPr>
-            <a:r>
-              <a:rPr lang="zh-CN" altLang="en-US" sz="2400" dirty="0">
-                <a:latin typeface="Microsoft YaHei" panose="020B0503020204020204" pitchFamily="34" charset="-122"/>
-                <a:ea typeface="Microsoft YaHei" panose="020B0503020204020204" pitchFamily="34" charset="-122"/>
-              </a:rPr>
-              <a:t>扫描统计被使用的</a:t>
-            </a:r>
-            <a:r>
-              <a:rPr lang="en-US" altLang="zh-CN" sz="2400" dirty="0">
-                <a:latin typeface="Microsoft YaHei" panose="020B0503020204020204" pitchFamily="34" charset="-122"/>
-                <a:ea typeface="Microsoft YaHei" panose="020B0503020204020204" pitchFamily="34" charset="-122"/>
-              </a:rPr>
-              <a:t>callee-saved</a:t>
-            </a:r>
-            <a:r>
-              <a:rPr lang="zh-CN" altLang="en-US" sz="2400" dirty="0">
-                <a:latin typeface="Microsoft YaHei" panose="020B0503020204020204" pitchFamily="34" charset="-122"/>
-                <a:ea typeface="Microsoft YaHei" panose="020B0503020204020204" pitchFamily="34" charset="-122"/>
-              </a:rPr>
-              <a:t>寄存器，计算栈帧大小</a:t>
-            </a:r>
-            <a:endParaRPr lang="en-US" altLang="zh-CN" sz="2400" dirty="0">
-              <a:latin typeface="Microsoft YaHei" panose="020B0503020204020204" pitchFamily="34" charset="-122"/>
-              <a:ea typeface="Microsoft YaHei" panose="020B0503020204020204" pitchFamily="34" charset="-122"/>
-            </a:endParaRPr>
-          </a:p>
-          <a:p>
-            <a:pPr marL="914400" lvl="1" indent="-457200">
-              <a:buFont typeface="+mj-lt"/>
-              <a:buAutoNum type="arabicPeriod"/>
-            </a:pPr>
-            <a:r>
-              <a:rPr lang="zh-CN" altLang="en-US" sz="2400" dirty="0">
-                <a:latin typeface="Microsoft YaHei" panose="020B0503020204020204" pitchFamily="34" charset="-122"/>
-                <a:ea typeface="Microsoft YaHei" panose="020B0503020204020204" pitchFamily="34" charset="-122"/>
-              </a:rPr>
-              <a:t>生成函数序言（</a:t>
-            </a:r>
-            <a:r>
-              <a:rPr lang="en-US" altLang="zh-CN" sz="2400" dirty="0">
-                <a:latin typeface="Microsoft YaHei" panose="020B0503020204020204" pitchFamily="34" charset="-122"/>
-                <a:ea typeface="Microsoft YaHei" panose="020B0503020204020204" pitchFamily="34" charset="-122"/>
-              </a:rPr>
-              <a:t>prologue</a:t>
-            </a:r>
-            <a:r>
-              <a:rPr lang="zh-CN" altLang="en-US" sz="2400" dirty="0">
-                <a:latin typeface="Microsoft YaHei" panose="020B0503020204020204" pitchFamily="34" charset="-122"/>
-                <a:ea typeface="Microsoft YaHei" panose="020B0503020204020204" pitchFamily="34" charset="-122"/>
-              </a:rPr>
-              <a:t>）和尾声（</a:t>
-            </a:r>
-            <a:r>
-              <a:rPr lang="en-US" altLang="zh-CN" sz="2400" dirty="0">
-                <a:latin typeface="Microsoft YaHei" panose="020B0503020204020204" pitchFamily="34" charset="-122"/>
-                <a:ea typeface="Microsoft YaHei" panose="020B0503020204020204" pitchFamily="34" charset="-122"/>
-              </a:rPr>
-              <a:t>epilogue</a:t>
-            </a:r>
-            <a:r>
-              <a:rPr lang="zh-CN" altLang="en-US" sz="2400" dirty="0">
-                <a:latin typeface="Microsoft YaHei" panose="020B0503020204020204" pitchFamily="34" charset="-122"/>
-                <a:ea typeface="Microsoft YaHei" panose="020B0503020204020204" pitchFamily="34" charset="-122"/>
-              </a:rPr>
-              <a:t>） 代码</a:t>
-            </a:r>
-            <a:endParaRPr lang="en-US" altLang="zh-CN" sz="2400" dirty="0">
-              <a:latin typeface="Microsoft YaHei" panose="020B0503020204020204" pitchFamily="34" charset="-122"/>
-              <a:ea typeface="Microsoft YaHei" panose="020B0503020204020204" pitchFamily="34" charset="-122"/>
-            </a:endParaRPr>
-          </a:p>
-          <a:p>
-            <a:pPr marL="914400" lvl="1" indent="-457200">
-              <a:buFont typeface="+mj-lt"/>
-              <a:buAutoNum type="arabicPeriod"/>
-            </a:pPr>
-            <a:endParaRPr lang="en-US" altLang="zh-CN" sz="2400" b="1" dirty="0">
-              <a:latin typeface="Microsoft YaHei" panose="020B0503020204020204" pitchFamily="34" charset="-122"/>
-              <a:ea typeface="Microsoft YaHei" panose="020B0503020204020204" pitchFamily="34" charset="-122"/>
-            </a:endParaRPr>
+        </p:txBody>
+      </p:sp>
+      <p:sp>
+        <p:nvSpPr>
+          <p:cNvPr id="12" name="箭头: 下 11">
+            <a:extLst>
+              <a:ext uri="{FF2B5EF4-FFF2-40B4-BE49-F238E27FC236}">
+                <a16:creationId xmlns:a16="http://schemas.microsoft.com/office/drawing/2014/main" id="{AF6F197A-6FDD-0DC1-D71E-E54D12D68657}"/>
+              </a:ext>
+            </a:extLst>
+          </p:cNvPr>
+          <p:cNvSpPr/>
+          <p:nvPr/>
+        </p:nvSpPr>
+        <p:spPr>
+          <a:xfrm>
+            <a:off x="1571625" y="3067050"/>
+            <a:ext cx="390525" cy="266700"/>
+          </a:xfrm>
+          <a:prstGeom prst="downArrow">
+            <a:avLst/>
+          </a:prstGeom>
+        </p:spPr>
+        <p:style>
+          <a:lnRef idx="2">
+            <a:schemeClr val="dk1"/>
+          </a:lnRef>
+          <a:fillRef idx="1">
+            <a:schemeClr val="lt1"/>
+          </a:fillRef>
+          <a:effectRef idx="0">
+            <a:schemeClr val="dk1"/>
+          </a:effectRef>
+          <a:fontRef idx="minor">
+            <a:schemeClr val="dk1"/>
+          </a:fontRef>
+        </p:style>
+        <p:txBody>
+          <a:bodyPr rtlCol="0" anchor="ctr"/>
+          <a:lstStyle/>
+          <a:p>
+            <a:pPr algn="ctr"/>
+            <a:endParaRPr lang="zh-CN" altLang="en-US"/>
+          </a:p>
+        </p:txBody>
+      </p:sp>
+      <p:sp>
+        <p:nvSpPr>
+          <p:cNvPr id="13" name="箭头: 下 12">
+            <a:extLst>
+              <a:ext uri="{FF2B5EF4-FFF2-40B4-BE49-F238E27FC236}">
+                <a16:creationId xmlns:a16="http://schemas.microsoft.com/office/drawing/2014/main" id="{6871A969-1122-E554-85D8-1FC9DA6B2885}"/>
+              </a:ext>
+            </a:extLst>
+          </p:cNvPr>
+          <p:cNvSpPr/>
+          <p:nvPr/>
+        </p:nvSpPr>
+        <p:spPr>
+          <a:xfrm>
+            <a:off x="1571625" y="4838700"/>
+            <a:ext cx="390525" cy="266700"/>
+          </a:xfrm>
+          <a:prstGeom prst="downArrow">
+            <a:avLst/>
+          </a:prstGeom>
+        </p:spPr>
+        <p:style>
+          <a:lnRef idx="2">
+            <a:schemeClr val="dk1"/>
+          </a:lnRef>
+          <a:fillRef idx="1">
+            <a:schemeClr val="lt1"/>
+          </a:fillRef>
+          <a:effectRef idx="0">
+            <a:schemeClr val="dk1"/>
+          </a:effectRef>
+          <a:fontRef idx="minor">
+            <a:schemeClr val="dk1"/>
+          </a:fontRef>
+        </p:style>
+        <p:txBody>
+          <a:bodyPr rtlCol="0" anchor="ctr"/>
+          <a:lstStyle/>
+          <a:p>
+            <a:pPr algn="ctr"/>
+            <a:endParaRPr lang="zh-CN" altLang="en-US"/>
+          </a:p>
+        </p:txBody>
+      </p:sp>
+      <p:sp>
+        <p:nvSpPr>
+          <p:cNvPr id="14" name="箭头: 下 13">
+            <a:extLst>
+              <a:ext uri="{FF2B5EF4-FFF2-40B4-BE49-F238E27FC236}">
+                <a16:creationId xmlns:a16="http://schemas.microsoft.com/office/drawing/2014/main" id="{9B1E9374-3D72-4F2A-836A-B3F0104A308B}"/>
+              </a:ext>
+            </a:extLst>
+          </p:cNvPr>
+          <p:cNvSpPr/>
+          <p:nvPr/>
+        </p:nvSpPr>
+        <p:spPr>
+          <a:xfrm>
+            <a:off x="10150157" y="3714432"/>
+            <a:ext cx="390525" cy="266700"/>
+          </a:xfrm>
+          <a:prstGeom prst="downArrow">
+            <a:avLst/>
+          </a:prstGeom>
+        </p:spPr>
+        <p:style>
+          <a:lnRef idx="2">
+            <a:schemeClr val="dk1"/>
+          </a:lnRef>
+          <a:fillRef idx="1">
+            <a:schemeClr val="lt1"/>
+          </a:fillRef>
+          <a:effectRef idx="0">
+            <a:schemeClr val="dk1"/>
+          </a:effectRef>
+          <a:fontRef idx="minor">
+            <a:schemeClr val="dk1"/>
+          </a:fontRef>
+        </p:style>
+        <p:txBody>
+          <a:bodyPr rtlCol="0" anchor="ctr"/>
+          <a:lstStyle/>
+          <a:p>
+            <a:pPr algn="ctr"/>
+            <a:endParaRPr lang="zh-CN" altLang="en-US"/>
+          </a:p>
+        </p:txBody>
+      </p:sp>
+      <p:sp>
+        <p:nvSpPr>
+          <p:cNvPr id="15" name="箭头: 下 14">
+            <a:extLst>
+              <a:ext uri="{FF2B5EF4-FFF2-40B4-BE49-F238E27FC236}">
+                <a16:creationId xmlns:a16="http://schemas.microsoft.com/office/drawing/2014/main" id="{A6629CDC-5E0F-9E98-B5BA-E13CDC1BE9DC}"/>
+              </a:ext>
+            </a:extLst>
+          </p:cNvPr>
+          <p:cNvSpPr/>
+          <p:nvPr/>
+        </p:nvSpPr>
+        <p:spPr>
+          <a:xfrm rot="16200000">
+            <a:off x="3091618" y="5733533"/>
+            <a:ext cx="754063" cy="282655"/>
+          </a:xfrm>
+          <a:prstGeom prst="downArrow">
+            <a:avLst/>
+          </a:prstGeom>
+        </p:spPr>
+        <p:style>
+          <a:lnRef idx="2">
+            <a:schemeClr val="dk1"/>
+          </a:lnRef>
+          <a:fillRef idx="1">
+            <a:schemeClr val="lt1"/>
+          </a:fillRef>
+          <a:effectRef idx="0">
+            <a:schemeClr val="dk1"/>
+          </a:effectRef>
+          <a:fontRef idx="minor">
+            <a:schemeClr val="dk1"/>
+          </a:fontRef>
+        </p:style>
+        <p:txBody>
+          <a:bodyPr rtlCol="0" anchor="ctr"/>
+          <a:lstStyle/>
+          <a:p>
+            <a:pPr algn="ctr"/>
+            <a:endParaRPr lang="zh-CN" altLang="en-US"/>
+          </a:p>
+        </p:txBody>
+      </p:sp>
+      <p:sp>
+        <p:nvSpPr>
+          <p:cNvPr id="16" name="箭头: 下 15">
+            <a:extLst>
+              <a:ext uri="{FF2B5EF4-FFF2-40B4-BE49-F238E27FC236}">
+                <a16:creationId xmlns:a16="http://schemas.microsoft.com/office/drawing/2014/main" id="{C55D748E-F7E7-7A02-A139-27331B561E0D}"/>
+              </a:ext>
+            </a:extLst>
+          </p:cNvPr>
+          <p:cNvSpPr/>
+          <p:nvPr/>
+        </p:nvSpPr>
+        <p:spPr>
+          <a:xfrm rot="16200000">
+            <a:off x="8276433" y="2791577"/>
+            <a:ext cx="754063" cy="282655"/>
+          </a:xfrm>
+          <a:prstGeom prst="downArrow">
+            <a:avLst/>
+          </a:prstGeom>
+        </p:spPr>
+        <p:style>
+          <a:lnRef idx="2">
+            <a:schemeClr val="dk1"/>
+          </a:lnRef>
+          <a:fillRef idx="1">
+            <a:schemeClr val="lt1"/>
+          </a:fillRef>
+          <a:effectRef idx="0">
+            <a:schemeClr val="dk1"/>
+          </a:effectRef>
+          <a:fontRef idx="minor">
+            <a:schemeClr val="dk1"/>
+          </a:fontRef>
+        </p:style>
+        <p:txBody>
+          <a:bodyPr rtlCol="0" anchor="ctr"/>
+          <a:lstStyle/>
+          <a:p>
+            <a:pPr algn="ctr"/>
+            <a:endParaRPr lang="zh-CN" altLang="en-US"/>
           </a:p>
         </p:txBody>
       </p:sp>
     </p:spTree>
     <p:extLst>
       <p:ext uri="{BB962C8B-B14F-4D97-AF65-F5344CB8AC3E}">
-        <p14:creationId xmlns:p14="http://schemas.microsoft.com/office/powerpoint/2010/main" val="2033572633"/>
+        <p14:creationId xmlns:p14="http://schemas.microsoft.com/office/powerpoint/2010/main" val="2810897616"/>
       </p:ext>
     </p:extLst>
   </p:cSld>
@@ -24812,7 +22138,7 @@
 </p:sld>
 </file>
 
-<file path=ppt/slides/slide16.xml><?xml version="1.0" encoding="utf-8"?>
+<file path=ppt/slides/slide15.xml><?xml version="1.0" encoding="utf-8"?>
 <p:sld xmlns:a="http://schemas.openxmlformats.org/drawingml/2006/main" xmlns:r="http://schemas.openxmlformats.org/officeDocument/2006/relationships" xmlns:p="http://schemas.openxmlformats.org/presentationml/2006/main">
   <p:cSld>
     <p:spTree>
@@ -24885,7 +22211,7 @@
 </p:sld>
 </file>
 
-<file path=ppt/slides/slide17.xml><?xml version="1.0" encoding="utf-8"?>
+<file path=ppt/slides/slide16.xml><?xml version="1.0" encoding="utf-8"?>
 <p:sld xmlns:a="http://schemas.openxmlformats.org/drawingml/2006/main" xmlns:r="http://schemas.openxmlformats.org/officeDocument/2006/relationships" xmlns:p="http://schemas.openxmlformats.org/presentationml/2006/main" showMasterSp="0">
   <p:cSld>
     <p:spTree>
@@ -30712,30 +28038,6 @@
 </file>
 
 <file path=ppt/tags/tag14.xml><?xml version="1.0" encoding="utf-8"?>
-<p:tagLst xmlns:a="http://schemas.openxmlformats.org/drawingml/2006/main" xmlns:r="http://schemas.openxmlformats.org/officeDocument/2006/relationships" xmlns:p="http://schemas.openxmlformats.org/presentationml/2006/main">
-  <p:tag name="KSO_WM_TAG_VERSION" val="1.0"/>
-  <p:tag name="KSO_WM_BEAUTIFY_FLAG" val="#wm#"/>
-  <p:tag name="KSO_WM_UNIT_TYPE" val="i"/>
-  <p:tag name="KSO_WM_UNIT_ID" val="custom160570_13*i*5"/>
-  <p:tag name="KSO_WM_TEMPLATE_CATEGORY" val="custom"/>
-  <p:tag name="KSO_WM_TEMPLATE_INDEX" val="160570"/>
-  <p:tag name="KSO_WM_UNIT_INDEX" val="5"/>
-</p:tagLst>
-</file>
-
-<file path=ppt/tags/tag15.xml><?xml version="1.0" encoding="utf-8"?>
-<p:tagLst xmlns:a="http://schemas.openxmlformats.org/drawingml/2006/main" xmlns:r="http://schemas.openxmlformats.org/officeDocument/2006/relationships" xmlns:p="http://schemas.openxmlformats.org/presentationml/2006/main">
-  <p:tag name="KSO_WM_TAG_VERSION" val="1.0"/>
-  <p:tag name="KSO_WM_BEAUTIFY_FLAG" val="#wm#"/>
-  <p:tag name="KSO_WM_UNIT_TYPE" val="i"/>
-  <p:tag name="KSO_WM_UNIT_ID" val="custom160570_13*i*4"/>
-  <p:tag name="KSO_WM_TEMPLATE_CATEGORY" val="custom"/>
-  <p:tag name="KSO_WM_TEMPLATE_INDEX" val="160570"/>
-  <p:tag name="KSO_WM_UNIT_INDEX" val="4"/>
-</p:tagLst>
-</file>
-
-<file path=ppt/tags/tag16.xml><?xml version="1.0" encoding="utf-8"?>
 <p:tagLst xmlns:a="http://schemas.openxmlformats.org/drawingml/2006/main" xmlns:r="http://schemas.openxmlformats.org/officeDocument/2006/relationships" xmlns:p="http://schemas.openxmlformats.org/presentationml/2006/main">
   <p:tag name="KSO_WM_TAG_VERSION" val="1.0"/>
   <p:tag name="KSO_WM_BEAUTIFY_FLAG" val="#wm#"/>

--- a/doc/2025编译系统设计赛答辩.pptx
+++ b/doc/2025编译系统设计赛答辩.pptx
@@ -5,28 +5,26 @@
     <p:sldMasterId id="2147483648" r:id="rId1"/>
   </p:sldMasterIdLst>
   <p:notesMasterIdLst>
-    <p:notesMasterId r:id="rId21"/>
+    <p:notesMasterId r:id="rId19"/>
   </p:notesMasterIdLst>
   <p:sldIdLst>
     <p:sldId id="302" r:id="rId2"/>
     <p:sldId id="14012" r:id="rId3"/>
-    <p:sldId id="14017" r:id="rId4"/>
-    <p:sldId id="14016" r:id="rId5"/>
-    <p:sldId id="506" r:id="rId6"/>
-    <p:sldId id="14013" r:id="rId7"/>
-    <p:sldId id="14011" r:id="rId8"/>
-    <p:sldId id="258" r:id="rId9"/>
-    <p:sldId id="257" r:id="rId10"/>
-    <p:sldId id="504" r:id="rId11"/>
-    <p:sldId id="14014" r:id="rId12"/>
-    <p:sldId id="509" r:id="rId13"/>
-    <p:sldId id="13980" r:id="rId14"/>
-    <p:sldId id="13981" r:id="rId15"/>
-    <p:sldId id="14015" r:id="rId16"/>
-    <p:sldId id="14004" r:id="rId17"/>
-    <p:sldId id="13979" r:id="rId18"/>
-    <p:sldId id="14018" r:id="rId19"/>
-    <p:sldId id="503" r:id="rId20"/>
+    <p:sldId id="14016" r:id="rId4"/>
+    <p:sldId id="506" r:id="rId5"/>
+    <p:sldId id="14013" r:id="rId6"/>
+    <p:sldId id="14011" r:id="rId7"/>
+    <p:sldId id="258" r:id="rId8"/>
+    <p:sldId id="257" r:id="rId9"/>
+    <p:sldId id="504" r:id="rId10"/>
+    <p:sldId id="14014" r:id="rId11"/>
+    <p:sldId id="509" r:id="rId12"/>
+    <p:sldId id="13980" r:id="rId13"/>
+    <p:sldId id="13981" r:id="rId14"/>
+    <p:sldId id="14015" r:id="rId15"/>
+    <p:sldId id="14004" r:id="rId16"/>
+    <p:sldId id="13979" r:id="rId17"/>
+    <p:sldId id="503" r:id="rId18"/>
   </p:sldIdLst>
   <p:sldSz cx="12192000" cy="6858000"/>
   <p:notesSz cx="7104063" cy="10234613"/>
@@ -18718,7 +18716,7 @@
           <a:p>
             <a:pPr marL="0" marR="0" lvl="0" indent="0" algn="l" defTabSz="914400" rtl="0" eaLnBrk="1" fontAlgn="auto" latinLnBrk="0" hangingPunct="1">
               <a:lnSpc>
-                <a:spcPct val="150000"/>
+                <a:spcPct val="100000"/>
               </a:lnSpc>
               <a:spcBef>
                 <a:spcPts val="0"/>
@@ -18728,16 +18726,18 @@
               </a:spcAft>
               <a:buClrTx/>
               <a:buSzTx/>
-              <a:buFont typeface="Arial" panose="020B0604020202020204" pitchFamily="34" charset="0"/>
+              <a:buFontTx/>
               <a:buNone/>
               <a:defRPr/>
             </a:pPr>
-            <a:endParaRPr kumimoji="1" lang="zh-CN" altLang="en-US" sz="1200" dirty="0">
+            <a:endParaRPr lang="zh-CN" altLang="zh-CN" sz="1200" kern="1200" dirty="0">
               <a:solidFill>
-                <a:schemeClr val="bg1"/>
+                <a:schemeClr val="tx1"/>
               </a:solidFill>
-              <a:latin typeface="微软雅黑" panose="020B0503020204020204" pitchFamily="34" charset="-122"/>
-              <a:ea typeface="微软雅黑" panose="020B0503020204020204" pitchFamily="34" charset="-122"/>
+              <a:effectLst/>
+              <a:latin typeface="+mn-lt"/>
+              <a:ea typeface="+mn-ea"/>
+              <a:cs typeface="+mn-cs"/>
             </a:endParaRPr>
           </a:p>
         </p:txBody>
@@ -18932,7 +18932,7 @@
           <a:p>
             <a:pPr marL="0" marR="0" lvl="0" indent="0" algn="l" defTabSz="914400" rtl="0" eaLnBrk="1" fontAlgn="auto" latinLnBrk="0" hangingPunct="1">
               <a:lnSpc>
-                <a:spcPct val="100000"/>
+                <a:spcPct val="150000"/>
               </a:lnSpc>
               <a:spcBef>
                 <a:spcPts val="0"/>
@@ -18942,18 +18942,17 @@
               </a:spcAft>
               <a:buClrTx/>
               <a:buSzTx/>
-              <a:buFontTx/>
+              <a:buFont typeface="Arial" panose="020B0604020202090204" pitchFamily="34" charset="0"/>
               <a:buNone/>
+              <a:tabLst/>
               <a:defRPr/>
             </a:pPr>
-            <a:endParaRPr lang="zh-CN" altLang="zh-CN" sz="1200" kern="1200" dirty="0">
+            <a:endParaRPr kumimoji="1" lang="zh-CN" altLang="en-US" sz="1200" dirty="0">
               <a:solidFill>
-                <a:schemeClr val="tx1"/>
+                <a:schemeClr val="bg1"/>
               </a:solidFill>
-              <a:effectLst/>
-              <a:latin typeface="+mn-lt"/>
-              <a:ea typeface="+mn-ea"/>
-              <a:cs typeface="+mn-cs"/>
+              <a:latin typeface="Microsoft YaHei" panose="020B0503020204020204" pitchFamily="34" charset="-122"/>
+              <a:ea typeface="Microsoft YaHei" panose="020B0503020204020204" pitchFamily="34" charset="-122"/>
             </a:endParaRPr>
           </a:p>
         </p:txBody>
@@ -18982,6 +18981,11 @@
         </p:txBody>
       </p:sp>
     </p:spTree>
+    <p:extLst>
+      <p:ext uri="{BB962C8B-B14F-4D97-AF65-F5344CB8AC3E}">
+        <p14:creationId xmlns:p14="http://schemas.microsoft.com/office/powerpoint/2010/main" val="2916511397"/>
+      </p:ext>
+    </p:extLst>
   </p:cSld>
   <p:clrMapOvr>
     <a:masterClrMapping/>
@@ -19055,6 +19059,18 @@
               <a:tabLst/>
               <a:defRPr/>
             </a:pPr>
+            <a:r>
+              <a:rPr lang="zh-CN" altLang="en-US" sz="1200" b="0" i="0" kern="1200" dirty="0">
+                <a:solidFill>
+                  <a:schemeClr val="tx1"/>
+                </a:solidFill>
+                <a:effectLst/>
+                <a:latin typeface="+mn-lt"/>
+                <a:ea typeface="+mn-ea"/>
+                <a:cs typeface="+mn-cs"/>
+              </a:rPr>
+              <a:t>局部”（决策范围小、上下文有限）与“贪心”（当前点即时最优、无回溯、带有序回退）</a:t>
+            </a:r>
             <a:endParaRPr kumimoji="1" lang="zh-CN" altLang="en-US" sz="1200" dirty="0">
               <a:solidFill>
                 <a:schemeClr val="bg1"/>
@@ -19091,7 +19107,7 @@
     </p:spTree>
     <p:extLst>
       <p:ext uri="{BB962C8B-B14F-4D97-AF65-F5344CB8AC3E}">
-        <p14:creationId xmlns:p14="http://schemas.microsoft.com/office/powerpoint/2010/main" val="2916511397"/>
+        <p14:creationId xmlns:p14="http://schemas.microsoft.com/office/powerpoint/2010/main" val="2629168061"/>
       </p:ext>
     </p:extLst>
   </p:cSld>
@@ -19102,130 +19118,6 @@
 </file>
 
 <file path=ppt/notesSlides/notesSlide14.xml><?xml version="1.0" encoding="utf-8"?>
-<p:notes xmlns:a="http://schemas.openxmlformats.org/drawingml/2006/main" xmlns:r="http://schemas.openxmlformats.org/officeDocument/2006/relationships" xmlns:p="http://schemas.openxmlformats.org/presentationml/2006/main">
-  <p:cSld>
-    <p:spTree>
-      <p:nvGrpSpPr>
-        <p:cNvPr id="1" name=""/>
-        <p:cNvGrpSpPr/>
-        <p:nvPr/>
-      </p:nvGrpSpPr>
-      <p:grpSpPr>
-        <a:xfrm>
-          <a:off x="0" y="0"/>
-          <a:ext cx="0" cy="0"/>
-          <a:chOff x="0" y="0"/>
-          <a:chExt cx="0" cy="0"/>
-        </a:xfrm>
-      </p:grpSpPr>
-      <p:sp>
-        <p:nvSpPr>
-          <p:cNvPr id="2" name="幻灯片图像占位符 1"/>
-          <p:cNvSpPr>
-            <a:spLocks noGrp="1" noRot="1" noChangeAspect="1"/>
-          </p:cNvSpPr>
-          <p:nvPr>
-            <p:ph type="sldImg"/>
-          </p:nvPr>
-        </p:nvSpPr>
-        <p:spPr>
-          <a:xfrm>
-            <a:off x="481013" y="1279525"/>
-            <a:ext cx="6140450" cy="3454400"/>
-          </a:xfrm>
-        </p:spPr>
-      </p:sp>
-      <p:sp>
-        <p:nvSpPr>
-          <p:cNvPr id="3" name="备注占位符 2"/>
-          <p:cNvSpPr>
-            <a:spLocks noGrp="1"/>
-          </p:cNvSpPr>
-          <p:nvPr>
-            <p:ph type="body" idx="1"/>
-          </p:nvPr>
-        </p:nvSpPr>
-        <p:spPr/>
-        <p:txBody>
-          <a:bodyPr/>
-          <a:lstStyle/>
-          <a:p>
-            <a:pPr marL="0" marR="0" lvl="0" indent="0" algn="l" defTabSz="914400" rtl="0" eaLnBrk="1" fontAlgn="auto" latinLnBrk="0" hangingPunct="1">
-              <a:lnSpc>
-                <a:spcPct val="150000"/>
-              </a:lnSpc>
-              <a:spcBef>
-                <a:spcPts val="0"/>
-              </a:spcBef>
-              <a:spcAft>
-                <a:spcPts val="0"/>
-              </a:spcAft>
-              <a:buClrTx/>
-              <a:buSzTx/>
-              <a:buFont typeface="Arial" panose="020B0604020202090204" pitchFamily="34" charset="0"/>
-              <a:buNone/>
-              <a:tabLst/>
-              <a:defRPr/>
-            </a:pPr>
-            <a:r>
-              <a:rPr lang="zh-CN" altLang="en-US" sz="1200" b="0" i="0" kern="1200" dirty="0">
-                <a:solidFill>
-                  <a:schemeClr val="tx1"/>
-                </a:solidFill>
-                <a:effectLst/>
-                <a:latin typeface="+mn-lt"/>
-                <a:ea typeface="+mn-ea"/>
-                <a:cs typeface="+mn-cs"/>
-              </a:rPr>
-              <a:t>局部”（决策范围小、上下文有限）与“贪心”（当前点即时最优、无回溯、带有序回退）</a:t>
-            </a:r>
-            <a:endParaRPr kumimoji="1" lang="zh-CN" altLang="en-US" sz="1200" dirty="0">
-              <a:solidFill>
-                <a:schemeClr val="bg1"/>
-              </a:solidFill>
-              <a:latin typeface="Microsoft YaHei" panose="020B0503020204020204" pitchFamily="34" charset="-122"/>
-              <a:ea typeface="Microsoft YaHei" panose="020B0503020204020204" pitchFamily="34" charset="-122"/>
-            </a:endParaRPr>
-          </a:p>
-        </p:txBody>
-      </p:sp>
-      <p:sp>
-        <p:nvSpPr>
-          <p:cNvPr id="4" name="幻灯片编号占位符 3"/>
-          <p:cNvSpPr>
-            <a:spLocks noGrp="1"/>
-          </p:cNvSpPr>
-          <p:nvPr>
-            <p:ph type="sldNum" sz="quarter" idx="10"/>
-          </p:nvPr>
-        </p:nvSpPr>
-        <p:spPr/>
-        <p:txBody>
-          <a:bodyPr/>
-          <a:lstStyle/>
-          <a:p>
-            <a:fld id="{D6A4FA4F-9867-684F-8B57-47CD0A7C1CFD}" type="slidenum">
-              <a:rPr kumimoji="1" lang="zh-CN" altLang="en-US" smtClean="0"/>
-              <a:t>14</a:t>
-            </a:fld>
-            <a:endParaRPr kumimoji="1" lang="zh-CN" altLang="en-US"/>
-          </a:p>
-        </p:txBody>
-      </p:sp>
-    </p:spTree>
-    <p:extLst>
-      <p:ext uri="{BB962C8B-B14F-4D97-AF65-F5344CB8AC3E}">
-        <p14:creationId xmlns:p14="http://schemas.microsoft.com/office/powerpoint/2010/main" val="2629168061"/>
-      </p:ext>
-    </p:extLst>
-  </p:cSld>
-  <p:clrMapOvr>
-    <a:masterClrMapping/>
-  </p:clrMapOvr>
-</p:notes>
-</file>
-
-<file path=ppt/notesSlides/notesSlide15.xml><?xml version="1.0" encoding="utf-8"?>
 <p:notes xmlns:a="http://schemas.openxmlformats.org/drawingml/2006/main" xmlns:r="http://schemas.openxmlformats.org/officeDocument/2006/relationships" xmlns:p="http://schemas.openxmlformats.org/presentationml/2006/main">
   <p:cSld>
     <p:spTree>
@@ -19342,7 +19234,7 @@
           <a:p>
             <a:fld id="{D6A4FA4F-9867-684F-8B57-47CD0A7C1CFD}" type="slidenum">
               <a:rPr kumimoji="1" lang="zh-CN" altLang="en-US" smtClean="0"/>
-              <a:t>15</a:t>
+              <a:t>14</a:t>
             </a:fld>
             <a:endParaRPr kumimoji="1" lang="zh-CN" altLang="en-US"/>
           </a:p>
@@ -19361,7 +19253,7 @@
 </p:notes>
 </file>
 
-<file path=ppt/notesSlides/notesSlide16.xml><?xml version="1.0" encoding="utf-8"?>
+<file path=ppt/notesSlides/notesSlide15.xml><?xml version="1.0" encoding="utf-8"?>
 <p:notes xmlns:a="http://schemas.openxmlformats.org/drawingml/2006/main" xmlns:r="http://schemas.openxmlformats.org/officeDocument/2006/relationships" xmlns:p="http://schemas.openxmlformats.org/presentationml/2006/main">
   <p:cSld>
     <p:spTree>
@@ -19478,7 +19370,7 @@
           <a:p>
             <a:fld id="{D6A4FA4F-9867-684F-8B57-47CD0A7C1CFD}" type="slidenum">
               <a:rPr kumimoji="1" lang="zh-CN" altLang="en-US" smtClean="0"/>
-              <a:t>16</a:t>
+              <a:t>15</a:t>
             </a:fld>
             <a:endParaRPr kumimoji="1" lang="zh-CN" altLang="en-US"/>
           </a:p>
@@ -19497,7 +19389,7 @@
 </p:notes>
 </file>
 
-<file path=ppt/notesSlides/notesSlide17.xml><?xml version="1.0" encoding="utf-8"?>
+<file path=ppt/notesSlides/notesSlide16.xml><?xml version="1.0" encoding="utf-8"?>
 <p:notes xmlns:a="http://schemas.openxmlformats.org/drawingml/2006/main" xmlns:r="http://schemas.openxmlformats.org/officeDocument/2006/relationships" xmlns:p="http://schemas.openxmlformats.org/presentationml/2006/main">
   <p:cSld>
     <p:spTree>
@@ -19590,7 +19482,7 @@
           <a:p>
             <a:fld id="{D6A4FA4F-9867-684F-8B57-47CD0A7C1CFD}" type="slidenum">
               <a:rPr kumimoji="1" lang="zh-CN" altLang="en-US" smtClean="0"/>
-              <a:t>17</a:t>
+              <a:t>16</a:t>
             </a:fld>
             <a:endParaRPr kumimoji="1" lang="zh-CN" altLang="en-US"/>
           </a:p>
@@ -19609,142 +19501,7 @@
 </p:notes>
 </file>
 
-<file path=ppt/notesSlides/notesSlide18.xml><?xml version="1.0" encoding="utf-8"?>
-<p:notes xmlns:a="http://schemas.openxmlformats.org/drawingml/2006/main" xmlns:r="http://schemas.openxmlformats.org/officeDocument/2006/relationships" xmlns:p="http://schemas.openxmlformats.org/presentationml/2006/main">
-  <p:cSld>
-    <p:spTree>
-      <p:nvGrpSpPr>
-        <p:cNvPr id="1" name="">
-          <a:extLst>
-            <a:ext uri="{FF2B5EF4-FFF2-40B4-BE49-F238E27FC236}">
-              <a16:creationId xmlns:a16="http://schemas.microsoft.com/office/drawing/2014/main" id="{B1748590-2AC6-EF06-F2C0-2B8EADD23D93}"/>
-            </a:ext>
-          </a:extLst>
-        </p:cNvPr>
-        <p:cNvGrpSpPr/>
-        <p:nvPr/>
-      </p:nvGrpSpPr>
-      <p:grpSpPr>
-        <a:xfrm>
-          <a:off x="0" y="0"/>
-          <a:ext cx="0" cy="0"/>
-          <a:chOff x="0" y="0"/>
-          <a:chExt cx="0" cy="0"/>
-        </a:xfrm>
-      </p:grpSpPr>
-      <p:sp>
-        <p:nvSpPr>
-          <p:cNvPr id="2" name="幻灯片图像占位符 1">
-            <a:extLst>
-              <a:ext uri="{FF2B5EF4-FFF2-40B4-BE49-F238E27FC236}">
-                <a16:creationId xmlns:a16="http://schemas.microsoft.com/office/drawing/2014/main" id="{7CBA1658-3CD5-BB14-0338-19DDDF1634DF}"/>
-              </a:ext>
-            </a:extLst>
-          </p:cNvPr>
-          <p:cNvSpPr>
-            <a:spLocks noGrp="1" noRot="1" noChangeAspect="1"/>
-          </p:cNvSpPr>
-          <p:nvPr>
-            <p:ph type="sldImg"/>
-          </p:nvPr>
-        </p:nvSpPr>
-        <p:spPr>
-          <a:xfrm>
-            <a:off x="481013" y="1279525"/>
-            <a:ext cx="6140450" cy="3454400"/>
-          </a:xfrm>
-        </p:spPr>
-      </p:sp>
-      <p:sp>
-        <p:nvSpPr>
-          <p:cNvPr id="3" name="备注占位符 2">
-            <a:extLst>
-              <a:ext uri="{FF2B5EF4-FFF2-40B4-BE49-F238E27FC236}">
-                <a16:creationId xmlns:a16="http://schemas.microsoft.com/office/drawing/2014/main" id="{E89DBD9D-C98F-42D3-AA5F-CFB61383307B}"/>
-              </a:ext>
-            </a:extLst>
-          </p:cNvPr>
-          <p:cNvSpPr>
-            <a:spLocks noGrp="1"/>
-          </p:cNvSpPr>
-          <p:nvPr>
-            <p:ph type="body" idx="1"/>
-          </p:nvPr>
-        </p:nvSpPr>
-        <p:spPr/>
-        <p:txBody>
-          <a:bodyPr/>
-          <a:lstStyle/>
-          <a:p>
-            <a:pPr marL="0" marR="0" lvl="0" indent="0" algn="l" defTabSz="914400" rtl="0" eaLnBrk="1" fontAlgn="auto" latinLnBrk="0" hangingPunct="1">
-              <a:lnSpc>
-                <a:spcPct val="150000"/>
-              </a:lnSpc>
-              <a:spcBef>
-                <a:spcPts val="0"/>
-              </a:spcBef>
-              <a:spcAft>
-                <a:spcPts val="0"/>
-              </a:spcAft>
-              <a:buClrTx/>
-              <a:buSzTx/>
-              <a:buFont typeface="Arial" panose="020B0604020202020204" pitchFamily="34" charset="0"/>
-              <a:buNone/>
-              <a:defRPr/>
-            </a:pPr>
-            <a:endParaRPr kumimoji="1" lang="zh-CN" altLang="en-US" sz="1200" dirty="0">
-              <a:solidFill>
-                <a:schemeClr val="bg1"/>
-              </a:solidFill>
-              <a:latin typeface="微软雅黑" panose="020B0503020204020204" charset="-122"/>
-              <a:ea typeface="微软雅黑" panose="020B0503020204020204" charset="-122"/>
-            </a:endParaRPr>
-          </a:p>
-        </p:txBody>
-      </p:sp>
-      <p:sp>
-        <p:nvSpPr>
-          <p:cNvPr id="4" name="幻灯片编号占位符 3">
-            <a:extLst>
-              <a:ext uri="{FF2B5EF4-FFF2-40B4-BE49-F238E27FC236}">
-                <a16:creationId xmlns:a16="http://schemas.microsoft.com/office/drawing/2014/main" id="{60F9FE92-FA3B-F0F1-6019-F3C6E11A632C}"/>
-              </a:ext>
-            </a:extLst>
-          </p:cNvPr>
-          <p:cNvSpPr>
-            <a:spLocks noGrp="1"/>
-          </p:cNvSpPr>
-          <p:nvPr>
-            <p:ph type="sldNum" sz="quarter" idx="10"/>
-          </p:nvPr>
-        </p:nvSpPr>
-        <p:spPr/>
-        <p:txBody>
-          <a:bodyPr/>
-          <a:lstStyle/>
-          <a:p>
-            <a:fld id="{D6A4FA4F-9867-684F-8B57-47CD0A7C1CFD}" type="slidenum">
-              <a:rPr kumimoji="1" lang="zh-CN" altLang="en-US" smtClean="0"/>
-              <a:t>18</a:t>
-            </a:fld>
-            <a:endParaRPr kumimoji="1" lang="zh-CN" altLang="en-US"/>
-          </a:p>
-        </p:txBody>
-      </p:sp>
-    </p:spTree>
-    <p:extLst>
-      <p:ext uri="{BB962C8B-B14F-4D97-AF65-F5344CB8AC3E}">
-        <p14:creationId xmlns:p14="http://schemas.microsoft.com/office/powerpoint/2010/main" val="394340353"/>
-      </p:ext>
-    </p:extLst>
-  </p:cSld>
-  <p:clrMapOvr>
-    <a:masterClrMapping/>
-  </p:clrMapOvr>
-</p:notes>
-</file>
-
-<file path=ppt/notesSlides/notesSlide19.xml><?xml version="1.0" encoding="utf-8"?>
+<file path=ppt/notesSlides/notesSlide17.xml><?xml version="1.0" encoding="utf-8"?>
 <p:notes xmlns:a="http://schemas.openxmlformats.org/drawingml/2006/main" xmlns:r="http://schemas.openxmlformats.org/officeDocument/2006/relationships" xmlns:p="http://schemas.openxmlformats.org/presentationml/2006/main">
   <p:cSld>
     <p:spTree>
@@ -19838,7 +19595,7 @@
           <a:p>
             <a:fld id="{D6A4FA4F-9867-684F-8B57-47CD0A7C1CFD}" type="slidenum">
               <a:rPr kumimoji="1" lang="zh-CN" altLang="en-US" smtClean="0"/>
-              <a:t>19</a:t>
+              <a:t>17</a:t>
             </a:fld>
             <a:endParaRPr kumimoji="1" lang="zh-CN" altLang="en-US"/>
           </a:p>
@@ -20001,141 +19758,6 @@
         <p:cNvPr id="1" name="">
           <a:extLst>
             <a:ext uri="{FF2B5EF4-FFF2-40B4-BE49-F238E27FC236}">
-              <a16:creationId xmlns:a16="http://schemas.microsoft.com/office/drawing/2014/main" id="{1DB63709-18A0-3272-5C7A-7C814FEA1DBE}"/>
-            </a:ext>
-          </a:extLst>
-        </p:cNvPr>
-        <p:cNvGrpSpPr/>
-        <p:nvPr/>
-      </p:nvGrpSpPr>
-      <p:grpSpPr>
-        <a:xfrm>
-          <a:off x="0" y="0"/>
-          <a:ext cx="0" cy="0"/>
-          <a:chOff x="0" y="0"/>
-          <a:chExt cx="0" cy="0"/>
-        </a:xfrm>
-      </p:grpSpPr>
-      <p:sp>
-        <p:nvSpPr>
-          <p:cNvPr id="2" name="幻灯片图像占位符 1">
-            <a:extLst>
-              <a:ext uri="{FF2B5EF4-FFF2-40B4-BE49-F238E27FC236}">
-                <a16:creationId xmlns:a16="http://schemas.microsoft.com/office/drawing/2014/main" id="{6BE4A3D8-97D0-BE12-4330-4F58593A11F3}"/>
-              </a:ext>
-            </a:extLst>
-          </p:cNvPr>
-          <p:cNvSpPr>
-            <a:spLocks noGrp="1" noRot="1" noChangeAspect="1"/>
-          </p:cNvSpPr>
-          <p:nvPr>
-            <p:ph type="sldImg"/>
-          </p:nvPr>
-        </p:nvSpPr>
-        <p:spPr>
-          <a:xfrm>
-            <a:off x="481013" y="1279525"/>
-            <a:ext cx="6140450" cy="3454400"/>
-          </a:xfrm>
-        </p:spPr>
-      </p:sp>
-      <p:sp>
-        <p:nvSpPr>
-          <p:cNvPr id="3" name="备注占位符 2">
-            <a:extLst>
-              <a:ext uri="{FF2B5EF4-FFF2-40B4-BE49-F238E27FC236}">
-                <a16:creationId xmlns:a16="http://schemas.microsoft.com/office/drawing/2014/main" id="{910D5385-3014-54FB-A937-B4C2E94CF9E6}"/>
-              </a:ext>
-            </a:extLst>
-          </p:cNvPr>
-          <p:cNvSpPr>
-            <a:spLocks noGrp="1"/>
-          </p:cNvSpPr>
-          <p:nvPr>
-            <p:ph type="body" idx="1"/>
-          </p:nvPr>
-        </p:nvSpPr>
-        <p:spPr/>
-        <p:txBody>
-          <a:bodyPr/>
-          <a:lstStyle/>
-          <a:p>
-            <a:pPr marL="0" marR="0" lvl="0" indent="0" algn="l" defTabSz="914400" rtl="0" eaLnBrk="1" fontAlgn="auto" latinLnBrk="0" hangingPunct="1">
-              <a:lnSpc>
-                <a:spcPct val="150000"/>
-              </a:lnSpc>
-              <a:spcBef>
-                <a:spcPts val="0"/>
-              </a:spcBef>
-              <a:spcAft>
-                <a:spcPts val="0"/>
-              </a:spcAft>
-              <a:buClrTx/>
-              <a:buSzTx/>
-              <a:buFont typeface="Arial" panose="020B0604020202020204" pitchFamily="34" charset="0"/>
-              <a:buNone/>
-              <a:defRPr/>
-            </a:pPr>
-            <a:endParaRPr kumimoji="1" lang="zh-CN" altLang="en-US" sz="1200" dirty="0">
-              <a:solidFill>
-                <a:schemeClr val="bg1"/>
-              </a:solidFill>
-              <a:latin typeface="微软雅黑" panose="020B0503020204020204" charset="-122"/>
-              <a:ea typeface="微软雅黑" panose="020B0503020204020204" charset="-122"/>
-            </a:endParaRPr>
-          </a:p>
-        </p:txBody>
-      </p:sp>
-      <p:sp>
-        <p:nvSpPr>
-          <p:cNvPr id="4" name="幻灯片编号占位符 3">
-            <a:extLst>
-              <a:ext uri="{FF2B5EF4-FFF2-40B4-BE49-F238E27FC236}">
-                <a16:creationId xmlns:a16="http://schemas.microsoft.com/office/drawing/2014/main" id="{513E7BD2-F3F8-780E-324B-EB6313F4EDA0}"/>
-              </a:ext>
-            </a:extLst>
-          </p:cNvPr>
-          <p:cNvSpPr>
-            <a:spLocks noGrp="1"/>
-          </p:cNvSpPr>
-          <p:nvPr>
-            <p:ph type="sldNum" sz="quarter" idx="10"/>
-          </p:nvPr>
-        </p:nvSpPr>
-        <p:spPr/>
-        <p:txBody>
-          <a:bodyPr/>
-          <a:lstStyle/>
-          <a:p>
-            <a:fld id="{D6A4FA4F-9867-684F-8B57-47CD0A7C1CFD}" type="slidenum">
-              <a:rPr kumimoji="1" lang="zh-CN" altLang="en-US" smtClean="0"/>
-              <a:t>3</a:t>
-            </a:fld>
-            <a:endParaRPr kumimoji="1" lang="zh-CN" altLang="en-US"/>
-          </a:p>
-        </p:txBody>
-      </p:sp>
-    </p:spTree>
-    <p:extLst>
-      <p:ext uri="{BB962C8B-B14F-4D97-AF65-F5344CB8AC3E}">
-        <p14:creationId xmlns:p14="http://schemas.microsoft.com/office/powerpoint/2010/main" val="2732750430"/>
-      </p:ext>
-    </p:extLst>
-  </p:cSld>
-  <p:clrMapOvr>
-    <a:masterClrMapping/>
-  </p:clrMapOvr>
-</p:notes>
-</file>
-
-<file path=ppt/notesSlides/notesSlide4.xml><?xml version="1.0" encoding="utf-8"?>
-<p:notes xmlns:a="http://schemas.openxmlformats.org/drawingml/2006/main" xmlns:r="http://schemas.openxmlformats.org/officeDocument/2006/relationships" xmlns:p="http://schemas.openxmlformats.org/presentationml/2006/main">
-  <p:cSld>
-    <p:spTree>
-      <p:nvGrpSpPr>
-        <p:cNvPr id="1" name="">
-          <a:extLst>
-            <a:ext uri="{FF2B5EF4-FFF2-40B4-BE49-F238E27FC236}">
               <a16:creationId xmlns:a16="http://schemas.microsoft.com/office/drawing/2014/main" id="{7BB170DE-0A9B-3F3A-2746-A9723822543A}"/>
             </a:ext>
           </a:extLst>
@@ -20244,7 +19866,7 @@
           <a:p>
             <a:fld id="{D6A4FA4F-9867-684F-8B57-47CD0A7C1CFD}" type="slidenum">
               <a:rPr kumimoji="1" lang="zh-CN" altLang="en-US" smtClean="0"/>
-              <a:t>4</a:t>
+              <a:t>3</a:t>
             </a:fld>
             <a:endParaRPr kumimoji="1" lang="zh-CN" altLang="en-US"/>
           </a:p>
@@ -20263,7 +19885,7 @@
 </p:notes>
 </file>
 
-<file path=ppt/notesSlides/notesSlide5.xml><?xml version="1.0" encoding="utf-8"?>
+<file path=ppt/notesSlides/notesSlide4.xml><?xml version="1.0" encoding="utf-8"?>
 <p:notes xmlns:a="http://schemas.openxmlformats.org/drawingml/2006/main" xmlns:r="http://schemas.openxmlformats.org/officeDocument/2006/relationships" xmlns:p="http://schemas.openxmlformats.org/presentationml/2006/main">
   <p:cSld>
     <p:spTree>
@@ -20355,7 +19977,7 @@
           <a:p>
             <a:fld id="{D6A4FA4F-9867-684F-8B57-47CD0A7C1CFD}" type="slidenum">
               <a:rPr kumimoji="1" lang="zh-CN" altLang="en-US" smtClean="0"/>
-              <a:t>5</a:t>
+              <a:t>4</a:t>
             </a:fld>
             <a:endParaRPr kumimoji="1" lang="zh-CN" altLang="en-US"/>
           </a:p>
@@ -20369,7 +19991,7 @@
 </p:notes>
 </file>
 
-<file path=ppt/notesSlides/notesSlide6.xml><?xml version="1.0" encoding="utf-8"?>
+<file path=ppt/notesSlides/notesSlide5.xml><?xml version="1.0" encoding="utf-8"?>
 <p:notes xmlns:a="http://schemas.openxmlformats.org/drawingml/2006/main" xmlns:r="http://schemas.openxmlformats.org/officeDocument/2006/relationships" xmlns:p="http://schemas.openxmlformats.org/presentationml/2006/main">
   <p:cSld>
     <p:spTree>
@@ -20463,7 +20085,7 @@
           <a:p>
             <a:fld id="{D6A4FA4F-9867-684F-8B57-47CD0A7C1CFD}" type="slidenum">
               <a:rPr kumimoji="1" lang="zh-CN" altLang="en-US" smtClean="0"/>
-              <a:t>6</a:t>
+              <a:t>5</a:t>
             </a:fld>
             <a:endParaRPr kumimoji="1" lang="zh-CN" altLang="en-US"/>
           </a:p>
@@ -20477,7 +20099,7 @@
 </p:notes>
 </file>
 
-<file path=ppt/notesSlides/notesSlide7.xml><?xml version="1.0" encoding="utf-8"?>
+<file path=ppt/notesSlides/notesSlide6.xml><?xml version="1.0" encoding="utf-8"?>
 <p:notes xmlns:a="http://schemas.openxmlformats.org/drawingml/2006/main" xmlns:r="http://schemas.openxmlformats.org/officeDocument/2006/relationships" xmlns:p="http://schemas.openxmlformats.org/presentationml/2006/main">
   <p:cSld>
     <p:spTree>
@@ -20594,7 +20216,7 @@
           <a:p>
             <a:fld id="{D6A4FA4F-9867-684F-8B57-47CD0A7C1CFD}" type="slidenum">
               <a:rPr kumimoji="1" lang="zh-CN" altLang="en-US" smtClean="0"/>
-              <a:t>7</a:t>
+              <a:t>6</a:t>
             </a:fld>
             <a:endParaRPr kumimoji="1" lang="zh-CN" altLang="en-US"/>
           </a:p>
@@ -20606,6 +20228,112 @@
         <p14:creationId xmlns:p14="http://schemas.microsoft.com/office/powerpoint/2010/main" val="439938952"/>
       </p:ext>
     </p:extLst>
+  </p:cSld>
+  <p:clrMapOvr>
+    <a:masterClrMapping/>
+  </p:clrMapOvr>
+</p:notes>
+</file>
+
+<file path=ppt/notesSlides/notesSlide7.xml><?xml version="1.0" encoding="utf-8"?>
+<p:notes xmlns:a="http://schemas.openxmlformats.org/drawingml/2006/main" xmlns:r="http://schemas.openxmlformats.org/officeDocument/2006/relationships" xmlns:p="http://schemas.openxmlformats.org/presentationml/2006/main">
+  <p:cSld>
+    <p:spTree>
+      <p:nvGrpSpPr>
+        <p:cNvPr id="1" name=""/>
+        <p:cNvGrpSpPr/>
+        <p:nvPr/>
+      </p:nvGrpSpPr>
+      <p:grpSpPr>
+        <a:xfrm>
+          <a:off x="0" y="0"/>
+          <a:ext cx="0" cy="0"/>
+          <a:chOff x="0" y="0"/>
+          <a:chExt cx="0" cy="0"/>
+        </a:xfrm>
+      </p:grpSpPr>
+      <p:sp>
+        <p:nvSpPr>
+          <p:cNvPr id="2" name="幻灯片图像占位符 1"/>
+          <p:cNvSpPr>
+            <a:spLocks noGrp="1" noRot="1" noChangeAspect="1"/>
+          </p:cNvSpPr>
+          <p:nvPr>
+            <p:ph type="sldImg"/>
+          </p:nvPr>
+        </p:nvSpPr>
+        <p:spPr>
+          <a:xfrm>
+            <a:off x="481013" y="1279525"/>
+            <a:ext cx="6140450" cy="3454400"/>
+          </a:xfrm>
+        </p:spPr>
+      </p:sp>
+      <p:sp>
+        <p:nvSpPr>
+          <p:cNvPr id="3" name="备注占位符 2"/>
+          <p:cNvSpPr>
+            <a:spLocks noGrp="1"/>
+          </p:cNvSpPr>
+          <p:nvPr>
+            <p:ph type="body" idx="1"/>
+          </p:nvPr>
+        </p:nvSpPr>
+        <p:spPr/>
+        <p:txBody>
+          <a:bodyPr/>
+          <a:lstStyle/>
+          <a:p>
+            <a:pPr marL="0" marR="0" lvl="0" indent="0" algn="l" defTabSz="914400" rtl="0" eaLnBrk="1" fontAlgn="auto" latinLnBrk="0" hangingPunct="1">
+              <a:lnSpc>
+                <a:spcPct val="150000"/>
+              </a:lnSpc>
+              <a:spcBef>
+                <a:spcPts val="0"/>
+              </a:spcBef>
+              <a:spcAft>
+                <a:spcPts val="0"/>
+              </a:spcAft>
+              <a:buClrTx/>
+              <a:buSzTx/>
+              <a:buFont typeface="Arial" panose="020B0604020202020204" pitchFamily="34" charset="0"/>
+              <a:buNone/>
+              <a:defRPr/>
+            </a:pPr>
+            <a:endParaRPr kumimoji="1" lang="zh-CN" altLang="en-US" sz="1200" dirty="0">
+              <a:solidFill>
+                <a:schemeClr val="bg1"/>
+              </a:solidFill>
+              <a:latin typeface="微软雅黑" panose="020B0503020204020204" charset="-122"/>
+              <a:ea typeface="微软雅黑" panose="020B0503020204020204" charset="-122"/>
+            </a:endParaRPr>
+          </a:p>
+        </p:txBody>
+      </p:sp>
+      <p:sp>
+        <p:nvSpPr>
+          <p:cNvPr id="4" name="幻灯片编号占位符 3"/>
+          <p:cNvSpPr>
+            <a:spLocks noGrp="1"/>
+          </p:cNvSpPr>
+          <p:nvPr>
+            <p:ph type="sldNum" sz="quarter" idx="10"/>
+          </p:nvPr>
+        </p:nvSpPr>
+        <p:spPr/>
+        <p:txBody>
+          <a:bodyPr/>
+          <a:lstStyle/>
+          <a:p>
+            <a:fld id="{D6A4FA4F-9867-684F-8B57-47CD0A7C1CFD}" type="slidenum">
+              <a:rPr kumimoji="1" lang="zh-CN" altLang="en-US" smtClean="0"/>
+              <a:t>7</a:t>
+            </a:fld>
+            <a:endParaRPr kumimoji="1" lang="zh-CN" altLang="en-US"/>
+          </a:p>
+        </p:txBody>
+      </p:sp>
+    </p:spTree>
   </p:cSld>
   <p:clrMapOvr>
     <a:masterClrMapping/>
@@ -20788,8 +20516,8 @@
               <a:solidFill>
                 <a:schemeClr val="bg1"/>
               </a:solidFill>
-              <a:latin typeface="微软雅黑" panose="020B0503020204020204" charset="-122"/>
-              <a:ea typeface="微软雅黑" panose="020B0503020204020204" charset="-122"/>
+              <a:latin typeface="微软雅黑" panose="020B0503020204020204" pitchFamily="34" charset="-122"/>
+              <a:ea typeface="微软雅黑" panose="020B0503020204020204" pitchFamily="34" charset="-122"/>
             </a:endParaRPr>
           </a:p>
         </p:txBody>
@@ -23877,71 +23605,6 @@
       </p:grpSpPr>
       <p:sp>
         <p:nvSpPr>
-          <p:cNvPr id="103" name="文本框 102"/>
-          <p:cNvSpPr txBox="1"/>
-          <p:nvPr/>
-        </p:nvSpPr>
-        <p:spPr>
-          <a:xfrm>
-            <a:off x="1540423" y="2360346"/>
-            <a:ext cx="8874438" cy="1568450"/>
-          </a:xfrm>
-          <a:prstGeom prst="rect">
-            <a:avLst/>
-          </a:prstGeom>
-          <a:solidFill>
-            <a:srgbClr val="C00000">
-              <a:alpha val="58039"/>
-            </a:srgbClr>
-          </a:solidFill>
-        </p:spPr>
-        <p:txBody>
-          <a:bodyPr wrap="square" rtlCol="0">
-            <a:spAutoFit/>
-          </a:bodyPr>
-          <a:lstStyle/>
-          <a:p>
-            <a:pPr algn="ctr"/>
-            <a:r>
-              <a:rPr kumimoji="1" lang="zh-CN" altLang="en-US" sz="9600" dirty="0">
-                <a:solidFill>
-                  <a:schemeClr val="bg1"/>
-                </a:solidFill>
-                <a:latin typeface="微软雅黑" panose="020B0503020204020204" pitchFamily="34" charset="-122"/>
-                <a:ea typeface="微软雅黑" panose="020B0503020204020204" pitchFamily="34" charset="-122"/>
-              </a:rPr>
-              <a:t>中间代码优化</a:t>
-            </a:r>
-          </a:p>
-        </p:txBody>
-      </p:sp>
-    </p:spTree>
-  </p:cSld>
-  <p:clrMapOvr>
-    <a:masterClrMapping/>
-  </p:clrMapOvr>
-</p:sld>
-</file>
-
-<file path=ppt/slides/slide11.xml><?xml version="1.0" encoding="utf-8"?>
-<p:sld xmlns:a="http://schemas.openxmlformats.org/drawingml/2006/main" xmlns:r="http://schemas.openxmlformats.org/officeDocument/2006/relationships" xmlns:p="http://schemas.openxmlformats.org/presentationml/2006/main">
-  <p:cSld>
-    <p:spTree>
-      <p:nvGrpSpPr>
-        <p:cNvPr id="1" name=""/>
-        <p:cNvGrpSpPr/>
-        <p:nvPr/>
-      </p:nvGrpSpPr>
-      <p:grpSpPr>
-        <a:xfrm>
-          <a:off x="0" y="0"/>
-          <a:ext cx="0" cy="0"/>
-          <a:chOff x="0" y="0"/>
-          <a:chExt cx="0" cy="0"/>
-        </a:xfrm>
-      </p:grpSpPr>
-      <p:sp>
-        <p:nvSpPr>
           <p:cNvPr id="106" name="流程图: 过程 52"/>
           <p:cNvSpPr/>
           <p:nvPr/>
@@ -24615,7 +24278,7 @@
 </p:sld>
 </file>
 
-<file path=ppt/slides/slide12.xml><?xml version="1.0" encoding="utf-8"?>
+<file path=ppt/slides/slide11.xml><?xml version="1.0" encoding="utf-8"?>
 <p:sld xmlns:a="http://schemas.openxmlformats.org/drawingml/2006/main" xmlns:r="http://schemas.openxmlformats.org/officeDocument/2006/relationships" xmlns:p="http://schemas.openxmlformats.org/presentationml/2006/main">
   <p:cSld>
     <p:spTree>
@@ -26263,7 +25926,7 @@
 </p:sld>
 </file>
 
-<file path=ppt/slides/slide13.xml><?xml version="1.0" encoding="utf-8"?>
+<file path=ppt/slides/slide12.xml><?xml version="1.0" encoding="utf-8"?>
 <p:sld xmlns:a="http://schemas.openxmlformats.org/drawingml/2006/main" xmlns:r="http://schemas.openxmlformats.org/officeDocument/2006/relationships" xmlns:p="http://schemas.openxmlformats.org/presentationml/2006/main">
   <p:cSld>
     <p:spTree>
@@ -26339,7 +26002,7 @@
 </p:sld>
 </file>
 
-<file path=ppt/slides/slide14.xml><?xml version="1.0" encoding="utf-8"?>
+<file path=ppt/slides/slide13.xml><?xml version="1.0" encoding="utf-8"?>
 <p:sld xmlns:a="http://schemas.openxmlformats.org/drawingml/2006/main" xmlns:r="http://schemas.openxmlformats.org/officeDocument/2006/relationships" xmlns:p="http://schemas.openxmlformats.org/presentationml/2006/main">
   <p:cSld>
     <p:spTree>
@@ -26971,110 +26634,102 @@
         </p:nvSpPr>
         <p:spPr>
           <a:xfrm>
-            <a:off x="217716" y="1388439"/>
-            <a:ext cx="11538422" cy="677108"/>
+            <a:off x="508000" y="1435287"/>
+            <a:ext cx="10792440" cy="677108"/>
           </a:xfrm>
           <a:custGeom>
             <a:avLst/>
             <a:gdLst>
-              <a:gd name="connsiteX0" fmla="*/ 0 w 11538422"/>
+              <a:gd name="connsiteX0" fmla="*/ 0 w 10792440"/>
               <a:gd name="connsiteY0" fmla="*/ 0 h 677108"/>
-              <a:gd name="connsiteX1" fmla="*/ 461537 w 11538422"/>
+              <a:gd name="connsiteX1" fmla="*/ 491656 w 10792440"/>
               <a:gd name="connsiteY1" fmla="*/ 0 h 677108"/>
-              <a:gd name="connsiteX2" fmla="*/ 692305 w 11538422"/>
+              <a:gd name="connsiteX2" fmla="*/ 767462 w 10792440"/>
               <a:gd name="connsiteY2" fmla="*/ 0 h 677108"/>
-              <a:gd name="connsiteX3" fmla="*/ 1499995 w 11538422"/>
+              <a:gd name="connsiteX3" fmla="*/ 1582891 w 10792440"/>
               <a:gd name="connsiteY3" fmla="*/ 0 h 677108"/>
-              <a:gd name="connsiteX4" fmla="*/ 1961532 w 11538422"/>
+              <a:gd name="connsiteX4" fmla="*/ 2074547 w 10792440"/>
               <a:gd name="connsiteY4" fmla="*/ 0 h 677108"/>
-              <a:gd name="connsiteX5" fmla="*/ 2423069 w 11538422"/>
+              <a:gd name="connsiteX5" fmla="*/ 2566202 w 10792440"/>
               <a:gd name="connsiteY5" fmla="*/ 0 h 677108"/>
-              <a:gd name="connsiteX6" fmla="*/ 3230758 w 11538422"/>
+              <a:gd name="connsiteX6" fmla="*/ 3381631 w 10792440"/>
               <a:gd name="connsiteY6" fmla="*/ 0 h 677108"/>
-              <a:gd name="connsiteX7" fmla="*/ 3576911 w 11538422"/>
+              <a:gd name="connsiteX7" fmla="*/ 3765362 w 10792440"/>
               <a:gd name="connsiteY7" fmla="*/ 0 h 677108"/>
-              <a:gd name="connsiteX8" fmla="*/ 4384600 w 11538422"/>
+              <a:gd name="connsiteX8" fmla="*/ 4580791 w 10792440"/>
               <a:gd name="connsiteY8" fmla="*/ 0 h 677108"/>
-              <a:gd name="connsiteX9" fmla="*/ 5192290 w 11538422"/>
+              <a:gd name="connsiteX9" fmla="*/ 5396220 w 10792440"/>
               <a:gd name="connsiteY9" fmla="*/ 0 h 677108"/>
-              <a:gd name="connsiteX10" fmla="*/ 5769211 w 11538422"/>
+              <a:gd name="connsiteX10" fmla="*/ 5995800 w 10792440"/>
               <a:gd name="connsiteY10" fmla="*/ 0 h 677108"/>
-              <a:gd name="connsiteX11" fmla="*/ 6576901 w 11538422"/>
+              <a:gd name="connsiteX11" fmla="*/ 6811229 w 10792440"/>
               <a:gd name="connsiteY11" fmla="*/ 0 h 677108"/>
-              <a:gd name="connsiteX12" fmla="*/ 7038437 w 11538422"/>
+              <a:gd name="connsiteX12" fmla="*/ 7302884 w 10792440"/>
               <a:gd name="connsiteY12" fmla="*/ 0 h 677108"/>
-              <a:gd name="connsiteX13" fmla="*/ 7499974 w 11538422"/>
+              <a:gd name="connsiteX13" fmla="*/ 7794540 w 10792440"/>
               <a:gd name="connsiteY13" fmla="*/ 0 h 677108"/>
-              <a:gd name="connsiteX14" fmla="*/ 8192280 w 11538422"/>
+              <a:gd name="connsiteX14" fmla="*/ 8502044 w 10792440"/>
               <a:gd name="connsiteY14" fmla="*/ 0 h 677108"/>
-              <a:gd name="connsiteX15" fmla="*/ 8653817 w 11538422"/>
+              <a:gd name="connsiteX15" fmla="*/ 8993700 w 10792440"/>
               <a:gd name="connsiteY15" fmla="*/ 0 h 677108"/>
-              <a:gd name="connsiteX16" fmla="*/ 9461506 w 11538422"/>
+              <a:gd name="connsiteX16" fmla="*/ 9809129 w 10792440"/>
               <a:gd name="connsiteY16" fmla="*/ 0 h 677108"/>
-              <a:gd name="connsiteX17" fmla="*/ 10269196 w 11538422"/>
+              <a:gd name="connsiteX17" fmla="*/ 10792440 w 10792440"/>
               <a:gd name="connsiteY17" fmla="*/ 0 h 677108"/>
-              <a:gd name="connsiteX18" fmla="*/ 10846117 w 11538422"/>
-              <a:gd name="connsiteY18" fmla="*/ 0 h 677108"/>
-              <a:gd name="connsiteX19" fmla="*/ 11538422 w 11538422"/>
-              <a:gd name="connsiteY19" fmla="*/ 0 h 677108"/>
-              <a:gd name="connsiteX20" fmla="*/ 11538422 w 11538422"/>
-              <a:gd name="connsiteY20" fmla="*/ 318241 h 677108"/>
-              <a:gd name="connsiteX21" fmla="*/ 11538422 w 11538422"/>
+              <a:gd name="connsiteX18" fmla="*/ 10792440 w 10792440"/>
+              <a:gd name="connsiteY18" fmla="*/ 338554 h 677108"/>
+              <a:gd name="connsiteX19" fmla="*/ 10792440 w 10792440"/>
+              <a:gd name="connsiteY19" fmla="*/ 677108 h 677108"/>
+              <a:gd name="connsiteX20" fmla="*/ 10516633 w 10792440"/>
+              <a:gd name="connsiteY20" fmla="*/ 677108 h 677108"/>
+              <a:gd name="connsiteX21" fmla="*/ 9701204 w 10792440"/>
               <a:gd name="connsiteY21" fmla="*/ 677108 h 677108"/>
-              <a:gd name="connsiteX22" fmla="*/ 10846117 w 11538422"/>
+              <a:gd name="connsiteX22" fmla="*/ 9101624 w 10792440"/>
               <a:gd name="connsiteY22" fmla="*/ 677108 h 677108"/>
-              <a:gd name="connsiteX23" fmla="*/ 10499964 w 11538422"/>
+              <a:gd name="connsiteX23" fmla="*/ 8717893 w 10792440"/>
               <a:gd name="connsiteY23" fmla="*/ 677108 h 677108"/>
-              <a:gd name="connsiteX24" fmla="*/ 9923043 w 11538422"/>
+              <a:gd name="connsiteX24" fmla="*/ 8118313 w 10792440"/>
               <a:gd name="connsiteY24" fmla="*/ 677108 h 677108"/>
-              <a:gd name="connsiteX25" fmla="*/ 9692274 w 11538422"/>
+              <a:gd name="connsiteX25" fmla="*/ 7842506 w 10792440"/>
               <a:gd name="connsiteY25" fmla="*/ 677108 h 677108"/>
-              <a:gd name="connsiteX26" fmla="*/ 9461506 w 11538422"/>
+              <a:gd name="connsiteX26" fmla="*/ 7566700 w 10792440"/>
               <a:gd name="connsiteY26" fmla="*/ 677108 h 677108"/>
-              <a:gd name="connsiteX27" fmla="*/ 8884585 w 11538422"/>
+              <a:gd name="connsiteX27" fmla="*/ 6967120 w 10792440"/>
               <a:gd name="connsiteY27" fmla="*/ 677108 h 677108"/>
-              <a:gd name="connsiteX28" fmla="*/ 8538432 w 11538422"/>
+              <a:gd name="connsiteX28" fmla="*/ 6583388 w 10792440"/>
               <a:gd name="connsiteY28" fmla="*/ 677108 h 677108"/>
-              <a:gd name="connsiteX29" fmla="*/ 7846127 w 11538422"/>
+              <a:gd name="connsiteX29" fmla="*/ 5875884 w 10792440"/>
               <a:gd name="connsiteY29" fmla="*/ 677108 h 677108"/>
-              <a:gd name="connsiteX30" fmla="*/ 7499974 w 11538422"/>
+              <a:gd name="connsiteX30" fmla="*/ 5492153 w 10792440"/>
               <a:gd name="connsiteY30" fmla="*/ 677108 h 677108"/>
-              <a:gd name="connsiteX31" fmla="*/ 6807669 w 11538422"/>
+              <a:gd name="connsiteX31" fmla="*/ 4784648 w 10792440"/>
               <a:gd name="connsiteY31" fmla="*/ 677108 h 677108"/>
-              <a:gd name="connsiteX32" fmla="*/ 6576901 w 11538422"/>
+              <a:gd name="connsiteX32" fmla="*/ 4508842 w 10792440"/>
               <a:gd name="connsiteY32" fmla="*/ 677108 h 677108"/>
-              <a:gd name="connsiteX33" fmla="*/ 5884595 w 11538422"/>
+              <a:gd name="connsiteX33" fmla="*/ 3801337 w 10792440"/>
               <a:gd name="connsiteY33" fmla="*/ 677108 h 677108"/>
-              <a:gd name="connsiteX34" fmla="*/ 5538443 w 11538422"/>
+              <a:gd name="connsiteX34" fmla="*/ 3417606 w 10792440"/>
               <a:gd name="connsiteY34" fmla="*/ 677108 h 677108"/>
-              <a:gd name="connsiteX35" fmla="*/ 5307674 w 11538422"/>
+              <a:gd name="connsiteX35" fmla="*/ 3141799 w 10792440"/>
               <a:gd name="connsiteY35" fmla="*/ 677108 h 677108"/>
-              <a:gd name="connsiteX36" fmla="*/ 4961521 w 11538422"/>
+              <a:gd name="connsiteX36" fmla="*/ 2758068 w 10792440"/>
               <a:gd name="connsiteY36" fmla="*/ 677108 h 677108"/>
-              <a:gd name="connsiteX37" fmla="*/ 4269216 w 11538422"/>
+              <a:gd name="connsiteX37" fmla="*/ 2050564 w 10792440"/>
               <a:gd name="connsiteY37" fmla="*/ 677108 h 677108"/>
-              <a:gd name="connsiteX38" fmla="*/ 3923063 w 11538422"/>
+              <a:gd name="connsiteX38" fmla="*/ 1666832 w 10792440"/>
               <a:gd name="connsiteY38" fmla="*/ 677108 h 677108"/>
-              <a:gd name="connsiteX39" fmla="*/ 3692295 w 11538422"/>
+              <a:gd name="connsiteX39" fmla="*/ 1391026 w 10792440"/>
               <a:gd name="connsiteY39" fmla="*/ 677108 h 677108"/>
-              <a:gd name="connsiteX40" fmla="*/ 3346142 w 11538422"/>
+              <a:gd name="connsiteX40" fmla="*/ 1007294 w 10792440"/>
               <a:gd name="connsiteY40" fmla="*/ 677108 h 677108"/>
-              <a:gd name="connsiteX41" fmla="*/ 2884605 w 11538422"/>
+              <a:gd name="connsiteX41" fmla="*/ 515639 w 10792440"/>
               <a:gd name="connsiteY41" fmla="*/ 677108 h 677108"/>
-              <a:gd name="connsiteX42" fmla="*/ 2307684 w 11538422"/>
+              <a:gd name="connsiteX42" fmla="*/ 0 w 10792440"/>
               <a:gd name="connsiteY42" fmla="*/ 677108 h 677108"/>
-              <a:gd name="connsiteX43" fmla="*/ 1961532 w 11538422"/>
-              <a:gd name="connsiteY43" fmla="*/ 677108 h 677108"/>
-              <a:gd name="connsiteX44" fmla="*/ 1153842 w 11538422"/>
-              <a:gd name="connsiteY44" fmla="*/ 677108 h 677108"/>
-              <a:gd name="connsiteX45" fmla="*/ 576921 w 11538422"/>
-              <a:gd name="connsiteY45" fmla="*/ 677108 h 677108"/>
-              <a:gd name="connsiteX46" fmla="*/ 0 w 11538422"/>
-              <a:gd name="connsiteY46" fmla="*/ 677108 h 677108"/>
-              <a:gd name="connsiteX47" fmla="*/ 0 w 11538422"/>
-              <a:gd name="connsiteY47" fmla="*/ 331783 h 677108"/>
-              <a:gd name="connsiteX48" fmla="*/ 0 w 11538422"/>
-              <a:gd name="connsiteY48" fmla="*/ 0 h 677108"/>
+              <a:gd name="connsiteX43" fmla="*/ 0 w 10792440"/>
+              <a:gd name="connsiteY43" fmla="*/ 352096 h 677108"/>
+              <a:gd name="connsiteX44" fmla="*/ 0 w 10792440"/>
+              <a:gd name="connsiteY44" fmla="*/ 0 h 677108"/>
             </a:gdLst>
             <a:ahLst/>
             <a:cxnLst>
@@ -27213,263 +26868,231 @@
               <a:cxn ang="0">
                 <a:pos x="connsiteX44" y="connsiteY44"/>
               </a:cxn>
-              <a:cxn ang="0">
-                <a:pos x="connsiteX45" y="connsiteY45"/>
-              </a:cxn>
-              <a:cxn ang="0">
-                <a:pos x="connsiteX46" y="connsiteY46"/>
-              </a:cxn>
-              <a:cxn ang="0">
-                <a:pos x="connsiteX47" y="connsiteY47"/>
-              </a:cxn>
-              <a:cxn ang="0">
-                <a:pos x="connsiteX48" y="connsiteY48"/>
-              </a:cxn>
             </a:cxnLst>
             <a:rect l="l" t="t" r="r" b="b"/>
             <a:pathLst>
-              <a:path w="11538422" h="677108" extrusionOk="0">
+              <a:path w="10792440" h="677108" extrusionOk="0">
                 <a:moveTo>
                   <a:pt x="0" y="0"/>
                 </a:moveTo>
                 <a:cubicBezTo>
-                  <a:pt x="158969" y="-6130"/>
-                  <a:pt x="231756" y="1952"/>
-                  <a:pt x="461537" y="0"/>
+                  <a:pt x="163086" y="-51727"/>
+                  <a:pt x="245978" y="13366"/>
+                  <a:pt x="491656" y="0"/>
                 </a:cubicBezTo>
                 <a:cubicBezTo>
-                  <a:pt x="691318" y="-1952"/>
-                  <a:pt x="595916" y="22086"/>
-                  <a:pt x="692305" y="0"/>
+                  <a:pt x="737334" y="-13366"/>
+                  <a:pt x="670627" y="7549"/>
+                  <a:pt x="767462" y="0"/>
                 </a:cubicBezTo>
                 <a:cubicBezTo>
-                  <a:pt x="788694" y="-22086"/>
-                  <a:pt x="1151914" y="45505"/>
-                  <a:pt x="1499995" y="0"/>
+                  <a:pt x="864297" y="-7549"/>
+                  <a:pt x="1242544" y="3322"/>
+                  <a:pt x="1582891" y="0"/>
                 </a:cubicBezTo>
                 <a:cubicBezTo>
-                  <a:pt x="1848076" y="-45505"/>
-                  <a:pt x="1838712" y="616"/>
-                  <a:pt x="1961532" y="0"/>
+                  <a:pt x="1923238" y="-3322"/>
+                  <a:pt x="1915633" y="11045"/>
+                  <a:pt x="2074547" y="0"/>
                 </a:cubicBezTo>
                 <a:cubicBezTo>
-                  <a:pt x="2084352" y="-616"/>
-                  <a:pt x="2273371" y="16155"/>
-                  <a:pt x="2423069" y="0"/>
+                  <a:pt x="2233461" y="-11045"/>
+                  <a:pt x="2425205" y="58880"/>
+                  <a:pt x="2566202" y="0"/>
                 </a:cubicBezTo>
                 <a:cubicBezTo>
-                  <a:pt x="2572767" y="-16155"/>
-                  <a:pt x="3016896" y="5642"/>
-                  <a:pt x="3230758" y="0"/>
+                  <a:pt x="2707200" y="-58880"/>
+                  <a:pt x="2995645" y="34612"/>
+                  <a:pt x="3381631" y="0"/>
                 </a:cubicBezTo>
                 <a:cubicBezTo>
-                  <a:pt x="3444620" y="-5642"/>
-                  <a:pt x="3477085" y="30350"/>
-                  <a:pt x="3576911" y="0"/>
+                  <a:pt x="3767617" y="-34612"/>
+                  <a:pt x="3580116" y="18124"/>
+                  <a:pt x="3765362" y="0"/>
                 </a:cubicBezTo>
                 <a:cubicBezTo>
-                  <a:pt x="3676737" y="-30350"/>
-                  <a:pt x="4083158" y="59922"/>
-                  <a:pt x="4384600" y="0"/>
+                  <a:pt x="3950608" y="-18124"/>
+                  <a:pt x="4268941" y="94669"/>
+                  <a:pt x="4580791" y="0"/>
                 </a:cubicBezTo>
                 <a:cubicBezTo>
-                  <a:pt x="4686042" y="-59922"/>
-                  <a:pt x="4843858" y="55950"/>
-                  <a:pt x="5192290" y="0"/>
+                  <a:pt x="4892641" y="-94669"/>
+                  <a:pt x="5160154" y="93712"/>
+                  <a:pt x="5396220" y="0"/>
                 </a:cubicBezTo>
                 <a:cubicBezTo>
-                  <a:pt x="5540722" y="-55950"/>
-                  <a:pt x="5643592" y="56335"/>
-                  <a:pt x="5769211" y="0"/>
+                  <a:pt x="5632286" y="-93712"/>
+                  <a:pt x="5806185" y="8070"/>
+                  <a:pt x="5995800" y="0"/>
                 </a:cubicBezTo>
                 <a:cubicBezTo>
-                  <a:pt x="5894830" y="-56335"/>
-                  <a:pt x="6318367" y="79577"/>
-                  <a:pt x="6576901" y="0"/>
+                  <a:pt x="6185415" y="-8070"/>
+                  <a:pt x="6404097" y="93037"/>
+                  <a:pt x="6811229" y="0"/>
                 </a:cubicBezTo>
                 <a:cubicBezTo>
-                  <a:pt x="6835435" y="-79577"/>
-                  <a:pt x="6850280" y="34729"/>
-                  <a:pt x="7038437" y="0"/>
+                  <a:pt x="7218361" y="-93037"/>
+                  <a:pt x="7122648" y="8330"/>
+                  <a:pt x="7302884" y="0"/>
                 </a:cubicBezTo>
                 <a:cubicBezTo>
-                  <a:pt x="7226594" y="-34729"/>
-                  <a:pt x="7306666" y="7828"/>
-                  <a:pt x="7499974" y="0"/>
+                  <a:pt x="7483121" y="-8330"/>
+                  <a:pt x="7555233" y="30777"/>
+                  <a:pt x="7794540" y="0"/>
                 </a:cubicBezTo>
                 <a:cubicBezTo>
-                  <a:pt x="7693282" y="-7828"/>
-                  <a:pt x="7989464" y="63139"/>
-                  <a:pt x="8192280" y="0"/>
+                  <a:pt x="8033847" y="-30777"/>
+                  <a:pt x="8323807" y="76628"/>
+                  <a:pt x="8502044" y="0"/>
                 </a:cubicBezTo>
                 <a:cubicBezTo>
-                  <a:pt x="8395096" y="-63139"/>
-                  <a:pt x="8458035" y="24588"/>
-                  <a:pt x="8653817" y="0"/>
+                  <a:pt x="8680281" y="-76628"/>
+                  <a:pt x="8872839" y="55710"/>
+                  <a:pt x="8993700" y="0"/>
                 </a:cubicBezTo>
                 <a:cubicBezTo>
-                  <a:pt x="8849599" y="-24588"/>
-                  <a:pt x="9280794" y="5919"/>
-                  <a:pt x="9461506" y="0"/>
+                  <a:pt x="9114561" y="-55710"/>
+                  <a:pt x="9446587" y="96170"/>
+                  <a:pt x="9809129" y="0"/>
                 </a:cubicBezTo>
                 <a:cubicBezTo>
-                  <a:pt x="9642218" y="-5919"/>
-                  <a:pt x="9869934" y="29207"/>
-                  <a:pt x="10269196" y="0"/>
+                  <a:pt x="10171671" y="-96170"/>
+                  <a:pt x="10310821" y="2309"/>
+                  <a:pt x="10792440" y="0"/>
                 </a:cubicBezTo>
                 <a:cubicBezTo>
-                  <a:pt x="10668458" y="-29207"/>
-                  <a:pt x="10680671" y="17374"/>
-                  <a:pt x="10846117" y="0"/>
+                  <a:pt x="10827742" y="114625"/>
+                  <a:pt x="10772638" y="212835"/>
+                  <a:pt x="10792440" y="338554"/>
                 </a:cubicBezTo>
                 <a:cubicBezTo>
-                  <a:pt x="11011563" y="-17374"/>
-                  <a:pt x="11336734" y="46931"/>
-                  <a:pt x="11538422" y="0"/>
+                  <a:pt x="10812242" y="464273"/>
+                  <a:pt x="10789619" y="579135"/>
+                  <a:pt x="10792440" y="677108"/>
                 </a:cubicBezTo>
                 <a:cubicBezTo>
-                  <a:pt x="11558142" y="128134"/>
-                  <a:pt x="11517675" y="202844"/>
-                  <a:pt x="11538422" y="318241"/>
+                  <a:pt x="10669401" y="677600"/>
+                  <a:pt x="10632979" y="646893"/>
+                  <a:pt x="10516633" y="677108"/>
                 </a:cubicBezTo>
                 <a:cubicBezTo>
-                  <a:pt x="11559169" y="433638"/>
-                  <a:pt x="11520154" y="586169"/>
-                  <a:pt x="11538422" y="677108"/>
+                  <a:pt x="10400287" y="707323"/>
+                  <a:pt x="9874387" y="655332"/>
+                  <a:pt x="9701204" y="677108"/>
                 </a:cubicBezTo>
                 <a:cubicBezTo>
-                  <a:pt x="11306163" y="742213"/>
-                  <a:pt x="11136693" y="651075"/>
-                  <a:pt x="10846117" y="677108"/>
+                  <a:pt x="9528021" y="698884"/>
+                  <a:pt x="9278917" y="672436"/>
+                  <a:pt x="9101624" y="677108"/>
                 </a:cubicBezTo>
                 <a:cubicBezTo>
-                  <a:pt x="10555542" y="703141"/>
-                  <a:pt x="10604463" y="672626"/>
-                  <a:pt x="10499964" y="677108"/>
+                  <a:pt x="8924331" y="681780"/>
+                  <a:pt x="8884977" y="654955"/>
+                  <a:pt x="8717893" y="677108"/>
                 </a:cubicBezTo>
                 <a:cubicBezTo>
-                  <a:pt x="10395465" y="681590"/>
-                  <a:pt x="10052938" y="667602"/>
-                  <a:pt x="9923043" y="677108"/>
+                  <a:pt x="8550809" y="699261"/>
+                  <a:pt x="8399594" y="666767"/>
+                  <a:pt x="8118313" y="677108"/>
                 </a:cubicBezTo>
                 <a:cubicBezTo>
-                  <a:pt x="9793148" y="686614"/>
-                  <a:pt x="9774775" y="649817"/>
-                  <a:pt x="9692274" y="677108"/>
+                  <a:pt x="7837032" y="687449"/>
+                  <a:pt x="7954539" y="673071"/>
+                  <a:pt x="7842506" y="677108"/>
                 </a:cubicBezTo>
                 <a:cubicBezTo>
-                  <a:pt x="9609773" y="704399"/>
-                  <a:pt x="9529590" y="672249"/>
-                  <a:pt x="9461506" y="677108"/>
+                  <a:pt x="7730473" y="681145"/>
+                  <a:pt x="7658890" y="649578"/>
+                  <a:pt x="7566700" y="677108"/>
                 </a:cubicBezTo>
                 <a:cubicBezTo>
-                  <a:pt x="9393422" y="681967"/>
-                  <a:pt x="9026287" y="672899"/>
-                  <a:pt x="8884585" y="677108"/>
+                  <a:pt x="7474510" y="704638"/>
+                  <a:pt x="7095648" y="615431"/>
+                  <a:pt x="6967120" y="677108"/>
                 </a:cubicBezTo>
                 <a:cubicBezTo>
-                  <a:pt x="8742883" y="681317"/>
-                  <a:pt x="8616513" y="643311"/>
-                  <a:pt x="8538432" y="677108"/>
+                  <a:pt x="6838592" y="738785"/>
+                  <a:pt x="6737622" y="632171"/>
+                  <a:pt x="6583388" y="677108"/>
                 </a:cubicBezTo>
                 <a:cubicBezTo>
-                  <a:pt x="8460351" y="710905"/>
-                  <a:pt x="7986021" y="663155"/>
-                  <a:pt x="7846127" y="677108"/>
+                  <a:pt x="6429154" y="722045"/>
+                  <a:pt x="6217256" y="592751"/>
+                  <a:pt x="5875884" y="677108"/>
                 </a:cubicBezTo>
                 <a:cubicBezTo>
-                  <a:pt x="7706234" y="691061"/>
-                  <a:pt x="7656886" y="650851"/>
-                  <a:pt x="7499974" y="677108"/>
+                  <a:pt x="5534512" y="761465"/>
+                  <a:pt x="5648434" y="669840"/>
+                  <a:pt x="5492153" y="677108"/>
                 </a:cubicBezTo>
                 <a:cubicBezTo>
-                  <a:pt x="7343062" y="703365"/>
-                  <a:pt x="7044686" y="674344"/>
-                  <a:pt x="6807669" y="677108"/>
+                  <a:pt x="5335872" y="684376"/>
+                  <a:pt x="4928348" y="599816"/>
+                  <a:pt x="4784648" y="677108"/>
                 </a:cubicBezTo>
                 <a:cubicBezTo>
-                  <a:pt x="6570652" y="679872"/>
-                  <a:pt x="6626569" y="651242"/>
-                  <a:pt x="6576901" y="677108"/>
+                  <a:pt x="4640949" y="754400"/>
+                  <a:pt x="4589809" y="674939"/>
+                  <a:pt x="4508842" y="677108"/>
                 </a:cubicBezTo>
                 <a:cubicBezTo>
-                  <a:pt x="6527233" y="702974"/>
-                  <a:pt x="6165271" y="643997"/>
-                  <a:pt x="5884595" y="677108"/>
+                  <a:pt x="4427875" y="679277"/>
+                  <a:pt x="3981209" y="621618"/>
+                  <a:pt x="3801337" y="677108"/>
                 </a:cubicBezTo>
                 <a:cubicBezTo>
-                  <a:pt x="5603919" y="710219"/>
-                  <a:pt x="5681733" y="638387"/>
-                  <a:pt x="5538443" y="677108"/>
+                  <a:pt x="3621466" y="732598"/>
+                  <a:pt x="3535826" y="657131"/>
+                  <a:pt x="3417606" y="677108"/>
                 </a:cubicBezTo>
                 <a:cubicBezTo>
-                  <a:pt x="5395153" y="715829"/>
-                  <a:pt x="5375901" y="672391"/>
-                  <a:pt x="5307674" y="677108"/>
+                  <a:pt x="3299386" y="697085"/>
+                  <a:pt x="3221653" y="651786"/>
+                  <a:pt x="3141799" y="677108"/>
                 </a:cubicBezTo>
                 <a:cubicBezTo>
-                  <a:pt x="5239447" y="681825"/>
-                  <a:pt x="5046026" y="658966"/>
-                  <a:pt x="4961521" y="677108"/>
+                  <a:pt x="3061945" y="702430"/>
+                  <a:pt x="2869001" y="665064"/>
+                  <a:pt x="2758068" y="677108"/>
                 </a:cubicBezTo>
                 <a:cubicBezTo>
-                  <a:pt x="4877016" y="695250"/>
-                  <a:pt x="4550973" y="670202"/>
-                  <a:pt x="4269216" y="677108"/>
+                  <a:pt x="2647135" y="689152"/>
+                  <a:pt x="2320361" y="663902"/>
+                  <a:pt x="2050564" y="677108"/>
                 </a:cubicBezTo>
                 <a:cubicBezTo>
-                  <a:pt x="3987460" y="684014"/>
-                  <a:pt x="4046678" y="651291"/>
-                  <a:pt x="3923063" y="677108"/>
+                  <a:pt x="1780767" y="690314"/>
+                  <a:pt x="1838126" y="674733"/>
+                  <a:pt x="1666832" y="677108"/>
                 </a:cubicBezTo>
                 <a:cubicBezTo>
-                  <a:pt x="3799448" y="702925"/>
-                  <a:pt x="3760246" y="675644"/>
-                  <a:pt x="3692295" y="677108"/>
+                  <a:pt x="1495538" y="679483"/>
+                  <a:pt x="1456072" y="671470"/>
+                  <a:pt x="1391026" y="677108"/>
                 </a:cubicBezTo>
                 <a:cubicBezTo>
-                  <a:pt x="3624344" y="678572"/>
-                  <a:pt x="3515425" y="668590"/>
-                  <a:pt x="3346142" y="677108"/>
+                  <a:pt x="1325980" y="682746"/>
+                  <a:pt x="1109171" y="648480"/>
+                  <a:pt x="1007294" y="677108"/>
                 </a:cubicBezTo>
                 <a:cubicBezTo>
-                  <a:pt x="3176859" y="685626"/>
-                  <a:pt x="3053334" y="634951"/>
-                  <a:pt x="2884605" y="677108"/>
+                  <a:pt x="905417" y="705736"/>
+                  <a:pt x="754393" y="623925"/>
+                  <a:pt x="515639" y="677108"/>
                 </a:cubicBezTo>
                 <a:cubicBezTo>
-                  <a:pt x="2715876" y="719265"/>
-                  <a:pt x="2572564" y="612862"/>
-                  <a:pt x="2307684" y="677108"/>
-                </a:cubicBezTo>
-                <a:cubicBezTo>
-                  <a:pt x="2042804" y="741354"/>
-                  <a:pt x="2034167" y="665620"/>
-                  <a:pt x="1961532" y="677108"/>
-                </a:cubicBezTo>
-                <a:cubicBezTo>
-                  <a:pt x="1888897" y="688596"/>
-                  <a:pt x="1485720" y="605121"/>
-                  <a:pt x="1153842" y="677108"/>
-                </a:cubicBezTo>
-                <a:cubicBezTo>
-                  <a:pt x="821964" y="749095"/>
-                  <a:pt x="705764" y="650303"/>
-                  <a:pt x="576921" y="677108"/>
-                </a:cubicBezTo>
-                <a:cubicBezTo>
-                  <a:pt x="448078" y="703913"/>
-                  <a:pt x="250798" y="660451"/>
+                  <a:pt x="276885" y="730291"/>
+                  <a:pt x="166679" y="666002"/>
                   <a:pt x="0" y="677108"/>
                 </a:cubicBezTo>
                 <a:cubicBezTo>
-                  <a:pt x="-4272" y="548524"/>
-                  <a:pt x="5987" y="498998"/>
-                  <a:pt x="0" y="331783"/>
+                  <a:pt x="-17913" y="520189"/>
+                  <a:pt x="3712" y="469140"/>
+                  <a:pt x="0" y="352096"/>
                 </a:cubicBezTo>
                 <a:cubicBezTo>
-                  <a:pt x="-5987" y="164568"/>
-                  <a:pt x="14103" y="139071"/>
+                  <a:pt x="-3712" y="235052"/>
+                  <a:pt x="11958" y="149250"/>
                   <a:pt x="0" y="0"/>
                 </a:cubicBezTo>
                 <a:close/>
@@ -27508,7 +27131,7 @@
                 <a:latin typeface="微软雅黑" panose="020B0503020204020204" pitchFamily="34" charset="-122"/>
                 <a:ea typeface="微软雅黑" panose="020B0503020204020204" pitchFamily="34" charset="-122"/>
               </a:rPr>
-              <a:t>指令选择部分，采用一种朴素的算法</a:t>
+              <a:t>指令选择部分，实现了一种朴素的算法</a:t>
             </a:r>
             <a:r>
               <a:rPr lang="en-US" altLang="zh-CN" b="1" dirty="0">
@@ -27577,7 +27200,7 @@
                 <a:latin typeface="微软雅黑" panose="020B0503020204020204" pitchFamily="34" charset="-122"/>
                 <a:ea typeface="微软雅黑" panose="020B0503020204020204" pitchFamily="34" charset="-122"/>
               </a:rPr>
-              <a:t>分发到对应的 </a:t>
+              <a:t>调用对应的 </a:t>
             </a:r>
             <a:r>
               <a:rPr lang="en-US" altLang="zh-CN" b="1" dirty="0">
@@ -27591,7 +27214,7 @@
                 <a:latin typeface="微软雅黑" panose="020B0503020204020204" pitchFamily="34" charset="-122"/>
                 <a:ea typeface="微软雅黑" panose="020B0503020204020204" pitchFamily="34" charset="-122"/>
               </a:rPr>
-              <a:t>规则模板</a:t>
+              <a:t>函数</a:t>
             </a:r>
           </a:p>
         </p:txBody>
@@ -28103,7 +27726,7 @@
 </p:sld>
 </file>
 
-<file path=ppt/slides/slide15.xml><?xml version="1.0" encoding="utf-8"?>
+<file path=ppt/slides/slide14.xml><?xml version="1.0" encoding="utf-8"?>
 <p:sld xmlns:a="http://schemas.openxmlformats.org/drawingml/2006/main" xmlns:r="http://schemas.openxmlformats.org/officeDocument/2006/relationships" xmlns:p="http://schemas.openxmlformats.org/presentationml/2006/main">
   <p:cSld>
     <p:spTree>
@@ -28192,7 +27815,7 @@
 </p:sld>
 </file>
 
-<file path=ppt/slides/slide16.xml><?xml version="1.0" encoding="utf-8"?>
+<file path=ppt/slides/slide15.xml><?xml version="1.0" encoding="utf-8"?>
 <p:sld xmlns:a="http://schemas.openxmlformats.org/drawingml/2006/main" xmlns:r="http://schemas.openxmlformats.org/officeDocument/2006/relationships" xmlns:p="http://schemas.openxmlformats.org/presentationml/2006/main">
   <p:cSld>
     <p:spTree>
@@ -29620,7 +29243,7 @@
 </p:sld>
 </file>
 
-<file path=ppt/slides/slide17.xml><?xml version="1.0" encoding="utf-8"?>
+<file path=ppt/slides/slide16.xml><?xml version="1.0" encoding="utf-8"?>
 <p:sld xmlns:a="http://schemas.openxmlformats.org/drawingml/2006/main" xmlns:r="http://schemas.openxmlformats.org/officeDocument/2006/relationships" xmlns:p="http://schemas.openxmlformats.org/presentationml/2006/main">
   <p:cSld>
     <p:spTree>
@@ -29696,410 +29319,7 @@
 </p:sld>
 </file>
 
-<file path=ppt/slides/slide18.xml><?xml version="1.0" encoding="utf-8"?>
-<p:sld xmlns:a="http://schemas.openxmlformats.org/drawingml/2006/main" xmlns:r="http://schemas.openxmlformats.org/officeDocument/2006/relationships" xmlns:p="http://schemas.openxmlformats.org/presentationml/2006/main">
-  <p:cSld>
-    <p:spTree>
-      <p:nvGrpSpPr>
-        <p:cNvPr id="1" name="">
-          <a:extLst>
-            <a:ext uri="{FF2B5EF4-FFF2-40B4-BE49-F238E27FC236}">
-              <a16:creationId xmlns:a16="http://schemas.microsoft.com/office/drawing/2014/main" id="{09D540A7-CBBF-DA17-42F5-ABEFBA1785B7}"/>
-            </a:ext>
-          </a:extLst>
-        </p:cNvPr>
-        <p:cNvGrpSpPr/>
-        <p:nvPr/>
-      </p:nvGrpSpPr>
-      <p:grpSpPr>
-        <a:xfrm>
-          <a:off x="0" y="0"/>
-          <a:ext cx="0" cy="0"/>
-          <a:chOff x="0" y="0"/>
-          <a:chExt cx="0" cy="0"/>
-        </a:xfrm>
-      </p:grpSpPr>
-      <p:sp>
-        <p:nvSpPr>
-          <p:cNvPr id="106" name="流程图: 过程 52">
-            <a:extLst>
-              <a:ext uri="{FF2B5EF4-FFF2-40B4-BE49-F238E27FC236}">
-                <a16:creationId xmlns:a16="http://schemas.microsoft.com/office/drawing/2014/main" id="{908890A6-9732-0E0C-1F28-374EE18F3DA0}"/>
-              </a:ext>
-            </a:extLst>
-          </p:cNvPr>
-          <p:cNvSpPr/>
-          <p:nvPr/>
-        </p:nvSpPr>
-        <p:spPr>
-          <a:xfrm>
-            <a:off x="-10795" y="953770"/>
-            <a:ext cx="12192000" cy="168275"/>
-          </a:xfrm>
-          <a:prstGeom prst="flowChartProcess">
-            <a:avLst/>
-          </a:prstGeom>
-          <a:gradFill>
-            <a:gsLst>
-              <a:gs pos="2000">
-                <a:schemeClr val="bg1"/>
-              </a:gs>
-              <a:gs pos="78000">
-                <a:srgbClr val="9A1F2D"/>
-              </a:gs>
-              <a:gs pos="9000">
-                <a:schemeClr val="bg1"/>
-              </a:gs>
-              <a:gs pos="100000">
-                <a:srgbClr val="9A1F2D"/>
-              </a:gs>
-            </a:gsLst>
-            <a:lin ang="13500000" scaled="0"/>
-          </a:gradFill>
-          <a:ln>
-            <a:noFill/>
-          </a:ln>
-        </p:spPr>
-        <p:style>
-          <a:lnRef idx="2">
-            <a:schemeClr val="accent1">
-              <a:shade val="50000"/>
-            </a:schemeClr>
-          </a:lnRef>
-          <a:fillRef idx="1">
-            <a:schemeClr val="accent1"/>
-          </a:fillRef>
-          <a:effectRef idx="0">
-            <a:schemeClr val="accent1"/>
-          </a:effectRef>
-          <a:fontRef idx="minor">
-            <a:schemeClr val="lt1"/>
-          </a:fontRef>
-        </p:style>
-        <p:txBody>
-          <a:bodyPr rtlCol="0" anchor="ctr"/>
-          <a:lstStyle/>
-          <a:p>
-            <a:pPr algn="ctr"/>
-            <a:endParaRPr lang="zh-CN" altLang="en-US"/>
-          </a:p>
-        </p:txBody>
-      </p:sp>
-      <p:pic>
-        <p:nvPicPr>
-          <p:cNvPr id="2" name="图片 1">
-            <a:extLst>
-              <a:ext uri="{FF2B5EF4-FFF2-40B4-BE49-F238E27FC236}">
-                <a16:creationId xmlns:a16="http://schemas.microsoft.com/office/drawing/2014/main" id="{CE18F794-446A-F192-A4C7-92B05971F88D}"/>
-              </a:ext>
-            </a:extLst>
-          </p:cNvPr>
-          <p:cNvPicPr>
-            <a:picLocks noChangeAspect="1"/>
-          </p:cNvPicPr>
-          <p:nvPr/>
-        </p:nvPicPr>
-        <p:blipFill>
-          <a:blip r:embed="rId5"/>
-          <a:stretch>
-            <a:fillRect/>
-          </a:stretch>
-        </p:blipFill>
-        <p:spPr>
-          <a:xfrm>
-            <a:off x="11102975" y="0"/>
-            <a:ext cx="1078230" cy="1122680"/>
-          </a:xfrm>
-          <a:prstGeom prst="rect">
-            <a:avLst/>
-          </a:prstGeom>
-        </p:spPr>
-      </p:pic>
-      <p:sp>
-        <p:nvSpPr>
-          <p:cNvPr id="3" name="文本框 2">
-            <a:extLst>
-              <a:ext uri="{FF2B5EF4-FFF2-40B4-BE49-F238E27FC236}">
-                <a16:creationId xmlns:a16="http://schemas.microsoft.com/office/drawing/2014/main" id="{640CAF94-D692-0C99-FF67-E5F5DC3D13B7}"/>
-              </a:ext>
-            </a:extLst>
-          </p:cNvPr>
-          <p:cNvSpPr txBox="1"/>
-          <p:nvPr/>
-        </p:nvSpPr>
-        <p:spPr>
-          <a:xfrm flipH="1">
-            <a:off x="549907" y="163830"/>
-            <a:ext cx="7750419" cy="706755"/>
-          </a:xfrm>
-          <a:prstGeom prst="rect">
-            <a:avLst/>
-          </a:prstGeom>
-          <a:noFill/>
-        </p:spPr>
-        <p:txBody>
-          <a:bodyPr wrap="square" rtlCol="0">
-            <a:spAutoFit/>
-          </a:bodyPr>
-          <a:lstStyle>
-            <a:defPPr>
-              <a:defRPr lang="zh-CN"/>
-            </a:defPPr>
-            <a:lvl1pPr marL="0" algn="l" defTabSz="914400" rtl="0" eaLnBrk="1" latinLnBrk="0" hangingPunct="1">
-              <a:defRPr sz="1800" kern="1200">
-                <a:solidFill>
-                  <a:schemeClr val="tx1"/>
-                </a:solidFill>
-                <a:latin typeface="+mn-lt"/>
-                <a:ea typeface="+mn-ea"/>
-                <a:cs typeface="+mn-cs"/>
-              </a:defRPr>
-            </a:lvl1pPr>
-            <a:lvl2pPr marL="457200" algn="l" defTabSz="914400" rtl="0" eaLnBrk="1" latinLnBrk="0" hangingPunct="1">
-              <a:defRPr sz="1800" kern="1200">
-                <a:solidFill>
-                  <a:schemeClr val="tx1"/>
-                </a:solidFill>
-                <a:latin typeface="+mn-lt"/>
-                <a:ea typeface="+mn-ea"/>
-                <a:cs typeface="+mn-cs"/>
-              </a:defRPr>
-            </a:lvl2pPr>
-            <a:lvl3pPr marL="914400" algn="l" defTabSz="914400" rtl="0" eaLnBrk="1" latinLnBrk="0" hangingPunct="1">
-              <a:defRPr sz="1800" kern="1200">
-                <a:solidFill>
-                  <a:schemeClr val="tx1"/>
-                </a:solidFill>
-                <a:latin typeface="+mn-lt"/>
-                <a:ea typeface="+mn-ea"/>
-                <a:cs typeface="+mn-cs"/>
-              </a:defRPr>
-            </a:lvl3pPr>
-            <a:lvl4pPr marL="1371600" algn="l" defTabSz="914400" rtl="0" eaLnBrk="1" latinLnBrk="0" hangingPunct="1">
-              <a:defRPr sz="1800" kern="1200">
-                <a:solidFill>
-                  <a:schemeClr val="tx1"/>
-                </a:solidFill>
-                <a:latin typeface="+mn-lt"/>
-                <a:ea typeface="+mn-ea"/>
-                <a:cs typeface="+mn-cs"/>
-              </a:defRPr>
-            </a:lvl4pPr>
-            <a:lvl5pPr marL="1828800" algn="l" defTabSz="914400" rtl="0" eaLnBrk="1" latinLnBrk="0" hangingPunct="1">
-              <a:defRPr sz="1800" kern="1200">
-                <a:solidFill>
-                  <a:schemeClr val="tx1"/>
-                </a:solidFill>
-                <a:latin typeface="+mn-lt"/>
-                <a:ea typeface="+mn-ea"/>
-                <a:cs typeface="+mn-cs"/>
-              </a:defRPr>
-            </a:lvl5pPr>
-            <a:lvl6pPr marL="2286000" algn="l" defTabSz="914400" rtl="0" eaLnBrk="1" latinLnBrk="0" hangingPunct="1">
-              <a:defRPr sz="1800" kern="1200">
-                <a:solidFill>
-                  <a:schemeClr val="tx1"/>
-                </a:solidFill>
-                <a:latin typeface="+mn-lt"/>
-                <a:ea typeface="+mn-ea"/>
-                <a:cs typeface="+mn-cs"/>
-              </a:defRPr>
-            </a:lvl6pPr>
-            <a:lvl7pPr marL="2743200" algn="l" defTabSz="914400" rtl="0" eaLnBrk="1" latinLnBrk="0" hangingPunct="1">
-              <a:defRPr sz="1800" kern="1200">
-                <a:solidFill>
-                  <a:schemeClr val="tx1"/>
-                </a:solidFill>
-                <a:latin typeface="+mn-lt"/>
-                <a:ea typeface="+mn-ea"/>
-                <a:cs typeface="+mn-cs"/>
-              </a:defRPr>
-            </a:lvl7pPr>
-            <a:lvl8pPr marL="3200400" algn="l" defTabSz="914400" rtl="0" eaLnBrk="1" latinLnBrk="0" hangingPunct="1">
-              <a:defRPr sz="1800" kern="1200">
-                <a:solidFill>
-                  <a:schemeClr val="tx1"/>
-                </a:solidFill>
-                <a:latin typeface="+mn-lt"/>
-                <a:ea typeface="+mn-ea"/>
-                <a:cs typeface="+mn-cs"/>
-              </a:defRPr>
-            </a:lvl8pPr>
-            <a:lvl9pPr marL="3657600" algn="l" defTabSz="914400" rtl="0" eaLnBrk="1" latinLnBrk="0" hangingPunct="1">
-              <a:defRPr sz="1800" kern="1200">
-                <a:solidFill>
-                  <a:schemeClr val="tx1"/>
-                </a:solidFill>
-                <a:latin typeface="+mn-lt"/>
-                <a:ea typeface="+mn-ea"/>
-                <a:cs typeface="+mn-cs"/>
-              </a:defRPr>
-            </a:lvl9pPr>
-          </a:lstStyle>
-          <a:p>
-            <a:pPr lvl="0">
-              <a:defRPr/>
-            </a:pPr>
-            <a:r>
-              <a:rPr lang="zh-CN" altLang="en-US" sz="4000" b="1" dirty="0">
-                <a:solidFill>
-                  <a:srgbClr val="9A1F2D"/>
-                </a:solidFill>
-                <a:latin typeface="微软雅黑" panose="020B0503020204020204" charset="-122"/>
-                <a:ea typeface="微软雅黑" panose="020B0503020204020204" charset="-122"/>
-                <a:sym typeface="Helvetica Light"/>
-              </a:rPr>
-              <a:t>总结</a:t>
-            </a:r>
-          </a:p>
-        </p:txBody>
-      </p:sp>
-      <p:grpSp>
-        <p:nvGrpSpPr>
-          <p:cNvPr id="4" name="组 2">
-            <a:extLst>
-              <a:ext uri="{FF2B5EF4-FFF2-40B4-BE49-F238E27FC236}">
-                <a16:creationId xmlns:a16="http://schemas.microsoft.com/office/drawing/2014/main" id="{4D147BEA-A75C-A524-3B4D-DDC8D5A0B024}"/>
-              </a:ext>
-            </a:extLst>
-          </p:cNvPr>
-          <p:cNvGrpSpPr/>
-          <p:nvPr/>
-        </p:nvGrpSpPr>
-        <p:grpSpPr>
-          <a:xfrm>
-            <a:off x="257175" y="299720"/>
-            <a:ext cx="250825" cy="394335"/>
-            <a:chOff x="199895" y="181334"/>
-            <a:chExt cx="315595" cy="560705"/>
-          </a:xfrm>
-          <a:solidFill>
-            <a:schemeClr val="bg1"/>
-          </a:solidFill>
-        </p:grpSpPr>
-        <p:sp>
-          <p:nvSpPr>
-            <p:cNvPr id="29" name="矩形 28">
-              <a:extLst>
-                <a:ext uri="{FF2B5EF4-FFF2-40B4-BE49-F238E27FC236}">
-                  <a16:creationId xmlns:a16="http://schemas.microsoft.com/office/drawing/2014/main" id="{7FA11EDD-A5BE-8387-3D8C-B5016AFB7774}"/>
-                </a:ext>
-              </a:extLst>
-            </p:cNvPr>
-            <p:cNvSpPr/>
-            <p:nvPr>
-              <p:custDataLst>
-                <p:tags r:id="rId1"/>
-              </p:custDataLst>
-            </p:nvPr>
-          </p:nvSpPr>
-          <p:spPr>
-            <a:xfrm>
-              <a:off x="199895" y="181334"/>
-              <a:ext cx="223520" cy="560705"/>
-            </a:xfrm>
-            <a:prstGeom prst="rect">
-              <a:avLst/>
-            </a:prstGeom>
-            <a:solidFill>
-              <a:srgbClr val="951F2F"/>
-            </a:solidFill>
-            <a:ln>
-              <a:noFill/>
-            </a:ln>
-          </p:spPr>
-          <p:style>
-            <a:lnRef idx="2">
-              <a:schemeClr val="accent1">
-                <a:shade val="50000"/>
-              </a:schemeClr>
-            </a:lnRef>
-            <a:fillRef idx="1">
-              <a:schemeClr val="accent1"/>
-            </a:fillRef>
-            <a:effectRef idx="0">
-              <a:schemeClr val="accent1"/>
-            </a:effectRef>
-            <a:fontRef idx="minor">
-              <a:schemeClr val="lt1"/>
-            </a:fontRef>
-          </p:style>
-          <p:txBody>
-            <a:bodyPr wrap="square" rtlCol="0" anchor="ctr">
-              <a:normAutofit/>
-            </a:bodyPr>
-            <a:lstStyle/>
-            <a:p>
-              <a:pPr algn="ctr"/>
-              <a:endParaRPr lang="zh-CN" altLang="en-US" sz="1320">
-                <a:solidFill>
-                  <a:srgbClr val="2A608D"/>
-                </a:solidFill>
-              </a:endParaRPr>
-            </a:p>
-          </p:txBody>
-        </p:sp>
-        <p:cxnSp>
-          <p:nvCxnSpPr>
-            <p:cNvPr id="30" name="直接连接符 4">
-              <a:extLst>
-                <a:ext uri="{FF2B5EF4-FFF2-40B4-BE49-F238E27FC236}">
-                  <a16:creationId xmlns:a16="http://schemas.microsoft.com/office/drawing/2014/main" id="{1DDD2098-797F-37A5-320E-46BBE05CA819}"/>
-                </a:ext>
-              </a:extLst>
-            </p:cNvPr>
-            <p:cNvCxnSpPr/>
-            <p:nvPr>
-              <p:custDataLst>
-                <p:tags r:id="rId2"/>
-              </p:custDataLst>
-            </p:nvPr>
-          </p:nvCxnSpPr>
-          <p:spPr>
-            <a:xfrm>
-              <a:off x="515490" y="181334"/>
-              <a:ext cx="0" cy="560705"/>
-            </a:xfrm>
-            <a:prstGeom prst="line">
-              <a:avLst/>
-            </a:prstGeom>
-            <a:grpFill/>
-            <a:ln w="38100">
-              <a:solidFill>
-                <a:schemeClr val="accent5"/>
-              </a:solidFill>
-            </a:ln>
-          </p:spPr>
-          <p:style>
-            <a:lnRef idx="1">
-              <a:schemeClr val="accent1"/>
-            </a:lnRef>
-            <a:fillRef idx="0">
-              <a:schemeClr val="accent1"/>
-            </a:fillRef>
-            <a:effectRef idx="0">
-              <a:schemeClr val="accent1"/>
-            </a:effectRef>
-            <a:fontRef idx="minor">
-              <a:schemeClr val="tx1"/>
-            </a:fontRef>
-          </p:style>
-        </p:cxnSp>
-      </p:grpSp>
-    </p:spTree>
-    <p:extLst>
-      <p:ext uri="{BB962C8B-B14F-4D97-AF65-F5344CB8AC3E}">
-        <p14:creationId xmlns:p14="http://schemas.microsoft.com/office/powerpoint/2010/main" val="1418594915"/>
-      </p:ext>
-    </p:extLst>
-  </p:cSld>
-  <p:clrMapOvr>
-    <a:masterClrMapping/>
-  </p:clrMapOvr>
-</p:sld>
-</file>
-
-<file path=ppt/slides/slide19.xml><?xml version="1.0" encoding="utf-8"?>
+<file path=ppt/slides/slide17.xml><?xml version="1.0" encoding="utf-8"?>
 <p:sld xmlns:a="http://schemas.openxmlformats.org/drawingml/2006/main" xmlns:r="http://schemas.openxmlformats.org/officeDocument/2006/relationships" xmlns:p="http://schemas.openxmlformats.org/presentationml/2006/main" showMasterSp="0">
   <p:cSld>
     <p:spTree>
@@ -30289,409 +29509,6 @@
 </file>
 
 <file path=ppt/slides/slide3.xml><?xml version="1.0" encoding="utf-8"?>
-<p:sld xmlns:a="http://schemas.openxmlformats.org/drawingml/2006/main" xmlns:r="http://schemas.openxmlformats.org/officeDocument/2006/relationships" xmlns:p="http://schemas.openxmlformats.org/presentationml/2006/main">
-  <p:cSld>
-    <p:spTree>
-      <p:nvGrpSpPr>
-        <p:cNvPr id="1" name="">
-          <a:extLst>
-            <a:ext uri="{FF2B5EF4-FFF2-40B4-BE49-F238E27FC236}">
-              <a16:creationId xmlns:a16="http://schemas.microsoft.com/office/drawing/2014/main" id="{CA8AFBA1-6547-394F-9054-9C8DA0B49211}"/>
-            </a:ext>
-          </a:extLst>
-        </p:cNvPr>
-        <p:cNvGrpSpPr/>
-        <p:nvPr/>
-      </p:nvGrpSpPr>
-      <p:grpSpPr>
-        <a:xfrm>
-          <a:off x="0" y="0"/>
-          <a:ext cx="0" cy="0"/>
-          <a:chOff x="0" y="0"/>
-          <a:chExt cx="0" cy="0"/>
-        </a:xfrm>
-      </p:grpSpPr>
-      <p:sp>
-        <p:nvSpPr>
-          <p:cNvPr id="106" name="流程图: 过程 52">
-            <a:extLst>
-              <a:ext uri="{FF2B5EF4-FFF2-40B4-BE49-F238E27FC236}">
-                <a16:creationId xmlns:a16="http://schemas.microsoft.com/office/drawing/2014/main" id="{B59DB9E8-1DE3-0764-E4A6-679EF71D3D93}"/>
-              </a:ext>
-            </a:extLst>
-          </p:cNvPr>
-          <p:cNvSpPr/>
-          <p:nvPr/>
-        </p:nvSpPr>
-        <p:spPr>
-          <a:xfrm>
-            <a:off x="-10795" y="953770"/>
-            <a:ext cx="12192000" cy="168275"/>
-          </a:xfrm>
-          <a:prstGeom prst="flowChartProcess">
-            <a:avLst/>
-          </a:prstGeom>
-          <a:gradFill>
-            <a:gsLst>
-              <a:gs pos="2000">
-                <a:schemeClr val="bg1"/>
-              </a:gs>
-              <a:gs pos="78000">
-                <a:srgbClr val="9A1F2D"/>
-              </a:gs>
-              <a:gs pos="9000">
-                <a:schemeClr val="bg1"/>
-              </a:gs>
-              <a:gs pos="100000">
-                <a:srgbClr val="9A1F2D"/>
-              </a:gs>
-            </a:gsLst>
-            <a:lin ang="13500000" scaled="0"/>
-          </a:gradFill>
-          <a:ln>
-            <a:noFill/>
-          </a:ln>
-        </p:spPr>
-        <p:style>
-          <a:lnRef idx="2">
-            <a:schemeClr val="accent1">
-              <a:shade val="50000"/>
-            </a:schemeClr>
-          </a:lnRef>
-          <a:fillRef idx="1">
-            <a:schemeClr val="accent1"/>
-          </a:fillRef>
-          <a:effectRef idx="0">
-            <a:schemeClr val="accent1"/>
-          </a:effectRef>
-          <a:fontRef idx="minor">
-            <a:schemeClr val="lt1"/>
-          </a:fontRef>
-        </p:style>
-        <p:txBody>
-          <a:bodyPr rtlCol="0" anchor="ctr"/>
-          <a:lstStyle/>
-          <a:p>
-            <a:pPr algn="ctr"/>
-            <a:endParaRPr lang="zh-CN" altLang="en-US"/>
-          </a:p>
-        </p:txBody>
-      </p:sp>
-      <p:pic>
-        <p:nvPicPr>
-          <p:cNvPr id="2" name="图片 1">
-            <a:extLst>
-              <a:ext uri="{FF2B5EF4-FFF2-40B4-BE49-F238E27FC236}">
-                <a16:creationId xmlns:a16="http://schemas.microsoft.com/office/drawing/2014/main" id="{DC22CBB3-385B-B45E-97D7-5D3414CF1D79}"/>
-              </a:ext>
-            </a:extLst>
-          </p:cNvPr>
-          <p:cNvPicPr>
-            <a:picLocks noChangeAspect="1"/>
-          </p:cNvPicPr>
-          <p:nvPr/>
-        </p:nvPicPr>
-        <p:blipFill>
-          <a:blip r:embed="rId5"/>
-          <a:stretch>
-            <a:fillRect/>
-          </a:stretch>
-        </p:blipFill>
-        <p:spPr>
-          <a:xfrm>
-            <a:off x="11102975" y="0"/>
-            <a:ext cx="1078230" cy="1122680"/>
-          </a:xfrm>
-          <a:prstGeom prst="rect">
-            <a:avLst/>
-          </a:prstGeom>
-        </p:spPr>
-      </p:pic>
-      <p:sp>
-        <p:nvSpPr>
-          <p:cNvPr id="3" name="文本框 2">
-            <a:extLst>
-              <a:ext uri="{FF2B5EF4-FFF2-40B4-BE49-F238E27FC236}">
-                <a16:creationId xmlns:a16="http://schemas.microsoft.com/office/drawing/2014/main" id="{3C6207FD-F71D-B1DF-B124-BB8B2A0E89CA}"/>
-              </a:ext>
-            </a:extLst>
-          </p:cNvPr>
-          <p:cNvSpPr txBox="1"/>
-          <p:nvPr/>
-        </p:nvSpPr>
-        <p:spPr>
-          <a:xfrm flipH="1">
-            <a:off x="549907" y="163830"/>
-            <a:ext cx="7750419" cy="706755"/>
-          </a:xfrm>
-          <a:prstGeom prst="rect">
-            <a:avLst/>
-          </a:prstGeom>
-          <a:noFill/>
-        </p:spPr>
-        <p:txBody>
-          <a:bodyPr wrap="square" rtlCol="0">
-            <a:spAutoFit/>
-          </a:bodyPr>
-          <a:lstStyle>
-            <a:defPPr>
-              <a:defRPr lang="zh-CN"/>
-            </a:defPPr>
-            <a:lvl1pPr marL="0" algn="l" defTabSz="914400" rtl="0" eaLnBrk="1" latinLnBrk="0" hangingPunct="1">
-              <a:defRPr sz="1800" kern="1200">
-                <a:solidFill>
-                  <a:schemeClr val="tx1"/>
-                </a:solidFill>
-                <a:latin typeface="+mn-lt"/>
-                <a:ea typeface="+mn-ea"/>
-                <a:cs typeface="+mn-cs"/>
-              </a:defRPr>
-            </a:lvl1pPr>
-            <a:lvl2pPr marL="457200" algn="l" defTabSz="914400" rtl="0" eaLnBrk="1" latinLnBrk="0" hangingPunct="1">
-              <a:defRPr sz="1800" kern="1200">
-                <a:solidFill>
-                  <a:schemeClr val="tx1"/>
-                </a:solidFill>
-                <a:latin typeface="+mn-lt"/>
-                <a:ea typeface="+mn-ea"/>
-                <a:cs typeface="+mn-cs"/>
-              </a:defRPr>
-            </a:lvl2pPr>
-            <a:lvl3pPr marL="914400" algn="l" defTabSz="914400" rtl="0" eaLnBrk="1" latinLnBrk="0" hangingPunct="1">
-              <a:defRPr sz="1800" kern="1200">
-                <a:solidFill>
-                  <a:schemeClr val="tx1"/>
-                </a:solidFill>
-                <a:latin typeface="+mn-lt"/>
-                <a:ea typeface="+mn-ea"/>
-                <a:cs typeface="+mn-cs"/>
-              </a:defRPr>
-            </a:lvl3pPr>
-            <a:lvl4pPr marL="1371600" algn="l" defTabSz="914400" rtl="0" eaLnBrk="1" latinLnBrk="0" hangingPunct="1">
-              <a:defRPr sz="1800" kern="1200">
-                <a:solidFill>
-                  <a:schemeClr val="tx1"/>
-                </a:solidFill>
-                <a:latin typeface="+mn-lt"/>
-                <a:ea typeface="+mn-ea"/>
-                <a:cs typeface="+mn-cs"/>
-              </a:defRPr>
-            </a:lvl4pPr>
-            <a:lvl5pPr marL="1828800" algn="l" defTabSz="914400" rtl="0" eaLnBrk="1" latinLnBrk="0" hangingPunct="1">
-              <a:defRPr sz="1800" kern="1200">
-                <a:solidFill>
-                  <a:schemeClr val="tx1"/>
-                </a:solidFill>
-                <a:latin typeface="+mn-lt"/>
-                <a:ea typeface="+mn-ea"/>
-                <a:cs typeface="+mn-cs"/>
-              </a:defRPr>
-            </a:lvl5pPr>
-            <a:lvl6pPr marL="2286000" algn="l" defTabSz="914400" rtl="0" eaLnBrk="1" latinLnBrk="0" hangingPunct="1">
-              <a:defRPr sz="1800" kern="1200">
-                <a:solidFill>
-                  <a:schemeClr val="tx1"/>
-                </a:solidFill>
-                <a:latin typeface="+mn-lt"/>
-                <a:ea typeface="+mn-ea"/>
-                <a:cs typeface="+mn-cs"/>
-              </a:defRPr>
-            </a:lvl6pPr>
-            <a:lvl7pPr marL="2743200" algn="l" defTabSz="914400" rtl="0" eaLnBrk="1" latinLnBrk="0" hangingPunct="1">
-              <a:defRPr sz="1800" kern="1200">
-                <a:solidFill>
-                  <a:schemeClr val="tx1"/>
-                </a:solidFill>
-                <a:latin typeface="+mn-lt"/>
-                <a:ea typeface="+mn-ea"/>
-                <a:cs typeface="+mn-cs"/>
-              </a:defRPr>
-            </a:lvl7pPr>
-            <a:lvl8pPr marL="3200400" algn="l" defTabSz="914400" rtl="0" eaLnBrk="1" latinLnBrk="0" hangingPunct="1">
-              <a:defRPr sz="1800" kern="1200">
-                <a:solidFill>
-                  <a:schemeClr val="tx1"/>
-                </a:solidFill>
-                <a:latin typeface="+mn-lt"/>
-                <a:ea typeface="+mn-ea"/>
-                <a:cs typeface="+mn-cs"/>
-              </a:defRPr>
-            </a:lvl8pPr>
-            <a:lvl9pPr marL="3657600" algn="l" defTabSz="914400" rtl="0" eaLnBrk="1" latinLnBrk="0" hangingPunct="1">
-              <a:defRPr sz="1800" kern="1200">
-                <a:solidFill>
-                  <a:schemeClr val="tx1"/>
-                </a:solidFill>
-                <a:latin typeface="+mn-lt"/>
-                <a:ea typeface="+mn-ea"/>
-                <a:cs typeface="+mn-cs"/>
-              </a:defRPr>
-            </a:lvl9pPr>
-          </a:lstStyle>
-          <a:p>
-            <a:pPr lvl="0">
-              <a:defRPr/>
-            </a:pPr>
-            <a:r>
-              <a:rPr lang="zh-CN" altLang="en-US" sz="4000" b="1" dirty="0">
-                <a:solidFill>
-                  <a:srgbClr val="9A1F2D"/>
-                </a:solidFill>
-                <a:latin typeface="微软雅黑" panose="020B0503020204020204" charset="-122"/>
-                <a:ea typeface="微软雅黑" panose="020B0503020204020204" charset="-122"/>
-                <a:sym typeface="Helvetica Light"/>
-              </a:rPr>
-              <a:t>队伍介绍</a:t>
-            </a:r>
-          </a:p>
-        </p:txBody>
-      </p:sp>
-      <p:grpSp>
-        <p:nvGrpSpPr>
-          <p:cNvPr id="4" name="组 2">
-            <a:extLst>
-              <a:ext uri="{FF2B5EF4-FFF2-40B4-BE49-F238E27FC236}">
-                <a16:creationId xmlns:a16="http://schemas.microsoft.com/office/drawing/2014/main" id="{9385F5BE-1217-2FEF-0F3A-56F45A5790C9}"/>
-              </a:ext>
-            </a:extLst>
-          </p:cNvPr>
-          <p:cNvGrpSpPr/>
-          <p:nvPr/>
-        </p:nvGrpSpPr>
-        <p:grpSpPr>
-          <a:xfrm>
-            <a:off x="257175" y="299720"/>
-            <a:ext cx="250825" cy="394335"/>
-            <a:chOff x="199895" y="181334"/>
-            <a:chExt cx="315595" cy="560705"/>
-          </a:xfrm>
-          <a:solidFill>
-            <a:schemeClr val="bg1"/>
-          </a:solidFill>
-        </p:grpSpPr>
-        <p:sp>
-          <p:nvSpPr>
-            <p:cNvPr id="29" name="矩形 28">
-              <a:extLst>
-                <a:ext uri="{FF2B5EF4-FFF2-40B4-BE49-F238E27FC236}">
-                  <a16:creationId xmlns:a16="http://schemas.microsoft.com/office/drawing/2014/main" id="{F8239E27-9AFF-C086-C5E4-32937C9A9124}"/>
-                </a:ext>
-              </a:extLst>
-            </p:cNvPr>
-            <p:cNvSpPr/>
-            <p:nvPr>
-              <p:custDataLst>
-                <p:tags r:id="rId1"/>
-              </p:custDataLst>
-            </p:nvPr>
-          </p:nvSpPr>
-          <p:spPr>
-            <a:xfrm>
-              <a:off x="199895" y="181334"/>
-              <a:ext cx="223520" cy="560705"/>
-            </a:xfrm>
-            <a:prstGeom prst="rect">
-              <a:avLst/>
-            </a:prstGeom>
-            <a:solidFill>
-              <a:srgbClr val="951F2F"/>
-            </a:solidFill>
-            <a:ln>
-              <a:noFill/>
-            </a:ln>
-          </p:spPr>
-          <p:style>
-            <a:lnRef idx="2">
-              <a:schemeClr val="accent1">
-                <a:shade val="50000"/>
-              </a:schemeClr>
-            </a:lnRef>
-            <a:fillRef idx="1">
-              <a:schemeClr val="accent1"/>
-            </a:fillRef>
-            <a:effectRef idx="0">
-              <a:schemeClr val="accent1"/>
-            </a:effectRef>
-            <a:fontRef idx="minor">
-              <a:schemeClr val="lt1"/>
-            </a:fontRef>
-          </p:style>
-          <p:txBody>
-            <a:bodyPr wrap="square" rtlCol="0" anchor="ctr">
-              <a:normAutofit/>
-            </a:bodyPr>
-            <a:lstStyle/>
-            <a:p>
-              <a:pPr algn="ctr"/>
-              <a:endParaRPr lang="zh-CN" altLang="en-US" sz="1320">
-                <a:solidFill>
-                  <a:srgbClr val="2A608D"/>
-                </a:solidFill>
-              </a:endParaRPr>
-            </a:p>
-          </p:txBody>
-        </p:sp>
-        <p:cxnSp>
-          <p:nvCxnSpPr>
-            <p:cNvPr id="30" name="直接连接符 4">
-              <a:extLst>
-                <a:ext uri="{FF2B5EF4-FFF2-40B4-BE49-F238E27FC236}">
-                  <a16:creationId xmlns:a16="http://schemas.microsoft.com/office/drawing/2014/main" id="{6A144F55-1B5D-49B2-88CA-E01524C9C580}"/>
-                </a:ext>
-              </a:extLst>
-            </p:cNvPr>
-            <p:cNvCxnSpPr/>
-            <p:nvPr>
-              <p:custDataLst>
-                <p:tags r:id="rId2"/>
-              </p:custDataLst>
-            </p:nvPr>
-          </p:nvCxnSpPr>
-          <p:spPr>
-            <a:xfrm>
-              <a:off x="515490" y="181334"/>
-              <a:ext cx="0" cy="560705"/>
-            </a:xfrm>
-            <a:prstGeom prst="line">
-              <a:avLst/>
-            </a:prstGeom>
-            <a:grpFill/>
-            <a:ln w="38100">
-              <a:solidFill>
-                <a:schemeClr val="accent5"/>
-              </a:solidFill>
-            </a:ln>
-          </p:spPr>
-          <p:style>
-            <a:lnRef idx="1">
-              <a:schemeClr val="accent1"/>
-            </a:lnRef>
-            <a:fillRef idx="0">
-              <a:schemeClr val="accent1"/>
-            </a:fillRef>
-            <a:effectRef idx="0">
-              <a:schemeClr val="accent1"/>
-            </a:effectRef>
-            <a:fontRef idx="minor">
-              <a:schemeClr val="tx1"/>
-            </a:fontRef>
-          </p:style>
-        </p:cxnSp>
-      </p:grpSp>
-    </p:spTree>
-    <p:extLst>
-      <p:ext uri="{BB962C8B-B14F-4D97-AF65-F5344CB8AC3E}">
-        <p14:creationId xmlns:p14="http://schemas.microsoft.com/office/powerpoint/2010/main" val="2611367877"/>
-      </p:ext>
-    </p:extLst>
-  </p:cSld>
-  <p:clrMapOvr>
-    <a:masterClrMapping/>
-  </p:clrMapOvr>
-</p:sld>
-</file>
-
-<file path=ppt/slides/slide4.xml><?xml version="1.0" encoding="utf-8"?>
 <p:sld xmlns:a="http://schemas.openxmlformats.org/drawingml/2006/main" xmlns:r="http://schemas.openxmlformats.org/officeDocument/2006/relationships" xmlns:p="http://schemas.openxmlformats.org/presentationml/2006/main">
   <p:cSld>
     <p:spTree>
@@ -31083,10 +29900,10 @@
       </p:grpSp>
       <p:pic>
         <p:nvPicPr>
-          <p:cNvPr id="11" name="图片 10">
+          <p:cNvPr id="6" name="图片 5">
             <a:extLst>
               <a:ext uri="{FF2B5EF4-FFF2-40B4-BE49-F238E27FC236}">
-                <a16:creationId xmlns:a16="http://schemas.microsoft.com/office/drawing/2014/main" id="{4E105AEF-72D9-A4CE-1711-AA2029F292E8}"/>
+                <a16:creationId xmlns:a16="http://schemas.microsoft.com/office/drawing/2014/main" id="{36088B13-DCF9-18EE-576B-F92AD6ACA19D}"/>
               </a:ext>
             </a:extLst>
           </p:cNvPr>
@@ -31103,8 +29920,8 @@
         </p:blipFill>
         <p:spPr>
           <a:xfrm>
-            <a:off x="0" y="1573180"/>
-            <a:ext cx="12192000" cy="4538575"/>
+            <a:off x="0" y="1485127"/>
+            <a:ext cx="12192000" cy="4820262"/>
           </a:xfrm>
           <a:prstGeom prst="rect">
             <a:avLst/>
@@ -31124,7 +29941,7 @@
 </p:sld>
 </file>
 
-<file path=ppt/slides/slide5.xml><?xml version="1.0" encoding="utf-8"?>
+<file path=ppt/slides/slide4.xml><?xml version="1.0" encoding="utf-8"?>
 <p:sld xmlns:a="http://schemas.openxmlformats.org/drawingml/2006/main" xmlns:r="http://schemas.openxmlformats.org/officeDocument/2006/relationships" xmlns:p="http://schemas.openxmlformats.org/presentationml/2006/main">
   <p:cSld>
     <p:spTree>
@@ -31189,7 +30006,7 @@
 </p:sld>
 </file>
 
-<file path=ppt/slides/slide6.xml><?xml version="1.0" encoding="utf-8"?>
+<file path=ppt/slides/slide5.xml><?xml version="1.0" encoding="utf-8"?>
 <p:sld xmlns:a="http://schemas.openxmlformats.org/drawingml/2006/main" xmlns:r="http://schemas.openxmlformats.org/officeDocument/2006/relationships" xmlns:p="http://schemas.openxmlformats.org/presentationml/2006/main">
   <p:cSld>
     <p:spTree>
@@ -32207,7 +31024,7 @@
           <a:lstStyle/>
           <a:p>
             <a:r>
-              <a:rPr lang="zh-CN" altLang="en-US" b="1">
+              <a:rPr lang="zh-CN" altLang="en-US" b="1" dirty="0">
                 <a:effectLst>
                   <a:outerShdw blurRad="38100" dist="38100" dir="2700000" algn="tl">
                     <a:srgbClr val="000000">
@@ -32222,7 +31039,7 @@
               <a:t>作用域层级</a:t>
             </a:r>
             <a:r>
-              <a:rPr lang="en-US" altLang="zh-CN" b="1">
+              <a:rPr lang="en-US" altLang="zh-CN" b="1" dirty="0">
                 <a:effectLst>
                   <a:outerShdw blurRad="38100" dist="38100" dir="2700000" algn="tl">
                     <a:srgbClr val="000000">
@@ -32240,7 +31057,7 @@
           <a:p>
             <a:pPr algn="l"/>
             <a:r>
-              <a:rPr lang="en-US" altLang="zh-CN" sz="1400">
+              <a:rPr lang="en-US" altLang="zh-CN" sz="1400" dirty="0">
                 <a:latin typeface="微软雅黑" panose="020B0503020204020204" pitchFamily="34" charset="-122"/>
                 <a:ea typeface="微软雅黑" panose="020B0503020204020204" pitchFamily="34" charset="-122"/>
                 <a:cs typeface="微软雅黑" panose="020B0503020204020204" pitchFamily="34" charset="-122"/>
@@ -32248,7 +31065,7 @@
               <a:t>            - </a:t>
             </a:r>
             <a:r>
-              <a:rPr lang="zh-CN" altLang="en-US" sz="1400">
+              <a:rPr lang="zh-CN" altLang="en-US" sz="1400" dirty="0">
                 <a:latin typeface="微软雅黑" panose="020B0503020204020204" pitchFamily="34" charset="-122"/>
                 <a:ea typeface="微软雅黑" panose="020B0503020204020204" pitchFamily="34" charset="-122"/>
                 <a:cs typeface="微软雅黑" panose="020B0503020204020204" pitchFamily="34" charset="-122"/>
@@ -32259,7 +31076,7 @@
           <a:p>
             <a:pPr algn="l"/>
             <a:r>
-              <a:rPr lang="en-US" altLang="zh-CN" sz="1400">
+              <a:rPr lang="en-US" altLang="zh-CN" sz="1400" dirty="0">
                 <a:latin typeface="微软雅黑" panose="020B0503020204020204" pitchFamily="34" charset="-122"/>
                 <a:ea typeface="微软雅黑" panose="020B0503020204020204" pitchFamily="34" charset="-122"/>
                 <a:cs typeface="微软雅黑" panose="020B0503020204020204" pitchFamily="34" charset="-122"/>
@@ -32268,7 +31085,7 @@
               <a:t>            </a:t>
             </a:r>
             <a:r>
-              <a:rPr lang="en-US" altLang="zh-CN" sz="1400">
+              <a:rPr lang="en-US" altLang="zh-CN" sz="1400" dirty="0">
                 <a:latin typeface="微软雅黑" panose="020B0503020204020204" pitchFamily="34" charset="-122"/>
                 <a:ea typeface="微软雅黑" panose="020B0503020204020204" pitchFamily="34" charset="-122"/>
                 <a:cs typeface="微软雅黑" panose="020B0503020204020204" pitchFamily="34" charset="-122"/>
@@ -32276,7 +31093,7 @@
               <a:t>- </a:t>
             </a:r>
             <a:r>
-              <a:rPr lang="zh-CN" altLang="en-US" sz="1400">
+              <a:rPr lang="zh-CN" altLang="en-US" sz="1400" dirty="0">
                 <a:latin typeface="微软雅黑" panose="020B0503020204020204" pitchFamily="34" charset="-122"/>
                 <a:ea typeface="微软雅黑" panose="020B0503020204020204" pitchFamily="34" charset="-122"/>
                 <a:cs typeface="微软雅黑" panose="020B0503020204020204" pitchFamily="34" charset="-122"/>
@@ -32287,7 +31104,7 @@
           <a:p>
             <a:pPr algn="l"/>
             <a:r>
-              <a:rPr lang="en-US" altLang="zh-CN" sz="1400">
+              <a:rPr lang="en-US" altLang="zh-CN" sz="1400" dirty="0">
                 <a:latin typeface="微软雅黑" panose="020B0503020204020204" pitchFamily="34" charset="-122"/>
                 <a:ea typeface="微软雅黑" panose="020B0503020204020204" pitchFamily="34" charset="-122"/>
                 <a:cs typeface="微软雅黑" panose="020B0503020204020204" pitchFamily="34" charset="-122"/>
@@ -32296,7 +31113,7 @@
               <a:t>            </a:t>
             </a:r>
             <a:r>
-              <a:rPr lang="en-US" altLang="zh-CN" sz="1400">
+              <a:rPr lang="en-US" altLang="zh-CN" sz="1400" dirty="0">
                 <a:latin typeface="微软雅黑" panose="020B0503020204020204" pitchFamily="34" charset="-122"/>
                 <a:ea typeface="微软雅黑" panose="020B0503020204020204" pitchFamily="34" charset="-122"/>
                 <a:cs typeface="微软雅黑" panose="020B0503020204020204" pitchFamily="34" charset="-122"/>
@@ -32304,7 +31121,7 @@
               <a:t>- </a:t>
             </a:r>
             <a:r>
-              <a:rPr lang="zh-CN" altLang="en-US" sz="1400">
+              <a:rPr lang="zh-CN" altLang="en-US" sz="1400" dirty="0">
                 <a:latin typeface="微软雅黑" panose="020B0503020204020204" pitchFamily="34" charset="-122"/>
                 <a:ea typeface="微软雅黑" panose="020B0503020204020204" pitchFamily="34" charset="-122"/>
                 <a:cs typeface="微软雅黑" panose="020B0503020204020204" pitchFamily="34" charset="-122"/>
@@ -32314,7 +31131,7 @@
           </a:p>
           <a:p>
             <a:pPr algn="l"/>
-            <a:endParaRPr lang="zh-CN" altLang="en-US" sz="1400">
+            <a:endParaRPr lang="zh-CN" altLang="en-US" sz="1400" dirty="0">
               <a:latin typeface="微软雅黑" panose="020B0503020204020204" pitchFamily="34" charset="-122"/>
               <a:ea typeface="微软雅黑" panose="020B0503020204020204" pitchFamily="34" charset="-122"/>
               <a:cs typeface="微软雅黑" panose="020B0503020204020204" pitchFamily="34" charset="-122"/>
@@ -32322,7 +31139,7 @@
           </a:p>
           <a:p>
             <a:r>
-              <a:rPr lang="zh-CN" altLang="en-US" b="1">
+              <a:rPr lang="zh-CN" altLang="en-US" b="1" dirty="0">
                 <a:effectLst>
                   <a:outerShdw blurRad="38100" dist="38100" dir="2700000" algn="tl">
                     <a:srgbClr val="000000">
@@ -32339,7 +31156,7 @@
           </a:p>
           <a:p>
             <a:r>
-              <a:rPr lang="en-US" altLang="zh-CN" sz="1400">
+              <a:rPr lang="en-US" altLang="zh-CN" sz="1400" dirty="0">
                 <a:latin typeface="微软雅黑" panose="020B0503020204020204" pitchFamily="34" charset="-122"/>
                 <a:ea typeface="微软雅黑" panose="020B0503020204020204" pitchFamily="34" charset="-122"/>
                 <a:cs typeface="微软雅黑" panose="020B0503020204020204" pitchFamily="34" charset="-122"/>
@@ -32348,7 +31165,7 @@
               <a:t>            </a:t>
             </a:r>
             <a:r>
-              <a:rPr lang="en-US" altLang="zh-CN" sz="1400">
+              <a:rPr lang="en-US" altLang="zh-CN" sz="1400" dirty="0">
                 <a:solidFill>
                   <a:schemeClr val="tx1">
                     <a:lumMod val="50000"/>
@@ -32359,12 +31176,10 @@
                 <a:ea typeface="微软雅黑" panose="020B0503020204020204" pitchFamily="34" charset="-122"/>
                 <a:cs typeface="微软雅黑" panose="020B0503020204020204" pitchFamily="34" charset="-122"/>
               </a:rPr>
-              <a:t>- name , kind type , storage , constness , init , </a:t>
-            </a:r>
-          </a:p>
-          <a:p>
-            <a:r>
-              <a:rPr lang="en-US" altLang="zh-CN" sz="1400">
+              <a:t>- name , kind type , storage , </a:t>
+            </a:r>
+            <a:r>
+              <a:rPr lang="en-US" altLang="zh-CN" sz="1400" dirty="0" err="1">
                 <a:solidFill>
                   <a:schemeClr val="tx1">
                     <a:lumMod val="50000"/>
@@ -32375,11 +31190,137 @@
                 <a:ea typeface="微软雅黑" panose="020B0503020204020204" pitchFamily="34" charset="-122"/>
                 <a:cs typeface="微软雅黑" panose="020B0503020204020204" pitchFamily="34" charset="-122"/>
               </a:rPr>
-              <a:t>     array_meta , function_meta , source_loc</a:t>
+              <a:t>constness</a:t>
+            </a:r>
+            <a:r>
+              <a:rPr lang="en-US" altLang="zh-CN" sz="1400" dirty="0">
+                <a:solidFill>
+                  <a:schemeClr val="tx1">
+                    <a:lumMod val="50000"/>
+                    <a:lumOff val="50000"/>
+                  </a:schemeClr>
+                </a:solidFill>
+                <a:latin typeface="微软雅黑" panose="020B0503020204020204" pitchFamily="34" charset="-122"/>
+                <a:ea typeface="微软雅黑" panose="020B0503020204020204" pitchFamily="34" charset="-122"/>
+                <a:cs typeface="微软雅黑" panose="020B0503020204020204" pitchFamily="34" charset="-122"/>
+              </a:rPr>
+              <a:t> , </a:t>
+            </a:r>
+            <a:r>
+              <a:rPr lang="en-US" altLang="zh-CN" sz="1400" dirty="0" err="1">
+                <a:solidFill>
+                  <a:schemeClr val="tx1">
+                    <a:lumMod val="50000"/>
+                    <a:lumOff val="50000"/>
+                  </a:schemeClr>
+                </a:solidFill>
+                <a:latin typeface="微软雅黑" panose="020B0503020204020204" pitchFamily="34" charset="-122"/>
+                <a:ea typeface="微软雅黑" panose="020B0503020204020204" pitchFamily="34" charset="-122"/>
+                <a:cs typeface="微软雅黑" panose="020B0503020204020204" pitchFamily="34" charset="-122"/>
+              </a:rPr>
+              <a:t>init</a:t>
+            </a:r>
+            <a:r>
+              <a:rPr lang="en-US" altLang="zh-CN" sz="1400" dirty="0">
+                <a:solidFill>
+                  <a:schemeClr val="tx1">
+                    <a:lumMod val="50000"/>
+                    <a:lumOff val="50000"/>
+                  </a:schemeClr>
+                </a:solidFill>
+                <a:latin typeface="微软雅黑" panose="020B0503020204020204" pitchFamily="34" charset="-122"/>
+                <a:ea typeface="微软雅黑" panose="020B0503020204020204" pitchFamily="34" charset="-122"/>
+                <a:cs typeface="微软雅黑" panose="020B0503020204020204" pitchFamily="34" charset="-122"/>
+              </a:rPr>
+              <a:t> , </a:t>
             </a:r>
           </a:p>
           <a:p>
-            <a:endParaRPr lang="en-US" altLang="zh-CN" sz="1400">
+            <a:r>
+              <a:rPr lang="en-US" altLang="zh-CN" sz="1400" dirty="0">
+                <a:solidFill>
+                  <a:schemeClr val="tx1">
+                    <a:lumMod val="50000"/>
+                    <a:lumOff val="50000"/>
+                  </a:schemeClr>
+                </a:solidFill>
+                <a:latin typeface="微软雅黑" panose="020B0503020204020204" pitchFamily="34" charset="-122"/>
+                <a:ea typeface="微软雅黑" panose="020B0503020204020204" pitchFamily="34" charset="-122"/>
+                <a:cs typeface="微软雅黑" panose="020B0503020204020204" pitchFamily="34" charset="-122"/>
+              </a:rPr>
+              <a:t>     </a:t>
+            </a:r>
+            <a:r>
+              <a:rPr lang="en-US" altLang="zh-CN" sz="1400" dirty="0" err="1">
+                <a:solidFill>
+                  <a:schemeClr val="tx1">
+                    <a:lumMod val="50000"/>
+                    <a:lumOff val="50000"/>
+                  </a:schemeClr>
+                </a:solidFill>
+                <a:latin typeface="微软雅黑" panose="020B0503020204020204" pitchFamily="34" charset="-122"/>
+                <a:ea typeface="微软雅黑" panose="020B0503020204020204" pitchFamily="34" charset="-122"/>
+                <a:cs typeface="微软雅黑" panose="020B0503020204020204" pitchFamily="34" charset="-122"/>
+              </a:rPr>
+              <a:t>array_meta</a:t>
+            </a:r>
+            <a:r>
+              <a:rPr lang="en-US" altLang="zh-CN" sz="1400" dirty="0">
+                <a:solidFill>
+                  <a:schemeClr val="tx1">
+                    <a:lumMod val="50000"/>
+                    <a:lumOff val="50000"/>
+                  </a:schemeClr>
+                </a:solidFill>
+                <a:latin typeface="微软雅黑" panose="020B0503020204020204" pitchFamily="34" charset="-122"/>
+                <a:ea typeface="微软雅黑" panose="020B0503020204020204" pitchFamily="34" charset="-122"/>
+                <a:cs typeface="微软雅黑" panose="020B0503020204020204" pitchFamily="34" charset="-122"/>
+              </a:rPr>
+              <a:t> , </a:t>
+            </a:r>
+            <a:r>
+              <a:rPr lang="en-US" altLang="zh-CN" sz="1400" dirty="0" err="1">
+                <a:solidFill>
+                  <a:schemeClr val="tx1">
+                    <a:lumMod val="50000"/>
+                    <a:lumOff val="50000"/>
+                  </a:schemeClr>
+                </a:solidFill>
+                <a:latin typeface="微软雅黑" panose="020B0503020204020204" pitchFamily="34" charset="-122"/>
+                <a:ea typeface="微软雅黑" panose="020B0503020204020204" pitchFamily="34" charset="-122"/>
+                <a:cs typeface="微软雅黑" panose="020B0503020204020204" pitchFamily="34" charset="-122"/>
+              </a:rPr>
+              <a:t>function_meta</a:t>
+            </a:r>
+            <a:r>
+              <a:rPr lang="en-US" altLang="zh-CN" sz="1400" dirty="0">
+                <a:solidFill>
+                  <a:schemeClr val="tx1">
+                    <a:lumMod val="50000"/>
+                    <a:lumOff val="50000"/>
+                  </a:schemeClr>
+                </a:solidFill>
+                <a:latin typeface="微软雅黑" panose="020B0503020204020204" pitchFamily="34" charset="-122"/>
+                <a:ea typeface="微软雅黑" panose="020B0503020204020204" pitchFamily="34" charset="-122"/>
+                <a:cs typeface="微软雅黑" panose="020B0503020204020204" pitchFamily="34" charset="-122"/>
+              </a:rPr>
+              <a:t> , </a:t>
+            </a:r>
+            <a:r>
+              <a:rPr lang="en-US" altLang="zh-CN" sz="1400" dirty="0" err="1">
+                <a:solidFill>
+                  <a:schemeClr val="tx1">
+                    <a:lumMod val="50000"/>
+                    <a:lumOff val="50000"/>
+                  </a:schemeClr>
+                </a:solidFill>
+                <a:latin typeface="微软雅黑" panose="020B0503020204020204" pitchFamily="34" charset="-122"/>
+                <a:ea typeface="微软雅黑" panose="020B0503020204020204" pitchFamily="34" charset="-122"/>
+                <a:cs typeface="微软雅黑" panose="020B0503020204020204" pitchFamily="34" charset="-122"/>
+              </a:rPr>
+              <a:t>source_loc</a:t>
+            </a:r>
+            <a:endParaRPr lang="en-US" altLang="zh-CN" sz="1400" dirty="0">
               <a:solidFill>
                 <a:schemeClr val="tx1">
                   <a:lumMod val="50000"/>
@@ -32392,255 +31333,7 @@
             </a:endParaRPr>
           </a:p>
           <a:p>
-            <a:r>
-              <a:rPr lang="zh-CN" altLang="en-US" b="1">
-                <a:effectLst>
-                  <a:outerShdw blurRad="38100" dist="38100" dir="2700000" algn="tl">
-                    <a:srgbClr val="000000">
-                      <a:alpha val="43137"/>
-                    </a:srgbClr>
-                  </a:outerShdw>
-                </a:effectLst>
-                <a:latin typeface="微软雅黑" panose="020B0503020204020204" pitchFamily="34" charset="-122"/>
-                <a:ea typeface="微软雅黑" panose="020B0503020204020204" pitchFamily="34" charset="-122"/>
-                <a:cs typeface="微软雅黑" panose="020B0503020204020204" pitchFamily="34" charset="-122"/>
-              </a:rPr>
-              <a:t>类型等价与兼容策略</a:t>
-            </a:r>
-          </a:p>
-          <a:p>
-            <a:r>
-              <a:rPr lang="en-US" altLang="zh-CN" sz="1400">
-                <a:latin typeface="微软雅黑" panose="020B0503020204020204" pitchFamily="34" charset="-122"/>
-                <a:ea typeface="微软雅黑" panose="020B0503020204020204" pitchFamily="34" charset="-122"/>
-                <a:cs typeface="微软雅黑" panose="020B0503020204020204" pitchFamily="34" charset="-122"/>
-                <a:sym typeface="+mn-ea"/>
-              </a:rPr>
-              <a:t>            </a:t>
-            </a:r>
-            <a:r>
-              <a:rPr lang="en-US" altLang="zh-CN" sz="1400">
-                <a:latin typeface="微软雅黑" panose="020B0503020204020204" pitchFamily="34" charset="-122"/>
-                <a:ea typeface="微软雅黑" panose="020B0503020204020204" pitchFamily="34" charset="-122"/>
-                <a:cs typeface="微软雅黑" panose="020B0503020204020204" pitchFamily="34" charset="-122"/>
-              </a:rPr>
-              <a:t>- </a:t>
-            </a:r>
-            <a:r>
-              <a:rPr lang="zh-CN" altLang="en-US" sz="1400">
-                <a:latin typeface="微软雅黑" panose="020B0503020204020204" pitchFamily="34" charset="-122"/>
-                <a:ea typeface="微软雅黑" panose="020B0503020204020204" pitchFamily="34" charset="-122"/>
-                <a:cs typeface="微软雅黑" panose="020B0503020204020204" pitchFamily="34" charset="-122"/>
-              </a:rPr>
-              <a:t>等价</a:t>
-            </a:r>
-            <a:r>
-              <a:rPr lang="en-US" altLang="zh-CN" sz="1400">
-                <a:latin typeface="微软雅黑" panose="020B0503020204020204" pitchFamily="34" charset="-122"/>
-                <a:ea typeface="微软雅黑" panose="020B0503020204020204" pitchFamily="34" charset="-122"/>
-                <a:cs typeface="微软雅黑" panose="020B0503020204020204" pitchFamily="34" charset="-122"/>
-              </a:rPr>
-              <a:t> equals</a:t>
-            </a:r>
-            <a:r>
-              <a:rPr lang="zh-CN" altLang="en-US" sz="1400">
-                <a:latin typeface="微软雅黑" panose="020B0503020204020204" pitchFamily="34" charset="-122"/>
-                <a:ea typeface="微软雅黑" panose="020B0503020204020204" pitchFamily="34" charset="-122"/>
-                <a:cs typeface="微软雅黑" panose="020B0503020204020204" pitchFamily="34" charset="-122"/>
-              </a:rPr>
-              <a:t>：结构完全一致</a:t>
-            </a:r>
-          </a:p>
-          <a:p>
-            <a:r>
-              <a:rPr lang="en-US" altLang="zh-CN" sz="1400">
-                <a:latin typeface="微软雅黑" panose="020B0503020204020204" pitchFamily="34" charset="-122"/>
-                <a:ea typeface="微软雅黑" panose="020B0503020204020204" pitchFamily="34" charset="-122"/>
-                <a:cs typeface="微软雅黑" panose="020B0503020204020204" pitchFamily="34" charset="-122"/>
-                <a:sym typeface="+mn-ea"/>
-              </a:rPr>
-              <a:t>            </a:t>
-            </a:r>
-            <a:r>
-              <a:rPr lang="en-US" altLang="zh-CN" sz="1400">
-                <a:latin typeface="微软雅黑" panose="020B0503020204020204" pitchFamily="34" charset="-122"/>
-                <a:ea typeface="微软雅黑" panose="020B0503020204020204" pitchFamily="34" charset="-122"/>
-                <a:cs typeface="微软雅黑" panose="020B0503020204020204" pitchFamily="34" charset="-122"/>
-              </a:rPr>
-              <a:t>- </a:t>
-            </a:r>
-            <a:r>
-              <a:rPr lang="zh-CN" altLang="en-US" sz="1400">
-                <a:latin typeface="微软雅黑" panose="020B0503020204020204" pitchFamily="34" charset="-122"/>
-                <a:ea typeface="微软雅黑" panose="020B0503020204020204" pitchFamily="34" charset="-122"/>
-                <a:cs typeface="微软雅黑" panose="020B0503020204020204" pitchFamily="34" charset="-122"/>
-              </a:rPr>
-              <a:t>兼容</a:t>
-            </a:r>
-            <a:r>
-              <a:rPr lang="en-US" altLang="zh-CN" sz="1400">
-                <a:latin typeface="微软雅黑" panose="020B0503020204020204" pitchFamily="34" charset="-122"/>
-                <a:ea typeface="微软雅黑" panose="020B0503020204020204" pitchFamily="34" charset="-122"/>
-                <a:cs typeface="微软雅黑" panose="020B0503020204020204" pitchFamily="34" charset="-122"/>
-              </a:rPr>
-              <a:t> canImplicitConvert</a:t>
-            </a:r>
-            <a:r>
-              <a:rPr lang="zh-CN" altLang="en-US" sz="1400">
-                <a:latin typeface="微软雅黑" panose="020B0503020204020204" pitchFamily="34" charset="-122"/>
-                <a:ea typeface="微软雅黑" panose="020B0503020204020204" pitchFamily="34" charset="-122"/>
-                <a:cs typeface="微软雅黑" panose="020B0503020204020204" pitchFamily="34" charset="-122"/>
-              </a:rPr>
-              <a:t>：</a:t>
-            </a:r>
-          </a:p>
-          <a:p>
-            <a:r>
-              <a:rPr lang="en-US" altLang="zh-CN" sz="1400">
-                <a:latin typeface="微软雅黑" panose="020B0503020204020204" pitchFamily="34" charset="-122"/>
-                <a:ea typeface="微软雅黑" panose="020B0503020204020204" pitchFamily="34" charset="-122"/>
-                <a:cs typeface="微软雅黑" panose="020B0503020204020204" pitchFamily="34" charset="-122"/>
-              </a:rPr>
-              <a:t>  </a:t>
-            </a:r>
-            <a:r>
-              <a:rPr lang="en-US" altLang="zh-CN" sz="1400">
-                <a:latin typeface="微软雅黑" panose="020B0503020204020204" pitchFamily="34" charset="-122"/>
-                <a:ea typeface="微软雅黑" panose="020B0503020204020204" pitchFamily="34" charset="-122"/>
-                <a:cs typeface="微软雅黑" panose="020B0503020204020204" pitchFamily="34" charset="-122"/>
-                <a:sym typeface="+mn-ea"/>
-              </a:rPr>
-              <a:t>                </a:t>
-            </a:r>
-            <a:r>
-              <a:rPr lang="en-US" altLang="zh-CN" sz="1400">
-                <a:solidFill>
-                  <a:schemeClr val="bg2">
-                    <a:lumMod val="75000"/>
-                  </a:schemeClr>
-                </a:solidFill>
-                <a:latin typeface="微软雅黑" panose="020B0503020204020204" pitchFamily="34" charset="-122"/>
-                <a:ea typeface="微软雅黑" panose="020B0503020204020204" pitchFamily="34" charset="-122"/>
-                <a:cs typeface="微软雅黑" panose="020B0503020204020204" pitchFamily="34" charset="-122"/>
-                <a:sym typeface="+mn-ea"/>
-              </a:rPr>
-              <a:t> </a:t>
-            </a:r>
-            <a:r>
-              <a:rPr lang="en-US" altLang="zh-CN" sz="1400">
-                <a:solidFill>
-                  <a:schemeClr val="tx1">
-                    <a:lumMod val="50000"/>
-                    <a:lumOff val="50000"/>
-                  </a:schemeClr>
-                </a:solidFill>
-                <a:latin typeface="微软雅黑" panose="020B0503020204020204" pitchFamily="34" charset="-122"/>
-                <a:ea typeface="微软雅黑" panose="020B0503020204020204" pitchFamily="34" charset="-122"/>
-                <a:cs typeface="微软雅黑" panose="020B0503020204020204" pitchFamily="34" charset="-122"/>
-              </a:rPr>
-              <a:t>- </a:t>
-            </a:r>
-            <a:r>
-              <a:rPr lang="zh-CN" altLang="en-US" sz="1200">
-                <a:solidFill>
-                  <a:schemeClr val="tx1">
-                    <a:lumMod val="50000"/>
-                    <a:lumOff val="50000"/>
-                  </a:schemeClr>
-                </a:solidFill>
-                <a:latin typeface="微软雅黑" panose="020B0503020204020204" pitchFamily="34" charset="-122"/>
-                <a:ea typeface="微软雅黑" panose="020B0503020204020204" pitchFamily="34" charset="-122"/>
-                <a:cs typeface="微软雅黑" panose="020B0503020204020204" pitchFamily="34" charset="-122"/>
-              </a:rPr>
-              <a:t>标量</a:t>
-            </a:r>
-            <a:r>
-              <a:rPr lang="en-US" altLang="zh-CN" sz="1200">
-                <a:solidFill>
-                  <a:schemeClr val="tx1">
-                    <a:lumMod val="50000"/>
-                    <a:lumOff val="50000"/>
-                  </a:schemeClr>
-                </a:solidFill>
-                <a:latin typeface="微软雅黑" panose="020B0503020204020204" pitchFamily="34" charset="-122"/>
-                <a:ea typeface="微软雅黑" panose="020B0503020204020204" pitchFamily="34" charset="-122"/>
-                <a:cs typeface="微软雅黑" panose="020B0503020204020204" pitchFamily="34" charset="-122"/>
-              </a:rPr>
-              <a:t> , </a:t>
-            </a:r>
-            <a:r>
-              <a:rPr lang="zh-CN" altLang="en-US" sz="1200">
-                <a:solidFill>
-                  <a:schemeClr val="tx1">
-                    <a:lumMod val="50000"/>
-                    <a:lumOff val="50000"/>
-                  </a:schemeClr>
-                </a:solidFill>
-                <a:latin typeface="微软雅黑" panose="020B0503020204020204" pitchFamily="34" charset="-122"/>
-                <a:ea typeface="微软雅黑" panose="020B0503020204020204" pitchFamily="34" charset="-122"/>
-                <a:cs typeface="微软雅黑" panose="020B0503020204020204" pitchFamily="34" charset="-122"/>
-              </a:rPr>
-              <a:t>数组</a:t>
-            </a:r>
-            <a:r>
-              <a:rPr lang="en-US" altLang="zh-CN" sz="1200">
-                <a:solidFill>
-                  <a:schemeClr val="tx1">
-                    <a:lumMod val="50000"/>
-                    <a:lumOff val="50000"/>
-                  </a:schemeClr>
-                </a:solidFill>
-                <a:latin typeface="微软雅黑" panose="020B0503020204020204" pitchFamily="34" charset="-122"/>
-                <a:ea typeface="微软雅黑" panose="020B0503020204020204" pitchFamily="34" charset="-122"/>
-                <a:cs typeface="微软雅黑" panose="020B0503020204020204" pitchFamily="34" charset="-122"/>
-              </a:rPr>
-              <a:t>/</a:t>
-            </a:r>
-            <a:r>
-              <a:rPr lang="zh-CN" altLang="en-US" sz="1200">
-                <a:solidFill>
-                  <a:schemeClr val="tx1">
-                    <a:lumMod val="50000"/>
-                    <a:lumOff val="50000"/>
-                  </a:schemeClr>
-                </a:solidFill>
-                <a:latin typeface="微软雅黑" panose="020B0503020204020204" pitchFamily="34" charset="-122"/>
-                <a:ea typeface="微软雅黑" panose="020B0503020204020204" pitchFamily="34" charset="-122"/>
-                <a:cs typeface="微软雅黑" panose="020B0503020204020204" pitchFamily="34" charset="-122"/>
-              </a:rPr>
-              <a:t>指针</a:t>
-            </a:r>
-            <a:r>
-              <a:rPr lang="en-US" altLang="zh-CN" sz="1200">
-                <a:solidFill>
-                  <a:schemeClr val="tx1">
-                    <a:lumMod val="50000"/>
-                    <a:lumOff val="50000"/>
-                  </a:schemeClr>
-                </a:solidFill>
-                <a:latin typeface="微软雅黑" panose="020B0503020204020204" pitchFamily="34" charset="-122"/>
-                <a:ea typeface="微软雅黑" panose="020B0503020204020204" pitchFamily="34" charset="-122"/>
-                <a:cs typeface="微软雅黑" panose="020B0503020204020204" pitchFamily="34" charset="-122"/>
-              </a:rPr>
-              <a:t> , </a:t>
-            </a:r>
-            <a:r>
-              <a:rPr lang="zh-CN" altLang="en-US" sz="1200">
-                <a:solidFill>
-                  <a:schemeClr val="tx1">
-                    <a:lumMod val="50000"/>
-                    <a:lumOff val="50000"/>
-                  </a:schemeClr>
-                </a:solidFill>
-                <a:latin typeface="微软雅黑" panose="020B0503020204020204" pitchFamily="34" charset="-122"/>
-                <a:ea typeface="微软雅黑" panose="020B0503020204020204" pitchFamily="34" charset="-122"/>
-                <a:cs typeface="微软雅黑" panose="020B0503020204020204" pitchFamily="34" charset="-122"/>
-              </a:rPr>
-              <a:t>变长参数</a:t>
-            </a:r>
-          </a:p>
-          <a:p>
-            <a:endParaRPr lang="zh-CN" altLang="en-US" sz="1400">
+            <a:endParaRPr lang="en-US" altLang="zh-CN" sz="1400" dirty="0">
               <a:solidFill>
                 <a:schemeClr val="tx1">
                   <a:lumMod val="50000"/>
@@ -32654,7 +31347,7 @@
           </a:p>
           <a:p>
             <a:r>
-              <a:rPr lang="zh-CN" altLang="en-US" b="1">
+              <a:rPr lang="zh-CN" altLang="en-US" b="1" dirty="0">
                 <a:effectLst>
                   <a:outerShdw blurRad="38100" dist="38100" dir="2700000" algn="tl">
                     <a:srgbClr val="000000">
@@ -32666,12 +31359,137 @@
                 <a:ea typeface="微软雅黑" panose="020B0503020204020204" pitchFamily="34" charset="-122"/>
                 <a:cs typeface="微软雅黑" panose="020B0503020204020204" pitchFamily="34" charset="-122"/>
               </a:rPr>
-              <a:t>生命周期与协议</a:t>
+              <a:t>类型等价与兼容策略</a:t>
             </a:r>
           </a:p>
           <a:p>
             <a:r>
-              <a:rPr lang="en-US" altLang="zh-CN" sz="1400">
+              <a:rPr lang="en-US" altLang="zh-CN" sz="1400" dirty="0">
+                <a:latin typeface="微软雅黑" panose="020B0503020204020204" pitchFamily="34" charset="-122"/>
+                <a:ea typeface="微软雅黑" panose="020B0503020204020204" pitchFamily="34" charset="-122"/>
+                <a:cs typeface="微软雅黑" panose="020B0503020204020204" pitchFamily="34" charset="-122"/>
+                <a:sym typeface="+mn-ea"/>
+              </a:rPr>
+              <a:t>            </a:t>
+            </a:r>
+            <a:r>
+              <a:rPr lang="en-US" altLang="zh-CN" sz="1400" dirty="0">
+                <a:latin typeface="微软雅黑" panose="020B0503020204020204" pitchFamily="34" charset="-122"/>
+                <a:ea typeface="微软雅黑" panose="020B0503020204020204" pitchFamily="34" charset="-122"/>
+                <a:cs typeface="微软雅黑" panose="020B0503020204020204" pitchFamily="34" charset="-122"/>
+              </a:rPr>
+              <a:t>- </a:t>
+            </a:r>
+            <a:r>
+              <a:rPr lang="zh-CN" altLang="en-US" sz="1400" dirty="0">
+                <a:latin typeface="微软雅黑" panose="020B0503020204020204" pitchFamily="34" charset="-122"/>
+                <a:ea typeface="微软雅黑" panose="020B0503020204020204" pitchFamily="34" charset="-122"/>
+                <a:cs typeface="微软雅黑" panose="020B0503020204020204" pitchFamily="34" charset="-122"/>
+              </a:rPr>
+              <a:t>等价</a:t>
+            </a:r>
+            <a:r>
+              <a:rPr lang="en-US" altLang="zh-CN" sz="1400" dirty="0">
+                <a:latin typeface="微软雅黑" panose="020B0503020204020204" pitchFamily="34" charset="-122"/>
+                <a:ea typeface="微软雅黑" panose="020B0503020204020204" pitchFamily="34" charset="-122"/>
+                <a:cs typeface="微软雅黑" panose="020B0503020204020204" pitchFamily="34" charset="-122"/>
+              </a:rPr>
+              <a:t> equals</a:t>
+            </a:r>
+            <a:r>
+              <a:rPr lang="zh-CN" altLang="en-US" sz="1400" dirty="0">
+                <a:latin typeface="微软雅黑" panose="020B0503020204020204" pitchFamily="34" charset="-122"/>
+                <a:ea typeface="微软雅黑" panose="020B0503020204020204" pitchFamily="34" charset="-122"/>
+                <a:cs typeface="微软雅黑" panose="020B0503020204020204" pitchFamily="34" charset="-122"/>
+              </a:rPr>
+              <a:t>：结构完全一致</a:t>
+            </a:r>
+          </a:p>
+          <a:p>
+            <a:r>
+              <a:rPr lang="en-US" altLang="zh-CN" sz="1400" dirty="0">
+                <a:latin typeface="微软雅黑" panose="020B0503020204020204" pitchFamily="34" charset="-122"/>
+                <a:ea typeface="微软雅黑" panose="020B0503020204020204" pitchFamily="34" charset="-122"/>
+                <a:cs typeface="微软雅黑" panose="020B0503020204020204" pitchFamily="34" charset="-122"/>
+                <a:sym typeface="+mn-ea"/>
+              </a:rPr>
+              <a:t>            </a:t>
+            </a:r>
+            <a:r>
+              <a:rPr lang="en-US" altLang="zh-CN" sz="1400" dirty="0">
+                <a:latin typeface="微软雅黑" panose="020B0503020204020204" pitchFamily="34" charset="-122"/>
+                <a:ea typeface="微软雅黑" panose="020B0503020204020204" pitchFamily="34" charset="-122"/>
+                <a:cs typeface="微软雅黑" panose="020B0503020204020204" pitchFamily="34" charset="-122"/>
+              </a:rPr>
+              <a:t>- </a:t>
+            </a:r>
+            <a:r>
+              <a:rPr lang="zh-CN" altLang="en-US" sz="1400" dirty="0">
+                <a:latin typeface="微软雅黑" panose="020B0503020204020204" pitchFamily="34" charset="-122"/>
+                <a:ea typeface="微软雅黑" panose="020B0503020204020204" pitchFamily="34" charset="-122"/>
+                <a:cs typeface="微软雅黑" panose="020B0503020204020204" pitchFamily="34" charset="-122"/>
+              </a:rPr>
+              <a:t>兼容</a:t>
+            </a:r>
+            <a:r>
+              <a:rPr lang="en-US" altLang="zh-CN" sz="1400" dirty="0">
+                <a:latin typeface="微软雅黑" panose="020B0503020204020204" pitchFamily="34" charset="-122"/>
+                <a:ea typeface="微软雅黑" panose="020B0503020204020204" pitchFamily="34" charset="-122"/>
+                <a:cs typeface="微软雅黑" panose="020B0503020204020204" pitchFamily="34" charset="-122"/>
+              </a:rPr>
+              <a:t> </a:t>
+            </a:r>
+            <a:r>
+              <a:rPr lang="en-US" altLang="zh-CN" sz="1400" dirty="0" err="1">
+                <a:latin typeface="微软雅黑" panose="020B0503020204020204" pitchFamily="34" charset="-122"/>
+                <a:ea typeface="微软雅黑" panose="020B0503020204020204" pitchFamily="34" charset="-122"/>
+                <a:cs typeface="微软雅黑" panose="020B0503020204020204" pitchFamily="34" charset="-122"/>
+              </a:rPr>
+              <a:t>canImplicitConvert</a:t>
+            </a:r>
+            <a:r>
+              <a:rPr lang="zh-CN" altLang="en-US" sz="1400" dirty="0">
+                <a:latin typeface="微软雅黑" panose="020B0503020204020204" pitchFamily="34" charset="-122"/>
+                <a:ea typeface="微软雅黑" panose="020B0503020204020204" pitchFamily="34" charset="-122"/>
+                <a:cs typeface="微软雅黑" panose="020B0503020204020204" pitchFamily="34" charset="-122"/>
+              </a:rPr>
+              <a:t>：</a:t>
+            </a:r>
+          </a:p>
+          <a:p>
+            <a:r>
+              <a:rPr lang="en-US" altLang="zh-CN" sz="1400" dirty="0">
+                <a:latin typeface="微软雅黑" panose="020B0503020204020204" pitchFamily="34" charset="-122"/>
+                <a:ea typeface="微软雅黑" panose="020B0503020204020204" pitchFamily="34" charset="-122"/>
+                <a:cs typeface="微软雅黑" panose="020B0503020204020204" pitchFamily="34" charset="-122"/>
+              </a:rPr>
+              <a:t>  </a:t>
+            </a:r>
+            <a:r>
+              <a:rPr lang="en-US" altLang="zh-CN" sz="1400" dirty="0">
+                <a:latin typeface="微软雅黑" panose="020B0503020204020204" pitchFamily="34" charset="-122"/>
+                <a:ea typeface="微软雅黑" panose="020B0503020204020204" pitchFamily="34" charset="-122"/>
+                <a:cs typeface="微软雅黑" panose="020B0503020204020204" pitchFamily="34" charset="-122"/>
+                <a:sym typeface="+mn-ea"/>
+              </a:rPr>
+              <a:t>                </a:t>
+            </a:r>
+            <a:r>
+              <a:rPr lang="en-US" altLang="zh-CN" sz="1400" dirty="0">
+                <a:solidFill>
+                  <a:schemeClr val="bg2">
+                    <a:lumMod val="75000"/>
+                  </a:schemeClr>
+                </a:solidFill>
+                <a:latin typeface="微软雅黑" panose="020B0503020204020204" pitchFamily="34" charset="-122"/>
+                <a:ea typeface="微软雅黑" panose="020B0503020204020204" pitchFamily="34" charset="-122"/>
+                <a:cs typeface="微软雅黑" panose="020B0503020204020204" pitchFamily="34" charset="-122"/>
+                <a:sym typeface="+mn-ea"/>
+              </a:rPr>
+              <a:t> </a:t>
+            </a:r>
+            <a:r>
+              <a:rPr lang="en-US" altLang="zh-CN" sz="1400" dirty="0">
                 <a:solidFill>
                   <a:schemeClr val="tx1">
                     <a:lumMod val="50000"/>
@@ -32685,7 +31503,7 @@
               <a:t>- </a:t>
             </a:r>
             <a:r>
-              <a:rPr lang="zh-CN" altLang="en-US" sz="1400">
+              <a:rPr lang="zh-CN" altLang="en-US" sz="1200" dirty="0">
                 <a:solidFill>
                   <a:schemeClr val="tx1">
                     <a:lumMod val="50000"/>
@@ -32696,10 +31514,10 @@
                 <a:ea typeface="微软雅黑" panose="020B0503020204020204" pitchFamily="34" charset="-122"/>
                 <a:cs typeface="微软雅黑" panose="020B0503020204020204" pitchFamily="34" charset="-122"/>
               </a:rPr>
-              <a:t>插入</a:t>
-            </a:r>
-            <a:r>
-              <a:rPr lang="en-US" altLang="zh-CN" sz="1400">
+              <a:t>标量</a:t>
+            </a:r>
+            <a:r>
+              <a:rPr lang="en-US" altLang="zh-CN" sz="1200" dirty="0">
                 <a:solidFill>
                   <a:schemeClr val="tx1">
                     <a:lumMod val="50000"/>
@@ -32710,10 +31528,10 @@
                 <a:ea typeface="微软雅黑" panose="020B0503020204020204" pitchFamily="34" charset="-122"/>
                 <a:cs typeface="微软雅黑" panose="020B0503020204020204" pitchFamily="34" charset="-122"/>
               </a:rPr>
-              <a:t> </a:t>
-            </a:r>
-            <a:r>
-              <a:rPr lang="en-US" sz="1400">
+              <a:t> , </a:t>
+            </a:r>
+            <a:r>
+              <a:rPr lang="zh-CN" altLang="en-US" sz="1200" dirty="0">
                 <a:solidFill>
                   <a:schemeClr val="tx1">
                     <a:lumMod val="50000"/>
@@ -32724,10 +31542,10 @@
                 <a:ea typeface="微软雅黑" panose="020B0503020204020204" pitchFamily="34" charset="-122"/>
                 <a:cs typeface="微软雅黑" panose="020B0503020204020204" pitchFamily="34" charset="-122"/>
               </a:rPr>
-              <a:t>, </a:t>
-            </a:r>
-            <a:r>
-              <a:rPr lang="zh-CN" altLang="en-US" sz="1400">
+              <a:t>数组</a:t>
+            </a:r>
+            <a:r>
+              <a:rPr lang="en-US" altLang="zh-CN" sz="1200" dirty="0">
                 <a:solidFill>
                   <a:schemeClr val="tx1">
                     <a:lumMod val="50000"/>
@@ -32738,10 +31556,10 @@
                 <a:ea typeface="微软雅黑" panose="020B0503020204020204" pitchFamily="34" charset="-122"/>
                 <a:cs typeface="微软雅黑" panose="020B0503020204020204" pitchFamily="34" charset="-122"/>
               </a:rPr>
-              <a:t>查找</a:t>
-            </a:r>
-            <a:r>
-              <a:rPr lang="en-US" altLang="zh-CN" sz="1400">
+              <a:t>/</a:t>
+            </a:r>
+            <a:r>
+              <a:rPr lang="zh-CN" altLang="en-US" sz="1200" dirty="0">
                 <a:solidFill>
                   <a:schemeClr val="tx1">
                     <a:lumMod val="50000"/>
@@ -32752,10 +31570,10 @@
                 <a:ea typeface="微软雅黑" panose="020B0503020204020204" pitchFamily="34" charset="-122"/>
                 <a:cs typeface="微软雅黑" panose="020B0503020204020204" pitchFamily="34" charset="-122"/>
               </a:rPr>
-              <a:t> , </a:t>
-            </a:r>
-            <a:r>
-              <a:rPr lang="zh-CN" altLang="en-US" sz="1400">
+              <a:t>指针</a:t>
+            </a:r>
+            <a:r>
+              <a:rPr lang="en-US" altLang="zh-CN" sz="1200" dirty="0">
                 <a:solidFill>
                   <a:schemeClr val="tx1">
                     <a:lumMod val="50000"/>
@@ -32766,10 +31584,10 @@
                 <a:ea typeface="微软雅黑" panose="020B0503020204020204" pitchFamily="34" charset="-122"/>
                 <a:cs typeface="微软雅黑" panose="020B0503020204020204" pitchFamily="34" charset="-122"/>
               </a:rPr>
-              <a:t>函数声明</a:t>
-            </a:r>
-            <a:r>
-              <a:rPr lang="en-US" altLang="zh-CN" sz="1400">
+              <a:t> , </a:t>
+            </a:r>
+            <a:r>
+              <a:rPr lang="zh-CN" altLang="en-US" sz="1200" dirty="0">
                 <a:solidFill>
                   <a:schemeClr val="tx1">
                     <a:lumMod val="50000"/>
@@ -32780,10 +31598,42 @@
                 <a:ea typeface="微软雅黑" panose="020B0503020204020204" pitchFamily="34" charset="-122"/>
                 <a:cs typeface="微软雅黑" panose="020B0503020204020204" pitchFamily="34" charset="-122"/>
               </a:rPr>
-              <a:t>/</a:t>
-            </a:r>
-            <a:r>
-              <a:rPr lang="zh-CN" altLang="en-US" sz="1400">
+              <a:t>变长参数</a:t>
+            </a:r>
+          </a:p>
+          <a:p>
+            <a:endParaRPr lang="zh-CN" altLang="en-US" sz="1400" dirty="0">
+              <a:solidFill>
+                <a:schemeClr val="tx1">
+                  <a:lumMod val="50000"/>
+                  <a:lumOff val="50000"/>
+                </a:schemeClr>
+              </a:solidFill>
+              <a:latin typeface="微软雅黑" panose="020B0503020204020204" pitchFamily="34" charset="-122"/>
+              <a:ea typeface="微软雅黑" panose="020B0503020204020204" pitchFamily="34" charset="-122"/>
+              <a:cs typeface="微软雅黑" panose="020B0503020204020204" pitchFamily="34" charset="-122"/>
+            </a:endParaRPr>
+          </a:p>
+          <a:p>
+            <a:r>
+              <a:rPr lang="zh-CN" altLang="en-US" b="1" dirty="0">
+                <a:effectLst>
+                  <a:outerShdw blurRad="38100" dist="38100" dir="2700000" algn="tl">
+                    <a:srgbClr val="000000">
+                      <a:alpha val="43137"/>
+                    </a:srgbClr>
+                  </a:outerShdw>
+                </a:effectLst>
+                <a:latin typeface="微软雅黑" panose="020B0503020204020204" pitchFamily="34" charset="-122"/>
+                <a:ea typeface="微软雅黑" panose="020B0503020204020204" pitchFamily="34" charset="-122"/>
+                <a:cs typeface="微软雅黑" panose="020B0503020204020204" pitchFamily="34" charset="-122"/>
+              </a:rPr>
+              <a:t>生命周期与协议</a:t>
+            </a:r>
+          </a:p>
+          <a:p>
+            <a:r>
+              <a:rPr lang="en-US" altLang="zh-CN" sz="1400" dirty="0">
                 <a:solidFill>
                   <a:schemeClr val="tx1">
                     <a:lumMod val="50000"/>
@@ -32794,10 +31644,10 @@
                 <a:ea typeface="微软雅黑" panose="020B0503020204020204" pitchFamily="34" charset="-122"/>
                 <a:cs typeface="微软雅黑" panose="020B0503020204020204" pitchFamily="34" charset="-122"/>
               </a:rPr>
-              <a:t>定义</a:t>
-            </a:r>
-            <a:r>
-              <a:rPr lang="en-US" altLang="zh-CN" sz="1400">
+              <a:t>- </a:t>
+            </a:r>
+            <a:r>
+              <a:rPr lang="zh-CN" altLang="en-US" sz="1400" dirty="0">
                 <a:solidFill>
                   <a:schemeClr val="tx1">
                     <a:lumMod val="50000"/>
@@ -32808,10 +31658,10 @@
                 <a:ea typeface="微软雅黑" panose="020B0503020204020204" pitchFamily="34" charset="-122"/>
                 <a:cs typeface="微软雅黑" panose="020B0503020204020204" pitchFamily="34" charset="-122"/>
               </a:rPr>
-              <a:t> , </a:t>
-            </a:r>
-            <a:r>
-              <a:rPr lang="zh-CN" altLang="en-US" sz="1400">
+              <a:t>插入</a:t>
+            </a:r>
+            <a:r>
+              <a:rPr lang="en-US" altLang="zh-CN" sz="1400" dirty="0">
                 <a:solidFill>
                   <a:schemeClr val="tx1">
                     <a:lumMod val="50000"/>
@@ -32822,11 +31672,123 @@
                 <a:ea typeface="微软雅黑" panose="020B0503020204020204" pitchFamily="34" charset="-122"/>
                 <a:cs typeface="微软雅黑" panose="020B0503020204020204" pitchFamily="34" charset="-122"/>
               </a:rPr>
+              <a:t> </a:t>
+            </a:r>
+            <a:r>
+              <a:rPr lang="en-US" sz="1400" dirty="0">
+                <a:solidFill>
+                  <a:schemeClr val="tx1">
+                    <a:lumMod val="50000"/>
+                    <a:lumOff val="50000"/>
+                  </a:schemeClr>
+                </a:solidFill>
+                <a:latin typeface="微软雅黑" panose="020B0503020204020204" pitchFamily="34" charset="-122"/>
+                <a:ea typeface="微软雅黑" panose="020B0503020204020204" pitchFamily="34" charset="-122"/>
+                <a:cs typeface="微软雅黑" panose="020B0503020204020204" pitchFamily="34" charset="-122"/>
+              </a:rPr>
+              <a:t>, </a:t>
+            </a:r>
+            <a:r>
+              <a:rPr lang="zh-CN" altLang="en-US" sz="1400" dirty="0">
+                <a:solidFill>
+                  <a:schemeClr val="tx1">
+                    <a:lumMod val="50000"/>
+                    <a:lumOff val="50000"/>
+                  </a:schemeClr>
+                </a:solidFill>
+                <a:latin typeface="微软雅黑" panose="020B0503020204020204" pitchFamily="34" charset="-122"/>
+                <a:ea typeface="微软雅黑" panose="020B0503020204020204" pitchFamily="34" charset="-122"/>
+                <a:cs typeface="微软雅黑" panose="020B0503020204020204" pitchFamily="34" charset="-122"/>
+              </a:rPr>
+              <a:t>查找</a:t>
+            </a:r>
+            <a:r>
+              <a:rPr lang="en-US" altLang="zh-CN" sz="1400" dirty="0">
+                <a:solidFill>
+                  <a:schemeClr val="tx1">
+                    <a:lumMod val="50000"/>
+                    <a:lumOff val="50000"/>
+                  </a:schemeClr>
+                </a:solidFill>
+                <a:latin typeface="微软雅黑" panose="020B0503020204020204" pitchFamily="34" charset="-122"/>
+                <a:ea typeface="微软雅黑" panose="020B0503020204020204" pitchFamily="34" charset="-122"/>
+                <a:cs typeface="微软雅黑" panose="020B0503020204020204" pitchFamily="34" charset="-122"/>
+              </a:rPr>
+              <a:t> , </a:t>
+            </a:r>
+            <a:r>
+              <a:rPr lang="zh-CN" altLang="en-US" sz="1400" dirty="0">
+                <a:solidFill>
+                  <a:schemeClr val="tx1">
+                    <a:lumMod val="50000"/>
+                    <a:lumOff val="50000"/>
+                  </a:schemeClr>
+                </a:solidFill>
+                <a:latin typeface="微软雅黑" panose="020B0503020204020204" pitchFamily="34" charset="-122"/>
+                <a:ea typeface="微软雅黑" panose="020B0503020204020204" pitchFamily="34" charset="-122"/>
+                <a:cs typeface="微软雅黑" panose="020B0503020204020204" pitchFamily="34" charset="-122"/>
+              </a:rPr>
+              <a:t>函数声明</a:t>
+            </a:r>
+            <a:r>
+              <a:rPr lang="en-US" altLang="zh-CN" sz="1400" dirty="0">
+                <a:solidFill>
+                  <a:schemeClr val="tx1">
+                    <a:lumMod val="50000"/>
+                    <a:lumOff val="50000"/>
+                  </a:schemeClr>
+                </a:solidFill>
+                <a:latin typeface="微软雅黑" panose="020B0503020204020204" pitchFamily="34" charset="-122"/>
+                <a:ea typeface="微软雅黑" panose="020B0503020204020204" pitchFamily="34" charset="-122"/>
+                <a:cs typeface="微软雅黑" panose="020B0503020204020204" pitchFamily="34" charset="-122"/>
+              </a:rPr>
+              <a:t>/</a:t>
+            </a:r>
+            <a:r>
+              <a:rPr lang="zh-CN" altLang="en-US" sz="1400" dirty="0">
+                <a:solidFill>
+                  <a:schemeClr val="tx1">
+                    <a:lumMod val="50000"/>
+                    <a:lumOff val="50000"/>
+                  </a:schemeClr>
+                </a:solidFill>
+                <a:latin typeface="微软雅黑" panose="020B0503020204020204" pitchFamily="34" charset="-122"/>
+                <a:ea typeface="微软雅黑" panose="020B0503020204020204" pitchFamily="34" charset="-122"/>
+                <a:cs typeface="微软雅黑" panose="020B0503020204020204" pitchFamily="34" charset="-122"/>
+              </a:rPr>
+              <a:t>定义</a:t>
+            </a:r>
+            <a:r>
+              <a:rPr lang="en-US" altLang="zh-CN" sz="1400" dirty="0">
+                <a:solidFill>
+                  <a:schemeClr val="tx1">
+                    <a:lumMod val="50000"/>
+                    <a:lumOff val="50000"/>
+                  </a:schemeClr>
+                </a:solidFill>
+                <a:latin typeface="微软雅黑" panose="020B0503020204020204" pitchFamily="34" charset="-122"/>
+                <a:ea typeface="微软雅黑" panose="020B0503020204020204" pitchFamily="34" charset="-122"/>
+                <a:cs typeface="微软雅黑" panose="020B0503020204020204" pitchFamily="34" charset="-122"/>
+              </a:rPr>
+              <a:t> , </a:t>
+            </a:r>
+            <a:r>
+              <a:rPr lang="zh-CN" altLang="en-US" sz="1400" dirty="0">
+                <a:solidFill>
+                  <a:schemeClr val="tx1">
+                    <a:lumMod val="50000"/>
+                    <a:lumOff val="50000"/>
+                  </a:schemeClr>
+                </a:solidFill>
+                <a:latin typeface="微软雅黑" panose="020B0503020204020204" pitchFamily="34" charset="-122"/>
+                <a:ea typeface="微软雅黑" panose="020B0503020204020204" pitchFamily="34" charset="-122"/>
+                <a:cs typeface="微软雅黑" panose="020B0503020204020204" pitchFamily="34" charset="-122"/>
+              </a:rPr>
               <a:t>关键不变量</a:t>
             </a:r>
           </a:p>
           <a:p>
-            <a:endParaRPr lang="zh-CN" altLang="en-US" sz="1400">
+            <a:endParaRPr lang="zh-CN" altLang="en-US" sz="1400" dirty="0">
               <a:solidFill>
                 <a:schemeClr val="tx1">
                   <a:lumMod val="50000"/>
@@ -32930,7 +31892,7 @@
           <a:lstStyle/>
           <a:p>
             <a:r>
-              <a:rPr lang="en-US" altLang="zh-CN" sz="1400">
+              <a:rPr lang="en-US" altLang="zh-CN" sz="1400" dirty="0">
                 <a:latin typeface="微软雅黑" panose="020B0503020204020204" pitchFamily="34" charset="-122"/>
                 <a:ea typeface="微软雅黑" panose="020B0503020204020204" pitchFamily="34" charset="-122"/>
                 <a:cs typeface="微软雅黑" panose="020B0503020204020204" pitchFamily="34" charset="-122"/>
@@ -32938,7 +31900,7 @@
               <a:t>- </a:t>
             </a:r>
             <a:r>
-              <a:rPr lang="zh-CN" altLang="en-US" sz="1400">
+              <a:rPr lang="zh-CN" altLang="en-US" sz="1400" dirty="0">
                 <a:latin typeface="微软雅黑" panose="020B0503020204020204" pitchFamily="34" charset="-122"/>
                 <a:ea typeface="微软雅黑" panose="020B0503020204020204" pitchFamily="34" charset="-122"/>
                 <a:cs typeface="微软雅黑" panose="020B0503020204020204" pitchFamily="34" charset="-122"/>
@@ -32946,115 +31908,131 @@
               <a:t>函数在符号表中以</a:t>
             </a:r>
             <a:r>
-              <a:rPr lang="en-US" altLang="zh-CN" sz="1400">
+              <a:rPr lang="en-US" altLang="zh-CN" sz="1400" dirty="0">
                 <a:latin typeface="微软雅黑" panose="020B0503020204020204" pitchFamily="34" charset="-122"/>
                 <a:ea typeface="微软雅黑" panose="020B0503020204020204" pitchFamily="34" charset="-122"/>
                 <a:cs typeface="微软雅黑" panose="020B0503020204020204" pitchFamily="34" charset="-122"/>
               </a:rPr>
-              <a:t> FunctionType </a:t>
-            </a:r>
-            <a:r>
-              <a:rPr lang="zh-CN" altLang="en-US" sz="1400">
+              <a:t> </a:t>
+            </a:r>
+            <a:r>
+              <a:rPr lang="en-US" altLang="zh-CN" sz="1400" dirty="0" err="1">
                 <a:latin typeface="微软雅黑" panose="020B0503020204020204" pitchFamily="34" charset="-122"/>
                 <a:ea typeface="微软雅黑" panose="020B0503020204020204" pitchFamily="34" charset="-122"/>
                 <a:cs typeface="微软雅黑" panose="020B0503020204020204" pitchFamily="34" charset="-122"/>
               </a:rPr>
-              <a:t>建模</a:t>
-            </a:r>
-          </a:p>
-          <a:p>
-            <a:r>
-              <a:rPr lang="en-US" altLang="zh-CN" sz="1400">
+              <a:t>FunctionType</a:t>
+            </a:r>
+            <a:r>
+              <a:rPr lang="en-US" altLang="zh-CN" sz="1400" dirty="0">
                 <a:latin typeface="微软雅黑" panose="020B0503020204020204" pitchFamily="34" charset="-122"/>
                 <a:ea typeface="微软雅黑" panose="020B0503020204020204" pitchFamily="34" charset="-122"/>
                 <a:cs typeface="微软雅黑" panose="020B0503020204020204" pitchFamily="34" charset="-122"/>
               </a:rPr>
-              <a:t>- </a:t>
-            </a:r>
-            <a:r>
-              <a:rPr lang="zh-CN" altLang="en-US" sz="1400">
+              <a:t> </a:t>
+            </a:r>
+            <a:r>
+              <a:rPr lang="zh-CN" altLang="en-US" sz="1400" dirty="0">
                 <a:latin typeface="微软雅黑" panose="020B0503020204020204" pitchFamily="34" charset="-122"/>
                 <a:ea typeface="微软雅黑" panose="020B0503020204020204" pitchFamily="34" charset="-122"/>
                 <a:cs typeface="微软雅黑" panose="020B0503020204020204" pitchFamily="34" charset="-122"/>
               </a:rPr>
-              <a:t>形参数组在</a:t>
-            </a:r>
-            <a:r>
-              <a:rPr lang="en-US" altLang="zh-CN" sz="1400">
+              <a:t>建模</a:t>
+            </a:r>
+          </a:p>
+          <a:p>
+            <a:r>
+              <a:rPr lang="en-US" altLang="zh-CN" sz="1400" dirty="0">
                 <a:latin typeface="微软雅黑" panose="020B0503020204020204" pitchFamily="34" charset="-122"/>
                 <a:ea typeface="微软雅黑" panose="020B0503020204020204" pitchFamily="34" charset="-122"/>
                 <a:cs typeface="微软雅黑" panose="020B0503020204020204" pitchFamily="34" charset="-122"/>
               </a:rPr>
-              <a:t> Schema </a:t>
-            </a:r>
-            <a:r>
-              <a:rPr lang="zh-CN" altLang="en-US" sz="1400">
+              <a:t>- </a:t>
+            </a:r>
+            <a:r>
+              <a:rPr lang="zh-CN" altLang="en-US" sz="1400" dirty="0">
                 <a:latin typeface="微软雅黑" panose="020B0503020204020204" pitchFamily="34" charset="-122"/>
                 <a:ea typeface="微软雅黑" panose="020B0503020204020204" pitchFamily="34" charset="-122"/>
                 <a:cs typeface="微软雅黑" panose="020B0503020204020204" pitchFamily="34" charset="-122"/>
               </a:rPr>
-              <a:t>层显式化为</a:t>
-            </a:r>
-            <a:r>
-              <a:rPr lang="en-US" altLang="zh-CN" sz="1400">
+              <a:t>形参数组在</a:t>
+            </a:r>
+            <a:r>
+              <a:rPr lang="en-US" altLang="zh-CN" sz="1400" dirty="0">
                 <a:latin typeface="微软雅黑" panose="020B0503020204020204" pitchFamily="34" charset="-122"/>
                 <a:ea typeface="微软雅黑" panose="020B0503020204020204" pitchFamily="34" charset="-122"/>
                 <a:cs typeface="微软雅黑" panose="020B0503020204020204" pitchFamily="34" charset="-122"/>
               </a:rPr>
-              <a:t>“</a:t>
-            </a:r>
-            <a:r>
-              <a:rPr lang="zh-CN" altLang="en-US" sz="1400">
+              <a:t> Schema </a:t>
+            </a:r>
+            <a:r>
+              <a:rPr lang="zh-CN" altLang="en-US" sz="1400" dirty="0">
                 <a:latin typeface="微软雅黑" panose="020B0503020204020204" pitchFamily="34" charset="-122"/>
                 <a:ea typeface="微软雅黑" panose="020B0503020204020204" pitchFamily="34" charset="-122"/>
                 <a:cs typeface="微软雅黑" panose="020B0503020204020204" pitchFamily="34" charset="-122"/>
               </a:rPr>
-              <a:t>指针语义</a:t>
-            </a:r>
-            <a:r>
-              <a:rPr lang="en-US" altLang="zh-CN" sz="1400">
+              <a:t>层显式化为</a:t>
+            </a:r>
+            <a:r>
+              <a:rPr lang="en-US" altLang="zh-CN" sz="1400" dirty="0">
                 <a:latin typeface="微软雅黑" panose="020B0503020204020204" pitchFamily="34" charset="-122"/>
                 <a:ea typeface="微软雅黑" panose="020B0503020204020204" pitchFamily="34" charset="-122"/>
                 <a:cs typeface="微软雅黑" panose="020B0503020204020204" pitchFamily="34" charset="-122"/>
               </a:rPr>
-              <a:t>”</a:t>
-            </a:r>
-            <a:r>
-              <a:rPr lang="zh-CN" altLang="en-US" sz="1400">
+              <a:t>“</a:t>
+            </a:r>
+            <a:r>
+              <a:rPr lang="zh-CN" altLang="en-US" sz="1400" dirty="0">
                 <a:latin typeface="微软雅黑" panose="020B0503020204020204" pitchFamily="34" charset="-122"/>
                 <a:ea typeface="微软雅黑" panose="020B0503020204020204" pitchFamily="34" charset="-122"/>
                 <a:cs typeface="微软雅黑" panose="020B0503020204020204" pitchFamily="34" charset="-122"/>
               </a:rPr>
-              <a:t>（</a:t>
-            </a:r>
-            <a:r>
-              <a:rPr lang="en-US" altLang="zh-CN" sz="1400">
+              <a:t>指针语义</a:t>
+            </a:r>
+            <a:r>
+              <a:rPr lang="en-US" altLang="zh-CN" sz="1400" dirty="0">
                 <a:latin typeface="微软雅黑" panose="020B0503020204020204" pitchFamily="34" charset="-122"/>
                 <a:ea typeface="微软雅黑" panose="020B0503020204020204" pitchFamily="34" charset="-122"/>
                 <a:cs typeface="微软雅黑" panose="020B0503020204020204" pitchFamily="34" charset="-122"/>
               </a:rPr>
-              <a:t>is_array_pointer_param</a:t>
-            </a:r>
-            <a:r>
-              <a:rPr lang="zh-CN" altLang="en-US" sz="1400">
+              <a:t>”</a:t>
+            </a:r>
+            <a:r>
+              <a:rPr lang="zh-CN" altLang="en-US" sz="1400" dirty="0">
                 <a:latin typeface="微软雅黑" panose="020B0503020204020204" pitchFamily="34" charset="-122"/>
                 <a:ea typeface="微软雅黑" panose="020B0503020204020204" pitchFamily="34" charset="-122"/>
                 <a:cs typeface="微软雅黑" panose="020B0503020204020204" pitchFamily="34" charset="-122"/>
               </a:rPr>
-              <a:t>）</a:t>
-            </a:r>
-          </a:p>
-          <a:p>
-            <a:r>
-              <a:rPr lang="en-US" altLang="zh-CN" sz="1400" i="1">
+              <a:t>（</a:t>
+            </a:r>
+            <a:r>
+              <a:rPr lang="en-US" altLang="zh-CN" sz="1400" dirty="0" err="1">
                 <a:latin typeface="微软雅黑" panose="020B0503020204020204" pitchFamily="34" charset="-122"/>
                 <a:ea typeface="微软雅黑" panose="020B0503020204020204" pitchFamily="34" charset="-122"/>
                 <a:cs typeface="微软雅黑" panose="020B0503020204020204" pitchFamily="34" charset="-122"/>
               </a:rPr>
+              <a:t>is_array_pointer_param</a:t>
+            </a:r>
+            <a:r>
+              <a:rPr lang="zh-CN" altLang="en-US" sz="1400" dirty="0">
+                <a:latin typeface="微软雅黑" panose="020B0503020204020204" pitchFamily="34" charset="-122"/>
+                <a:ea typeface="微软雅黑" panose="020B0503020204020204" pitchFamily="34" charset="-122"/>
+                <a:cs typeface="微软雅黑" panose="020B0503020204020204" pitchFamily="34" charset="-122"/>
+              </a:rPr>
+              <a:t>）</a:t>
+            </a:r>
+          </a:p>
+          <a:p>
+            <a:r>
+              <a:rPr lang="en-US" altLang="zh-CN" sz="1400" i="1" dirty="0">
+                <a:latin typeface="微软雅黑" panose="020B0503020204020204" pitchFamily="34" charset="-122"/>
+                <a:ea typeface="微软雅黑" panose="020B0503020204020204" pitchFamily="34" charset="-122"/>
+                <a:cs typeface="微软雅黑" panose="020B0503020204020204" pitchFamily="34" charset="-122"/>
+              </a:rPr>
               <a:t>            </a:t>
             </a:r>
             <a:r>
-              <a:rPr lang="zh-CN" altLang="en-US" sz="1400" i="1">
+              <a:rPr lang="zh-CN" altLang="en-US" sz="1400" i="1" dirty="0">
                 <a:solidFill>
                   <a:schemeClr val="tx1">
                     <a:lumMod val="50000"/>
@@ -33068,7 +32046,7 @@
               <a:t>避免后续匹配时语义分裂</a:t>
             </a:r>
             <a:r>
-              <a:rPr lang="en-US" altLang="zh-CN" sz="1400" i="1">
+              <a:rPr lang="en-US" altLang="zh-CN" sz="1400" i="1" dirty="0">
                 <a:solidFill>
                   <a:schemeClr val="tx1">
                     <a:lumMod val="50000"/>
@@ -33082,7 +32060,7 @@
               <a:t>,</a:t>
             </a:r>
             <a:r>
-              <a:rPr lang="zh-CN" altLang="en-US" sz="1400" i="1">
+              <a:rPr lang="zh-CN" altLang="en-US" sz="1400" i="1" dirty="0">
                 <a:solidFill>
                   <a:schemeClr val="tx1">
                     <a:lumMod val="50000"/>
@@ -33095,7 +32073,7 @@
               </a:rPr>
               <a:t>重复推理</a:t>
             </a:r>
-            <a:endParaRPr lang="zh-CN" altLang="en-US" sz="1400">
+            <a:endParaRPr lang="zh-CN" altLang="en-US" sz="1400" dirty="0">
               <a:solidFill>
                 <a:schemeClr val="tx1">
                   <a:lumMod val="50000"/>
@@ -33108,14 +32086,14 @@
             </a:endParaRPr>
           </a:p>
           <a:p>
-            <a:endParaRPr lang="en-US" altLang="zh-CN" sz="1400">
+            <a:endParaRPr lang="en-US" altLang="zh-CN" sz="1400" dirty="0">
               <a:latin typeface="微软雅黑" panose="020B0503020204020204" pitchFamily="34" charset="-122"/>
               <a:ea typeface="微软雅黑" panose="020B0503020204020204" pitchFamily="34" charset="-122"/>
               <a:cs typeface="微软雅黑" panose="020B0503020204020204" pitchFamily="34" charset="-122"/>
             </a:endParaRPr>
           </a:p>
           <a:p>
-            <a:endParaRPr lang="en-US" altLang="zh-CN" sz="1400">
+            <a:endParaRPr lang="en-US" altLang="zh-CN" sz="1400" dirty="0">
               <a:latin typeface="微软雅黑" panose="020B0503020204020204" pitchFamily="34" charset="-122"/>
               <a:ea typeface="微软雅黑" panose="020B0503020204020204" pitchFamily="34" charset="-122"/>
               <a:cs typeface="微软雅黑" panose="020B0503020204020204" pitchFamily="34" charset="-122"/>
@@ -33123,7 +32101,7 @@
           </a:p>
           <a:p>
             <a:r>
-              <a:rPr lang="en-US" altLang="zh-CN" sz="1400">
+              <a:rPr lang="en-US" altLang="zh-CN" sz="1400" dirty="0">
                 <a:latin typeface="微软雅黑" panose="020B0503020204020204" pitchFamily="34" charset="-122"/>
                 <a:ea typeface="微软雅黑" panose="020B0503020204020204" pitchFamily="34" charset="-122"/>
                 <a:cs typeface="微软雅黑" panose="020B0503020204020204" pitchFamily="34" charset="-122"/>
@@ -33131,7 +32109,7 @@
               <a:t>- </a:t>
             </a:r>
             <a:r>
-              <a:rPr lang="zh-CN" altLang="en-US" sz="1400">
+              <a:rPr lang="zh-CN" altLang="en-US" sz="1400" dirty="0">
                 <a:latin typeface="微软雅黑" panose="020B0503020204020204" pitchFamily="34" charset="-122"/>
                 <a:ea typeface="微软雅黑" panose="020B0503020204020204" pitchFamily="34" charset="-122"/>
                 <a:cs typeface="微软雅黑" panose="020B0503020204020204" pitchFamily="34" charset="-122"/>
@@ -33139,7 +32117,7 @@
               <a:t>解析：</a:t>
             </a:r>
             <a:r>
-              <a:rPr lang="en-US" altLang="zh-CN" sz="1400">
+              <a:rPr lang="en-US" altLang="zh-CN" sz="1400" dirty="0">
                 <a:latin typeface="微软雅黑" panose="020B0503020204020204" pitchFamily="34" charset="-122"/>
                 <a:ea typeface="微软雅黑" panose="020B0503020204020204" pitchFamily="34" charset="-122"/>
                 <a:cs typeface="微软雅黑" panose="020B0503020204020204" pitchFamily="34" charset="-122"/>
@@ -33147,7 +32125,7 @@
               <a:t>lookup </a:t>
             </a:r>
             <a:r>
-              <a:rPr lang="zh-CN" altLang="en-US" sz="1400">
+              <a:rPr lang="zh-CN" altLang="en-US" sz="1400" dirty="0">
                 <a:latin typeface="微软雅黑" panose="020B0503020204020204" pitchFamily="34" charset="-122"/>
                 <a:ea typeface="微软雅黑" panose="020B0503020204020204" pitchFamily="34" charset="-122"/>
                 <a:cs typeface="微软雅黑" panose="020B0503020204020204" pitchFamily="34" charset="-122"/>
@@ -33155,7 +32133,7 @@
               <a:t>函数名</a:t>
             </a:r>
             <a:r>
-              <a:rPr lang="en-US" altLang="zh-CN" sz="1400">
+              <a:rPr lang="en-US" altLang="zh-CN" sz="1400" dirty="0">
                 <a:latin typeface="微软雅黑" panose="020B0503020204020204" pitchFamily="34" charset="-122"/>
                 <a:ea typeface="微软雅黑" panose="020B0503020204020204" pitchFamily="34" charset="-122"/>
                 <a:cs typeface="微软雅黑" panose="020B0503020204020204" pitchFamily="34" charset="-122"/>
@@ -33163,7 +32141,7 @@
               <a:t> </a:t>
             </a:r>
             <a:r>
-              <a:rPr lang="en-US" altLang="en-US" sz="1400">
+              <a:rPr lang="en-US" altLang="en-US" sz="1400" dirty="0">
                 <a:latin typeface="微软雅黑" panose="020B0503020204020204" pitchFamily="34" charset="-122"/>
                 <a:ea typeface="微软雅黑" panose="020B0503020204020204" pitchFamily="34" charset="-122"/>
                 <a:cs typeface="微软雅黑" panose="020B0503020204020204" pitchFamily="34" charset="-122"/>
@@ -33171,7 +32149,7 @@
               <a:t>→</a:t>
             </a:r>
             <a:r>
-              <a:rPr lang="en-US" altLang="zh-CN" sz="1400">
+              <a:rPr lang="en-US" altLang="zh-CN" sz="1400" dirty="0">
                 <a:latin typeface="微软雅黑" panose="020B0503020204020204" pitchFamily="34" charset="-122"/>
                 <a:ea typeface="微软雅黑" panose="020B0503020204020204" pitchFamily="34" charset="-122"/>
                 <a:cs typeface="微软雅黑" panose="020B0503020204020204" pitchFamily="34" charset="-122"/>
@@ -33179,7 +32157,7 @@
               <a:t> </a:t>
             </a:r>
             <a:r>
-              <a:rPr lang="zh-CN" altLang="en-US" sz="1400">
+              <a:rPr lang="zh-CN" altLang="en-US" sz="1400" dirty="0">
                 <a:latin typeface="微软雅黑" panose="020B0503020204020204" pitchFamily="34" charset="-122"/>
                 <a:ea typeface="微软雅黑" panose="020B0503020204020204" pitchFamily="34" charset="-122"/>
                 <a:cs typeface="微软雅黑" panose="020B0503020204020204" pitchFamily="34" charset="-122"/>
@@ -33187,7 +32165,7 @@
               <a:t>校验</a:t>
             </a:r>
             <a:r>
-              <a:rPr lang="en-US" altLang="zh-CN" sz="1400">
+              <a:rPr lang="en-US" altLang="zh-CN" sz="1400" dirty="0">
                 <a:latin typeface="微软雅黑" panose="020B0503020204020204" pitchFamily="34" charset="-122"/>
                 <a:ea typeface="微软雅黑" panose="020B0503020204020204" pitchFamily="34" charset="-122"/>
                 <a:cs typeface="微软雅黑" panose="020B0503020204020204" pitchFamily="34" charset="-122"/>
@@ -33195,7 +32173,7 @@
               <a:t> kind==Func </a:t>
             </a:r>
             <a:r>
-              <a:rPr lang="en-US" altLang="en-US" sz="1400">
+              <a:rPr lang="en-US" altLang="en-US" sz="1400" dirty="0">
                 <a:latin typeface="微软雅黑" panose="020B0503020204020204" pitchFamily="34" charset="-122"/>
                 <a:ea typeface="微软雅黑" panose="020B0503020204020204" pitchFamily="34" charset="-122"/>
                 <a:cs typeface="微软雅黑" panose="020B0503020204020204" pitchFamily="34" charset="-122"/>
@@ -33203,7 +32181,7 @@
               <a:t>→</a:t>
             </a:r>
             <a:r>
-              <a:rPr lang="en-US" altLang="zh-CN" sz="1400">
+              <a:rPr lang="en-US" altLang="zh-CN" sz="1400" dirty="0">
                 <a:latin typeface="微软雅黑" panose="020B0503020204020204" pitchFamily="34" charset="-122"/>
                 <a:ea typeface="微软雅黑" panose="020B0503020204020204" pitchFamily="34" charset="-122"/>
                 <a:cs typeface="微软雅黑" panose="020B0503020204020204" pitchFamily="34" charset="-122"/>
@@ -33211,7 +32189,7 @@
               <a:t> </a:t>
             </a:r>
             <a:r>
-              <a:rPr lang="zh-CN" altLang="en-US" sz="1400">
+              <a:rPr lang="zh-CN" altLang="en-US" sz="1400" dirty="0">
                 <a:latin typeface="微软雅黑" panose="020B0503020204020204" pitchFamily="34" charset="-122"/>
                 <a:ea typeface="微软雅黑" panose="020B0503020204020204" pitchFamily="34" charset="-122"/>
                 <a:cs typeface="微软雅黑" panose="020B0503020204020204" pitchFamily="34" charset="-122"/>
@@ -33221,7 +32199,7 @@
           </a:p>
           <a:p>
             <a:r>
-              <a:rPr lang="en-US" altLang="zh-CN" sz="1400">
+              <a:rPr lang="en-US" altLang="zh-CN" sz="1400" dirty="0">
                 <a:latin typeface="微软雅黑" panose="020B0503020204020204" pitchFamily="34" charset="-122"/>
                 <a:ea typeface="微软雅黑" panose="020B0503020204020204" pitchFamily="34" charset="-122"/>
                 <a:cs typeface="微软雅黑" panose="020B0503020204020204" pitchFamily="34" charset="-122"/>
@@ -33229,7 +32207,7 @@
               <a:t>- </a:t>
             </a:r>
             <a:r>
-              <a:rPr lang="zh-CN" altLang="en-US" sz="1400">
+              <a:rPr lang="zh-CN" altLang="en-US" sz="1400" dirty="0">
                 <a:latin typeface="微软雅黑" panose="020B0503020204020204" pitchFamily="34" charset="-122"/>
                 <a:ea typeface="微软雅黑" panose="020B0503020204020204" pitchFamily="34" charset="-122"/>
                 <a:cs typeface="微软雅黑" panose="020B0503020204020204" pitchFamily="34" charset="-122"/>
@@ -33237,7 +32215,7 @@
               <a:t>个数匹配：非变长需严格相等；变长需</a:t>
             </a:r>
             <a:r>
-              <a:rPr lang="en-US" altLang="zh-CN" sz="1400">
+              <a:rPr lang="en-US" altLang="zh-CN" sz="1400" dirty="0">
                 <a:latin typeface="微软雅黑" panose="020B0503020204020204" pitchFamily="34" charset="-122"/>
                 <a:ea typeface="微软雅黑" panose="020B0503020204020204" pitchFamily="34" charset="-122"/>
                 <a:cs typeface="微软雅黑" panose="020B0503020204020204" pitchFamily="34" charset="-122"/>
@@ -33245,7 +32223,7 @@
               <a:t>“</a:t>
             </a:r>
             <a:r>
-              <a:rPr lang="zh-CN" altLang="en-US" sz="1400">
+              <a:rPr lang="zh-CN" altLang="en-US" sz="1400" dirty="0">
                 <a:latin typeface="微软雅黑" panose="020B0503020204020204" pitchFamily="34" charset="-122"/>
                 <a:ea typeface="微软雅黑" panose="020B0503020204020204" pitchFamily="34" charset="-122"/>
                 <a:cs typeface="微软雅黑" panose="020B0503020204020204" pitchFamily="34" charset="-122"/>
@@ -33253,7 +32231,7 @@
               <a:t>实参数</a:t>
             </a:r>
             <a:r>
-              <a:rPr lang="en-US" altLang="zh-CN" sz="1400">
+              <a:rPr lang="en-US" altLang="zh-CN" sz="1400" dirty="0">
                 <a:latin typeface="微软雅黑" panose="020B0503020204020204" pitchFamily="34" charset="-122"/>
                 <a:ea typeface="微软雅黑" panose="020B0503020204020204" pitchFamily="34" charset="-122"/>
                 <a:cs typeface="微软雅黑" panose="020B0503020204020204" pitchFamily="34" charset="-122"/>
@@ -33261,7 +32239,7 @@
               <a:t> ≥ </a:t>
             </a:r>
             <a:r>
-              <a:rPr lang="zh-CN" altLang="en-US" sz="1400">
+              <a:rPr lang="zh-CN" altLang="en-US" sz="1400" dirty="0">
                 <a:latin typeface="微软雅黑" panose="020B0503020204020204" pitchFamily="34" charset="-122"/>
                 <a:ea typeface="微软雅黑" panose="020B0503020204020204" pitchFamily="34" charset="-122"/>
                 <a:cs typeface="微软雅黑" panose="020B0503020204020204" pitchFamily="34" charset="-122"/>
@@ -33269,7 +32247,7 @@
               <a:t>形参数</a:t>
             </a:r>
             <a:r>
-              <a:rPr lang="en-US" altLang="zh-CN" sz="1400">
+              <a:rPr lang="en-US" altLang="zh-CN" sz="1400" dirty="0">
                 <a:latin typeface="微软雅黑" panose="020B0503020204020204" pitchFamily="34" charset="-122"/>
                 <a:ea typeface="微软雅黑" panose="020B0503020204020204" pitchFamily="34" charset="-122"/>
                 <a:cs typeface="微软雅黑" panose="020B0503020204020204" pitchFamily="34" charset="-122"/>
@@ -33279,7 +32257,7 @@
           </a:p>
           <a:p>
             <a:r>
-              <a:rPr lang="en-US" altLang="zh-CN" sz="1400">
+              <a:rPr lang="en-US" altLang="zh-CN" sz="1400" dirty="0">
                 <a:latin typeface="微软雅黑" panose="020B0503020204020204" pitchFamily="34" charset="-122"/>
                 <a:ea typeface="微软雅黑" panose="020B0503020204020204" pitchFamily="34" charset="-122"/>
                 <a:cs typeface="微软雅黑" panose="020B0503020204020204" pitchFamily="34" charset="-122"/>
@@ -33287,7 +32265,7 @@
               <a:t>- </a:t>
             </a:r>
             <a:r>
-              <a:rPr lang="zh-CN" altLang="en-US" sz="1400">
+              <a:rPr lang="zh-CN" altLang="en-US" sz="1400" dirty="0">
                 <a:latin typeface="微软雅黑" panose="020B0503020204020204" pitchFamily="34" charset="-122"/>
                 <a:ea typeface="微软雅黑" panose="020B0503020204020204" pitchFamily="34" charset="-122"/>
                 <a:cs typeface="微软雅黑" panose="020B0503020204020204" pitchFamily="34" charset="-122"/>
@@ -33297,7 +32275,7 @@
           </a:p>
           <a:p>
             <a:r>
-              <a:rPr lang="en-US" altLang="zh-CN" sz="1400">
+              <a:rPr lang="en-US" altLang="zh-CN" sz="1400" dirty="0">
                 <a:latin typeface="微软雅黑" panose="020B0503020204020204" pitchFamily="34" charset="-122"/>
                 <a:ea typeface="微软雅黑" panose="020B0503020204020204" pitchFamily="34" charset="-122"/>
                 <a:cs typeface="微软雅黑" panose="020B0503020204020204" pitchFamily="34" charset="-122"/>
@@ -33305,7 +32283,7 @@
               <a:t>      </a:t>
             </a:r>
             <a:r>
-              <a:rPr lang="en-US" altLang="zh-CN" sz="1400" b="1" i="1">
+              <a:rPr lang="en-US" altLang="zh-CN" sz="1400" b="1" i="1" dirty="0">
                 <a:effectLst>
                   <a:outerShdw blurRad="38100" dist="38100" dir="2700000" algn="tl">
                     <a:srgbClr val="000000">
@@ -33320,7 +32298,7 @@
               <a:t>if</a:t>
             </a:r>
             <a:r>
-              <a:rPr lang="en-US" altLang="zh-CN" sz="1400">
+              <a:rPr lang="en-US" altLang="zh-CN" sz="1400" dirty="0">
                 <a:latin typeface="微软雅黑" panose="020B0503020204020204" pitchFamily="34" charset="-122"/>
                 <a:ea typeface="微软雅黑" panose="020B0503020204020204" pitchFamily="34" charset="-122"/>
                 <a:cs typeface="微软雅黑" panose="020B0503020204020204" pitchFamily="34" charset="-122"/>
@@ -33328,7 +32306,7 @@
               <a:t>       </a:t>
             </a:r>
             <a:r>
-              <a:rPr lang="zh-CN" altLang="en-US" sz="1400">
+              <a:rPr lang="zh-CN" altLang="en-US" sz="1400" dirty="0">
                 <a:latin typeface="微软雅黑" panose="020B0503020204020204" pitchFamily="34" charset="-122"/>
                 <a:ea typeface="微软雅黑" panose="020B0503020204020204" pitchFamily="34" charset="-122"/>
                 <a:cs typeface="微软雅黑" panose="020B0503020204020204" pitchFamily="34" charset="-122"/>
@@ -33336,7 +32314,7 @@
               <a:t>期望</a:t>
             </a:r>
             <a:r>
-              <a:rPr lang="en-US" altLang="zh-CN" sz="1400">
+              <a:rPr lang="en-US" altLang="zh-CN" sz="1400" dirty="0">
                 <a:latin typeface="微软雅黑" panose="020B0503020204020204" pitchFamily="34" charset="-122"/>
                 <a:ea typeface="微软雅黑" panose="020B0503020204020204" pitchFamily="34" charset="-122"/>
                 <a:cs typeface="微软雅黑" panose="020B0503020204020204" pitchFamily="34" charset="-122"/>
@@ -33344,7 +32322,7 @@
               <a:t> array-pointer</a:t>
             </a:r>
             <a:r>
-              <a:rPr lang="zh-CN" altLang="en-US" sz="1400">
+              <a:rPr lang="zh-CN" altLang="en-US" sz="1400" dirty="0">
                 <a:latin typeface="微软雅黑" panose="020B0503020204020204" pitchFamily="34" charset="-122"/>
                 <a:ea typeface="微软雅黑" panose="020B0503020204020204" pitchFamily="34" charset="-122"/>
                 <a:cs typeface="微软雅黑" panose="020B0503020204020204" pitchFamily="34" charset="-122"/>
@@ -33354,7 +32332,7 @@
           </a:p>
           <a:p>
             <a:r>
-              <a:rPr lang="zh-CN" altLang="en-US" sz="1400">
+              <a:rPr lang="zh-CN" altLang="en-US" sz="1400" dirty="0">
                 <a:latin typeface="微软雅黑" panose="020B0503020204020204" pitchFamily="34" charset="-122"/>
                 <a:ea typeface="微软雅黑" panose="020B0503020204020204" pitchFamily="34" charset="-122"/>
                 <a:cs typeface="微软雅黑" panose="020B0503020204020204" pitchFamily="34" charset="-122"/>
@@ -33364,7 +32342,7 @@
           </a:p>
           <a:p>
             <a:r>
-              <a:rPr lang="en-US" altLang="zh-CN" sz="1400">
+              <a:rPr lang="en-US" altLang="zh-CN" sz="1400" dirty="0">
                 <a:latin typeface="微软雅黑" panose="020B0503020204020204" pitchFamily="34" charset="-122"/>
                 <a:ea typeface="微软雅黑" panose="020B0503020204020204" pitchFamily="34" charset="-122"/>
                 <a:cs typeface="微软雅黑" panose="020B0503020204020204" pitchFamily="34" charset="-122"/>
@@ -33372,7 +32350,7 @@
               <a:t>      </a:t>
             </a:r>
             <a:r>
-              <a:rPr lang="en-US" altLang="zh-CN" sz="1400" b="1" i="1">
+              <a:rPr lang="en-US" altLang="zh-CN" sz="1400" b="1" i="1" dirty="0">
                 <a:effectLst>
                   <a:outerShdw blurRad="38100" dist="38100" dir="2700000" algn="tl">
                     <a:srgbClr val="000000">
@@ -33387,7 +32365,7 @@
               <a:t>else</a:t>
             </a:r>
             <a:r>
-              <a:rPr lang="en-US" altLang="zh-CN" sz="1400">
+              <a:rPr lang="en-US" altLang="zh-CN" sz="1400" dirty="0">
                 <a:latin typeface="微软雅黑" panose="020B0503020204020204" pitchFamily="34" charset="-122"/>
                 <a:ea typeface="微软雅黑" panose="020B0503020204020204" pitchFamily="34" charset="-122"/>
                 <a:cs typeface="微软雅黑" panose="020B0503020204020204" pitchFamily="34" charset="-122"/>
@@ -33395,7 +32373,7 @@
               <a:t>   </a:t>
             </a:r>
             <a:r>
-              <a:rPr lang="zh-CN" altLang="en-US" sz="1400">
+              <a:rPr lang="zh-CN" altLang="en-US" sz="1400" dirty="0">
                 <a:latin typeface="微软雅黑" panose="020B0503020204020204" pitchFamily="34" charset="-122"/>
                 <a:ea typeface="微软雅黑" panose="020B0503020204020204" pitchFamily="34" charset="-122"/>
                 <a:cs typeface="微软雅黑" panose="020B0503020204020204" pitchFamily="34" charset="-122"/>
@@ -33405,7 +32383,7 @@
           </a:p>
           <a:p>
             <a:r>
-              <a:rPr lang="en-US" altLang="zh-CN" sz="1400">
+              <a:rPr lang="en-US" altLang="zh-CN" sz="1400" dirty="0">
                 <a:latin typeface="微软雅黑" panose="020B0503020204020204" pitchFamily="34" charset="-122"/>
                 <a:ea typeface="微软雅黑" panose="020B0503020204020204" pitchFamily="34" charset="-122"/>
                 <a:cs typeface="微软雅黑" panose="020B0503020204020204" pitchFamily="34" charset="-122"/>
@@ -33413,7 +32391,7 @@
               <a:t>- </a:t>
             </a:r>
             <a:r>
-              <a:rPr lang="zh-CN" altLang="en-US" sz="1400">
+              <a:rPr lang="zh-CN" altLang="en-US" sz="1400" dirty="0">
                 <a:latin typeface="微软雅黑" panose="020B0503020204020204" pitchFamily="34" charset="-122"/>
                 <a:ea typeface="微软雅黑" panose="020B0503020204020204" pitchFamily="34" charset="-122"/>
                 <a:cs typeface="微软雅黑" panose="020B0503020204020204" pitchFamily="34" charset="-122"/>
@@ -33421,7 +32399,7 @@
               <a:t>结果：调用表达式的类型即函数返回类型；用于后续类型传播与</a:t>
             </a:r>
             <a:r>
-              <a:rPr lang="en-US" altLang="zh-CN" sz="1400">
+              <a:rPr lang="en-US" altLang="zh-CN" sz="1400" dirty="0">
                 <a:latin typeface="微软雅黑" panose="020B0503020204020204" pitchFamily="34" charset="-122"/>
                 <a:ea typeface="微软雅黑" panose="020B0503020204020204" pitchFamily="34" charset="-122"/>
                 <a:cs typeface="微软雅黑" panose="020B0503020204020204" pitchFamily="34" charset="-122"/>
@@ -33429,7 +32407,7 @@
               <a:t>IR</a:t>
             </a:r>
             <a:r>
-              <a:rPr lang="zh-CN" altLang="en-US" sz="1400">
+              <a:rPr lang="zh-CN" altLang="en-US" sz="1400" dirty="0">
                 <a:latin typeface="微软雅黑" panose="020B0503020204020204" pitchFamily="34" charset="-122"/>
                 <a:ea typeface="微软雅黑" panose="020B0503020204020204" pitchFamily="34" charset="-122"/>
                 <a:cs typeface="微软雅黑" panose="020B0503020204020204" pitchFamily="34" charset="-122"/>
@@ -33438,7 +32416,7 @@
             </a:r>
           </a:p>
           <a:p>
-            <a:endParaRPr lang="zh-CN" altLang="en-US" sz="1400">
+            <a:endParaRPr lang="zh-CN" altLang="en-US" sz="1400" dirty="0">
               <a:latin typeface="微软雅黑" panose="020B0503020204020204" pitchFamily="34" charset="-122"/>
               <a:ea typeface="微软雅黑" panose="020B0503020204020204" pitchFamily="34" charset="-122"/>
               <a:cs typeface="微软雅黑" panose="020B0503020204020204" pitchFamily="34" charset="-122"/>
@@ -33469,7 +32447,7 @@
           <a:lstStyle/>
           <a:p>
             <a:r>
-              <a:rPr lang="zh-CN" altLang="en-US" b="1">
+              <a:rPr lang="zh-CN" altLang="en-US" b="1" dirty="0">
                 <a:effectLst>
                   <a:outerShdw blurRad="38100" dist="38100" dir="2700000" algn="tl">
                     <a:srgbClr val="000000">
@@ -33485,7 +32463,7 @@
               <a:t>函数符号作为</a:t>
             </a:r>
             <a:r>
-              <a:rPr lang="en-US" altLang="zh-CN" b="1">
+              <a:rPr lang="en-US" altLang="zh-CN" b="1" dirty="0">
                 <a:effectLst>
                   <a:outerShdw blurRad="38100" dist="38100" dir="2700000" algn="tl">
                     <a:srgbClr val="000000">
@@ -33501,7 +32479,7 @@
               <a:t>“</a:t>
             </a:r>
             <a:r>
-              <a:rPr lang="zh-CN" altLang="en-US" b="1">
+              <a:rPr lang="zh-CN" altLang="en-US" b="1" dirty="0">
                 <a:effectLst>
                   <a:outerShdw blurRad="38100" dist="38100" dir="2700000" algn="tl">
                     <a:srgbClr val="000000">
@@ -33517,7 +32495,7 @@
               <a:t>契约</a:t>
             </a:r>
             <a:r>
-              <a:rPr lang="en-US" altLang="zh-CN" b="1">
+              <a:rPr lang="en-US" altLang="zh-CN" b="1" dirty="0">
                 <a:effectLst>
                   <a:outerShdw blurRad="38100" dist="38100" dir="2700000" algn="tl">
                     <a:srgbClr val="000000">
@@ -33628,7 +32606,7 @@
 </p:sld>
 </file>
 
-<file path=ppt/slides/slide7.xml><?xml version="1.0" encoding="utf-8"?>
+<file path=ppt/slides/slide6.xml><?xml version="1.0" encoding="utf-8"?>
 <p:sld xmlns:a="http://schemas.openxmlformats.org/drawingml/2006/main" xmlns:r="http://schemas.openxmlformats.org/officeDocument/2006/relationships" xmlns:p="http://schemas.openxmlformats.org/presentationml/2006/main">
   <p:cSld>
     <p:spTree>
@@ -33703,6 +32681,436 @@
         <p14:creationId xmlns:p14="http://schemas.microsoft.com/office/powerpoint/2010/main" val="2883324735"/>
       </p:ext>
     </p:extLst>
+  </p:cSld>
+  <p:clrMapOvr>
+    <a:masterClrMapping/>
+  </p:clrMapOvr>
+</p:sld>
+</file>
+
+<file path=ppt/slides/slide7.xml><?xml version="1.0" encoding="utf-8"?>
+<p:sld xmlns:a="http://schemas.openxmlformats.org/drawingml/2006/main" xmlns:r="http://schemas.openxmlformats.org/officeDocument/2006/relationships" xmlns:p="http://schemas.openxmlformats.org/presentationml/2006/main">
+  <p:cSld>
+    <p:spTree>
+      <p:nvGrpSpPr>
+        <p:cNvPr id="1" name=""/>
+        <p:cNvGrpSpPr/>
+        <p:nvPr/>
+      </p:nvGrpSpPr>
+      <p:grpSpPr>
+        <a:xfrm>
+          <a:off x="0" y="0"/>
+          <a:ext cx="0" cy="0"/>
+          <a:chOff x="0" y="0"/>
+          <a:chExt cx="0" cy="0"/>
+        </a:xfrm>
+      </p:grpSpPr>
+      <p:sp>
+        <p:nvSpPr>
+          <p:cNvPr id="106" name="流程图: 过程 52"/>
+          <p:cNvSpPr/>
+          <p:nvPr/>
+        </p:nvSpPr>
+        <p:spPr>
+          <a:xfrm>
+            <a:off x="-10795" y="953770"/>
+            <a:ext cx="12192000" cy="168275"/>
+          </a:xfrm>
+          <a:prstGeom prst="flowChartProcess">
+            <a:avLst/>
+          </a:prstGeom>
+          <a:gradFill>
+            <a:gsLst>
+              <a:gs pos="2000">
+                <a:schemeClr val="bg1"/>
+              </a:gs>
+              <a:gs pos="78000">
+                <a:srgbClr val="9A1F2D"/>
+              </a:gs>
+              <a:gs pos="9000">
+                <a:schemeClr val="bg1"/>
+              </a:gs>
+              <a:gs pos="100000">
+                <a:srgbClr val="9A1F2D"/>
+              </a:gs>
+            </a:gsLst>
+            <a:lin ang="13500000" scaled="0"/>
+          </a:gradFill>
+          <a:ln>
+            <a:noFill/>
+          </a:ln>
+        </p:spPr>
+        <p:style>
+          <a:lnRef idx="2">
+            <a:schemeClr val="accent1">
+              <a:shade val="50000"/>
+            </a:schemeClr>
+          </a:lnRef>
+          <a:fillRef idx="1">
+            <a:schemeClr val="accent1"/>
+          </a:fillRef>
+          <a:effectRef idx="0">
+            <a:schemeClr val="accent1"/>
+          </a:effectRef>
+          <a:fontRef idx="minor">
+            <a:schemeClr val="lt1"/>
+          </a:fontRef>
+        </p:style>
+        <p:txBody>
+          <a:bodyPr rtlCol="0" anchor="ctr"/>
+          <a:lstStyle/>
+          <a:p>
+            <a:pPr algn="ctr"/>
+            <a:endParaRPr lang="zh-CN" altLang="en-US"/>
+          </a:p>
+        </p:txBody>
+      </p:sp>
+      <p:pic>
+        <p:nvPicPr>
+          <p:cNvPr id="2" name="图片 1"/>
+          <p:cNvPicPr>
+            <a:picLocks noChangeAspect="1"/>
+          </p:cNvPicPr>
+          <p:nvPr/>
+        </p:nvPicPr>
+        <p:blipFill>
+          <a:blip r:embed="rId5"/>
+          <a:stretch>
+            <a:fillRect/>
+          </a:stretch>
+        </p:blipFill>
+        <p:spPr>
+          <a:xfrm>
+            <a:off x="11102975" y="0"/>
+            <a:ext cx="1078230" cy="1122680"/>
+          </a:xfrm>
+          <a:prstGeom prst="rect">
+            <a:avLst/>
+          </a:prstGeom>
+        </p:spPr>
+      </p:pic>
+      <p:sp>
+        <p:nvSpPr>
+          <p:cNvPr id="3" name="文本框 2"/>
+          <p:cNvSpPr txBox="1"/>
+          <p:nvPr/>
+        </p:nvSpPr>
+        <p:spPr>
+          <a:xfrm flipH="1">
+            <a:off x="549907" y="163830"/>
+            <a:ext cx="7750419" cy="706755"/>
+          </a:xfrm>
+          <a:prstGeom prst="rect">
+            <a:avLst/>
+          </a:prstGeom>
+          <a:noFill/>
+        </p:spPr>
+        <p:txBody>
+          <a:bodyPr wrap="square" rtlCol="0">
+            <a:spAutoFit/>
+          </a:bodyPr>
+          <a:lstStyle>
+            <a:defPPr>
+              <a:defRPr lang="zh-CN"/>
+            </a:defPPr>
+            <a:lvl1pPr marL="0" algn="l" defTabSz="914400" rtl="0" eaLnBrk="1" latinLnBrk="0" hangingPunct="1">
+              <a:defRPr sz="1800" kern="1200">
+                <a:solidFill>
+                  <a:schemeClr val="tx1"/>
+                </a:solidFill>
+                <a:latin typeface="+mn-lt"/>
+                <a:ea typeface="+mn-ea"/>
+                <a:cs typeface="+mn-cs"/>
+              </a:defRPr>
+            </a:lvl1pPr>
+            <a:lvl2pPr marL="457200" algn="l" defTabSz="914400" rtl="0" eaLnBrk="1" latinLnBrk="0" hangingPunct="1">
+              <a:defRPr sz="1800" kern="1200">
+                <a:solidFill>
+                  <a:schemeClr val="tx1"/>
+                </a:solidFill>
+                <a:latin typeface="+mn-lt"/>
+                <a:ea typeface="+mn-ea"/>
+                <a:cs typeface="+mn-cs"/>
+              </a:defRPr>
+            </a:lvl2pPr>
+            <a:lvl3pPr marL="914400" algn="l" defTabSz="914400" rtl="0" eaLnBrk="1" latinLnBrk="0" hangingPunct="1">
+              <a:defRPr sz="1800" kern="1200">
+                <a:solidFill>
+                  <a:schemeClr val="tx1"/>
+                </a:solidFill>
+                <a:latin typeface="+mn-lt"/>
+                <a:ea typeface="+mn-ea"/>
+                <a:cs typeface="+mn-cs"/>
+              </a:defRPr>
+            </a:lvl3pPr>
+            <a:lvl4pPr marL="1371600" algn="l" defTabSz="914400" rtl="0" eaLnBrk="1" latinLnBrk="0" hangingPunct="1">
+              <a:defRPr sz="1800" kern="1200">
+                <a:solidFill>
+                  <a:schemeClr val="tx1"/>
+                </a:solidFill>
+                <a:latin typeface="+mn-lt"/>
+                <a:ea typeface="+mn-ea"/>
+                <a:cs typeface="+mn-cs"/>
+              </a:defRPr>
+            </a:lvl4pPr>
+            <a:lvl5pPr marL="1828800" algn="l" defTabSz="914400" rtl="0" eaLnBrk="1" latinLnBrk="0" hangingPunct="1">
+              <a:defRPr sz="1800" kern="1200">
+                <a:solidFill>
+                  <a:schemeClr val="tx1"/>
+                </a:solidFill>
+                <a:latin typeface="+mn-lt"/>
+                <a:ea typeface="+mn-ea"/>
+                <a:cs typeface="+mn-cs"/>
+              </a:defRPr>
+            </a:lvl5pPr>
+            <a:lvl6pPr marL="2286000" algn="l" defTabSz="914400" rtl="0" eaLnBrk="1" latinLnBrk="0" hangingPunct="1">
+              <a:defRPr sz="1800" kern="1200">
+                <a:solidFill>
+                  <a:schemeClr val="tx1"/>
+                </a:solidFill>
+                <a:latin typeface="+mn-lt"/>
+                <a:ea typeface="+mn-ea"/>
+                <a:cs typeface="+mn-cs"/>
+              </a:defRPr>
+            </a:lvl6pPr>
+            <a:lvl7pPr marL="2743200" algn="l" defTabSz="914400" rtl="0" eaLnBrk="1" latinLnBrk="0" hangingPunct="1">
+              <a:defRPr sz="1800" kern="1200">
+                <a:solidFill>
+                  <a:schemeClr val="tx1"/>
+                </a:solidFill>
+                <a:latin typeface="+mn-lt"/>
+                <a:ea typeface="+mn-ea"/>
+                <a:cs typeface="+mn-cs"/>
+              </a:defRPr>
+            </a:lvl7pPr>
+            <a:lvl8pPr marL="3200400" algn="l" defTabSz="914400" rtl="0" eaLnBrk="1" latinLnBrk="0" hangingPunct="1">
+              <a:defRPr sz="1800" kern="1200">
+                <a:solidFill>
+                  <a:schemeClr val="tx1"/>
+                </a:solidFill>
+                <a:latin typeface="+mn-lt"/>
+                <a:ea typeface="+mn-ea"/>
+                <a:cs typeface="+mn-cs"/>
+              </a:defRPr>
+            </a:lvl8pPr>
+            <a:lvl9pPr marL="3657600" algn="l" defTabSz="914400" rtl="0" eaLnBrk="1" latinLnBrk="0" hangingPunct="1">
+              <a:defRPr sz="1800" kern="1200">
+                <a:solidFill>
+                  <a:schemeClr val="tx1"/>
+                </a:solidFill>
+                <a:latin typeface="+mn-lt"/>
+                <a:ea typeface="+mn-ea"/>
+                <a:cs typeface="+mn-cs"/>
+              </a:defRPr>
+            </a:lvl9pPr>
+          </a:lstStyle>
+          <a:p>
+            <a:pPr lvl="0">
+              <a:defRPr/>
+            </a:pPr>
+            <a:r>
+              <a:rPr lang="zh-CN" altLang="en-US" sz="4000" b="1" dirty="0">
+                <a:solidFill>
+                  <a:srgbClr val="9A1F2D"/>
+                </a:solidFill>
+                <a:latin typeface="微软雅黑" panose="020B0503020204020204" charset="-122"/>
+                <a:ea typeface="微软雅黑" panose="020B0503020204020204" charset="-122"/>
+                <a:sym typeface="Helvetica Light"/>
+              </a:rPr>
+              <a:t>中间代码设计</a:t>
+            </a:r>
+          </a:p>
+        </p:txBody>
+      </p:sp>
+      <p:grpSp>
+        <p:nvGrpSpPr>
+          <p:cNvPr id="4" name="组 2"/>
+          <p:cNvGrpSpPr/>
+          <p:nvPr/>
+        </p:nvGrpSpPr>
+        <p:grpSpPr>
+          <a:xfrm>
+            <a:off x="257175" y="299720"/>
+            <a:ext cx="250825" cy="394335"/>
+            <a:chOff x="199895" y="181334"/>
+            <a:chExt cx="315595" cy="560705"/>
+          </a:xfrm>
+          <a:solidFill>
+            <a:schemeClr val="bg1"/>
+          </a:solidFill>
+        </p:grpSpPr>
+        <p:sp>
+          <p:nvSpPr>
+            <p:cNvPr id="29" name="矩形 28"/>
+            <p:cNvSpPr/>
+            <p:nvPr>
+              <p:custDataLst>
+                <p:tags r:id="rId1"/>
+              </p:custDataLst>
+            </p:nvPr>
+          </p:nvSpPr>
+          <p:spPr>
+            <a:xfrm>
+              <a:off x="199895" y="181334"/>
+              <a:ext cx="223520" cy="560705"/>
+            </a:xfrm>
+            <a:prstGeom prst="rect">
+              <a:avLst/>
+            </a:prstGeom>
+            <a:solidFill>
+              <a:srgbClr val="951F2F"/>
+            </a:solidFill>
+            <a:ln>
+              <a:noFill/>
+            </a:ln>
+          </p:spPr>
+          <p:style>
+            <a:lnRef idx="2">
+              <a:schemeClr val="accent1">
+                <a:shade val="50000"/>
+              </a:schemeClr>
+            </a:lnRef>
+            <a:fillRef idx="1">
+              <a:schemeClr val="accent1"/>
+            </a:fillRef>
+            <a:effectRef idx="0">
+              <a:schemeClr val="accent1"/>
+            </a:effectRef>
+            <a:fontRef idx="minor">
+              <a:schemeClr val="lt1"/>
+            </a:fontRef>
+          </p:style>
+          <p:txBody>
+            <a:bodyPr wrap="square" rtlCol="0" anchor="ctr">
+              <a:normAutofit/>
+            </a:bodyPr>
+            <a:lstStyle/>
+            <a:p>
+              <a:pPr algn="ctr"/>
+              <a:endParaRPr lang="zh-CN" altLang="en-US" sz="1320">
+                <a:solidFill>
+                  <a:srgbClr val="2A608D"/>
+                </a:solidFill>
+              </a:endParaRPr>
+            </a:p>
+          </p:txBody>
+        </p:sp>
+        <p:cxnSp>
+          <p:nvCxnSpPr>
+            <p:cNvPr id="30" name="直接连接符 4"/>
+            <p:cNvCxnSpPr/>
+            <p:nvPr>
+              <p:custDataLst>
+                <p:tags r:id="rId2"/>
+              </p:custDataLst>
+            </p:nvPr>
+          </p:nvCxnSpPr>
+          <p:spPr>
+            <a:xfrm>
+              <a:off x="515490" y="181334"/>
+              <a:ext cx="0" cy="560705"/>
+            </a:xfrm>
+            <a:prstGeom prst="line">
+              <a:avLst/>
+            </a:prstGeom>
+            <a:grpFill/>
+            <a:ln w="38100">
+              <a:solidFill>
+                <a:schemeClr val="accent5"/>
+              </a:solidFill>
+            </a:ln>
+          </p:spPr>
+          <p:style>
+            <a:lnRef idx="1">
+              <a:schemeClr val="accent1"/>
+            </a:lnRef>
+            <a:fillRef idx="0">
+              <a:schemeClr val="accent1"/>
+            </a:fillRef>
+            <a:effectRef idx="0">
+              <a:schemeClr val="accent1"/>
+            </a:effectRef>
+            <a:fontRef idx="minor">
+              <a:schemeClr val="tx1"/>
+            </a:fontRef>
+          </p:style>
+        </p:cxnSp>
+      </p:grpSp>
+      <p:pic>
+        <p:nvPicPr>
+          <p:cNvPr id="7" name="图片 6"/>
+          <p:cNvPicPr>
+            <a:picLocks noChangeAspect="1"/>
+          </p:cNvPicPr>
+          <p:nvPr/>
+        </p:nvPicPr>
+        <p:blipFill>
+          <a:blip r:embed="rId6"/>
+          <a:srcRect t="77096" r="-41"/>
+          <a:stretch>
+            <a:fillRect/>
+          </a:stretch>
+        </p:blipFill>
+        <p:spPr>
+          <a:xfrm>
+            <a:off x="434975" y="1122680"/>
+            <a:ext cx="9930130" cy="2425700"/>
+          </a:xfrm>
+          <a:prstGeom prst="rect">
+            <a:avLst/>
+          </a:prstGeom>
+        </p:spPr>
+      </p:pic>
+      <p:pic>
+        <p:nvPicPr>
+          <p:cNvPr id="5" name="图片 4"/>
+          <p:cNvPicPr>
+            <a:picLocks noChangeAspect="1"/>
+          </p:cNvPicPr>
+          <p:nvPr/>
+        </p:nvPicPr>
+        <p:blipFill>
+          <a:blip r:embed="rId6"/>
+          <a:srcRect t="47620" r="305" b="21927"/>
+          <a:stretch>
+            <a:fillRect/>
+          </a:stretch>
+        </p:blipFill>
+        <p:spPr>
+          <a:xfrm>
+            <a:off x="508000" y="3566160"/>
+            <a:ext cx="9895840" cy="3225165"/>
+          </a:xfrm>
+          <a:prstGeom prst="rect">
+            <a:avLst/>
+          </a:prstGeom>
+        </p:spPr>
+      </p:pic>
+      <p:pic>
+        <p:nvPicPr>
+          <p:cNvPr id="6" name="图片 5"/>
+          <p:cNvPicPr>
+            <a:picLocks noChangeAspect="1"/>
+          </p:cNvPicPr>
+          <p:nvPr/>
+        </p:nvPicPr>
+        <p:blipFill>
+          <a:blip r:embed="rId7"/>
+          <a:stretch>
+            <a:fillRect/>
+          </a:stretch>
+        </p:blipFill>
+        <p:spPr>
+          <a:xfrm>
+            <a:off x="7868920" y="2610485"/>
+            <a:ext cx="2249170" cy="721995"/>
+          </a:xfrm>
+          <a:prstGeom prst="rect">
+            <a:avLst/>
+          </a:prstGeom>
+        </p:spPr>
+      </p:pic>
+    </p:spTree>
   </p:cSld>
   <p:clrMapOvr>
     <a:masterClrMapping/>
@@ -34060,7 +33468,7 @@
       </p:grpSp>
       <p:pic>
         <p:nvPicPr>
-          <p:cNvPr id="7" name="图片 6"/>
+          <p:cNvPr id="18" name="图片 17"/>
           <p:cNvPicPr>
             <a:picLocks noChangeAspect="1"/>
           </p:cNvPicPr>
@@ -34068,64 +33476,15 @@
         </p:nvPicPr>
         <p:blipFill>
           <a:blip r:embed="rId6"/>
-          <a:srcRect t="77096" r="-41"/>
+          <a:srcRect r="-488" b="52367"/>
           <a:stretch>
             <a:fillRect/>
           </a:stretch>
         </p:blipFill>
         <p:spPr>
           <a:xfrm>
-            <a:off x="434975" y="1122680"/>
-            <a:ext cx="9930130" cy="2425700"/>
-          </a:xfrm>
-          <a:prstGeom prst="rect">
-            <a:avLst/>
-          </a:prstGeom>
-        </p:spPr>
-      </p:pic>
-      <p:pic>
-        <p:nvPicPr>
-          <p:cNvPr id="5" name="图片 4"/>
-          <p:cNvPicPr>
-            <a:picLocks noChangeAspect="1"/>
-          </p:cNvPicPr>
-          <p:nvPr/>
-        </p:nvPicPr>
-        <p:blipFill>
-          <a:blip r:embed="rId6"/>
-          <a:srcRect t="47620" r="305" b="21927"/>
-          <a:stretch>
-            <a:fillRect/>
-          </a:stretch>
-        </p:blipFill>
-        <p:spPr>
-          <a:xfrm>
-            <a:off x="508000" y="3566160"/>
-            <a:ext cx="9895840" cy="3225165"/>
-          </a:xfrm>
-          <a:prstGeom prst="rect">
-            <a:avLst/>
-          </a:prstGeom>
-        </p:spPr>
-      </p:pic>
-      <p:pic>
-        <p:nvPicPr>
-          <p:cNvPr id="6" name="图片 5"/>
-          <p:cNvPicPr>
-            <a:picLocks noChangeAspect="1"/>
-          </p:cNvPicPr>
-          <p:nvPr/>
-        </p:nvPicPr>
-        <p:blipFill>
-          <a:blip r:embed="rId7"/>
-          <a:stretch>
-            <a:fillRect/>
-          </a:stretch>
-        </p:blipFill>
-        <p:spPr>
-          <a:xfrm>
-            <a:off x="7868920" y="2610485"/>
-            <a:ext cx="2249170" cy="721995"/>
+            <a:off x="434975" y="1168400"/>
+            <a:ext cx="11047730" cy="5588000"/>
           </a:xfrm>
           <a:prstGeom prst="rect">
             <a:avLst/>
@@ -34159,360 +33518,44 @@
       </p:grpSpPr>
       <p:sp>
         <p:nvSpPr>
-          <p:cNvPr id="106" name="流程图: 过程 52"/>
-          <p:cNvSpPr/>
+          <p:cNvPr id="103" name="文本框 102"/>
+          <p:cNvSpPr txBox="1"/>
           <p:nvPr/>
         </p:nvSpPr>
         <p:spPr>
           <a:xfrm>
-            <a:off x="-10795" y="953770"/>
-            <a:ext cx="12192000" cy="168275"/>
-          </a:xfrm>
-          <a:prstGeom prst="flowChartProcess">
-            <a:avLst/>
-          </a:prstGeom>
-          <a:gradFill>
-            <a:gsLst>
-              <a:gs pos="2000">
-                <a:schemeClr val="bg1"/>
-              </a:gs>
-              <a:gs pos="78000">
-                <a:srgbClr val="9A1F2D"/>
-              </a:gs>
-              <a:gs pos="9000">
-                <a:schemeClr val="bg1"/>
-              </a:gs>
-              <a:gs pos="100000">
-                <a:srgbClr val="9A1F2D"/>
-              </a:gs>
-            </a:gsLst>
-            <a:lin ang="13500000" scaled="0"/>
-          </a:gradFill>
-          <a:ln>
-            <a:noFill/>
-          </a:ln>
-        </p:spPr>
-        <p:style>
-          <a:lnRef idx="2">
-            <a:schemeClr val="accent1">
-              <a:shade val="50000"/>
-            </a:schemeClr>
-          </a:lnRef>
-          <a:fillRef idx="1">
-            <a:schemeClr val="accent1"/>
-          </a:fillRef>
-          <a:effectRef idx="0">
-            <a:schemeClr val="accent1"/>
-          </a:effectRef>
-          <a:fontRef idx="minor">
-            <a:schemeClr val="lt1"/>
-          </a:fontRef>
-        </p:style>
-        <p:txBody>
-          <a:bodyPr rtlCol="0" anchor="ctr"/>
-          <a:lstStyle/>
-          <a:p>
-            <a:pPr algn="ctr"/>
-            <a:endParaRPr lang="zh-CN" altLang="en-US"/>
-          </a:p>
-        </p:txBody>
-      </p:sp>
-      <p:pic>
-        <p:nvPicPr>
-          <p:cNvPr id="2" name="图片 1"/>
-          <p:cNvPicPr>
-            <a:picLocks noChangeAspect="1"/>
-          </p:cNvPicPr>
-          <p:nvPr/>
-        </p:nvPicPr>
-        <p:blipFill>
-          <a:blip r:embed="rId5"/>
-          <a:stretch>
-            <a:fillRect/>
-          </a:stretch>
-        </p:blipFill>
-        <p:spPr>
-          <a:xfrm>
-            <a:off x="11102975" y="0"/>
-            <a:ext cx="1078230" cy="1122680"/>
+            <a:off x="1540423" y="2360346"/>
+            <a:ext cx="8874438" cy="1568450"/>
           </a:xfrm>
           <a:prstGeom prst="rect">
             <a:avLst/>
           </a:prstGeom>
-        </p:spPr>
-      </p:pic>
-      <p:sp>
-        <p:nvSpPr>
-          <p:cNvPr id="3" name="文本框 2"/>
-          <p:cNvSpPr txBox="1"/>
-          <p:nvPr/>
-        </p:nvSpPr>
-        <p:spPr>
-          <a:xfrm flipH="1">
-            <a:off x="549907" y="163830"/>
-            <a:ext cx="7750419" cy="706755"/>
-          </a:xfrm>
-          <a:prstGeom prst="rect">
-            <a:avLst/>
-          </a:prstGeom>
-          <a:noFill/>
+          <a:solidFill>
+            <a:srgbClr val="C00000">
+              <a:alpha val="58039"/>
+            </a:srgbClr>
+          </a:solidFill>
         </p:spPr>
         <p:txBody>
           <a:bodyPr wrap="square" rtlCol="0">
             <a:spAutoFit/>
           </a:bodyPr>
-          <a:lstStyle>
-            <a:defPPr>
-              <a:defRPr lang="zh-CN"/>
-            </a:defPPr>
-            <a:lvl1pPr marL="0" algn="l" defTabSz="914400" rtl="0" eaLnBrk="1" latinLnBrk="0" hangingPunct="1">
-              <a:defRPr sz="1800" kern="1200">
+          <a:lstStyle/>
+          <a:p>
+            <a:pPr algn="ctr"/>
+            <a:r>
+              <a:rPr kumimoji="1" lang="zh-CN" altLang="en-US" sz="9600" dirty="0">
                 <a:solidFill>
-                  <a:schemeClr val="tx1"/>
+                  <a:schemeClr val="bg1"/>
                 </a:solidFill>
-                <a:latin typeface="+mn-lt"/>
-                <a:ea typeface="+mn-ea"/>
-                <a:cs typeface="+mn-cs"/>
-              </a:defRPr>
-            </a:lvl1pPr>
-            <a:lvl2pPr marL="457200" algn="l" defTabSz="914400" rtl="0" eaLnBrk="1" latinLnBrk="0" hangingPunct="1">
-              <a:defRPr sz="1800" kern="1200">
-                <a:solidFill>
-                  <a:schemeClr val="tx1"/>
-                </a:solidFill>
-                <a:latin typeface="+mn-lt"/>
-                <a:ea typeface="+mn-ea"/>
-                <a:cs typeface="+mn-cs"/>
-              </a:defRPr>
-            </a:lvl2pPr>
-            <a:lvl3pPr marL="914400" algn="l" defTabSz="914400" rtl="0" eaLnBrk="1" latinLnBrk="0" hangingPunct="1">
-              <a:defRPr sz="1800" kern="1200">
-                <a:solidFill>
-                  <a:schemeClr val="tx1"/>
-                </a:solidFill>
-                <a:latin typeface="+mn-lt"/>
-                <a:ea typeface="+mn-ea"/>
-                <a:cs typeface="+mn-cs"/>
-              </a:defRPr>
-            </a:lvl3pPr>
-            <a:lvl4pPr marL="1371600" algn="l" defTabSz="914400" rtl="0" eaLnBrk="1" latinLnBrk="0" hangingPunct="1">
-              <a:defRPr sz="1800" kern="1200">
-                <a:solidFill>
-                  <a:schemeClr val="tx1"/>
-                </a:solidFill>
-                <a:latin typeface="+mn-lt"/>
-                <a:ea typeface="+mn-ea"/>
-                <a:cs typeface="+mn-cs"/>
-              </a:defRPr>
-            </a:lvl4pPr>
-            <a:lvl5pPr marL="1828800" algn="l" defTabSz="914400" rtl="0" eaLnBrk="1" latinLnBrk="0" hangingPunct="1">
-              <a:defRPr sz="1800" kern="1200">
-                <a:solidFill>
-                  <a:schemeClr val="tx1"/>
-                </a:solidFill>
-                <a:latin typeface="+mn-lt"/>
-                <a:ea typeface="+mn-ea"/>
-                <a:cs typeface="+mn-cs"/>
-              </a:defRPr>
-            </a:lvl5pPr>
-            <a:lvl6pPr marL="2286000" algn="l" defTabSz="914400" rtl="0" eaLnBrk="1" latinLnBrk="0" hangingPunct="1">
-              <a:defRPr sz="1800" kern="1200">
-                <a:solidFill>
-                  <a:schemeClr val="tx1"/>
-                </a:solidFill>
-                <a:latin typeface="+mn-lt"/>
-                <a:ea typeface="+mn-ea"/>
-                <a:cs typeface="+mn-cs"/>
-              </a:defRPr>
-            </a:lvl6pPr>
-            <a:lvl7pPr marL="2743200" algn="l" defTabSz="914400" rtl="0" eaLnBrk="1" latinLnBrk="0" hangingPunct="1">
-              <a:defRPr sz="1800" kern="1200">
-                <a:solidFill>
-                  <a:schemeClr val="tx1"/>
-                </a:solidFill>
-                <a:latin typeface="+mn-lt"/>
-                <a:ea typeface="+mn-ea"/>
-                <a:cs typeface="+mn-cs"/>
-              </a:defRPr>
-            </a:lvl7pPr>
-            <a:lvl8pPr marL="3200400" algn="l" defTabSz="914400" rtl="0" eaLnBrk="1" latinLnBrk="0" hangingPunct="1">
-              <a:defRPr sz="1800" kern="1200">
-                <a:solidFill>
-                  <a:schemeClr val="tx1"/>
-                </a:solidFill>
-                <a:latin typeface="+mn-lt"/>
-                <a:ea typeface="+mn-ea"/>
-                <a:cs typeface="+mn-cs"/>
-              </a:defRPr>
-            </a:lvl8pPr>
-            <a:lvl9pPr marL="3657600" algn="l" defTabSz="914400" rtl="0" eaLnBrk="1" latinLnBrk="0" hangingPunct="1">
-              <a:defRPr sz="1800" kern="1200">
-                <a:solidFill>
-                  <a:schemeClr val="tx1"/>
-                </a:solidFill>
-                <a:latin typeface="+mn-lt"/>
-                <a:ea typeface="+mn-ea"/>
-                <a:cs typeface="+mn-cs"/>
-              </a:defRPr>
-            </a:lvl9pPr>
-          </a:lstStyle>
-          <a:p>
-            <a:pPr lvl="0">
-              <a:defRPr/>
-            </a:pPr>
-            <a:r>
-              <a:rPr lang="zh-CN" altLang="en-US" sz="4000" b="1" dirty="0">
-                <a:solidFill>
-                  <a:srgbClr val="9A1F2D"/>
-                </a:solidFill>
-                <a:latin typeface="微软雅黑" panose="020B0503020204020204" charset="-122"/>
-                <a:ea typeface="微软雅黑" panose="020B0503020204020204" charset="-122"/>
-                <a:sym typeface="Helvetica Light"/>
-              </a:rPr>
-              <a:t>中间代码设计</a:t>
+                <a:latin typeface="微软雅黑" panose="020B0503020204020204" pitchFamily="34" charset="-122"/>
+                <a:ea typeface="微软雅黑" panose="020B0503020204020204" pitchFamily="34" charset="-122"/>
+              </a:rPr>
+              <a:t>中间代码优化</a:t>
             </a:r>
           </a:p>
         </p:txBody>
       </p:sp>
-      <p:grpSp>
-        <p:nvGrpSpPr>
-          <p:cNvPr id="4" name="组 2"/>
-          <p:cNvGrpSpPr/>
-          <p:nvPr/>
-        </p:nvGrpSpPr>
-        <p:grpSpPr>
-          <a:xfrm>
-            <a:off x="257175" y="299720"/>
-            <a:ext cx="250825" cy="394335"/>
-            <a:chOff x="199895" y="181334"/>
-            <a:chExt cx="315595" cy="560705"/>
-          </a:xfrm>
-          <a:solidFill>
-            <a:schemeClr val="bg1"/>
-          </a:solidFill>
-        </p:grpSpPr>
-        <p:sp>
-          <p:nvSpPr>
-            <p:cNvPr id="29" name="矩形 28"/>
-            <p:cNvSpPr/>
-            <p:nvPr>
-              <p:custDataLst>
-                <p:tags r:id="rId1"/>
-              </p:custDataLst>
-            </p:nvPr>
-          </p:nvSpPr>
-          <p:spPr>
-            <a:xfrm>
-              <a:off x="199895" y="181334"/>
-              <a:ext cx="223520" cy="560705"/>
-            </a:xfrm>
-            <a:prstGeom prst="rect">
-              <a:avLst/>
-            </a:prstGeom>
-            <a:solidFill>
-              <a:srgbClr val="951F2F"/>
-            </a:solidFill>
-            <a:ln>
-              <a:noFill/>
-            </a:ln>
-          </p:spPr>
-          <p:style>
-            <a:lnRef idx="2">
-              <a:schemeClr val="accent1">
-                <a:shade val="50000"/>
-              </a:schemeClr>
-            </a:lnRef>
-            <a:fillRef idx="1">
-              <a:schemeClr val="accent1"/>
-            </a:fillRef>
-            <a:effectRef idx="0">
-              <a:schemeClr val="accent1"/>
-            </a:effectRef>
-            <a:fontRef idx="minor">
-              <a:schemeClr val="lt1"/>
-            </a:fontRef>
-          </p:style>
-          <p:txBody>
-            <a:bodyPr wrap="square" rtlCol="0" anchor="ctr">
-              <a:normAutofit/>
-            </a:bodyPr>
-            <a:lstStyle/>
-            <a:p>
-              <a:pPr algn="ctr"/>
-              <a:endParaRPr lang="zh-CN" altLang="en-US" sz="1320">
-                <a:solidFill>
-                  <a:srgbClr val="2A608D"/>
-                </a:solidFill>
-              </a:endParaRPr>
-            </a:p>
-          </p:txBody>
-        </p:sp>
-        <p:cxnSp>
-          <p:nvCxnSpPr>
-            <p:cNvPr id="30" name="直接连接符 4"/>
-            <p:cNvCxnSpPr/>
-            <p:nvPr>
-              <p:custDataLst>
-                <p:tags r:id="rId2"/>
-              </p:custDataLst>
-            </p:nvPr>
-          </p:nvCxnSpPr>
-          <p:spPr>
-            <a:xfrm>
-              <a:off x="515490" y="181334"/>
-              <a:ext cx="0" cy="560705"/>
-            </a:xfrm>
-            <a:prstGeom prst="line">
-              <a:avLst/>
-            </a:prstGeom>
-            <a:grpFill/>
-            <a:ln w="38100">
-              <a:solidFill>
-                <a:schemeClr val="accent5"/>
-              </a:solidFill>
-            </a:ln>
-          </p:spPr>
-          <p:style>
-            <a:lnRef idx="1">
-              <a:schemeClr val="accent1"/>
-            </a:lnRef>
-            <a:fillRef idx="0">
-              <a:schemeClr val="accent1"/>
-            </a:fillRef>
-            <a:effectRef idx="0">
-              <a:schemeClr val="accent1"/>
-            </a:effectRef>
-            <a:fontRef idx="minor">
-              <a:schemeClr val="tx1"/>
-            </a:fontRef>
-          </p:style>
-        </p:cxnSp>
-      </p:grpSp>
-      <p:pic>
-        <p:nvPicPr>
-          <p:cNvPr id="18" name="图片 17"/>
-          <p:cNvPicPr>
-            <a:picLocks noChangeAspect="1"/>
-          </p:cNvPicPr>
-          <p:nvPr/>
-        </p:nvPicPr>
-        <p:blipFill>
-          <a:blip r:embed="rId6"/>
-          <a:srcRect r="-488" b="52367"/>
-          <a:stretch>
-            <a:fillRect/>
-          </a:stretch>
-        </p:blipFill>
-        <p:spPr>
-          <a:xfrm>
-            <a:off x="434975" y="1168400"/>
-            <a:ext cx="11047730" cy="5588000"/>
-          </a:xfrm>
-          <a:prstGeom prst="rect">
-            <a:avLst/>
-          </a:prstGeom>
-        </p:spPr>
-      </p:pic>
     </p:spTree>
   </p:cSld>
   <p:clrMapOvr>
@@ -34617,55 +33660,7 @@
 </p:tagLst>
 </file>
 
-<file path=ppt/tags/tag17.xml><?xml version="1.0" encoding="utf-8"?>
-<p:tagLst xmlns:a="http://schemas.openxmlformats.org/drawingml/2006/main" xmlns:r="http://schemas.openxmlformats.org/officeDocument/2006/relationships" xmlns:p="http://schemas.openxmlformats.org/presentationml/2006/main">
-  <p:tag name="KSO_WM_TAG_VERSION" val="1.0"/>
-  <p:tag name="KSO_WM_BEAUTIFY_FLAG" val="#wm#"/>
-  <p:tag name="KSO_WM_UNIT_TYPE" val="i"/>
-  <p:tag name="KSO_WM_UNIT_ID" val="custom160570_13*i*4"/>
-  <p:tag name="KSO_WM_TEMPLATE_CATEGORY" val="custom"/>
-  <p:tag name="KSO_WM_TEMPLATE_INDEX" val="160570"/>
-  <p:tag name="KSO_WM_UNIT_INDEX" val="4"/>
-</p:tagLst>
-</file>
-
-<file path=ppt/tags/tag18.xml><?xml version="1.0" encoding="utf-8"?>
-<p:tagLst xmlns:a="http://schemas.openxmlformats.org/drawingml/2006/main" xmlns:r="http://schemas.openxmlformats.org/officeDocument/2006/relationships" xmlns:p="http://schemas.openxmlformats.org/presentationml/2006/main">
-  <p:tag name="KSO_WM_TAG_VERSION" val="1.0"/>
-  <p:tag name="KSO_WM_BEAUTIFY_FLAG" val="#wm#"/>
-  <p:tag name="KSO_WM_UNIT_TYPE" val="i"/>
-  <p:tag name="KSO_WM_UNIT_ID" val="custom160570_13*i*5"/>
-  <p:tag name="KSO_WM_TEMPLATE_CATEGORY" val="custom"/>
-  <p:tag name="KSO_WM_TEMPLATE_INDEX" val="160570"/>
-  <p:tag name="KSO_WM_UNIT_INDEX" val="5"/>
-</p:tagLst>
-</file>
-
-<file path=ppt/tags/tag19.xml><?xml version="1.0" encoding="utf-8"?>
-<p:tagLst xmlns:a="http://schemas.openxmlformats.org/drawingml/2006/main" xmlns:r="http://schemas.openxmlformats.org/officeDocument/2006/relationships" xmlns:p="http://schemas.openxmlformats.org/presentationml/2006/main">
-  <p:tag name="KSO_WM_TAG_VERSION" val="1.0"/>
-  <p:tag name="KSO_WM_BEAUTIFY_FLAG" val="#wm#"/>
-  <p:tag name="KSO_WM_UNIT_TYPE" val="i"/>
-  <p:tag name="KSO_WM_UNIT_ID" val="custom160570_13*i*4"/>
-  <p:tag name="KSO_WM_TEMPLATE_CATEGORY" val="custom"/>
-  <p:tag name="KSO_WM_TEMPLATE_INDEX" val="160570"/>
-  <p:tag name="KSO_WM_UNIT_INDEX" val="4"/>
-</p:tagLst>
-</file>
-
 <file path=ppt/tags/tag2.xml><?xml version="1.0" encoding="utf-8"?>
-<p:tagLst xmlns:a="http://schemas.openxmlformats.org/drawingml/2006/main" xmlns:r="http://schemas.openxmlformats.org/officeDocument/2006/relationships" xmlns:p="http://schemas.openxmlformats.org/presentationml/2006/main">
-  <p:tag name="KSO_WM_TAG_VERSION" val="1.0"/>
-  <p:tag name="KSO_WM_BEAUTIFY_FLAG" val="#wm#"/>
-  <p:tag name="KSO_WM_UNIT_TYPE" val="i"/>
-  <p:tag name="KSO_WM_UNIT_ID" val="custom160570_13*i*5"/>
-  <p:tag name="KSO_WM_TEMPLATE_CATEGORY" val="custom"/>
-  <p:tag name="KSO_WM_TEMPLATE_INDEX" val="160570"/>
-  <p:tag name="KSO_WM_UNIT_INDEX" val="5"/>
-</p:tagLst>
-</file>
-
-<file path=ppt/tags/tag20.xml><?xml version="1.0" encoding="utf-8"?>
 <p:tagLst xmlns:a="http://schemas.openxmlformats.org/drawingml/2006/main" xmlns:r="http://schemas.openxmlformats.org/officeDocument/2006/relationships" xmlns:p="http://schemas.openxmlformats.org/presentationml/2006/main">
   <p:tag name="KSO_WM_TAG_VERSION" val="1.0"/>
   <p:tag name="KSO_WM_BEAUTIFY_FLAG" val="#wm#"/>

--- a/doc/2025编译系统设计赛答辩.pptx
+++ b/doc/2025编译系统设计赛答辩.pptx
@@ -5,26 +5,24 @@
     <p:sldMasterId id="2147483648" r:id="rId1"/>
   </p:sldMasterIdLst>
   <p:notesMasterIdLst>
-    <p:notesMasterId r:id="rId19"/>
+    <p:notesMasterId r:id="rId17"/>
   </p:notesMasterIdLst>
   <p:sldIdLst>
     <p:sldId id="302" r:id="rId2"/>
-    <p:sldId id="14012" r:id="rId3"/>
-    <p:sldId id="14016" r:id="rId4"/>
-    <p:sldId id="506" r:id="rId5"/>
-    <p:sldId id="14013" r:id="rId6"/>
-    <p:sldId id="14011" r:id="rId7"/>
-    <p:sldId id="258" r:id="rId8"/>
-    <p:sldId id="257" r:id="rId9"/>
-    <p:sldId id="504" r:id="rId10"/>
-    <p:sldId id="14014" r:id="rId11"/>
-    <p:sldId id="509" r:id="rId12"/>
-    <p:sldId id="13980" r:id="rId13"/>
-    <p:sldId id="13981" r:id="rId14"/>
-    <p:sldId id="14015" r:id="rId15"/>
-    <p:sldId id="14004" r:id="rId16"/>
-    <p:sldId id="13979" r:id="rId17"/>
-    <p:sldId id="503" r:id="rId18"/>
+    <p:sldId id="14016" r:id="rId3"/>
+    <p:sldId id="506" r:id="rId4"/>
+    <p:sldId id="14013" r:id="rId5"/>
+    <p:sldId id="14011" r:id="rId6"/>
+    <p:sldId id="258" r:id="rId7"/>
+    <p:sldId id="257" r:id="rId8"/>
+    <p:sldId id="504" r:id="rId9"/>
+    <p:sldId id="14014" r:id="rId10"/>
+    <p:sldId id="509" r:id="rId11"/>
+    <p:sldId id="13980" r:id="rId12"/>
+    <p:sldId id="13981" r:id="rId13"/>
+    <p:sldId id="14015" r:id="rId14"/>
+    <p:sldId id="14004" r:id="rId15"/>
+    <p:sldId id="503" r:id="rId16"/>
   </p:sldIdLst>
   <p:sldSz cx="12192000" cy="6858000"/>
   <p:notesSz cx="7104063" cy="10234613"/>
@@ -144,6 +142,753 @@
 </file>
 
 <file path=ppt/diagrams/colors1.xml><?xml version="1.0" encoding="utf-8"?>
+<dgm:colorsDef xmlns:dgm="http://schemas.openxmlformats.org/drawingml/2006/diagram" xmlns:a="http://schemas.openxmlformats.org/drawingml/2006/main" uniqueId="urn:microsoft.com/office/officeart/2005/8/colors/accent1_2">
+  <dgm:title val=""/>
+  <dgm:desc val=""/>
+  <dgm:catLst>
+    <dgm:cat type="accent1" pri="11200"/>
+  </dgm:catLst>
+  <dgm:styleLbl name="node0">
+    <dgm:fillClrLst meth="repeat">
+      <a:schemeClr val="accent1"/>
+    </dgm:fillClrLst>
+    <dgm:linClrLst meth="repeat">
+      <a:schemeClr val="lt1"/>
+    </dgm:linClrLst>
+    <dgm:effectClrLst/>
+    <dgm:txLinClrLst/>
+    <dgm:txFillClrLst/>
+    <dgm:txEffectClrLst/>
+  </dgm:styleLbl>
+  <dgm:styleLbl name="alignNode1">
+    <dgm:fillClrLst meth="repeat">
+      <a:schemeClr val="accent1"/>
+    </dgm:fillClrLst>
+    <dgm:linClrLst meth="repeat">
+      <a:schemeClr val="accent1"/>
+    </dgm:linClrLst>
+    <dgm:effectClrLst/>
+    <dgm:txLinClrLst/>
+    <dgm:txFillClrLst/>
+    <dgm:txEffectClrLst/>
+  </dgm:styleLbl>
+  <dgm:styleLbl name="node1">
+    <dgm:fillClrLst meth="repeat">
+      <a:schemeClr val="accent1"/>
+    </dgm:fillClrLst>
+    <dgm:linClrLst meth="repeat">
+      <a:schemeClr val="lt1"/>
+    </dgm:linClrLst>
+    <dgm:effectClrLst/>
+    <dgm:txLinClrLst/>
+    <dgm:txFillClrLst/>
+    <dgm:txEffectClrLst/>
+  </dgm:styleLbl>
+  <dgm:styleLbl name="lnNode1">
+    <dgm:fillClrLst meth="repeat">
+      <a:schemeClr val="accent1"/>
+    </dgm:fillClrLst>
+    <dgm:linClrLst meth="repeat">
+      <a:schemeClr val="lt1"/>
+    </dgm:linClrLst>
+    <dgm:effectClrLst/>
+    <dgm:txLinClrLst/>
+    <dgm:txFillClrLst/>
+    <dgm:txEffectClrLst/>
+  </dgm:styleLbl>
+  <dgm:styleLbl name="vennNode1">
+    <dgm:fillClrLst meth="repeat">
+      <a:schemeClr val="accent1">
+        <a:alpha val="50000"/>
+      </a:schemeClr>
+    </dgm:fillClrLst>
+    <dgm:linClrLst meth="repeat">
+      <a:schemeClr val="lt1"/>
+    </dgm:linClrLst>
+    <dgm:effectClrLst/>
+    <dgm:txLinClrLst/>
+    <dgm:txFillClrLst/>
+    <dgm:txEffectClrLst/>
+  </dgm:styleLbl>
+  <dgm:styleLbl name="node2">
+    <dgm:fillClrLst meth="repeat">
+      <a:schemeClr val="accent1"/>
+    </dgm:fillClrLst>
+    <dgm:linClrLst meth="repeat">
+      <a:schemeClr val="lt1"/>
+    </dgm:linClrLst>
+    <dgm:effectClrLst/>
+    <dgm:txLinClrLst/>
+    <dgm:txFillClrLst/>
+    <dgm:txEffectClrLst/>
+  </dgm:styleLbl>
+  <dgm:styleLbl name="node3">
+    <dgm:fillClrLst meth="repeat">
+      <a:schemeClr val="accent1"/>
+    </dgm:fillClrLst>
+    <dgm:linClrLst meth="repeat">
+      <a:schemeClr val="lt1"/>
+    </dgm:linClrLst>
+    <dgm:effectClrLst/>
+    <dgm:txLinClrLst/>
+    <dgm:txFillClrLst/>
+    <dgm:txEffectClrLst/>
+  </dgm:styleLbl>
+  <dgm:styleLbl name="node4">
+    <dgm:fillClrLst meth="repeat">
+      <a:schemeClr val="accent1"/>
+    </dgm:fillClrLst>
+    <dgm:linClrLst meth="repeat">
+      <a:schemeClr val="lt1"/>
+    </dgm:linClrLst>
+    <dgm:effectClrLst/>
+    <dgm:txLinClrLst/>
+    <dgm:txFillClrLst/>
+    <dgm:txEffectClrLst/>
+  </dgm:styleLbl>
+  <dgm:styleLbl name="fgImgPlace1">
+    <dgm:fillClrLst meth="repeat">
+      <a:schemeClr val="accent1">
+        <a:tint val="50000"/>
+      </a:schemeClr>
+    </dgm:fillClrLst>
+    <dgm:linClrLst meth="repeat">
+      <a:schemeClr val="lt1"/>
+    </dgm:linClrLst>
+    <dgm:effectClrLst/>
+    <dgm:txLinClrLst/>
+    <dgm:txFillClrLst meth="repeat">
+      <a:schemeClr val="lt1"/>
+    </dgm:txFillClrLst>
+    <dgm:txEffectClrLst/>
+  </dgm:styleLbl>
+  <dgm:styleLbl name="alignImgPlace1">
+    <dgm:fillClrLst meth="repeat">
+      <a:schemeClr val="accent1">
+        <a:tint val="50000"/>
+      </a:schemeClr>
+    </dgm:fillClrLst>
+    <dgm:linClrLst meth="repeat">
+      <a:schemeClr val="lt1"/>
+    </dgm:linClrLst>
+    <dgm:effectClrLst/>
+    <dgm:txLinClrLst/>
+    <dgm:txFillClrLst meth="repeat">
+      <a:schemeClr val="lt1"/>
+    </dgm:txFillClrLst>
+    <dgm:txEffectClrLst/>
+  </dgm:styleLbl>
+  <dgm:styleLbl name="bgImgPlace1">
+    <dgm:fillClrLst meth="repeat">
+      <a:schemeClr val="accent1">
+        <a:tint val="50000"/>
+      </a:schemeClr>
+    </dgm:fillClrLst>
+    <dgm:linClrLst meth="repeat">
+      <a:schemeClr val="lt1"/>
+    </dgm:linClrLst>
+    <dgm:effectClrLst/>
+    <dgm:txLinClrLst/>
+    <dgm:txFillClrLst meth="repeat">
+      <a:schemeClr val="lt1"/>
+    </dgm:txFillClrLst>
+    <dgm:txEffectClrLst/>
+  </dgm:styleLbl>
+  <dgm:styleLbl name="sibTrans2D1">
+    <dgm:fillClrLst meth="repeat">
+      <a:schemeClr val="accent1">
+        <a:tint val="60000"/>
+      </a:schemeClr>
+    </dgm:fillClrLst>
+    <dgm:linClrLst meth="repeat">
+      <a:schemeClr val="accent1">
+        <a:tint val="60000"/>
+      </a:schemeClr>
+    </dgm:linClrLst>
+    <dgm:effectClrLst/>
+    <dgm:txLinClrLst/>
+    <dgm:txFillClrLst/>
+    <dgm:txEffectClrLst/>
+  </dgm:styleLbl>
+  <dgm:styleLbl name="fgSibTrans2D1">
+    <dgm:fillClrLst meth="repeat">
+      <a:schemeClr val="accent1">
+        <a:tint val="60000"/>
+      </a:schemeClr>
+    </dgm:fillClrLst>
+    <dgm:linClrLst meth="repeat">
+      <a:schemeClr val="accent1">
+        <a:tint val="60000"/>
+      </a:schemeClr>
+    </dgm:linClrLst>
+    <dgm:effectClrLst/>
+    <dgm:txLinClrLst/>
+    <dgm:txFillClrLst/>
+    <dgm:txEffectClrLst/>
+  </dgm:styleLbl>
+  <dgm:styleLbl name="bgSibTrans2D1">
+    <dgm:fillClrLst meth="repeat">
+      <a:schemeClr val="accent1">
+        <a:tint val="60000"/>
+      </a:schemeClr>
+    </dgm:fillClrLst>
+    <dgm:linClrLst meth="repeat">
+      <a:schemeClr val="accent1">
+        <a:tint val="60000"/>
+      </a:schemeClr>
+    </dgm:linClrLst>
+    <dgm:effectClrLst/>
+    <dgm:txLinClrLst/>
+    <dgm:txFillClrLst/>
+    <dgm:txEffectClrLst/>
+  </dgm:styleLbl>
+  <dgm:styleLbl name="sibTrans1D1">
+    <dgm:fillClrLst meth="repeat">
+      <a:schemeClr val="accent1"/>
+    </dgm:fillClrLst>
+    <dgm:linClrLst meth="repeat">
+      <a:schemeClr val="accent1"/>
+    </dgm:linClrLst>
+    <dgm:effectClrLst/>
+    <dgm:txLinClrLst/>
+    <dgm:txFillClrLst meth="repeat">
+      <a:schemeClr val="tx1"/>
+    </dgm:txFillClrLst>
+    <dgm:txEffectClrLst/>
+  </dgm:styleLbl>
+  <dgm:styleLbl name="callout">
+    <dgm:fillClrLst meth="repeat">
+      <a:schemeClr val="accent1"/>
+    </dgm:fillClrLst>
+    <dgm:linClrLst meth="repeat">
+      <a:schemeClr val="accent1">
+        <a:tint val="50000"/>
+      </a:schemeClr>
+    </dgm:linClrLst>
+    <dgm:effectClrLst/>
+    <dgm:txLinClrLst/>
+    <dgm:txFillClrLst meth="repeat">
+      <a:schemeClr val="tx1"/>
+    </dgm:txFillClrLst>
+    <dgm:txEffectClrLst/>
+  </dgm:styleLbl>
+  <dgm:styleLbl name="asst0">
+    <dgm:fillClrLst meth="repeat">
+      <a:schemeClr val="accent1"/>
+    </dgm:fillClrLst>
+    <dgm:linClrLst meth="repeat">
+      <a:schemeClr val="lt1"/>
+    </dgm:linClrLst>
+    <dgm:effectClrLst/>
+    <dgm:txLinClrLst/>
+    <dgm:txFillClrLst/>
+    <dgm:txEffectClrLst/>
+  </dgm:styleLbl>
+  <dgm:styleLbl name="asst1">
+    <dgm:fillClrLst meth="repeat">
+      <a:schemeClr val="accent1"/>
+    </dgm:fillClrLst>
+    <dgm:linClrLst meth="repeat">
+      <a:schemeClr val="lt1"/>
+    </dgm:linClrLst>
+    <dgm:effectClrLst/>
+    <dgm:txLinClrLst/>
+    <dgm:txFillClrLst/>
+    <dgm:txEffectClrLst/>
+  </dgm:styleLbl>
+  <dgm:styleLbl name="asst2">
+    <dgm:fillClrLst meth="repeat">
+      <a:schemeClr val="accent1"/>
+    </dgm:fillClrLst>
+    <dgm:linClrLst meth="repeat">
+      <a:schemeClr val="lt1"/>
+    </dgm:linClrLst>
+    <dgm:effectClrLst/>
+    <dgm:txLinClrLst/>
+    <dgm:txFillClrLst/>
+    <dgm:txEffectClrLst/>
+  </dgm:styleLbl>
+  <dgm:styleLbl name="asst3">
+    <dgm:fillClrLst meth="repeat">
+      <a:schemeClr val="accent1"/>
+    </dgm:fillClrLst>
+    <dgm:linClrLst meth="repeat">
+      <a:schemeClr val="lt1"/>
+    </dgm:linClrLst>
+    <dgm:effectClrLst/>
+    <dgm:txLinClrLst/>
+    <dgm:txFillClrLst/>
+    <dgm:txEffectClrLst/>
+  </dgm:styleLbl>
+  <dgm:styleLbl name="asst4">
+    <dgm:fillClrLst meth="repeat">
+      <a:schemeClr val="accent1"/>
+    </dgm:fillClrLst>
+    <dgm:linClrLst meth="repeat">
+      <a:schemeClr val="lt1"/>
+    </dgm:linClrLst>
+    <dgm:effectClrLst/>
+    <dgm:txLinClrLst/>
+    <dgm:txFillClrLst/>
+    <dgm:txEffectClrLst/>
+  </dgm:styleLbl>
+  <dgm:styleLbl name="parChTrans2D1">
+    <dgm:fillClrLst meth="repeat">
+      <a:schemeClr val="accent1">
+        <a:tint val="60000"/>
+      </a:schemeClr>
+    </dgm:fillClrLst>
+    <dgm:linClrLst meth="repeat">
+      <a:schemeClr val="accent1">
+        <a:tint val="60000"/>
+      </a:schemeClr>
+    </dgm:linClrLst>
+    <dgm:effectClrLst/>
+    <dgm:txLinClrLst/>
+    <dgm:txFillClrLst meth="repeat">
+      <a:schemeClr val="lt1"/>
+    </dgm:txFillClrLst>
+    <dgm:txEffectClrLst/>
+  </dgm:styleLbl>
+  <dgm:styleLbl name="parChTrans2D2">
+    <dgm:fillClrLst meth="repeat">
+      <a:schemeClr val="accent1"/>
+    </dgm:fillClrLst>
+    <dgm:linClrLst meth="repeat">
+      <a:schemeClr val="accent1"/>
+    </dgm:linClrLst>
+    <dgm:effectClrLst/>
+    <dgm:txLinClrLst/>
+    <dgm:txFillClrLst meth="repeat">
+      <a:schemeClr val="lt1"/>
+    </dgm:txFillClrLst>
+    <dgm:txEffectClrLst/>
+  </dgm:styleLbl>
+  <dgm:styleLbl name="parChTrans2D3">
+    <dgm:fillClrLst meth="repeat">
+      <a:schemeClr val="accent1"/>
+    </dgm:fillClrLst>
+    <dgm:linClrLst meth="repeat">
+      <a:schemeClr val="accent1"/>
+    </dgm:linClrLst>
+    <dgm:effectClrLst/>
+    <dgm:txLinClrLst/>
+    <dgm:txFillClrLst meth="repeat">
+      <a:schemeClr val="lt1"/>
+    </dgm:txFillClrLst>
+    <dgm:txEffectClrLst/>
+  </dgm:styleLbl>
+  <dgm:styleLbl name="parChTrans2D4">
+    <dgm:fillClrLst meth="repeat">
+      <a:schemeClr val="accent1"/>
+    </dgm:fillClrLst>
+    <dgm:linClrLst meth="repeat">
+      <a:schemeClr val="accent1"/>
+    </dgm:linClrLst>
+    <dgm:effectClrLst/>
+    <dgm:txLinClrLst/>
+    <dgm:txFillClrLst meth="repeat">
+      <a:schemeClr val="lt1"/>
+    </dgm:txFillClrLst>
+    <dgm:txEffectClrLst/>
+  </dgm:styleLbl>
+  <dgm:styleLbl name="parChTrans1D1">
+    <dgm:fillClrLst meth="repeat">
+      <a:schemeClr val="accent1"/>
+    </dgm:fillClrLst>
+    <dgm:linClrLst meth="repeat">
+      <a:schemeClr val="accent1">
+        <a:shade val="60000"/>
+      </a:schemeClr>
+    </dgm:linClrLst>
+    <dgm:effectClrLst/>
+    <dgm:txLinClrLst/>
+    <dgm:txFillClrLst meth="repeat">
+      <a:schemeClr val="tx1"/>
+    </dgm:txFillClrLst>
+    <dgm:txEffectClrLst/>
+  </dgm:styleLbl>
+  <dgm:styleLbl name="parChTrans1D2">
+    <dgm:fillClrLst meth="repeat">
+      <a:schemeClr val="accent1"/>
+    </dgm:fillClrLst>
+    <dgm:linClrLst meth="repeat">
+      <a:schemeClr val="accent1">
+        <a:shade val="60000"/>
+      </a:schemeClr>
+    </dgm:linClrLst>
+    <dgm:effectClrLst/>
+    <dgm:txLinClrLst/>
+    <dgm:txFillClrLst meth="repeat">
+      <a:schemeClr val="tx1"/>
+    </dgm:txFillClrLst>
+    <dgm:txEffectClrLst/>
+  </dgm:styleLbl>
+  <dgm:styleLbl name="parChTrans1D3">
+    <dgm:fillClrLst meth="repeat">
+      <a:schemeClr val="accent1"/>
+    </dgm:fillClrLst>
+    <dgm:linClrLst meth="repeat">
+      <a:schemeClr val="accent1">
+        <a:shade val="80000"/>
+      </a:schemeClr>
+    </dgm:linClrLst>
+    <dgm:effectClrLst/>
+    <dgm:txLinClrLst/>
+    <dgm:txFillClrLst meth="repeat">
+      <a:schemeClr val="tx1"/>
+    </dgm:txFillClrLst>
+    <dgm:txEffectClrLst/>
+  </dgm:styleLbl>
+  <dgm:styleLbl name="parChTrans1D4">
+    <dgm:fillClrLst meth="repeat">
+      <a:schemeClr val="accent1"/>
+    </dgm:fillClrLst>
+    <dgm:linClrLst meth="repeat">
+      <a:schemeClr val="accent1">
+        <a:shade val="80000"/>
+      </a:schemeClr>
+    </dgm:linClrLst>
+    <dgm:effectClrLst/>
+    <dgm:txLinClrLst/>
+    <dgm:txFillClrLst meth="repeat">
+      <a:schemeClr val="tx1"/>
+    </dgm:txFillClrLst>
+    <dgm:txEffectClrLst/>
+  </dgm:styleLbl>
+  <dgm:styleLbl name="fgAcc1">
+    <dgm:fillClrLst meth="repeat">
+      <a:schemeClr val="lt1">
+        <a:alpha val="90000"/>
+      </a:schemeClr>
+    </dgm:fillClrLst>
+    <dgm:linClrLst meth="repeat">
+      <a:schemeClr val="accent1"/>
+    </dgm:linClrLst>
+    <dgm:effectClrLst/>
+    <dgm:txLinClrLst/>
+    <dgm:txFillClrLst meth="repeat">
+      <a:schemeClr val="dk1"/>
+    </dgm:txFillClrLst>
+    <dgm:txEffectClrLst/>
+  </dgm:styleLbl>
+  <dgm:styleLbl name="conFgAcc1">
+    <dgm:fillClrLst meth="repeat">
+      <a:schemeClr val="lt1">
+        <a:alpha val="90000"/>
+      </a:schemeClr>
+    </dgm:fillClrLst>
+    <dgm:linClrLst meth="repeat">
+      <a:schemeClr val="accent1"/>
+    </dgm:linClrLst>
+    <dgm:effectClrLst/>
+    <dgm:txLinClrLst/>
+    <dgm:txFillClrLst meth="repeat">
+      <a:schemeClr val="dk1"/>
+    </dgm:txFillClrLst>
+    <dgm:txEffectClrLst/>
+  </dgm:styleLbl>
+  <dgm:styleLbl name="alignAcc1">
+    <dgm:fillClrLst meth="repeat">
+      <a:schemeClr val="lt1">
+        <a:alpha val="90000"/>
+      </a:schemeClr>
+    </dgm:fillClrLst>
+    <dgm:linClrLst meth="repeat">
+      <a:schemeClr val="accent1"/>
+    </dgm:linClrLst>
+    <dgm:effectClrLst/>
+    <dgm:txLinClrLst/>
+    <dgm:txFillClrLst meth="repeat">
+      <a:schemeClr val="dk1"/>
+    </dgm:txFillClrLst>
+    <dgm:txEffectClrLst/>
+  </dgm:styleLbl>
+  <dgm:styleLbl name="trAlignAcc1">
+    <dgm:fillClrLst meth="repeat">
+      <a:schemeClr val="lt1">
+        <a:alpha val="40000"/>
+      </a:schemeClr>
+    </dgm:fillClrLst>
+    <dgm:linClrLst meth="repeat">
+      <a:schemeClr val="accent1"/>
+    </dgm:linClrLst>
+    <dgm:effectClrLst/>
+    <dgm:txLinClrLst/>
+    <dgm:txFillClrLst meth="repeat">
+      <a:schemeClr val="dk1"/>
+    </dgm:txFillClrLst>
+    <dgm:txEffectClrLst/>
+  </dgm:styleLbl>
+  <dgm:styleLbl name="bgAcc1">
+    <dgm:fillClrLst meth="repeat">
+      <a:schemeClr val="lt1">
+        <a:alpha val="90000"/>
+      </a:schemeClr>
+    </dgm:fillClrLst>
+    <dgm:linClrLst meth="repeat">
+      <a:schemeClr val="accent1"/>
+    </dgm:linClrLst>
+    <dgm:effectClrLst/>
+    <dgm:txLinClrLst/>
+    <dgm:txFillClrLst meth="repeat">
+      <a:schemeClr val="dk1"/>
+    </dgm:txFillClrLst>
+    <dgm:txEffectClrLst/>
+  </dgm:styleLbl>
+  <dgm:styleLbl name="solidFgAcc1">
+    <dgm:fillClrLst meth="repeat">
+      <a:schemeClr val="lt1"/>
+    </dgm:fillClrLst>
+    <dgm:linClrLst meth="repeat">
+      <a:schemeClr val="accent1"/>
+    </dgm:linClrLst>
+    <dgm:effectClrLst/>
+    <dgm:txLinClrLst/>
+    <dgm:txFillClrLst meth="repeat">
+      <a:schemeClr val="dk1"/>
+    </dgm:txFillClrLst>
+    <dgm:txEffectClrLst/>
+  </dgm:styleLbl>
+  <dgm:styleLbl name="solidAlignAcc1">
+    <dgm:fillClrLst meth="repeat">
+      <a:schemeClr val="lt1"/>
+    </dgm:fillClrLst>
+    <dgm:linClrLst meth="repeat">
+      <a:schemeClr val="accent1"/>
+    </dgm:linClrLst>
+    <dgm:effectClrLst/>
+    <dgm:txLinClrLst/>
+    <dgm:txFillClrLst meth="repeat">
+      <a:schemeClr val="dk1"/>
+    </dgm:txFillClrLst>
+    <dgm:txEffectClrLst/>
+  </dgm:styleLbl>
+  <dgm:styleLbl name="solidBgAcc1">
+    <dgm:fillClrLst meth="repeat">
+      <a:schemeClr val="lt1"/>
+    </dgm:fillClrLst>
+    <dgm:linClrLst meth="repeat">
+      <a:schemeClr val="accent1"/>
+    </dgm:linClrLst>
+    <dgm:effectClrLst/>
+    <dgm:txLinClrLst/>
+    <dgm:txFillClrLst meth="repeat">
+      <a:schemeClr val="dk1"/>
+    </dgm:txFillClrLst>
+    <dgm:txEffectClrLst/>
+  </dgm:styleLbl>
+  <dgm:styleLbl name="fgAccFollowNode1">
+    <dgm:fillClrLst meth="repeat">
+      <a:schemeClr val="accent1">
+        <a:alpha val="90000"/>
+        <a:tint val="40000"/>
+      </a:schemeClr>
+    </dgm:fillClrLst>
+    <dgm:linClrLst meth="repeat">
+      <a:schemeClr val="accent1">
+        <a:alpha val="90000"/>
+        <a:tint val="40000"/>
+      </a:schemeClr>
+    </dgm:linClrLst>
+    <dgm:effectClrLst/>
+    <dgm:txLinClrLst/>
+    <dgm:txFillClrLst meth="repeat">
+      <a:schemeClr val="dk1"/>
+    </dgm:txFillClrLst>
+    <dgm:txEffectClrLst/>
+  </dgm:styleLbl>
+  <dgm:styleLbl name="alignAccFollowNode1">
+    <dgm:fillClrLst meth="repeat">
+      <a:schemeClr val="accent1">
+        <a:alpha val="90000"/>
+        <a:tint val="40000"/>
+      </a:schemeClr>
+    </dgm:fillClrLst>
+    <dgm:linClrLst meth="repeat">
+      <a:schemeClr val="accent1">
+        <a:alpha val="90000"/>
+        <a:tint val="40000"/>
+      </a:schemeClr>
+    </dgm:linClrLst>
+    <dgm:effectClrLst/>
+    <dgm:txLinClrLst/>
+    <dgm:txFillClrLst meth="repeat">
+      <a:schemeClr val="dk1"/>
+    </dgm:txFillClrLst>
+    <dgm:txEffectClrLst/>
+  </dgm:styleLbl>
+  <dgm:styleLbl name="bgAccFollowNode1">
+    <dgm:fillClrLst meth="repeat">
+      <a:schemeClr val="accent1">
+        <a:alpha val="90000"/>
+        <a:tint val="40000"/>
+      </a:schemeClr>
+    </dgm:fillClrLst>
+    <dgm:linClrLst meth="repeat">
+      <a:schemeClr val="accent1">
+        <a:alpha val="90000"/>
+        <a:tint val="40000"/>
+      </a:schemeClr>
+    </dgm:linClrLst>
+    <dgm:effectClrLst/>
+    <dgm:txLinClrLst/>
+    <dgm:txFillClrLst meth="repeat">
+      <a:schemeClr val="dk1"/>
+    </dgm:txFillClrLst>
+    <dgm:txEffectClrLst/>
+  </dgm:styleLbl>
+  <dgm:styleLbl name="fgAcc0">
+    <dgm:fillClrLst meth="repeat">
+      <a:schemeClr val="lt1">
+        <a:alpha val="90000"/>
+      </a:schemeClr>
+    </dgm:fillClrLst>
+    <dgm:linClrLst meth="repeat">
+      <a:schemeClr val="accent1"/>
+    </dgm:linClrLst>
+    <dgm:effectClrLst/>
+    <dgm:txLinClrLst/>
+    <dgm:txFillClrLst meth="repeat">
+      <a:schemeClr val="dk1"/>
+    </dgm:txFillClrLst>
+    <dgm:txEffectClrLst/>
+  </dgm:styleLbl>
+  <dgm:styleLbl name="fgAcc2">
+    <dgm:fillClrLst meth="repeat">
+      <a:schemeClr val="lt1">
+        <a:alpha val="90000"/>
+      </a:schemeClr>
+    </dgm:fillClrLst>
+    <dgm:linClrLst meth="repeat">
+      <a:schemeClr val="accent1"/>
+    </dgm:linClrLst>
+    <dgm:effectClrLst/>
+    <dgm:txLinClrLst/>
+    <dgm:txFillClrLst meth="repeat">
+      <a:schemeClr val="dk1"/>
+    </dgm:txFillClrLst>
+    <dgm:txEffectClrLst/>
+  </dgm:styleLbl>
+  <dgm:styleLbl name="fgAcc3">
+    <dgm:fillClrLst meth="repeat">
+      <a:schemeClr val="lt1">
+        <a:alpha val="90000"/>
+      </a:schemeClr>
+    </dgm:fillClrLst>
+    <dgm:linClrLst meth="repeat">
+      <a:schemeClr val="accent1"/>
+    </dgm:linClrLst>
+    <dgm:effectClrLst/>
+    <dgm:txLinClrLst/>
+    <dgm:txFillClrLst meth="repeat">
+      <a:schemeClr val="dk1"/>
+    </dgm:txFillClrLst>
+    <dgm:txEffectClrLst/>
+  </dgm:styleLbl>
+  <dgm:styleLbl name="fgAcc4">
+    <dgm:fillClrLst meth="repeat">
+      <a:schemeClr val="lt1">
+        <a:alpha val="90000"/>
+      </a:schemeClr>
+    </dgm:fillClrLst>
+    <dgm:linClrLst meth="repeat">
+      <a:schemeClr val="accent1"/>
+    </dgm:linClrLst>
+    <dgm:effectClrLst/>
+    <dgm:txLinClrLst/>
+    <dgm:txFillClrLst meth="repeat">
+      <a:schemeClr val="dk1"/>
+    </dgm:txFillClrLst>
+    <dgm:txEffectClrLst/>
+  </dgm:styleLbl>
+  <dgm:styleLbl name="bgShp">
+    <dgm:fillClrLst meth="repeat">
+      <a:schemeClr val="accent1">
+        <a:tint val="40000"/>
+      </a:schemeClr>
+    </dgm:fillClrLst>
+    <dgm:linClrLst meth="repeat">
+      <a:schemeClr val="accent1"/>
+    </dgm:linClrLst>
+    <dgm:effectClrLst/>
+    <dgm:txLinClrLst/>
+    <dgm:txFillClrLst meth="repeat">
+      <a:schemeClr val="dk1"/>
+    </dgm:txFillClrLst>
+    <dgm:txEffectClrLst/>
+  </dgm:styleLbl>
+  <dgm:styleLbl name="dkBgShp">
+    <dgm:fillClrLst meth="repeat">
+      <a:schemeClr val="accent1">
+        <a:shade val="80000"/>
+      </a:schemeClr>
+    </dgm:fillClrLst>
+    <dgm:linClrLst meth="repeat">
+      <a:schemeClr val="accent1"/>
+    </dgm:linClrLst>
+    <dgm:effectClrLst/>
+    <dgm:txLinClrLst/>
+    <dgm:txFillClrLst meth="repeat">
+      <a:schemeClr val="lt1"/>
+    </dgm:txFillClrLst>
+    <dgm:txEffectClrLst/>
+  </dgm:styleLbl>
+  <dgm:styleLbl name="trBgShp">
+    <dgm:fillClrLst meth="repeat">
+      <a:schemeClr val="accent1">
+        <a:tint val="50000"/>
+        <a:alpha val="40000"/>
+      </a:schemeClr>
+    </dgm:fillClrLst>
+    <dgm:linClrLst meth="repeat">
+      <a:schemeClr val="accent1"/>
+    </dgm:linClrLst>
+    <dgm:effectClrLst/>
+    <dgm:txLinClrLst/>
+    <dgm:txFillClrLst meth="repeat">
+      <a:schemeClr val="lt1"/>
+    </dgm:txFillClrLst>
+    <dgm:txEffectClrLst/>
+  </dgm:styleLbl>
+  <dgm:styleLbl name="fgShp">
+    <dgm:fillClrLst meth="repeat">
+      <a:schemeClr val="accent1">
+        <a:tint val="60000"/>
+      </a:schemeClr>
+    </dgm:fillClrLst>
+    <dgm:linClrLst meth="repeat">
+      <a:schemeClr val="lt1"/>
+    </dgm:linClrLst>
+    <dgm:effectClrLst/>
+    <dgm:txLinClrLst/>
+    <dgm:txFillClrLst meth="repeat">
+      <a:schemeClr val="dk1"/>
+    </dgm:txFillClrLst>
+    <dgm:txEffectClrLst/>
+  </dgm:styleLbl>
+  <dgm:styleLbl name="revTx">
+    <dgm:fillClrLst meth="repeat">
+      <a:schemeClr val="lt1">
+        <a:alpha val="0"/>
+      </a:schemeClr>
+    </dgm:fillClrLst>
+    <dgm:linClrLst meth="repeat">
+      <a:schemeClr val="dk1">
+        <a:alpha val="0"/>
+      </a:schemeClr>
+    </dgm:linClrLst>
+    <dgm:effectClrLst/>
+    <dgm:txLinClrLst/>
+    <dgm:txFillClrLst meth="repeat">
+      <a:schemeClr val="tx1"/>
+    </dgm:txFillClrLst>
+    <dgm:txEffectClrLst/>
+  </dgm:styleLbl>
+</dgm:colorsDef>
+</file>
+
+<file path=ppt/diagrams/colors2.xml><?xml version="1.0" encoding="utf-8"?>
 <dgm:colorsDef xmlns:dgm="http://schemas.openxmlformats.org/drawingml/2006/diagram" xmlns:a="http://schemas.openxmlformats.org/drawingml/2006/main" uniqueId="urn:microsoft.com/office/officeart/2005/8/colors/accent1_3">
   <dgm:title val=""/>
   <dgm:desc val=""/>
@@ -1018,7 +1763,7 @@
 </dgm:colorsDef>
 </file>
 
-<file path=ppt/diagrams/colors2.xml><?xml version="1.0" encoding="utf-8"?>
+<file path=ppt/diagrams/colors3.xml><?xml version="1.0" encoding="utf-8"?>
 <dgm:colorsDef xmlns:dgm="http://schemas.openxmlformats.org/drawingml/2006/diagram" xmlns:a="http://schemas.openxmlformats.org/drawingml/2006/main" uniqueId="urn:microsoft.com/office/officeart/2005/8/colors/accent1_3">
   <dgm:title val=""/>
   <dgm:desc val=""/>
@@ -1893,7 +2638,7 @@
 </dgm:colorsDef>
 </file>
 
-<file path=ppt/diagrams/colors3.xml><?xml version="1.0" encoding="utf-8"?>
+<file path=ppt/diagrams/colors4.xml><?xml version="1.0" encoding="utf-8"?>
 <dgm:colorsDef xmlns:dgm="http://schemas.openxmlformats.org/drawingml/2006/diagram" xmlns:a="http://schemas.openxmlformats.org/drawingml/2006/main" uniqueId="urn:microsoft.com/office/officeart/2005/8/colors/colorful1">
   <dgm:title val=""/>
   <dgm:desc val=""/>
@@ -2812,7 +3557,7 @@
 </dgm:colorsDef>
 </file>
 
-<file path=ppt/diagrams/colors4.xml><?xml version="1.0" encoding="utf-8"?>
+<file path=ppt/diagrams/colors5.xml><?xml version="1.0" encoding="utf-8"?>
 <dgm:colorsDef xmlns:dgm="http://schemas.openxmlformats.org/drawingml/2006/diagram" xmlns:a="http://schemas.openxmlformats.org/drawingml/2006/main" uniqueId="urn:microsoft.com/office/officeart/2005/8/colors/colorful1">
   <dgm:title val=""/>
   <dgm:desc val=""/>
@@ -3732,6 +4477,658 @@
 </file>
 
 <file path=ppt/diagrams/data1.xml><?xml version="1.0" encoding="utf-8"?>
+<dgm:dataModel xmlns:dgm="http://schemas.openxmlformats.org/drawingml/2006/diagram" xmlns:a="http://schemas.openxmlformats.org/drawingml/2006/main">
+  <dgm:ptLst>
+    <dgm:pt modelId="{9BF00FD0-1B50-4B90-A30C-FB94B99B05C7}" type="doc">
+      <dgm:prSet loTypeId="urn:microsoft.com/office/officeart/2008/layout/LinedList" loCatId="list" qsTypeId="urn:microsoft.com/office/officeart/2005/8/quickstyle/simple1" qsCatId="simple" csTypeId="urn:microsoft.com/office/officeart/2005/8/colors/accent1_2" csCatId="accent1" phldr="1"/>
+      <dgm:spPr/>
+      <dgm:t>
+        <a:bodyPr/>
+        <a:lstStyle/>
+        <a:p>
+          <a:endParaRPr lang="zh-CN" altLang="en-US"/>
+        </a:p>
+      </dgm:t>
+    </dgm:pt>
+    <dgm:pt modelId="{A39620E8-0EB5-4970-9EEA-CFEA762656BE}">
+      <dgm:prSet phldrT="[文本]" custT="1"/>
+      <dgm:spPr/>
+      <dgm:t>
+        <a:bodyPr/>
+        <a:lstStyle/>
+        <a:p>
+          <a:r>
+            <a:rPr lang="zh-CN" altLang="en-US" sz="3500" b="1" dirty="0">
+              <a:latin typeface="微软雅黑" panose="020B0503020204020204" pitchFamily="34" charset="-122"/>
+              <a:ea typeface="微软雅黑" panose="020B0503020204020204" pitchFamily="34" charset="-122"/>
+            </a:rPr>
+            <a:t>数据结构</a:t>
+          </a:r>
+        </a:p>
+      </dgm:t>
+    </dgm:pt>
+    <dgm:pt modelId="{9A8ECA6A-9F07-4DA6-A8FA-148FB55C21B7}" type="parTrans" cxnId="{FE31DA2D-D568-4679-9887-2145DBDEF5AD}">
+      <dgm:prSet/>
+      <dgm:spPr/>
+      <dgm:t>
+        <a:bodyPr/>
+        <a:lstStyle/>
+        <a:p>
+          <a:endParaRPr lang="zh-CN" altLang="en-US"/>
+        </a:p>
+      </dgm:t>
+    </dgm:pt>
+    <dgm:pt modelId="{5343C31D-9E41-410A-A78A-7218A999E410}" type="sibTrans" cxnId="{FE31DA2D-D568-4679-9887-2145DBDEF5AD}">
+      <dgm:prSet/>
+      <dgm:spPr/>
+      <dgm:t>
+        <a:bodyPr/>
+        <a:lstStyle/>
+        <a:p>
+          <a:endParaRPr lang="zh-CN" altLang="en-US"/>
+        </a:p>
+      </dgm:t>
+    </dgm:pt>
+    <dgm:pt modelId="{2803B81D-6504-49B8-A9C3-EE8495CBC498}">
+      <dgm:prSet phldrT="[文本]"/>
+      <dgm:spPr/>
+      <dgm:t>
+        <a:bodyPr/>
+        <a:lstStyle/>
+        <a:p>
+          <a:r>
+            <a:rPr lang="zh-CN" altLang="en-US" dirty="0">
+              <a:latin typeface="微软雅黑" panose="020B0503020204020204" pitchFamily="34" charset="-122"/>
+              <a:ea typeface="微软雅黑" panose="020B0503020204020204" pitchFamily="34" charset="-122"/>
+            </a:rPr>
+            <a:t>用</a:t>
+          </a:r>
+          <a:r>
+            <a:rPr lang="en-US" altLang="zh-CN" b="1" dirty="0">
+              <a:latin typeface="微软雅黑" panose="020B0503020204020204" pitchFamily="34" charset="-122"/>
+              <a:ea typeface="微软雅黑" panose="020B0503020204020204" pitchFamily="34" charset="-122"/>
+            </a:rPr>
+            <a:t>vector</a:t>
+          </a:r>
+          <a:r>
+            <a:rPr lang="zh-CN" altLang="en-US" b="1" dirty="0">
+              <a:latin typeface="微软雅黑" panose="020B0503020204020204" pitchFamily="34" charset="-122"/>
+              <a:ea typeface="微软雅黑" panose="020B0503020204020204" pitchFamily="34" charset="-122"/>
+            </a:rPr>
+            <a:t>模拟栈结构</a:t>
+          </a:r>
+          <a:r>
+            <a:rPr lang="zh-CN" altLang="en-US" dirty="0">
+              <a:latin typeface="微软雅黑" panose="020B0503020204020204" pitchFamily="34" charset="-122"/>
+              <a:ea typeface="微软雅黑" panose="020B0503020204020204" pitchFamily="34" charset="-122"/>
+            </a:rPr>
+            <a:t>，作用域作为元素</a:t>
+          </a:r>
+        </a:p>
+      </dgm:t>
+    </dgm:pt>
+    <dgm:pt modelId="{338BAA87-F9BD-42F9-9287-19AF34273B8D}" type="parTrans" cxnId="{A7FC160C-B991-41FB-9442-7AA0E7F1292C}">
+      <dgm:prSet/>
+      <dgm:spPr/>
+      <dgm:t>
+        <a:bodyPr/>
+        <a:lstStyle/>
+        <a:p>
+          <a:endParaRPr lang="zh-CN" altLang="en-US"/>
+        </a:p>
+      </dgm:t>
+    </dgm:pt>
+    <dgm:pt modelId="{F5EF75CB-E9DE-4A58-8F68-FEBA645CF4D2}" type="sibTrans" cxnId="{A7FC160C-B991-41FB-9442-7AA0E7F1292C}">
+      <dgm:prSet/>
+      <dgm:spPr/>
+      <dgm:t>
+        <a:bodyPr/>
+        <a:lstStyle/>
+        <a:p>
+          <a:endParaRPr lang="zh-CN" altLang="en-US"/>
+        </a:p>
+      </dgm:t>
+    </dgm:pt>
+    <dgm:pt modelId="{96EF7B2A-CC36-4E6F-B6A8-79D379CF7CBB}">
+      <dgm:prSet phldrT="[文本]"/>
+      <dgm:spPr/>
+      <dgm:t>
+        <a:bodyPr/>
+        <a:lstStyle/>
+        <a:p>
+          <a:r>
+            <a:rPr lang="zh-CN" altLang="en-US" dirty="0">
+              <a:latin typeface="微软雅黑" panose="020B0503020204020204" pitchFamily="34" charset="-122"/>
+              <a:ea typeface="微软雅黑" panose="020B0503020204020204" pitchFamily="34" charset="-122"/>
+            </a:rPr>
+            <a:t>栈底是全局作用域，栈顶为当前作用域</a:t>
+          </a:r>
+        </a:p>
+      </dgm:t>
+    </dgm:pt>
+    <dgm:pt modelId="{53D31DCF-9F22-4938-A6A3-EDB6A795C329}" type="parTrans" cxnId="{77112677-4A6D-4ED9-A52D-04B6AFACF224}">
+      <dgm:prSet/>
+      <dgm:spPr/>
+      <dgm:t>
+        <a:bodyPr/>
+        <a:lstStyle/>
+        <a:p>
+          <a:endParaRPr lang="zh-CN" altLang="en-US"/>
+        </a:p>
+      </dgm:t>
+    </dgm:pt>
+    <dgm:pt modelId="{8F19084A-8D51-48C9-98F7-D5FA8BEFBB20}" type="sibTrans" cxnId="{77112677-4A6D-4ED9-A52D-04B6AFACF224}">
+      <dgm:prSet/>
+      <dgm:spPr/>
+      <dgm:t>
+        <a:bodyPr/>
+        <a:lstStyle/>
+        <a:p>
+          <a:endParaRPr lang="zh-CN" altLang="en-US"/>
+        </a:p>
+      </dgm:t>
+    </dgm:pt>
+    <dgm:pt modelId="{C4F87C4E-F81D-4D4F-95EE-1DC4E9FDA7D9}">
+      <dgm:prSet phldrT="[文本]" custT="1"/>
+      <dgm:spPr/>
+      <dgm:t>
+        <a:bodyPr/>
+        <a:lstStyle/>
+        <a:p>
+          <a:r>
+            <a:rPr lang="zh-CN" altLang="en-US" sz="3500" b="1" dirty="0">
+              <a:latin typeface="微软雅黑" panose="020B0503020204020204" pitchFamily="34" charset="-122"/>
+              <a:ea typeface="微软雅黑" panose="020B0503020204020204" pitchFamily="34" charset="-122"/>
+            </a:rPr>
+            <a:t>支持调用</a:t>
+          </a:r>
+        </a:p>
+      </dgm:t>
+    </dgm:pt>
+    <dgm:pt modelId="{3653771E-B480-49AD-9A0C-B1C49D9C3AE9}" type="parTrans" cxnId="{C57575E9-5661-424E-B136-D25DF65CA032}">
+      <dgm:prSet/>
+      <dgm:spPr/>
+      <dgm:t>
+        <a:bodyPr/>
+        <a:lstStyle/>
+        <a:p>
+          <a:endParaRPr lang="zh-CN" altLang="en-US"/>
+        </a:p>
+      </dgm:t>
+    </dgm:pt>
+    <dgm:pt modelId="{C9B9639F-76AA-48D0-8ADE-B1729E4F9CDC}" type="sibTrans" cxnId="{C57575E9-5661-424E-B136-D25DF65CA032}">
+      <dgm:prSet/>
+      <dgm:spPr/>
+      <dgm:t>
+        <a:bodyPr/>
+        <a:lstStyle/>
+        <a:p>
+          <a:endParaRPr lang="zh-CN" altLang="en-US"/>
+        </a:p>
+      </dgm:t>
+    </dgm:pt>
+    <dgm:pt modelId="{00B14622-5B8B-480A-8D17-9E26F992EEA0}">
+      <dgm:prSet phldrT="[文本]"/>
+      <dgm:spPr/>
+      <dgm:t>
+        <a:bodyPr/>
+        <a:lstStyle/>
+        <a:p>
+          <a:r>
+            <a:rPr lang="zh-CN" altLang="en-US" dirty="0">
+              <a:latin typeface="微软雅黑" panose="020B0503020204020204" pitchFamily="34" charset="-122"/>
+              <a:ea typeface="微软雅黑" panose="020B0503020204020204" pitchFamily="34" charset="-122"/>
+            </a:rPr>
+            <a:t>每个作用域开始时入栈，结束时出栈</a:t>
+          </a:r>
+        </a:p>
+      </dgm:t>
+    </dgm:pt>
+    <dgm:pt modelId="{FF7D0E5E-F7D5-4026-B803-F3809B3A8DDC}" type="parTrans" cxnId="{9AA16040-0347-4E7D-98E0-75AEB89900A3}">
+      <dgm:prSet/>
+      <dgm:spPr/>
+      <dgm:t>
+        <a:bodyPr/>
+        <a:lstStyle/>
+        <a:p>
+          <a:endParaRPr lang="zh-CN" altLang="en-US"/>
+        </a:p>
+      </dgm:t>
+    </dgm:pt>
+    <dgm:pt modelId="{2EEA6B55-5283-4F76-85FB-CB1DBDECCFAD}" type="sibTrans" cxnId="{9AA16040-0347-4E7D-98E0-75AEB89900A3}">
+      <dgm:prSet/>
+      <dgm:spPr/>
+      <dgm:t>
+        <a:bodyPr/>
+        <a:lstStyle/>
+        <a:p>
+          <a:endParaRPr lang="zh-CN" altLang="en-US"/>
+        </a:p>
+      </dgm:t>
+    </dgm:pt>
+    <dgm:pt modelId="{4A55E86A-E318-4384-9EE0-6C9978E8348F}">
+      <dgm:prSet phldrT="[文本]"/>
+      <dgm:spPr/>
+      <dgm:t>
+        <a:bodyPr/>
+        <a:lstStyle/>
+        <a:p>
+          <a:r>
+            <a:rPr lang="zh-CN" altLang="en-US" dirty="0">
+              <a:latin typeface="微软雅黑" panose="020B0503020204020204" pitchFamily="34" charset="-122"/>
+              <a:ea typeface="微软雅黑" panose="020B0503020204020204" pitchFamily="34" charset="-122"/>
+            </a:rPr>
+            <a:t>初始化时，向全局作用域插入内置函数（</a:t>
+          </a:r>
+          <a:r>
+            <a:rPr lang="en-US" altLang="zh-CN" dirty="0" err="1">
+              <a:latin typeface="微软雅黑" panose="020B0503020204020204" pitchFamily="34" charset="-122"/>
+              <a:ea typeface="微软雅黑" panose="020B0503020204020204" pitchFamily="34" charset="-122"/>
+            </a:rPr>
+            <a:t>getint</a:t>
+          </a:r>
+          <a:r>
+            <a:rPr lang="en-US" altLang="zh-CN" dirty="0">
+              <a:latin typeface="微软雅黑" panose="020B0503020204020204" pitchFamily="34" charset="-122"/>
+              <a:ea typeface="微软雅黑" panose="020B0503020204020204" pitchFamily="34" charset="-122"/>
+            </a:rPr>
+            <a:t>,…</a:t>
+          </a:r>
+          <a:r>
+            <a:rPr lang="zh-CN" altLang="en-US" dirty="0">
+              <a:latin typeface="微软雅黑" panose="020B0503020204020204" pitchFamily="34" charset="-122"/>
+              <a:ea typeface="微软雅黑" panose="020B0503020204020204" pitchFamily="34" charset="-122"/>
+            </a:rPr>
+            <a:t>）简化后续处理</a:t>
+          </a:r>
+        </a:p>
+      </dgm:t>
+    </dgm:pt>
+    <dgm:pt modelId="{053E88D4-3A6F-4D88-B256-02ED5100393D}" type="parTrans" cxnId="{67D12B91-DB92-4A0F-96EC-0C850A8C6AE1}">
+      <dgm:prSet/>
+      <dgm:spPr/>
+      <dgm:t>
+        <a:bodyPr/>
+        <a:lstStyle/>
+        <a:p>
+          <a:endParaRPr lang="zh-CN" altLang="en-US"/>
+        </a:p>
+      </dgm:t>
+    </dgm:pt>
+    <dgm:pt modelId="{D6BE655D-E9BD-4523-94CE-DFAC284D0336}" type="sibTrans" cxnId="{67D12B91-DB92-4A0F-96EC-0C850A8C6AE1}">
+      <dgm:prSet/>
+      <dgm:spPr/>
+      <dgm:t>
+        <a:bodyPr/>
+        <a:lstStyle/>
+        <a:p>
+          <a:endParaRPr lang="zh-CN" altLang="en-US"/>
+        </a:p>
+      </dgm:t>
+    </dgm:pt>
+    <dgm:pt modelId="{004B2D1D-BEB9-41D2-8C2C-F0CA4324A415}">
+      <dgm:prSet phldrT="[文本]"/>
+      <dgm:spPr/>
+      <dgm:t>
+        <a:bodyPr/>
+        <a:lstStyle/>
+        <a:p>
+          <a:r>
+            <a:rPr lang="zh-CN" altLang="en-US" b="1" dirty="0">
+              <a:latin typeface="微软雅黑" panose="020B0503020204020204" pitchFamily="34" charset="-122"/>
+              <a:ea typeface="微软雅黑" panose="020B0503020204020204" pitchFamily="34" charset="-122"/>
+            </a:rPr>
+            <a:t>插入</a:t>
+          </a:r>
+          <a:r>
+            <a:rPr lang="zh-CN" altLang="en-US" dirty="0">
+              <a:latin typeface="微软雅黑" panose="020B0503020204020204" pitchFamily="34" charset="-122"/>
+              <a:ea typeface="微软雅黑" panose="020B0503020204020204" pitchFamily="34" charset="-122"/>
+            </a:rPr>
+            <a:t>：先检查当前作用域无重定义，然后插入当前作用域</a:t>
+          </a:r>
+        </a:p>
+      </dgm:t>
+    </dgm:pt>
+    <dgm:pt modelId="{2B03A55B-E295-4F80-97B3-6B1B497D1B95}" type="parTrans" cxnId="{6FCCF6D1-E676-4186-A3EB-E513CAEB6FB0}">
+      <dgm:prSet/>
+      <dgm:spPr/>
+      <dgm:t>
+        <a:bodyPr/>
+        <a:lstStyle/>
+        <a:p>
+          <a:endParaRPr lang="zh-CN" altLang="en-US"/>
+        </a:p>
+      </dgm:t>
+    </dgm:pt>
+    <dgm:pt modelId="{0001EA68-232A-4A08-A54F-D0BAC77D743F}" type="sibTrans" cxnId="{6FCCF6D1-E676-4186-A3EB-E513CAEB6FB0}">
+      <dgm:prSet/>
+      <dgm:spPr/>
+      <dgm:t>
+        <a:bodyPr/>
+        <a:lstStyle/>
+        <a:p>
+          <a:endParaRPr lang="zh-CN" altLang="en-US"/>
+        </a:p>
+      </dgm:t>
+    </dgm:pt>
+    <dgm:pt modelId="{AD05459C-D1C2-4521-A6CC-58ABC6BF634B}">
+      <dgm:prSet phldrT="[文本]"/>
+      <dgm:spPr/>
+      <dgm:t>
+        <a:bodyPr/>
+        <a:lstStyle/>
+        <a:p>
+          <a:r>
+            <a:rPr lang="zh-CN" altLang="en-US" b="1" dirty="0">
+              <a:latin typeface="微软雅黑" panose="020B0503020204020204" pitchFamily="34" charset="-122"/>
+              <a:ea typeface="微软雅黑" panose="020B0503020204020204" pitchFamily="34" charset="-122"/>
+            </a:rPr>
+            <a:t>查找</a:t>
+          </a:r>
+          <a:r>
+            <a:rPr lang="zh-CN" altLang="en-US" dirty="0">
+              <a:latin typeface="微软雅黑" panose="020B0503020204020204" pitchFamily="34" charset="-122"/>
+              <a:ea typeface="微软雅黑" panose="020B0503020204020204" pitchFamily="34" charset="-122"/>
+            </a:rPr>
+            <a:t>：反向搜索，从栈顶到栈底，自然实现变量的遮蔽</a:t>
+          </a:r>
+        </a:p>
+      </dgm:t>
+    </dgm:pt>
+    <dgm:pt modelId="{2224BD2C-7350-4324-9D53-042BB2B090C8}" type="parTrans" cxnId="{6332CDA9-9314-4774-9769-724C511397F5}">
+      <dgm:prSet/>
+      <dgm:spPr/>
+      <dgm:t>
+        <a:bodyPr/>
+        <a:lstStyle/>
+        <a:p>
+          <a:endParaRPr lang="zh-CN" altLang="en-US"/>
+        </a:p>
+      </dgm:t>
+    </dgm:pt>
+    <dgm:pt modelId="{448866E4-A03A-4A3E-889F-E71C4551AD5D}" type="sibTrans" cxnId="{6332CDA9-9314-4774-9769-724C511397F5}">
+      <dgm:prSet/>
+      <dgm:spPr/>
+      <dgm:t>
+        <a:bodyPr/>
+        <a:lstStyle/>
+        <a:p>
+          <a:endParaRPr lang="zh-CN" altLang="en-US"/>
+        </a:p>
+      </dgm:t>
+    </dgm:pt>
+    <dgm:pt modelId="{82745276-493C-44C8-9132-C3D93BD9D32B}" type="pres">
+      <dgm:prSet presAssocID="{9BF00FD0-1B50-4B90-A30C-FB94B99B05C7}" presName="vert0" presStyleCnt="0">
+        <dgm:presLayoutVars>
+          <dgm:dir/>
+          <dgm:animOne val="branch"/>
+          <dgm:animLvl val="lvl"/>
+        </dgm:presLayoutVars>
+      </dgm:prSet>
+      <dgm:spPr/>
+    </dgm:pt>
+    <dgm:pt modelId="{E1AF93E0-D126-487D-A903-75EC31018EBE}" type="pres">
+      <dgm:prSet presAssocID="{A39620E8-0EB5-4970-9EEA-CFEA762656BE}" presName="thickLine" presStyleLbl="alignNode1" presStyleIdx="0" presStyleCnt="2" custLinFactNeighborX="95"/>
+      <dgm:spPr/>
+    </dgm:pt>
+    <dgm:pt modelId="{1A63826D-BC06-4615-A674-00D25D9A7197}" type="pres">
+      <dgm:prSet presAssocID="{A39620E8-0EB5-4970-9EEA-CFEA762656BE}" presName="horz1" presStyleCnt="0"/>
+      <dgm:spPr/>
+    </dgm:pt>
+    <dgm:pt modelId="{641B0E36-2F07-415D-A595-A671C4AF5367}" type="pres">
+      <dgm:prSet presAssocID="{A39620E8-0EB5-4970-9EEA-CFEA762656BE}" presName="tx1" presStyleLbl="revTx" presStyleIdx="0" presStyleCnt="8" custScaleX="114189"/>
+      <dgm:spPr/>
+    </dgm:pt>
+    <dgm:pt modelId="{289B57D8-DDB5-4DA7-A090-9AB8311DB40F}" type="pres">
+      <dgm:prSet presAssocID="{A39620E8-0EB5-4970-9EEA-CFEA762656BE}" presName="vert1" presStyleCnt="0"/>
+      <dgm:spPr/>
+    </dgm:pt>
+    <dgm:pt modelId="{1F1AC7E6-0530-4CE9-8BA5-C472BF853E60}" type="pres">
+      <dgm:prSet presAssocID="{2803B81D-6504-49B8-A9C3-EE8495CBC498}" presName="vertSpace2a" presStyleCnt="0"/>
+      <dgm:spPr/>
+    </dgm:pt>
+    <dgm:pt modelId="{3D492FD7-5E20-4E8D-A98D-353EE49AAD78}" type="pres">
+      <dgm:prSet presAssocID="{2803B81D-6504-49B8-A9C3-EE8495CBC498}" presName="horz2" presStyleCnt="0"/>
+      <dgm:spPr/>
+    </dgm:pt>
+    <dgm:pt modelId="{0BB0D01F-D035-484A-B233-6A72863DDE2A}" type="pres">
+      <dgm:prSet presAssocID="{2803B81D-6504-49B8-A9C3-EE8495CBC498}" presName="horzSpace2" presStyleCnt="0"/>
+      <dgm:spPr/>
+    </dgm:pt>
+    <dgm:pt modelId="{ADD12CDC-24A0-4C43-B7C7-2A240F725A25}" type="pres">
+      <dgm:prSet presAssocID="{2803B81D-6504-49B8-A9C3-EE8495CBC498}" presName="tx2" presStyleLbl="revTx" presStyleIdx="1" presStyleCnt="8"/>
+      <dgm:spPr/>
+    </dgm:pt>
+    <dgm:pt modelId="{05766948-2A68-4C7D-86FE-C5855398EC7F}" type="pres">
+      <dgm:prSet presAssocID="{2803B81D-6504-49B8-A9C3-EE8495CBC498}" presName="vert2" presStyleCnt="0"/>
+      <dgm:spPr/>
+    </dgm:pt>
+    <dgm:pt modelId="{609990EE-DAD9-4B34-8CD0-98E580A83D3D}" type="pres">
+      <dgm:prSet presAssocID="{2803B81D-6504-49B8-A9C3-EE8495CBC498}" presName="thinLine2b" presStyleLbl="callout" presStyleIdx="0" presStyleCnt="6"/>
+      <dgm:spPr/>
+    </dgm:pt>
+    <dgm:pt modelId="{E273A96C-1A0C-45BB-8660-F3D532F77038}" type="pres">
+      <dgm:prSet presAssocID="{2803B81D-6504-49B8-A9C3-EE8495CBC498}" presName="vertSpace2b" presStyleCnt="0"/>
+      <dgm:spPr/>
+    </dgm:pt>
+    <dgm:pt modelId="{39F5AD83-10B4-487F-8098-00EC9CA81665}" type="pres">
+      <dgm:prSet presAssocID="{96EF7B2A-CC36-4E6F-B6A8-79D379CF7CBB}" presName="horz2" presStyleCnt="0"/>
+      <dgm:spPr/>
+    </dgm:pt>
+    <dgm:pt modelId="{79DFF070-8F0C-41F4-ABE0-6251A1F67F0F}" type="pres">
+      <dgm:prSet presAssocID="{96EF7B2A-CC36-4E6F-B6A8-79D379CF7CBB}" presName="horzSpace2" presStyleCnt="0"/>
+      <dgm:spPr/>
+    </dgm:pt>
+    <dgm:pt modelId="{54CB0540-3613-464F-90E0-D66AA04543C4}" type="pres">
+      <dgm:prSet presAssocID="{96EF7B2A-CC36-4E6F-B6A8-79D379CF7CBB}" presName="tx2" presStyleLbl="revTx" presStyleIdx="2" presStyleCnt="8"/>
+      <dgm:spPr/>
+    </dgm:pt>
+    <dgm:pt modelId="{8D747513-3642-48E7-A675-86C15CB7C384}" type="pres">
+      <dgm:prSet presAssocID="{96EF7B2A-CC36-4E6F-B6A8-79D379CF7CBB}" presName="vert2" presStyleCnt="0"/>
+      <dgm:spPr/>
+    </dgm:pt>
+    <dgm:pt modelId="{AA979325-05EC-41FE-9B44-C0301AE94CF5}" type="pres">
+      <dgm:prSet presAssocID="{96EF7B2A-CC36-4E6F-B6A8-79D379CF7CBB}" presName="thinLine2b" presStyleLbl="callout" presStyleIdx="1" presStyleCnt="6"/>
+      <dgm:spPr/>
+    </dgm:pt>
+    <dgm:pt modelId="{75C90AA7-B98F-458E-91DE-E34148503845}" type="pres">
+      <dgm:prSet presAssocID="{96EF7B2A-CC36-4E6F-B6A8-79D379CF7CBB}" presName="vertSpace2b" presStyleCnt="0"/>
+      <dgm:spPr/>
+    </dgm:pt>
+    <dgm:pt modelId="{C2787AAD-568D-4BAC-A498-19B2B3F0ED24}" type="pres">
+      <dgm:prSet presAssocID="{00B14622-5B8B-480A-8D17-9E26F992EEA0}" presName="horz2" presStyleCnt="0"/>
+      <dgm:spPr/>
+    </dgm:pt>
+    <dgm:pt modelId="{DC8FC69A-2396-4510-B053-BF8480B3E924}" type="pres">
+      <dgm:prSet presAssocID="{00B14622-5B8B-480A-8D17-9E26F992EEA0}" presName="horzSpace2" presStyleCnt="0"/>
+      <dgm:spPr/>
+    </dgm:pt>
+    <dgm:pt modelId="{6A6F5221-35C5-4B26-A998-E6623C1DCB5C}" type="pres">
+      <dgm:prSet presAssocID="{00B14622-5B8B-480A-8D17-9E26F992EEA0}" presName="tx2" presStyleLbl="revTx" presStyleIdx="3" presStyleCnt="8"/>
+      <dgm:spPr/>
+    </dgm:pt>
+    <dgm:pt modelId="{838C1FD9-B98F-460A-9F77-C3EC58130D7C}" type="pres">
+      <dgm:prSet presAssocID="{00B14622-5B8B-480A-8D17-9E26F992EEA0}" presName="vert2" presStyleCnt="0"/>
+      <dgm:spPr/>
+    </dgm:pt>
+    <dgm:pt modelId="{2FC925B9-E04F-4A27-B083-B4FC0B1214C3}" type="pres">
+      <dgm:prSet presAssocID="{00B14622-5B8B-480A-8D17-9E26F992EEA0}" presName="thinLine2b" presStyleLbl="callout" presStyleIdx="2" presStyleCnt="6"/>
+      <dgm:spPr/>
+    </dgm:pt>
+    <dgm:pt modelId="{C05DC191-0A2F-4659-ADFB-DEAEF026B505}" type="pres">
+      <dgm:prSet presAssocID="{00B14622-5B8B-480A-8D17-9E26F992EEA0}" presName="vertSpace2b" presStyleCnt="0"/>
+      <dgm:spPr/>
+    </dgm:pt>
+    <dgm:pt modelId="{C6A1EE90-9983-4E1C-943D-096168E70FC1}" type="pres">
+      <dgm:prSet presAssocID="{C4F87C4E-F81D-4D4F-95EE-1DC4E9FDA7D9}" presName="thickLine" presStyleLbl="alignNode1" presStyleIdx="1" presStyleCnt="2"/>
+      <dgm:spPr/>
+    </dgm:pt>
+    <dgm:pt modelId="{878F53ED-44FB-4050-B8F3-BC73CCB4DD49}" type="pres">
+      <dgm:prSet presAssocID="{C4F87C4E-F81D-4D4F-95EE-1DC4E9FDA7D9}" presName="horz1" presStyleCnt="0"/>
+      <dgm:spPr/>
+    </dgm:pt>
+    <dgm:pt modelId="{B1ECF2BE-DB51-4D35-AC90-6D089D7CC741}" type="pres">
+      <dgm:prSet presAssocID="{C4F87C4E-F81D-4D4F-95EE-1DC4E9FDA7D9}" presName="tx1" presStyleLbl="revTx" presStyleIdx="4" presStyleCnt="8" custScaleX="113800"/>
+      <dgm:spPr/>
+    </dgm:pt>
+    <dgm:pt modelId="{834C4987-CF60-4B45-A633-EB861E4FAEE6}" type="pres">
+      <dgm:prSet presAssocID="{C4F87C4E-F81D-4D4F-95EE-1DC4E9FDA7D9}" presName="vert1" presStyleCnt="0"/>
+      <dgm:spPr/>
+    </dgm:pt>
+    <dgm:pt modelId="{62F0CAE0-4CF2-4E81-A65C-C94D89E30B59}" type="pres">
+      <dgm:prSet presAssocID="{4A55E86A-E318-4384-9EE0-6C9978E8348F}" presName="vertSpace2a" presStyleCnt="0"/>
+      <dgm:spPr/>
+    </dgm:pt>
+    <dgm:pt modelId="{59ACC82B-7629-4598-93F4-2518D48F3428}" type="pres">
+      <dgm:prSet presAssocID="{4A55E86A-E318-4384-9EE0-6C9978E8348F}" presName="horz2" presStyleCnt="0"/>
+      <dgm:spPr/>
+    </dgm:pt>
+    <dgm:pt modelId="{F0DB9283-DB01-42D6-808C-272E5365EB5C}" type="pres">
+      <dgm:prSet presAssocID="{4A55E86A-E318-4384-9EE0-6C9978E8348F}" presName="horzSpace2" presStyleCnt="0"/>
+      <dgm:spPr/>
+    </dgm:pt>
+    <dgm:pt modelId="{9BAFE64B-987A-45F8-ADC6-8BC6CFF1790E}" type="pres">
+      <dgm:prSet presAssocID="{4A55E86A-E318-4384-9EE0-6C9978E8348F}" presName="tx2" presStyleLbl="revTx" presStyleIdx="5" presStyleCnt="8"/>
+      <dgm:spPr/>
+    </dgm:pt>
+    <dgm:pt modelId="{E36DC982-2E32-4A81-86F5-678517C8BAAD}" type="pres">
+      <dgm:prSet presAssocID="{4A55E86A-E318-4384-9EE0-6C9978E8348F}" presName="vert2" presStyleCnt="0"/>
+      <dgm:spPr/>
+    </dgm:pt>
+    <dgm:pt modelId="{A8BBAD0A-2B79-48A0-A752-409AA7983D60}" type="pres">
+      <dgm:prSet presAssocID="{4A55E86A-E318-4384-9EE0-6C9978E8348F}" presName="thinLine2b" presStyleLbl="callout" presStyleIdx="3" presStyleCnt="6"/>
+      <dgm:spPr/>
+    </dgm:pt>
+    <dgm:pt modelId="{FFF96D85-2C0D-4FED-9D9E-9E8C5CBD8431}" type="pres">
+      <dgm:prSet presAssocID="{4A55E86A-E318-4384-9EE0-6C9978E8348F}" presName="vertSpace2b" presStyleCnt="0"/>
+      <dgm:spPr/>
+    </dgm:pt>
+    <dgm:pt modelId="{A4AD8481-C01F-4B4E-AE01-0EAD8F545D0E}" type="pres">
+      <dgm:prSet presAssocID="{AD05459C-D1C2-4521-A6CC-58ABC6BF634B}" presName="horz2" presStyleCnt="0"/>
+      <dgm:spPr/>
+    </dgm:pt>
+    <dgm:pt modelId="{417626DB-DC5E-4E49-B7CF-62FD9A4CA55E}" type="pres">
+      <dgm:prSet presAssocID="{AD05459C-D1C2-4521-A6CC-58ABC6BF634B}" presName="horzSpace2" presStyleCnt="0"/>
+      <dgm:spPr/>
+    </dgm:pt>
+    <dgm:pt modelId="{E781D8F0-08F7-4B4A-A8F3-BE5E962A1372}" type="pres">
+      <dgm:prSet presAssocID="{AD05459C-D1C2-4521-A6CC-58ABC6BF634B}" presName="tx2" presStyleLbl="revTx" presStyleIdx="6" presStyleCnt="8"/>
+      <dgm:spPr/>
+    </dgm:pt>
+    <dgm:pt modelId="{7CB37E3F-C354-4C3E-8984-CC1BF22B7810}" type="pres">
+      <dgm:prSet presAssocID="{AD05459C-D1C2-4521-A6CC-58ABC6BF634B}" presName="vert2" presStyleCnt="0"/>
+      <dgm:spPr/>
+    </dgm:pt>
+    <dgm:pt modelId="{DF631222-647A-4BB9-ACE5-8C2FC784605A}" type="pres">
+      <dgm:prSet presAssocID="{AD05459C-D1C2-4521-A6CC-58ABC6BF634B}" presName="thinLine2b" presStyleLbl="callout" presStyleIdx="4" presStyleCnt="6"/>
+      <dgm:spPr/>
+    </dgm:pt>
+    <dgm:pt modelId="{7BF5AAF3-9B6D-4199-9FC6-9B1DB0D2967C}" type="pres">
+      <dgm:prSet presAssocID="{AD05459C-D1C2-4521-A6CC-58ABC6BF634B}" presName="vertSpace2b" presStyleCnt="0"/>
+      <dgm:spPr/>
+    </dgm:pt>
+    <dgm:pt modelId="{C4AE0E2A-45B9-4B8A-B703-CBAA622E75D2}" type="pres">
+      <dgm:prSet presAssocID="{004B2D1D-BEB9-41D2-8C2C-F0CA4324A415}" presName="horz2" presStyleCnt="0"/>
+      <dgm:spPr/>
+    </dgm:pt>
+    <dgm:pt modelId="{533C5808-A5D4-4CF5-8F98-EEF09E2153FB}" type="pres">
+      <dgm:prSet presAssocID="{004B2D1D-BEB9-41D2-8C2C-F0CA4324A415}" presName="horzSpace2" presStyleCnt="0"/>
+      <dgm:spPr/>
+    </dgm:pt>
+    <dgm:pt modelId="{BC2506F5-B96D-4F24-B69B-720143C5D104}" type="pres">
+      <dgm:prSet presAssocID="{004B2D1D-BEB9-41D2-8C2C-F0CA4324A415}" presName="tx2" presStyleLbl="revTx" presStyleIdx="7" presStyleCnt="8"/>
+      <dgm:spPr/>
+    </dgm:pt>
+    <dgm:pt modelId="{8A1C3876-216F-40D2-BDEA-BE61A81C2F93}" type="pres">
+      <dgm:prSet presAssocID="{004B2D1D-BEB9-41D2-8C2C-F0CA4324A415}" presName="vert2" presStyleCnt="0"/>
+      <dgm:spPr/>
+    </dgm:pt>
+    <dgm:pt modelId="{4A1D88DE-3C62-41AD-AEE0-2E534B99EC2F}" type="pres">
+      <dgm:prSet presAssocID="{004B2D1D-BEB9-41D2-8C2C-F0CA4324A415}" presName="thinLine2b" presStyleLbl="callout" presStyleIdx="5" presStyleCnt="6"/>
+      <dgm:spPr/>
+    </dgm:pt>
+    <dgm:pt modelId="{B56EF282-00D4-4B8C-9E32-CEEC35716C65}" type="pres">
+      <dgm:prSet presAssocID="{004B2D1D-BEB9-41D2-8C2C-F0CA4324A415}" presName="vertSpace2b" presStyleCnt="0"/>
+      <dgm:spPr/>
+    </dgm:pt>
+  </dgm:ptLst>
+  <dgm:cxnLst>
+    <dgm:cxn modelId="{A7FC160C-B991-41FB-9442-7AA0E7F1292C}" srcId="{A39620E8-0EB5-4970-9EEA-CFEA762656BE}" destId="{2803B81D-6504-49B8-A9C3-EE8495CBC498}" srcOrd="0" destOrd="0" parTransId="{338BAA87-F9BD-42F9-9287-19AF34273B8D}" sibTransId="{F5EF75CB-E9DE-4A58-8F68-FEBA645CF4D2}"/>
+    <dgm:cxn modelId="{4DF09E24-9020-498A-B1B1-0B911A397989}" type="presOf" srcId="{96EF7B2A-CC36-4E6F-B6A8-79D379CF7CBB}" destId="{54CB0540-3613-464F-90E0-D66AA04543C4}" srcOrd="0" destOrd="0" presId="urn:microsoft.com/office/officeart/2008/layout/LinedList"/>
+    <dgm:cxn modelId="{AB277B25-38C4-41E0-8C27-60CD95A2DE5F}" type="presOf" srcId="{A39620E8-0EB5-4970-9EEA-CFEA762656BE}" destId="{641B0E36-2F07-415D-A595-A671C4AF5367}" srcOrd="0" destOrd="0" presId="urn:microsoft.com/office/officeart/2008/layout/LinedList"/>
+    <dgm:cxn modelId="{FE31DA2D-D568-4679-9887-2145DBDEF5AD}" srcId="{9BF00FD0-1B50-4B90-A30C-FB94B99B05C7}" destId="{A39620E8-0EB5-4970-9EEA-CFEA762656BE}" srcOrd="0" destOrd="0" parTransId="{9A8ECA6A-9F07-4DA6-A8FA-148FB55C21B7}" sibTransId="{5343C31D-9E41-410A-A78A-7218A999E410}"/>
+    <dgm:cxn modelId="{9AA16040-0347-4E7D-98E0-75AEB89900A3}" srcId="{A39620E8-0EB5-4970-9EEA-CFEA762656BE}" destId="{00B14622-5B8B-480A-8D17-9E26F992EEA0}" srcOrd="2" destOrd="0" parTransId="{FF7D0E5E-F7D5-4026-B803-F3809B3A8DDC}" sibTransId="{2EEA6B55-5283-4F76-85FB-CB1DBDECCFAD}"/>
+    <dgm:cxn modelId="{7DFDDB67-D93C-485E-B691-521957733883}" type="presOf" srcId="{AD05459C-D1C2-4521-A6CC-58ABC6BF634B}" destId="{E781D8F0-08F7-4B4A-A8F3-BE5E962A1372}" srcOrd="0" destOrd="0" presId="urn:microsoft.com/office/officeart/2008/layout/LinedList"/>
+    <dgm:cxn modelId="{1183046C-3FA0-44AC-AC21-6683870F0724}" type="presOf" srcId="{00B14622-5B8B-480A-8D17-9E26F992EEA0}" destId="{6A6F5221-35C5-4B26-A998-E6623C1DCB5C}" srcOrd="0" destOrd="0" presId="urn:microsoft.com/office/officeart/2008/layout/LinedList"/>
+    <dgm:cxn modelId="{77112677-4A6D-4ED9-A52D-04B6AFACF224}" srcId="{A39620E8-0EB5-4970-9EEA-CFEA762656BE}" destId="{96EF7B2A-CC36-4E6F-B6A8-79D379CF7CBB}" srcOrd="1" destOrd="0" parTransId="{53D31DCF-9F22-4938-A6A3-EDB6A795C329}" sibTransId="{8F19084A-8D51-48C9-98F7-D5FA8BEFBB20}"/>
+    <dgm:cxn modelId="{67D12B91-DB92-4A0F-96EC-0C850A8C6AE1}" srcId="{C4F87C4E-F81D-4D4F-95EE-1DC4E9FDA7D9}" destId="{4A55E86A-E318-4384-9EE0-6C9978E8348F}" srcOrd="0" destOrd="0" parTransId="{053E88D4-3A6F-4D88-B256-02ED5100393D}" sibTransId="{D6BE655D-E9BD-4523-94CE-DFAC284D0336}"/>
+    <dgm:cxn modelId="{11423C97-28C6-44AC-B129-A380A5C68C2F}" type="presOf" srcId="{2803B81D-6504-49B8-A9C3-EE8495CBC498}" destId="{ADD12CDC-24A0-4C43-B7C7-2A240F725A25}" srcOrd="0" destOrd="0" presId="urn:microsoft.com/office/officeart/2008/layout/LinedList"/>
+    <dgm:cxn modelId="{869D11A4-B034-40E1-8426-DE10883E94A0}" type="presOf" srcId="{9BF00FD0-1B50-4B90-A30C-FB94B99B05C7}" destId="{82745276-493C-44C8-9132-C3D93BD9D32B}" srcOrd="0" destOrd="0" presId="urn:microsoft.com/office/officeart/2008/layout/LinedList"/>
+    <dgm:cxn modelId="{6332CDA9-9314-4774-9769-724C511397F5}" srcId="{C4F87C4E-F81D-4D4F-95EE-1DC4E9FDA7D9}" destId="{AD05459C-D1C2-4521-A6CC-58ABC6BF634B}" srcOrd="1" destOrd="0" parTransId="{2224BD2C-7350-4324-9D53-042BB2B090C8}" sibTransId="{448866E4-A03A-4A3E-889F-E71C4551AD5D}"/>
+    <dgm:cxn modelId="{EAC368AF-0055-48D0-B7AD-09775F56A385}" type="presOf" srcId="{C4F87C4E-F81D-4D4F-95EE-1DC4E9FDA7D9}" destId="{B1ECF2BE-DB51-4D35-AC90-6D089D7CC741}" srcOrd="0" destOrd="0" presId="urn:microsoft.com/office/officeart/2008/layout/LinedList"/>
+    <dgm:cxn modelId="{6FCCF6D1-E676-4186-A3EB-E513CAEB6FB0}" srcId="{C4F87C4E-F81D-4D4F-95EE-1DC4E9FDA7D9}" destId="{004B2D1D-BEB9-41D2-8C2C-F0CA4324A415}" srcOrd="2" destOrd="0" parTransId="{2B03A55B-E295-4F80-97B3-6B1B497D1B95}" sibTransId="{0001EA68-232A-4A08-A54F-D0BAC77D743F}"/>
+    <dgm:cxn modelId="{C57575E9-5661-424E-B136-D25DF65CA032}" srcId="{9BF00FD0-1B50-4B90-A30C-FB94B99B05C7}" destId="{C4F87C4E-F81D-4D4F-95EE-1DC4E9FDA7D9}" srcOrd="1" destOrd="0" parTransId="{3653771E-B480-49AD-9A0C-B1C49D9C3AE9}" sibTransId="{C9B9639F-76AA-48D0-8ADE-B1729E4F9CDC}"/>
+    <dgm:cxn modelId="{E24025F4-6D3A-446E-AC67-46621AB83E07}" type="presOf" srcId="{004B2D1D-BEB9-41D2-8C2C-F0CA4324A415}" destId="{BC2506F5-B96D-4F24-B69B-720143C5D104}" srcOrd="0" destOrd="0" presId="urn:microsoft.com/office/officeart/2008/layout/LinedList"/>
+    <dgm:cxn modelId="{62B6A5F7-BA1E-4752-9245-55F1A2530AD6}" type="presOf" srcId="{4A55E86A-E318-4384-9EE0-6C9978E8348F}" destId="{9BAFE64B-987A-45F8-ADC6-8BC6CFF1790E}" srcOrd="0" destOrd="0" presId="urn:microsoft.com/office/officeart/2008/layout/LinedList"/>
+    <dgm:cxn modelId="{0996A8D8-FB34-4B02-B870-FA63EA1E4CE4}" type="presParOf" srcId="{82745276-493C-44C8-9132-C3D93BD9D32B}" destId="{E1AF93E0-D126-487D-A903-75EC31018EBE}" srcOrd="0" destOrd="0" presId="urn:microsoft.com/office/officeart/2008/layout/LinedList"/>
+    <dgm:cxn modelId="{4C844A32-A956-4406-B4C8-62EDB4D4D586}" type="presParOf" srcId="{82745276-493C-44C8-9132-C3D93BD9D32B}" destId="{1A63826D-BC06-4615-A674-00D25D9A7197}" srcOrd="1" destOrd="0" presId="urn:microsoft.com/office/officeart/2008/layout/LinedList"/>
+    <dgm:cxn modelId="{FC6B1DEF-9D64-4A09-B3F5-D70ACF3322B9}" type="presParOf" srcId="{1A63826D-BC06-4615-A674-00D25D9A7197}" destId="{641B0E36-2F07-415D-A595-A671C4AF5367}" srcOrd="0" destOrd="0" presId="urn:microsoft.com/office/officeart/2008/layout/LinedList"/>
+    <dgm:cxn modelId="{88ED47E4-41E4-4C2B-8D53-D775EC2E946A}" type="presParOf" srcId="{1A63826D-BC06-4615-A674-00D25D9A7197}" destId="{289B57D8-DDB5-4DA7-A090-9AB8311DB40F}" srcOrd="1" destOrd="0" presId="urn:microsoft.com/office/officeart/2008/layout/LinedList"/>
+    <dgm:cxn modelId="{4D205092-E969-49A8-A772-9DC2E84831A5}" type="presParOf" srcId="{289B57D8-DDB5-4DA7-A090-9AB8311DB40F}" destId="{1F1AC7E6-0530-4CE9-8BA5-C472BF853E60}" srcOrd="0" destOrd="0" presId="urn:microsoft.com/office/officeart/2008/layout/LinedList"/>
+    <dgm:cxn modelId="{7AA37F19-C1CF-4F8E-A809-2827754AE5CA}" type="presParOf" srcId="{289B57D8-DDB5-4DA7-A090-9AB8311DB40F}" destId="{3D492FD7-5E20-4E8D-A98D-353EE49AAD78}" srcOrd="1" destOrd="0" presId="urn:microsoft.com/office/officeart/2008/layout/LinedList"/>
+    <dgm:cxn modelId="{B722B855-C395-4343-AF5B-0E63B7B108E7}" type="presParOf" srcId="{3D492FD7-5E20-4E8D-A98D-353EE49AAD78}" destId="{0BB0D01F-D035-484A-B233-6A72863DDE2A}" srcOrd="0" destOrd="0" presId="urn:microsoft.com/office/officeart/2008/layout/LinedList"/>
+    <dgm:cxn modelId="{0619C0DB-9AE0-455B-8A0D-66D5A4E02017}" type="presParOf" srcId="{3D492FD7-5E20-4E8D-A98D-353EE49AAD78}" destId="{ADD12CDC-24A0-4C43-B7C7-2A240F725A25}" srcOrd="1" destOrd="0" presId="urn:microsoft.com/office/officeart/2008/layout/LinedList"/>
+    <dgm:cxn modelId="{AB7B11AE-8AE2-464E-A624-A0D4ADEFC762}" type="presParOf" srcId="{3D492FD7-5E20-4E8D-A98D-353EE49AAD78}" destId="{05766948-2A68-4C7D-86FE-C5855398EC7F}" srcOrd="2" destOrd="0" presId="urn:microsoft.com/office/officeart/2008/layout/LinedList"/>
+    <dgm:cxn modelId="{37681BF3-1C83-49B0-8D9B-0FB4047465D4}" type="presParOf" srcId="{289B57D8-DDB5-4DA7-A090-9AB8311DB40F}" destId="{609990EE-DAD9-4B34-8CD0-98E580A83D3D}" srcOrd="2" destOrd="0" presId="urn:microsoft.com/office/officeart/2008/layout/LinedList"/>
+    <dgm:cxn modelId="{AB6AFD45-1F5E-40F2-8F82-6CF80F2567F4}" type="presParOf" srcId="{289B57D8-DDB5-4DA7-A090-9AB8311DB40F}" destId="{E273A96C-1A0C-45BB-8660-F3D532F77038}" srcOrd="3" destOrd="0" presId="urn:microsoft.com/office/officeart/2008/layout/LinedList"/>
+    <dgm:cxn modelId="{0294A7E5-B1C6-4495-8B75-A582A5BE69D1}" type="presParOf" srcId="{289B57D8-DDB5-4DA7-A090-9AB8311DB40F}" destId="{39F5AD83-10B4-487F-8098-00EC9CA81665}" srcOrd="4" destOrd="0" presId="urn:microsoft.com/office/officeart/2008/layout/LinedList"/>
+    <dgm:cxn modelId="{9DFA9557-1BEF-40B9-9F29-BB6DC970015C}" type="presParOf" srcId="{39F5AD83-10B4-487F-8098-00EC9CA81665}" destId="{79DFF070-8F0C-41F4-ABE0-6251A1F67F0F}" srcOrd="0" destOrd="0" presId="urn:microsoft.com/office/officeart/2008/layout/LinedList"/>
+    <dgm:cxn modelId="{A317142A-8698-4448-B1F9-20313BC56152}" type="presParOf" srcId="{39F5AD83-10B4-487F-8098-00EC9CA81665}" destId="{54CB0540-3613-464F-90E0-D66AA04543C4}" srcOrd="1" destOrd="0" presId="urn:microsoft.com/office/officeart/2008/layout/LinedList"/>
+    <dgm:cxn modelId="{DD6ABF31-856E-4082-A4FE-D6D7B73D2FE3}" type="presParOf" srcId="{39F5AD83-10B4-487F-8098-00EC9CA81665}" destId="{8D747513-3642-48E7-A675-86C15CB7C384}" srcOrd="2" destOrd="0" presId="urn:microsoft.com/office/officeart/2008/layout/LinedList"/>
+    <dgm:cxn modelId="{03D8586C-A7D3-47C6-84EF-31C0CB78D547}" type="presParOf" srcId="{289B57D8-DDB5-4DA7-A090-9AB8311DB40F}" destId="{AA979325-05EC-41FE-9B44-C0301AE94CF5}" srcOrd="5" destOrd="0" presId="urn:microsoft.com/office/officeart/2008/layout/LinedList"/>
+    <dgm:cxn modelId="{9A247791-639A-4228-915C-F66D48BD4ED2}" type="presParOf" srcId="{289B57D8-DDB5-4DA7-A090-9AB8311DB40F}" destId="{75C90AA7-B98F-458E-91DE-E34148503845}" srcOrd="6" destOrd="0" presId="urn:microsoft.com/office/officeart/2008/layout/LinedList"/>
+    <dgm:cxn modelId="{0B615AD6-60F4-4D1E-9860-4CE5391886EF}" type="presParOf" srcId="{289B57D8-DDB5-4DA7-A090-9AB8311DB40F}" destId="{C2787AAD-568D-4BAC-A498-19B2B3F0ED24}" srcOrd="7" destOrd="0" presId="urn:microsoft.com/office/officeart/2008/layout/LinedList"/>
+    <dgm:cxn modelId="{D06C767F-A121-4C2E-97ED-99375D1B5E8A}" type="presParOf" srcId="{C2787AAD-568D-4BAC-A498-19B2B3F0ED24}" destId="{DC8FC69A-2396-4510-B053-BF8480B3E924}" srcOrd="0" destOrd="0" presId="urn:microsoft.com/office/officeart/2008/layout/LinedList"/>
+    <dgm:cxn modelId="{85641C6E-0490-4CA9-8F43-E96931213C7F}" type="presParOf" srcId="{C2787AAD-568D-4BAC-A498-19B2B3F0ED24}" destId="{6A6F5221-35C5-4B26-A998-E6623C1DCB5C}" srcOrd="1" destOrd="0" presId="urn:microsoft.com/office/officeart/2008/layout/LinedList"/>
+    <dgm:cxn modelId="{06183309-5816-4753-9504-D6CBA2EF19CA}" type="presParOf" srcId="{C2787AAD-568D-4BAC-A498-19B2B3F0ED24}" destId="{838C1FD9-B98F-460A-9F77-C3EC58130D7C}" srcOrd="2" destOrd="0" presId="urn:microsoft.com/office/officeart/2008/layout/LinedList"/>
+    <dgm:cxn modelId="{33CC5780-648F-4F17-923F-137D33C92A0F}" type="presParOf" srcId="{289B57D8-DDB5-4DA7-A090-9AB8311DB40F}" destId="{2FC925B9-E04F-4A27-B083-B4FC0B1214C3}" srcOrd="8" destOrd="0" presId="urn:microsoft.com/office/officeart/2008/layout/LinedList"/>
+    <dgm:cxn modelId="{49330D4A-57F0-4E0C-B72F-41230B8B4BB2}" type="presParOf" srcId="{289B57D8-DDB5-4DA7-A090-9AB8311DB40F}" destId="{C05DC191-0A2F-4659-ADFB-DEAEF026B505}" srcOrd="9" destOrd="0" presId="urn:microsoft.com/office/officeart/2008/layout/LinedList"/>
+    <dgm:cxn modelId="{8871DA40-3A54-46F1-84CF-5562E258E5C3}" type="presParOf" srcId="{82745276-493C-44C8-9132-C3D93BD9D32B}" destId="{C6A1EE90-9983-4E1C-943D-096168E70FC1}" srcOrd="2" destOrd="0" presId="urn:microsoft.com/office/officeart/2008/layout/LinedList"/>
+    <dgm:cxn modelId="{2E582089-603F-43F2-8D5C-23E01B173E2E}" type="presParOf" srcId="{82745276-493C-44C8-9132-C3D93BD9D32B}" destId="{878F53ED-44FB-4050-B8F3-BC73CCB4DD49}" srcOrd="3" destOrd="0" presId="urn:microsoft.com/office/officeart/2008/layout/LinedList"/>
+    <dgm:cxn modelId="{26F7DB8F-71D9-4EDC-B9A3-BC4B630A7913}" type="presParOf" srcId="{878F53ED-44FB-4050-B8F3-BC73CCB4DD49}" destId="{B1ECF2BE-DB51-4D35-AC90-6D089D7CC741}" srcOrd="0" destOrd="0" presId="urn:microsoft.com/office/officeart/2008/layout/LinedList"/>
+    <dgm:cxn modelId="{8DD181C5-89FC-4481-9C7E-4273870CB225}" type="presParOf" srcId="{878F53ED-44FB-4050-B8F3-BC73CCB4DD49}" destId="{834C4987-CF60-4B45-A633-EB861E4FAEE6}" srcOrd="1" destOrd="0" presId="urn:microsoft.com/office/officeart/2008/layout/LinedList"/>
+    <dgm:cxn modelId="{E7227D01-B22A-4F25-ADE2-3D0D313FD9A4}" type="presParOf" srcId="{834C4987-CF60-4B45-A633-EB861E4FAEE6}" destId="{62F0CAE0-4CF2-4E81-A65C-C94D89E30B59}" srcOrd="0" destOrd="0" presId="urn:microsoft.com/office/officeart/2008/layout/LinedList"/>
+    <dgm:cxn modelId="{327F9BBC-8476-46B4-A4E5-838E4D28669D}" type="presParOf" srcId="{834C4987-CF60-4B45-A633-EB861E4FAEE6}" destId="{59ACC82B-7629-4598-93F4-2518D48F3428}" srcOrd="1" destOrd="0" presId="urn:microsoft.com/office/officeart/2008/layout/LinedList"/>
+    <dgm:cxn modelId="{8EB4C471-17BC-49AA-B11B-94E3144538E9}" type="presParOf" srcId="{59ACC82B-7629-4598-93F4-2518D48F3428}" destId="{F0DB9283-DB01-42D6-808C-272E5365EB5C}" srcOrd="0" destOrd="0" presId="urn:microsoft.com/office/officeart/2008/layout/LinedList"/>
+    <dgm:cxn modelId="{F728474C-F89A-46E5-B6CB-2AC80E8E390C}" type="presParOf" srcId="{59ACC82B-7629-4598-93F4-2518D48F3428}" destId="{9BAFE64B-987A-45F8-ADC6-8BC6CFF1790E}" srcOrd="1" destOrd="0" presId="urn:microsoft.com/office/officeart/2008/layout/LinedList"/>
+    <dgm:cxn modelId="{44F9092C-E72E-4503-853D-106DE0520050}" type="presParOf" srcId="{59ACC82B-7629-4598-93F4-2518D48F3428}" destId="{E36DC982-2E32-4A81-86F5-678517C8BAAD}" srcOrd="2" destOrd="0" presId="urn:microsoft.com/office/officeart/2008/layout/LinedList"/>
+    <dgm:cxn modelId="{43B985CE-EE21-4F33-80D8-D82156208D57}" type="presParOf" srcId="{834C4987-CF60-4B45-A633-EB861E4FAEE6}" destId="{A8BBAD0A-2B79-48A0-A752-409AA7983D60}" srcOrd="2" destOrd="0" presId="urn:microsoft.com/office/officeart/2008/layout/LinedList"/>
+    <dgm:cxn modelId="{D5F831E4-6861-4742-A643-FFB5883E6920}" type="presParOf" srcId="{834C4987-CF60-4B45-A633-EB861E4FAEE6}" destId="{FFF96D85-2C0D-4FED-9D9E-9E8C5CBD8431}" srcOrd="3" destOrd="0" presId="urn:microsoft.com/office/officeart/2008/layout/LinedList"/>
+    <dgm:cxn modelId="{83E77124-AABF-4C83-801C-E9F1D27AC293}" type="presParOf" srcId="{834C4987-CF60-4B45-A633-EB861E4FAEE6}" destId="{A4AD8481-C01F-4B4E-AE01-0EAD8F545D0E}" srcOrd="4" destOrd="0" presId="urn:microsoft.com/office/officeart/2008/layout/LinedList"/>
+    <dgm:cxn modelId="{FA73B4C6-1527-4C64-A780-21E8475CD1AF}" type="presParOf" srcId="{A4AD8481-C01F-4B4E-AE01-0EAD8F545D0E}" destId="{417626DB-DC5E-4E49-B7CF-62FD9A4CA55E}" srcOrd="0" destOrd="0" presId="urn:microsoft.com/office/officeart/2008/layout/LinedList"/>
+    <dgm:cxn modelId="{546DF8DE-57F6-42FF-939C-A0E945B4AB3E}" type="presParOf" srcId="{A4AD8481-C01F-4B4E-AE01-0EAD8F545D0E}" destId="{E781D8F0-08F7-4B4A-A8F3-BE5E962A1372}" srcOrd="1" destOrd="0" presId="urn:microsoft.com/office/officeart/2008/layout/LinedList"/>
+    <dgm:cxn modelId="{377F14CB-8D5C-44A5-9019-C1813ED24F7C}" type="presParOf" srcId="{A4AD8481-C01F-4B4E-AE01-0EAD8F545D0E}" destId="{7CB37E3F-C354-4C3E-8984-CC1BF22B7810}" srcOrd="2" destOrd="0" presId="urn:microsoft.com/office/officeart/2008/layout/LinedList"/>
+    <dgm:cxn modelId="{AB6B797E-DCDC-4482-93E9-21AD5B824358}" type="presParOf" srcId="{834C4987-CF60-4B45-A633-EB861E4FAEE6}" destId="{DF631222-647A-4BB9-ACE5-8C2FC784605A}" srcOrd="5" destOrd="0" presId="urn:microsoft.com/office/officeart/2008/layout/LinedList"/>
+    <dgm:cxn modelId="{C6C878B9-22A6-4A76-AE68-6F7B61AFB7F8}" type="presParOf" srcId="{834C4987-CF60-4B45-A633-EB861E4FAEE6}" destId="{7BF5AAF3-9B6D-4199-9FC6-9B1DB0D2967C}" srcOrd="6" destOrd="0" presId="urn:microsoft.com/office/officeart/2008/layout/LinedList"/>
+    <dgm:cxn modelId="{CB1298EE-D0C7-4ED6-A065-620E9D5AF247}" type="presParOf" srcId="{834C4987-CF60-4B45-A633-EB861E4FAEE6}" destId="{C4AE0E2A-45B9-4B8A-B703-CBAA622E75D2}" srcOrd="7" destOrd="0" presId="urn:microsoft.com/office/officeart/2008/layout/LinedList"/>
+    <dgm:cxn modelId="{A426F3AD-40D2-4C76-B2EF-C08531A85D02}" type="presParOf" srcId="{C4AE0E2A-45B9-4B8A-B703-CBAA622E75D2}" destId="{533C5808-A5D4-4CF5-8F98-EEF09E2153FB}" srcOrd="0" destOrd="0" presId="urn:microsoft.com/office/officeart/2008/layout/LinedList"/>
+    <dgm:cxn modelId="{46DC6CAF-B761-46B3-A401-34034D7B602B}" type="presParOf" srcId="{C4AE0E2A-45B9-4B8A-B703-CBAA622E75D2}" destId="{BC2506F5-B96D-4F24-B69B-720143C5D104}" srcOrd="1" destOrd="0" presId="urn:microsoft.com/office/officeart/2008/layout/LinedList"/>
+    <dgm:cxn modelId="{59E1645A-B078-4993-9958-5BB92E9D2C56}" type="presParOf" srcId="{C4AE0E2A-45B9-4B8A-B703-CBAA622E75D2}" destId="{8A1C3876-216F-40D2-BDEA-BE61A81C2F93}" srcOrd="2" destOrd="0" presId="urn:microsoft.com/office/officeart/2008/layout/LinedList"/>
+    <dgm:cxn modelId="{F3743B40-2F09-491F-8E99-3E4017D1A4CE}" type="presParOf" srcId="{834C4987-CF60-4B45-A633-EB861E4FAEE6}" destId="{4A1D88DE-3C62-41AD-AEE0-2E534B99EC2F}" srcOrd="8" destOrd="0" presId="urn:microsoft.com/office/officeart/2008/layout/LinedList"/>
+    <dgm:cxn modelId="{918894EF-DF08-4AD2-89E3-06E1F5D7F460}" type="presParOf" srcId="{834C4987-CF60-4B45-A633-EB861E4FAEE6}" destId="{B56EF282-00D4-4B8C-9E32-CEEC35716C65}" srcOrd="9" destOrd="0" presId="urn:microsoft.com/office/officeart/2008/layout/LinedList"/>
+  </dgm:cxnLst>
+  <dgm:bg/>
+  <dgm:whole/>
+  <dgm:extLst>
+    <a:ext uri="http://schemas.microsoft.com/office/drawing/2008/diagram">
+      <dsp:dataModelExt xmlns:dsp="http://schemas.microsoft.com/office/drawing/2008/diagram" relId="rId10" minVer="http://schemas.openxmlformats.org/drawingml/2006/diagram"/>
+    </a:ext>
+  </dgm:extLst>
+</dgm:dataModel>
+</file>
+
+<file path=ppt/diagrams/data2.xml><?xml version="1.0" encoding="utf-8"?>
 <dgm:dataModel xmlns:dgm="http://schemas.openxmlformats.org/drawingml/2006/diagram" xmlns:a="http://schemas.openxmlformats.org/drawingml/2006/main">
   <dgm:ptLst>
     <dgm:pt modelId="{2E15931E-1654-4B73-89B2-8E333D9C42E0}" type="doc">
@@ -4630,7 +6027,7 @@
 </dgm:dataModel>
 </file>
 
-<file path=ppt/diagrams/data2.xml><?xml version="1.0" encoding="utf-8"?>
+<file path=ppt/diagrams/data3.xml><?xml version="1.0" encoding="utf-8"?>
 <dgm:dataModel xmlns:dgm="http://schemas.openxmlformats.org/drawingml/2006/diagram" xmlns:a="http://schemas.openxmlformats.org/drawingml/2006/main">
   <dgm:ptLst>
     <dgm:pt modelId="{2E15931E-1654-4B73-89B2-8E333D9C42E0}" type="doc">
@@ -5313,7 +6710,7 @@
 </dgm:dataModel>
 </file>
 
-<file path=ppt/diagrams/data3.xml><?xml version="1.0" encoding="utf-8"?>
+<file path=ppt/diagrams/data4.xml><?xml version="1.0" encoding="utf-8"?>
 <dgm:dataModel xmlns:dgm="http://schemas.openxmlformats.org/drawingml/2006/diagram" xmlns:a="http://schemas.openxmlformats.org/drawingml/2006/main">
   <dgm:ptLst>
     <dgm:pt modelId="{6AB7F0DD-A420-4055-A6DC-46BE8A6AED6E}" type="doc">
@@ -6107,7 +7504,7 @@
 </dgm:dataModel>
 </file>
 
-<file path=ppt/diagrams/data4.xml><?xml version="1.0" encoding="utf-8"?>
+<file path=ppt/diagrams/data5.xml><?xml version="1.0" encoding="utf-8"?>
 <dgm:dataModel xmlns:dgm="http://schemas.openxmlformats.org/drawingml/2006/diagram" xmlns:a="http://schemas.openxmlformats.org/drawingml/2006/main">
   <dgm:ptLst>
     <dgm:pt modelId="{6AB7F0DD-A420-4055-A6DC-46BE8A6AED6E}" type="doc">
@@ -6906,6 +8303,972 @@
       <dsp:cNvGrpSpPr/>
     </dsp:nvGrpSpPr>
     <dsp:grpSpPr/>
+    <dsp:sp modelId="{E1AF93E0-D126-487D-A903-75EC31018EBE}">
+      <dsp:nvSpPr>
+        <dsp:cNvPr id="0" name=""/>
+        <dsp:cNvSpPr/>
+      </dsp:nvSpPr>
+      <dsp:spPr>
+        <a:xfrm>
+          <a:off x="0" y="0"/>
+          <a:ext cx="10412700" cy="0"/>
+        </a:xfrm>
+        <a:prstGeom prst="line">
+          <a:avLst/>
+        </a:prstGeom>
+        <a:solidFill>
+          <a:schemeClr val="accent1">
+            <a:hueOff val="0"/>
+            <a:satOff val="0"/>
+            <a:lumOff val="0"/>
+            <a:alphaOff val="0"/>
+          </a:schemeClr>
+        </a:solidFill>
+        <a:ln w="12700" cap="flat" cmpd="sng" algn="ctr">
+          <a:solidFill>
+            <a:schemeClr val="accent1">
+              <a:hueOff val="0"/>
+              <a:satOff val="0"/>
+              <a:lumOff val="0"/>
+              <a:alphaOff val="0"/>
+            </a:schemeClr>
+          </a:solidFill>
+          <a:prstDash val="solid"/>
+          <a:miter lim="800000"/>
+        </a:ln>
+        <a:effectLst/>
+      </dsp:spPr>
+      <dsp:style>
+        <a:lnRef idx="2">
+          <a:scrgbClr r="0" g="0" b="0"/>
+        </a:lnRef>
+        <a:fillRef idx="1">
+          <a:scrgbClr r="0" g="0" b="0"/>
+        </a:fillRef>
+        <a:effectRef idx="0">
+          <a:scrgbClr r="0" g="0" b="0"/>
+        </a:effectRef>
+        <a:fontRef idx="minor">
+          <a:schemeClr val="lt1"/>
+        </a:fontRef>
+      </dsp:style>
+    </dsp:sp>
+    <dsp:sp modelId="{641B0E36-2F07-415D-A595-A671C4AF5367}">
+      <dsp:nvSpPr>
+        <dsp:cNvPr id="0" name=""/>
+        <dsp:cNvSpPr/>
+      </dsp:nvSpPr>
+      <dsp:spPr>
+        <a:xfrm>
+          <a:off x="0" y="0"/>
+          <a:ext cx="2310685" cy="1799590"/>
+        </a:xfrm>
+        <a:prstGeom prst="rect">
+          <a:avLst/>
+        </a:prstGeom>
+        <a:noFill/>
+        <a:ln>
+          <a:noFill/>
+        </a:ln>
+        <a:effectLst/>
+      </dsp:spPr>
+      <dsp:style>
+        <a:lnRef idx="0">
+          <a:scrgbClr r="0" g="0" b="0"/>
+        </a:lnRef>
+        <a:fillRef idx="0">
+          <a:scrgbClr r="0" g="0" b="0"/>
+        </a:fillRef>
+        <a:effectRef idx="0">
+          <a:scrgbClr r="0" g="0" b="0"/>
+        </a:effectRef>
+        <a:fontRef idx="minor"/>
+      </dsp:style>
+      <dsp:txBody>
+        <a:bodyPr spcFirstLastPara="0" vert="horz" wrap="square" lIns="133350" tIns="133350" rIns="133350" bIns="133350" numCol="1" spcCol="1270" anchor="t" anchorCtr="0">
+          <a:noAutofit/>
+        </a:bodyPr>
+        <a:lstStyle/>
+        <a:p>
+          <a:pPr marL="0" lvl="0" indent="0" algn="l" defTabSz="1555750">
+            <a:lnSpc>
+              <a:spcPct val="90000"/>
+            </a:lnSpc>
+            <a:spcBef>
+              <a:spcPct val="0"/>
+            </a:spcBef>
+            <a:spcAft>
+              <a:spcPct val="35000"/>
+            </a:spcAft>
+            <a:buNone/>
+          </a:pPr>
+          <a:r>
+            <a:rPr lang="zh-CN" altLang="en-US" sz="3500" b="1" kern="1200" dirty="0">
+              <a:latin typeface="微软雅黑" panose="020B0503020204020204" pitchFamily="34" charset="-122"/>
+              <a:ea typeface="微软雅黑" panose="020B0503020204020204" pitchFamily="34" charset="-122"/>
+            </a:rPr>
+            <a:t>数据结构</a:t>
+          </a:r>
+        </a:p>
+      </dsp:txBody>
+      <dsp:txXfrm>
+        <a:off x="0" y="0"/>
+        <a:ext cx="2310685" cy="1799590"/>
+      </dsp:txXfrm>
+    </dsp:sp>
+    <dsp:sp modelId="{ADD12CDC-24A0-4C43-B7C7-2A240F725A25}">
+      <dsp:nvSpPr>
+        <dsp:cNvPr id="0" name=""/>
+        <dsp:cNvSpPr/>
+      </dsp:nvSpPr>
+      <dsp:spPr>
+        <a:xfrm>
+          <a:off x="2462452" y="28118"/>
+          <a:ext cx="7942480" cy="562371"/>
+        </a:xfrm>
+        <a:prstGeom prst="rect">
+          <a:avLst/>
+        </a:prstGeom>
+        <a:noFill/>
+        <a:ln>
+          <a:noFill/>
+        </a:ln>
+        <a:effectLst/>
+      </dsp:spPr>
+      <dsp:style>
+        <a:lnRef idx="0">
+          <a:scrgbClr r="0" g="0" b="0"/>
+        </a:lnRef>
+        <a:fillRef idx="0">
+          <a:scrgbClr r="0" g="0" b="0"/>
+        </a:fillRef>
+        <a:effectRef idx="0">
+          <a:scrgbClr r="0" g="0" b="0"/>
+        </a:effectRef>
+        <a:fontRef idx="minor"/>
+      </dsp:style>
+      <dsp:txBody>
+        <a:bodyPr spcFirstLastPara="0" vert="horz" wrap="square" lIns="76200" tIns="76200" rIns="76200" bIns="76200" numCol="1" spcCol="1270" anchor="t" anchorCtr="0">
+          <a:noAutofit/>
+        </a:bodyPr>
+        <a:lstStyle/>
+        <a:p>
+          <a:pPr marL="0" lvl="0" indent="0" algn="l" defTabSz="889000">
+            <a:lnSpc>
+              <a:spcPct val="90000"/>
+            </a:lnSpc>
+            <a:spcBef>
+              <a:spcPct val="0"/>
+            </a:spcBef>
+            <a:spcAft>
+              <a:spcPct val="35000"/>
+            </a:spcAft>
+            <a:buNone/>
+          </a:pPr>
+          <a:r>
+            <a:rPr lang="zh-CN" altLang="en-US" sz="2000" kern="1200" dirty="0">
+              <a:latin typeface="微软雅黑" panose="020B0503020204020204" pitchFamily="34" charset="-122"/>
+              <a:ea typeface="微软雅黑" panose="020B0503020204020204" pitchFamily="34" charset="-122"/>
+            </a:rPr>
+            <a:t>用</a:t>
+          </a:r>
+          <a:r>
+            <a:rPr lang="en-US" altLang="zh-CN" sz="2000" b="1" kern="1200" dirty="0">
+              <a:latin typeface="微软雅黑" panose="020B0503020204020204" pitchFamily="34" charset="-122"/>
+              <a:ea typeface="微软雅黑" panose="020B0503020204020204" pitchFamily="34" charset="-122"/>
+            </a:rPr>
+            <a:t>vector</a:t>
+          </a:r>
+          <a:r>
+            <a:rPr lang="zh-CN" altLang="en-US" sz="2000" b="1" kern="1200" dirty="0">
+              <a:latin typeface="微软雅黑" panose="020B0503020204020204" pitchFamily="34" charset="-122"/>
+              <a:ea typeface="微软雅黑" panose="020B0503020204020204" pitchFamily="34" charset="-122"/>
+            </a:rPr>
+            <a:t>模拟栈结构</a:t>
+          </a:r>
+          <a:r>
+            <a:rPr lang="zh-CN" altLang="en-US" sz="2000" kern="1200" dirty="0">
+              <a:latin typeface="微软雅黑" panose="020B0503020204020204" pitchFamily="34" charset="-122"/>
+              <a:ea typeface="微软雅黑" panose="020B0503020204020204" pitchFamily="34" charset="-122"/>
+            </a:rPr>
+            <a:t>，作用域作为元素</a:t>
+          </a:r>
+        </a:p>
+      </dsp:txBody>
+      <dsp:txXfrm>
+        <a:off x="2462452" y="28118"/>
+        <a:ext cx="7942480" cy="562371"/>
+      </dsp:txXfrm>
+    </dsp:sp>
+    <dsp:sp modelId="{609990EE-DAD9-4B34-8CD0-98E580A83D3D}">
+      <dsp:nvSpPr>
+        <dsp:cNvPr id="0" name=""/>
+        <dsp:cNvSpPr/>
+      </dsp:nvSpPr>
+      <dsp:spPr>
+        <a:xfrm>
+          <a:off x="2310685" y="590490"/>
+          <a:ext cx="8094247" cy="0"/>
+        </a:xfrm>
+        <a:prstGeom prst="line">
+          <a:avLst/>
+        </a:prstGeom>
+        <a:solidFill>
+          <a:schemeClr val="accent1">
+            <a:hueOff val="0"/>
+            <a:satOff val="0"/>
+            <a:lumOff val="0"/>
+            <a:alphaOff val="0"/>
+          </a:schemeClr>
+        </a:solidFill>
+        <a:ln w="12700" cap="flat" cmpd="sng" algn="ctr">
+          <a:solidFill>
+            <a:schemeClr val="accent1">
+              <a:tint val="50000"/>
+              <a:hueOff val="0"/>
+              <a:satOff val="0"/>
+              <a:lumOff val="0"/>
+              <a:alphaOff val="0"/>
+            </a:schemeClr>
+          </a:solidFill>
+          <a:prstDash val="solid"/>
+          <a:miter lim="800000"/>
+        </a:ln>
+        <a:effectLst/>
+      </dsp:spPr>
+      <dsp:style>
+        <a:lnRef idx="2">
+          <a:scrgbClr r="0" g="0" b="0"/>
+        </a:lnRef>
+        <a:fillRef idx="1">
+          <a:scrgbClr r="0" g="0" b="0"/>
+        </a:fillRef>
+        <a:effectRef idx="0">
+          <a:scrgbClr r="0" g="0" b="0"/>
+        </a:effectRef>
+        <a:fontRef idx="minor"/>
+      </dsp:style>
+    </dsp:sp>
+    <dsp:sp modelId="{54CB0540-3613-464F-90E0-D66AA04543C4}">
+      <dsp:nvSpPr>
+        <dsp:cNvPr id="0" name=""/>
+        <dsp:cNvSpPr/>
+      </dsp:nvSpPr>
+      <dsp:spPr>
+        <a:xfrm>
+          <a:off x="2462452" y="618609"/>
+          <a:ext cx="7942480" cy="562371"/>
+        </a:xfrm>
+        <a:prstGeom prst="rect">
+          <a:avLst/>
+        </a:prstGeom>
+        <a:noFill/>
+        <a:ln>
+          <a:noFill/>
+        </a:ln>
+        <a:effectLst/>
+      </dsp:spPr>
+      <dsp:style>
+        <a:lnRef idx="0">
+          <a:scrgbClr r="0" g="0" b="0"/>
+        </a:lnRef>
+        <a:fillRef idx="0">
+          <a:scrgbClr r="0" g="0" b="0"/>
+        </a:fillRef>
+        <a:effectRef idx="0">
+          <a:scrgbClr r="0" g="0" b="0"/>
+        </a:effectRef>
+        <a:fontRef idx="minor"/>
+      </dsp:style>
+      <dsp:txBody>
+        <a:bodyPr spcFirstLastPara="0" vert="horz" wrap="square" lIns="76200" tIns="76200" rIns="76200" bIns="76200" numCol="1" spcCol="1270" anchor="t" anchorCtr="0">
+          <a:noAutofit/>
+        </a:bodyPr>
+        <a:lstStyle/>
+        <a:p>
+          <a:pPr marL="0" lvl="0" indent="0" algn="l" defTabSz="889000">
+            <a:lnSpc>
+              <a:spcPct val="90000"/>
+            </a:lnSpc>
+            <a:spcBef>
+              <a:spcPct val="0"/>
+            </a:spcBef>
+            <a:spcAft>
+              <a:spcPct val="35000"/>
+            </a:spcAft>
+            <a:buNone/>
+          </a:pPr>
+          <a:r>
+            <a:rPr lang="zh-CN" altLang="en-US" sz="2000" kern="1200" dirty="0">
+              <a:latin typeface="微软雅黑" panose="020B0503020204020204" pitchFamily="34" charset="-122"/>
+              <a:ea typeface="微软雅黑" panose="020B0503020204020204" pitchFamily="34" charset="-122"/>
+            </a:rPr>
+            <a:t>栈底是全局作用域，栈顶为当前作用域</a:t>
+          </a:r>
+        </a:p>
+      </dsp:txBody>
+      <dsp:txXfrm>
+        <a:off x="2462452" y="618609"/>
+        <a:ext cx="7942480" cy="562371"/>
+      </dsp:txXfrm>
+    </dsp:sp>
+    <dsp:sp modelId="{AA979325-05EC-41FE-9B44-C0301AE94CF5}">
+      <dsp:nvSpPr>
+        <dsp:cNvPr id="0" name=""/>
+        <dsp:cNvSpPr/>
+      </dsp:nvSpPr>
+      <dsp:spPr>
+        <a:xfrm>
+          <a:off x="2310685" y="1180980"/>
+          <a:ext cx="8094247" cy="0"/>
+        </a:xfrm>
+        <a:prstGeom prst="line">
+          <a:avLst/>
+        </a:prstGeom>
+        <a:solidFill>
+          <a:schemeClr val="accent1">
+            <a:hueOff val="0"/>
+            <a:satOff val="0"/>
+            <a:lumOff val="0"/>
+            <a:alphaOff val="0"/>
+          </a:schemeClr>
+        </a:solidFill>
+        <a:ln w="12700" cap="flat" cmpd="sng" algn="ctr">
+          <a:solidFill>
+            <a:schemeClr val="accent1">
+              <a:tint val="50000"/>
+              <a:hueOff val="0"/>
+              <a:satOff val="0"/>
+              <a:lumOff val="0"/>
+              <a:alphaOff val="0"/>
+            </a:schemeClr>
+          </a:solidFill>
+          <a:prstDash val="solid"/>
+          <a:miter lim="800000"/>
+        </a:ln>
+        <a:effectLst/>
+      </dsp:spPr>
+      <dsp:style>
+        <a:lnRef idx="2">
+          <a:scrgbClr r="0" g="0" b="0"/>
+        </a:lnRef>
+        <a:fillRef idx="1">
+          <a:scrgbClr r="0" g="0" b="0"/>
+        </a:fillRef>
+        <a:effectRef idx="0">
+          <a:scrgbClr r="0" g="0" b="0"/>
+        </a:effectRef>
+        <a:fontRef idx="minor"/>
+      </dsp:style>
+    </dsp:sp>
+    <dsp:sp modelId="{6A6F5221-35C5-4B26-A998-E6623C1DCB5C}">
+      <dsp:nvSpPr>
+        <dsp:cNvPr id="0" name=""/>
+        <dsp:cNvSpPr/>
+      </dsp:nvSpPr>
+      <dsp:spPr>
+        <a:xfrm>
+          <a:off x="2462452" y="1209099"/>
+          <a:ext cx="7942480" cy="562371"/>
+        </a:xfrm>
+        <a:prstGeom prst="rect">
+          <a:avLst/>
+        </a:prstGeom>
+        <a:noFill/>
+        <a:ln>
+          <a:noFill/>
+        </a:ln>
+        <a:effectLst/>
+      </dsp:spPr>
+      <dsp:style>
+        <a:lnRef idx="0">
+          <a:scrgbClr r="0" g="0" b="0"/>
+        </a:lnRef>
+        <a:fillRef idx="0">
+          <a:scrgbClr r="0" g="0" b="0"/>
+        </a:fillRef>
+        <a:effectRef idx="0">
+          <a:scrgbClr r="0" g="0" b="0"/>
+        </a:effectRef>
+        <a:fontRef idx="minor"/>
+      </dsp:style>
+      <dsp:txBody>
+        <a:bodyPr spcFirstLastPara="0" vert="horz" wrap="square" lIns="76200" tIns="76200" rIns="76200" bIns="76200" numCol="1" spcCol="1270" anchor="t" anchorCtr="0">
+          <a:noAutofit/>
+        </a:bodyPr>
+        <a:lstStyle/>
+        <a:p>
+          <a:pPr marL="0" lvl="0" indent="0" algn="l" defTabSz="889000">
+            <a:lnSpc>
+              <a:spcPct val="90000"/>
+            </a:lnSpc>
+            <a:spcBef>
+              <a:spcPct val="0"/>
+            </a:spcBef>
+            <a:spcAft>
+              <a:spcPct val="35000"/>
+            </a:spcAft>
+            <a:buNone/>
+          </a:pPr>
+          <a:r>
+            <a:rPr lang="zh-CN" altLang="en-US" sz="2000" kern="1200" dirty="0">
+              <a:latin typeface="微软雅黑" panose="020B0503020204020204" pitchFamily="34" charset="-122"/>
+              <a:ea typeface="微软雅黑" panose="020B0503020204020204" pitchFamily="34" charset="-122"/>
+            </a:rPr>
+            <a:t>每个作用域开始时入栈，结束时出栈</a:t>
+          </a:r>
+        </a:p>
+      </dsp:txBody>
+      <dsp:txXfrm>
+        <a:off x="2462452" y="1209099"/>
+        <a:ext cx="7942480" cy="562371"/>
+      </dsp:txXfrm>
+    </dsp:sp>
+    <dsp:sp modelId="{2FC925B9-E04F-4A27-B083-B4FC0B1214C3}">
+      <dsp:nvSpPr>
+        <dsp:cNvPr id="0" name=""/>
+        <dsp:cNvSpPr/>
+      </dsp:nvSpPr>
+      <dsp:spPr>
+        <a:xfrm>
+          <a:off x="2310685" y="1771471"/>
+          <a:ext cx="8094247" cy="0"/>
+        </a:xfrm>
+        <a:prstGeom prst="line">
+          <a:avLst/>
+        </a:prstGeom>
+        <a:solidFill>
+          <a:schemeClr val="accent1">
+            <a:hueOff val="0"/>
+            <a:satOff val="0"/>
+            <a:lumOff val="0"/>
+            <a:alphaOff val="0"/>
+          </a:schemeClr>
+        </a:solidFill>
+        <a:ln w="12700" cap="flat" cmpd="sng" algn="ctr">
+          <a:solidFill>
+            <a:schemeClr val="accent1">
+              <a:tint val="50000"/>
+              <a:hueOff val="0"/>
+              <a:satOff val="0"/>
+              <a:lumOff val="0"/>
+              <a:alphaOff val="0"/>
+            </a:schemeClr>
+          </a:solidFill>
+          <a:prstDash val="solid"/>
+          <a:miter lim="800000"/>
+        </a:ln>
+        <a:effectLst/>
+      </dsp:spPr>
+      <dsp:style>
+        <a:lnRef idx="2">
+          <a:scrgbClr r="0" g="0" b="0"/>
+        </a:lnRef>
+        <a:fillRef idx="1">
+          <a:scrgbClr r="0" g="0" b="0"/>
+        </a:fillRef>
+        <a:effectRef idx="0">
+          <a:scrgbClr r="0" g="0" b="0"/>
+        </a:effectRef>
+        <a:fontRef idx="minor"/>
+      </dsp:style>
+    </dsp:sp>
+    <dsp:sp modelId="{C6A1EE90-9983-4E1C-943D-096168E70FC1}">
+      <dsp:nvSpPr>
+        <dsp:cNvPr id="0" name=""/>
+        <dsp:cNvSpPr/>
+      </dsp:nvSpPr>
+      <dsp:spPr>
+        <a:xfrm>
+          <a:off x="0" y="1799590"/>
+          <a:ext cx="10412700" cy="0"/>
+        </a:xfrm>
+        <a:prstGeom prst="line">
+          <a:avLst/>
+        </a:prstGeom>
+        <a:solidFill>
+          <a:schemeClr val="accent1">
+            <a:hueOff val="0"/>
+            <a:satOff val="0"/>
+            <a:lumOff val="0"/>
+            <a:alphaOff val="0"/>
+          </a:schemeClr>
+        </a:solidFill>
+        <a:ln w="12700" cap="flat" cmpd="sng" algn="ctr">
+          <a:solidFill>
+            <a:schemeClr val="accent1">
+              <a:hueOff val="0"/>
+              <a:satOff val="0"/>
+              <a:lumOff val="0"/>
+              <a:alphaOff val="0"/>
+            </a:schemeClr>
+          </a:solidFill>
+          <a:prstDash val="solid"/>
+          <a:miter lim="800000"/>
+        </a:ln>
+        <a:effectLst/>
+      </dsp:spPr>
+      <dsp:style>
+        <a:lnRef idx="2">
+          <a:scrgbClr r="0" g="0" b="0"/>
+        </a:lnRef>
+        <a:fillRef idx="1">
+          <a:scrgbClr r="0" g="0" b="0"/>
+        </a:fillRef>
+        <a:effectRef idx="0">
+          <a:scrgbClr r="0" g="0" b="0"/>
+        </a:effectRef>
+        <a:fontRef idx="minor">
+          <a:schemeClr val="lt1"/>
+        </a:fontRef>
+      </dsp:style>
+    </dsp:sp>
+    <dsp:sp modelId="{B1ECF2BE-DB51-4D35-AC90-6D089D7CC741}">
+      <dsp:nvSpPr>
+        <dsp:cNvPr id="0" name=""/>
+        <dsp:cNvSpPr/>
+      </dsp:nvSpPr>
+      <dsp:spPr>
+        <a:xfrm>
+          <a:off x="0" y="1799590"/>
+          <a:ext cx="2305127" cy="1799590"/>
+        </a:xfrm>
+        <a:prstGeom prst="rect">
+          <a:avLst/>
+        </a:prstGeom>
+        <a:noFill/>
+        <a:ln>
+          <a:noFill/>
+        </a:ln>
+        <a:effectLst/>
+      </dsp:spPr>
+      <dsp:style>
+        <a:lnRef idx="0">
+          <a:scrgbClr r="0" g="0" b="0"/>
+        </a:lnRef>
+        <a:fillRef idx="0">
+          <a:scrgbClr r="0" g="0" b="0"/>
+        </a:fillRef>
+        <a:effectRef idx="0">
+          <a:scrgbClr r="0" g="0" b="0"/>
+        </a:effectRef>
+        <a:fontRef idx="minor"/>
+      </dsp:style>
+      <dsp:txBody>
+        <a:bodyPr spcFirstLastPara="0" vert="horz" wrap="square" lIns="133350" tIns="133350" rIns="133350" bIns="133350" numCol="1" spcCol="1270" anchor="t" anchorCtr="0">
+          <a:noAutofit/>
+        </a:bodyPr>
+        <a:lstStyle/>
+        <a:p>
+          <a:pPr marL="0" lvl="0" indent="0" algn="l" defTabSz="1555750">
+            <a:lnSpc>
+              <a:spcPct val="90000"/>
+            </a:lnSpc>
+            <a:spcBef>
+              <a:spcPct val="0"/>
+            </a:spcBef>
+            <a:spcAft>
+              <a:spcPct val="35000"/>
+            </a:spcAft>
+            <a:buNone/>
+          </a:pPr>
+          <a:r>
+            <a:rPr lang="zh-CN" altLang="en-US" sz="3500" b="1" kern="1200" dirty="0">
+              <a:latin typeface="微软雅黑" panose="020B0503020204020204" pitchFamily="34" charset="-122"/>
+              <a:ea typeface="微软雅黑" panose="020B0503020204020204" pitchFamily="34" charset="-122"/>
+            </a:rPr>
+            <a:t>支持调用</a:t>
+          </a:r>
+        </a:p>
+      </dsp:txBody>
+      <dsp:txXfrm>
+        <a:off x="0" y="1799590"/>
+        <a:ext cx="2305127" cy="1799590"/>
+      </dsp:txXfrm>
+    </dsp:sp>
+    <dsp:sp modelId="{9BAFE64B-987A-45F8-ADC6-8BC6CFF1790E}">
+      <dsp:nvSpPr>
+        <dsp:cNvPr id="0" name=""/>
+        <dsp:cNvSpPr/>
+      </dsp:nvSpPr>
+      <dsp:spPr>
+        <a:xfrm>
+          <a:off x="2457047" y="1827708"/>
+          <a:ext cx="7950462" cy="562371"/>
+        </a:xfrm>
+        <a:prstGeom prst="rect">
+          <a:avLst/>
+        </a:prstGeom>
+        <a:noFill/>
+        <a:ln>
+          <a:noFill/>
+        </a:ln>
+        <a:effectLst/>
+      </dsp:spPr>
+      <dsp:style>
+        <a:lnRef idx="0">
+          <a:scrgbClr r="0" g="0" b="0"/>
+        </a:lnRef>
+        <a:fillRef idx="0">
+          <a:scrgbClr r="0" g="0" b="0"/>
+        </a:fillRef>
+        <a:effectRef idx="0">
+          <a:scrgbClr r="0" g="0" b="0"/>
+        </a:effectRef>
+        <a:fontRef idx="minor"/>
+      </dsp:style>
+      <dsp:txBody>
+        <a:bodyPr spcFirstLastPara="0" vert="horz" wrap="square" lIns="76200" tIns="76200" rIns="76200" bIns="76200" numCol="1" spcCol="1270" anchor="t" anchorCtr="0">
+          <a:noAutofit/>
+        </a:bodyPr>
+        <a:lstStyle/>
+        <a:p>
+          <a:pPr marL="0" lvl="0" indent="0" algn="l" defTabSz="889000">
+            <a:lnSpc>
+              <a:spcPct val="90000"/>
+            </a:lnSpc>
+            <a:spcBef>
+              <a:spcPct val="0"/>
+            </a:spcBef>
+            <a:spcAft>
+              <a:spcPct val="35000"/>
+            </a:spcAft>
+            <a:buNone/>
+          </a:pPr>
+          <a:r>
+            <a:rPr lang="zh-CN" altLang="en-US" sz="2000" kern="1200" dirty="0">
+              <a:latin typeface="微软雅黑" panose="020B0503020204020204" pitchFamily="34" charset="-122"/>
+              <a:ea typeface="微软雅黑" panose="020B0503020204020204" pitchFamily="34" charset="-122"/>
+            </a:rPr>
+            <a:t>初始化时，向全局作用域插入内置函数（</a:t>
+          </a:r>
+          <a:r>
+            <a:rPr lang="en-US" altLang="zh-CN" sz="2000" kern="1200" dirty="0" err="1">
+              <a:latin typeface="微软雅黑" panose="020B0503020204020204" pitchFamily="34" charset="-122"/>
+              <a:ea typeface="微软雅黑" panose="020B0503020204020204" pitchFamily="34" charset="-122"/>
+            </a:rPr>
+            <a:t>getint</a:t>
+          </a:r>
+          <a:r>
+            <a:rPr lang="en-US" altLang="zh-CN" sz="2000" kern="1200" dirty="0">
+              <a:latin typeface="微软雅黑" panose="020B0503020204020204" pitchFamily="34" charset="-122"/>
+              <a:ea typeface="微软雅黑" panose="020B0503020204020204" pitchFamily="34" charset="-122"/>
+            </a:rPr>
+            <a:t>,…</a:t>
+          </a:r>
+          <a:r>
+            <a:rPr lang="zh-CN" altLang="en-US" sz="2000" kern="1200" dirty="0">
+              <a:latin typeface="微软雅黑" panose="020B0503020204020204" pitchFamily="34" charset="-122"/>
+              <a:ea typeface="微软雅黑" panose="020B0503020204020204" pitchFamily="34" charset="-122"/>
+            </a:rPr>
+            <a:t>）简化后续处理</a:t>
+          </a:r>
+        </a:p>
+      </dsp:txBody>
+      <dsp:txXfrm>
+        <a:off x="2457047" y="1827708"/>
+        <a:ext cx="7950462" cy="562371"/>
+      </dsp:txXfrm>
+    </dsp:sp>
+    <dsp:sp modelId="{A8BBAD0A-2B79-48A0-A752-409AA7983D60}">
+      <dsp:nvSpPr>
+        <dsp:cNvPr id="0" name=""/>
+        <dsp:cNvSpPr/>
+      </dsp:nvSpPr>
+      <dsp:spPr>
+        <a:xfrm>
+          <a:off x="2305127" y="2390080"/>
+          <a:ext cx="8102382" cy="0"/>
+        </a:xfrm>
+        <a:prstGeom prst="line">
+          <a:avLst/>
+        </a:prstGeom>
+        <a:solidFill>
+          <a:schemeClr val="accent1">
+            <a:hueOff val="0"/>
+            <a:satOff val="0"/>
+            <a:lumOff val="0"/>
+            <a:alphaOff val="0"/>
+          </a:schemeClr>
+        </a:solidFill>
+        <a:ln w="12700" cap="flat" cmpd="sng" algn="ctr">
+          <a:solidFill>
+            <a:schemeClr val="accent1">
+              <a:tint val="50000"/>
+              <a:hueOff val="0"/>
+              <a:satOff val="0"/>
+              <a:lumOff val="0"/>
+              <a:alphaOff val="0"/>
+            </a:schemeClr>
+          </a:solidFill>
+          <a:prstDash val="solid"/>
+          <a:miter lim="800000"/>
+        </a:ln>
+        <a:effectLst/>
+      </dsp:spPr>
+      <dsp:style>
+        <a:lnRef idx="2">
+          <a:scrgbClr r="0" g="0" b="0"/>
+        </a:lnRef>
+        <a:fillRef idx="1">
+          <a:scrgbClr r="0" g="0" b="0"/>
+        </a:fillRef>
+        <a:effectRef idx="0">
+          <a:scrgbClr r="0" g="0" b="0"/>
+        </a:effectRef>
+        <a:fontRef idx="minor"/>
+      </dsp:style>
+    </dsp:sp>
+    <dsp:sp modelId="{E781D8F0-08F7-4B4A-A8F3-BE5E962A1372}">
+      <dsp:nvSpPr>
+        <dsp:cNvPr id="0" name=""/>
+        <dsp:cNvSpPr/>
+      </dsp:nvSpPr>
+      <dsp:spPr>
+        <a:xfrm>
+          <a:off x="2457047" y="2418199"/>
+          <a:ext cx="7950462" cy="562371"/>
+        </a:xfrm>
+        <a:prstGeom prst="rect">
+          <a:avLst/>
+        </a:prstGeom>
+        <a:noFill/>
+        <a:ln>
+          <a:noFill/>
+        </a:ln>
+        <a:effectLst/>
+      </dsp:spPr>
+      <dsp:style>
+        <a:lnRef idx="0">
+          <a:scrgbClr r="0" g="0" b="0"/>
+        </a:lnRef>
+        <a:fillRef idx="0">
+          <a:scrgbClr r="0" g="0" b="0"/>
+        </a:fillRef>
+        <a:effectRef idx="0">
+          <a:scrgbClr r="0" g="0" b="0"/>
+        </a:effectRef>
+        <a:fontRef idx="minor"/>
+      </dsp:style>
+      <dsp:txBody>
+        <a:bodyPr spcFirstLastPara="0" vert="horz" wrap="square" lIns="76200" tIns="76200" rIns="76200" bIns="76200" numCol="1" spcCol="1270" anchor="t" anchorCtr="0">
+          <a:noAutofit/>
+        </a:bodyPr>
+        <a:lstStyle/>
+        <a:p>
+          <a:pPr marL="0" lvl="0" indent="0" algn="l" defTabSz="889000">
+            <a:lnSpc>
+              <a:spcPct val="90000"/>
+            </a:lnSpc>
+            <a:spcBef>
+              <a:spcPct val="0"/>
+            </a:spcBef>
+            <a:spcAft>
+              <a:spcPct val="35000"/>
+            </a:spcAft>
+            <a:buNone/>
+          </a:pPr>
+          <a:r>
+            <a:rPr lang="zh-CN" altLang="en-US" sz="2000" b="1" kern="1200" dirty="0">
+              <a:latin typeface="微软雅黑" panose="020B0503020204020204" pitchFamily="34" charset="-122"/>
+              <a:ea typeface="微软雅黑" panose="020B0503020204020204" pitchFamily="34" charset="-122"/>
+            </a:rPr>
+            <a:t>查找</a:t>
+          </a:r>
+          <a:r>
+            <a:rPr lang="zh-CN" altLang="en-US" sz="2000" kern="1200" dirty="0">
+              <a:latin typeface="微软雅黑" panose="020B0503020204020204" pitchFamily="34" charset="-122"/>
+              <a:ea typeface="微软雅黑" panose="020B0503020204020204" pitchFamily="34" charset="-122"/>
+            </a:rPr>
+            <a:t>：反向搜索，从栈顶到栈底，自然实现变量的遮蔽</a:t>
+          </a:r>
+        </a:p>
+      </dsp:txBody>
+      <dsp:txXfrm>
+        <a:off x="2457047" y="2418199"/>
+        <a:ext cx="7950462" cy="562371"/>
+      </dsp:txXfrm>
+    </dsp:sp>
+    <dsp:sp modelId="{DF631222-647A-4BB9-ACE5-8C2FC784605A}">
+      <dsp:nvSpPr>
+        <dsp:cNvPr id="0" name=""/>
+        <dsp:cNvSpPr/>
+      </dsp:nvSpPr>
+      <dsp:spPr>
+        <a:xfrm>
+          <a:off x="2305127" y="2980570"/>
+          <a:ext cx="8102382" cy="0"/>
+        </a:xfrm>
+        <a:prstGeom prst="line">
+          <a:avLst/>
+        </a:prstGeom>
+        <a:solidFill>
+          <a:schemeClr val="accent1">
+            <a:hueOff val="0"/>
+            <a:satOff val="0"/>
+            <a:lumOff val="0"/>
+            <a:alphaOff val="0"/>
+          </a:schemeClr>
+        </a:solidFill>
+        <a:ln w="12700" cap="flat" cmpd="sng" algn="ctr">
+          <a:solidFill>
+            <a:schemeClr val="accent1">
+              <a:tint val="50000"/>
+              <a:hueOff val="0"/>
+              <a:satOff val="0"/>
+              <a:lumOff val="0"/>
+              <a:alphaOff val="0"/>
+            </a:schemeClr>
+          </a:solidFill>
+          <a:prstDash val="solid"/>
+          <a:miter lim="800000"/>
+        </a:ln>
+        <a:effectLst/>
+      </dsp:spPr>
+      <dsp:style>
+        <a:lnRef idx="2">
+          <a:scrgbClr r="0" g="0" b="0"/>
+        </a:lnRef>
+        <a:fillRef idx="1">
+          <a:scrgbClr r="0" g="0" b="0"/>
+        </a:fillRef>
+        <a:effectRef idx="0">
+          <a:scrgbClr r="0" g="0" b="0"/>
+        </a:effectRef>
+        <a:fontRef idx="minor"/>
+      </dsp:style>
+    </dsp:sp>
+    <dsp:sp modelId="{BC2506F5-B96D-4F24-B69B-720143C5D104}">
+      <dsp:nvSpPr>
+        <dsp:cNvPr id="0" name=""/>
+        <dsp:cNvSpPr/>
+      </dsp:nvSpPr>
+      <dsp:spPr>
+        <a:xfrm>
+          <a:off x="2457047" y="3008689"/>
+          <a:ext cx="7950462" cy="562371"/>
+        </a:xfrm>
+        <a:prstGeom prst="rect">
+          <a:avLst/>
+        </a:prstGeom>
+        <a:noFill/>
+        <a:ln>
+          <a:noFill/>
+        </a:ln>
+        <a:effectLst/>
+      </dsp:spPr>
+      <dsp:style>
+        <a:lnRef idx="0">
+          <a:scrgbClr r="0" g="0" b="0"/>
+        </a:lnRef>
+        <a:fillRef idx="0">
+          <a:scrgbClr r="0" g="0" b="0"/>
+        </a:fillRef>
+        <a:effectRef idx="0">
+          <a:scrgbClr r="0" g="0" b="0"/>
+        </a:effectRef>
+        <a:fontRef idx="minor"/>
+      </dsp:style>
+      <dsp:txBody>
+        <a:bodyPr spcFirstLastPara="0" vert="horz" wrap="square" lIns="76200" tIns="76200" rIns="76200" bIns="76200" numCol="1" spcCol="1270" anchor="t" anchorCtr="0">
+          <a:noAutofit/>
+        </a:bodyPr>
+        <a:lstStyle/>
+        <a:p>
+          <a:pPr marL="0" lvl="0" indent="0" algn="l" defTabSz="889000">
+            <a:lnSpc>
+              <a:spcPct val="90000"/>
+            </a:lnSpc>
+            <a:spcBef>
+              <a:spcPct val="0"/>
+            </a:spcBef>
+            <a:spcAft>
+              <a:spcPct val="35000"/>
+            </a:spcAft>
+            <a:buNone/>
+          </a:pPr>
+          <a:r>
+            <a:rPr lang="zh-CN" altLang="en-US" sz="2000" b="1" kern="1200" dirty="0">
+              <a:latin typeface="微软雅黑" panose="020B0503020204020204" pitchFamily="34" charset="-122"/>
+              <a:ea typeface="微软雅黑" panose="020B0503020204020204" pitchFamily="34" charset="-122"/>
+            </a:rPr>
+            <a:t>插入</a:t>
+          </a:r>
+          <a:r>
+            <a:rPr lang="zh-CN" altLang="en-US" sz="2000" kern="1200" dirty="0">
+              <a:latin typeface="微软雅黑" panose="020B0503020204020204" pitchFamily="34" charset="-122"/>
+              <a:ea typeface="微软雅黑" panose="020B0503020204020204" pitchFamily="34" charset="-122"/>
+            </a:rPr>
+            <a:t>：先检查当前作用域无重定义，然后插入当前作用域</a:t>
+          </a:r>
+        </a:p>
+      </dsp:txBody>
+      <dsp:txXfrm>
+        <a:off x="2457047" y="3008689"/>
+        <a:ext cx="7950462" cy="562371"/>
+      </dsp:txXfrm>
+    </dsp:sp>
+    <dsp:sp modelId="{4A1D88DE-3C62-41AD-AEE0-2E534B99EC2F}">
+      <dsp:nvSpPr>
+        <dsp:cNvPr id="0" name=""/>
+        <dsp:cNvSpPr/>
+      </dsp:nvSpPr>
+      <dsp:spPr>
+        <a:xfrm>
+          <a:off x="2305127" y="3571061"/>
+          <a:ext cx="8102382" cy="0"/>
+        </a:xfrm>
+        <a:prstGeom prst="line">
+          <a:avLst/>
+        </a:prstGeom>
+        <a:solidFill>
+          <a:schemeClr val="accent1">
+            <a:hueOff val="0"/>
+            <a:satOff val="0"/>
+            <a:lumOff val="0"/>
+            <a:alphaOff val="0"/>
+          </a:schemeClr>
+        </a:solidFill>
+        <a:ln w="12700" cap="flat" cmpd="sng" algn="ctr">
+          <a:solidFill>
+            <a:schemeClr val="accent1">
+              <a:tint val="50000"/>
+              <a:hueOff val="0"/>
+              <a:satOff val="0"/>
+              <a:lumOff val="0"/>
+              <a:alphaOff val="0"/>
+            </a:schemeClr>
+          </a:solidFill>
+          <a:prstDash val="solid"/>
+          <a:miter lim="800000"/>
+        </a:ln>
+        <a:effectLst/>
+      </dsp:spPr>
+      <dsp:style>
+        <a:lnRef idx="2">
+          <a:scrgbClr r="0" g="0" b="0"/>
+        </a:lnRef>
+        <a:fillRef idx="1">
+          <a:scrgbClr r="0" g="0" b="0"/>
+        </a:fillRef>
+        <a:effectRef idx="0">
+          <a:scrgbClr r="0" g="0" b="0"/>
+        </a:effectRef>
+        <a:fontRef idx="minor"/>
+      </dsp:style>
+    </dsp:sp>
+  </dsp:spTree>
+</dsp:drawing>
+</file>
+
+<file path=ppt/diagrams/drawing2.xml><?xml version="1.0" encoding="utf-8"?>
+<dsp:drawing xmlns:dgm="http://schemas.openxmlformats.org/drawingml/2006/diagram" xmlns:dsp="http://schemas.microsoft.com/office/drawing/2008/diagram" xmlns:a="http://schemas.openxmlformats.org/drawingml/2006/main">
+  <dsp:spTree>
+    <dsp:nvGrpSpPr>
+      <dsp:cNvPr id="0" name=""/>
+      <dsp:cNvGrpSpPr/>
+    </dsp:nvGrpSpPr>
+    <dsp:grpSpPr/>
     <dsp:sp modelId="{DD9406C3-FC80-4468-A55B-122D744D43F0}">
       <dsp:nvSpPr>
         <dsp:cNvPr id="0" name=""/>
@@ -7686,7 +10049,7 @@
 </dsp:drawing>
 </file>
 
-<file path=ppt/diagrams/drawing2.xml><?xml version="1.0" encoding="utf-8"?>
+<file path=ppt/diagrams/drawing3.xml><?xml version="1.0" encoding="utf-8"?>
 <dsp:drawing xmlns:dgm="http://schemas.openxmlformats.org/drawingml/2006/diagram" xmlns:dsp="http://schemas.microsoft.com/office/drawing/2008/diagram" xmlns:a="http://schemas.openxmlformats.org/drawingml/2006/main">
   <dsp:spTree>
     <dsp:nvGrpSpPr>
@@ -8382,7 +10745,7 @@
 </dsp:drawing>
 </file>
 
-<file path=ppt/diagrams/drawing3.xml><?xml version="1.0" encoding="utf-8"?>
+<file path=ppt/diagrams/drawing4.xml><?xml version="1.0" encoding="utf-8"?>
 <dsp:drawing xmlns:dgm="http://schemas.openxmlformats.org/drawingml/2006/diagram" xmlns:dsp="http://schemas.microsoft.com/office/drawing/2008/diagram" xmlns:a="http://schemas.openxmlformats.org/drawingml/2006/main">
   <dsp:spTree>
     <dsp:nvGrpSpPr>
@@ -9836,7 +12199,7 @@
 </dsp:drawing>
 </file>
 
-<file path=ppt/diagrams/drawing4.xml><?xml version="1.0" encoding="utf-8"?>
+<file path=ppt/diagrams/drawing5.xml><?xml version="1.0" encoding="utf-8"?>
 <dsp:drawing xmlns:dgm="http://schemas.openxmlformats.org/drawingml/2006/diagram" xmlns:dsp="http://schemas.microsoft.com/office/drawing/2008/diagram" xmlns:a="http://schemas.openxmlformats.org/drawingml/2006/main">
   <dsp:spTree>
     <dsp:nvGrpSpPr>
@@ -11291,12 +13654,12 @@
 </file>
 
 <file path=ppt/diagrams/layout1.xml><?xml version="1.0" encoding="utf-8"?>
-<dgm:layoutDef xmlns:dgm="http://schemas.openxmlformats.org/drawingml/2006/diagram" xmlns:a="http://schemas.openxmlformats.org/drawingml/2006/main" uniqueId="urn:microsoft.com/office/officeart/2005/8/layout/vList5">
+<dgm:layoutDef xmlns:dgm="http://schemas.openxmlformats.org/drawingml/2006/diagram" xmlns:a="http://schemas.openxmlformats.org/drawingml/2006/main" uniqueId="urn:microsoft.com/office/officeart/2008/layout/LinedList">
   <dgm:title val=""/>
   <dgm:desc val=""/>
   <dgm:catLst>
-    <dgm:cat type="list" pri="15000"/>
-    <dgm:cat type="convert" pri="2000"/>
+    <dgm:cat type="hierarchy" pri="8000"/>
+    <dgm:cat type="list" pri="2500"/>
   </dgm:catLst>
   <dgm:sampData>
     <dgm:dataModel>
@@ -11311,35 +13674,15 @@
         <dgm:pt modelId="12">
           <dgm:prSet phldr="1"/>
         </dgm:pt>
-        <dgm:pt modelId="2">
-          <dgm:prSet phldr="1"/>
-        </dgm:pt>
-        <dgm:pt modelId="21">
-          <dgm:prSet phldr="1"/>
-        </dgm:pt>
-        <dgm:pt modelId="22">
-          <dgm:prSet phldr="1"/>
-        </dgm:pt>
-        <dgm:pt modelId="3">
-          <dgm:prSet phldr="1"/>
-        </dgm:pt>
-        <dgm:pt modelId="31">
-          <dgm:prSet phldr="1"/>
-        </dgm:pt>
-        <dgm:pt modelId="32">
+        <dgm:pt modelId="13">
           <dgm:prSet phldr="1"/>
         </dgm:pt>
       </dgm:ptLst>
       <dgm:cxnLst>
-        <dgm:cxn modelId="4" srcId="0" destId="1" srcOrd="0" destOrd="0"/>
-        <dgm:cxn modelId="5" srcId="0" destId="2" srcOrd="1" destOrd="0"/>
-        <dgm:cxn modelId="6" srcId="0" destId="3" srcOrd="2" destOrd="0"/>
-        <dgm:cxn modelId="13" srcId="1" destId="11" srcOrd="0" destOrd="0"/>
-        <dgm:cxn modelId="14" srcId="1" destId="12" srcOrd="1" destOrd="0"/>
-        <dgm:cxn modelId="23" srcId="2" destId="21" srcOrd="0" destOrd="0"/>
-        <dgm:cxn modelId="24" srcId="2" destId="22" srcOrd="1" destOrd="0"/>
-        <dgm:cxn modelId="33" srcId="3" destId="31" srcOrd="0" destOrd="0"/>
-        <dgm:cxn modelId="34" srcId="3" destId="32" srcOrd="1" destOrd="0"/>
+        <dgm:cxn modelId="2" srcId="0" destId="1" srcOrd="0" destOrd="0"/>
+        <dgm:cxn modelId="3" srcId="1" destId="11" srcOrd="0" destOrd="0"/>
+        <dgm:cxn modelId="4" srcId="1" destId="12" srcOrd="1" destOrd="0"/>
+        <dgm:cxn modelId="5" srcId="1" destId="13" srcOrd="2" destOrd="0"/>
       </dgm:cxnLst>
       <dgm:bg/>
       <dgm:whole/>
@@ -11349,16 +13692,20 @@
     <dgm:dataModel>
       <dgm:ptLst>
         <dgm:pt modelId="0" type="doc"/>
-        <dgm:pt modelId="1"/>
-        <dgm:pt modelId="11"/>
-        <dgm:pt modelId="2"/>
-        <dgm:pt modelId="21"/>
+        <dgm:pt modelId="1">
+          <dgm:prSet phldr="1"/>
+        </dgm:pt>
+        <dgm:pt modelId="11">
+          <dgm:prSet phldr="1"/>
+        </dgm:pt>
+        <dgm:pt modelId="12">
+          <dgm:prSet phldr="1"/>
+        </dgm:pt>
       </dgm:ptLst>
       <dgm:cxnLst>
-        <dgm:cxn modelId="4" srcId="0" destId="1" srcOrd="0" destOrd="0"/>
-        <dgm:cxn modelId="5" srcId="0" destId="2" srcOrd="1" destOrd="0"/>
-        <dgm:cxn modelId="13" srcId="1" destId="11" srcOrd="0" destOrd="0"/>
-        <dgm:cxn modelId="23" srcId="2" destId="21" srcOrd="0" destOrd="0"/>
+        <dgm:cxn modelId="2" srcId="0" destId="1" srcOrd="0" destOrd="0"/>
+        <dgm:cxn modelId="3" srcId="1" destId="11" srcOrd="0" destOrd="0"/>
+        <dgm:cxn modelId="4" srcId="1" destId="12" srcOrd="1" destOrd="0"/>
       </dgm:cxnLst>
       <dgm:bg/>
       <dgm:whole/>
@@ -11368,43 +13715,39 @@
     <dgm:dataModel>
       <dgm:ptLst>
         <dgm:pt modelId="0" type="doc"/>
-        <dgm:pt modelId="1"/>
-        <dgm:pt modelId="11"/>
-        <dgm:pt modelId="2"/>
-        <dgm:pt modelId="21"/>
-        <dgm:pt modelId="3"/>
-        <dgm:pt modelId="31"/>
-        <dgm:pt modelId="4"/>
-        <dgm:pt modelId="41"/>
+        <dgm:pt modelId="1">
+          <dgm:prSet phldr="1"/>
+        </dgm:pt>
+        <dgm:pt modelId="11">
+          <dgm:prSet phldr="1"/>
+        </dgm:pt>
+        <dgm:pt modelId="12">
+          <dgm:prSet phldr="1"/>
+        </dgm:pt>
       </dgm:ptLst>
       <dgm:cxnLst>
-        <dgm:cxn modelId="5" srcId="0" destId="1" srcOrd="0" destOrd="0"/>
-        <dgm:cxn modelId="6" srcId="0" destId="2" srcOrd="1" destOrd="0"/>
-        <dgm:cxn modelId="7" srcId="0" destId="3" srcOrd="2" destOrd="0"/>
-        <dgm:cxn modelId="8" srcId="0" destId="4" srcOrd="3" destOrd="0"/>
-        <dgm:cxn modelId="13" srcId="1" destId="11" srcOrd="0" destOrd="0"/>
-        <dgm:cxn modelId="23" srcId="2" destId="21" srcOrd="0" destOrd="0"/>
-        <dgm:cxn modelId="33" srcId="3" destId="31" srcOrd="0" destOrd="0"/>
-        <dgm:cxn modelId="43" srcId="4" destId="41" srcOrd="0" destOrd="0"/>
+        <dgm:cxn modelId="2" srcId="0" destId="1" srcOrd="0" destOrd="0"/>
+        <dgm:cxn modelId="3" srcId="1" destId="11" srcOrd="0" destOrd="0"/>
+        <dgm:cxn modelId="4" srcId="1" destId="12" srcOrd="1" destOrd="0"/>
       </dgm:cxnLst>
       <dgm:bg/>
       <dgm:whole/>
     </dgm:dataModel>
   </dgm:clrData>
-  <dgm:layoutNode name="Name0">
+  <dgm:layoutNode name="vert0">
     <dgm:varLst>
       <dgm:dir/>
+      <dgm:animOne val="branch"/>
       <dgm:animLvl val="lvl"/>
-      <dgm:resizeHandles val="exact"/>
     </dgm:varLst>
-    <dgm:choose name="Name1">
-      <dgm:if name="Name2" func="var" arg="dir" op="equ" val="norm">
+    <dgm:choose name="Name0">
+      <dgm:if name="Name1" func="var" arg="dir" op="equ" val="norm">
         <dgm:alg type="lin">
           <dgm:param type="linDir" val="fromT"/>
           <dgm:param type="nodeHorzAlign" val="l"/>
         </dgm:alg>
       </dgm:if>
-      <dgm:else name="Name3">
+      <dgm:else name="Name2">
         <dgm:alg type="lin">
           <dgm:param type="linDir" val="fromT"/>
           <dgm:param type="nodeHorzAlign" val="r"/>
@@ -11416,24 +13759,48 @@
     </dgm:shape>
     <dgm:presOf/>
     <dgm:constrLst>
-      <dgm:constr type="h" for="ch" forName="linNode" refType="h"/>
-      <dgm:constr type="w" for="ch" forName="linNode" refType="w"/>
-      <dgm:constr type="h" for="ch" forName="sp" refType="h" fact="0.05"/>
-      <dgm:constr type="primFontSz" for="des" forName="parentText" op="equ" val="65"/>
-      <dgm:constr type="secFontSz" for="des" forName="descendantText" op="equ"/>
+      <dgm:constr type="w" for="ch" forName="horz1" refType="w"/>
+      <dgm:constr type="h" for="ch" forName="horz1" refType="h"/>
+      <dgm:constr type="h" for="des" forName="vert1" refType="h"/>
+      <dgm:constr type="h" for="des" forName="tx1" refType="h"/>
+      <dgm:constr type="h" for="des" forName="horz2" refType="h"/>
+      <dgm:constr type="h" for="des" forName="vert2" refType="h"/>
+      <dgm:constr type="h" for="des" forName="horz3" refType="h"/>
+      <dgm:constr type="h" for="des" forName="vert3" refType="h"/>
+      <dgm:constr type="h" for="des" forName="horz4" refType="h"/>
+      <dgm:constr type="h" for="des" ptType="node" refType="h"/>
+      <dgm:constr type="primFontSz" for="des" forName="tx1" op="equ" val="65"/>
+      <dgm:constr type="primFontSz" for="des" forName="tx2" op="equ" val="65"/>
+      <dgm:constr type="primFontSz" for="des" forName="tx3" op="equ" val="65"/>
+      <dgm:constr type="primFontSz" for="des" forName="tx4" op="equ" val="65"/>
+      <dgm:constr type="w" for="des" forName="thickLine" refType="w"/>
+      <dgm:constr type="h" for="des" forName="thickLine"/>
+      <dgm:constr type="h" for="des" forName="thinLine1"/>
+      <dgm:constr type="h" for="des" forName="thinLine2b"/>
+      <dgm:constr type="h" for="des" forName="thinLine3"/>
+      <dgm:constr type="h" for="des" forName="vertSpace2a" refType="h" fact="0.05"/>
+      <dgm:constr type="h" for="des" forName="vertSpace2b" refType="h" refFor="des" refForName="vertSpace2a"/>
     </dgm:constrLst>
-    <dgm:ruleLst/>
-    <dgm:forEach name="Name4" axis="ch" ptType="node">
-      <dgm:layoutNode name="linNode">
-        <dgm:choose name="Name5">
-          <dgm:if name="Name6" func="var" arg="dir" op="equ" val="norm">
+    <dgm:forEach name="Name3" axis="ch" ptType="node">
+      <dgm:layoutNode name="thickLine" styleLbl="alignNode1">
+        <dgm:alg type="sp"/>
+        <dgm:shape xmlns:r="http://schemas.openxmlformats.org/officeDocument/2006/relationships" type="line" r:blip="">
+          <dgm:adjLst/>
+        </dgm:shape>
+        <dgm:presOf/>
+      </dgm:layoutNode>
+      <dgm:layoutNode name="horz1">
+        <dgm:choose name="Name4">
+          <dgm:if name="Name5" func="var" arg="dir" op="equ" val="norm">
             <dgm:alg type="lin">
               <dgm:param type="linDir" val="fromL"/>
+              <dgm:param type="nodeVertAlign" val="t"/>
             </dgm:alg>
           </dgm:if>
-          <dgm:else name="Name7">
+          <dgm:else name="Name6">
             <dgm:alg type="lin">
               <dgm:param type="linDir" val="fromR"/>
+              <dgm:param type="nodeVertAlign" val="t"/>
             </dgm:alg>
           </dgm:else>
         </dgm:choose>
@@ -11441,26 +13808,59 @@
           <dgm:adjLst/>
         </dgm:shape>
         <dgm:presOf/>
-        <dgm:constrLst>
-          <dgm:constr type="w" for="ch" forName="parentText" refType="w" fact="0.36"/>
-          <dgm:constr type="w" for="ch" forName="descendantText" refType="w" fact="0.64"/>
-          <dgm:constr type="h" for="ch" forName="parentText" refType="h"/>
-          <dgm:constr type="h" for="ch" forName="descendantText" refType="h" refFor="ch" refForName="parentText" fact="0.8"/>
-        </dgm:constrLst>
-        <dgm:ruleLst/>
-        <dgm:layoutNode name="parentText">
-          <dgm:varLst>
-            <dgm:chMax val="1"/>
-            <dgm:bulletEnabled val="1"/>
-          </dgm:varLst>
-          <dgm:alg type="tx"/>
-          <dgm:shape xmlns:r="http://schemas.openxmlformats.org/officeDocument/2006/relationships" type="roundRect" r:blip="" zOrderOff="3">
+        <dgm:choose name="Name7">
+          <dgm:if name="Name8" axis="root des" func="maxDepth" op="equ" val="1">
+            <dgm:constrLst>
+              <dgm:constr type="w" for="ch" forName="tx1" refType="w"/>
+            </dgm:constrLst>
+          </dgm:if>
+          <dgm:if name="Name9" axis="root des" func="maxDepth" op="equ" val="2">
+            <dgm:constrLst>
+              <dgm:constr type="w" for="ch" forName="tx1" refType="w" fact="0.2"/>
+              <dgm:constr type="w" for="des" forName="tx2" refType="w" fact="0.785"/>
+              <dgm:constr type="w" for="des" forName="horzSpace2" refType="w" fact="0.015"/>
+              <dgm:constr type="w" for="des" forName="thinLine2b" refType="w" fact="0.8"/>
+            </dgm:constrLst>
+          </dgm:if>
+          <dgm:if name="Name10" axis="root des" func="maxDepth" op="equ" val="3">
+            <dgm:constrLst>
+              <dgm:constr type="w" for="ch" forName="tx1" refType="w" fact="0.2"/>
+              <dgm:constr type="w" for="des" forName="tx2" refType="w" fact="0.385"/>
+              <dgm:constr type="w" for="des" forName="tx3" refType="w" fact="0.385"/>
+              <dgm:constr type="w" for="des" forName="horzSpace2" refType="w" fact="0.015"/>
+              <dgm:constr type="w" for="des" forName="horzSpace3" refType="w" fact="0.015"/>
+              <dgm:constr type="w" for="des" forName="thinLine2b" refType="w" fact="0.8"/>
+              <dgm:constr type="w" for="des" forName="thinLine3" refType="w" fact="0.385"/>
+            </dgm:constrLst>
+          </dgm:if>
+          <dgm:if name="Name11" axis="root des" func="maxDepth" op="gte" val="4">
+            <dgm:constrLst>
+              <dgm:constr type="w" for="ch" forName="tx1" refType="w" fact="0.2"/>
+              <dgm:constr type="w" for="des" forName="tx2" refType="w" fact="0.2516"/>
+              <dgm:constr type="w" for="des" forName="tx3" refType="w" fact="0.2516"/>
+              <dgm:constr type="w" for="des" forName="tx4" refType="w" fact="0.2516"/>
+              <dgm:constr type="w" for="des" forName="horzSpace2" refType="w" fact="0.015"/>
+              <dgm:constr type="w" for="des" forName="horzSpace3" refType="w" fact="0.015"/>
+              <dgm:constr type="w" for="des" forName="horzSpace4" refType="w" fact="0.015"/>
+              <dgm:constr type="w" for="des" forName="thinLine2b" refType="w" fact="0.8"/>
+              <dgm:constr type="w" for="des" forName="thinLine3" refType="w" fact="0.5332"/>
+            </dgm:constrLst>
+          </dgm:if>
+          <dgm:else name="Name12"/>
+        </dgm:choose>
+        <dgm:layoutNode name="tx1" styleLbl="revTx">
+          <dgm:alg type="tx">
+            <dgm:param type="parTxLTRAlign" val="l"/>
+            <dgm:param type="parTxRTLAlign" val="r"/>
+            <dgm:param type="txAnchorVert" val="t"/>
+          </dgm:alg>
+          <dgm:shape xmlns:r="http://schemas.openxmlformats.org/officeDocument/2006/relationships" type="rect" r:blip="">
             <dgm:adjLst/>
           </dgm:shape>
-          <dgm:presOf axis="self" ptType="node"/>
+          <dgm:presOf axis="self"/>
           <dgm:constrLst>
-            <dgm:constr type="tMarg" refType="primFontSz" fact="0.15"/>
-            <dgm:constr type="bMarg" refType="primFontSz" fact="0.15"/>
+            <dgm:constr type="tMarg" refType="primFontSz" fact="0.3"/>
+            <dgm:constr type="bMarg" refType="primFontSz" fact="0.3"/>
             <dgm:constr type="lMarg" refType="primFontSz" fact="0.3"/>
             <dgm:constr type="rMarg" refType="primFontSz" fact="0.3"/>
           </dgm:constrLst>
@@ -11468,56 +13868,252 @@
             <dgm:rule type="primFontSz" val="5" fact="NaN" max="NaN"/>
           </dgm:ruleLst>
         </dgm:layoutNode>
-        <dgm:choose name="Name8">
-          <dgm:if name="Name9" axis="ch" ptType="node" func="cnt" op="gte" val="1">
-            <dgm:layoutNode name="descendantText" styleLbl="alignAccFollowNode1">
-              <dgm:varLst>
-                <dgm:bulletEnabled val="1"/>
-              </dgm:varLst>
-              <dgm:alg type="tx">
-                <dgm:param type="stBulletLvl" val="1"/>
-                <dgm:param type="txAnchorVertCh" val="mid"/>
+        <dgm:layoutNode name="vert1">
+          <dgm:choose name="Name13">
+            <dgm:if name="Name14" func="var" arg="dir" op="equ" val="norm">
+              <dgm:alg type="lin">
+                <dgm:param type="linDir" val="fromT"/>
+                <dgm:param type="nodeHorzAlign" val="l"/>
               </dgm:alg>
-              <dgm:choose name="Name10">
-                <dgm:if name="Name11" func="var" arg="dir" op="equ" val="norm">
-                  <dgm:shape xmlns:r="http://schemas.openxmlformats.org/officeDocument/2006/relationships" rot="90" type="round2SameRect" r:blip="">
-                    <dgm:adjLst/>
-                  </dgm:shape>
-                </dgm:if>
-                <dgm:else name="Name12">
-                  <dgm:shape xmlns:r="http://schemas.openxmlformats.org/officeDocument/2006/relationships" rot="-90" type="round2SameRect" r:blip="">
-                    <dgm:adjLst/>
-                  </dgm:shape>
-                </dgm:else>
-              </dgm:choose>
-              <dgm:presOf axis="des" ptType="node"/>
-              <dgm:constrLst>
-                <dgm:constr type="secFontSz" val="65"/>
-                <dgm:constr type="primFontSz" refType="secFontSz"/>
-                <dgm:constr type="lMarg" refType="secFontSz" fact="0.3"/>
-                <dgm:constr type="rMarg" refType="secFontSz" fact="0.3"/>
-                <dgm:constr type="tMarg" refType="secFontSz" fact="0.15"/>
-                <dgm:constr type="bMarg" refType="secFontSz" fact="0.15"/>
-              </dgm:constrLst>
-              <dgm:ruleLst>
-                <dgm:rule type="secFontSz" val="5" fact="NaN" max="NaN"/>
-              </dgm:ruleLst>
-            </dgm:layoutNode>
-          </dgm:if>
-          <dgm:else name="Name13"/>
-        </dgm:choose>
-      </dgm:layoutNode>
-      <dgm:forEach name="Name14" axis="followSib" ptType="sibTrans" cnt="1">
-        <dgm:layoutNode name="sp">
-          <dgm:alg type="sp"/>
+            </dgm:if>
+            <dgm:else name="Name15">
+              <dgm:alg type="lin">
+                <dgm:param type="linDir" val="fromT"/>
+                <dgm:param type="nodeHorzAlign" val="r"/>
+              </dgm:alg>
+            </dgm:else>
+          </dgm:choose>
           <dgm:shape xmlns:r="http://schemas.openxmlformats.org/officeDocument/2006/relationships" r:blip="">
             <dgm:adjLst/>
           </dgm:shape>
           <dgm:presOf/>
-          <dgm:constrLst/>
-          <dgm:ruleLst/>
+          <dgm:forEach name="Name16" axis="ch" ptType="node">
+            <dgm:choose name="Name17">
+              <dgm:if name="Name18" axis="self" ptType="node" func="pos" op="equ" val="1">
+                <dgm:layoutNode name="vertSpace2a">
+                  <dgm:alg type="sp"/>
+                  <dgm:shape xmlns:r="http://schemas.openxmlformats.org/officeDocument/2006/relationships" r:blip="">
+                    <dgm:adjLst/>
+                  </dgm:shape>
+                  <dgm:presOf/>
+                </dgm:layoutNode>
+              </dgm:if>
+              <dgm:else name="Name19"/>
+            </dgm:choose>
+            <dgm:layoutNode name="horz2">
+              <dgm:choose name="Name20">
+                <dgm:if name="Name21" func="var" arg="dir" op="equ" val="norm">
+                  <dgm:alg type="lin">
+                    <dgm:param type="linDir" val="fromL"/>
+                    <dgm:param type="nodeVertAlign" val="t"/>
+                  </dgm:alg>
+                </dgm:if>
+                <dgm:else name="Name22">
+                  <dgm:alg type="lin">
+                    <dgm:param type="linDir" val="fromR"/>
+                    <dgm:param type="nodeVertAlign" val="t"/>
+                  </dgm:alg>
+                </dgm:else>
+              </dgm:choose>
+              <dgm:shape xmlns:r="http://schemas.openxmlformats.org/officeDocument/2006/relationships" r:blip="">
+                <dgm:adjLst/>
+              </dgm:shape>
+              <dgm:presOf/>
+              <dgm:layoutNode name="horzSpace2">
+                <dgm:alg type="sp"/>
+                <dgm:shape xmlns:r="http://schemas.openxmlformats.org/officeDocument/2006/relationships" r:blip="">
+                  <dgm:adjLst/>
+                </dgm:shape>
+                <dgm:presOf/>
+              </dgm:layoutNode>
+              <dgm:layoutNode name="tx2" styleLbl="revTx">
+                <dgm:alg type="tx">
+                  <dgm:param type="parTxLTRAlign" val="l"/>
+                  <dgm:param type="parTxRTLAlign" val="r"/>
+                  <dgm:param type="txAnchorVert" val="t"/>
+                </dgm:alg>
+                <dgm:shape xmlns:r="http://schemas.openxmlformats.org/officeDocument/2006/relationships" type="rect" r:blip="">
+                  <dgm:adjLst/>
+                </dgm:shape>
+                <dgm:presOf axis="self"/>
+                <dgm:constrLst>
+                  <dgm:constr type="tMarg" refType="primFontSz" fact="0.3"/>
+                  <dgm:constr type="bMarg" refType="primFontSz" fact="0.3"/>
+                  <dgm:constr type="lMarg" refType="primFontSz" fact="0.3"/>
+                  <dgm:constr type="rMarg" refType="primFontSz" fact="0.3"/>
+                </dgm:constrLst>
+                <dgm:ruleLst>
+                  <dgm:rule type="primFontSz" val="5" fact="NaN" max="NaN"/>
+                </dgm:ruleLst>
+              </dgm:layoutNode>
+              <dgm:layoutNode name="vert2">
+                <dgm:choose name="Name23">
+                  <dgm:if name="Name24" func="var" arg="dir" op="equ" val="norm">
+                    <dgm:alg type="lin">
+                      <dgm:param type="linDir" val="fromT"/>
+                      <dgm:param type="nodeHorzAlign" val="l"/>
+                    </dgm:alg>
+                  </dgm:if>
+                  <dgm:else name="Name25">
+                    <dgm:alg type="lin">
+                      <dgm:param type="linDir" val="fromT"/>
+                      <dgm:param type="nodeHorzAlign" val="r"/>
+                    </dgm:alg>
+                  </dgm:else>
+                </dgm:choose>
+                <dgm:shape xmlns:r="http://schemas.openxmlformats.org/officeDocument/2006/relationships" r:blip="">
+                  <dgm:adjLst/>
+                </dgm:shape>
+                <dgm:presOf/>
+                <dgm:forEach name="Name26" axis="ch" ptType="node">
+                  <dgm:layoutNode name="horz3">
+                    <dgm:choose name="Name27">
+                      <dgm:if name="Name28" func="var" arg="dir" op="equ" val="norm">
+                        <dgm:alg type="lin">
+                          <dgm:param type="linDir" val="fromL"/>
+                          <dgm:param type="nodeVertAlign" val="t"/>
+                        </dgm:alg>
+                      </dgm:if>
+                      <dgm:else name="Name29">
+                        <dgm:alg type="lin">
+                          <dgm:param type="linDir" val="fromR"/>
+                          <dgm:param type="nodeVertAlign" val="t"/>
+                        </dgm:alg>
+                      </dgm:else>
+                    </dgm:choose>
+                    <dgm:shape xmlns:r="http://schemas.openxmlformats.org/officeDocument/2006/relationships" r:blip="">
+                      <dgm:adjLst/>
+                    </dgm:shape>
+                    <dgm:presOf/>
+                    <dgm:layoutNode name="horzSpace3">
+                      <dgm:alg type="sp"/>
+                      <dgm:shape xmlns:r="http://schemas.openxmlformats.org/officeDocument/2006/relationships" r:blip="">
+                        <dgm:adjLst/>
+                      </dgm:shape>
+                      <dgm:presOf/>
+                    </dgm:layoutNode>
+                    <dgm:layoutNode name="tx3" styleLbl="revTx">
+                      <dgm:alg type="tx">
+                        <dgm:param type="parTxLTRAlign" val="l"/>
+                        <dgm:param type="parTxRTLAlign" val="r"/>
+                        <dgm:param type="txAnchorVert" val="t"/>
+                      </dgm:alg>
+                      <dgm:shape xmlns:r="http://schemas.openxmlformats.org/officeDocument/2006/relationships" type="rect" r:blip="">
+                        <dgm:adjLst/>
+                      </dgm:shape>
+                      <dgm:presOf axis="self"/>
+                      <dgm:constrLst>
+                        <dgm:constr type="tMarg" refType="primFontSz" fact="0.3"/>
+                        <dgm:constr type="bMarg" refType="primFontSz" fact="0.3"/>
+                        <dgm:constr type="lMarg" refType="primFontSz" fact="0.3"/>
+                        <dgm:constr type="rMarg" refType="primFontSz" fact="0.3"/>
+                      </dgm:constrLst>
+                      <dgm:ruleLst>
+                        <dgm:rule type="primFontSz" val="5" fact="NaN" max="NaN"/>
+                      </dgm:ruleLst>
+                    </dgm:layoutNode>
+                    <dgm:layoutNode name="vert3">
+                      <dgm:choose name="Name30">
+                        <dgm:if name="Name31" func="var" arg="dir" op="equ" val="norm">
+                          <dgm:alg type="lin">
+                            <dgm:param type="linDir" val="fromT"/>
+                            <dgm:param type="nodeHorzAlign" val="l"/>
+                          </dgm:alg>
+                        </dgm:if>
+                        <dgm:else name="Name32">
+                          <dgm:alg type="lin">
+                            <dgm:param type="linDir" val="fromT"/>
+                            <dgm:param type="nodeHorzAlign" val="r"/>
+                          </dgm:alg>
+                        </dgm:else>
+                      </dgm:choose>
+                      <dgm:shape xmlns:r="http://schemas.openxmlformats.org/officeDocument/2006/relationships" r:blip="">
+                        <dgm:adjLst/>
+                      </dgm:shape>
+                      <dgm:presOf/>
+                      <dgm:forEach name="Name33" axis="ch" ptType="node">
+                        <dgm:layoutNode name="horz4">
+                          <dgm:choose name="Name34">
+                            <dgm:if name="Name35" func="var" arg="dir" op="equ" val="norm">
+                              <dgm:alg type="lin">
+                                <dgm:param type="linDir" val="fromL"/>
+                                <dgm:param type="nodeVertAlign" val="t"/>
+                              </dgm:alg>
+                            </dgm:if>
+                            <dgm:else name="Name36">
+                              <dgm:alg type="lin">
+                                <dgm:param type="linDir" val="fromR"/>
+                                <dgm:param type="nodeVertAlign" val="t"/>
+                              </dgm:alg>
+                            </dgm:else>
+                          </dgm:choose>
+                          <dgm:shape xmlns:r="http://schemas.openxmlformats.org/officeDocument/2006/relationships" r:blip="">
+                            <dgm:adjLst/>
+                          </dgm:shape>
+                          <dgm:presOf/>
+                          <dgm:layoutNode name="horzSpace4">
+                            <dgm:alg type="sp"/>
+                            <dgm:shape xmlns:r="http://schemas.openxmlformats.org/officeDocument/2006/relationships" r:blip="">
+                              <dgm:adjLst/>
+                            </dgm:shape>
+                            <dgm:presOf/>
+                          </dgm:layoutNode>
+                          <dgm:layoutNode name="tx4" styleLbl="revTx">
+                            <dgm:varLst>
+                              <dgm:bulletEnabled val="1"/>
+                            </dgm:varLst>
+                            <dgm:alg type="tx">
+                              <dgm:param type="parTxLTRAlign" val="l"/>
+                              <dgm:param type="parTxRTLAlign" val="r"/>
+                              <dgm:param type="txAnchorVert" val="t"/>
+                            </dgm:alg>
+                            <dgm:shape xmlns:r="http://schemas.openxmlformats.org/officeDocument/2006/relationships" type="rect" r:blip="">
+                              <dgm:adjLst/>
+                            </dgm:shape>
+                            <dgm:presOf axis="desOrSelf" ptType="node"/>
+                            <dgm:constrLst>
+                              <dgm:constr type="tMarg" refType="primFontSz" fact="0.3"/>
+                              <dgm:constr type="bMarg" refType="primFontSz" fact="0.3"/>
+                              <dgm:constr type="lMarg" refType="primFontSz" fact="0.3"/>
+                              <dgm:constr type="rMarg" refType="primFontSz" fact="0.3"/>
+                            </dgm:constrLst>
+                            <dgm:ruleLst>
+                              <dgm:rule type="primFontSz" val="5" fact="NaN" max="NaN"/>
+                            </dgm:ruleLst>
+                          </dgm:layoutNode>
+                        </dgm:layoutNode>
+                      </dgm:forEach>
+                    </dgm:layoutNode>
+                  </dgm:layoutNode>
+                  <dgm:forEach name="Name37" axis="followSib" ptType="sibTrans" cnt="1">
+                    <dgm:layoutNode name="thinLine3" styleLbl="callout">
+                      <dgm:alg type="sp"/>
+                      <dgm:shape xmlns:r="http://schemas.openxmlformats.org/officeDocument/2006/relationships" type="line" r:blip="">
+                        <dgm:adjLst/>
+                      </dgm:shape>
+                      <dgm:presOf/>
+                    </dgm:layoutNode>
+                  </dgm:forEach>
+                </dgm:forEach>
+              </dgm:layoutNode>
+            </dgm:layoutNode>
+            <dgm:layoutNode name="thinLine2b" styleLbl="callout">
+              <dgm:alg type="sp"/>
+              <dgm:shape xmlns:r="http://schemas.openxmlformats.org/officeDocument/2006/relationships" type="line" r:blip="">
+                <dgm:adjLst/>
+              </dgm:shape>
+              <dgm:presOf/>
+            </dgm:layoutNode>
+            <dgm:layoutNode name="vertSpace2b">
+              <dgm:alg type="sp"/>
+              <dgm:shape xmlns:r="http://schemas.openxmlformats.org/officeDocument/2006/relationships" r:blip="">
+                <dgm:adjLst/>
+              </dgm:shape>
+              <dgm:presOf/>
+            </dgm:layoutNode>
+          </dgm:forEach>
         </dgm:layoutNode>
-      </dgm:forEach>
+      </dgm:layoutNode>
     </dgm:forEach>
   </dgm:layoutNode>
 </dgm:layoutDef>
@@ -11757,6 +14353,239 @@
 </file>
 
 <file path=ppt/diagrams/layout3.xml><?xml version="1.0" encoding="utf-8"?>
+<dgm:layoutDef xmlns:dgm="http://schemas.openxmlformats.org/drawingml/2006/diagram" xmlns:a="http://schemas.openxmlformats.org/drawingml/2006/main" uniqueId="urn:microsoft.com/office/officeart/2005/8/layout/vList5">
+  <dgm:title val=""/>
+  <dgm:desc val=""/>
+  <dgm:catLst>
+    <dgm:cat type="list" pri="15000"/>
+    <dgm:cat type="convert" pri="2000"/>
+  </dgm:catLst>
+  <dgm:sampData>
+    <dgm:dataModel>
+      <dgm:ptLst>
+        <dgm:pt modelId="0" type="doc"/>
+        <dgm:pt modelId="1">
+          <dgm:prSet phldr="1"/>
+        </dgm:pt>
+        <dgm:pt modelId="11">
+          <dgm:prSet phldr="1"/>
+        </dgm:pt>
+        <dgm:pt modelId="12">
+          <dgm:prSet phldr="1"/>
+        </dgm:pt>
+        <dgm:pt modelId="2">
+          <dgm:prSet phldr="1"/>
+        </dgm:pt>
+        <dgm:pt modelId="21">
+          <dgm:prSet phldr="1"/>
+        </dgm:pt>
+        <dgm:pt modelId="22">
+          <dgm:prSet phldr="1"/>
+        </dgm:pt>
+        <dgm:pt modelId="3">
+          <dgm:prSet phldr="1"/>
+        </dgm:pt>
+        <dgm:pt modelId="31">
+          <dgm:prSet phldr="1"/>
+        </dgm:pt>
+        <dgm:pt modelId="32">
+          <dgm:prSet phldr="1"/>
+        </dgm:pt>
+      </dgm:ptLst>
+      <dgm:cxnLst>
+        <dgm:cxn modelId="4" srcId="0" destId="1" srcOrd="0" destOrd="0"/>
+        <dgm:cxn modelId="5" srcId="0" destId="2" srcOrd="1" destOrd="0"/>
+        <dgm:cxn modelId="6" srcId="0" destId="3" srcOrd="2" destOrd="0"/>
+        <dgm:cxn modelId="13" srcId="1" destId="11" srcOrd="0" destOrd="0"/>
+        <dgm:cxn modelId="14" srcId="1" destId="12" srcOrd="1" destOrd="0"/>
+        <dgm:cxn modelId="23" srcId="2" destId="21" srcOrd="0" destOrd="0"/>
+        <dgm:cxn modelId="24" srcId="2" destId="22" srcOrd="1" destOrd="0"/>
+        <dgm:cxn modelId="33" srcId="3" destId="31" srcOrd="0" destOrd="0"/>
+        <dgm:cxn modelId="34" srcId="3" destId="32" srcOrd="1" destOrd="0"/>
+      </dgm:cxnLst>
+      <dgm:bg/>
+      <dgm:whole/>
+    </dgm:dataModel>
+  </dgm:sampData>
+  <dgm:styleData>
+    <dgm:dataModel>
+      <dgm:ptLst>
+        <dgm:pt modelId="0" type="doc"/>
+        <dgm:pt modelId="1"/>
+        <dgm:pt modelId="11"/>
+        <dgm:pt modelId="2"/>
+        <dgm:pt modelId="21"/>
+      </dgm:ptLst>
+      <dgm:cxnLst>
+        <dgm:cxn modelId="4" srcId="0" destId="1" srcOrd="0" destOrd="0"/>
+        <dgm:cxn modelId="5" srcId="0" destId="2" srcOrd="1" destOrd="0"/>
+        <dgm:cxn modelId="13" srcId="1" destId="11" srcOrd="0" destOrd="0"/>
+        <dgm:cxn modelId="23" srcId="2" destId="21" srcOrd="0" destOrd="0"/>
+      </dgm:cxnLst>
+      <dgm:bg/>
+      <dgm:whole/>
+    </dgm:dataModel>
+  </dgm:styleData>
+  <dgm:clrData>
+    <dgm:dataModel>
+      <dgm:ptLst>
+        <dgm:pt modelId="0" type="doc"/>
+        <dgm:pt modelId="1"/>
+        <dgm:pt modelId="11"/>
+        <dgm:pt modelId="2"/>
+        <dgm:pt modelId="21"/>
+        <dgm:pt modelId="3"/>
+        <dgm:pt modelId="31"/>
+        <dgm:pt modelId="4"/>
+        <dgm:pt modelId="41"/>
+      </dgm:ptLst>
+      <dgm:cxnLst>
+        <dgm:cxn modelId="5" srcId="0" destId="1" srcOrd="0" destOrd="0"/>
+        <dgm:cxn modelId="6" srcId="0" destId="2" srcOrd="1" destOrd="0"/>
+        <dgm:cxn modelId="7" srcId="0" destId="3" srcOrd="2" destOrd="0"/>
+        <dgm:cxn modelId="8" srcId="0" destId="4" srcOrd="3" destOrd="0"/>
+        <dgm:cxn modelId="13" srcId="1" destId="11" srcOrd="0" destOrd="0"/>
+        <dgm:cxn modelId="23" srcId="2" destId="21" srcOrd="0" destOrd="0"/>
+        <dgm:cxn modelId="33" srcId="3" destId="31" srcOrd="0" destOrd="0"/>
+        <dgm:cxn modelId="43" srcId="4" destId="41" srcOrd="0" destOrd="0"/>
+      </dgm:cxnLst>
+      <dgm:bg/>
+      <dgm:whole/>
+    </dgm:dataModel>
+  </dgm:clrData>
+  <dgm:layoutNode name="Name0">
+    <dgm:varLst>
+      <dgm:dir/>
+      <dgm:animLvl val="lvl"/>
+      <dgm:resizeHandles val="exact"/>
+    </dgm:varLst>
+    <dgm:choose name="Name1">
+      <dgm:if name="Name2" func="var" arg="dir" op="equ" val="norm">
+        <dgm:alg type="lin">
+          <dgm:param type="linDir" val="fromT"/>
+          <dgm:param type="nodeHorzAlign" val="l"/>
+        </dgm:alg>
+      </dgm:if>
+      <dgm:else name="Name3">
+        <dgm:alg type="lin">
+          <dgm:param type="linDir" val="fromT"/>
+          <dgm:param type="nodeHorzAlign" val="r"/>
+        </dgm:alg>
+      </dgm:else>
+    </dgm:choose>
+    <dgm:shape xmlns:r="http://schemas.openxmlformats.org/officeDocument/2006/relationships" r:blip="">
+      <dgm:adjLst/>
+    </dgm:shape>
+    <dgm:presOf/>
+    <dgm:constrLst>
+      <dgm:constr type="h" for="ch" forName="linNode" refType="h"/>
+      <dgm:constr type="w" for="ch" forName="linNode" refType="w"/>
+      <dgm:constr type="h" for="ch" forName="sp" refType="h" fact="0.05"/>
+      <dgm:constr type="primFontSz" for="des" forName="parentText" op="equ" val="65"/>
+      <dgm:constr type="secFontSz" for="des" forName="descendantText" op="equ"/>
+    </dgm:constrLst>
+    <dgm:ruleLst/>
+    <dgm:forEach name="Name4" axis="ch" ptType="node">
+      <dgm:layoutNode name="linNode">
+        <dgm:choose name="Name5">
+          <dgm:if name="Name6" func="var" arg="dir" op="equ" val="norm">
+            <dgm:alg type="lin">
+              <dgm:param type="linDir" val="fromL"/>
+            </dgm:alg>
+          </dgm:if>
+          <dgm:else name="Name7">
+            <dgm:alg type="lin">
+              <dgm:param type="linDir" val="fromR"/>
+            </dgm:alg>
+          </dgm:else>
+        </dgm:choose>
+        <dgm:shape xmlns:r="http://schemas.openxmlformats.org/officeDocument/2006/relationships" r:blip="">
+          <dgm:adjLst/>
+        </dgm:shape>
+        <dgm:presOf/>
+        <dgm:constrLst>
+          <dgm:constr type="w" for="ch" forName="parentText" refType="w" fact="0.36"/>
+          <dgm:constr type="w" for="ch" forName="descendantText" refType="w" fact="0.64"/>
+          <dgm:constr type="h" for="ch" forName="parentText" refType="h"/>
+          <dgm:constr type="h" for="ch" forName="descendantText" refType="h" refFor="ch" refForName="parentText" fact="0.8"/>
+        </dgm:constrLst>
+        <dgm:ruleLst/>
+        <dgm:layoutNode name="parentText">
+          <dgm:varLst>
+            <dgm:chMax val="1"/>
+            <dgm:bulletEnabled val="1"/>
+          </dgm:varLst>
+          <dgm:alg type="tx"/>
+          <dgm:shape xmlns:r="http://schemas.openxmlformats.org/officeDocument/2006/relationships" type="roundRect" r:blip="" zOrderOff="3">
+            <dgm:adjLst/>
+          </dgm:shape>
+          <dgm:presOf axis="self" ptType="node"/>
+          <dgm:constrLst>
+            <dgm:constr type="tMarg" refType="primFontSz" fact="0.15"/>
+            <dgm:constr type="bMarg" refType="primFontSz" fact="0.15"/>
+            <dgm:constr type="lMarg" refType="primFontSz" fact="0.3"/>
+            <dgm:constr type="rMarg" refType="primFontSz" fact="0.3"/>
+          </dgm:constrLst>
+          <dgm:ruleLst>
+            <dgm:rule type="primFontSz" val="5" fact="NaN" max="NaN"/>
+          </dgm:ruleLst>
+        </dgm:layoutNode>
+        <dgm:choose name="Name8">
+          <dgm:if name="Name9" axis="ch" ptType="node" func="cnt" op="gte" val="1">
+            <dgm:layoutNode name="descendantText" styleLbl="alignAccFollowNode1">
+              <dgm:varLst>
+                <dgm:bulletEnabled val="1"/>
+              </dgm:varLst>
+              <dgm:alg type="tx">
+                <dgm:param type="stBulletLvl" val="1"/>
+                <dgm:param type="txAnchorVertCh" val="mid"/>
+              </dgm:alg>
+              <dgm:choose name="Name10">
+                <dgm:if name="Name11" func="var" arg="dir" op="equ" val="norm">
+                  <dgm:shape xmlns:r="http://schemas.openxmlformats.org/officeDocument/2006/relationships" rot="90" type="round2SameRect" r:blip="">
+                    <dgm:adjLst/>
+                  </dgm:shape>
+                </dgm:if>
+                <dgm:else name="Name12">
+                  <dgm:shape xmlns:r="http://schemas.openxmlformats.org/officeDocument/2006/relationships" rot="-90" type="round2SameRect" r:blip="">
+                    <dgm:adjLst/>
+                  </dgm:shape>
+                </dgm:else>
+              </dgm:choose>
+              <dgm:presOf axis="des" ptType="node"/>
+              <dgm:constrLst>
+                <dgm:constr type="secFontSz" val="65"/>
+                <dgm:constr type="primFontSz" refType="secFontSz"/>
+                <dgm:constr type="lMarg" refType="secFontSz" fact="0.3"/>
+                <dgm:constr type="rMarg" refType="secFontSz" fact="0.3"/>
+                <dgm:constr type="tMarg" refType="secFontSz" fact="0.15"/>
+                <dgm:constr type="bMarg" refType="secFontSz" fact="0.15"/>
+              </dgm:constrLst>
+              <dgm:ruleLst>
+                <dgm:rule type="secFontSz" val="5" fact="NaN" max="NaN"/>
+              </dgm:ruleLst>
+            </dgm:layoutNode>
+          </dgm:if>
+          <dgm:else name="Name13"/>
+        </dgm:choose>
+      </dgm:layoutNode>
+      <dgm:forEach name="Name14" axis="followSib" ptType="sibTrans" cnt="1">
+        <dgm:layoutNode name="sp">
+          <dgm:alg type="sp"/>
+          <dgm:shape xmlns:r="http://schemas.openxmlformats.org/officeDocument/2006/relationships" r:blip="">
+            <dgm:adjLst/>
+          </dgm:shape>
+          <dgm:presOf/>
+          <dgm:constrLst/>
+          <dgm:ruleLst/>
+        </dgm:layoutNode>
+      </dgm:forEach>
+    </dgm:forEach>
+  </dgm:layoutNode>
+</dgm:layoutDef>
+</file>
+
+<file path=ppt/diagrams/layout4.xml><?xml version="1.0" encoding="utf-8"?>
 <dgm:layoutDef xmlns:dgm="http://schemas.openxmlformats.org/drawingml/2006/diagram" xmlns:a="http://schemas.openxmlformats.org/drawingml/2006/main" uniqueId="urn:microsoft.com/office/officeart/2009/3/layout/HorizontalOrganizationChart">
   <dgm:title val=""/>
   <dgm:desc val=""/>
@@ -12940,7 +15769,7 @@
 </dgm:layoutDef>
 </file>
 
-<file path=ppt/diagrams/layout4.xml><?xml version="1.0" encoding="utf-8"?>
+<file path=ppt/diagrams/layout5.xml><?xml version="1.0" encoding="utf-8"?>
 <dgm:layoutDef xmlns:dgm="http://schemas.openxmlformats.org/drawingml/2006/diagram" xmlns:a="http://schemas.openxmlformats.org/drawingml/2006/main" uniqueId="urn:microsoft.com/office/officeart/2009/3/layout/HorizontalOrganizationChart">
   <dgm:title val=""/>
   <dgm:desc val=""/>
@@ -16193,6 +19022,1040 @@
 </file>
 
 <file path=ppt/diagrams/quickStyle3.xml><?xml version="1.0" encoding="utf-8"?>
+<dgm:styleDef xmlns:dgm="http://schemas.openxmlformats.org/drawingml/2006/diagram" xmlns:a="http://schemas.openxmlformats.org/drawingml/2006/main" uniqueId="urn:microsoft.com/office/officeart/2005/8/quickstyle/simple1">
+  <dgm:title val=""/>
+  <dgm:desc val=""/>
+  <dgm:catLst>
+    <dgm:cat type="simple" pri="10100"/>
+  </dgm:catLst>
+  <dgm:scene3d>
+    <a:camera prst="orthographicFront"/>
+    <a:lightRig rig="threePt" dir="t"/>
+  </dgm:scene3d>
+  <dgm:styleLbl name="node0">
+    <dgm:scene3d>
+      <a:camera prst="orthographicFront"/>
+      <a:lightRig rig="threePt" dir="t"/>
+    </dgm:scene3d>
+    <dgm:sp3d/>
+    <dgm:txPr/>
+    <dgm:style>
+      <a:lnRef idx="2">
+        <a:scrgbClr r="0" g="0" b="0"/>
+      </a:lnRef>
+      <a:fillRef idx="1">
+        <a:scrgbClr r="0" g="0" b="0"/>
+      </a:fillRef>
+      <a:effectRef idx="0">
+        <a:scrgbClr r="0" g="0" b="0"/>
+      </a:effectRef>
+      <a:fontRef idx="minor">
+        <a:schemeClr val="lt1"/>
+      </a:fontRef>
+    </dgm:style>
+  </dgm:styleLbl>
+  <dgm:styleLbl name="lnNode1">
+    <dgm:scene3d>
+      <a:camera prst="orthographicFront"/>
+      <a:lightRig rig="threePt" dir="t"/>
+    </dgm:scene3d>
+    <dgm:sp3d/>
+    <dgm:txPr/>
+    <dgm:style>
+      <a:lnRef idx="2">
+        <a:scrgbClr r="0" g="0" b="0"/>
+      </a:lnRef>
+      <a:fillRef idx="1">
+        <a:scrgbClr r="0" g="0" b="0"/>
+      </a:fillRef>
+      <a:effectRef idx="0">
+        <a:scrgbClr r="0" g="0" b="0"/>
+      </a:effectRef>
+      <a:fontRef idx="minor">
+        <a:schemeClr val="lt1"/>
+      </a:fontRef>
+    </dgm:style>
+  </dgm:styleLbl>
+  <dgm:styleLbl name="vennNode1">
+    <dgm:scene3d>
+      <a:camera prst="orthographicFront"/>
+      <a:lightRig rig="threePt" dir="t"/>
+    </dgm:scene3d>
+    <dgm:sp3d/>
+    <dgm:txPr/>
+    <dgm:style>
+      <a:lnRef idx="2">
+        <a:scrgbClr r="0" g="0" b="0"/>
+      </a:lnRef>
+      <a:fillRef idx="1">
+        <a:scrgbClr r="0" g="0" b="0"/>
+      </a:fillRef>
+      <a:effectRef idx="0">
+        <a:scrgbClr r="0" g="0" b="0"/>
+      </a:effectRef>
+      <a:fontRef idx="minor">
+        <a:schemeClr val="tx1"/>
+      </a:fontRef>
+    </dgm:style>
+  </dgm:styleLbl>
+  <dgm:styleLbl name="alignNode1">
+    <dgm:scene3d>
+      <a:camera prst="orthographicFront"/>
+      <a:lightRig rig="threePt" dir="t"/>
+    </dgm:scene3d>
+    <dgm:sp3d/>
+    <dgm:txPr/>
+    <dgm:style>
+      <a:lnRef idx="2">
+        <a:scrgbClr r="0" g="0" b="0"/>
+      </a:lnRef>
+      <a:fillRef idx="1">
+        <a:scrgbClr r="0" g="0" b="0"/>
+      </a:fillRef>
+      <a:effectRef idx="0">
+        <a:scrgbClr r="0" g="0" b="0"/>
+      </a:effectRef>
+      <a:fontRef idx="minor">
+        <a:schemeClr val="lt1"/>
+      </a:fontRef>
+    </dgm:style>
+  </dgm:styleLbl>
+  <dgm:styleLbl name="node1">
+    <dgm:scene3d>
+      <a:camera prst="orthographicFront"/>
+      <a:lightRig rig="threePt" dir="t"/>
+    </dgm:scene3d>
+    <dgm:sp3d/>
+    <dgm:txPr/>
+    <dgm:style>
+      <a:lnRef idx="2">
+        <a:scrgbClr r="0" g="0" b="0"/>
+      </a:lnRef>
+      <a:fillRef idx="1">
+        <a:scrgbClr r="0" g="0" b="0"/>
+      </a:fillRef>
+      <a:effectRef idx="0">
+        <a:scrgbClr r="0" g="0" b="0"/>
+      </a:effectRef>
+      <a:fontRef idx="minor">
+        <a:schemeClr val="lt1"/>
+      </a:fontRef>
+    </dgm:style>
+  </dgm:styleLbl>
+  <dgm:styleLbl name="node2">
+    <dgm:scene3d>
+      <a:camera prst="orthographicFront"/>
+      <a:lightRig rig="threePt" dir="t"/>
+    </dgm:scene3d>
+    <dgm:sp3d/>
+    <dgm:txPr/>
+    <dgm:style>
+      <a:lnRef idx="2">
+        <a:scrgbClr r="0" g="0" b="0"/>
+      </a:lnRef>
+      <a:fillRef idx="1">
+        <a:scrgbClr r="0" g="0" b="0"/>
+      </a:fillRef>
+      <a:effectRef idx="0">
+        <a:scrgbClr r="0" g="0" b="0"/>
+      </a:effectRef>
+      <a:fontRef idx="minor">
+        <a:schemeClr val="lt1"/>
+      </a:fontRef>
+    </dgm:style>
+  </dgm:styleLbl>
+  <dgm:styleLbl name="node3">
+    <dgm:scene3d>
+      <a:camera prst="orthographicFront"/>
+      <a:lightRig rig="threePt" dir="t"/>
+    </dgm:scene3d>
+    <dgm:sp3d/>
+    <dgm:txPr/>
+    <dgm:style>
+      <a:lnRef idx="2">
+        <a:scrgbClr r="0" g="0" b="0"/>
+      </a:lnRef>
+      <a:fillRef idx="1">
+        <a:scrgbClr r="0" g="0" b="0"/>
+      </a:fillRef>
+      <a:effectRef idx="0">
+        <a:scrgbClr r="0" g="0" b="0"/>
+      </a:effectRef>
+      <a:fontRef idx="minor">
+        <a:schemeClr val="lt1"/>
+      </a:fontRef>
+    </dgm:style>
+  </dgm:styleLbl>
+  <dgm:styleLbl name="node4">
+    <dgm:scene3d>
+      <a:camera prst="orthographicFront"/>
+      <a:lightRig rig="threePt" dir="t"/>
+    </dgm:scene3d>
+    <dgm:sp3d/>
+    <dgm:txPr/>
+    <dgm:style>
+      <a:lnRef idx="2">
+        <a:scrgbClr r="0" g="0" b="0"/>
+      </a:lnRef>
+      <a:fillRef idx="1">
+        <a:scrgbClr r="0" g="0" b="0"/>
+      </a:fillRef>
+      <a:effectRef idx="0">
+        <a:scrgbClr r="0" g="0" b="0"/>
+      </a:effectRef>
+      <a:fontRef idx="minor">
+        <a:schemeClr val="lt1"/>
+      </a:fontRef>
+    </dgm:style>
+  </dgm:styleLbl>
+  <dgm:styleLbl name="fgImgPlace1">
+    <dgm:scene3d>
+      <a:camera prst="orthographicFront"/>
+      <a:lightRig rig="threePt" dir="t"/>
+    </dgm:scene3d>
+    <dgm:sp3d/>
+    <dgm:txPr/>
+    <dgm:style>
+      <a:lnRef idx="2">
+        <a:scrgbClr r="0" g="0" b="0"/>
+      </a:lnRef>
+      <a:fillRef idx="1">
+        <a:scrgbClr r="0" g="0" b="0"/>
+      </a:fillRef>
+      <a:effectRef idx="0">
+        <a:scrgbClr r="0" g="0" b="0"/>
+      </a:effectRef>
+      <a:fontRef idx="minor"/>
+    </dgm:style>
+  </dgm:styleLbl>
+  <dgm:styleLbl name="alignImgPlace1">
+    <dgm:scene3d>
+      <a:camera prst="orthographicFront"/>
+      <a:lightRig rig="threePt" dir="t"/>
+    </dgm:scene3d>
+    <dgm:sp3d/>
+    <dgm:txPr/>
+    <dgm:style>
+      <a:lnRef idx="2">
+        <a:scrgbClr r="0" g="0" b="0"/>
+      </a:lnRef>
+      <a:fillRef idx="1">
+        <a:scrgbClr r="0" g="0" b="0"/>
+      </a:fillRef>
+      <a:effectRef idx="0">
+        <a:scrgbClr r="0" g="0" b="0"/>
+      </a:effectRef>
+      <a:fontRef idx="minor"/>
+    </dgm:style>
+  </dgm:styleLbl>
+  <dgm:styleLbl name="bgImgPlace1">
+    <dgm:scene3d>
+      <a:camera prst="orthographicFront"/>
+      <a:lightRig rig="threePt" dir="t"/>
+    </dgm:scene3d>
+    <dgm:sp3d/>
+    <dgm:txPr/>
+    <dgm:style>
+      <a:lnRef idx="2">
+        <a:scrgbClr r="0" g="0" b="0"/>
+      </a:lnRef>
+      <a:fillRef idx="1">
+        <a:scrgbClr r="0" g="0" b="0"/>
+      </a:fillRef>
+      <a:effectRef idx="0">
+        <a:scrgbClr r="0" g="0" b="0"/>
+      </a:effectRef>
+      <a:fontRef idx="minor"/>
+    </dgm:style>
+  </dgm:styleLbl>
+  <dgm:styleLbl name="sibTrans2D1">
+    <dgm:scene3d>
+      <a:camera prst="orthographicFront"/>
+      <a:lightRig rig="threePt" dir="t"/>
+    </dgm:scene3d>
+    <dgm:sp3d/>
+    <dgm:txPr/>
+    <dgm:style>
+      <a:lnRef idx="0">
+        <a:scrgbClr r="0" g="0" b="0"/>
+      </a:lnRef>
+      <a:fillRef idx="1">
+        <a:scrgbClr r="0" g="0" b="0"/>
+      </a:fillRef>
+      <a:effectRef idx="0">
+        <a:scrgbClr r="0" g="0" b="0"/>
+      </a:effectRef>
+      <a:fontRef idx="minor">
+        <a:schemeClr val="lt1"/>
+      </a:fontRef>
+    </dgm:style>
+  </dgm:styleLbl>
+  <dgm:styleLbl name="fgSibTrans2D1">
+    <dgm:scene3d>
+      <a:camera prst="orthographicFront"/>
+      <a:lightRig rig="threePt" dir="t"/>
+    </dgm:scene3d>
+    <dgm:sp3d/>
+    <dgm:txPr/>
+    <dgm:style>
+      <a:lnRef idx="0">
+        <a:scrgbClr r="0" g="0" b="0"/>
+      </a:lnRef>
+      <a:fillRef idx="1">
+        <a:scrgbClr r="0" g="0" b="0"/>
+      </a:fillRef>
+      <a:effectRef idx="0">
+        <a:scrgbClr r="0" g="0" b="0"/>
+      </a:effectRef>
+      <a:fontRef idx="minor">
+        <a:schemeClr val="lt1"/>
+      </a:fontRef>
+    </dgm:style>
+  </dgm:styleLbl>
+  <dgm:styleLbl name="bgSibTrans2D1">
+    <dgm:scene3d>
+      <a:camera prst="orthographicFront"/>
+      <a:lightRig rig="threePt" dir="t"/>
+    </dgm:scene3d>
+    <dgm:sp3d/>
+    <dgm:txPr/>
+    <dgm:style>
+      <a:lnRef idx="0">
+        <a:scrgbClr r="0" g="0" b="0"/>
+      </a:lnRef>
+      <a:fillRef idx="1">
+        <a:scrgbClr r="0" g="0" b="0"/>
+      </a:fillRef>
+      <a:effectRef idx="0">
+        <a:scrgbClr r="0" g="0" b="0"/>
+      </a:effectRef>
+      <a:fontRef idx="minor">
+        <a:schemeClr val="lt1"/>
+      </a:fontRef>
+    </dgm:style>
+  </dgm:styleLbl>
+  <dgm:styleLbl name="sibTrans1D1">
+    <dgm:scene3d>
+      <a:camera prst="orthographicFront"/>
+      <a:lightRig rig="threePt" dir="t"/>
+    </dgm:scene3d>
+    <dgm:sp3d/>
+    <dgm:txPr/>
+    <dgm:style>
+      <a:lnRef idx="1">
+        <a:scrgbClr r="0" g="0" b="0"/>
+      </a:lnRef>
+      <a:fillRef idx="0">
+        <a:scrgbClr r="0" g="0" b="0"/>
+      </a:fillRef>
+      <a:effectRef idx="0">
+        <a:scrgbClr r="0" g="0" b="0"/>
+      </a:effectRef>
+      <a:fontRef idx="minor"/>
+    </dgm:style>
+  </dgm:styleLbl>
+  <dgm:styleLbl name="callout">
+    <dgm:scene3d>
+      <a:camera prst="orthographicFront"/>
+      <a:lightRig rig="threePt" dir="t"/>
+    </dgm:scene3d>
+    <dgm:sp3d/>
+    <dgm:txPr/>
+    <dgm:style>
+      <a:lnRef idx="2">
+        <a:scrgbClr r="0" g="0" b="0"/>
+      </a:lnRef>
+      <a:fillRef idx="1">
+        <a:scrgbClr r="0" g="0" b="0"/>
+      </a:fillRef>
+      <a:effectRef idx="0">
+        <a:scrgbClr r="0" g="0" b="0"/>
+      </a:effectRef>
+      <a:fontRef idx="minor"/>
+    </dgm:style>
+  </dgm:styleLbl>
+  <dgm:styleLbl name="asst0">
+    <dgm:scene3d>
+      <a:camera prst="orthographicFront"/>
+      <a:lightRig rig="threePt" dir="t"/>
+    </dgm:scene3d>
+    <dgm:sp3d/>
+    <dgm:txPr/>
+    <dgm:style>
+      <a:lnRef idx="2">
+        <a:scrgbClr r="0" g="0" b="0"/>
+      </a:lnRef>
+      <a:fillRef idx="1">
+        <a:scrgbClr r="0" g="0" b="0"/>
+      </a:fillRef>
+      <a:effectRef idx="0">
+        <a:scrgbClr r="0" g="0" b="0"/>
+      </a:effectRef>
+      <a:fontRef idx="minor">
+        <a:schemeClr val="lt1"/>
+      </a:fontRef>
+    </dgm:style>
+  </dgm:styleLbl>
+  <dgm:styleLbl name="asst1">
+    <dgm:scene3d>
+      <a:camera prst="orthographicFront"/>
+      <a:lightRig rig="threePt" dir="t"/>
+    </dgm:scene3d>
+    <dgm:sp3d/>
+    <dgm:txPr/>
+    <dgm:style>
+      <a:lnRef idx="2">
+        <a:scrgbClr r="0" g="0" b="0"/>
+      </a:lnRef>
+      <a:fillRef idx="1">
+        <a:scrgbClr r="0" g="0" b="0"/>
+      </a:fillRef>
+      <a:effectRef idx="0">
+        <a:scrgbClr r="0" g="0" b="0"/>
+      </a:effectRef>
+      <a:fontRef idx="minor">
+        <a:schemeClr val="lt1"/>
+      </a:fontRef>
+    </dgm:style>
+  </dgm:styleLbl>
+  <dgm:styleLbl name="asst2">
+    <dgm:scene3d>
+      <a:camera prst="orthographicFront"/>
+      <a:lightRig rig="threePt" dir="t"/>
+    </dgm:scene3d>
+    <dgm:sp3d/>
+    <dgm:txPr/>
+    <dgm:style>
+      <a:lnRef idx="2">
+        <a:scrgbClr r="0" g="0" b="0"/>
+      </a:lnRef>
+      <a:fillRef idx="1">
+        <a:scrgbClr r="0" g="0" b="0"/>
+      </a:fillRef>
+      <a:effectRef idx="0">
+        <a:scrgbClr r="0" g="0" b="0"/>
+      </a:effectRef>
+      <a:fontRef idx="minor">
+        <a:schemeClr val="lt1"/>
+      </a:fontRef>
+    </dgm:style>
+  </dgm:styleLbl>
+  <dgm:styleLbl name="asst3">
+    <dgm:scene3d>
+      <a:camera prst="orthographicFront"/>
+      <a:lightRig rig="threePt" dir="t"/>
+    </dgm:scene3d>
+    <dgm:sp3d/>
+    <dgm:txPr/>
+    <dgm:style>
+      <a:lnRef idx="2">
+        <a:scrgbClr r="0" g="0" b="0"/>
+      </a:lnRef>
+      <a:fillRef idx="1">
+        <a:scrgbClr r="0" g="0" b="0"/>
+      </a:fillRef>
+      <a:effectRef idx="0">
+        <a:scrgbClr r="0" g="0" b="0"/>
+      </a:effectRef>
+      <a:fontRef idx="minor">
+        <a:schemeClr val="lt1"/>
+      </a:fontRef>
+    </dgm:style>
+  </dgm:styleLbl>
+  <dgm:styleLbl name="asst4">
+    <dgm:scene3d>
+      <a:camera prst="orthographicFront"/>
+      <a:lightRig rig="threePt" dir="t"/>
+    </dgm:scene3d>
+    <dgm:sp3d/>
+    <dgm:txPr/>
+    <dgm:style>
+      <a:lnRef idx="2">
+        <a:scrgbClr r="0" g="0" b="0"/>
+      </a:lnRef>
+      <a:fillRef idx="1">
+        <a:scrgbClr r="0" g="0" b="0"/>
+      </a:fillRef>
+      <a:effectRef idx="0">
+        <a:scrgbClr r="0" g="0" b="0"/>
+      </a:effectRef>
+      <a:fontRef idx="minor">
+        <a:schemeClr val="lt1"/>
+      </a:fontRef>
+    </dgm:style>
+  </dgm:styleLbl>
+  <dgm:styleLbl name="parChTrans2D1">
+    <dgm:scene3d>
+      <a:camera prst="orthographicFront"/>
+      <a:lightRig rig="threePt" dir="t"/>
+    </dgm:scene3d>
+    <dgm:sp3d/>
+    <dgm:txPr/>
+    <dgm:style>
+      <a:lnRef idx="2">
+        <a:scrgbClr r="0" g="0" b="0"/>
+      </a:lnRef>
+      <a:fillRef idx="1">
+        <a:scrgbClr r="0" g="0" b="0"/>
+      </a:fillRef>
+      <a:effectRef idx="0">
+        <a:scrgbClr r="0" g="0" b="0"/>
+      </a:effectRef>
+      <a:fontRef idx="minor">
+        <a:schemeClr val="lt1"/>
+      </a:fontRef>
+    </dgm:style>
+  </dgm:styleLbl>
+  <dgm:styleLbl name="parChTrans2D2">
+    <dgm:scene3d>
+      <a:camera prst="orthographicFront"/>
+      <a:lightRig rig="threePt" dir="t"/>
+    </dgm:scene3d>
+    <dgm:sp3d/>
+    <dgm:txPr/>
+    <dgm:style>
+      <a:lnRef idx="2">
+        <a:scrgbClr r="0" g="0" b="0"/>
+      </a:lnRef>
+      <a:fillRef idx="1">
+        <a:scrgbClr r="0" g="0" b="0"/>
+      </a:fillRef>
+      <a:effectRef idx="0">
+        <a:scrgbClr r="0" g="0" b="0"/>
+      </a:effectRef>
+      <a:fontRef idx="minor">
+        <a:schemeClr val="lt1"/>
+      </a:fontRef>
+    </dgm:style>
+  </dgm:styleLbl>
+  <dgm:styleLbl name="parChTrans2D3">
+    <dgm:scene3d>
+      <a:camera prst="orthographicFront"/>
+      <a:lightRig rig="threePt" dir="t"/>
+    </dgm:scene3d>
+    <dgm:sp3d/>
+    <dgm:txPr/>
+    <dgm:style>
+      <a:lnRef idx="2">
+        <a:scrgbClr r="0" g="0" b="0"/>
+      </a:lnRef>
+      <a:fillRef idx="1">
+        <a:scrgbClr r="0" g="0" b="0"/>
+      </a:fillRef>
+      <a:effectRef idx="0">
+        <a:scrgbClr r="0" g="0" b="0"/>
+      </a:effectRef>
+      <a:fontRef idx="minor">
+        <a:schemeClr val="lt1"/>
+      </a:fontRef>
+    </dgm:style>
+  </dgm:styleLbl>
+  <dgm:styleLbl name="parChTrans2D4">
+    <dgm:scene3d>
+      <a:camera prst="orthographicFront"/>
+      <a:lightRig rig="threePt" dir="t"/>
+    </dgm:scene3d>
+    <dgm:sp3d/>
+    <dgm:txPr/>
+    <dgm:style>
+      <a:lnRef idx="2">
+        <a:scrgbClr r="0" g="0" b="0"/>
+      </a:lnRef>
+      <a:fillRef idx="1">
+        <a:scrgbClr r="0" g="0" b="0"/>
+      </a:fillRef>
+      <a:effectRef idx="0">
+        <a:scrgbClr r="0" g="0" b="0"/>
+      </a:effectRef>
+      <a:fontRef idx="minor">
+        <a:schemeClr val="lt1"/>
+      </a:fontRef>
+    </dgm:style>
+  </dgm:styleLbl>
+  <dgm:styleLbl name="parChTrans1D1">
+    <dgm:scene3d>
+      <a:camera prst="orthographicFront"/>
+      <a:lightRig rig="threePt" dir="t"/>
+    </dgm:scene3d>
+    <dgm:sp3d/>
+    <dgm:txPr/>
+    <dgm:style>
+      <a:lnRef idx="2">
+        <a:scrgbClr r="0" g="0" b="0"/>
+      </a:lnRef>
+      <a:fillRef idx="0">
+        <a:scrgbClr r="0" g="0" b="0"/>
+      </a:fillRef>
+      <a:effectRef idx="0">
+        <a:scrgbClr r="0" g="0" b="0"/>
+      </a:effectRef>
+      <a:fontRef idx="minor"/>
+    </dgm:style>
+  </dgm:styleLbl>
+  <dgm:styleLbl name="parChTrans1D2">
+    <dgm:scene3d>
+      <a:camera prst="orthographicFront"/>
+      <a:lightRig rig="threePt" dir="t"/>
+    </dgm:scene3d>
+    <dgm:sp3d/>
+    <dgm:txPr/>
+    <dgm:style>
+      <a:lnRef idx="2">
+        <a:scrgbClr r="0" g="0" b="0"/>
+      </a:lnRef>
+      <a:fillRef idx="0">
+        <a:scrgbClr r="0" g="0" b="0"/>
+      </a:fillRef>
+      <a:effectRef idx="0">
+        <a:scrgbClr r="0" g="0" b="0"/>
+      </a:effectRef>
+      <a:fontRef idx="minor"/>
+    </dgm:style>
+  </dgm:styleLbl>
+  <dgm:styleLbl name="parChTrans1D3">
+    <dgm:scene3d>
+      <a:camera prst="orthographicFront"/>
+      <a:lightRig rig="threePt" dir="t"/>
+    </dgm:scene3d>
+    <dgm:sp3d/>
+    <dgm:txPr/>
+    <dgm:style>
+      <a:lnRef idx="2">
+        <a:scrgbClr r="0" g="0" b="0"/>
+      </a:lnRef>
+      <a:fillRef idx="0">
+        <a:scrgbClr r="0" g="0" b="0"/>
+      </a:fillRef>
+      <a:effectRef idx="0">
+        <a:scrgbClr r="0" g="0" b="0"/>
+      </a:effectRef>
+      <a:fontRef idx="minor"/>
+    </dgm:style>
+  </dgm:styleLbl>
+  <dgm:styleLbl name="parChTrans1D4">
+    <dgm:scene3d>
+      <a:camera prst="orthographicFront"/>
+      <a:lightRig rig="threePt" dir="t"/>
+    </dgm:scene3d>
+    <dgm:sp3d/>
+    <dgm:txPr/>
+    <dgm:style>
+      <a:lnRef idx="2">
+        <a:scrgbClr r="0" g="0" b="0"/>
+      </a:lnRef>
+      <a:fillRef idx="0">
+        <a:scrgbClr r="0" g="0" b="0"/>
+      </a:fillRef>
+      <a:effectRef idx="0">
+        <a:scrgbClr r="0" g="0" b="0"/>
+      </a:effectRef>
+      <a:fontRef idx="minor"/>
+    </dgm:style>
+  </dgm:styleLbl>
+  <dgm:styleLbl name="fgAcc1">
+    <dgm:scene3d>
+      <a:camera prst="orthographicFront"/>
+      <a:lightRig rig="threePt" dir="t"/>
+    </dgm:scene3d>
+    <dgm:sp3d/>
+    <dgm:txPr/>
+    <dgm:style>
+      <a:lnRef idx="2">
+        <a:scrgbClr r="0" g="0" b="0"/>
+      </a:lnRef>
+      <a:fillRef idx="1">
+        <a:scrgbClr r="0" g="0" b="0"/>
+      </a:fillRef>
+      <a:effectRef idx="0">
+        <a:scrgbClr r="0" g="0" b="0"/>
+      </a:effectRef>
+      <a:fontRef idx="minor"/>
+    </dgm:style>
+  </dgm:styleLbl>
+  <dgm:styleLbl name="conFgAcc1">
+    <dgm:scene3d>
+      <a:camera prst="orthographicFront"/>
+      <a:lightRig rig="threePt" dir="t"/>
+    </dgm:scene3d>
+    <dgm:sp3d/>
+    <dgm:txPr/>
+    <dgm:style>
+      <a:lnRef idx="2">
+        <a:scrgbClr r="0" g="0" b="0"/>
+      </a:lnRef>
+      <a:fillRef idx="1">
+        <a:scrgbClr r="0" g="0" b="0"/>
+      </a:fillRef>
+      <a:effectRef idx="0">
+        <a:scrgbClr r="0" g="0" b="0"/>
+      </a:effectRef>
+      <a:fontRef idx="minor"/>
+    </dgm:style>
+  </dgm:styleLbl>
+  <dgm:styleLbl name="alignAcc1">
+    <dgm:scene3d>
+      <a:camera prst="orthographicFront"/>
+      <a:lightRig rig="threePt" dir="t"/>
+    </dgm:scene3d>
+    <dgm:sp3d/>
+    <dgm:txPr/>
+    <dgm:style>
+      <a:lnRef idx="2">
+        <a:scrgbClr r="0" g="0" b="0"/>
+      </a:lnRef>
+      <a:fillRef idx="1">
+        <a:scrgbClr r="0" g="0" b="0"/>
+      </a:fillRef>
+      <a:effectRef idx="0">
+        <a:scrgbClr r="0" g="0" b="0"/>
+      </a:effectRef>
+      <a:fontRef idx="minor"/>
+    </dgm:style>
+  </dgm:styleLbl>
+  <dgm:styleLbl name="trAlignAcc1">
+    <dgm:scene3d>
+      <a:camera prst="orthographicFront"/>
+      <a:lightRig rig="threePt" dir="t"/>
+    </dgm:scene3d>
+    <dgm:sp3d/>
+    <dgm:txPr/>
+    <dgm:style>
+      <a:lnRef idx="1">
+        <a:scrgbClr r="0" g="0" b="0"/>
+      </a:lnRef>
+      <a:fillRef idx="1">
+        <a:scrgbClr r="0" g="0" b="0"/>
+      </a:fillRef>
+      <a:effectRef idx="0">
+        <a:scrgbClr r="0" g="0" b="0"/>
+      </a:effectRef>
+      <a:fontRef idx="minor"/>
+    </dgm:style>
+  </dgm:styleLbl>
+  <dgm:styleLbl name="bgAcc1">
+    <dgm:scene3d>
+      <a:camera prst="orthographicFront"/>
+      <a:lightRig rig="threePt" dir="t"/>
+    </dgm:scene3d>
+    <dgm:sp3d/>
+    <dgm:txPr/>
+    <dgm:style>
+      <a:lnRef idx="2">
+        <a:scrgbClr r="0" g="0" b="0"/>
+      </a:lnRef>
+      <a:fillRef idx="1">
+        <a:scrgbClr r="0" g="0" b="0"/>
+      </a:fillRef>
+      <a:effectRef idx="0">
+        <a:scrgbClr r="0" g="0" b="0"/>
+      </a:effectRef>
+      <a:fontRef idx="minor"/>
+    </dgm:style>
+  </dgm:styleLbl>
+  <dgm:styleLbl name="solidFgAcc1">
+    <dgm:scene3d>
+      <a:camera prst="orthographicFront"/>
+      <a:lightRig rig="threePt" dir="t"/>
+    </dgm:scene3d>
+    <dgm:sp3d/>
+    <dgm:txPr/>
+    <dgm:style>
+      <a:lnRef idx="2">
+        <a:scrgbClr r="0" g="0" b="0"/>
+      </a:lnRef>
+      <a:fillRef idx="1">
+        <a:scrgbClr r="0" g="0" b="0"/>
+      </a:fillRef>
+      <a:effectRef idx="0">
+        <a:scrgbClr r="0" g="0" b="0"/>
+      </a:effectRef>
+      <a:fontRef idx="minor"/>
+    </dgm:style>
+  </dgm:styleLbl>
+  <dgm:styleLbl name="solidAlignAcc1">
+    <dgm:scene3d>
+      <a:camera prst="orthographicFront"/>
+      <a:lightRig rig="threePt" dir="t"/>
+    </dgm:scene3d>
+    <dgm:sp3d/>
+    <dgm:txPr/>
+    <dgm:style>
+      <a:lnRef idx="2">
+        <a:scrgbClr r="0" g="0" b="0"/>
+      </a:lnRef>
+      <a:fillRef idx="1">
+        <a:scrgbClr r="0" g="0" b="0"/>
+      </a:fillRef>
+      <a:effectRef idx="0">
+        <a:scrgbClr r="0" g="0" b="0"/>
+      </a:effectRef>
+      <a:fontRef idx="minor"/>
+    </dgm:style>
+  </dgm:styleLbl>
+  <dgm:styleLbl name="solidBgAcc1">
+    <dgm:scene3d>
+      <a:camera prst="orthographicFront"/>
+      <a:lightRig rig="threePt" dir="t"/>
+    </dgm:scene3d>
+    <dgm:sp3d/>
+    <dgm:txPr/>
+    <dgm:style>
+      <a:lnRef idx="2">
+        <a:scrgbClr r="0" g="0" b="0"/>
+      </a:lnRef>
+      <a:fillRef idx="1">
+        <a:scrgbClr r="0" g="0" b="0"/>
+      </a:fillRef>
+      <a:effectRef idx="0">
+        <a:scrgbClr r="0" g="0" b="0"/>
+      </a:effectRef>
+      <a:fontRef idx="minor"/>
+    </dgm:style>
+  </dgm:styleLbl>
+  <dgm:styleLbl name="fgAccFollowNode1">
+    <dgm:scene3d>
+      <a:camera prst="orthographicFront"/>
+      <a:lightRig rig="threePt" dir="t"/>
+    </dgm:scene3d>
+    <dgm:sp3d/>
+    <dgm:txPr/>
+    <dgm:style>
+      <a:lnRef idx="2">
+        <a:scrgbClr r="0" g="0" b="0"/>
+      </a:lnRef>
+      <a:fillRef idx="1">
+        <a:scrgbClr r="0" g="0" b="0"/>
+      </a:fillRef>
+      <a:effectRef idx="0">
+        <a:scrgbClr r="0" g="0" b="0"/>
+      </a:effectRef>
+      <a:fontRef idx="minor"/>
+    </dgm:style>
+  </dgm:styleLbl>
+  <dgm:styleLbl name="alignAccFollowNode1">
+    <dgm:scene3d>
+      <a:camera prst="orthographicFront"/>
+      <a:lightRig rig="threePt" dir="t"/>
+    </dgm:scene3d>
+    <dgm:sp3d/>
+    <dgm:txPr/>
+    <dgm:style>
+      <a:lnRef idx="2">
+        <a:scrgbClr r="0" g="0" b="0"/>
+      </a:lnRef>
+      <a:fillRef idx="1">
+        <a:scrgbClr r="0" g="0" b="0"/>
+      </a:fillRef>
+      <a:effectRef idx="0">
+        <a:scrgbClr r="0" g="0" b="0"/>
+      </a:effectRef>
+      <a:fontRef idx="minor"/>
+    </dgm:style>
+  </dgm:styleLbl>
+  <dgm:styleLbl name="bgAccFollowNode1">
+    <dgm:scene3d>
+      <a:camera prst="orthographicFront"/>
+      <a:lightRig rig="threePt" dir="t"/>
+    </dgm:scene3d>
+    <dgm:sp3d/>
+    <dgm:txPr/>
+    <dgm:style>
+      <a:lnRef idx="2">
+        <a:scrgbClr r="0" g="0" b="0"/>
+      </a:lnRef>
+      <a:fillRef idx="1">
+        <a:scrgbClr r="0" g="0" b="0"/>
+      </a:fillRef>
+      <a:effectRef idx="0">
+        <a:scrgbClr r="0" g="0" b="0"/>
+      </a:effectRef>
+      <a:fontRef idx="minor"/>
+    </dgm:style>
+  </dgm:styleLbl>
+  <dgm:styleLbl name="fgAcc0">
+    <dgm:scene3d>
+      <a:camera prst="orthographicFront"/>
+      <a:lightRig rig="threePt" dir="t"/>
+    </dgm:scene3d>
+    <dgm:sp3d/>
+    <dgm:txPr/>
+    <dgm:style>
+      <a:lnRef idx="2">
+        <a:scrgbClr r="0" g="0" b="0"/>
+      </a:lnRef>
+      <a:fillRef idx="1">
+        <a:scrgbClr r="0" g="0" b="0"/>
+      </a:fillRef>
+      <a:effectRef idx="0">
+        <a:scrgbClr r="0" g="0" b="0"/>
+      </a:effectRef>
+      <a:fontRef idx="minor"/>
+    </dgm:style>
+  </dgm:styleLbl>
+  <dgm:styleLbl name="fgAcc2">
+    <dgm:scene3d>
+      <a:camera prst="orthographicFront"/>
+      <a:lightRig rig="threePt" dir="t"/>
+    </dgm:scene3d>
+    <dgm:sp3d/>
+    <dgm:txPr/>
+    <dgm:style>
+      <a:lnRef idx="2">
+        <a:scrgbClr r="0" g="0" b="0"/>
+      </a:lnRef>
+      <a:fillRef idx="1">
+        <a:scrgbClr r="0" g="0" b="0"/>
+      </a:fillRef>
+      <a:effectRef idx="0">
+        <a:scrgbClr r="0" g="0" b="0"/>
+      </a:effectRef>
+      <a:fontRef idx="minor"/>
+    </dgm:style>
+  </dgm:styleLbl>
+  <dgm:styleLbl name="fgAcc3">
+    <dgm:scene3d>
+      <a:camera prst="orthographicFront"/>
+      <a:lightRig rig="threePt" dir="t"/>
+    </dgm:scene3d>
+    <dgm:sp3d/>
+    <dgm:txPr/>
+    <dgm:style>
+      <a:lnRef idx="2">
+        <a:scrgbClr r="0" g="0" b="0"/>
+      </a:lnRef>
+      <a:fillRef idx="1">
+        <a:scrgbClr r="0" g="0" b="0"/>
+      </a:fillRef>
+      <a:effectRef idx="0">
+        <a:scrgbClr r="0" g="0" b="0"/>
+      </a:effectRef>
+      <a:fontRef idx="minor"/>
+    </dgm:style>
+  </dgm:styleLbl>
+  <dgm:styleLbl name="fgAcc4">
+    <dgm:scene3d>
+      <a:camera prst="orthographicFront"/>
+      <a:lightRig rig="threePt" dir="t"/>
+    </dgm:scene3d>
+    <dgm:sp3d/>
+    <dgm:txPr/>
+    <dgm:style>
+      <a:lnRef idx="2">
+        <a:scrgbClr r="0" g="0" b="0"/>
+      </a:lnRef>
+      <a:fillRef idx="1">
+        <a:scrgbClr r="0" g="0" b="0"/>
+      </a:fillRef>
+      <a:effectRef idx="0">
+        <a:scrgbClr r="0" g="0" b="0"/>
+      </a:effectRef>
+      <a:fontRef idx="minor"/>
+    </dgm:style>
+  </dgm:styleLbl>
+  <dgm:styleLbl name="bgShp">
+    <dgm:scene3d>
+      <a:camera prst="orthographicFront"/>
+      <a:lightRig rig="threePt" dir="t"/>
+    </dgm:scene3d>
+    <dgm:sp3d/>
+    <dgm:txPr/>
+    <dgm:style>
+      <a:lnRef idx="0">
+        <a:scrgbClr r="0" g="0" b="0"/>
+      </a:lnRef>
+      <a:fillRef idx="1">
+        <a:scrgbClr r="0" g="0" b="0"/>
+      </a:fillRef>
+      <a:effectRef idx="0">
+        <a:scrgbClr r="0" g="0" b="0"/>
+      </a:effectRef>
+      <a:fontRef idx="minor"/>
+    </dgm:style>
+  </dgm:styleLbl>
+  <dgm:styleLbl name="dkBgShp">
+    <dgm:scene3d>
+      <a:camera prst="orthographicFront"/>
+      <a:lightRig rig="threePt" dir="t"/>
+    </dgm:scene3d>
+    <dgm:sp3d/>
+    <dgm:txPr/>
+    <dgm:style>
+      <a:lnRef idx="0">
+        <a:scrgbClr r="0" g="0" b="0"/>
+      </a:lnRef>
+      <a:fillRef idx="1">
+        <a:scrgbClr r="0" g="0" b="0"/>
+      </a:fillRef>
+      <a:effectRef idx="0">
+        <a:scrgbClr r="0" g="0" b="0"/>
+      </a:effectRef>
+      <a:fontRef idx="minor"/>
+    </dgm:style>
+  </dgm:styleLbl>
+  <dgm:styleLbl name="trBgShp">
+    <dgm:scene3d>
+      <a:camera prst="orthographicFront"/>
+      <a:lightRig rig="threePt" dir="t"/>
+    </dgm:scene3d>
+    <dgm:sp3d/>
+    <dgm:txPr/>
+    <dgm:style>
+      <a:lnRef idx="0">
+        <a:scrgbClr r="0" g="0" b="0"/>
+      </a:lnRef>
+      <a:fillRef idx="1">
+        <a:scrgbClr r="0" g="0" b="0"/>
+      </a:fillRef>
+      <a:effectRef idx="0">
+        <a:scrgbClr r="0" g="0" b="0"/>
+      </a:effectRef>
+      <a:fontRef idx="minor"/>
+    </dgm:style>
+  </dgm:styleLbl>
+  <dgm:styleLbl name="fgShp">
+    <dgm:scene3d>
+      <a:camera prst="orthographicFront"/>
+      <a:lightRig rig="threePt" dir="t"/>
+    </dgm:scene3d>
+    <dgm:sp3d/>
+    <dgm:txPr/>
+    <dgm:style>
+      <a:lnRef idx="2">
+        <a:scrgbClr r="0" g="0" b="0"/>
+      </a:lnRef>
+      <a:fillRef idx="1">
+        <a:scrgbClr r="0" g="0" b="0"/>
+      </a:fillRef>
+      <a:effectRef idx="0">
+        <a:scrgbClr r="0" g="0" b="0"/>
+      </a:effectRef>
+      <a:fontRef idx="minor"/>
+    </dgm:style>
+  </dgm:styleLbl>
+  <dgm:styleLbl name="revTx">
+    <dgm:scene3d>
+      <a:camera prst="orthographicFront"/>
+      <a:lightRig rig="threePt" dir="t"/>
+    </dgm:scene3d>
+    <dgm:sp3d/>
+    <dgm:txPr/>
+    <dgm:style>
+      <a:lnRef idx="0">
+        <a:scrgbClr r="0" g="0" b="0"/>
+      </a:lnRef>
+      <a:fillRef idx="0">
+        <a:scrgbClr r="0" g="0" b="0"/>
+      </a:fillRef>
+      <a:effectRef idx="0">
+        <a:scrgbClr r="0" g="0" b="0"/>
+      </a:effectRef>
+      <a:fontRef idx="minor"/>
+    </dgm:style>
+  </dgm:styleLbl>
+</dgm:styleDef>
+</file>
+
+<file path=ppt/diagrams/quickStyle4.xml><?xml version="1.0" encoding="utf-8"?>
 <dgm:styleDef xmlns:dgm="http://schemas.openxmlformats.org/drawingml/2006/diagram" xmlns:a="http://schemas.openxmlformats.org/drawingml/2006/main" uniqueId="urn:microsoft.com/office/officeart/2005/8/quickstyle/simple5">
   <dgm:title val=""/>
   <dgm:desc val=""/>
@@ -17226,7 +21089,7 @@
 </dgm:styleDef>
 </file>
 
-<file path=ppt/diagrams/quickStyle4.xml><?xml version="1.0" encoding="utf-8"?>
+<file path=ppt/diagrams/quickStyle5.xml><?xml version="1.0" encoding="utf-8"?>
 <dgm:styleDef xmlns:dgm="http://schemas.openxmlformats.org/drawingml/2006/diagram" xmlns:a="http://schemas.openxmlformats.org/drawingml/2006/main" uniqueId="urn:microsoft.com/office/officeart/2005/8/quickstyle/simple5">
   <dgm:title val=""/>
   <dgm:desc val=""/>
@@ -18824,114 +22687,6 @@
           <a:p>
             <a:pPr marL="0" marR="0" lvl="0" indent="0" algn="l" defTabSz="914400" rtl="0" eaLnBrk="1" fontAlgn="auto" latinLnBrk="0" hangingPunct="1">
               <a:lnSpc>
-                <a:spcPct val="100000"/>
-              </a:lnSpc>
-              <a:spcBef>
-                <a:spcPts val="0"/>
-              </a:spcBef>
-              <a:spcAft>
-                <a:spcPts val="0"/>
-              </a:spcAft>
-              <a:buClrTx/>
-              <a:buSzTx/>
-              <a:buFontTx/>
-              <a:buNone/>
-              <a:defRPr/>
-            </a:pPr>
-            <a:endParaRPr lang="zh-CN" altLang="zh-CN" sz="1200" kern="1200" dirty="0">
-              <a:solidFill>
-                <a:schemeClr val="tx1"/>
-              </a:solidFill>
-              <a:effectLst/>
-              <a:latin typeface="+mn-lt"/>
-              <a:ea typeface="+mn-ea"/>
-              <a:cs typeface="+mn-cs"/>
-            </a:endParaRPr>
-          </a:p>
-        </p:txBody>
-      </p:sp>
-      <p:sp>
-        <p:nvSpPr>
-          <p:cNvPr id="4" name="幻灯片编号占位符 3"/>
-          <p:cNvSpPr>
-            <a:spLocks noGrp="1"/>
-          </p:cNvSpPr>
-          <p:nvPr>
-            <p:ph type="sldNum" sz="quarter" idx="10"/>
-          </p:nvPr>
-        </p:nvSpPr>
-        <p:spPr/>
-        <p:txBody>
-          <a:bodyPr/>
-          <a:lstStyle/>
-          <a:p>
-            <a:fld id="{D6A4FA4F-9867-684F-8B57-47CD0A7C1CFD}" type="slidenum">
-              <a:rPr kumimoji="1" lang="zh-CN" altLang="en-US" smtClean="0"/>
-              <a:t>11</a:t>
-            </a:fld>
-            <a:endParaRPr kumimoji="1" lang="zh-CN" altLang="en-US"/>
-          </a:p>
-        </p:txBody>
-      </p:sp>
-    </p:spTree>
-  </p:cSld>
-  <p:clrMapOvr>
-    <a:masterClrMapping/>
-  </p:clrMapOvr>
-</p:notes>
-</file>
-
-<file path=ppt/notesSlides/notesSlide12.xml><?xml version="1.0" encoding="utf-8"?>
-<p:notes xmlns:a="http://schemas.openxmlformats.org/drawingml/2006/main" xmlns:r="http://schemas.openxmlformats.org/officeDocument/2006/relationships" xmlns:p="http://schemas.openxmlformats.org/presentationml/2006/main">
-  <p:cSld>
-    <p:spTree>
-      <p:nvGrpSpPr>
-        <p:cNvPr id="1" name=""/>
-        <p:cNvGrpSpPr/>
-        <p:nvPr/>
-      </p:nvGrpSpPr>
-      <p:grpSpPr>
-        <a:xfrm>
-          <a:off x="0" y="0"/>
-          <a:ext cx="0" cy="0"/>
-          <a:chOff x="0" y="0"/>
-          <a:chExt cx="0" cy="0"/>
-        </a:xfrm>
-      </p:grpSpPr>
-      <p:sp>
-        <p:nvSpPr>
-          <p:cNvPr id="2" name="幻灯片图像占位符 1"/>
-          <p:cNvSpPr>
-            <a:spLocks noGrp="1" noRot="1" noChangeAspect="1"/>
-          </p:cNvSpPr>
-          <p:nvPr>
-            <p:ph type="sldImg"/>
-          </p:nvPr>
-        </p:nvSpPr>
-        <p:spPr>
-          <a:xfrm>
-            <a:off x="481013" y="1279525"/>
-            <a:ext cx="6140450" cy="3454400"/>
-          </a:xfrm>
-        </p:spPr>
-      </p:sp>
-      <p:sp>
-        <p:nvSpPr>
-          <p:cNvPr id="3" name="备注占位符 2"/>
-          <p:cNvSpPr>
-            <a:spLocks noGrp="1"/>
-          </p:cNvSpPr>
-          <p:nvPr>
-            <p:ph type="body" idx="1"/>
-          </p:nvPr>
-        </p:nvSpPr>
-        <p:spPr/>
-        <p:txBody>
-          <a:bodyPr/>
-          <a:lstStyle/>
-          <a:p>
-            <a:pPr marL="0" marR="0" lvl="0" indent="0" algn="l" defTabSz="914400" rtl="0" eaLnBrk="1" fontAlgn="auto" latinLnBrk="0" hangingPunct="1">
-              <a:lnSpc>
                 <a:spcPct val="150000"/>
               </a:lnSpc>
               <a:spcBef>
@@ -18974,7 +22729,7 @@
           <a:p>
             <a:fld id="{D6A4FA4F-9867-684F-8B57-47CD0A7C1CFD}" type="slidenum">
               <a:rPr kumimoji="1" lang="zh-CN" altLang="en-US" smtClean="0"/>
-              <a:t>12</a:t>
+              <a:t>11</a:t>
             </a:fld>
             <a:endParaRPr kumimoji="1" lang="zh-CN" altLang="en-US"/>
           </a:p>
@@ -18993,7 +22748,7 @@
 </p:notes>
 </file>
 
-<file path=ppt/notesSlides/notesSlide13.xml><?xml version="1.0" encoding="utf-8"?>
+<file path=ppt/notesSlides/notesSlide12.xml><?xml version="1.0" encoding="utf-8"?>
 <p:notes xmlns:a="http://schemas.openxmlformats.org/drawingml/2006/main" xmlns:r="http://schemas.openxmlformats.org/officeDocument/2006/relationships" xmlns:p="http://schemas.openxmlformats.org/presentationml/2006/main">
   <p:cSld>
     <p:spTree>
@@ -19098,7 +22853,7 @@
           <a:p>
             <a:fld id="{D6A4FA4F-9867-684F-8B57-47CD0A7C1CFD}" type="slidenum">
               <a:rPr kumimoji="1" lang="zh-CN" altLang="en-US" smtClean="0"/>
-              <a:t>13</a:t>
+              <a:t>12</a:t>
             </a:fld>
             <a:endParaRPr kumimoji="1" lang="zh-CN" altLang="en-US"/>
           </a:p>
@@ -19117,7 +22872,7 @@
 </p:notes>
 </file>
 
-<file path=ppt/notesSlides/notesSlide14.xml><?xml version="1.0" encoding="utf-8"?>
+<file path=ppt/notesSlides/notesSlide13.xml><?xml version="1.0" encoding="utf-8"?>
 <p:notes xmlns:a="http://schemas.openxmlformats.org/drawingml/2006/main" xmlns:r="http://schemas.openxmlformats.org/officeDocument/2006/relationships" xmlns:p="http://schemas.openxmlformats.org/presentationml/2006/main">
   <p:cSld>
     <p:spTree>
@@ -19234,7 +22989,7 @@
           <a:p>
             <a:fld id="{D6A4FA4F-9867-684F-8B57-47CD0A7C1CFD}" type="slidenum">
               <a:rPr kumimoji="1" lang="zh-CN" altLang="en-US" smtClean="0"/>
-              <a:t>14</a:t>
+              <a:t>13</a:t>
             </a:fld>
             <a:endParaRPr kumimoji="1" lang="zh-CN" altLang="en-US"/>
           </a:p>
@@ -19253,7 +23008,7 @@
 </p:notes>
 </file>
 
-<file path=ppt/notesSlides/notesSlide15.xml><?xml version="1.0" encoding="utf-8"?>
+<file path=ppt/notesSlides/notesSlide14.xml><?xml version="1.0" encoding="utf-8"?>
 <p:notes xmlns:a="http://schemas.openxmlformats.org/drawingml/2006/main" xmlns:r="http://schemas.openxmlformats.org/officeDocument/2006/relationships" xmlns:p="http://schemas.openxmlformats.org/presentationml/2006/main">
   <p:cSld>
     <p:spTree>
@@ -19370,7 +23125,7 @@
           <a:p>
             <a:fld id="{D6A4FA4F-9867-684F-8B57-47CD0A7C1CFD}" type="slidenum">
               <a:rPr kumimoji="1" lang="zh-CN" altLang="en-US" smtClean="0"/>
-              <a:t>15</a:t>
+              <a:t>14</a:t>
             </a:fld>
             <a:endParaRPr kumimoji="1" lang="zh-CN" altLang="en-US"/>
           </a:p>
@@ -19389,119 +23144,7 @@
 </p:notes>
 </file>
 
-<file path=ppt/notesSlides/notesSlide16.xml><?xml version="1.0" encoding="utf-8"?>
-<p:notes xmlns:a="http://schemas.openxmlformats.org/drawingml/2006/main" xmlns:r="http://schemas.openxmlformats.org/officeDocument/2006/relationships" xmlns:p="http://schemas.openxmlformats.org/presentationml/2006/main">
-  <p:cSld>
-    <p:spTree>
-      <p:nvGrpSpPr>
-        <p:cNvPr id="1" name=""/>
-        <p:cNvGrpSpPr/>
-        <p:nvPr/>
-      </p:nvGrpSpPr>
-      <p:grpSpPr>
-        <a:xfrm>
-          <a:off x="0" y="0"/>
-          <a:ext cx="0" cy="0"/>
-          <a:chOff x="0" y="0"/>
-          <a:chExt cx="0" cy="0"/>
-        </a:xfrm>
-      </p:grpSpPr>
-      <p:sp>
-        <p:nvSpPr>
-          <p:cNvPr id="2" name="幻灯片图像占位符 1"/>
-          <p:cNvSpPr>
-            <a:spLocks noGrp="1" noRot="1" noChangeAspect="1"/>
-          </p:cNvSpPr>
-          <p:nvPr>
-            <p:ph type="sldImg"/>
-          </p:nvPr>
-        </p:nvSpPr>
-        <p:spPr>
-          <a:xfrm>
-            <a:off x="481013" y="1279525"/>
-            <a:ext cx="6140450" cy="3454400"/>
-          </a:xfrm>
-        </p:spPr>
-      </p:sp>
-      <p:sp>
-        <p:nvSpPr>
-          <p:cNvPr id="3" name="备注占位符 2"/>
-          <p:cNvSpPr>
-            <a:spLocks noGrp="1"/>
-          </p:cNvSpPr>
-          <p:nvPr>
-            <p:ph type="body" idx="1"/>
-          </p:nvPr>
-        </p:nvSpPr>
-        <p:spPr/>
-        <p:txBody>
-          <a:bodyPr/>
-          <a:lstStyle/>
-          <a:p>
-            <a:pPr marL="0" marR="0" lvl="0" indent="0" algn="l" defTabSz="914400" rtl="0" eaLnBrk="1" fontAlgn="auto" latinLnBrk="0" hangingPunct="1">
-              <a:lnSpc>
-                <a:spcPct val="150000"/>
-              </a:lnSpc>
-              <a:spcBef>
-                <a:spcPts val="0"/>
-              </a:spcBef>
-              <a:spcAft>
-                <a:spcPts val="0"/>
-              </a:spcAft>
-              <a:buClrTx/>
-              <a:buSzTx/>
-              <a:buFont typeface="Arial" panose="020B0604020202090204" pitchFamily="34" charset="0"/>
-              <a:buNone/>
-              <a:tabLst/>
-              <a:defRPr/>
-            </a:pPr>
-            <a:endParaRPr kumimoji="1" lang="zh-CN" altLang="en-US" sz="1200" dirty="0">
-              <a:solidFill>
-                <a:schemeClr val="bg1"/>
-              </a:solidFill>
-              <a:latin typeface="Microsoft YaHei" panose="020B0503020204020204" pitchFamily="34" charset="-122"/>
-              <a:ea typeface="Microsoft YaHei" panose="020B0503020204020204" pitchFamily="34" charset="-122"/>
-            </a:endParaRPr>
-          </a:p>
-        </p:txBody>
-      </p:sp>
-      <p:sp>
-        <p:nvSpPr>
-          <p:cNvPr id="4" name="幻灯片编号占位符 3"/>
-          <p:cNvSpPr>
-            <a:spLocks noGrp="1"/>
-          </p:cNvSpPr>
-          <p:nvPr>
-            <p:ph type="sldNum" sz="quarter" idx="10"/>
-          </p:nvPr>
-        </p:nvSpPr>
-        <p:spPr/>
-        <p:txBody>
-          <a:bodyPr/>
-          <a:lstStyle/>
-          <a:p>
-            <a:fld id="{D6A4FA4F-9867-684F-8B57-47CD0A7C1CFD}" type="slidenum">
-              <a:rPr kumimoji="1" lang="zh-CN" altLang="en-US" smtClean="0"/>
-              <a:t>16</a:t>
-            </a:fld>
-            <a:endParaRPr kumimoji="1" lang="zh-CN" altLang="en-US"/>
-          </a:p>
-        </p:txBody>
-      </p:sp>
-    </p:spTree>
-    <p:extLst>
-      <p:ext uri="{BB962C8B-B14F-4D97-AF65-F5344CB8AC3E}">
-        <p14:creationId xmlns:p14="http://schemas.microsoft.com/office/powerpoint/2010/main" val="1023847767"/>
-      </p:ext>
-    </p:extLst>
-  </p:cSld>
-  <p:clrMapOvr>
-    <a:masterClrMapping/>
-  </p:clrMapOvr>
-</p:notes>
-</file>
-
-<file path=ppt/notesSlides/notesSlide17.xml><?xml version="1.0" encoding="utf-8"?>
+<file path=ppt/notesSlides/notesSlide15.xml><?xml version="1.0" encoding="utf-8"?>
 <p:notes xmlns:a="http://schemas.openxmlformats.org/drawingml/2006/main" xmlns:r="http://schemas.openxmlformats.org/officeDocument/2006/relationships" xmlns:p="http://schemas.openxmlformats.org/presentationml/2006/main">
   <p:cSld>
     <p:spTree>
@@ -19595,7 +23238,7 @@
           <a:p>
             <a:fld id="{D6A4FA4F-9867-684F-8B57-47CD0A7C1CFD}" type="slidenum">
               <a:rPr kumimoji="1" lang="zh-CN" altLang="en-US" smtClean="0"/>
-              <a:t>17</a:t>
+              <a:t>15</a:t>
             </a:fld>
             <a:endParaRPr kumimoji="1" lang="zh-CN" altLang="en-US"/>
           </a:p>
@@ -19615,142 +23258,6 @@
 </file>
 
 <file path=ppt/notesSlides/notesSlide2.xml><?xml version="1.0" encoding="utf-8"?>
-<p:notes xmlns:a="http://schemas.openxmlformats.org/drawingml/2006/main" xmlns:r="http://schemas.openxmlformats.org/officeDocument/2006/relationships" xmlns:p="http://schemas.openxmlformats.org/presentationml/2006/main">
-  <p:cSld>
-    <p:spTree>
-      <p:nvGrpSpPr>
-        <p:cNvPr id="1" name="">
-          <a:extLst>
-            <a:ext uri="{FF2B5EF4-FFF2-40B4-BE49-F238E27FC236}">
-              <a16:creationId xmlns:a16="http://schemas.microsoft.com/office/drawing/2014/main" id="{F32084B2-579B-8CAF-187A-8EFCB67E4DD1}"/>
-            </a:ext>
-          </a:extLst>
-        </p:cNvPr>
-        <p:cNvGrpSpPr/>
-        <p:nvPr/>
-      </p:nvGrpSpPr>
-      <p:grpSpPr>
-        <a:xfrm>
-          <a:off x="0" y="0"/>
-          <a:ext cx="0" cy="0"/>
-          <a:chOff x="0" y="0"/>
-          <a:chExt cx="0" cy="0"/>
-        </a:xfrm>
-      </p:grpSpPr>
-      <p:sp>
-        <p:nvSpPr>
-          <p:cNvPr id="2" name="幻灯片图像占位符 1">
-            <a:extLst>
-              <a:ext uri="{FF2B5EF4-FFF2-40B4-BE49-F238E27FC236}">
-                <a16:creationId xmlns:a16="http://schemas.microsoft.com/office/drawing/2014/main" id="{6F895A3B-99C4-D43A-FA44-C02DD5BDEE93}"/>
-              </a:ext>
-            </a:extLst>
-          </p:cNvPr>
-          <p:cNvSpPr>
-            <a:spLocks noGrp="1" noRot="1" noChangeAspect="1"/>
-          </p:cNvSpPr>
-          <p:nvPr>
-            <p:ph type="sldImg"/>
-          </p:nvPr>
-        </p:nvSpPr>
-        <p:spPr>
-          <a:xfrm>
-            <a:off x="481013" y="1279525"/>
-            <a:ext cx="6140450" cy="3454400"/>
-          </a:xfrm>
-        </p:spPr>
-      </p:sp>
-      <p:sp>
-        <p:nvSpPr>
-          <p:cNvPr id="3" name="备注占位符 2">
-            <a:extLst>
-              <a:ext uri="{FF2B5EF4-FFF2-40B4-BE49-F238E27FC236}">
-                <a16:creationId xmlns:a16="http://schemas.microsoft.com/office/drawing/2014/main" id="{F7118EE4-5DD7-D816-BE15-6EC0084008FC}"/>
-              </a:ext>
-            </a:extLst>
-          </p:cNvPr>
-          <p:cNvSpPr>
-            <a:spLocks noGrp="1"/>
-          </p:cNvSpPr>
-          <p:nvPr>
-            <p:ph type="body" idx="1"/>
-          </p:nvPr>
-        </p:nvSpPr>
-        <p:spPr/>
-        <p:txBody>
-          <a:bodyPr/>
-          <a:lstStyle/>
-          <a:p>
-            <a:pPr marL="0" marR="0" lvl="0" indent="0" algn="l" defTabSz="914400" rtl="0" eaLnBrk="1" fontAlgn="auto" latinLnBrk="0" hangingPunct="1">
-              <a:lnSpc>
-                <a:spcPct val="150000"/>
-              </a:lnSpc>
-              <a:spcBef>
-                <a:spcPts val="0"/>
-              </a:spcBef>
-              <a:spcAft>
-                <a:spcPts val="0"/>
-              </a:spcAft>
-              <a:buClrTx/>
-              <a:buSzTx/>
-              <a:buFont typeface="Arial" panose="020B0604020202090204" pitchFamily="34" charset="0"/>
-              <a:buNone/>
-              <a:tabLst/>
-              <a:defRPr/>
-            </a:pPr>
-            <a:endParaRPr kumimoji="1" lang="zh-CN" altLang="en-US" sz="1200" dirty="0">
-              <a:solidFill>
-                <a:schemeClr val="bg1"/>
-              </a:solidFill>
-              <a:latin typeface="Microsoft YaHei" panose="020B0503020204020204" pitchFamily="34" charset="-122"/>
-              <a:ea typeface="Microsoft YaHei" panose="020B0503020204020204" pitchFamily="34" charset="-122"/>
-            </a:endParaRPr>
-          </a:p>
-        </p:txBody>
-      </p:sp>
-      <p:sp>
-        <p:nvSpPr>
-          <p:cNvPr id="4" name="幻灯片编号占位符 3">
-            <a:extLst>
-              <a:ext uri="{FF2B5EF4-FFF2-40B4-BE49-F238E27FC236}">
-                <a16:creationId xmlns:a16="http://schemas.microsoft.com/office/drawing/2014/main" id="{02611020-0DEC-C053-91E3-CF683012C695}"/>
-              </a:ext>
-            </a:extLst>
-          </p:cNvPr>
-          <p:cNvSpPr>
-            <a:spLocks noGrp="1"/>
-          </p:cNvSpPr>
-          <p:nvPr>
-            <p:ph type="sldNum" sz="quarter" idx="10"/>
-          </p:nvPr>
-        </p:nvSpPr>
-        <p:spPr/>
-        <p:txBody>
-          <a:bodyPr/>
-          <a:lstStyle/>
-          <a:p>
-            <a:fld id="{D6A4FA4F-9867-684F-8B57-47CD0A7C1CFD}" type="slidenum">
-              <a:rPr kumimoji="1" lang="zh-CN" altLang="en-US" smtClean="0"/>
-              <a:t>2</a:t>
-            </a:fld>
-            <a:endParaRPr kumimoji="1" lang="zh-CN" altLang="en-US"/>
-          </a:p>
-        </p:txBody>
-      </p:sp>
-    </p:spTree>
-    <p:extLst>
-      <p:ext uri="{BB962C8B-B14F-4D97-AF65-F5344CB8AC3E}">
-        <p14:creationId xmlns:p14="http://schemas.microsoft.com/office/powerpoint/2010/main" val="1405484694"/>
-      </p:ext>
-    </p:extLst>
-  </p:cSld>
-  <p:clrMapOvr>
-    <a:masterClrMapping/>
-  </p:clrMapOvr>
-</p:notes>
-</file>
-
-<file path=ppt/notesSlides/notesSlide3.xml><?xml version="1.0" encoding="utf-8"?>
 <p:notes xmlns:a="http://schemas.openxmlformats.org/drawingml/2006/main" xmlns:r="http://schemas.openxmlformats.org/officeDocument/2006/relationships" xmlns:p="http://schemas.openxmlformats.org/presentationml/2006/main">
   <p:cSld>
     <p:spTree>
@@ -19866,7 +23373,7 @@
           <a:p>
             <a:fld id="{D6A4FA4F-9867-684F-8B57-47CD0A7C1CFD}" type="slidenum">
               <a:rPr kumimoji="1" lang="zh-CN" altLang="en-US" smtClean="0"/>
-              <a:t>3</a:t>
+              <a:t>2</a:t>
             </a:fld>
             <a:endParaRPr kumimoji="1" lang="zh-CN" altLang="en-US"/>
           </a:p>
@@ -19885,7 +23392,7 @@
 </p:notes>
 </file>
 
-<file path=ppt/notesSlides/notesSlide4.xml><?xml version="1.0" encoding="utf-8"?>
+<file path=ppt/notesSlides/notesSlide3.xml><?xml version="1.0" encoding="utf-8"?>
 <p:notes xmlns:a="http://schemas.openxmlformats.org/drawingml/2006/main" xmlns:r="http://schemas.openxmlformats.org/officeDocument/2006/relationships" xmlns:p="http://schemas.openxmlformats.org/presentationml/2006/main">
   <p:cSld>
     <p:spTree>
@@ -19977,7 +23484,7 @@
           <a:p>
             <a:fld id="{D6A4FA4F-9867-684F-8B57-47CD0A7C1CFD}" type="slidenum">
               <a:rPr kumimoji="1" lang="zh-CN" altLang="en-US" smtClean="0"/>
-              <a:t>4</a:t>
+              <a:t>3</a:t>
             </a:fld>
             <a:endParaRPr kumimoji="1" lang="zh-CN" altLang="en-US"/>
           </a:p>
@@ -19991,7 +23498,7 @@
 </p:notes>
 </file>
 
-<file path=ppt/notesSlides/notesSlide5.xml><?xml version="1.0" encoding="utf-8"?>
+<file path=ppt/notesSlides/notesSlide4.xml><?xml version="1.0" encoding="utf-8"?>
 <p:notes xmlns:a="http://schemas.openxmlformats.org/drawingml/2006/main" xmlns:r="http://schemas.openxmlformats.org/officeDocument/2006/relationships" xmlns:p="http://schemas.openxmlformats.org/presentationml/2006/main">
   <p:cSld>
     <p:spTree>
@@ -20085,7 +23592,7 @@
           <a:p>
             <a:fld id="{D6A4FA4F-9867-684F-8B57-47CD0A7C1CFD}" type="slidenum">
               <a:rPr kumimoji="1" lang="zh-CN" altLang="en-US" smtClean="0"/>
-              <a:t>5</a:t>
+              <a:t>4</a:t>
             </a:fld>
             <a:endParaRPr kumimoji="1" lang="zh-CN" altLang="en-US"/>
           </a:p>
@@ -20099,7 +23606,7 @@
 </p:notes>
 </file>
 
-<file path=ppt/notesSlides/notesSlide6.xml><?xml version="1.0" encoding="utf-8"?>
+<file path=ppt/notesSlides/notesSlide5.xml><?xml version="1.0" encoding="utf-8"?>
 <p:notes xmlns:a="http://schemas.openxmlformats.org/drawingml/2006/main" xmlns:r="http://schemas.openxmlformats.org/officeDocument/2006/relationships" xmlns:p="http://schemas.openxmlformats.org/presentationml/2006/main">
   <p:cSld>
     <p:spTree>
@@ -20216,7 +23723,7 @@
           <a:p>
             <a:fld id="{D6A4FA4F-9867-684F-8B57-47CD0A7C1CFD}" type="slidenum">
               <a:rPr kumimoji="1" lang="zh-CN" altLang="en-US" smtClean="0"/>
-              <a:t>6</a:t>
+              <a:t>5</a:t>
             </a:fld>
             <a:endParaRPr kumimoji="1" lang="zh-CN" altLang="en-US"/>
           </a:p>
@@ -20228,6 +23735,112 @@
         <p14:creationId xmlns:p14="http://schemas.microsoft.com/office/powerpoint/2010/main" val="439938952"/>
       </p:ext>
     </p:extLst>
+  </p:cSld>
+  <p:clrMapOvr>
+    <a:masterClrMapping/>
+  </p:clrMapOvr>
+</p:notes>
+</file>
+
+<file path=ppt/notesSlides/notesSlide6.xml><?xml version="1.0" encoding="utf-8"?>
+<p:notes xmlns:a="http://schemas.openxmlformats.org/drawingml/2006/main" xmlns:r="http://schemas.openxmlformats.org/officeDocument/2006/relationships" xmlns:p="http://schemas.openxmlformats.org/presentationml/2006/main">
+  <p:cSld>
+    <p:spTree>
+      <p:nvGrpSpPr>
+        <p:cNvPr id="1" name=""/>
+        <p:cNvGrpSpPr/>
+        <p:nvPr/>
+      </p:nvGrpSpPr>
+      <p:grpSpPr>
+        <a:xfrm>
+          <a:off x="0" y="0"/>
+          <a:ext cx="0" cy="0"/>
+          <a:chOff x="0" y="0"/>
+          <a:chExt cx="0" cy="0"/>
+        </a:xfrm>
+      </p:grpSpPr>
+      <p:sp>
+        <p:nvSpPr>
+          <p:cNvPr id="2" name="幻灯片图像占位符 1"/>
+          <p:cNvSpPr>
+            <a:spLocks noGrp="1" noRot="1" noChangeAspect="1"/>
+          </p:cNvSpPr>
+          <p:nvPr>
+            <p:ph type="sldImg"/>
+          </p:nvPr>
+        </p:nvSpPr>
+        <p:spPr>
+          <a:xfrm>
+            <a:off x="481013" y="1279525"/>
+            <a:ext cx="6140450" cy="3454400"/>
+          </a:xfrm>
+        </p:spPr>
+      </p:sp>
+      <p:sp>
+        <p:nvSpPr>
+          <p:cNvPr id="3" name="备注占位符 2"/>
+          <p:cNvSpPr>
+            <a:spLocks noGrp="1"/>
+          </p:cNvSpPr>
+          <p:nvPr>
+            <p:ph type="body" idx="1"/>
+          </p:nvPr>
+        </p:nvSpPr>
+        <p:spPr/>
+        <p:txBody>
+          <a:bodyPr/>
+          <a:lstStyle/>
+          <a:p>
+            <a:pPr marL="0" marR="0" lvl="0" indent="0" algn="l" defTabSz="914400" rtl="0" eaLnBrk="1" fontAlgn="auto" latinLnBrk="0" hangingPunct="1">
+              <a:lnSpc>
+                <a:spcPct val="150000"/>
+              </a:lnSpc>
+              <a:spcBef>
+                <a:spcPts val="0"/>
+              </a:spcBef>
+              <a:spcAft>
+                <a:spcPts val="0"/>
+              </a:spcAft>
+              <a:buClrTx/>
+              <a:buSzTx/>
+              <a:buFont typeface="Arial" panose="020B0604020202020204" pitchFamily="34" charset="0"/>
+              <a:buNone/>
+              <a:defRPr/>
+            </a:pPr>
+            <a:endParaRPr kumimoji="1" lang="zh-CN" altLang="en-US" sz="1200" dirty="0">
+              <a:solidFill>
+                <a:schemeClr val="bg1"/>
+              </a:solidFill>
+              <a:latin typeface="微软雅黑" panose="020B0503020204020204" charset="-122"/>
+              <a:ea typeface="微软雅黑" panose="020B0503020204020204" charset="-122"/>
+            </a:endParaRPr>
+          </a:p>
+        </p:txBody>
+      </p:sp>
+      <p:sp>
+        <p:nvSpPr>
+          <p:cNvPr id="4" name="幻灯片编号占位符 3"/>
+          <p:cNvSpPr>
+            <a:spLocks noGrp="1"/>
+          </p:cNvSpPr>
+          <p:nvPr>
+            <p:ph type="sldNum" sz="quarter" idx="10"/>
+          </p:nvPr>
+        </p:nvSpPr>
+        <p:spPr/>
+        <p:txBody>
+          <a:bodyPr/>
+          <a:lstStyle/>
+          <a:p>
+            <a:fld id="{D6A4FA4F-9867-684F-8B57-47CD0A7C1CFD}" type="slidenum">
+              <a:rPr kumimoji="1" lang="zh-CN" altLang="en-US" smtClean="0"/>
+              <a:t>6</a:t>
+            </a:fld>
+            <a:endParaRPr kumimoji="1" lang="zh-CN" altLang="en-US"/>
+          </a:p>
+        </p:txBody>
+      </p:sp>
+    </p:spTree>
   </p:cSld>
   <p:clrMapOvr>
     <a:masterClrMapping/>
@@ -20410,8 +24023,8 @@
               <a:solidFill>
                 <a:schemeClr val="bg1"/>
               </a:solidFill>
-              <a:latin typeface="微软雅黑" panose="020B0503020204020204" charset="-122"/>
-              <a:ea typeface="微软雅黑" panose="020B0503020204020204" charset="-122"/>
+              <a:latin typeface="微软雅黑" panose="020B0503020204020204" pitchFamily="34" charset="-122"/>
+              <a:ea typeface="微软雅黑" panose="020B0503020204020204" pitchFamily="34" charset="-122"/>
             </a:endParaRPr>
           </a:p>
         </p:txBody>
@@ -20498,7 +24111,7 @@
           <a:p>
             <a:pPr marL="0" marR="0" lvl="0" indent="0" algn="l" defTabSz="914400" rtl="0" eaLnBrk="1" fontAlgn="auto" latinLnBrk="0" hangingPunct="1">
               <a:lnSpc>
-                <a:spcPct val="150000"/>
+                <a:spcPct val="100000"/>
               </a:lnSpc>
               <a:spcBef>
                 <a:spcPts val="0"/>
@@ -20508,16 +24121,18 @@
               </a:spcAft>
               <a:buClrTx/>
               <a:buSzTx/>
-              <a:buFont typeface="Arial" panose="020B0604020202020204" pitchFamily="34" charset="0"/>
+              <a:buFontTx/>
               <a:buNone/>
               <a:defRPr/>
             </a:pPr>
-            <a:endParaRPr kumimoji="1" lang="zh-CN" altLang="en-US" sz="1200" dirty="0">
+            <a:endParaRPr lang="zh-CN" altLang="zh-CN" sz="1200" kern="1200" dirty="0">
               <a:solidFill>
-                <a:schemeClr val="bg1"/>
+                <a:schemeClr val="tx1"/>
               </a:solidFill>
-              <a:latin typeface="微软雅黑" panose="020B0503020204020204" pitchFamily="34" charset="-122"/>
-              <a:ea typeface="微软雅黑" panose="020B0503020204020204" pitchFamily="34" charset="-122"/>
+              <a:effectLst/>
+              <a:latin typeface="+mn-lt"/>
+              <a:ea typeface="+mn-ea"/>
+              <a:cs typeface="+mn-cs"/>
             </a:endParaRPr>
           </a:p>
         </p:txBody>
@@ -23696,698 +27311,6 @@
         <p:spPr>
           <a:xfrm flipH="1">
             <a:off x="549910" y="163830"/>
-            <a:ext cx="6599032" cy="706755"/>
-          </a:xfrm>
-          <a:prstGeom prst="rect">
-            <a:avLst/>
-          </a:prstGeom>
-          <a:noFill/>
-        </p:spPr>
-        <p:txBody>
-          <a:bodyPr wrap="square" rtlCol="0">
-            <a:spAutoFit/>
-          </a:bodyPr>
-          <a:lstStyle>
-            <a:defPPr>
-              <a:defRPr lang="zh-CN"/>
-            </a:defPPr>
-            <a:lvl1pPr marL="0" algn="l" defTabSz="914400" rtl="0" eaLnBrk="1" latinLnBrk="0" hangingPunct="1">
-              <a:defRPr sz="1800" kern="1200">
-                <a:solidFill>
-                  <a:schemeClr val="tx1"/>
-                </a:solidFill>
-                <a:latin typeface="+mn-lt"/>
-                <a:ea typeface="+mn-ea"/>
-                <a:cs typeface="+mn-cs"/>
-              </a:defRPr>
-            </a:lvl1pPr>
-            <a:lvl2pPr marL="457200" algn="l" defTabSz="914400" rtl="0" eaLnBrk="1" latinLnBrk="0" hangingPunct="1">
-              <a:defRPr sz="1800" kern="1200">
-                <a:solidFill>
-                  <a:schemeClr val="tx1"/>
-                </a:solidFill>
-                <a:latin typeface="+mn-lt"/>
-                <a:ea typeface="+mn-ea"/>
-                <a:cs typeface="+mn-cs"/>
-              </a:defRPr>
-            </a:lvl2pPr>
-            <a:lvl3pPr marL="914400" algn="l" defTabSz="914400" rtl="0" eaLnBrk="1" latinLnBrk="0" hangingPunct="1">
-              <a:defRPr sz="1800" kern="1200">
-                <a:solidFill>
-                  <a:schemeClr val="tx1"/>
-                </a:solidFill>
-                <a:latin typeface="+mn-lt"/>
-                <a:ea typeface="+mn-ea"/>
-                <a:cs typeface="+mn-cs"/>
-              </a:defRPr>
-            </a:lvl3pPr>
-            <a:lvl4pPr marL="1371600" algn="l" defTabSz="914400" rtl="0" eaLnBrk="1" latinLnBrk="0" hangingPunct="1">
-              <a:defRPr sz="1800" kern="1200">
-                <a:solidFill>
-                  <a:schemeClr val="tx1"/>
-                </a:solidFill>
-                <a:latin typeface="+mn-lt"/>
-                <a:ea typeface="+mn-ea"/>
-                <a:cs typeface="+mn-cs"/>
-              </a:defRPr>
-            </a:lvl4pPr>
-            <a:lvl5pPr marL="1828800" algn="l" defTabSz="914400" rtl="0" eaLnBrk="1" latinLnBrk="0" hangingPunct="1">
-              <a:defRPr sz="1800" kern="1200">
-                <a:solidFill>
-                  <a:schemeClr val="tx1"/>
-                </a:solidFill>
-                <a:latin typeface="+mn-lt"/>
-                <a:ea typeface="+mn-ea"/>
-                <a:cs typeface="+mn-cs"/>
-              </a:defRPr>
-            </a:lvl5pPr>
-            <a:lvl6pPr marL="2286000" algn="l" defTabSz="914400" rtl="0" eaLnBrk="1" latinLnBrk="0" hangingPunct="1">
-              <a:defRPr sz="1800" kern="1200">
-                <a:solidFill>
-                  <a:schemeClr val="tx1"/>
-                </a:solidFill>
-                <a:latin typeface="+mn-lt"/>
-                <a:ea typeface="+mn-ea"/>
-                <a:cs typeface="+mn-cs"/>
-              </a:defRPr>
-            </a:lvl6pPr>
-            <a:lvl7pPr marL="2743200" algn="l" defTabSz="914400" rtl="0" eaLnBrk="1" latinLnBrk="0" hangingPunct="1">
-              <a:defRPr sz="1800" kern="1200">
-                <a:solidFill>
-                  <a:schemeClr val="tx1"/>
-                </a:solidFill>
-                <a:latin typeface="+mn-lt"/>
-                <a:ea typeface="+mn-ea"/>
-                <a:cs typeface="+mn-cs"/>
-              </a:defRPr>
-            </a:lvl7pPr>
-            <a:lvl8pPr marL="3200400" algn="l" defTabSz="914400" rtl="0" eaLnBrk="1" latinLnBrk="0" hangingPunct="1">
-              <a:defRPr sz="1800" kern="1200">
-                <a:solidFill>
-                  <a:schemeClr val="tx1"/>
-                </a:solidFill>
-                <a:latin typeface="+mn-lt"/>
-                <a:ea typeface="+mn-ea"/>
-                <a:cs typeface="+mn-cs"/>
-              </a:defRPr>
-            </a:lvl8pPr>
-            <a:lvl9pPr marL="3657600" algn="l" defTabSz="914400" rtl="0" eaLnBrk="1" latinLnBrk="0" hangingPunct="1">
-              <a:defRPr sz="1800" kern="1200">
-                <a:solidFill>
-                  <a:schemeClr val="tx1"/>
-                </a:solidFill>
-                <a:latin typeface="+mn-lt"/>
-                <a:ea typeface="+mn-ea"/>
-                <a:cs typeface="+mn-cs"/>
-              </a:defRPr>
-            </a:lvl9pPr>
-          </a:lstStyle>
-          <a:p>
-            <a:pPr lvl="0">
-              <a:defRPr/>
-            </a:pPr>
-            <a:r>
-              <a:rPr lang="zh-CN" altLang="en-US" sz="4000" b="1" dirty="0">
-                <a:solidFill>
-                  <a:srgbClr val="9A1F2D"/>
-                </a:solidFill>
-                <a:latin typeface="微软雅黑" panose="020B0503020204020204" pitchFamily="34" charset="-122"/>
-                <a:ea typeface="微软雅黑" panose="020B0503020204020204" pitchFamily="34" charset="-122"/>
-                <a:sym typeface="Helvetica Light"/>
-              </a:rPr>
-              <a:t>中间代码优化</a:t>
-            </a:r>
-          </a:p>
-        </p:txBody>
-      </p:sp>
-      <p:grpSp>
-        <p:nvGrpSpPr>
-          <p:cNvPr id="4" name="组 2"/>
-          <p:cNvGrpSpPr/>
-          <p:nvPr/>
-        </p:nvGrpSpPr>
-        <p:grpSpPr>
-          <a:xfrm>
-            <a:off x="257175" y="299720"/>
-            <a:ext cx="250825" cy="394335"/>
-            <a:chOff x="199895" y="181334"/>
-            <a:chExt cx="315595" cy="560705"/>
-          </a:xfrm>
-          <a:solidFill>
-            <a:schemeClr val="bg1"/>
-          </a:solidFill>
-        </p:grpSpPr>
-        <p:sp>
-          <p:nvSpPr>
-            <p:cNvPr id="29" name="矩形 28"/>
-            <p:cNvSpPr/>
-            <p:nvPr>
-              <p:custDataLst>
-                <p:tags r:id="rId1"/>
-              </p:custDataLst>
-            </p:nvPr>
-          </p:nvSpPr>
-          <p:spPr>
-            <a:xfrm>
-              <a:off x="199895" y="181334"/>
-              <a:ext cx="223520" cy="560705"/>
-            </a:xfrm>
-            <a:prstGeom prst="rect">
-              <a:avLst/>
-            </a:prstGeom>
-            <a:solidFill>
-              <a:srgbClr val="951F2F"/>
-            </a:solidFill>
-            <a:ln>
-              <a:noFill/>
-            </a:ln>
-          </p:spPr>
-          <p:style>
-            <a:lnRef idx="2">
-              <a:schemeClr val="accent1">
-                <a:shade val="50000"/>
-              </a:schemeClr>
-            </a:lnRef>
-            <a:fillRef idx="1">
-              <a:schemeClr val="accent1"/>
-            </a:fillRef>
-            <a:effectRef idx="0">
-              <a:schemeClr val="accent1"/>
-            </a:effectRef>
-            <a:fontRef idx="minor">
-              <a:schemeClr val="lt1"/>
-            </a:fontRef>
-          </p:style>
-          <p:txBody>
-            <a:bodyPr wrap="square" rtlCol="0" anchor="ctr">
-              <a:normAutofit/>
-            </a:bodyPr>
-            <a:lstStyle/>
-            <a:p>
-              <a:pPr algn="ctr"/>
-              <a:endParaRPr lang="zh-CN" altLang="en-US" sz="1320">
-                <a:solidFill>
-                  <a:srgbClr val="2A608D"/>
-                </a:solidFill>
-              </a:endParaRPr>
-            </a:p>
-          </p:txBody>
-        </p:sp>
-        <p:cxnSp>
-          <p:nvCxnSpPr>
-            <p:cNvPr id="30" name="直接连接符 4"/>
-            <p:cNvCxnSpPr/>
-            <p:nvPr>
-              <p:custDataLst>
-                <p:tags r:id="rId2"/>
-              </p:custDataLst>
-            </p:nvPr>
-          </p:nvCxnSpPr>
-          <p:spPr>
-            <a:xfrm>
-              <a:off x="515490" y="181334"/>
-              <a:ext cx="0" cy="560705"/>
-            </a:xfrm>
-            <a:prstGeom prst="line">
-              <a:avLst/>
-            </a:prstGeom>
-            <a:grpFill/>
-            <a:ln w="38100">
-              <a:solidFill>
-                <a:schemeClr val="accent5"/>
-              </a:solidFill>
-            </a:ln>
-          </p:spPr>
-          <p:style>
-            <a:lnRef idx="1">
-              <a:schemeClr val="accent1"/>
-            </a:lnRef>
-            <a:fillRef idx="0">
-              <a:schemeClr val="accent1"/>
-            </a:fillRef>
-            <a:effectRef idx="0">
-              <a:schemeClr val="accent1"/>
-            </a:effectRef>
-            <a:fontRef idx="minor">
-              <a:schemeClr val="tx1"/>
-            </a:fontRef>
-          </p:style>
-        </p:cxnSp>
-      </p:grpSp>
-      <p:sp>
-        <p:nvSpPr>
-          <p:cNvPr id="10" name="文本框 6"/>
-          <p:cNvSpPr txBox="1"/>
-          <p:nvPr/>
-        </p:nvSpPr>
-        <p:spPr>
-          <a:xfrm>
-            <a:off x="5516245" y="2809875"/>
-            <a:ext cx="7160895" cy="1938020"/>
-          </a:xfrm>
-          <a:prstGeom prst="rect">
-            <a:avLst/>
-          </a:prstGeom>
-          <a:noFill/>
-        </p:spPr>
-        <p:txBody>
-          <a:bodyPr wrap="square" rtlCol="0">
-            <a:spAutoFit/>
-          </a:bodyPr>
-          <a:lstStyle/>
-          <a:p>
-            <a:pPr>
-              <a:lnSpc>
-                <a:spcPct val="150000"/>
-              </a:lnSpc>
-            </a:pPr>
-            <a:endParaRPr lang="en-US" altLang="zh-CN" sz="2000" b="1" dirty="0">
-              <a:latin typeface="微软雅黑 Light" panose="020B0502040204020203" pitchFamily="34" charset="-122"/>
-              <a:ea typeface="微软雅黑 Light" panose="020B0502040204020203" pitchFamily="34" charset="-122"/>
-            </a:endParaRPr>
-          </a:p>
-          <a:p>
-            <a:pPr>
-              <a:lnSpc>
-                <a:spcPct val="150000"/>
-              </a:lnSpc>
-            </a:pPr>
-            <a:r>
-              <a:rPr lang="en-US" altLang="zh-CN" sz="2000" b="1" dirty="0">
-                <a:latin typeface="微软雅黑 Light" panose="020B0502040204020203" pitchFamily="34" charset="-122"/>
-                <a:ea typeface="微软雅黑 Light" panose="020B0502040204020203" pitchFamily="34" charset="-122"/>
-              </a:rPr>
-              <a:t>- </a:t>
-            </a:r>
-            <a:r>
-              <a:rPr lang="zh-CN" altLang="en-US" sz="2000" b="1" dirty="0">
-                <a:latin typeface="微软雅黑 Light" panose="020B0502040204020203" pitchFamily="34" charset="-122"/>
-                <a:ea typeface="微软雅黑 Light" panose="020B0502040204020203" pitchFamily="34" charset="-122"/>
-              </a:rPr>
-              <a:t>早期变换（展开</a:t>
-            </a:r>
-            <a:r>
-              <a:rPr lang="en-US" altLang="zh-CN" sz="2000" b="1" dirty="0">
-                <a:latin typeface="微软雅黑 Light" panose="020B0502040204020203" pitchFamily="34" charset="-122"/>
-                <a:ea typeface="微软雅黑 Light" panose="020B0502040204020203" pitchFamily="34" charset="-122"/>
-              </a:rPr>
-              <a:t>/</a:t>
-            </a:r>
-            <a:r>
-              <a:rPr lang="zh-CN" altLang="en-US" sz="2000" b="1" dirty="0">
-                <a:latin typeface="微软雅黑 Light" panose="020B0502040204020203" pitchFamily="34" charset="-122"/>
-                <a:ea typeface="微软雅黑 Light" panose="020B0502040204020203" pitchFamily="34" charset="-122"/>
-              </a:rPr>
-              <a:t>内联）后接折叠</a:t>
-            </a:r>
-            <a:r>
-              <a:rPr lang="en-US" altLang="zh-CN" sz="2000" b="1" dirty="0">
-                <a:latin typeface="微软雅黑 Light" panose="020B0502040204020203" pitchFamily="34" charset="-122"/>
-                <a:ea typeface="微软雅黑 Light" panose="020B0502040204020203" pitchFamily="34" charset="-122"/>
-              </a:rPr>
-              <a:t>/</a:t>
-            </a:r>
-            <a:r>
-              <a:rPr lang="zh-CN" altLang="en-US" sz="2000" b="1" dirty="0">
-                <a:latin typeface="微软雅黑 Light" panose="020B0502040204020203" pitchFamily="34" charset="-122"/>
-                <a:ea typeface="微软雅黑 Light" panose="020B0502040204020203" pitchFamily="34" charset="-122"/>
-              </a:rPr>
-              <a:t>清理，促进优化叠加</a:t>
-            </a:r>
-          </a:p>
-          <a:p>
-            <a:pPr>
-              <a:lnSpc>
-                <a:spcPct val="150000"/>
-              </a:lnSpc>
-            </a:pPr>
-            <a:r>
-              <a:rPr lang="en-US" altLang="zh-CN" sz="2000" b="1" dirty="0">
-                <a:latin typeface="微软雅黑 Light" panose="020B0502040204020203" pitchFamily="34" charset="-122"/>
-                <a:ea typeface="微软雅黑 Light" panose="020B0502040204020203" pitchFamily="34" charset="-122"/>
-              </a:rPr>
-              <a:t>- </a:t>
-            </a:r>
-            <a:r>
-              <a:rPr lang="zh-CN" altLang="en-US" sz="2000" b="1" dirty="0">
-                <a:latin typeface="微软雅黑 Light" panose="020B0502040204020203" pitchFamily="34" charset="-122"/>
-                <a:ea typeface="微软雅黑 Light" panose="020B0502040204020203" pitchFamily="34" charset="-122"/>
-              </a:rPr>
-              <a:t>每轮后清理常量与有用集，避免状态污染</a:t>
-            </a:r>
-          </a:p>
-          <a:p>
-            <a:pPr>
-              <a:lnSpc>
-                <a:spcPct val="150000"/>
-              </a:lnSpc>
-            </a:pPr>
-            <a:endParaRPr lang="zh-CN" altLang="en-US" sz="2000" b="1" dirty="0">
-              <a:latin typeface="微软雅黑 Light" panose="020B0502040204020203" pitchFamily="34" charset="-122"/>
-              <a:ea typeface="微软雅黑 Light" panose="020B0502040204020203" pitchFamily="34" charset="-122"/>
-            </a:endParaRPr>
-          </a:p>
-        </p:txBody>
-      </p:sp>
-      <p:sp>
-        <p:nvSpPr>
-          <p:cNvPr id="11" name="文本框 10"/>
-          <p:cNvSpPr txBox="1"/>
-          <p:nvPr/>
-        </p:nvSpPr>
-        <p:spPr>
-          <a:xfrm>
-            <a:off x="7148830" y="2929255"/>
-            <a:ext cx="6096000" cy="398780"/>
-          </a:xfrm>
-          <a:prstGeom prst="rect">
-            <a:avLst/>
-          </a:prstGeom>
-          <a:noFill/>
-        </p:spPr>
-        <p:txBody>
-          <a:bodyPr wrap="square" rtlCol="0" anchor="t">
-            <a:spAutoFit/>
-          </a:bodyPr>
-          <a:lstStyle/>
-          <a:p>
-            <a:r>
-              <a:rPr lang="zh-CN" altLang="en-US" sz="2000" dirty="0">
-                <a:solidFill>
-                  <a:srgbClr val="C00000"/>
-                </a:solidFill>
-                <a:latin typeface="隶书" panose="02010509060101010101" charset="-122"/>
-                <a:ea typeface="隶书" panose="02010509060101010101" charset="-122"/>
-                <a:cs typeface="隶书" panose="02010509060101010101" charset="-122"/>
-              </a:rPr>
-              <a:t>先</a:t>
-            </a:r>
-            <a:r>
-              <a:rPr lang="en-US" altLang="zh-CN" sz="2000" dirty="0">
-                <a:solidFill>
-                  <a:srgbClr val="C00000"/>
-                </a:solidFill>
-                <a:latin typeface="隶书" panose="02010509060101010101" charset="-122"/>
-                <a:ea typeface="隶书" panose="02010509060101010101" charset="-122"/>
-                <a:cs typeface="隶书" panose="02010509060101010101" charset="-122"/>
-              </a:rPr>
-              <a:t>“</a:t>
-            </a:r>
-            <a:r>
-              <a:rPr lang="zh-CN" altLang="en-US" sz="2000" dirty="0">
-                <a:solidFill>
-                  <a:srgbClr val="C00000"/>
-                </a:solidFill>
-                <a:latin typeface="隶书" panose="02010509060101010101" charset="-122"/>
-                <a:ea typeface="隶书" panose="02010509060101010101" charset="-122"/>
-                <a:cs typeface="隶书" panose="02010509060101010101" charset="-122"/>
-              </a:rPr>
-              <a:t>生成等价形式</a:t>
-            </a:r>
-            <a:r>
-              <a:rPr lang="en-US" altLang="zh-CN" sz="2000" dirty="0">
-                <a:solidFill>
-                  <a:srgbClr val="C00000"/>
-                </a:solidFill>
-                <a:latin typeface="隶书" panose="02010509060101010101" charset="-122"/>
-                <a:ea typeface="隶书" panose="02010509060101010101" charset="-122"/>
-                <a:cs typeface="隶书" panose="02010509060101010101" charset="-122"/>
-              </a:rPr>
-              <a:t>”</a:t>
-            </a:r>
-            <a:r>
-              <a:rPr lang="zh-CN" altLang="en-US" sz="2000" dirty="0">
-                <a:solidFill>
-                  <a:srgbClr val="C00000"/>
-                </a:solidFill>
-                <a:latin typeface="隶书" panose="02010509060101010101" charset="-122"/>
-                <a:ea typeface="隶书" panose="02010509060101010101" charset="-122"/>
-                <a:cs typeface="隶书" panose="02010509060101010101" charset="-122"/>
-              </a:rPr>
-              <a:t>，再</a:t>
-            </a:r>
-            <a:r>
-              <a:rPr lang="en-US" altLang="zh-CN" sz="2000" dirty="0">
-                <a:solidFill>
-                  <a:srgbClr val="C00000"/>
-                </a:solidFill>
-                <a:latin typeface="隶书" panose="02010509060101010101" charset="-122"/>
-                <a:ea typeface="隶书" panose="02010509060101010101" charset="-122"/>
-                <a:cs typeface="隶书" panose="02010509060101010101" charset="-122"/>
-              </a:rPr>
-              <a:t>“</a:t>
-            </a:r>
-            <a:r>
-              <a:rPr lang="zh-CN" altLang="en-US" sz="2000" dirty="0">
-                <a:solidFill>
-                  <a:srgbClr val="C00000"/>
-                </a:solidFill>
-                <a:latin typeface="隶书" panose="02010509060101010101" charset="-122"/>
-                <a:ea typeface="隶书" panose="02010509060101010101" charset="-122"/>
-                <a:cs typeface="隶书" panose="02010509060101010101" charset="-122"/>
-              </a:rPr>
-              <a:t>折叠与清理</a:t>
-            </a:r>
-            <a:r>
-              <a:rPr lang="en-US" altLang="zh-CN" sz="2000" dirty="0">
-                <a:solidFill>
-                  <a:srgbClr val="C00000"/>
-                </a:solidFill>
-                <a:latin typeface="隶书" panose="02010509060101010101" charset="-122"/>
-                <a:ea typeface="隶书" panose="02010509060101010101" charset="-122"/>
-                <a:cs typeface="隶书" panose="02010509060101010101" charset="-122"/>
-              </a:rPr>
-              <a:t>”</a:t>
-            </a:r>
-          </a:p>
-        </p:txBody>
-      </p:sp>
-      <p:sp>
-        <p:nvSpPr>
-          <p:cNvPr id="14" name="文本框 13"/>
-          <p:cNvSpPr txBox="1"/>
-          <p:nvPr/>
-        </p:nvSpPr>
-        <p:spPr>
-          <a:xfrm>
-            <a:off x="2882265" y="6355080"/>
-            <a:ext cx="6096000" cy="368300"/>
-          </a:xfrm>
-          <a:prstGeom prst="rect">
-            <a:avLst/>
-          </a:prstGeom>
-          <a:noFill/>
-        </p:spPr>
-        <p:txBody>
-          <a:bodyPr wrap="square" rtlCol="0" anchor="t">
-            <a:spAutoFit/>
-          </a:bodyPr>
-          <a:lstStyle/>
-          <a:p>
-            <a:endParaRPr lang="zh-CN" altLang="en-US" b="1">
-              <a:effectLst>
-                <a:outerShdw blurRad="38100" dist="38100" dir="2700000" algn="tl">
-                  <a:srgbClr val="000000">
-                    <a:alpha val="43137"/>
-                  </a:srgbClr>
-                </a:outerShdw>
-              </a:effectLst>
-              <a:sym typeface="+mn-ea"/>
-            </a:endParaRPr>
-          </a:p>
-        </p:txBody>
-      </p:sp>
-      <p:sp>
-        <p:nvSpPr>
-          <p:cNvPr id="5" name="文本框 4"/>
-          <p:cNvSpPr txBox="1"/>
-          <p:nvPr/>
-        </p:nvSpPr>
-        <p:spPr>
-          <a:xfrm>
-            <a:off x="5516245" y="2867660"/>
-            <a:ext cx="6096000" cy="460375"/>
-          </a:xfrm>
-          <a:prstGeom prst="rect">
-            <a:avLst/>
-          </a:prstGeom>
-          <a:noFill/>
-        </p:spPr>
-        <p:txBody>
-          <a:bodyPr wrap="square" rtlCol="0" anchor="t">
-            <a:spAutoFit/>
-          </a:bodyPr>
-          <a:lstStyle/>
-          <a:p>
-            <a:r>
-              <a:rPr lang="zh-CN" altLang="en-US" sz="2400" b="1" dirty="0">
-                <a:latin typeface="微软雅黑" panose="020B0503020204020204" pitchFamily="34" charset="-122"/>
-                <a:ea typeface="微软雅黑" panose="020B0503020204020204" pitchFamily="34" charset="-122"/>
-                <a:sym typeface="+mn-ea"/>
-              </a:rPr>
-              <a:t>优化策略</a:t>
-            </a:r>
-          </a:p>
-        </p:txBody>
-      </p:sp>
-      <p:graphicFrame>
-        <p:nvGraphicFramePr>
-          <p:cNvPr id="15" name="图示 14"/>
-          <p:cNvGraphicFramePr/>
-          <p:nvPr/>
-        </p:nvGraphicFramePr>
-        <p:xfrm>
-          <a:off x="257174" y="1315085"/>
-          <a:ext cx="5157663" cy="2676690"/>
-        </p:xfrm>
-        <a:graphic>
-          <a:graphicData uri="http://schemas.openxmlformats.org/drawingml/2006/diagram">
-            <dgm:relIds xmlns:dgm="http://schemas.openxmlformats.org/drawingml/2006/diagram" xmlns:r="http://schemas.openxmlformats.org/officeDocument/2006/relationships" r:dm="rId6" r:lo="rId7" r:qs="rId8" r:cs="rId9"/>
-          </a:graphicData>
-        </a:graphic>
-      </p:graphicFrame>
-      <p:graphicFrame>
-        <p:nvGraphicFramePr>
-          <p:cNvPr id="17" name="图示 16"/>
-          <p:cNvGraphicFramePr/>
-          <p:nvPr/>
-        </p:nvGraphicFramePr>
-        <p:xfrm>
-          <a:off x="257175" y="4042465"/>
-          <a:ext cx="5157663" cy="2630225"/>
-        </p:xfrm>
-        <a:graphic>
-          <a:graphicData uri="http://schemas.openxmlformats.org/drawingml/2006/diagram">
-            <dgm:relIds xmlns:dgm="http://schemas.openxmlformats.org/drawingml/2006/diagram" xmlns:r="http://schemas.openxmlformats.org/officeDocument/2006/relationships" r:dm="rId11" r:lo="rId12" r:qs="rId13" r:cs="rId14"/>
-          </a:graphicData>
-        </a:graphic>
-      </p:graphicFrame>
-    </p:spTree>
-  </p:cSld>
-  <p:clrMapOvr>
-    <a:masterClrMapping/>
-  </p:clrMapOvr>
-  <mc:AlternateContent xmlns:mc="http://schemas.openxmlformats.org/markup-compatibility/2006" xmlns:p14="http://schemas.microsoft.com/office/powerpoint/2010/main">
-    <mc:Choice Requires="p14">
-      <p:transition spd="slow" p14:dur="2000" advTm="77872"/>
-    </mc:Choice>
-    <mc:Fallback xmlns="">
-      <p:transition spd="slow" advTm="77872"/>
-    </mc:Fallback>
-  </mc:AlternateContent>
-</p:sld>
-</file>
-
-<file path=ppt/slides/slide11.xml><?xml version="1.0" encoding="utf-8"?>
-<p:sld xmlns:a="http://schemas.openxmlformats.org/drawingml/2006/main" xmlns:r="http://schemas.openxmlformats.org/officeDocument/2006/relationships" xmlns:p="http://schemas.openxmlformats.org/presentationml/2006/main">
-  <p:cSld>
-    <p:spTree>
-      <p:nvGrpSpPr>
-        <p:cNvPr id="1" name=""/>
-        <p:cNvGrpSpPr/>
-        <p:nvPr/>
-      </p:nvGrpSpPr>
-      <p:grpSpPr>
-        <a:xfrm>
-          <a:off x="0" y="0"/>
-          <a:ext cx="0" cy="0"/>
-          <a:chOff x="0" y="0"/>
-          <a:chExt cx="0" cy="0"/>
-        </a:xfrm>
-      </p:grpSpPr>
-      <p:sp>
-        <p:nvSpPr>
-          <p:cNvPr id="106" name="流程图: 过程 52"/>
-          <p:cNvSpPr/>
-          <p:nvPr/>
-        </p:nvSpPr>
-        <p:spPr>
-          <a:xfrm>
-            <a:off x="-10795" y="953770"/>
-            <a:ext cx="12192000" cy="168275"/>
-          </a:xfrm>
-          <a:prstGeom prst="flowChartProcess">
-            <a:avLst/>
-          </a:prstGeom>
-          <a:gradFill>
-            <a:gsLst>
-              <a:gs pos="2000">
-                <a:schemeClr val="bg1"/>
-              </a:gs>
-              <a:gs pos="78000">
-                <a:srgbClr val="9A1F2D"/>
-              </a:gs>
-              <a:gs pos="9000">
-                <a:schemeClr val="bg1"/>
-              </a:gs>
-              <a:gs pos="100000">
-                <a:srgbClr val="9A1F2D"/>
-              </a:gs>
-            </a:gsLst>
-            <a:lin ang="13500000" scaled="0"/>
-          </a:gradFill>
-          <a:ln>
-            <a:noFill/>
-          </a:ln>
-        </p:spPr>
-        <p:style>
-          <a:lnRef idx="2">
-            <a:schemeClr val="accent1">
-              <a:shade val="50000"/>
-            </a:schemeClr>
-          </a:lnRef>
-          <a:fillRef idx="1">
-            <a:schemeClr val="accent1"/>
-          </a:fillRef>
-          <a:effectRef idx="0">
-            <a:schemeClr val="accent1"/>
-          </a:effectRef>
-          <a:fontRef idx="minor">
-            <a:schemeClr val="lt1"/>
-          </a:fontRef>
-        </p:style>
-        <p:txBody>
-          <a:bodyPr rtlCol="0" anchor="ctr"/>
-          <a:lstStyle/>
-          <a:p>
-            <a:pPr algn="ctr"/>
-            <a:endParaRPr lang="zh-CN" altLang="en-US"/>
-          </a:p>
-        </p:txBody>
-      </p:sp>
-      <p:pic>
-        <p:nvPicPr>
-          <p:cNvPr id="2" name="图片 1"/>
-          <p:cNvPicPr>
-            <a:picLocks noChangeAspect="1"/>
-          </p:cNvPicPr>
-          <p:nvPr/>
-        </p:nvPicPr>
-        <p:blipFill>
-          <a:blip r:embed="rId5"/>
-          <a:stretch>
-            <a:fillRect/>
-          </a:stretch>
-        </p:blipFill>
-        <p:spPr>
-          <a:xfrm>
-            <a:off x="11102975" y="0"/>
-            <a:ext cx="1078230" cy="1122680"/>
-          </a:xfrm>
-          <a:prstGeom prst="rect">
-            <a:avLst/>
-          </a:prstGeom>
-        </p:spPr>
-      </p:pic>
-      <p:sp>
-        <p:nvSpPr>
-          <p:cNvPr id="3" name="文本框 2"/>
-          <p:cNvSpPr txBox="1"/>
-          <p:nvPr/>
-        </p:nvSpPr>
-        <p:spPr>
-          <a:xfrm flipH="1">
-            <a:off x="549910" y="163830"/>
             <a:ext cx="6599032" cy="1322070"/>
           </a:xfrm>
           <a:prstGeom prst="rect">
@@ -25926,7 +28849,7 @@
 </p:sld>
 </file>
 
-<file path=ppt/slides/slide12.xml><?xml version="1.0" encoding="utf-8"?>
+<file path=ppt/slides/slide11.xml><?xml version="1.0" encoding="utf-8"?>
 <p:sld xmlns:a="http://schemas.openxmlformats.org/drawingml/2006/main" xmlns:r="http://schemas.openxmlformats.org/officeDocument/2006/relationships" xmlns:p="http://schemas.openxmlformats.org/presentationml/2006/main">
   <p:cSld>
     <p:spTree>
@@ -26002,7 +28925,7 @@
 </p:sld>
 </file>
 
-<file path=ppt/slides/slide13.xml><?xml version="1.0" encoding="utf-8"?>
+<file path=ppt/slides/slide12.xml><?xml version="1.0" encoding="utf-8"?>
 <p:sld xmlns:a="http://schemas.openxmlformats.org/drawingml/2006/main" xmlns:r="http://schemas.openxmlformats.org/officeDocument/2006/relationships" xmlns:p="http://schemas.openxmlformats.org/presentationml/2006/main">
   <p:cSld>
     <p:spTree>
@@ -26634,102 +29557,70 @@
         </p:nvSpPr>
         <p:spPr>
           <a:xfrm>
-            <a:off x="508000" y="1435287"/>
-            <a:ext cx="10792440" cy="677108"/>
+            <a:off x="508000" y="1385366"/>
+            <a:ext cx="6687493" cy="954107"/>
           </a:xfrm>
           <a:custGeom>
             <a:avLst/>
             <a:gdLst>
-              <a:gd name="connsiteX0" fmla="*/ 0 w 10792440"/>
-              <a:gd name="connsiteY0" fmla="*/ 0 h 677108"/>
-              <a:gd name="connsiteX1" fmla="*/ 491656 w 10792440"/>
-              <a:gd name="connsiteY1" fmla="*/ 0 h 677108"/>
-              <a:gd name="connsiteX2" fmla="*/ 767462 w 10792440"/>
-              <a:gd name="connsiteY2" fmla="*/ 0 h 677108"/>
-              <a:gd name="connsiteX3" fmla="*/ 1582891 w 10792440"/>
-              <a:gd name="connsiteY3" fmla="*/ 0 h 677108"/>
-              <a:gd name="connsiteX4" fmla="*/ 2074547 w 10792440"/>
-              <a:gd name="connsiteY4" fmla="*/ 0 h 677108"/>
-              <a:gd name="connsiteX5" fmla="*/ 2566202 w 10792440"/>
-              <a:gd name="connsiteY5" fmla="*/ 0 h 677108"/>
-              <a:gd name="connsiteX6" fmla="*/ 3381631 w 10792440"/>
-              <a:gd name="connsiteY6" fmla="*/ 0 h 677108"/>
-              <a:gd name="connsiteX7" fmla="*/ 3765362 w 10792440"/>
-              <a:gd name="connsiteY7" fmla="*/ 0 h 677108"/>
-              <a:gd name="connsiteX8" fmla="*/ 4580791 w 10792440"/>
-              <a:gd name="connsiteY8" fmla="*/ 0 h 677108"/>
-              <a:gd name="connsiteX9" fmla="*/ 5396220 w 10792440"/>
-              <a:gd name="connsiteY9" fmla="*/ 0 h 677108"/>
-              <a:gd name="connsiteX10" fmla="*/ 5995800 w 10792440"/>
-              <a:gd name="connsiteY10" fmla="*/ 0 h 677108"/>
-              <a:gd name="connsiteX11" fmla="*/ 6811229 w 10792440"/>
-              <a:gd name="connsiteY11" fmla="*/ 0 h 677108"/>
-              <a:gd name="connsiteX12" fmla="*/ 7302884 w 10792440"/>
-              <a:gd name="connsiteY12" fmla="*/ 0 h 677108"/>
-              <a:gd name="connsiteX13" fmla="*/ 7794540 w 10792440"/>
-              <a:gd name="connsiteY13" fmla="*/ 0 h 677108"/>
-              <a:gd name="connsiteX14" fmla="*/ 8502044 w 10792440"/>
-              <a:gd name="connsiteY14" fmla="*/ 0 h 677108"/>
-              <a:gd name="connsiteX15" fmla="*/ 8993700 w 10792440"/>
-              <a:gd name="connsiteY15" fmla="*/ 0 h 677108"/>
-              <a:gd name="connsiteX16" fmla="*/ 9809129 w 10792440"/>
-              <a:gd name="connsiteY16" fmla="*/ 0 h 677108"/>
-              <a:gd name="connsiteX17" fmla="*/ 10792440 w 10792440"/>
-              <a:gd name="connsiteY17" fmla="*/ 0 h 677108"/>
-              <a:gd name="connsiteX18" fmla="*/ 10792440 w 10792440"/>
-              <a:gd name="connsiteY18" fmla="*/ 338554 h 677108"/>
-              <a:gd name="connsiteX19" fmla="*/ 10792440 w 10792440"/>
-              <a:gd name="connsiteY19" fmla="*/ 677108 h 677108"/>
-              <a:gd name="connsiteX20" fmla="*/ 10516633 w 10792440"/>
-              <a:gd name="connsiteY20" fmla="*/ 677108 h 677108"/>
-              <a:gd name="connsiteX21" fmla="*/ 9701204 w 10792440"/>
-              <a:gd name="connsiteY21" fmla="*/ 677108 h 677108"/>
-              <a:gd name="connsiteX22" fmla="*/ 9101624 w 10792440"/>
-              <a:gd name="connsiteY22" fmla="*/ 677108 h 677108"/>
-              <a:gd name="connsiteX23" fmla="*/ 8717893 w 10792440"/>
-              <a:gd name="connsiteY23" fmla="*/ 677108 h 677108"/>
-              <a:gd name="connsiteX24" fmla="*/ 8118313 w 10792440"/>
-              <a:gd name="connsiteY24" fmla="*/ 677108 h 677108"/>
-              <a:gd name="connsiteX25" fmla="*/ 7842506 w 10792440"/>
-              <a:gd name="connsiteY25" fmla="*/ 677108 h 677108"/>
-              <a:gd name="connsiteX26" fmla="*/ 7566700 w 10792440"/>
-              <a:gd name="connsiteY26" fmla="*/ 677108 h 677108"/>
-              <a:gd name="connsiteX27" fmla="*/ 6967120 w 10792440"/>
-              <a:gd name="connsiteY27" fmla="*/ 677108 h 677108"/>
-              <a:gd name="connsiteX28" fmla="*/ 6583388 w 10792440"/>
-              <a:gd name="connsiteY28" fmla="*/ 677108 h 677108"/>
-              <a:gd name="connsiteX29" fmla="*/ 5875884 w 10792440"/>
-              <a:gd name="connsiteY29" fmla="*/ 677108 h 677108"/>
-              <a:gd name="connsiteX30" fmla="*/ 5492153 w 10792440"/>
-              <a:gd name="connsiteY30" fmla="*/ 677108 h 677108"/>
-              <a:gd name="connsiteX31" fmla="*/ 4784648 w 10792440"/>
-              <a:gd name="connsiteY31" fmla="*/ 677108 h 677108"/>
-              <a:gd name="connsiteX32" fmla="*/ 4508842 w 10792440"/>
-              <a:gd name="connsiteY32" fmla="*/ 677108 h 677108"/>
-              <a:gd name="connsiteX33" fmla="*/ 3801337 w 10792440"/>
-              <a:gd name="connsiteY33" fmla="*/ 677108 h 677108"/>
-              <a:gd name="connsiteX34" fmla="*/ 3417606 w 10792440"/>
-              <a:gd name="connsiteY34" fmla="*/ 677108 h 677108"/>
-              <a:gd name="connsiteX35" fmla="*/ 3141799 w 10792440"/>
-              <a:gd name="connsiteY35" fmla="*/ 677108 h 677108"/>
-              <a:gd name="connsiteX36" fmla="*/ 2758068 w 10792440"/>
-              <a:gd name="connsiteY36" fmla="*/ 677108 h 677108"/>
-              <a:gd name="connsiteX37" fmla="*/ 2050564 w 10792440"/>
-              <a:gd name="connsiteY37" fmla="*/ 677108 h 677108"/>
-              <a:gd name="connsiteX38" fmla="*/ 1666832 w 10792440"/>
-              <a:gd name="connsiteY38" fmla="*/ 677108 h 677108"/>
-              <a:gd name="connsiteX39" fmla="*/ 1391026 w 10792440"/>
-              <a:gd name="connsiteY39" fmla="*/ 677108 h 677108"/>
-              <a:gd name="connsiteX40" fmla="*/ 1007294 w 10792440"/>
-              <a:gd name="connsiteY40" fmla="*/ 677108 h 677108"/>
-              <a:gd name="connsiteX41" fmla="*/ 515639 w 10792440"/>
-              <a:gd name="connsiteY41" fmla="*/ 677108 h 677108"/>
-              <a:gd name="connsiteX42" fmla="*/ 0 w 10792440"/>
-              <a:gd name="connsiteY42" fmla="*/ 677108 h 677108"/>
-              <a:gd name="connsiteX43" fmla="*/ 0 w 10792440"/>
-              <a:gd name="connsiteY43" fmla="*/ 352096 h 677108"/>
-              <a:gd name="connsiteX44" fmla="*/ 0 w 10792440"/>
-              <a:gd name="connsiteY44" fmla="*/ 0 h 677108"/>
+              <a:gd name="connsiteX0" fmla="*/ 0 w 6687493"/>
+              <a:gd name="connsiteY0" fmla="*/ 0 h 954107"/>
+              <a:gd name="connsiteX1" fmla="*/ 490416 w 6687493"/>
+              <a:gd name="connsiteY1" fmla="*/ 0 h 954107"/>
+              <a:gd name="connsiteX2" fmla="*/ 847082 w 6687493"/>
+              <a:gd name="connsiteY2" fmla="*/ 0 h 954107"/>
+              <a:gd name="connsiteX3" fmla="*/ 1538123 w 6687493"/>
+              <a:gd name="connsiteY3" fmla="*/ 0 h 954107"/>
+              <a:gd name="connsiteX4" fmla="*/ 2028540 w 6687493"/>
+              <a:gd name="connsiteY4" fmla="*/ 0 h 954107"/>
+              <a:gd name="connsiteX5" fmla="*/ 2518956 w 6687493"/>
+              <a:gd name="connsiteY5" fmla="*/ 0 h 954107"/>
+              <a:gd name="connsiteX6" fmla="*/ 3209997 w 6687493"/>
+              <a:gd name="connsiteY6" fmla="*/ 0 h 954107"/>
+              <a:gd name="connsiteX7" fmla="*/ 3633538 w 6687493"/>
+              <a:gd name="connsiteY7" fmla="*/ 0 h 954107"/>
+              <a:gd name="connsiteX8" fmla="*/ 4324579 w 6687493"/>
+              <a:gd name="connsiteY8" fmla="*/ 0 h 954107"/>
+              <a:gd name="connsiteX9" fmla="*/ 5015620 w 6687493"/>
+              <a:gd name="connsiteY9" fmla="*/ 0 h 954107"/>
+              <a:gd name="connsiteX10" fmla="*/ 5572911 w 6687493"/>
+              <a:gd name="connsiteY10" fmla="*/ 0 h 954107"/>
+              <a:gd name="connsiteX11" fmla="*/ 6687493 w 6687493"/>
+              <a:gd name="connsiteY11" fmla="*/ 0 h 954107"/>
+              <a:gd name="connsiteX12" fmla="*/ 6687493 w 6687493"/>
+              <a:gd name="connsiteY12" fmla="*/ 467512 h 954107"/>
+              <a:gd name="connsiteX13" fmla="*/ 6687493 w 6687493"/>
+              <a:gd name="connsiteY13" fmla="*/ 954107 h 954107"/>
+              <a:gd name="connsiteX14" fmla="*/ 6130202 w 6687493"/>
+              <a:gd name="connsiteY14" fmla="*/ 954107 h 954107"/>
+              <a:gd name="connsiteX15" fmla="*/ 5706661 w 6687493"/>
+              <a:gd name="connsiteY15" fmla="*/ 954107 h 954107"/>
+              <a:gd name="connsiteX16" fmla="*/ 5149370 w 6687493"/>
+              <a:gd name="connsiteY16" fmla="*/ 954107 h 954107"/>
+              <a:gd name="connsiteX17" fmla="*/ 4458329 w 6687493"/>
+              <a:gd name="connsiteY17" fmla="*/ 954107 h 954107"/>
+              <a:gd name="connsiteX18" fmla="*/ 3901038 w 6687493"/>
+              <a:gd name="connsiteY18" fmla="*/ 954107 h 954107"/>
+              <a:gd name="connsiteX19" fmla="*/ 3544371 w 6687493"/>
+              <a:gd name="connsiteY19" fmla="*/ 954107 h 954107"/>
+              <a:gd name="connsiteX20" fmla="*/ 3120830 w 6687493"/>
+              <a:gd name="connsiteY20" fmla="*/ 954107 h 954107"/>
+              <a:gd name="connsiteX21" fmla="*/ 2429789 w 6687493"/>
+              <a:gd name="connsiteY21" fmla="*/ 954107 h 954107"/>
+              <a:gd name="connsiteX22" fmla="*/ 1872498 w 6687493"/>
+              <a:gd name="connsiteY22" fmla="*/ 954107 h 954107"/>
+              <a:gd name="connsiteX23" fmla="*/ 1448957 w 6687493"/>
+              <a:gd name="connsiteY23" fmla="*/ 954107 h 954107"/>
+              <a:gd name="connsiteX24" fmla="*/ 891666 w 6687493"/>
+              <a:gd name="connsiteY24" fmla="*/ 954107 h 954107"/>
+              <a:gd name="connsiteX25" fmla="*/ 534999 w 6687493"/>
+              <a:gd name="connsiteY25" fmla="*/ 954107 h 954107"/>
+              <a:gd name="connsiteX26" fmla="*/ 0 w 6687493"/>
+              <a:gd name="connsiteY26" fmla="*/ 954107 h 954107"/>
+              <a:gd name="connsiteX27" fmla="*/ 0 w 6687493"/>
+              <a:gd name="connsiteY27" fmla="*/ 477054 h 954107"/>
+              <a:gd name="connsiteX28" fmla="*/ 0 w 6687493"/>
+              <a:gd name="connsiteY28" fmla="*/ 0 h 954107"/>
             </a:gdLst>
             <a:ahLst/>
             <a:cxnLst>
@@ -26820,279 +29711,151 @@
               <a:cxn ang="0">
                 <a:pos x="connsiteX28" y="connsiteY28"/>
               </a:cxn>
-              <a:cxn ang="0">
-                <a:pos x="connsiteX29" y="connsiteY29"/>
-              </a:cxn>
-              <a:cxn ang="0">
-                <a:pos x="connsiteX30" y="connsiteY30"/>
-              </a:cxn>
-              <a:cxn ang="0">
-                <a:pos x="connsiteX31" y="connsiteY31"/>
-              </a:cxn>
-              <a:cxn ang="0">
-                <a:pos x="connsiteX32" y="connsiteY32"/>
-              </a:cxn>
-              <a:cxn ang="0">
-                <a:pos x="connsiteX33" y="connsiteY33"/>
-              </a:cxn>
-              <a:cxn ang="0">
-                <a:pos x="connsiteX34" y="connsiteY34"/>
-              </a:cxn>
-              <a:cxn ang="0">
-                <a:pos x="connsiteX35" y="connsiteY35"/>
-              </a:cxn>
-              <a:cxn ang="0">
-                <a:pos x="connsiteX36" y="connsiteY36"/>
-              </a:cxn>
-              <a:cxn ang="0">
-                <a:pos x="connsiteX37" y="connsiteY37"/>
-              </a:cxn>
-              <a:cxn ang="0">
-                <a:pos x="connsiteX38" y="connsiteY38"/>
-              </a:cxn>
-              <a:cxn ang="0">
-                <a:pos x="connsiteX39" y="connsiteY39"/>
-              </a:cxn>
-              <a:cxn ang="0">
-                <a:pos x="connsiteX40" y="connsiteY40"/>
-              </a:cxn>
-              <a:cxn ang="0">
-                <a:pos x="connsiteX41" y="connsiteY41"/>
-              </a:cxn>
-              <a:cxn ang="0">
-                <a:pos x="connsiteX42" y="connsiteY42"/>
-              </a:cxn>
-              <a:cxn ang="0">
-                <a:pos x="connsiteX43" y="connsiteY43"/>
-              </a:cxn>
-              <a:cxn ang="0">
-                <a:pos x="connsiteX44" y="connsiteY44"/>
-              </a:cxn>
             </a:cxnLst>
             <a:rect l="l" t="t" r="r" b="b"/>
             <a:pathLst>
-              <a:path w="10792440" h="677108" extrusionOk="0">
+              <a:path w="6687493" h="954107" extrusionOk="0">
                 <a:moveTo>
                   <a:pt x="0" y="0"/>
                 </a:moveTo>
                 <a:cubicBezTo>
-                  <a:pt x="163086" y="-51727"/>
-                  <a:pt x="245978" y="13366"/>
-                  <a:pt x="491656" y="0"/>
+                  <a:pt x="219944" y="-29303"/>
+                  <a:pt x="354546" y="30532"/>
+                  <a:pt x="490416" y="0"/>
                 </a:cubicBezTo>
                 <a:cubicBezTo>
-                  <a:pt x="737334" y="-13366"/>
-                  <a:pt x="670627" y="7549"/>
-                  <a:pt x="767462" y="0"/>
+                  <a:pt x="626286" y="-30532"/>
+                  <a:pt x="710361" y="36081"/>
+                  <a:pt x="847082" y="0"/>
                 </a:cubicBezTo>
                 <a:cubicBezTo>
-                  <a:pt x="864297" y="-7549"/>
-                  <a:pt x="1242544" y="3322"/>
-                  <a:pt x="1582891" y="0"/>
+                  <a:pt x="983803" y="-36081"/>
+                  <a:pt x="1313909" y="14196"/>
+                  <a:pt x="1538123" y="0"/>
                 </a:cubicBezTo>
                 <a:cubicBezTo>
-                  <a:pt x="1923238" y="-3322"/>
-                  <a:pt x="1915633" y="11045"/>
-                  <a:pt x="2074547" y="0"/>
+                  <a:pt x="1762337" y="-14196"/>
+                  <a:pt x="1809849" y="37956"/>
+                  <a:pt x="2028540" y="0"/>
                 </a:cubicBezTo>
                 <a:cubicBezTo>
-                  <a:pt x="2233461" y="-11045"/>
-                  <a:pt x="2425205" y="58880"/>
-                  <a:pt x="2566202" y="0"/>
+                  <a:pt x="2247231" y="-37956"/>
+                  <a:pt x="2303964" y="28546"/>
+                  <a:pt x="2518956" y="0"/>
                 </a:cubicBezTo>
                 <a:cubicBezTo>
-                  <a:pt x="2707200" y="-58880"/>
-                  <a:pt x="2995645" y="34612"/>
-                  <a:pt x="3381631" y="0"/>
+                  <a:pt x="2733948" y="-28546"/>
+                  <a:pt x="2911164" y="56740"/>
+                  <a:pt x="3209997" y="0"/>
                 </a:cubicBezTo>
                 <a:cubicBezTo>
-                  <a:pt x="3767617" y="-34612"/>
-                  <a:pt x="3580116" y="18124"/>
-                  <a:pt x="3765362" y="0"/>
+                  <a:pt x="3508830" y="-56740"/>
+                  <a:pt x="3483435" y="16399"/>
+                  <a:pt x="3633538" y="0"/>
                 </a:cubicBezTo>
                 <a:cubicBezTo>
-                  <a:pt x="3950608" y="-18124"/>
-                  <a:pt x="4268941" y="94669"/>
-                  <a:pt x="4580791" y="0"/>
+                  <a:pt x="3783641" y="-16399"/>
+                  <a:pt x="4174503" y="44942"/>
+                  <a:pt x="4324579" y="0"/>
                 </a:cubicBezTo>
                 <a:cubicBezTo>
-                  <a:pt x="4892641" y="-94669"/>
-                  <a:pt x="5160154" y="93712"/>
-                  <a:pt x="5396220" y="0"/>
+                  <a:pt x="4474655" y="-44942"/>
+                  <a:pt x="4812756" y="39607"/>
+                  <a:pt x="5015620" y="0"/>
                 </a:cubicBezTo>
                 <a:cubicBezTo>
-                  <a:pt x="5632286" y="-93712"/>
-                  <a:pt x="5806185" y="8070"/>
-                  <a:pt x="5995800" y="0"/>
+                  <a:pt x="5218484" y="-39607"/>
+                  <a:pt x="5308384" y="38653"/>
+                  <a:pt x="5572911" y="0"/>
                 </a:cubicBezTo>
                 <a:cubicBezTo>
-                  <a:pt x="6185415" y="-8070"/>
-                  <a:pt x="6404097" y="93037"/>
-                  <a:pt x="6811229" y="0"/>
+                  <a:pt x="5837438" y="-38653"/>
+                  <a:pt x="6159021" y="76198"/>
+                  <a:pt x="6687493" y="0"/>
                 </a:cubicBezTo>
                 <a:cubicBezTo>
-                  <a:pt x="7218361" y="-93037"/>
-                  <a:pt x="7122648" y="8330"/>
-                  <a:pt x="7302884" y="0"/>
+                  <a:pt x="6713808" y="114345"/>
+                  <a:pt x="6670330" y="317343"/>
+                  <a:pt x="6687493" y="467512"/>
                 </a:cubicBezTo>
                 <a:cubicBezTo>
-                  <a:pt x="7483121" y="-8330"/>
-                  <a:pt x="7555233" y="30777"/>
-                  <a:pt x="7794540" y="0"/>
+                  <a:pt x="6704656" y="617681"/>
+                  <a:pt x="6645826" y="750809"/>
+                  <a:pt x="6687493" y="954107"/>
                 </a:cubicBezTo>
                 <a:cubicBezTo>
-                  <a:pt x="8033847" y="-30777"/>
-                  <a:pt x="8323807" y="76628"/>
-                  <a:pt x="8502044" y="0"/>
+                  <a:pt x="6429413" y="958198"/>
+                  <a:pt x="6300173" y="908667"/>
+                  <a:pt x="6130202" y="954107"/>
                 </a:cubicBezTo>
                 <a:cubicBezTo>
-                  <a:pt x="8680281" y="-76628"/>
-                  <a:pt x="8872839" y="55710"/>
-                  <a:pt x="8993700" y="0"/>
+                  <a:pt x="5960231" y="999547"/>
+                  <a:pt x="5816625" y="919357"/>
+                  <a:pt x="5706661" y="954107"/>
                 </a:cubicBezTo>
                 <a:cubicBezTo>
-                  <a:pt x="9114561" y="-55710"/>
-                  <a:pt x="9446587" y="96170"/>
-                  <a:pt x="9809129" y="0"/>
+                  <a:pt x="5596697" y="988857"/>
+                  <a:pt x="5320583" y="895270"/>
+                  <a:pt x="5149370" y="954107"/>
                 </a:cubicBezTo>
                 <a:cubicBezTo>
-                  <a:pt x="10171671" y="-96170"/>
-                  <a:pt x="10310821" y="2309"/>
-                  <a:pt x="10792440" y="0"/>
+                  <a:pt x="4978157" y="1012944"/>
+                  <a:pt x="4783727" y="932346"/>
+                  <a:pt x="4458329" y="954107"/>
                 </a:cubicBezTo>
                 <a:cubicBezTo>
-                  <a:pt x="10827742" y="114625"/>
-                  <a:pt x="10772638" y="212835"/>
-                  <a:pt x="10792440" y="338554"/>
+                  <a:pt x="4132931" y="975868"/>
+                  <a:pt x="4148423" y="904731"/>
+                  <a:pt x="3901038" y="954107"/>
                 </a:cubicBezTo>
                 <a:cubicBezTo>
-                  <a:pt x="10812242" y="464273"/>
-                  <a:pt x="10789619" y="579135"/>
-                  <a:pt x="10792440" y="677108"/>
+                  <a:pt x="3653653" y="1003483"/>
+                  <a:pt x="3626798" y="943855"/>
+                  <a:pt x="3544371" y="954107"/>
                 </a:cubicBezTo>
                 <a:cubicBezTo>
-                  <a:pt x="10669401" y="677600"/>
-                  <a:pt x="10632979" y="646893"/>
-                  <a:pt x="10516633" y="677108"/>
+                  <a:pt x="3461944" y="964359"/>
+                  <a:pt x="3326781" y="915729"/>
+                  <a:pt x="3120830" y="954107"/>
                 </a:cubicBezTo>
                 <a:cubicBezTo>
-                  <a:pt x="10400287" y="707323"/>
-                  <a:pt x="9874387" y="655332"/>
-                  <a:pt x="9701204" y="677108"/>
+                  <a:pt x="2914879" y="992485"/>
+                  <a:pt x="2648508" y="918984"/>
+                  <a:pt x="2429789" y="954107"/>
                 </a:cubicBezTo>
                 <a:cubicBezTo>
-                  <a:pt x="9528021" y="698884"/>
-                  <a:pt x="9278917" y="672436"/>
-                  <a:pt x="9101624" y="677108"/>
+                  <a:pt x="2211070" y="989230"/>
+                  <a:pt x="2140586" y="933469"/>
+                  <a:pt x="1872498" y="954107"/>
                 </a:cubicBezTo>
                 <a:cubicBezTo>
-                  <a:pt x="8924331" y="681780"/>
-                  <a:pt x="8884977" y="654955"/>
-                  <a:pt x="8717893" y="677108"/>
+                  <a:pt x="1604410" y="974745"/>
+                  <a:pt x="1658795" y="917659"/>
+                  <a:pt x="1448957" y="954107"/>
                 </a:cubicBezTo>
                 <a:cubicBezTo>
-                  <a:pt x="8550809" y="699261"/>
-                  <a:pt x="8399594" y="666767"/>
-                  <a:pt x="8118313" y="677108"/>
+                  <a:pt x="1239119" y="990555"/>
+                  <a:pt x="1149483" y="914568"/>
+                  <a:pt x="891666" y="954107"/>
                 </a:cubicBezTo>
                 <a:cubicBezTo>
-                  <a:pt x="7837032" y="687449"/>
-                  <a:pt x="7954539" y="673071"/>
-                  <a:pt x="7842506" y="677108"/>
+                  <a:pt x="633849" y="993646"/>
+                  <a:pt x="686374" y="931201"/>
+                  <a:pt x="534999" y="954107"/>
                 </a:cubicBezTo>
                 <a:cubicBezTo>
-                  <a:pt x="7730473" y="681145"/>
-                  <a:pt x="7658890" y="649578"/>
-                  <a:pt x="7566700" y="677108"/>
+                  <a:pt x="383624" y="977013"/>
+                  <a:pt x="217438" y="901631"/>
+                  <a:pt x="0" y="954107"/>
                 </a:cubicBezTo>
                 <a:cubicBezTo>
-                  <a:pt x="7474510" y="704638"/>
-                  <a:pt x="7095648" y="615431"/>
-                  <a:pt x="6967120" y="677108"/>
+                  <a:pt x="-4346" y="743985"/>
+                  <a:pt x="30599" y="636685"/>
+                  <a:pt x="0" y="477054"/>
                 </a:cubicBezTo>
                 <a:cubicBezTo>
-                  <a:pt x="6838592" y="738785"/>
-                  <a:pt x="6737622" y="632171"/>
-                  <a:pt x="6583388" y="677108"/>
-                </a:cubicBezTo>
-                <a:cubicBezTo>
-                  <a:pt x="6429154" y="722045"/>
-                  <a:pt x="6217256" y="592751"/>
-                  <a:pt x="5875884" y="677108"/>
-                </a:cubicBezTo>
-                <a:cubicBezTo>
-                  <a:pt x="5534512" y="761465"/>
-                  <a:pt x="5648434" y="669840"/>
-                  <a:pt x="5492153" y="677108"/>
-                </a:cubicBezTo>
-                <a:cubicBezTo>
-                  <a:pt x="5335872" y="684376"/>
-                  <a:pt x="4928348" y="599816"/>
-                  <a:pt x="4784648" y="677108"/>
-                </a:cubicBezTo>
-                <a:cubicBezTo>
-                  <a:pt x="4640949" y="754400"/>
-                  <a:pt x="4589809" y="674939"/>
-                  <a:pt x="4508842" y="677108"/>
-                </a:cubicBezTo>
-                <a:cubicBezTo>
-                  <a:pt x="4427875" y="679277"/>
-                  <a:pt x="3981209" y="621618"/>
-                  <a:pt x="3801337" y="677108"/>
-                </a:cubicBezTo>
-                <a:cubicBezTo>
-                  <a:pt x="3621466" y="732598"/>
-                  <a:pt x="3535826" y="657131"/>
-                  <a:pt x="3417606" y="677108"/>
-                </a:cubicBezTo>
-                <a:cubicBezTo>
-                  <a:pt x="3299386" y="697085"/>
-                  <a:pt x="3221653" y="651786"/>
-                  <a:pt x="3141799" y="677108"/>
-                </a:cubicBezTo>
-                <a:cubicBezTo>
-                  <a:pt x="3061945" y="702430"/>
-                  <a:pt x="2869001" y="665064"/>
-                  <a:pt x="2758068" y="677108"/>
-                </a:cubicBezTo>
-                <a:cubicBezTo>
-                  <a:pt x="2647135" y="689152"/>
-                  <a:pt x="2320361" y="663902"/>
-                  <a:pt x="2050564" y="677108"/>
-                </a:cubicBezTo>
-                <a:cubicBezTo>
-                  <a:pt x="1780767" y="690314"/>
-                  <a:pt x="1838126" y="674733"/>
-                  <a:pt x="1666832" y="677108"/>
-                </a:cubicBezTo>
-                <a:cubicBezTo>
-                  <a:pt x="1495538" y="679483"/>
-                  <a:pt x="1456072" y="671470"/>
-                  <a:pt x="1391026" y="677108"/>
-                </a:cubicBezTo>
-                <a:cubicBezTo>
-                  <a:pt x="1325980" y="682746"/>
-                  <a:pt x="1109171" y="648480"/>
-                  <a:pt x="1007294" y="677108"/>
-                </a:cubicBezTo>
-                <a:cubicBezTo>
-                  <a:pt x="905417" y="705736"/>
-                  <a:pt x="754393" y="623925"/>
-                  <a:pt x="515639" y="677108"/>
-                </a:cubicBezTo>
-                <a:cubicBezTo>
-                  <a:pt x="276885" y="730291"/>
-                  <a:pt x="166679" y="666002"/>
-                  <a:pt x="0" y="677108"/>
-                </a:cubicBezTo>
-                <a:cubicBezTo>
-                  <a:pt x="-17913" y="520189"/>
-                  <a:pt x="3712" y="469140"/>
-                  <a:pt x="0" y="352096"/>
-                </a:cubicBezTo>
-                <a:cubicBezTo>
-                  <a:pt x="-3712" y="235052"/>
-                  <a:pt x="11958" y="149250"/>
+                  <a:pt x="-30599" y="317423"/>
+                  <a:pt x="3263" y="117231"/>
                   <a:pt x="0" y="0"/>
                 </a:cubicBezTo>
                 <a:close/>
@@ -27131,7 +29894,7 @@
                 <a:latin typeface="微软雅黑" panose="020B0503020204020204" pitchFamily="34" charset="-122"/>
                 <a:ea typeface="微软雅黑" panose="020B0503020204020204" pitchFamily="34" charset="-122"/>
               </a:rPr>
-              <a:t>指令选择部分，实现了一种朴素的算法</a:t>
+              <a:t>指令选择部分，实现了一种朴素算法</a:t>
             </a:r>
             <a:r>
               <a:rPr lang="en-US" altLang="zh-CN" b="1" dirty="0">
@@ -27233,70 +29996,70 @@
         </p:nvSpPr>
         <p:spPr>
           <a:xfrm rot="10800000" flipV="1">
-            <a:off x="257174" y="5185105"/>
-            <a:ext cx="6215187" cy="1477328"/>
+            <a:off x="257174" y="5138939"/>
+            <a:ext cx="6215187" cy="1569660"/>
           </a:xfrm>
           <a:custGeom>
             <a:avLst/>
             <a:gdLst>
               <a:gd name="connsiteX0" fmla="*/ 0 w 6215187"/>
-              <a:gd name="connsiteY0" fmla="*/ 0 h 1477328"/>
+              <a:gd name="connsiteY0" fmla="*/ 0 h 1569660"/>
               <a:gd name="connsiteX1" fmla="*/ 502865 w 6215187"/>
-              <a:gd name="connsiteY1" fmla="*/ 0 h 1477328"/>
+              <a:gd name="connsiteY1" fmla="*/ 0 h 1569660"/>
               <a:gd name="connsiteX2" fmla="*/ 881427 w 6215187"/>
-              <a:gd name="connsiteY2" fmla="*/ 0 h 1477328"/>
+              <a:gd name="connsiteY2" fmla="*/ 0 h 1569660"/>
               <a:gd name="connsiteX3" fmla="*/ 1570747 w 6215187"/>
-              <a:gd name="connsiteY3" fmla="*/ 0 h 1477328"/>
+              <a:gd name="connsiteY3" fmla="*/ 0 h 1569660"/>
               <a:gd name="connsiteX4" fmla="*/ 2073612 w 6215187"/>
-              <a:gd name="connsiteY4" fmla="*/ 0 h 1477328"/>
+              <a:gd name="connsiteY4" fmla="*/ 0 h 1569660"/>
               <a:gd name="connsiteX5" fmla="*/ 2576478 w 6215187"/>
-              <a:gd name="connsiteY5" fmla="*/ 0 h 1477328"/>
+              <a:gd name="connsiteY5" fmla="*/ 0 h 1569660"/>
               <a:gd name="connsiteX6" fmla="*/ 3265798 w 6215187"/>
-              <a:gd name="connsiteY6" fmla="*/ 0 h 1477328"/>
+              <a:gd name="connsiteY6" fmla="*/ 0 h 1569660"/>
               <a:gd name="connsiteX7" fmla="*/ 3706512 w 6215187"/>
-              <a:gd name="connsiteY7" fmla="*/ 0 h 1477328"/>
+              <a:gd name="connsiteY7" fmla="*/ 0 h 1569660"/>
               <a:gd name="connsiteX8" fmla="*/ 4395832 w 6215187"/>
-              <a:gd name="connsiteY8" fmla="*/ 0 h 1477328"/>
+              <a:gd name="connsiteY8" fmla="*/ 0 h 1569660"/>
               <a:gd name="connsiteX9" fmla="*/ 5085153 w 6215187"/>
-              <a:gd name="connsiteY9" fmla="*/ 0 h 1477328"/>
+              <a:gd name="connsiteY9" fmla="*/ 0 h 1569660"/>
               <a:gd name="connsiteX10" fmla="*/ 5650170 w 6215187"/>
-              <a:gd name="connsiteY10" fmla="*/ 0 h 1477328"/>
+              <a:gd name="connsiteY10" fmla="*/ 0 h 1569660"/>
               <a:gd name="connsiteX11" fmla="*/ 6215187 w 6215187"/>
-              <a:gd name="connsiteY11" fmla="*/ 0 h 1477328"/>
+              <a:gd name="connsiteY11" fmla="*/ 0 h 1569660"/>
               <a:gd name="connsiteX12" fmla="*/ 6215187 w 6215187"/>
-              <a:gd name="connsiteY12" fmla="*/ 477669 h 1477328"/>
+              <a:gd name="connsiteY12" fmla="*/ 507523 h 1569660"/>
               <a:gd name="connsiteX13" fmla="*/ 6215187 w 6215187"/>
-              <a:gd name="connsiteY13" fmla="*/ 925792 h 1477328"/>
+              <a:gd name="connsiteY13" fmla="*/ 983654 h 1569660"/>
               <a:gd name="connsiteX14" fmla="*/ 6215187 w 6215187"/>
-              <a:gd name="connsiteY14" fmla="*/ 1477328 h 1477328"/>
+              <a:gd name="connsiteY14" fmla="*/ 1569660 h 1569660"/>
               <a:gd name="connsiteX15" fmla="*/ 5650170 w 6215187"/>
-              <a:gd name="connsiteY15" fmla="*/ 1477328 h 1477328"/>
+              <a:gd name="connsiteY15" fmla="*/ 1569660 h 1569660"/>
               <a:gd name="connsiteX16" fmla="*/ 5085153 w 6215187"/>
-              <a:gd name="connsiteY16" fmla="*/ 1477328 h 1477328"/>
+              <a:gd name="connsiteY16" fmla="*/ 1569660 h 1569660"/>
               <a:gd name="connsiteX17" fmla="*/ 4395832 w 6215187"/>
-              <a:gd name="connsiteY17" fmla="*/ 1477328 h 1477328"/>
+              <a:gd name="connsiteY17" fmla="*/ 1569660 h 1569660"/>
               <a:gd name="connsiteX18" fmla="*/ 3830815 w 6215187"/>
-              <a:gd name="connsiteY18" fmla="*/ 1477328 h 1477328"/>
+              <a:gd name="connsiteY18" fmla="*/ 1569660 h 1569660"/>
               <a:gd name="connsiteX19" fmla="*/ 3452254 w 6215187"/>
-              <a:gd name="connsiteY19" fmla="*/ 1477328 h 1477328"/>
+              <a:gd name="connsiteY19" fmla="*/ 1569660 h 1569660"/>
               <a:gd name="connsiteX20" fmla="*/ 3011541 w 6215187"/>
-              <a:gd name="connsiteY20" fmla="*/ 1477328 h 1477328"/>
+              <a:gd name="connsiteY20" fmla="*/ 1569660 h 1569660"/>
               <a:gd name="connsiteX21" fmla="*/ 2322220 w 6215187"/>
-              <a:gd name="connsiteY21" fmla="*/ 1477328 h 1477328"/>
+              <a:gd name="connsiteY21" fmla="*/ 1569660 h 1569660"/>
               <a:gd name="connsiteX22" fmla="*/ 1757203 w 6215187"/>
-              <a:gd name="connsiteY22" fmla="*/ 1477328 h 1477328"/>
+              <a:gd name="connsiteY22" fmla="*/ 1569660 h 1569660"/>
               <a:gd name="connsiteX23" fmla="*/ 1316490 w 6215187"/>
-              <a:gd name="connsiteY23" fmla="*/ 1477328 h 1477328"/>
+              <a:gd name="connsiteY23" fmla="*/ 1569660 h 1569660"/>
               <a:gd name="connsiteX24" fmla="*/ 751473 w 6215187"/>
-              <a:gd name="connsiteY24" fmla="*/ 1477328 h 1477328"/>
+              <a:gd name="connsiteY24" fmla="*/ 1569660 h 1569660"/>
               <a:gd name="connsiteX25" fmla="*/ 0 w 6215187"/>
-              <a:gd name="connsiteY25" fmla="*/ 1477328 h 1477328"/>
+              <a:gd name="connsiteY25" fmla="*/ 1569660 h 1569660"/>
               <a:gd name="connsiteX26" fmla="*/ 0 w 6215187"/>
-              <a:gd name="connsiteY26" fmla="*/ 1029205 h 1477328"/>
+              <a:gd name="connsiteY26" fmla="*/ 1093530 h 1569660"/>
               <a:gd name="connsiteX27" fmla="*/ 0 w 6215187"/>
-              <a:gd name="connsiteY27" fmla="*/ 521989 h 1477328"/>
+              <a:gd name="connsiteY27" fmla="*/ 554613 h 1569660"/>
               <a:gd name="connsiteX28" fmla="*/ 0 w 6215187"/>
-              <a:gd name="connsiteY28" fmla="*/ 0 h 1477328"/>
+              <a:gd name="connsiteY28" fmla="*/ 0 h 1569660"/>
             </a:gdLst>
             <a:ahLst/>
             <a:cxnLst>
@@ -27390,7 +30153,7 @@
             </a:cxnLst>
             <a:rect l="l" t="t" r="r" b="b"/>
             <a:pathLst>
-              <a:path w="6215187" h="1477328" extrusionOk="0">
+              <a:path w="6215187" h="1569660" extrusionOk="0">
                 <a:moveTo>
                   <a:pt x="0" y="0"/>
                 </a:moveTo>
@@ -27450,88 +30213,88 @@
                   <a:pt x="6215187" y="0"/>
                 </a:cubicBezTo>
                 <a:cubicBezTo>
-                  <a:pt x="6221867" y="213025"/>
-                  <a:pt x="6162915" y="292181"/>
-                  <a:pt x="6215187" y="477669"/>
+                  <a:pt x="6250180" y="184506"/>
+                  <a:pt x="6211091" y="317724"/>
+                  <a:pt x="6215187" y="507523"/>
                 </a:cubicBezTo>
                 <a:cubicBezTo>
-                  <a:pt x="6267459" y="663157"/>
-                  <a:pt x="6169534" y="723509"/>
-                  <a:pt x="6215187" y="925792"/>
+                  <a:pt x="6219283" y="697322"/>
+                  <a:pt x="6207595" y="867599"/>
+                  <a:pt x="6215187" y="983654"/>
                 </a:cubicBezTo>
                 <a:cubicBezTo>
-                  <a:pt x="6260840" y="1128075"/>
-                  <a:pt x="6194776" y="1354091"/>
-                  <a:pt x="6215187" y="1477328"/>
+                  <a:pt x="6222779" y="1099709"/>
+                  <a:pt x="6157447" y="1411017"/>
+                  <a:pt x="6215187" y="1569660"/>
                 </a:cubicBezTo>
                 <a:cubicBezTo>
-                  <a:pt x="6028925" y="1499961"/>
-                  <a:pt x="5905332" y="1414585"/>
-                  <a:pt x="5650170" y="1477328"/>
+                  <a:pt x="6028925" y="1592293"/>
+                  <a:pt x="5905332" y="1506917"/>
+                  <a:pt x="5650170" y="1569660"/>
                 </a:cubicBezTo>
                 <a:cubicBezTo>
-                  <a:pt x="5395008" y="1540071"/>
-                  <a:pt x="5262329" y="1446317"/>
-                  <a:pt x="5085153" y="1477328"/>
+                  <a:pt x="5395008" y="1632403"/>
+                  <a:pt x="5262329" y="1538649"/>
+                  <a:pt x="5085153" y="1569660"/>
                 </a:cubicBezTo>
                 <a:cubicBezTo>
-                  <a:pt x="4907977" y="1508339"/>
-                  <a:pt x="4684136" y="1452366"/>
-                  <a:pt x="4395832" y="1477328"/>
+                  <a:pt x="4907977" y="1600671"/>
+                  <a:pt x="4684136" y="1544698"/>
+                  <a:pt x="4395832" y="1569660"/>
                 </a:cubicBezTo>
                 <a:cubicBezTo>
-                  <a:pt x="4107528" y="1502290"/>
-                  <a:pt x="3964824" y="1442404"/>
-                  <a:pt x="3830815" y="1477328"/>
+                  <a:pt x="4107528" y="1594622"/>
+                  <a:pt x="3964824" y="1534736"/>
+                  <a:pt x="3830815" y="1569660"/>
                 </a:cubicBezTo>
                 <a:cubicBezTo>
-                  <a:pt x="3696806" y="1512252"/>
-                  <a:pt x="3628314" y="1461456"/>
-                  <a:pt x="3452254" y="1477328"/>
+                  <a:pt x="3696806" y="1604584"/>
+                  <a:pt x="3628314" y="1553788"/>
+                  <a:pt x="3452254" y="1569660"/>
                 </a:cubicBezTo>
                 <a:cubicBezTo>
-                  <a:pt x="3276194" y="1493200"/>
-                  <a:pt x="3163313" y="1443562"/>
-                  <a:pt x="3011541" y="1477328"/>
+                  <a:pt x="3276194" y="1585532"/>
+                  <a:pt x="3163313" y="1535894"/>
+                  <a:pt x="3011541" y="1569660"/>
                 </a:cubicBezTo>
                 <a:cubicBezTo>
-                  <a:pt x="2859769" y="1511094"/>
-                  <a:pt x="2625590" y="1431741"/>
-                  <a:pt x="2322220" y="1477328"/>
+                  <a:pt x="2859769" y="1603426"/>
+                  <a:pt x="2625590" y="1524073"/>
+                  <a:pt x="2322220" y="1569660"/>
                 </a:cubicBezTo>
                 <a:cubicBezTo>
-                  <a:pt x="2018850" y="1522915"/>
-                  <a:pt x="1904812" y="1440734"/>
-                  <a:pt x="1757203" y="1477328"/>
+                  <a:pt x="2018850" y="1615247"/>
+                  <a:pt x="1904812" y="1533066"/>
+                  <a:pt x="1757203" y="1569660"/>
                 </a:cubicBezTo>
                 <a:cubicBezTo>
-                  <a:pt x="1609594" y="1513922"/>
-                  <a:pt x="1431115" y="1457437"/>
-                  <a:pt x="1316490" y="1477328"/>
+                  <a:pt x="1609594" y="1606254"/>
+                  <a:pt x="1431115" y="1549769"/>
+                  <a:pt x="1316490" y="1569660"/>
                 </a:cubicBezTo>
                 <a:cubicBezTo>
-                  <a:pt x="1201865" y="1497219"/>
-                  <a:pt x="1009749" y="1437091"/>
-                  <a:pt x="751473" y="1477328"/>
+                  <a:pt x="1201865" y="1589551"/>
+                  <a:pt x="1009749" y="1529423"/>
+                  <a:pt x="751473" y="1569660"/>
                 </a:cubicBezTo>
                 <a:cubicBezTo>
-                  <a:pt x="493197" y="1517565"/>
-                  <a:pt x="359360" y="1397917"/>
-                  <a:pt x="0" y="1477328"/>
+                  <a:pt x="493197" y="1609897"/>
+                  <a:pt x="359360" y="1490249"/>
+                  <a:pt x="0" y="1569660"/>
                 </a:cubicBezTo>
                 <a:cubicBezTo>
-                  <a:pt x="-32460" y="1327498"/>
-                  <a:pt x="17716" y="1147563"/>
-                  <a:pt x="0" y="1029205"/>
+                  <a:pt x="-40267" y="1444505"/>
+                  <a:pt x="36034" y="1244476"/>
+                  <a:pt x="0" y="1093530"/>
                 </a:cubicBezTo>
                 <a:cubicBezTo>
-                  <a:pt x="-17716" y="910847"/>
-                  <a:pt x="57730" y="724922"/>
-                  <a:pt x="0" y="521989"/>
+                  <a:pt x="-36034" y="942584"/>
+                  <a:pt x="15884" y="705640"/>
+                  <a:pt x="0" y="554613"/>
                 </a:cubicBezTo>
                 <a:cubicBezTo>
-                  <a:pt x="-57730" y="319056"/>
-                  <a:pt x="34821" y="210019"/>
+                  <a:pt x="-15884" y="403586"/>
+                  <a:pt x="7694" y="166705"/>
                   <a:pt x="0" y="0"/>
                 </a:cubicBezTo>
                 <a:close/>
@@ -27566,18 +30329,32 @@
           <a:lstStyle/>
           <a:p>
             <a:r>
-              <a:rPr lang="en-US" altLang="zh-CN" b="1" dirty="0">
+              <a:rPr lang="zh-CN" altLang="en-US" sz="2400" b="1" dirty="0">
                 <a:latin typeface="微软雅黑" panose="020B0503020204020204" pitchFamily="34" charset="-122"/>
                 <a:ea typeface="微软雅黑" panose="020B0503020204020204" pitchFamily="34" charset="-122"/>
               </a:rPr>
-              <a:t>Translate </a:t>
+              <a:t>贪心</a:t>
             </a:r>
             <a:r>
               <a:rPr lang="zh-CN" altLang="en-US" b="1" dirty="0">
                 <a:latin typeface="微软雅黑" panose="020B0503020204020204" pitchFamily="34" charset="-122"/>
                 <a:ea typeface="微软雅黑" panose="020B0503020204020204" pitchFamily="34" charset="-122"/>
               </a:rPr>
-              <a:t>决策优先级：</a:t>
+              <a:t>策略</a:t>
+            </a:r>
+            <a:r>
+              <a:rPr lang="en-US" altLang="zh-CN" b="1" dirty="0">
+                <a:latin typeface="微软雅黑" panose="020B0503020204020204" pitchFamily="34" charset="-122"/>
+                <a:ea typeface="微软雅黑" panose="020B0503020204020204" pitchFamily="34" charset="-122"/>
+              </a:rPr>
+              <a:t>——</a:t>
+            </a:r>
+            <a:r>
+              <a:rPr lang="zh-CN" altLang="en-US" b="1" dirty="0">
+                <a:latin typeface="微软雅黑" panose="020B0503020204020204" pitchFamily="34" charset="-122"/>
+                <a:ea typeface="微软雅黑" panose="020B0503020204020204" pitchFamily="34" charset="-122"/>
+              </a:rPr>
+              <a:t>即时最优：</a:t>
             </a:r>
           </a:p>
           <a:p>
@@ -27665,10 +30442,311 @@
       </p:sp>
       <p:sp>
         <p:nvSpPr>
-          <p:cNvPr id="6" name="箭头: 左弧形 5">
+          <p:cNvPr id="9" name="文本框 8">
             <a:extLst>
               <a:ext uri="{FF2B5EF4-FFF2-40B4-BE49-F238E27FC236}">
-                <a16:creationId xmlns:a16="http://schemas.microsoft.com/office/drawing/2014/main" id="{FFCA2464-ED34-269D-95C9-BCE0C9ADEE4B}"/>
+                <a16:creationId xmlns:a16="http://schemas.microsoft.com/office/drawing/2014/main" id="{39C41BA0-66E7-8326-4BEE-8808C286D5A7}"/>
+              </a:ext>
+            </a:extLst>
+          </p:cNvPr>
+          <p:cNvSpPr txBox="1"/>
+          <p:nvPr/>
+        </p:nvSpPr>
+        <p:spPr>
+          <a:xfrm>
+            <a:off x="6446196" y="5075340"/>
+            <a:ext cx="637090" cy="1197205"/>
+          </a:xfrm>
+          <a:prstGeom prst="rect">
+            <a:avLst/>
+          </a:prstGeom>
+          <a:noFill/>
+        </p:spPr>
+        <p:txBody>
+          <a:bodyPr wrap="square">
+            <a:spAutoFit/>
+          </a:bodyPr>
+          <a:lstStyle/>
+          <a:p>
+            <a:r>
+              <a:rPr lang="zh-CN" altLang="en-US" b="1" dirty="0">
+                <a:latin typeface="微软雅黑" panose="020B0503020204020204" pitchFamily="34" charset="-122"/>
+                <a:ea typeface="微软雅黑" panose="020B0503020204020204" pitchFamily="34" charset="-122"/>
+              </a:rPr>
+              <a:t>有序降级</a:t>
+            </a:r>
+          </a:p>
+        </p:txBody>
+      </p:sp>
+      <p:sp>
+        <p:nvSpPr>
+          <p:cNvPr id="10" name="文本框 9">
+            <a:extLst>
+              <a:ext uri="{FF2B5EF4-FFF2-40B4-BE49-F238E27FC236}">
+                <a16:creationId xmlns:a16="http://schemas.microsoft.com/office/drawing/2014/main" id="{7633A48A-CD10-EB78-0981-144D6658BAEE}"/>
+              </a:ext>
+            </a:extLst>
+          </p:cNvPr>
+          <p:cNvSpPr txBox="1"/>
+          <p:nvPr/>
+        </p:nvSpPr>
+        <p:spPr>
+          <a:xfrm rot="10800000" flipV="1">
+            <a:off x="7590859" y="5323860"/>
+            <a:ext cx="3230865" cy="738664"/>
+          </a:xfrm>
+          <a:custGeom>
+            <a:avLst/>
+            <a:gdLst>
+              <a:gd name="connsiteX0" fmla="*/ 0 w 3230865"/>
+              <a:gd name="connsiteY0" fmla="*/ 0 h 738664"/>
+              <a:gd name="connsiteX1" fmla="*/ 506169 w 3230865"/>
+              <a:gd name="connsiteY1" fmla="*/ 0 h 738664"/>
+              <a:gd name="connsiteX2" fmla="*/ 947720 w 3230865"/>
+              <a:gd name="connsiteY2" fmla="*/ 0 h 738664"/>
+              <a:gd name="connsiteX3" fmla="*/ 1550815 w 3230865"/>
+              <a:gd name="connsiteY3" fmla="*/ 0 h 738664"/>
+              <a:gd name="connsiteX4" fmla="*/ 2056984 w 3230865"/>
+              <a:gd name="connsiteY4" fmla="*/ 0 h 738664"/>
+              <a:gd name="connsiteX5" fmla="*/ 2563153 w 3230865"/>
+              <a:gd name="connsiteY5" fmla="*/ 0 h 738664"/>
+              <a:gd name="connsiteX6" fmla="*/ 3230865 w 3230865"/>
+              <a:gd name="connsiteY6" fmla="*/ 0 h 738664"/>
+              <a:gd name="connsiteX7" fmla="*/ 3230865 w 3230865"/>
+              <a:gd name="connsiteY7" fmla="*/ 354559 h 738664"/>
+              <a:gd name="connsiteX8" fmla="*/ 3230865 w 3230865"/>
+              <a:gd name="connsiteY8" fmla="*/ 738664 h 738664"/>
+              <a:gd name="connsiteX9" fmla="*/ 2757005 w 3230865"/>
+              <a:gd name="connsiteY9" fmla="*/ 738664 h 738664"/>
+              <a:gd name="connsiteX10" fmla="*/ 2218527 w 3230865"/>
+              <a:gd name="connsiteY10" fmla="*/ 738664 h 738664"/>
+              <a:gd name="connsiteX11" fmla="*/ 1680050 w 3230865"/>
+              <a:gd name="connsiteY11" fmla="*/ 738664 h 738664"/>
+              <a:gd name="connsiteX12" fmla="*/ 1173881 w 3230865"/>
+              <a:gd name="connsiteY12" fmla="*/ 738664 h 738664"/>
+              <a:gd name="connsiteX13" fmla="*/ 570786 w 3230865"/>
+              <a:gd name="connsiteY13" fmla="*/ 738664 h 738664"/>
+              <a:gd name="connsiteX14" fmla="*/ 0 w 3230865"/>
+              <a:gd name="connsiteY14" fmla="*/ 738664 h 738664"/>
+              <a:gd name="connsiteX15" fmla="*/ 0 w 3230865"/>
+              <a:gd name="connsiteY15" fmla="*/ 384105 h 738664"/>
+              <a:gd name="connsiteX16" fmla="*/ 0 w 3230865"/>
+              <a:gd name="connsiteY16" fmla="*/ 0 h 738664"/>
+            </a:gdLst>
+            <a:ahLst/>
+            <a:cxnLst>
+              <a:cxn ang="0">
+                <a:pos x="connsiteX0" y="connsiteY0"/>
+              </a:cxn>
+              <a:cxn ang="0">
+                <a:pos x="connsiteX1" y="connsiteY1"/>
+              </a:cxn>
+              <a:cxn ang="0">
+                <a:pos x="connsiteX2" y="connsiteY2"/>
+              </a:cxn>
+              <a:cxn ang="0">
+                <a:pos x="connsiteX3" y="connsiteY3"/>
+              </a:cxn>
+              <a:cxn ang="0">
+                <a:pos x="connsiteX4" y="connsiteY4"/>
+              </a:cxn>
+              <a:cxn ang="0">
+                <a:pos x="connsiteX5" y="connsiteY5"/>
+              </a:cxn>
+              <a:cxn ang="0">
+                <a:pos x="connsiteX6" y="connsiteY6"/>
+              </a:cxn>
+              <a:cxn ang="0">
+                <a:pos x="connsiteX7" y="connsiteY7"/>
+              </a:cxn>
+              <a:cxn ang="0">
+                <a:pos x="connsiteX8" y="connsiteY8"/>
+              </a:cxn>
+              <a:cxn ang="0">
+                <a:pos x="connsiteX9" y="connsiteY9"/>
+              </a:cxn>
+              <a:cxn ang="0">
+                <a:pos x="connsiteX10" y="connsiteY10"/>
+              </a:cxn>
+              <a:cxn ang="0">
+                <a:pos x="connsiteX11" y="connsiteY11"/>
+              </a:cxn>
+              <a:cxn ang="0">
+                <a:pos x="connsiteX12" y="connsiteY12"/>
+              </a:cxn>
+              <a:cxn ang="0">
+                <a:pos x="connsiteX13" y="connsiteY13"/>
+              </a:cxn>
+              <a:cxn ang="0">
+                <a:pos x="connsiteX14" y="connsiteY14"/>
+              </a:cxn>
+              <a:cxn ang="0">
+                <a:pos x="connsiteX15" y="connsiteY15"/>
+              </a:cxn>
+              <a:cxn ang="0">
+                <a:pos x="connsiteX16" y="connsiteY16"/>
+              </a:cxn>
+            </a:cxnLst>
+            <a:rect l="l" t="t" r="r" b="b"/>
+            <a:pathLst>
+              <a:path w="3230865" h="738664" extrusionOk="0">
+                <a:moveTo>
+                  <a:pt x="0" y="0"/>
+                </a:moveTo>
+                <a:cubicBezTo>
+                  <a:pt x="236312" y="-35150"/>
+                  <a:pt x="315530" y="10773"/>
+                  <a:pt x="506169" y="0"/>
+                </a:cubicBezTo>
+                <a:cubicBezTo>
+                  <a:pt x="696808" y="-10773"/>
+                  <a:pt x="807281" y="41298"/>
+                  <a:pt x="947720" y="0"/>
+                </a:cubicBezTo>
+                <a:cubicBezTo>
+                  <a:pt x="1088159" y="-41298"/>
+                  <a:pt x="1301098" y="18047"/>
+                  <a:pt x="1550815" y="0"/>
+                </a:cubicBezTo>
+                <a:cubicBezTo>
+                  <a:pt x="1800533" y="-18047"/>
+                  <a:pt x="1880929" y="60264"/>
+                  <a:pt x="2056984" y="0"/>
+                </a:cubicBezTo>
+                <a:cubicBezTo>
+                  <a:pt x="2233039" y="-60264"/>
+                  <a:pt x="2333054" y="57836"/>
+                  <a:pt x="2563153" y="0"/>
+                </a:cubicBezTo>
+                <a:cubicBezTo>
+                  <a:pt x="2793252" y="-57836"/>
+                  <a:pt x="2937388" y="11990"/>
+                  <a:pt x="3230865" y="0"/>
+                </a:cubicBezTo>
+                <a:cubicBezTo>
+                  <a:pt x="3239301" y="164895"/>
+                  <a:pt x="3214124" y="247528"/>
+                  <a:pt x="3230865" y="354559"/>
+                </a:cubicBezTo>
+                <a:cubicBezTo>
+                  <a:pt x="3247606" y="461590"/>
+                  <a:pt x="3214217" y="582454"/>
+                  <a:pt x="3230865" y="738664"/>
+                </a:cubicBezTo>
+                <a:cubicBezTo>
+                  <a:pt x="3032356" y="770810"/>
+                  <a:pt x="2932627" y="716105"/>
+                  <a:pt x="2757005" y="738664"/>
+                </a:cubicBezTo>
+                <a:cubicBezTo>
+                  <a:pt x="2581383" y="761223"/>
+                  <a:pt x="2410620" y="708210"/>
+                  <a:pt x="2218527" y="738664"/>
+                </a:cubicBezTo>
+                <a:cubicBezTo>
+                  <a:pt x="2026434" y="769118"/>
+                  <a:pt x="1895699" y="737782"/>
+                  <a:pt x="1680050" y="738664"/>
+                </a:cubicBezTo>
+                <a:cubicBezTo>
+                  <a:pt x="1464401" y="739546"/>
+                  <a:pt x="1393128" y="687478"/>
+                  <a:pt x="1173881" y="738664"/>
+                </a:cubicBezTo>
+                <a:cubicBezTo>
+                  <a:pt x="954634" y="789850"/>
+                  <a:pt x="857970" y="735790"/>
+                  <a:pt x="570786" y="738664"/>
+                </a:cubicBezTo>
+                <a:cubicBezTo>
+                  <a:pt x="283603" y="741538"/>
+                  <a:pt x="222460" y="690467"/>
+                  <a:pt x="0" y="738664"/>
+                </a:cubicBezTo>
+                <a:cubicBezTo>
+                  <a:pt x="-33887" y="568611"/>
+                  <a:pt x="434" y="522031"/>
+                  <a:pt x="0" y="384105"/>
+                </a:cubicBezTo>
+                <a:cubicBezTo>
+                  <a:pt x="-434" y="246179"/>
+                  <a:pt x="8865" y="133836"/>
+                  <a:pt x="0" y="0"/>
+                </a:cubicBezTo>
+                <a:close/>
+              </a:path>
+            </a:pathLst>
+          </a:custGeom>
+          <a:noFill/>
+          <a:ln w="19050" cap="rnd" cmpd="dbl">
+            <a:solidFill>
+              <a:srgbClr val="0F5182"/>
+            </a:solidFill>
+            <a:prstDash val="solid"/>
+            <a:round/>
+            <a:extLst>
+              <a:ext uri="{C807C97D-BFC1-408E-A445-0C87EB9F89A2}">
+                <ask:lineSketchStyleProps xmlns:ask="http://schemas.microsoft.com/office/drawing/2018/sketchyshapes" sd="1219033472">
+                  <a:prstGeom prst="rect">
+                    <a:avLst/>
+                  </a:prstGeom>
+                  <ask:type>
+                    <ask:lineSketchScribble/>
+                  </ask:type>
+                </ask:lineSketchStyleProps>
+              </a:ext>
+            </a:extLst>
+          </a:ln>
+        </p:spPr>
+        <p:txBody>
+          <a:bodyPr wrap="square">
+            <a:spAutoFit/>
+          </a:bodyPr>
+          <a:lstStyle/>
+          <a:p>
+            <a:r>
+              <a:rPr lang="zh-CN" altLang="en-US" sz="2400" b="1" dirty="0">
+                <a:latin typeface="微软雅黑" panose="020B0503020204020204" pitchFamily="34" charset="-122"/>
+                <a:ea typeface="微软雅黑" panose="020B0503020204020204" pitchFamily="34" charset="-122"/>
+              </a:rPr>
+              <a:t>局部</a:t>
+            </a:r>
+            <a:r>
+              <a:rPr lang="zh-CN" altLang="en-US" b="1" dirty="0">
+                <a:latin typeface="微软雅黑" panose="020B0503020204020204" pitchFamily="34" charset="-122"/>
+                <a:ea typeface="微软雅黑" panose="020B0503020204020204" pitchFamily="34" charset="-122"/>
+              </a:rPr>
+              <a:t>性：决策作用域小</a:t>
+            </a:r>
+            <a:endParaRPr lang="en-US" altLang="zh-CN" b="1" dirty="0">
+              <a:latin typeface="微软雅黑" panose="020B0503020204020204" pitchFamily="34" charset="-122"/>
+              <a:ea typeface="微软雅黑" panose="020B0503020204020204" pitchFamily="34" charset="-122"/>
+            </a:endParaRPr>
+          </a:p>
+          <a:p>
+            <a:r>
+              <a:rPr lang="en-US" altLang="zh-CN" b="1" dirty="0">
+                <a:latin typeface="微软雅黑" panose="020B0503020204020204" pitchFamily="34" charset="-122"/>
+                <a:ea typeface="微软雅黑" panose="020B0503020204020204" pitchFamily="34" charset="-122"/>
+              </a:rPr>
+              <a:t>	  </a:t>
+            </a:r>
+            <a:r>
+              <a:rPr lang="zh-CN" altLang="en-US" b="1" dirty="0">
+                <a:latin typeface="微软雅黑" panose="020B0503020204020204" pitchFamily="34" charset="-122"/>
+                <a:ea typeface="微软雅黑" panose="020B0503020204020204" pitchFamily="34" charset="-122"/>
+              </a:rPr>
+              <a:t>依赖的上下文有限</a:t>
+            </a:r>
+          </a:p>
+        </p:txBody>
+      </p:sp>
+      <p:sp>
+        <p:nvSpPr>
+          <p:cNvPr id="20" name="箭头: 下 19">
+            <a:extLst>
+              <a:ext uri="{FF2B5EF4-FFF2-40B4-BE49-F238E27FC236}">
+                <a16:creationId xmlns:a16="http://schemas.microsoft.com/office/drawing/2014/main" id="{477DEC16-EB2D-1631-FDC0-4E1B5108AB89}"/>
               </a:ext>
             </a:extLst>
           </p:cNvPr>
@@ -27676,11 +30754,11 @@
           <p:nvPr/>
         </p:nvSpPr>
         <p:spPr>
-          <a:xfrm rot="1355400">
-            <a:off x="4534431" y="4417692"/>
-            <a:ext cx="620496" cy="1023457"/>
+          <a:xfrm>
+            <a:off x="6320910" y="5138938"/>
+            <a:ext cx="240275" cy="1197205"/>
           </a:xfrm>
-          <a:prstGeom prst="curvedRightArrow">
+          <a:prstGeom prst="downArrow">
             <a:avLst/>
           </a:prstGeom>
         </p:spPr>
@@ -27705,11 +30783,7 @@
           <a:lstStyle/>
           <a:p>
             <a:pPr algn="ctr"/>
-            <a:endParaRPr lang="zh-CN" altLang="en-US">
-              <a:solidFill>
-                <a:schemeClr val="tx1"/>
-              </a:solidFill>
-            </a:endParaRPr>
+            <a:endParaRPr lang="zh-CN" altLang="en-US"/>
           </a:p>
         </p:txBody>
       </p:sp>
@@ -27726,7 +30800,7 @@
 </p:sld>
 </file>
 
-<file path=ppt/slides/slide14.xml><?xml version="1.0" encoding="utf-8"?>
+<file path=ppt/slides/slide13.xml><?xml version="1.0" encoding="utf-8"?>
 <p:sld xmlns:a="http://schemas.openxmlformats.org/drawingml/2006/main" xmlns:r="http://schemas.openxmlformats.org/officeDocument/2006/relationships" xmlns:p="http://schemas.openxmlformats.org/presentationml/2006/main">
   <p:cSld>
     <p:spTree>
@@ -27815,7 +30889,7 @@
 </p:sld>
 </file>
 
-<file path=ppt/slides/slide15.xml><?xml version="1.0" encoding="utf-8"?>
+<file path=ppt/slides/slide14.xml><?xml version="1.0" encoding="utf-8"?>
 <p:sld xmlns:a="http://schemas.openxmlformats.org/drawingml/2006/main" xmlns:r="http://schemas.openxmlformats.org/officeDocument/2006/relationships" xmlns:p="http://schemas.openxmlformats.org/presentationml/2006/main">
   <p:cSld>
     <p:spTree>
@@ -29243,83 +32317,7 @@
 </p:sld>
 </file>
 
-<file path=ppt/slides/slide16.xml><?xml version="1.0" encoding="utf-8"?>
-<p:sld xmlns:a="http://schemas.openxmlformats.org/drawingml/2006/main" xmlns:r="http://schemas.openxmlformats.org/officeDocument/2006/relationships" xmlns:p="http://schemas.openxmlformats.org/presentationml/2006/main">
-  <p:cSld>
-    <p:spTree>
-      <p:nvGrpSpPr>
-        <p:cNvPr id="1" name=""/>
-        <p:cNvGrpSpPr/>
-        <p:nvPr/>
-      </p:nvGrpSpPr>
-      <p:grpSpPr>
-        <a:xfrm>
-          <a:off x="0" y="0"/>
-          <a:ext cx="0" cy="0"/>
-          <a:chOff x="0" y="0"/>
-          <a:chExt cx="0" cy="0"/>
-        </a:xfrm>
-      </p:grpSpPr>
-      <p:sp>
-        <p:nvSpPr>
-          <p:cNvPr id="103" name="文本框 102">
-            <a:extLst>
-              <a:ext uri="{FF2B5EF4-FFF2-40B4-BE49-F238E27FC236}">
-                <a16:creationId xmlns:a16="http://schemas.microsoft.com/office/drawing/2014/main" id="{45264A6D-28AA-2CAF-FB2F-AF9BA6B17BD7}"/>
-              </a:ext>
-            </a:extLst>
-          </p:cNvPr>
-          <p:cNvSpPr txBox="1"/>
-          <p:nvPr/>
-        </p:nvSpPr>
-        <p:spPr>
-          <a:xfrm>
-            <a:off x="1540423" y="2360346"/>
-            <a:ext cx="8874438" cy="1569660"/>
-          </a:xfrm>
-          <a:prstGeom prst="rect">
-            <a:avLst/>
-          </a:prstGeom>
-          <a:solidFill>
-            <a:srgbClr val="C00000">
-              <a:alpha val="58039"/>
-            </a:srgbClr>
-          </a:solidFill>
-        </p:spPr>
-        <p:txBody>
-          <a:bodyPr wrap="square" rtlCol="0">
-            <a:spAutoFit/>
-          </a:bodyPr>
-          <a:lstStyle/>
-          <a:p>
-            <a:pPr algn="ctr"/>
-            <a:r>
-              <a:rPr kumimoji="1" lang="zh-CN" altLang="en-US" sz="9600" dirty="0">
-                <a:solidFill>
-                  <a:schemeClr val="bg1"/>
-                </a:solidFill>
-                <a:latin typeface="Microsoft YaHei" panose="020B0503020204020204" pitchFamily="34" charset="-122"/>
-                <a:ea typeface="Microsoft YaHei" panose="020B0503020204020204" pitchFamily="34" charset="-122"/>
-              </a:rPr>
-              <a:t>总结</a:t>
-            </a:r>
-          </a:p>
-        </p:txBody>
-      </p:sp>
-    </p:spTree>
-    <p:extLst>
-      <p:ext uri="{BB962C8B-B14F-4D97-AF65-F5344CB8AC3E}">
-        <p14:creationId xmlns:p14="http://schemas.microsoft.com/office/powerpoint/2010/main" val="3725584841"/>
-      </p:ext>
-    </p:extLst>
-  </p:cSld>
-  <p:clrMapOvr>
-    <a:masterClrMapping/>
-  </p:clrMapOvr>
-</p:sld>
-</file>
-
-<file path=ppt/slides/slide17.xml><?xml version="1.0" encoding="utf-8"?>
+<file path=ppt/slides/slide15.xml><?xml version="1.0" encoding="utf-8"?>
 <p:sld xmlns:a="http://schemas.openxmlformats.org/drawingml/2006/main" xmlns:r="http://schemas.openxmlformats.org/officeDocument/2006/relationships" xmlns:p="http://schemas.openxmlformats.org/presentationml/2006/main" showMasterSp="0">
   <p:cSld>
     <p:spTree>
@@ -29427,88 +32425,6 @@
 </file>
 
 <file path=ppt/slides/slide2.xml><?xml version="1.0" encoding="utf-8"?>
-<p:sld xmlns:a="http://schemas.openxmlformats.org/drawingml/2006/main" xmlns:r="http://schemas.openxmlformats.org/officeDocument/2006/relationships" xmlns:p="http://schemas.openxmlformats.org/presentationml/2006/main">
-  <p:cSld>
-    <p:spTree>
-      <p:nvGrpSpPr>
-        <p:cNvPr id="1" name="">
-          <a:extLst>
-            <a:ext uri="{FF2B5EF4-FFF2-40B4-BE49-F238E27FC236}">
-              <a16:creationId xmlns:a16="http://schemas.microsoft.com/office/drawing/2014/main" id="{A29E0117-406E-5381-AFDE-3D844073302E}"/>
-            </a:ext>
-          </a:extLst>
-        </p:cNvPr>
-        <p:cNvGrpSpPr/>
-        <p:nvPr/>
-      </p:nvGrpSpPr>
-      <p:grpSpPr>
-        <a:xfrm>
-          <a:off x="0" y="0"/>
-          <a:ext cx="0" cy="0"/>
-          <a:chOff x="0" y="0"/>
-          <a:chExt cx="0" cy="0"/>
-        </a:xfrm>
-      </p:grpSpPr>
-      <p:sp>
-        <p:nvSpPr>
-          <p:cNvPr id="103" name="文本框 102">
-            <a:extLst>
-              <a:ext uri="{FF2B5EF4-FFF2-40B4-BE49-F238E27FC236}">
-                <a16:creationId xmlns:a16="http://schemas.microsoft.com/office/drawing/2014/main" id="{D827641E-9C3C-7004-8CC3-1411F4F57BB0}"/>
-              </a:ext>
-            </a:extLst>
-          </p:cNvPr>
-          <p:cNvSpPr txBox="1"/>
-          <p:nvPr/>
-        </p:nvSpPr>
-        <p:spPr>
-          <a:xfrm>
-            <a:off x="1540423" y="2360346"/>
-            <a:ext cx="8874438" cy="1569660"/>
-          </a:xfrm>
-          <a:prstGeom prst="rect">
-            <a:avLst/>
-          </a:prstGeom>
-          <a:solidFill>
-            <a:srgbClr val="C00000">
-              <a:alpha val="58039"/>
-            </a:srgbClr>
-          </a:solidFill>
-        </p:spPr>
-        <p:txBody>
-          <a:bodyPr wrap="square" rtlCol="0">
-            <a:spAutoFit/>
-          </a:bodyPr>
-          <a:lstStyle/>
-          <a:p>
-            <a:pPr algn="ctr"/>
-            <a:r>
-              <a:rPr kumimoji="1" lang="zh-CN" altLang="en-US" sz="9600" dirty="0">
-                <a:solidFill>
-                  <a:schemeClr val="bg1"/>
-                </a:solidFill>
-                <a:latin typeface="Microsoft YaHei" panose="020B0503020204020204" pitchFamily="34" charset="-122"/>
-                <a:ea typeface="Microsoft YaHei" panose="020B0503020204020204" pitchFamily="34" charset="-122"/>
-              </a:rPr>
-              <a:t>队伍介绍</a:t>
-            </a:r>
-          </a:p>
-        </p:txBody>
-      </p:sp>
-    </p:spTree>
-    <p:extLst>
-      <p:ext uri="{BB962C8B-B14F-4D97-AF65-F5344CB8AC3E}">
-        <p14:creationId xmlns:p14="http://schemas.microsoft.com/office/powerpoint/2010/main" val="1556339359"/>
-      </p:ext>
-    </p:extLst>
-  </p:cSld>
-  <p:clrMapOvr>
-    <a:masterClrMapping/>
-  </p:clrMapOvr>
-</p:sld>
-</file>
-
-<file path=ppt/slides/slide3.xml><?xml version="1.0" encoding="utf-8"?>
 <p:sld xmlns:a="http://schemas.openxmlformats.org/drawingml/2006/main" xmlns:r="http://schemas.openxmlformats.org/officeDocument/2006/relationships" xmlns:p="http://schemas.openxmlformats.org/presentationml/2006/main">
   <p:cSld>
     <p:spTree>
@@ -29941,7 +32857,7 @@
 </p:sld>
 </file>
 
-<file path=ppt/slides/slide4.xml><?xml version="1.0" encoding="utf-8"?>
+<file path=ppt/slides/slide3.xml><?xml version="1.0" encoding="utf-8"?>
 <p:sld xmlns:a="http://schemas.openxmlformats.org/drawingml/2006/main" xmlns:r="http://schemas.openxmlformats.org/officeDocument/2006/relationships" xmlns:p="http://schemas.openxmlformats.org/presentationml/2006/main">
   <p:cSld>
     <p:spTree>
@@ -30006,7 +32922,7 @@
 </p:sld>
 </file>
 
-<file path=ppt/slides/slide5.xml><?xml version="1.0" encoding="utf-8"?>
+<file path=ppt/slides/slide4.xml><?xml version="1.0" encoding="utf-8"?>
 <p:sld xmlns:a="http://schemas.openxmlformats.org/drawingml/2006/main" xmlns:r="http://schemas.openxmlformats.org/officeDocument/2006/relationships" xmlns:p="http://schemas.openxmlformats.org/presentationml/2006/main">
   <p:cSld>
     <p:spTree>
@@ -30416,10 +33332,7 @@
           <a:p>
             <a:pPr algn="ctr"/>
             <a:r>
-              <a:rPr kumimoji="1" lang="zh-CN" altLang="en-US" sz="2400" dirty="0">
-                <a:latin typeface="微软雅黑" panose="020B0503020204020204" pitchFamily="34" charset="-122"/>
-                <a:ea typeface="微软雅黑" panose="020B0503020204020204" pitchFamily="34" charset="-122"/>
-              </a:rPr>
+              <a:rPr kumimoji="1" lang="zh-CN" altLang="en-US" sz="2400" dirty="0"/>
               <a:t>语法分析</a:t>
             </a:r>
           </a:p>
@@ -30465,10 +33378,7 @@
           <a:p>
             <a:pPr algn="ctr"/>
             <a:r>
-              <a:rPr kumimoji="1" lang="zh-CN" altLang="en-US" sz="2400" dirty="0">
-                <a:latin typeface="微软雅黑" panose="020B0503020204020204" pitchFamily="34" charset="-122"/>
-                <a:ea typeface="微软雅黑" panose="020B0503020204020204" pitchFamily="34" charset="-122"/>
-              </a:rPr>
+              <a:rPr kumimoji="1" lang="zh-CN" altLang="en-US" sz="2400" dirty="0"/>
               <a:t>词法分析</a:t>
             </a:r>
           </a:p>
@@ -30514,10 +33424,7 @@
           <a:p>
             <a:pPr algn="ctr"/>
             <a:r>
-              <a:rPr kumimoji="1" lang="zh-CN" altLang="en-US" sz="2400" dirty="0">
-                <a:latin typeface="微软雅黑" panose="020B0503020204020204" pitchFamily="34" charset="-122"/>
-                <a:ea typeface="微软雅黑" panose="020B0503020204020204" pitchFamily="34" charset="-122"/>
-              </a:rPr>
+              <a:rPr kumimoji="1" lang="zh-CN" altLang="en-US" sz="2400" dirty="0"/>
               <a:t>语义分析</a:t>
             </a:r>
           </a:p>
@@ -30563,10 +33470,7 @@
           <a:p>
             <a:pPr algn="ctr"/>
             <a:r>
-              <a:rPr kumimoji="1" lang="zh-CN" altLang="en-US" sz="2400" dirty="0">
-                <a:latin typeface="微软雅黑" panose="020B0503020204020204" pitchFamily="34" charset="-122"/>
-                <a:ea typeface="微软雅黑" panose="020B0503020204020204" pitchFamily="34" charset="-122"/>
-              </a:rPr>
+              <a:rPr kumimoji="1" lang="zh-CN" altLang="en-US" sz="2400" dirty="0"/>
               <a:t>符号表与类型系统</a:t>
             </a:r>
           </a:p>
@@ -30597,8 +33501,8 @@
             <a:pPr algn="ctr"/>
             <a:r>
               <a:rPr kumimoji="1" lang="en-US" altLang="zh-CN" sz="2400" dirty="0">
-                <a:latin typeface="微软雅黑" panose="020B0503020204020204" pitchFamily="34" charset="-122"/>
-                <a:ea typeface="微软雅黑" panose="020B0503020204020204" pitchFamily="34" charset="-122"/>
+                <a:latin typeface="微软雅黑 Light" panose="020B0502040204020203" pitchFamily="34" charset="-122"/>
+                <a:ea typeface="微软雅黑 Light" panose="020B0502040204020203" pitchFamily="34" charset="-122"/>
                 <a:sym typeface="+mn-ea"/>
               </a:rPr>
               <a:t>parser.y</a:t>
@@ -30608,8 +33512,8 @@
             <a:pPr algn="ctr"/>
             <a:r>
               <a:rPr kumimoji="1" lang="en-US" altLang="zh-CN" sz="2400" dirty="0">
-                <a:latin typeface="微软雅黑" panose="020B0503020204020204" pitchFamily="34" charset="-122"/>
-                <a:ea typeface="微软雅黑" panose="020B0503020204020204" pitchFamily="34" charset="-122"/>
+                <a:latin typeface="微软雅黑 Light" panose="020B0502040204020203" pitchFamily="34" charset="-122"/>
+                <a:ea typeface="微软雅黑 Light" panose="020B0502040204020203" pitchFamily="34" charset="-122"/>
                 <a:sym typeface="+mn-ea"/>
               </a:rPr>
               <a:t>ast.h </a:t>
@@ -30641,9 +33545,9 @@
           <a:p>
             <a:pPr algn="ctr"/>
             <a:r>
-              <a:rPr kumimoji="1" lang="en-US" altLang="zh-CN" sz="2000" dirty="0">
-                <a:latin typeface="微软雅黑" panose="020B0503020204020204" pitchFamily="34" charset="-122"/>
-                <a:ea typeface="微软雅黑" panose="020B0503020204020204" pitchFamily="34" charset="-122"/>
+              <a:rPr kumimoji="1" lang="en-US" altLang="zh-CN" sz="2000" b="1" dirty="0">
+                <a:latin typeface="微软雅黑 Light" panose="020B0502040204020203" pitchFamily="34" charset="-122"/>
+                <a:ea typeface="微软雅黑 Light" panose="020B0502040204020203" pitchFamily="34" charset="-122"/>
                 <a:sym typeface="+mn-ea"/>
               </a:rPr>
               <a:t>semantic.h</a:t>
@@ -30652,9 +33556,9 @@
           <a:p>
             <a:pPr algn="ctr"/>
             <a:r>
-              <a:rPr kumimoji="1" lang="en-US" altLang="zh-CN" sz="2000" dirty="0">
-                <a:latin typeface="微软雅黑" panose="020B0503020204020204" pitchFamily="34" charset="-122"/>
-                <a:ea typeface="微软雅黑" panose="020B0503020204020204" pitchFamily="34" charset="-122"/>
+              <a:rPr kumimoji="1" lang="en-US" altLang="zh-CN" sz="2000" b="1" dirty="0">
+                <a:latin typeface="微软雅黑 Light" panose="020B0502040204020203" pitchFamily="34" charset="-122"/>
+                <a:ea typeface="微软雅黑 Light" panose="020B0502040204020203" pitchFamily="34" charset="-122"/>
                 <a:sym typeface="+mn-ea"/>
               </a:rPr>
               <a:t>semantic.cpp</a:t>
@@ -30662,9 +33566,9 @@
           </a:p>
           <a:p>
             <a:pPr algn="ctr"/>
-            <a:endParaRPr kumimoji="1" lang="en-US" altLang="zh-CN" sz="2000" dirty="0">
-              <a:latin typeface="微软雅黑" panose="020B0503020204020204" pitchFamily="34" charset="-122"/>
-              <a:ea typeface="微软雅黑" panose="020B0503020204020204" pitchFamily="34" charset="-122"/>
+            <a:endParaRPr kumimoji="1" lang="en-US" altLang="zh-CN" sz="2000" b="1" dirty="0">
+              <a:latin typeface="微软雅黑 Light" panose="020B0502040204020203" pitchFamily="34" charset="-122"/>
+              <a:ea typeface="微软雅黑 Light" panose="020B0502040204020203" pitchFamily="34" charset="-122"/>
               <a:sym typeface="+mn-ea"/>
             </a:endParaRPr>
           </a:p>
@@ -30694,9 +33598,9 @@
           <a:p>
             <a:pPr algn="ctr"/>
             <a:r>
-              <a:rPr kumimoji="1" lang="en-US" altLang="zh-CN" sz="2000" dirty="0">
-                <a:latin typeface="微软雅黑" panose="020B0503020204020204" pitchFamily="34" charset="-122"/>
-                <a:ea typeface="微软雅黑" panose="020B0503020204020204" pitchFamily="34" charset="-122"/>
+              <a:rPr kumimoji="1" lang="en-US" altLang="zh-CN" sz="2000" b="1" dirty="0">
+                <a:latin typeface="微软雅黑 Light" panose="020B0502040204020203" pitchFamily="34" charset="-122"/>
+                <a:ea typeface="微软雅黑 Light" panose="020B0502040204020203" pitchFamily="34" charset="-122"/>
                 <a:sym typeface="+mn-ea"/>
               </a:rPr>
               <a:t>symtab.h</a:t>
@@ -30705,9 +33609,9 @@
           <a:p>
             <a:pPr algn="ctr"/>
             <a:r>
-              <a:rPr kumimoji="1" lang="en-US" altLang="zh-CN" sz="2000" dirty="0">
-                <a:latin typeface="微软雅黑" panose="020B0503020204020204" pitchFamily="34" charset="-122"/>
-                <a:ea typeface="微软雅黑" panose="020B0503020204020204" pitchFamily="34" charset="-122"/>
+              <a:rPr kumimoji="1" lang="en-US" altLang="zh-CN" sz="2000" b="1" dirty="0">
+                <a:latin typeface="微软雅黑 Light" panose="020B0502040204020203" pitchFamily="34" charset="-122"/>
+                <a:ea typeface="微软雅黑 Light" panose="020B0502040204020203" pitchFamily="34" charset="-122"/>
                 <a:sym typeface="+mn-ea"/>
               </a:rPr>
               <a:t>types.h</a:t>
@@ -30902,8 +33806,8 @@
             <a:pPr algn="ctr"/>
             <a:r>
               <a:rPr kumimoji="1" lang="en-US" altLang="zh-CN" sz="2800" dirty="0">
-                <a:latin typeface="微软雅黑" panose="020B0503020204020204" pitchFamily="34" charset="-122"/>
-                <a:ea typeface="微软雅黑" panose="020B0503020204020204" pitchFamily="34" charset="-122"/>
+                <a:latin typeface="微软雅黑 Light" panose="020B0502040204020203" pitchFamily="34" charset="-122"/>
+                <a:ea typeface="微软雅黑 Light" panose="020B0502040204020203" pitchFamily="34" charset="-122"/>
                 <a:sym typeface="+mn-ea"/>
               </a:rPr>
               <a:t>lex.l</a:t>
@@ -30919,8 +33823,8 @@
         </p:nvSpPr>
         <p:spPr>
           <a:xfrm>
-            <a:off x="161290" y="3089275"/>
-            <a:ext cx="522605" cy="2248535"/>
+            <a:off x="418741" y="3213557"/>
+            <a:ext cx="1517014" cy="3338158"/>
           </a:xfrm>
           <a:prstGeom prst="rect">
             <a:avLst/>
@@ -30934,7 +33838,7 @@
           <a:lstStyle/>
           <a:p>
             <a:r>
-              <a:rPr lang="zh-CN" altLang="en-US" sz="2400" b="1" dirty="0">
+              <a:rPr lang="zh-CN" altLang="en-US" sz="4000" b="1" dirty="0">
                 <a:latin typeface="微软雅黑" panose="020B0503020204020204" pitchFamily="34" charset="-122"/>
                 <a:ea typeface="微软雅黑" panose="020B0503020204020204" pitchFamily="34" charset="-122"/>
                 <a:sym typeface="+mn-ea"/>
@@ -30944,7 +33848,7 @@
           </a:p>
           <a:p>
             <a:r>
-              <a:rPr lang="zh-CN" altLang="en-US" sz="2400" b="1" dirty="0">
+              <a:rPr lang="zh-CN" altLang="en-US" sz="4000" b="1" dirty="0">
                 <a:latin typeface="微软雅黑" panose="020B0503020204020204" pitchFamily="34" charset="-122"/>
                 <a:ea typeface="微软雅黑" panose="020B0503020204020204" pitchFamily="34" charset="-122"/>
                 <a:sym typeface="+mn-ea"/>
@@ -30954,7 +33858,7 @@
           </a:p>
           <a:p>
             <a:r>
-              <a:rPr lang="zh-CN" altLang="en-US" sz="2400" b="1" dirty="0">
+              <a:rPr lang="zh-CN" altLang="en-US" sz="4000" b="1" dirty="0">
                 <a:latin typeface="微软雅黑" panose="020B0503020204020204" pitchFamily="34" charset="-122"/>
                 <a:ea typeface="微软雅黑" panose="020B0503020204020204" pitchFamily="34" charset="-122"/>
                 <a:sym typeface="+mn-ea"/>
@@ -30964,1632 +33868,53 @@
           </a:p>
           <a:p>
             <a:r>
-              <a:rPr lang="zh-CN" altLang="en-US" sz="2400" b="1" dirty="0">
+              <a:rPr lang="zh-CN" altLang="en-US" sz="4000" b="1" dirty="0">
                 <a:latin typeface="微软雅黑" panose="020B0503020204020204" pitchFamily="34" charset="-122"/>
                 <a:ea typeface="微软雅黑" panose="020B0503020204020204" pitchFamily="34" charset="-122"/>
                 <a:sym typeface="+mn-ea"/>
               </a:rPr>
-              <a:t>结</a:t>
+              <a:t>设</a:t>
             </a:r>
-          </a:p>
-          <a:p>
-            <a:r>
-              <a:rPr lang="zh-CN" altLang="en-US" sz="2400" b="1" dirty="0">
-                <a:latin typeface="微软雅黑" panose="020B0503020204020204" pitchFamily="34" charset="-122"/>
-                <a:ea typeface="微软雅黑" panose="020B0503020204020204" pitchFamily="34" charset="-122"/>
-                <a:sym typeface="+mn-ea"/>
-              </a:rPr>
-              <a:t>构</a:t>
-            </a:r>
-            <a:endParaRPr lang="zh-CN" altLang="en-US" sz="2400" dirty="0">
-              <a:solidFill>
-                <a:schemeClr val="tx1">
-                  <a:lumMod val="50000"/>
-                  <a:lumOff val="50000"/>
-                </a:schemeClr>
-              </a:solidFill>
-              <a:latin typeface="微软雅黑 Light" panose="020B0502040204020203" pitchFamily="34" charset="-122"/>
-              <a:ea typeface="微软雅黑 Light" panose="020B0502040204020203" pitchFamily="34" charset="-122"/>
-            </a:endParaRPr>
-          </a:p>
-          <a:p>
-            <a:endParaRPr lang="zh-CN" altLang="en-US" sz="2400" b="1" dirty="0">
+            <a:endParaRPr lang="en-US" altLang="zh-CN" sz="4000" b="1" dirty="0">
               <a:latin typeface="微软雅黑" panose="020B0503020204020204" pitchFamily="34" charset="-122"/>
               <a:ea typeface="微软雅黑" panose="020B0503020204020204" pitchFamily="34" charset="-122"/>
               <a:sym typeface="+mn-ea"/>
             </a:endParaRPr>
           </a:p>
-        </p:txBody>
-      </p:sp>
-      <p:sp>
-        <p:nvSpPr>
-          <p:cNvPr id="16" name="文本框 15"/>
-          <p:cNvSpPr txBox="1"/>
-          <p:nvPr/>
-        </p:nvSpPr>
-        <p:spPr>
-          <a:xfrm>
-            <a:off x="946785" y="2656840"/>
-            <a:ext cx="3949065" cy="4215765"/>
-          </a:xfrm>
-          <a:prstGeom prst="rect">
-            <a:avLst/>
-          </a:prstGeom>
-          <a:noFill/>
-        </p:spPr>
-        <p:txBody>
-          <a:bodyPr wrap="square" rtlCol="0" anchor="t">
-            <a:spAutoFit/>
-          </a:bodyPr>
-          <a:lstStyle/>
           <a:p>
             <a:r>
-              <a:rPr lang="zh-CN" altLang="en-US" b="1" dirty="0">
-                <a:effectLst>
-                  <a:outerShdw blurRad="38100" dist="38100" dir="2700000" algn="tl">
-                    <a:srgbClr val="000000">
-                      <a:alpha val="43137"/>
-                    </a:srgbClr>
-                  </a:outerShdw>
-                </a:effectLst>
+              <a:rPr lang="zh-CN" altLang="en-US" sz="4000" b="1" dirty="0">
                 <a:latin typeface="微软雅黑" panose="020B0503020204020204" pitchFamily="34" charset="-122"/>
                 <a:ea typeface="微软雅黑" panose="020B0503020204020204" pitchFamily="34" charset="-122"/>
-                <a:cs typeface="微软雅黑" panose="020B0503020204020204" pitchFamily="34" charset="-122"/>
-              </a:rPr>
-              <a:t>作用域层级</a:t>
-            </a:r>
-            <a:r>
-              <a:rPr lang="en-US" altLang="zh-CN" b="1" dirty="0">
-                <a:effectLst>
-                  <a:outerShdw blurRad="38100" dist="38100" dir="2700000" algn="tl">
-                    <a:srgbClr val="000000">
-                      <a:alpha val="43137"/>
-                    </a:srgbClr>
-                  </a:outerShdw>
-                </a:effectLst>
-                <a:latin typeface="微软雅黑" panose="020B0503020204020204" pitchFamily="34" charset="-122"/>
-                <a:ea typeface="微软雅黑" panose="020B0503020204020204" pitchFamily="34" charset="-122"/>
-                <a:cs typeface="微软雅黑" panose="020B0503020204020204" pitchFamily="34" charset="-122"/>
-              </a:rPr>
-              <a:t> </a:t>
-            </a:r>
-          </a:p>
-          <a:p>
-            <a:pPr algn="l"/>
-            <a:r>
-              <a:rPr lang="en-US" altLang="zh-CN" sz="1400" dirty="0">
-                <a:latin typeface="微软雅黑" panose="020B0503020204020204" pitchFamily="34" charset="-122"/>
-                <a:ea typeface="微软雅黑" panose="020B0503020204020204" pitchFamily="34" charset="-122"/>
-                <a:cs typeface="微软雅黑" panose="020B0503020204020204" pitchFamily="34" charset="-122"/>
-              </a:rPr>
-              <a:t>            - </a:t>
-            </a:r>
-            <a:r>
-              <a:rPr lang="zh-CN" altLang="en-US" sz="1400" dirty="0">
-                <a:latin typeface="微软雅黑" panose="020B0503020204020204" pitchFamily="34" charset="-122"/>
-                <a:ea typeface="微软雅黑" panose="020B0503020204020204" pitchFamily="34" charset="-122"/>
-                <a:cs typeface="微软雅黑" panose="020B0503020204020204" pitchFamily="34" charset="-122"/>
-              </a:rPr>
-              <a:t>全局作用域</a:t>
-            </a:r>
-          </a:p>
-          <a:p>
-            <a:pPr algn="l"/>
-            <a:r>
-              <a:rPr lang="en-US" altLang="zh-CN" sz="1400" dirty="0">
-                <a:latin typeface="微软雅黑" panose="020B0503020204020204" pitchFamily="34" charset="-122"/>
-                <a:ea typeface="微软雅黑" panose="020B0503020204020204" pitchFamily="34" charset="-122"/>
-                <a:cs typeface="微软雅黑" panose="020B0503020204020204" pitchFamily="34" charset="-122"/>
                 <a:sym typeface="+mn-ea"/>
               </a:rPr>
-              <a:t>            </a:t>
-            </a:r>
-            <a:r>
-              <a:rPr lang="en-US" altLang="zh-CN" sz="1400" dirty="0">
-                <a:latin typeface="微软雅黑" panose="020B0503020204020204" pitchFamily="34" charset="-122"/>
-                <a:ea typeface="微软雅黑" panose="020B0503020204020204" pitchFamily="34" charset="-122"/>
-                <a:cs typeface="微软雅黑" panose="020B0503020204020204" pitchFamily="34" charset="-122"/>
-              </a:rPr>
-              <a:t>- </a:t>
-            </a:r>
-            <a:r>
-              <a:rPr lang="zh-CN" altLang="en-US" sz="1400" dirty="0">
-                <a:latin typeface="微软雅黑" panose="020B0503020204020204" pitchFamily="34" charset="-122"/>
-                <a:ea typeface="微软雅黑" panose="020B0503020204020204" pitchFamily="34" charset="-122"/>
-                <a:cs typeface="微软雅黑" panose="020B0503020204020204" pitchFamily="34" charset="-122"/>
-              </a:rPr>
-              <a:t>函数作用域</a:t>
-            </a:r>
-          </a:p>
-          <a:p>
-            <a:pPr algn="l"/>
-            <a:r>
-              <a:rPr lang="en-US" altLang="zh-CN" sz="1400" dirty="0">
-                <a:latin typeface="微软雅黑" panose="020B0503020204020204" pitchFamily="34" charset="-122"/>
-                <a:ea typeface="微软雅黑" panose="020B0503020204020204" pitchFamily="34" charset="-122"/>
-                <a:cs typeface="微软雅黑" panose="020B0503020204020204" pitchFamily="34" charset="-122"/>
-                <a:sym typeface="+mn-ea"/>
-              </a:rPr>
-              <a:t>            </a:t>
-            </a:r>
-            <a:r>
-              <a:rPr lang="en-US" altLang="zh-CN" sz="1400" dirty="0">
-                <a:latin typeface="微软雅黑" panose="020B0503020204020204" pitchFamily="34" charset="-122"/>
-                <a:ea typeface="微软雅黑" panose="020B0503020204020204" pitchFamily="34" charset="-122"/>
-                <a:cs typeface="微软雅黑" panose="020B0503020204020204" pitchFamily="34" charset="-122"/>
-              </a:rPr>
-              <a:t>- </a:t>
-            </a:r>
-            <a:r>
-              <a:rPr lang="zh-CN" altLang="en-US" sz="1400" dirty="0">
-                <a:latin typeface="微软雅黑" panose="020B0503020204020204" pitchFamily="34" charset="-122"/>
-                <a:ea typeface="微软雅黑" panose="020B0503020204020204" pitchFamily="34" charset="-122"/>
-                <a:cs typeface="微软雅黑" panose="020B0503020204020204" pitchFamily="34" charset="-122"/>
-              </a:rPr>
-              <a:t>语句块作用域</a:t>
-            </a:r>
-          </a:p>
-          <a:p>
-            <a:pPr algn="l"/>
-            <a:endParaRPr lang="zh-CN" altLang="en-US" sz="1400" dirty="0">
-              <a:latin typeface="微软雅黑" panose="020B0503020204020204" pitchFamily="34" charset="-122"/>
-              <a:ea typeface="微软雅黑" panose="020B0503020204020204" pitchFamily="34" charset="-122"/>
-              <a:cs typeface="微软雅黑" panose="020B0503020204020204" pitchFamily="34" charset="-122"/>
-            </a:endParaRPr>
-          </a:p>
-          <a:p>
-            <a:r>
-              <a:rPr lang="zh-CN" altLang="en-US" b="1" dirty="0">
-                <a:effectLst>
-                  <a:outerShdw blurRad="38100" dist="38100" dir="2700000" algn="tl">
-                    <a:srgbClr val="000000">
-                      <a:alpha val="43137"/>
-                    </a:srgbClr>
-                  </a:outerShdw>
-                </a:effectLst>
-                <a:latin typeface="微软雅黑" panose="020B0503020204020204" pitchFamily="34" charset="-122"/>
-                <a:ea typeface="微软雅黑" panose="020B0503020204020204" pitchFamily="34" charset="-122"/>
-                <a:cs typeface="微软雅黑" panose="020B0503020204020204" pitchFamily="34" charset="-122"/>
-              </a:rPr>
-              <a:t>符号条目</a:t>
-            </a:r>
-          </a:p>
-          <a:p>
-            <a:r>
-              <a:rPr lang="en-US" altLang="zh-CN" sz="1400" dirty="0">
-                <a:latin typeface="微软雅黑" panose="020B0503020204020204" pitchFamily="34" charset="-122"/>
-                <a:ea typeface="微软雅黑" panose="020B0503020204020204" pitchFamily="34" charset="-122"/>
-                <a:cs typeface="微软雅黑" panose="020B0503020204020204" pitchFamily="34" charset="-122"/>
-                <a:sym typeface="+mn-ea"/>
-              </a:rPr>
-              <a:t>            </a:t>
-            </a:r>
-            <a:r>
-              <a:rPr lang="en-US" altLang="zh-CN" sz="1400" dirty="0">
-                <a:solidFill>
-                  <a:schemeClr val="tx1">
-                    <a:lumMod val="50000"/>
-                    <a:lumOff val="50000"/>
-                  </a:schemeClr>
-                </a:solidFill>
-                <a:latin typeface="微软雅黑" panose="020B0503020204020204" pitchFamily="34" charset="-122"/>
-                <a:ea typeface="微软雅黑" panose="020B0503020204020204" pitchFamily="34" charset="-122"/>
-                <a:cs typeface="微软雅黑" panose="020B0503020204020204" pitchFamily="34" charset="-122"/>
-              </a:rPr>
-              <a:t>- name , kind type , storage , </a:t>
-            </a:r>
-            <a:r>
-              <a:rPr lang="en-US" altLang="zh-CN" sz="1400" dirty="0" err="1">
-                <a:solidFill>
-                  <a:schemeClr val="tx1">
-                    <a:lumMod val="50000"/>
-                    <a:lumOff val="50000"/>
-                  </a:schemeClr>
-                </a:solidFill>
-                <a:latin typeface="微软雅黑" panose="020B0503020204020204" pitchFamily="34" charset="-122"/>
-                <a:ea typeface="微软雅黑" panose="020B0503020204020204" pitchFamily="34" charset="-122"/>
-                <a:cs typeface="微软雅黑" panose="020B0503020204020204" pitchFamily="34" charset="-122"/>
-              </a:rPr>
-              <a:t>constness</a:t>
-            </a:r>
-            <a:r>
-              <a:rPr lang="en-US" altLang="zh-CN" sz="1400" dirty="0">
-                <a:solidFill>
-                  <a:schemeClr val="tx1">
-                    <a:lumMod val="50000"/>
-                    <a:lumOff val="50000"/>
-                  </a:schemeClr>
-                </a:solidFill>
-                <a:latin typeface="微软雅黑" panose="020B0503020204020204" pitchFamily="34" charset="-122"/>
-                <a:ea typeface="微软雅黑" panose="020B0503020204020204" pitchFamily="34" charset="-122"/>
-                <a:cs typeface="微软雅黑" panose="020B0503020204020204" pitchFamily="34" charset="-122"/>
-              </a:rPr>
-              <a:t> , </a:t>
-            </a:r>
-            <a:r>
-              <a:rPr lang="en-US" altLang="zh-CN" sz="1400" dirty="0" err="1">
-                <a:solidFill>
-                  <a:schemeClr val="tx1">
-                    <a:lumMod val="50000"/>
-                    <a:lumOff val="50000"/>
-                  </a:schemeClr>
-                </a:solidFill>
-                <a:latin typeface="微软雅黑" panose="020B0503020204020204" pitchFamily="34" charset="-122"/>
-                <a:ea typeface="微软雅黑" panose="020B0503020204020204" pitchFamily="34" charset="-122"/>
-                <a:cs typeface="微软雅黑" panose="020B0503020204020204" pitchFamily="34" charset="-122"/>
-              </a:rPr>
-              <a:t>init</a:t>
-            </a:r>
-            <a:r>
-              <a:rPr lang="en-US" altLang="zh-CN" sz="1400" dirty="0">
-                <a:solidFill>
-                  <a:schemeClr val="tx1">
-                    <a:lumMod val="50000"/>
-                    <a:lumOff val="50000"/>
-                  </a:schemeClr>
-                </a:solidFill>
-                <a:latin typeface="微软雅黑" panose="020B0503020204020204" pitchFamily="34" charset="-122"/>
-                <a:ea typeface="微软雅黑" panose="020B0503020204020204" pitchFamily="34" charset="-122"/>
-                <a:cs typeface="微软雅黑" panose="020B0503020204020204" pitchFamily="34" charset="-122"/>
-              </a:rPr>
-              <a:t> , </a:t>
-            </a:r>
-          </a:p>
-          <a:p>
-            <a:r>
-              <a:rPr lang="en-US" altLang="zh-CN" sz="1400" dirty="0">
-                <a:solidFill>
-                  <a:schemeClr val="tx1">
-                    <a:lumMod val="50000"/>
-                    <a:lumOff val="50000"/>
-                  </a:schemeClr>
-                </a:solidFill>
-                <a:latin typeface="微软雅黑" panose="020B0503020204020204" pitchFamily="34" charset="-122"/>
-                <a:ea typeface="微软雅黑" panose="020B0503020204020204" pitchFamily="34" charset="-122"/>
-                <a:cs typeface="微软雅黑" panose="020B0503020204020204" pitchFamily="34" charset="-122"/>
-              </a:rPr>
-              <a:t>     </a:t>
-            </a:r>
-            <a:r>
-              <a:rPr lang="en-US" altLang="zh-CN" sz="1400" dirty="0" err="1">
-                <a:solidFill>
-                  <a:schemeClr val="tx1">
-                    <a:lumMod val="50000"/>
-                    <a:lumOff val="50000"/>
-                  </a:schemeClr>
-                </a:solidFill>
-                <a:latin typeface="微软雅黑" panose="020B0503020204020204" pitchFamily="34" charset="-122"/>
-                <a:ea typeface="微软雅黑" panose="020B0503020204020204" pitchFamily="34" charset="-122"/>
-                <a:cs typeface="微软雅黑" panose="020B0503020204020204" pitchFamily="34" charset="-122"/>
-              </a:rPr>
-              <a:t>array_meta</a:t>
-            </a:r>
-            <a:r>
-              <a:rPr lang="en-US" altLang="zh-CN" sz="1400" dirty="0">
-                <a:solidFill>
-                  <a:schemeClr val="tx1">
-                    <a:lumMod val="50000"/>
-                    <a:lumOff val="50000"/>
-                  </a:schemeClr>
-                </a:solidFill>
-                <a:latin typeface="微软雅黑" panose="020B0503020204020204" pitchFamily="34" charset="-122"/>
-                <a:ea typeface="微软雅黑" panose="020B0503020204020204" pitchFamily="34" charset="-122"/>
-                <a:cs typeface="微软雅黑" panose="020B0503020204020204" pitchFamily="34" charset="-122"/>
-              </a:rPr>
-              <a:t> , </a:t>
-            </a:r>
-            <a:r>
-              <a:rPr lang="en-US" altLang="zh-CN" sz="1400" dirty="0" err="1">
-                <a:solidFill>
-                  <a:schemeClr val="tx1">
-                    <a:lumMod val="50000"/>
-                    <a:lumOff val="50000"/>
-                  </a:schemeClr>
-                </a:solidFill>
-                <a:latin typeface="微软雅黑" panose="020B0503020204020204" pitchFamily="34" charset="-122"/>
-                <a:ea typeface="微软雅黑" panose="020B0503020204020204" pitchFamily="34" charset="-122"/>
-                <a:cs typeface="微软雅黑" panose="020B0503020204020204" pitchFamily="34" charset="-122"/>
-              </a:rPr>
-              <a:t>function_meta</a:t>
-            </a:r>
-            <a:r>
-              <a:rPr lang="en-US" altLang="zh-CN" sz="1400" dirty="0">
-                <a:solidFill>
-                  <a:schemeClr val="tx1">
-                    <a:lumMod val="50000"/>
-                    <a:lumOff val="50000"/>
-                  </a:schemeClr>
-                </a:solidFill>
-                <a:latin typeface="微软雅黑" panose="020B0503020204020204" pitchFamily="34" charset="-122"/>
-                <a:ea typeface="微软雅黑" panose="020B0503020204020204" pitchFamily="34" charset="-122"/>
-                <a:cs typeface="微软雅黑" panose="020B0503020204020204" pitchFamily="34" charset="-122"/>
-              </a:rPr>
-              <a:t> , </a:t>
-            </a:r>
-            <a:r>
-              <a:rPr lang="en-US" altLang="zh-CN" sz="1400" dirty="0" err="1">
-                <a:solidFill>
-                  <a:schemeClr val="tx1">
-                    <a:lumMod val="50000"/>
-                    <a:lumOff val="50000"/>
-                  </a:schemeClr>
-                </a:solidFill>
-                <a:latin typeface="微软雅黑" panose="020B0503020204020204" pitchFamily="34" charset="-122"/>
-                <a:ea typeface="微软雅黑" panose="020B0503020204020204" pitchFamily="34" charset="-122"/>
-                <a:cs typeface="微软雅黑" panose="020B0503020204020204" pitchFamily="34" charset="-122"/>
-              </a:rPr>
-              <a:t>source_loc</a:t>
-            </a:r>
-            <a:endParaRPr lang="en-US" altLang="zh-CN" sz="1400" dirty="0">
-              <a:solidFill>
-                <a:schemeClr val="tx1">
-                  <a:lumMod val="50000"/>
-                  <a:lumOff val="50000"/>
-                </a:schemeClr>
-              </a:solidFill>
-              <a:latin typeface="微软雅黑" panose="020B0503020204020204" pitchFamily="34" charset="-122"/>
-              <a:ea typeface="微软雅黑" panose="020B0503020204020204" pitchFamily="34" charset="-122"/>
-              <a:cs typeface="微软雅黑" panose="020B0503020204020204" pitchFamily="34" charset="-122"/>
-            </a:endParaRPr>
-          </a:p>
-          <a:p>
-            <a:endParaRPr lang="en-US" altLang="zh-CN" sz="1400" dirty="0">
-              <a:solidFill>
-                <a:schemeClr val="tx1">
-                  <a:lumMod val="50000"/>
-                  <a:lumOff val="50000"/>
-                </a:schemeClr>
-              </a:solidFill>
-              <a:latin typeface="微软雅黑" panose="020B0503020204020204" pitchFamily="34" charset="-122"/>
-              <a:ea typeface="微软雅黑" panose="020B0503020204020204" pitchFamily="34" charset="-122"/>
-              <a:cs typeface="微软雅黑" panose="020B0503020204020204" pitchFamily="34" charset="-122"/>
-            </a:endParaRPr>
-          </a:p>
-          <a:p>
-            <a:r>
-              <a:rPr lang="zh-CN" altLang="en-US" b="1" dirty="0">
-                <a:effectLst>
-                  <a:outerShdw blurRad="38100" dist="38100" dir="2700000" algn="tl">
-                    <a:srgbClr val="000000">
-                      <a:alpha val="43137"/>
-                    </a:srgbClr>
-                  </a:outerShdw>
-                </a:effectLst>
-                <a:latin typeface="微软雅黑" panose="020B0503020204020204" pitchFamily="34" charset="-122"/>
-                <a:ea typeface="微软雅黑" panose="020B0503020204020204" pitchFamily="34" charset="-122"/>
-                <a:cs typeface="微软雅黑" panose="020B0503020204020204" pitchFamily="34" charset="-122"/>
-              </a:rPr>
-              <a:t>类型等价与兼容策略</a:t>
-            </a:r>
-          </a:p>
-          <a:p>
-            <a:r>
-              <a:rPr lang="en-US" altLang="zh-CN" sz="1400" dirty="0">
-                <a:latin typeface="微软雅黑" panose="020B0503020204020204" pitchFamily="34" charset="-122"/>
-                <a:ea typeface="微软雅黑" panose="020B0503020204020204" pitchFamily="34" charset="-122"/>
-                <a:cs typeface="微软雅黑" panose="020B0503020204020204" pitchFamily="34" charset="-122"/>
-                <a:sym typeface="+mn-ea"/>
-              </a:rPr>
-              <a:t>            </a:t>
-            </a:r>
-            <a:r>
-              <a:rPr lang="en-US" altLang="zh-CN" sz="1400" dirty="0">
-                <a:latin typeface="微软雅黑" panose="020B0503020204020204" pitchFamily="34" charset="-122"/>
-                <a:ea typeface="微软雅黑" panose="020B0503020204020204" pitchFamily="34" charset="-122"/>
-                <a:cs typeface="微软雅黑" panose="020B0503020204020204" pitchFamily="34" charset="-122"/>
-              </a:rPr>
-              <a:t>- </a:t>
-            </a:r>
-            <a:r>
-              <a:rPr lang="zh-CN" altLang="en-US" sz="1400" dirty="0">
-                <a:latin typeface="微软雅黑" panose="020B0503020204020204" pitchFamily="34" charset="-122"/>
-                <a:ea typeface="微软雅黑" panose="020B0503020204020204" pitchFamily="34" charset="-122"/>
-                <a:cs typeface="微软雅黑" panose="020B0503020204020204" pitchFamily="34" charset="-122"/>
-              </a:rPr>
-              <a:t>等价</a:t>
-            </a:r>
-            <a:r>
-              <a:rPr lang="en-US" altLang="zh-CN" sz="1400" dirty="0">
-                <a:latin typeface="微软雅黑" panose="020B0503020204020204" pitchFamily="34" charset="-122"/>
-                <a:ea typeface="微软雅黑" panose="020B0503020204020204" pitchFamily="34" charset="-122"/>
-                <a:cs typeface="微软雅黑" panose="020B0503020204020204" pitchFamily="34" charset="-122"/>
-              </a:rPr>
-              <a:t> equals</a:t>
-            </a:r>
-            <a:r>
-              <a:rPr lang="zh-CN" altLang="en-US" sz="1400" dirty="0">
-                <a:latin typeface="微软雅黑" panose="020B0503020204020204" pitchFamily="34" charset="-122"/>
-                <a:ea typeface="微软雅黑" panose="020B0503020204020204" pitchFamily="34" charset="-122"/>
-                <a:cs typeface="微软雅黑" panose="020B0503020204020204" pitchFamily="34" charset="-122"/>
-              </a:rPr>
-              <a:t>：结构完全一致</a:t>
-            </a:r>
-          </a:p>
-          <a:p>
-            <a:r>
-              <a:rPr lang="en-US" altLang="zh-CN" sz="1400" dirty="0">
-                <a:latin typeface="微软雅黑" panose="020B0503020204020204" pitchFamily="34" charset="-122"/>
-                <a:ea typeface="微软雅黑" panose="020B0503020204020204" pitchFamily="34" charset="-122"/>
-                <a:cs typeface="微软雅黑" panose="020B0503020204020204" pitchFamily="34" charset="-122"/>
-                <a:sym typeface="+mn-ea"/>
-              </a:rPr>
-              <a:t>            </a:t>
-            </a:r>
-            <a:r>
-              <a:rPr lang="en-US" altLang="zh-CN" sz="1400" dirty="0">
-                <a:latin typeface="微软雅黑" panose="020B0503020204020204" pitchFamily="34" charset="-122"/>
-                <a:ea typeface="微软雅黑" panose="020B0503020204020204" pitchFamily="34" charset="-122"/>
-                <a:cs typeface="微软雅黑" panose="020B0503020204020204" pitchFamily="34" charset="-122"/>
-              </a:rPr>
-              <a:t>- </a:t>
-            </a:r>
-            <a:r>
-              <a:rPr lang="zh-CN" altLang="en-US" sz="1400" dirty="0">
-                <a:latin typeface="微软雅黑" panose="020B0503020204020204" pitchFamily="34" charset="-122"/>
-                <a:ea typeface="微软雅黑" panose="020B0503020204020204" pitchFamily="34" charset="-122"/>
-                <a:cs typeface="微软雅黑" panose="020B0503020204020204" pitchFamily="34" charset="-122"/>
-              </a:rPr>
-              <a:t>兼容</a:t>
-            </a:r>
-            <a:r>
-              <a:rPr lang="en-US" altLang="zh-CN" sz="1400" dirty="0">
-                <a:latin typeface="微软雅黑" panose="020B0503020204020204" pitchFamily="34" charset="-122"/>
-                <a:ea typeface="微软雅黑" panose="020B0503020204020204" pitchFamily="34" charset="-122"/>
-                <a:cs typeface="微软雅黑" panose="020B0503020204020204" pitchFamily="34" charset="-122"/>
-              </a:rPr>
-              <a:t> </a:t>
-            </a:r>
-            <a:r>
-              <a:rPr lang="en-US" altLang="zh-CN" sz="1400" dirty="0" err="1">
-                <a:latin typeface="微软雅黑" panose="020B0503020204020204" pitchFamily="34" charset="-122"/>
-                <a:ea typeface="微软雅黑" panose="020B0503020204020204" pitchFamily="34" charset="-122"/>
-                <a:cs typeface="微软雅黑" panose="020B0503020204020204" pitchFamily="34" charset="-122"/>
-              </a:rPr>
-              <a:t>canImplicitConvert</a:t>
-            </a:r>
-            <a:r>
-              <a:rPr lang="zh-CN" altLang="en-US" sz="1400" dirty="0">
-                <a:latin typeface="微软雅黑" panose="020B0503020204020204" pitchFamily="34" charset="-122"/>
-                <a:ea typeface="微软雅黑" panose="020B0503020204020204" pitchFamily="34" charset="-122"/>
-                <a:cs typeface="微软雅黑" panose="020B0503020204020204" pitchFamily="34" charset="-122"/>
-              </a:rPr>
-              <a:t>：</a:t>
-            </a:r>
-          </a:p>
-          <a:p>
-            <a:r>
-              <a:rPr lang="en-US" altLang="zh-CN" sz="1400" dirty="0">
-                <a:latin typeface="微软雅黑" panose="020B0503020204020204" pitchFamily="34" charset="-122"/>
-                <a:ea typeface="微软雅黑" panose="020B0503020204020204" pitchFamily="34" charset="-122"/>
-                <a:cs typeface="微软雅黑" panose="020B0503020204020204" pitchFamily="34" charset="-122"/>
-              </a:rPr>
-              <a:t>  </a:t>
-            </a:r>
-            <a:r>
-              <a:rPr lang="en-US" altLang="zh-CN" sz="1400" dirty="0">
-                <a:latin typeface="微软雅黑" panose="020B0503020204020204" pitchFamily="34" charset="-122"/>
-                <a:ea typeface="微软雅黑" panose="020B0503020204020204" pitchFamily="34" charset="-122"/>
-                <a:cs typeface="微软雅黑" panose="020B0503020204020204" pitchFamily="34" charset="-122"/>
-                <a:sym typeface="+mn-ea"/>
-              </a:rPr>
-              <a:t>                </a:t>
-            </a:r>
-            <a:r>
-              <a:rPr lang="en-US" altLang="zh-CN" sz="1400" dirty="0">
-                <a:solidFill>
-                  <a:schemeClr val="bg2">
-                    <a:lumMod val="75000"/>
-                  </a:schemeClr>
-                </a:solidFill>
-                <a:latin typeface="微软雅黑" panose="020B0503020204020204" pitchFamily="34" charset="-122"/>
-                <a:ea typeface="微软雅黑" panose="020B0503020204020204" pitchFamily="34" charset="-122"/>
-                <a:cs typeface="微软雅黑" panose="020B0503020204020204" pitchFamily="34" charset="-122"/>
-                <a:sym typeface="+mn-ea"/>
-              </a:rPr>
-              <a:t> </a:t>
-            </a:r>
-            <a:r>
-              <a:rPr lang="en-US" altLang="zh-CN" sz="1400" dirty="0">
-                <a:solidFill>
-                  <a:schemeClr val="tx1">
-                    <a:lumMod val="50000"/>
-                    <a:lumOff val="50000"/>
-                  </a:schemeClr>
-                </a:solidFill>
-                <a:latin typeface="微软雅黑" panose="020B0503020204020204" pitchFamily="34" charset="-122"/>
-                <a:ea typeface="微软雅黑" panose="020B0503020204020204" pitchFamily="34" charset="-122"/>
-                <a:cs typeface="微软雅黑" panose="020B0503020204020204" pitchFamily="34" charset="-122"/>
-              </a:rPr>
-              <a:t>- </a:t>
-            </a:r>
-            <a:r>
-              <a:rPr lang="zh-CN" altLang="en-US" sz="1200" dirty="0">
-                <a:solidFill>
-                  <a:schemeClr val="tx1">
-                    <a:lumMod val="50000"/>
-                    <a:lumOff val="50000"/>
-                  </a:schemeClr>
-                </a:solidFill>
-                <a:latin typeface="微软雅黑" panose="020B0503020204020204" pitchFamily="34" charset="-122"/>
-                <a:ea typeface="微软雅黑" panose="020B0503020204020204" pitchFamily="34" charset="-122"/>
-                <a:cs typeface="微软雅黑" panose="020B0503020204020204" pitchFamily="34" charset="-122"/>
-              </a:rPr>
-              <a:t>标量</a:t>
-            </a:r>
-            <a:r>
-              <a:rPr lang="en-US" altLang="zh-CN" sz="1200" dirty="0">
-                <a:solidFill>
-                  <a:schemeClr val="tx1">
-                    <a:lumMod val="50000"/>
-                    <a:lumOff val="50000"/>
-                  </a:schemeClr>
-                </a:solidFill>
-                <a:latin typeface="微软雅黑" panose="020B0503020204020204" pitchFamily="34" charset="-122"/>
-                <a:ea typeface="微软雅黑" panose="020B0503020204020204" pitchFamily="34" charset="-122"/>
-                <a:cs typeface="微软雅黑" panose="020B0503020204020204" pitchFamily="34" charset="-122"/>
-              </a:rPr>
-              <a:t> , </a:t>
-            </a:r>
-            <a:r>
-              <a:rPr lang="zh-CN" altLang="en-US" sz="1200" dirty="0">
-                <a:solidFill>
-                  <a:schemeClr val="tx1">
-                    <a:lumMod val="50000"/>
-                    <a:lumOff val="50000"/>
-                  </a:schemeClr>
-                </a:solidFill>
-                <a:latin typeface="微软雅黑" panose="020B0503020204020204" pitchFamily="34" charset="-122"/>
-                <a:ea typeface="微软雅黑" panose="020B0503020204020204" pitchFamily="34" charset="-122"/>
-                <a:cs typeface="微软雅黑" panose="020B0503020204020204" pitchFamily="34" charset="-122"/>
-              </a:rPr>
-              <a:t>数组</a:t>
-            </a:r>
-            <a:r>
-              <a:rPr lang="en-US" altLang="zh-CN" sz="1200" dirty="0">
-                <a:solidFill>
-                  <a:schemeClr val="tx1">
-                    <a:lumMod val="50000"/>
-                    <a:lumOff val="50000"/>
-                  </a:schemeClr>
-                </a:solidFill>
-                <a:latin typeface="微软雅黑" panose="020B0503020204020204" pitchFamily="34" charset="-122"/>
-                <a:ea typeface="微软雅黑" panose="020B0503020204020204" pitchFamily="34" charset="-122"/>
-                <a:cs typeface="微软雅黑" panose="020B0503020204020204" pitchFamily="34" charset="-122"/>
-              </a:rPr>
-              <a:t>/</a:t>
-            </a:r>
-            <a:r>
-              <a:rPr lang="zh-CN" altLang="en-US" sz="1200" dirty="0">
-                <a:solidFill>
-                  <a:schemeClr val="tx1">
-                    <a:lumMod val="50000"/>
-                    <a:lumOff val="50000"/>
-                  </a:schemeClr>
-                </a:solidFill>
-                <a:latin typeface="微软雅黑" panose="020B0503020204020204" pitchFamily="34" charset="-122"/>
-                <a:ea typeface="微软雅黑" panose="020B0503020204020204" pitchFamily="34" charset="-122"/>
-                <a:cs typeface="微软雅黑" panose="020B0503020204020204" pitchFamily="34" charset="-122"/>
-              </a:rPr>
-              <a:t>指针</a:t>
-            </a:r>
-            <a:r>
-              <a:rPr lang="en-US" altLang="zh-CN" sz="1200" dirty="0">
-                <a:solidFill>
-                  <a:schemeClr val="tx1">
-                    <a:lumMod val="50000"/>
-                    <a:lumOff val="50000"/>
-                  </a:schemeClr>
-                </a:solidFill>
-                <a:latin typeface="微软雅黑" panose="020B0503020204020204" pitchFamily="34" charset="-122"/>
-                <a:ea typeface="微软雅黑" panose="020B0503020204020204" pitchFamily="34" charset="-122"/>
-                <a:cs typeface="微软雅黑" panose="020B0503020204020204" pitchFamily="34" charset="-122"/>
-              </a:rPr>
-              <a:t> , </a:t>
-            </a:r>
-            <a:r>
-              <a:rPr lang="zh-CN" altLang="en-US" sz="1200" dirty="0">
-                <a:solidFill>
-                  <a:schemeClr val="tx1">
-                    <a:lumMod val="50000"/>
-                    <a:lumOff val="50000"/>
-                  </a:schemeClr>
-                </a:solidFill>
-                <a:latin typeface="微软雅黑" panose="020B0503020204020204" pitchFamily="34" charset="-122"/>
-                <a:ea typeface="微软雅黑" panose="020B0503020204020204" pitchFamily="34" charset="-122"/>
-                <a:cs typeface="微软雅黑" panose="020B0503020204020204" pitchFamily="34" charset="-122"/>
-              </a:rPr>
-              <a:t>变长参数</a:t>
-            </a:r>
-          </a:p>
-          <a:p>
-            <a:endParaRPr lang="zh-CN" altLang="en-US" sz="1400" dirty="0">
-              <a:solidFill>
-                <a:schemeClr val="tx1">
-                  <a:lumMod val="50000"/>
-                  <a:lumOff val="50000"/>
-                </a:schemeClr>
-              </a:solidFill>
-              <a:latin typeface="微软雅黑" panose="020B0503020204020204" pitchFamily="34" charset="-122"/>
-              <a:ea typeface="微软雅黑" panose="020B0503020204020204" pitchFamily="34" charset="-122"/>
-              <a:cs typeface="微软雅黑" panose="020B0503020204020204" pitchFamily="34" charset="-122"/>
-            </a:endParaRPr>
-          </a:p>
-          <a:p>
-            <a:r>
-              <a:rPr lang="zh-CN" altLang="en-US" b="1" dirty="0">
-                <a:effectLst>
-                  <a:outerShdw blurRad="38100" dist="38100" dir="2700000" algn="tl">
-                    <a:srgbClr val="000000">
-                      <a:alpha val="43137"/>
-                    </a:srgbClr>
-                  </a:outerShdw>
-                </a:effectLst>
-                <a:latin typeface="微软雅黑" panose="020B0503020204020204" pitchFamily="34" charset="-122"/>
-                <a:ea typeface="微软雅黑" panose="020B0503020204020204" pitchFamily="34" charset="-122"/>
-                <a:cs typeface="微软雅黑" panose="020B0503020204020204" pitchFamily="34" charset="-122"/>
-              </a:rPr>
-              <a:t>生命周期与协议</a:t>
-            </a:r>
-          </a:p>
-          <a:p>
-            <a:r>
-              <a:rPr lang="en-US" altLang="zh-CN" sz="1400" dirty="0">
-                <a:solidFill>
-                  <a:schemeClr val="tx1">
-                    <a:lumMod val="50000"/>
-                    <a:lumOff val="50000"/>
-                  </a:schemeClr>
-                </a:solidFill>
-                <a:latin typeface="微软雅黑" panose="020B0503020204020204" pitchFamily="34" charset="-122"/>
-                <a:ea typeface="微软雅黑" panose="020B0503020204020204" pitchFamily="34" charset="-122"/>
-                <a:cs typeface="微软雅黑" panose="020B0503020204020204" pitchFamily="34" charset="-122"/>
-              </a:rPr>
-              <a:t>- </a:t>
-            </a:r>
-            <a:r>
-              <a:rPr lang="zh-CN" altLang="en-US" sz="1400" dirty="0">
-                <a:solidFill>
-                  <a:schemeClr val="tx1">
-                    <a:lumMod val="50000"/>
-                    <a:lumOff val="50000"/>
-                  </a:schemeClr>
-                </a:solidFill>
-                <a:latin typeface="微软雅黑" panose="020B0503020204020204" pitchFamily="34" charset="-122"/>
-                <a:ea typeface="微软雅黑" panose="020B0503020204020204" pitchFamily="34" charset="-122"/>
-                <a:cs typeface="微软雅黑" panose="020B0503020204020204" pitchFamily="34" charset="-122"/>
-              </a:rPr>
-              <a:t>插入</a:t>
-            </a:r>
-            <a:r>
-              <a:rPr lang="en-US" altLang="zh-CN" sz="1400" dirty="0">
-                <a:solidFill>
-                  <a:schemeClr val="tx1">
-                    <a:lumMod val="50000"/>
-                    <a:lumOff val="50000"/>
-                  </a:schemeClr>
-                </a:solidFill>
-                <a:latin typeface="微软雅黑" panose="020B0503020204020204" pitchFamily="34" charset="-122"/>
-                <a:ea typeface="微软雅黑" panose="020B0503020204020204" pitchFamily="34" charset="-122"/>
-                <a:cs typeface="微软雅黑" panose="020B0503020204020204" pitchFamily="34" charset="-122"/>
-              </a:rPr>
-              <a:t> </a:t>
-            </a:r>
-            <a:r>
-              <a:rPr lang="en-US" sz="1400" dirty="0">
-                <a:solidFill>
-                  <a:schemeClr val="tx1">
-                    <a:lumMod val="50000"/>
-                    <a:lumOff val="50000"/>
-                  </a:schemeClr>
-                </a:solidFill>
-                <a:latin typeface="微软雅黑" panose="020B0503020204020204" pitchFamily="34" charset="-122"/>
-                <a:ea typeface="微软雅黑" panose="020B0503020204020204" pitchFamily="34" charset="-122"/>
-                <a:cs typeface="微软雅黑" panose="020B0503020204020204" pitchFamily="34" charset="-122"/>
-              </a:rPr>
-              <a:t>, </a:t>
-            </a:r>
-            <a:r>
-              <a:rPr lang="zh-CN" altLang="en-US" sz="1400" dirty="0">
-                <a:solidFill>
-                  <a:schemeClr val="tx1">
-                    <a:lumMod val="50000"/>
-                    <a:lumOff val="50000"/>
-                  </a:schemeClr>
-                </a:solidFill>
-                <a:latin typeface="微软雅黑" panose="020B0503020204020204" pitchFamily="34" charset="-122"/>
-                <a:ea typeface="微软雅黑" panose="020B0503020204020204" pitchFamily="34" charset="-122"/>
-                <a:cs typeface="微软雅黑" panose="020B0503020204020204" pitchFamily="34" charset="-122"/>
-              </a:rPr>
-              <a:t>查找</a:t>
-            </a:r>
-            <a:r>
-              <a:rPr lang="en-US" altLang="zh-CN" sz="1400" dirty="0">
-                <a:solidFill>
-                  <a:schemeClr val="tx1">
-                    <a:lumMod val="50000"/>
-                    <a:lumOff val="50000"/>
-                  </a:schemeClr>
-                </a:solidFill>
-                <a:latin typeface="微软雅黑" panose="020B0503020204020204" pitchFamily="34" charset="-122"/>
-                <a:ea typeface="微软雅黑" panose="020B0503020204020204" pitchFamily="34" charset="-122"/>
-                <a:cs typeface="微软雅黑" panose="020B0503020204020204" pitchFamily="34" charset="-122"/>
-              </a:rPr>
-              <a:t> , </a:t>
-            </a:r>
-            <a:r>
-              <a:rPr lang="zh-CN" altLang="en-US" sz="1400" dirty="0">
-                <a:solidFill>
-                  <a:schemeClr val="tx1">
-                    <a:lumMod val="50000"/>
-                    <a:lumOff val="50000"/>
-                  </a:schemeClr>
-                </a:solidFill>
-                <a:latin typeface="微软雅黑" panose="020B0503020204020204" pitchFamily="34" charset="-122"/>
-                <a:ea typeface="微软雅黑" panose="020B0503020204020204" pitchFamily="34" charset="-122"/>
-                <a:cs typeface="微软雅黑" panose="020B0503020204020204" pitchFamily="34" charset="-122"/>
-              </a:rPr>
-              <a:t>函数声明</a:t>
-            </a:r>
-            <a:r>
-              <a:rPr lang="en-US" altLang="zh-CN" sz="1400" dirty="0">
-                <a:solidFill>
-                  <a:schemeClr val="tx1">
-                    <a:lumMod val="50000"/>
-                    <a:lumOff val="50000"/>
-                  </a:schemeClr>
-                </a:solidFill>
-                <a:latin typeface="微软雅黑" panose="020B0503020204020204" pitchFamily="34" charset="-122"/>
-                <a:ea typeface="微软雅黑" panose="020B0503020204020204" pitchFamily="34" charset="-122"/>
-                <a:cs typeface="微软雅黑" panose="020B0503020204020204" pitchFamily="34" charset="-122"/>
-              </a:rPr>
-              <a:t>/</a:t>
-            </a:r>
-            <a:r>
-              <a:rPr lang="zh-CN" altLang="en-US" sz="1400" dirty="0">
-                <a:solidFill>
-                  <a:schemeClr val="tx1">
-                    <a:lumMod val="50000"/>
-                    <a:lumOff val="50000"/>
-                  </a:schemeClr>
-                </a:solidFill>
-                <a:latin typeface="微软雅黑" panose="020B0503020204020204" pitchFamily="34" charset="-122"/>
-                <a:ea typeface="微软雅黑" panose="020B0503020204020204" pitchFamily="34" charset="-122"/>
-                <a:cs typeface="微软雅黑" panose="020B0503020204020204" pitchFamily="34" charset="-122"/>
-              </a:rPr>
-              <a:t>定义</a:t>
-            </a:r>
-            <a:r>
-              <a:rPr lang="en-US" altLang="zh-CN" sz="1400" dirty="0">
-                <a:solidFill>
-                  <a:schemeClr val="tx1">
-                    <a:lumMod val="50000"/>
-                    <a:lumOff val="50000"/>
-                  </a:schemeClr>
-                </a:solidFill>
-                <a:latin typeface="微软雅黑" panose="020B0503020204020204" pitchFamily="34" charset="-122"/>
-                <a:ea typeface="微软雅黑" panose="020B0503020204020204" pitchFamily="34" charset="-122"/>
-                <a:cs typeface="微软雅黑" panose="020B0503020204020204" pitchFamily="34" charset="-122"/>
-              </a:rPr>
-              <a:t> , </a:t>
-            </a:r>
-            <a:r>
-              <a:rPr lang="zh-CN" altLang="en-US" sz="1400" dirty="0">
-                <a:solidFill>
-                  <a:schemeClr val="tx1">
-                    <a:lumMod val="50000"/>
-                    <a:lumOff val="50000"/>
-                  </a:schemeClr>
-                </a:solidFill>
-                <a:latin typeface="微软雅黑" panose="020B0503020204020204" pitchFamily="34" charset="-122"/>
-                <a:ea typeface="微软雅黑" panose="020B0503020204020204" pitchFamily="34" charset="-122"/>
-                <a:cs typeface="微软雅黑" panose="020B0503020204020204" pitchFamily="34" charset="-122"/>
-              </a:rPr>
-              <a:t>关键不变量</a:t>
-            </a:r>
-          </a:p>
-          <a:p>
-            <a:endParaRPr lang="zh-CN" altLang="en-US" sz="1400" dirty="0">
-              <a:solidFill>
-                <a:schemeClr val="tx1">
-                  <a:lumMod val="50000"/>
-                  <a:lumOff val="50000"/>
-                </a:schemeClr>
-              </a:solidFill>
-              <a:latin typeface="微软雅黑" panose="020B0503020204020204" pitchFamily="34" charset="-122"/>
-              <a:ea typeface="微软雅黑" panose="020B0503020204020204" pitchFamily="34" charset="-122"/>
-              <a:cs typeface="微软雅黑" panose="020B0503020204020204" pitchFamily="34" charset="-122"/>
-            </a:endParaRPr>
-          </a:p>
-        </p:txBody>
-      </p:sp>
-      <p:sp>
-        <p:nvSpPr>
-          <p:cNvPr id="18" name="文本框 17"/>
-          <p:cNvSpPr txBox="1"/>
-          <p:nvPr/>
-        </p:nvSpPr>
-        <p:spPr>
-          <a:xfrm>
-            <a:off x="5633720" y="3216275"/>
-            <a:ext cx="522605" cy="2248535"/>
-          </a:xfrm>
-          <a:prstGeom prst="rect">
-            <a:avLst/>
-          </a:prstGeom>
-          <a:noFill/>
-        </p:spPr>
-        <p:txBody>
-          <a:bodyPr wrap="square" rtlCol="0" anchor="t">
-            <a:noAutofit/>
-          </a:bodyPr>
-          <a:lstStyle/>
-          <a:p>
-            <a:r>
-              <a:rPr lang="zh-CN" altLang="en-US" sz="2400" b="1" dirty="0">
-                <a:solidFill>
-                  <a:schemeClr val="tx1"/>
-                </a:solidFill>
-                <a:effectLst/>
-                <a:latin typeface="微软雅黑" panose="020B0503020204020204" pitchFamily="34" charset="-122"/>
-                <a:ea typeface="微软雅黑" panose="020B0503020204020204" pitchFamily="34" charset="-122"/>
-              </a:rPr>
-              <a:t>支持调用</a:t>
-            </a:r>
-            <a:endParaRPr lang="zh-CN" altLang="en-US" sz="2400" b="1" dirty="0">
-              <a:solidFill>
-                <a:schemeClr val="tx1"/>
-              </a:solidFill>
-              <a:effectLst>
-                <a:outerShdw blurRad="38100" dist="38100" dir="2700000" algn="tl">
-                  <a:srgbClr val="000000">
-                    <a:alpha val="43137"/>
-                  </a:srgbClr>
-                </a:outerShdw>
-              </a:effectLst>
-              <a:latin typeface="微软雅黑 Light" panose="020B0502040204020203" pitchFamily="34" charset="-122"/>
-              <a:ea typeface="微软雅黑 Light" panose="020B0502040204020203" pitchFamily="34" charset="-122"/>
-            </a:endParaRPr>
-          </a:p>
-          <a:p>
-            <a:endParaRPr lang="zh-CN" altLang="en-US" sz="2400" b="1" dirty="0">
-              <a:solidFill>
-                <a:schemeClr val="tx1"/>
-              </a:solidFill>
-              <a:effectLst>
-                <a:outerShdw blurRad="38100" dist="38100" dir="2700000" algn="tl">
-                  <a:srgbClr val="000000">
-                    <a:alpha val="43137"/>
-                  </a:srgbClr>
-                </a:outerShdw>
-              </a:effectLst>
-              <a:latin typeface="微软雅黑 Light" panose="020B0502040204020203" pitchFamily="34" charset="-122"/>
-              <a:ea typeface="微软雅黑 Light" panose="020B0502040204020203" pitchFamily="34" charset="-122"/>
-              <a:sym typeface="+mn-ea"/>
-            </a:endParaRPr>
-          </a:p>
-        </p:txBody>
-      </p:sp>
-      <p:sp>
-        <p:nvSpPr>
-          <p:cNvPr id="32" name="文本框 31"/>
-          <p:cNvSpPr txBox="1"/>
-          <p:nvPr/>
-        </p:nvSpPr>
-        <p:spPr>
-          <a:xfrm>
-            <a:off x="6395720" y="3199765"/>
-            <a:ext cx="5982335" cy="3107690"/>
-          </a:xfrm>
-          <a:prstGeom prst="rect">
-            <a:avLst/>
-          </a:prstGeom>
-          <a:noFill/>
-        </p:spPr>
-        <p:txBody>
-          <a:bodyPr wrap="square" rtlCol="0" anchor="t">
-            <a:spAutoFit/>
-          </a:bodyPr>
-          <a:lstStyle/>
-          <a:p>
-            <a:r>
-              <a:rPr lang="en-US" altLang="zh-CN" sz="1400" dirty="0">
-                <a:latin typeface="微软雅黑" panose="020B0503020204020204" pitchFamily="34" charset="-122"/>
-                <a:ea typeface="微软雅黑" panose="020B0503020204020204" pitchFamily="34" charset="-122"/>
-                <a:cs typeface="微软雅黑" panose="020B0503020204020204" pitchFamily="34" charset="-122"/>
-              </a:rPr>
-              <a:t>- </a:t>
-            </a:r>
-            <a:r>
-              <a:rPr lang="zh-CN" altLang="en-US" sz="1400" dirty="0">
-                <a:latin typeface="微软雅黑" panose="020B0503020204020204" pitchFamily="34" charset="-122"/>
-                <a:ea typeface="微软雅黑" panose="020B0503020204020204" pitchFamily="34" charset="-122"/>
-                <a:cs typeface="微软雅黑" panose="020B0503020204020204" pitchFamily="34" charset="-122"/>
-              </a:rPr>
-              <a:t>函数在符号表中以</a:t>
-            </a:r>
-            <a:r>
-              <a:rPr lang="en-US" altLang="zh-CN" sz="1400" dirty="0">
-                <a:latin typeface="微软雅黑" panose="020B0503020204020204" pitchFamily="34" charset="-122"/>
-                <a:ea typeface="微软雅黑" panose="020B0503020204020204" pitchFamily="34" charset="-122"/>
-                <a:cs typeface="微软雅黑" panose="020B0503020204020204" pitchFamily="34" charset="-122"/>
-              </a:rPr>
-              <a:t> </a:t>
-            </a:r>
-            <a:r>
-              <a:rPr lang="en-US" altLang="zh-CN" sz="1400" dirty="0" err="1">
-                <a:latin typeface="微软雅黑" panose="020B0503020204020204" pitchFamily="34" charset="-122"/>
-                <a:ea typeface="微软雅黑" panose="020B0503020204020204" pitchFamily="34" charset="-122"/>
-                <a:cs typeface="微软雅黑" panose="020B0503020204020204" pitchFamily="34" charset="-122"/>
-              </a:rPr>
-              <a:t>FunctionType</a:t>
-            </a:r>
-            <a:r>
-              <a:rPr lang="en-US" altLang="zh-CN" sz="1400" dirty="0">
-                <a:latin typeface="微软雅黑" panose="020B0503020204020204" pitchFamily="34" charset="-122"/>
-                <a:ea typeface="微软雅黑" panose="020B0503020204020204" pitchFamily="34" charset="-122"/>
-                <a:cs typeface="微软雅黑" panose="020B0503020204020204" pitchFamily="34" charset="-122"/>
-              </a:rPr>
-              <a:t> </a:t>
-            </a:r>
-            <a:r>
-              <a:rPr lang="zh-CN" altLang="en-US" sz="1400" dirty="0">
-                <a:latin typeface="微软雅黑" panose="020B0503020204020204" pitchFamily="34" charset="-122"/>
-                <a:ea typeface="微软雅黑" panose="020B0503020204020204" pitchFamily="34" charset="-122"/>
-                <a:cs typeface="微软雅黑" panose="020B0503020204020204" pitchFamily="34" charset="-122"/>
-              </a:rPr>
-              <a:t>建模</a:t>
-            </a:r>
-          </a:p>
-          <a:p>
-            <a:r>
-              <a:rPr lang="en-US" altLang="zh-CN" sz="1400" dirty="0">
-                <a:latin typeface="微软雅黑" panose="020B0503020204020204" pitchFamily="34" charset="-122"/>
-                <a:ea typeface="微软雅黑" panose="020B0503020204020204" pitchFamily="34" charset="-122"/>
-                <a:cs typeface="微软雅黑" panose="020B0503020204020204" pitchFamily="34" charset="-122"/>
-              </a:rPr>
-              <a:t>- </a:t>
-            </a:r>
-            <a:r>
-              <a:rPr lang="zh-CN" altLang="en-US" sz="1400" dirty="0">
-                <a:latin typeface="微软雅黑" panose="020B0503020204020204" pitchFamily="34" charset="-122"/>
-                <a:ea typeface="微软雅黑" panose="020B0503020204020204" pitchFamily="34" charset="-122"/>
-                <a:cs typeface="微软雅黑" panose="020B0503020204020204" pitchFamily="34" charset="-122"/>
-              </a:rPr>
-              <a:t>形参数组在</a:t>
-            </a:r>
-            <a:r>
-              <a:rPr lang="en-US" altLang="zh-CN" sz="1400" dirty="0">
-                <a:latin typeface="微软雅黑" panose="020B0503020204020204" pitchFamily="34" charset="-122"/>
-                <a:ea typeface="微软雅黑" panose="020B0503020204020204" pitchFamily="34" charset="-122"/>
-                <a:cs typeface="微软雅黑" panose="020B0503020204020204" pitchFamily="34" charset="-122"/>
-              </a:rPr>
-              <a:t> Schema </a:t>
-            </a:r>
-            <a:r>
-              <a:rPr lang="zh-CN" altLang="en-US" sz="1400" dirty="0">
-                <a:latin typeface="微软雅黑" panose="020B0503020204020204" pitchFamily="34" charset="-122"/>
-                <a:ea typeface="微软雅黑" panose="020B0503020204020204" pitchFamily="34" charset="-122"/>
-                <a:cs typeface="微软雅黑" panose="020B0503020204020204" pitchFamily="34" charset="-122"/>
-              </a:rPr>
-              <a:t>层显式化为</a:t>
-            </a:r>
-            <a:r>
-              <a:rPr lang="en-US" altLang="zh-CN" sz="1400" dirty="0">
-                <a:latin typeface="微软雅黑" panose="020B0503020204020204" pitchFamily="34" charset="-122"/>
-                <a:ea typeface="微软雅黑" panose="020B0503020204020204" pitchFamily="34" charset="-122"/>
-                <a:cs typeface="微软雅黑" panose="020B0503020204020204" pitchFamily="34" charset="-122"/>
-              </a:rPr>
-              <a:t>“</a:t>
-            </a:r>
-            <a:r>
-              <a:rPr lang="zh-CN" altLang="en-US" sz="1400" dirty="0">
-                <a:latin typeface="微软雅黑" panose="020B0503020204020204" pitchFamily="34" charset="-122"/>
-                <a:ea typeface="微软雅黑" panose="020B0503020204020204" pitchFamily="34" charset="-122"/>
-                <a:cs typeface="微软雅黑" panose="020B0503020204020204" pitchFamily="34" charset="-122"/>
-              </a:rPr>
-              <a:t>指针语义</a:t>
-            </a:r>
-            <a:r>
-              <a:rPr lang="en-US" altLang="zh-CN" sz="1400" dirty="0">
-                <a:latin typeface="微软雅黑" panose="020B0503020204020204" pitchFamily="34" charset="-122"/>
-                <a:ea typeface="微软雅黑" panose="020B0503020204020204" pitchFamily="34" charset="-122"/>
-                <a:cs typeface="微软雅黑" panose="020B0503020204020204" pitchFamily="34" charset="-122"/>
-              </a:rPr>
-              <a:t>”</a:t>
-            </a:r>
-            <a:r>
-              <a:rPr lang="zh-CN" altLang="en-US" sz="1400" dirty="0">
-                <a:latin typeface="微软雅黑" panose="020B0503020204020204" pitchFamily="34" charset="-122"/>
-                <a:ea typeface="微软雅黑" panose="020B0503020204020204" pitchFamily="34" charset="-122"/>
-                <a:cs typeface="微软雅黑" panose="020B0503020204020204" pitchFamily="34" charset="-122"/>
-              </a:rPr>
-              <a:t>（</a:t>
-            </a:r>
-            <a:r>
-              <a:rPr lang="en-US" altLang="zh-CN" sz="1400" dirty="0" err="1">
-                <a:latin typeface="微软雅黑" panose="020B0503020204020204" pitchFamily="34" charset="-122"/>
-                <a:ea typeface="微软雅黑" panose="020B0503020204020204" pitchFamily="34" charset="-122"/>
-                <a:cs typeface="微软雅黑" panose="020B0503020204020204" pitchFamily="34" charset="-122"/>
-              </a:rPr>
-              <a:t>is_array_pointer_param</a:t>
-            </a:r>
-            <a:r>
-              <a:rPr lang="zh-CN" altLang="en-US" sz="1400" dirty="0">
-                <a:latin typeface="微软雅黑" panose="020B0503020204020204" pitchFamily="34" charset="-122"/>
-                <a:ea typeface="微软雅黑" panose="020B0503020204020204" pitchFamily="34" charset="-122"/>
-                <a:cs typeface="微软雅黑" panose="020B0503020204020204" pitchFamily="34" charset="-122"/>
-              </a:rPr>
-              <a:t>）</a:t>
-            </a:r>
-          </a:p>
-          <a:p>
-            <a:r>
-              <a:rPr lang="en-US" altLang="zh-CN" sz="1400" i="1" dirty="0">
-                <a:latin typeface="微软雅黑" panose="020B0503020204020204" pitchFamily="34" charset="-122"/>
-                <a:ea typeface="微软雅黑" panose="020B0503020204020204" pitchFamily="34" charset="-122"/>
-                <a:cs typeface="微软雅黑" panose="020B0503020204020204" pitchFamily="34" charset="-122"/>
-              </a:rPr>
-              <a:t>            </a:t>
-            </a:r>
-            <a:r>
-              <a:rPr lang="zh-CN" altLang="en-US" sz="1400" i="1" dirty="0">
-                <a:solidFill>
-                  <a:schemeClr val="tx1">
-                    <a:lumMod val="50000"/>
-                    <a:lumOff val="50000"/>
-                  </a:schemeClr>
-                </a:solidFill>
-                <a:latin typeface="微软雅黑" panose="020B0503020204020204" pitchFamily="34" charset="-122"/>
-                <a:ea typeface="微软雅黑" panose="020B0503020204020204" pitchFamily="34" charset="-122"/>
-                <a:cs typeface="微软雅黑" panose="020B0503020204020204" pitchFamily="34" charset="-122"/>
-              </a:rPr>
-              <a:t>避免后续匹配时语义分裂</a:t>
-            </a:r>
-            <a:r>
-              <a:rPr lang="en-US" altLang="zh-CN" sz="1400" i="1" dirty="0">
-                <a:solidFill>
-                  <a:schemeClr val="tx1">
-                    <a:lumMod val="50000"/>
-                    <a:lumOff val="50000"/>
-                  </a:schemeClr>
-                </a:solidFill>
-                <a:latin typeface="微软雅黑" panose="020B0503020204020204" pitchFamily="34" charset="-122"/>
-                <a:ea typeface="微软雅黑" panose="020B0503020204020204" pitchFamily="34" charset="-122"/>
-                <a:cs typeface="微软雅黑" panose="020B0503020204020204" pitchFamily="34" charset="-122"/>
-              </a:rPr>
-              <a:t>,</a:t>
-            </a:r>
-            <a:r>
-              <a:rPr lang="zh-CN" altLang="en-US" sz="1400" i="1" dirty="0">
-                <a:solidFill>
-                  <a:schemeClr val="tx1">
-                    <a:lumMod val="50000"/>
-                    <a:lumOff val="50000"/>
-                  </a:schemeClr>
-                </a:solidFill>
-                <a:latin typeface="微软雅黑" panose="020B0503020204020204" pitchFamily="34" charset="-122"/>
-                <a:ea typeface="微软雅黑" panose="020B0503020204020204" pitchFamily="34" charset="-122"/>
-                <a:cs typeface="微软雅黑" panose="020B0503020204020204" pitchFamily="34" charset="-122"/>
-              </a:rPr>
-              <a:t>重复推理</a:t>
-            </a:r>
-            <a:endParaRPr lang="zh-CN" altLang="en-US" sz="1400" dirty="0">
-              <a:solidFill>
-                <a:schemeClr val="tx1">
-                  <a:lumMod val="50000"/>
-                  <a:lumOff val="50000"/>
-                </a:schemeClr>
-              </a:solidFill>
-              <a:latin typeface="微软雅黑" panose="020B0503020204020204" pitchFamily="34" charset="-122"/>
-              <a:ea typeface="微软雅黑" panose="020B0503020204020204" pitchFamily="34" charset="-122"/>
-              <a:cs typeface="微软雅黑" panose="020B0503020204020204" pitchFamily="34" charset="-122"/>
-            </a:endParaRPr>
-          </a:p>
-          <a:p>
-            <a:endParaRPr lang="en-US" altLang="zh-CN" sz="1400" dirty="0">
-              <a:latin typeface="微软雅黑" panose="020B0503020204020204" pitchFamily="34" charset="-122"/>
-              <a:ea typeface="微软雅黑" panose="020B0503020204020204" pitchFamily="34" charset="-122"/>
-              <a:cs typeface="微软雅黑" panose="020B0503020204020204" pitchFamily="34" charset="-122"/>
-            </a:endParaRPr>
-          </a:p>
-          <a:p>
-            <a:endParaRPr lang="en-US" altLang="zh-CN" sz="1400" dirty="0">
-              <a:latin typeface="微软雅黑" panose="020B0503020204020204" pitchFamily="34" charset="-122"/>
-              <a:ea typeface="微软雅黑" panose="020B0503020204020204" pitchFamily="34" charset="-122"/>
-              <a:cs typeface="微软雅黑" panose="020B0503020204020204" pitchFamily="34" charset="-122"/>
-            </a:endParaRPr>
-          </a:p>
-          <a:p>
-            <a:r>
-              <a:rPr lang="en-US" altLang="zh-CN" sz="1400" dirty="0">
-                <a:latin typeface="微软雅黑" panose="020B0503020204020204" pitchFamily="34" charset="-122"/>
-                <a:ea typeface="微软雅黑" panose="020B0503020204020204" pitchFamily="34" charset="-122"/>
-                <a:cs typeface="微软雅黑" panose="020B0503020204020204" pitchFamily="34" charset="-122"/>
-              </a:rPr>
-              <a:t>- </a:t>
-            </a:r>
-            <a:r>
-              <a:rPr lang="zh-CN" altLang="en-US" sz="1400" dirty="0">
-                <a:latin typeface="微软雅黑" panose="020B0503020204020204" pitchFamily="34" charset="-122"/>
-                <a:ea typeface="微软雅黑" panose="020B0503020204020204" pitchFamily="34" charset="-122"/>
-                <a:cs typeface="微软雅黑" panose="020B0503020204020204" pitchFamily="34" charset="-122"/>
-              </a:rPr>
-              <a:t>解析：</a:t>
-            </a:r>
-            <a:r>
-              <a:rPr lang="en-US" altLang="zh-CN" sz="1400" dirty="0">
-                <a:latin typeface="微软雅黑" panose="020B0503020204020204" pitchFamily="34" charset="-122"/>
-                <a:ea typeface="微软雅黑" panose="020B0503020204020204" pitchFamily="34" charset="-122"/>
-                <a:cs typeface="微软雅黑" panose="020B0503020204020204" pitchFamily="34" charset="-122"/>
-              </a:rPr>
-              <a:t>lookup </a:t>
-            </a:r>
-            <a:r>
-              <a:rPr lang="zh-CN" altLang="en-US" sz="1400" dirty="0">
-                <a:latin typeface="微软雅黑" panose="020B0503020204020204" pitchFamily="34" charset="-122"/>
-                <a:ea typeface="微软雅黑" panose="020B0503020204020204" pitchFamily="34" charset="-122"/>
-                <a:cs typeface="微软雅黑" panose="020B0503020204020204" pitchFamily="34" charset="-122"/>
-              </a:rPr>
-              <a:t>函数名</a:t>
-            </a:r>
-            <a:r>
-              <a:rPr lang="en-US" altLang="zh-CN" sz="1400" dirty="0">
-                <a:latin typeface="微软雅黑" panose="020B0503020204020204" pitchFamily="34" charset="-122"/>
-                <a:ea typeface="微软雅黑" panose="020B0503020204020204" pitchFamily="34" charset="-122"/>
-                <a:cs typeface="微软雅黑" panose="020B0503020204020204" pitchFamily="34" charset="-122"/>
-              </a:rPr>
-              <a:t> </a:t>
-            </a:r>
-            <a:r>
-              <a:rPr lang="en-US" altLang="en-US" sz="1400" dirty="0">
-                <a:latin typeface="微软雅黑" panose="020B0503020204020204" pitchFamily="34" charset="-122"/>
-                <a:ea typeface="微软雅黑" panose="020B0503020204020204" pitchFamily="34" charset="-122"/>
-                <a:cs typeface="微软雅黑" panose="020B0503020204020204" pitchFamily="34" charset="-122"/>
-              </a:rPr>
-              <a:t>→</a:t>
-            </a:r>
-            <a:r>
-              <a:rPr lang="en-US" altLang="zh-CN" sz="1400" dirty="0">
-                <a:latin typeface="微软雅黑" panose="020B0503020204020204" pitchFamily="34" charset="-122"/>
-                <a:ea typeface="微软雅黑" panose="020B0503020204020204" pitchFamily="34" charset="-122"/>
-                <a:cs typeface="微软雅黑" panose="020B0503020204020204" pitchFamily="34" charset="-122"/>
-              </a:rPr>
-              <a:t> </a:t>
-            </a:r>
-            <a:r>
-              <a:rPr lang="zh-CN" altLang="en-US" sz="1400" dirty="0">
-                <a:latin typeface="微软雅黑" panose="020B0503020204020204" pitchFamily="34" charset="-122"/>
-                <a:ea typeface="微软雅黑" panose="020B0503020204020204" pitchFamily="34" charset="-122"/>
-                <a:cs typeface="微软雅黑" panose="020B0503020204020204" pitchFamily="34" charset="-122"/>
-              </a:rPr>
-              <a:t>校验</a:t>
-            </a:r>
-            <a:r>
-              <a:rPr lang="en-US" altLang="zh-CN" sz="1400" dirty="0">
-                <a:latin typeface="微软雅黑" panose="020B0503020204020204" pitchFamily="34" charset="-122"/>
-                <a:ea typeface="微软雅黑" panose="020B0503020204020204" pitchFamily="34" charset="-122"/>
-                <a:cs typeface="微软雅黑" panose="020B0503020204020204" pitchFamily="34" charset="-122"/>
-              </a:rPr>
-              <a:t> kind==Func </a:t>
-            </a:r>
-            <a:r>
-              <a:rPr lang="en-US" altLang="en-US" sz="1400" dirty="0">
-                <a:latin typeface="微软雅黑" panose="020B0503020204020204" pitchFamily="34" charset="-122"/>
-                <a:ea typeface="微软雅黑" panose="020B0503020204020204" pitchFamily="34" charset="-122"/>
-                <a:cs typeface="微软雅黑" panose="020B0503020204020204" pitchFamily="34" charset="-122"/>
-              </a:rPr>
-              <a:t>→</a:t>
-            </a:r>
-            <a:r>
-              <a:rPr lang="en-US" altLang="zh-CN" sz="1400" dirty="0">
-                <a:latin typeface="微软雅黑" panose="020B0503020204020204" pitchFamily="34" charset="-122"/>
-                <a:ea typeface="微软雅黑" panose="020B0503020204020204" pitchFamily="34" charset="-122"/>
-                <a:cs typeface="微软雅黑" panose="020B0503020204020204" pitchFamily="34" charset="-122"/>
-              </a:rPr>
-              <a:t> </a:t>
-            </a:r>
-            <a:r>
-              <a:rPr lang="zh-CN" altLang="en-US" sz="1400" dirty="0">
-                <a:latin typeface="微软雅黑" panose="020B0503020204020204" pitchFamily="34" charset="-122"/>
-                <a:ea typeface="微软雅黑" panose="020B0503020204020204" pitchFamily="34" charset="-122"/>
-                <a:cs typeface="微软雅黑" panose="020B0503020204020204" pitchFamily="34" charset="-122"/>
-              </a:rPr>
-              <a:t>取签名</a:t>
-            </a:r>
-          </a:p>
-          <a:p>
-            <a:r>
-              <a:rPr lang="en-US" altLang="zh-CN" sz="1400" dirty="0">
-                <a:latin typeface="微软雅黑" panose="020B0503020204020204" pitchFamily="34" charset="-122"/>
-                <a:ea typeface="微软雅黑" panose="020B0503020204020204" pitchFamily="34" charset="-122"/>
-                <a:cs typeface="微软雅黑" panose="020B0503020204020204" pitchFamily="34" charset="-122"/>
-              </a:rPr>
-              <a:t>- </a:t>
-            </a:r>
-            <a:r>
-              <a:rPr lang="zh-CN" altLang="en-US" sz="1400" dirty="0">
-                <a:latin typeface="微软雅黑" panose="020B0503020204020204" pitchFamily="34" charset="-122"/>
-                <a:ea typeface="微软雅黑" panose="020B0503020204020204" pitchFamily="34" charset="-122"/>
-                <a:cs typeface="微软雅黑" panose="020B0503020204020204" pitchFamily="34" charset="-122"/>
-              </a:rPr>
-              <a:t>个数匹配：非变长需严格相等；变长需</a:t>
-            </a:r>
-            <a:r>
-              <a:rPr lang="en-US" altLang="zh-CN" sz="1400" dirty="0">
-                <a:latin typeface="微软雅黑" panose="020B0503020204020204" pitchFamily="34" charset="-122"/>
-                <a:ea typeface="微软雅黑" panose="020B0503020204020204" pitchFamily="34" charset="-122"/>
-                <a:cs typeface="微软雅黑" panose="020B0503020204020204" pitchFamily="34" charset="-122"/>
-              </a:rPr>
-              <a:t>“</a:t>
-            </a:r>
-            <a:r>
-              <a:rPr lang="zh-CN" altLang="en-US" sz="1400" dirty="0">
-                <a:latin typeface="微软雅黑" panose="020B0503020204020204" pitchFamily="34" charset="-122"/>
-                <a:ea typeface="微软雅黑" panose="020B0503020204020204" pitchFamily="34" charset="-122"/>
-                <a:cs typeface="微软雅黑" panose="020B0503020204020204" pitchFamily="34" charset="-122"/>
-              </a:rPr>
-              <a:t>实参数</a:t>
-            </a:r>
-            <a:r>
-              <a:rPr lang="en-US" altLang="zh-CN" sz="1400" dirty="0">
-                <a:latin typeface="微软雅黑" panose="020B0503020204020204" pitchFamily="34" charset="-122"/>
-                <a:ea typeface="微软雅黑" panose="020B0503020204020204" pitchFamily="34" charset="-122"/>
-                <a:cs typeface="微软雅黑" panose="020B0503020204020204" pitchFamily="34" charset="-122"/>
-              </a:rPr>
-              <a:t> ≥ </a:t>
-            </a:r>
-            <a:r>
-              <a:rPr lang="zh-CN" altLang="en-US" sz="1400" dirty="0">
-                <a:latin typeface="微软雅黑" panose="020B0503020204020204" pitchFamily="34" charset="-122"/>
-                <a:ea typeface="微软雅黑" panose="020B0503020204020204" pitchFamily="34" charset="-122"/>
-                <a:cs typeface="微软雅黑" panose="020B0503020204020204" pitchFamily="34" charset="-122"/>
-              </a:rPr>
-              <a:t>形参数</a:t>
-            </a:r>
-            <a:r>
-              <a:rPr lang="en-US" altLang="zh-CN" sz="1400" dirty="0">
-                <a:latin typeface="微软雅黑" panose="020B0503020204020204" pitchFamily="34" charset="-122"/>
-                <a:ea typeface="微软雅黑" panose="020B0503020204020204" pitchFamily="34" charset="-122"/>
-                <a:cs typeface="微软雅黑" panose="020B0503020204020204" pitchFamily="34" charset="-122"/>
-              </a:rPr>
-              <a:t>”</a:t>
-            </a:r>
-          </a:p>
-          <a:p>
-            <a:r>
-              <a:rPr lang="en-US" altLang="zh-CN" sz="1400" dirty="0">
-                <a:latin typeface="微软雅黑" panose="020B0503020204020204" pitchFamily="34" charset="-122"/>
-                <a:ea typeface="微软雅黑" panose="020B0503020204020204" pitchFamily="34" charset="-122"/>
-                <a:cs typeface="微软雅黑" panose="020B0503020204020204" pitchFamily="34" charset="-122"/>
-              </a:rPr>
-              <a:t>- </a:t>
-            </a:r>
-            <a:r>
-              <a:rPr lang="zh-CN" altLang="en-US" sz="1400" dirty="0">
-                <a:latin typeface="微软雅黑" panose="020B0503020204020204" pitchFamily="34" charset="-122"/>
-                <a:ea typeface="微软雅黑" panose="020B0503020204020204" pitchFamily="34" charset="-122"/>
-                <a:cs typeface="微软雅黑" panose="020B0503020204020204" pitchFamily="34" charset="-122"/>
-              </a:rPr>
-              <a:t>逐参匹配：</a:t>
-            </a:r>
-          </a:p>
-          <a:p>
-            <a:r>
-              <a:rPr lang="en-US" altLang="zh-CN" sz="1400" dirty="0">
-                <a:latin typeface="微软雅黑" panose="020B0503020204020204" pitchFamily="34" charset="-122"/>
-                <a:ea typeface="微软雅黑" panose="020B0503020204020204" pitchFamily="34" charset="-122"/>
-                <a:cs typeface="微软雅黑" panose="020B0503020204020204" pitchFamily="34" charset="-122"/>
-              </a:rPr>
-              <a:t>      </a:t>
-            </a:r>
-            <a:r>
-              <a:rPr lang="en-US" altLang="zh-CN" sz="1400" b="1" i="1" dirty="0">
-                <a:effectLst>
-                  <a:outerShdw blurRad="38100" dist="38100" dir="2700000" algn="tl">
-                    <a:srgbClr val="000000">
-                      <a:alpha val="43137"/>
-                    </a:srgbClr>
-                  </a:outerShdw>
-                </a:effectLst>
-                <a:latin typeface="微软雅黑" panose="020B0503020204020204" pitchFamily="34" charset="-122"/>
-                <a:ea typeface="微软雅黑" panose="020B0503020204020204" pitchFamily="34" charset="-122"/>
-                <a:cs typeface="微软雅黑" panose="020B0503020204020204" pitchFamily="34" charset="-122"/>
-              </a:rPr>
-              <a:t>if</a:t>
-            </a:r>
-            <a:r>
-              <a:rPr lang="en-US" altLang="zh-CN" sz="1400" dirty="0">
-                <a:latin typeface="微软雅黑" panose="020B0503020204020204" pitchFamily="34" charset="-122"/>
-                <a:ea typeface="微软雅黑" panose="020B0503020204020204" pitchFamily="34" charset="-122"/>
-                <a:cs typeface="微软雅黑" panose="020B0503020204020204" pitchFamily="34" charset="-122"/>
-              </a:rPr>
-              <a:t>       </a:t>
-            </a:r>
-            <a:r>
-              <a:rPr lang="zh-CN" altLang="en-US" sz="1400" dirty="0">
-                <a:latin typeface="微软雅黑" panose="020B0503020204020204" pitchFamily="34" charset="-122"/>
-                <a:ea typeface="微软雅黑" panose="020B0503020204020204" pitchFamily="34" charset="-122"/>
-                <a:cs typeface="微软雅黑" panose="020B0503020204020204" pitchFamily="34" charset="-122"/>
-              </a:rPr>
-              <a:t>期望</a:t>
-            </a:r>
-            <a:r>
-              <a:rPr lang="en-US" altLang="zh-CN" sz="1400" dirty="0">
-                <a:latin typeface="微软雅黑" panose="020B0503020204020204" pitchFamily="34" charset="-122"/>
-                <a:ea typeface="微软雅黑" panose="020B0503020204020204" pitchFamily="34" charset="-122"/>
-                <a:cs typeface="微软雅黑" panose="020B0503020204020204" pitchFamily="34" charset="-122"/>
-              </a:rPr>
-              <a:t> array-pointer</a:t>
-            </a:r>
-            <a:r>
-              <a:rPr lang="zh-CN" altLang="en-US" sz="1400" dirty="0">
-                <a:latin typeface="微软雅黑" panose="020B0503020204020204" pitchFamily="34" charset="-122"/>
-                <a:ea typeface="微软雅黑" panose="020B0503020204020204" pitchFamily="34" charset="-122"/>
-                <a:cs typeface="微软雅黑" panose="020B0503020204020204" pitchFamily="34" charset="-122"/>
-              </a:rPr>
-              <a:t>：实参需为数组（或等价的指针表达式），</a:t>
-            </a:r>
-          </a:p>
-          <a:p>
-            <a:r>
-              <a:rPr lang="zh-CN" altLang="en-US" sz="1400" dirty="0">
-                <a:latin typeface="微软雅黑" panose="020B0503020204020204" pitchFamily="34" charset="-122"/>
-                <a:ea typeface="微软雅黑" panose="020B0503020204020204" pitchFamily="34" charset="-122"/>
-                <a:cs typeface="微软雅黑" panose="020B0503020204020204" pitchFamily="34" charset="-122"/>
-              </a:rPr>
-              <a:t>并且元素类型一致</a:t>
-            </a:r>
-          </a:p>
-          <a:p>
-            <a:r>
-              <a:rPr lang="en-US" altLang="zh-CN" sz="1400" dirty="0">
-                <a:latin typeface="微软雅黑" panose="020B0503020204020204" pitchFamily="34" charset="-122"/>
-                <a:ea typeface="微软雅黑" panose="020B0503020204020204" pitchFamily="34" charset="-122"/>
-                <a:cs typeface="微软雅黑" panose="020B0503020204020204" pitchFamily="34" charset="-122"/>
-              </a:rPr>
-              <a:t>      </a:t>
-            </a:r>
-            <a:r>
-              <a:rPr lang="en-US" altLang="zh-CN" sz="1400" b="1" i="1" dirty="0">
-                <a:effectLst>
-                  <a:outerShdw blurRad="38100" dist="38100" dir="2700000" algn="tl">
-                    <a:srgbClr val="000000">
-                      <a:alpha val="43137"/>
-                    </a:srgbClr>
-                  </a:outerShdw>
-                </a:effectLst>
-                <a:latin typeface="微软雅黑" panose="020B0503020204020204" pitchFamily="34" charset="-122"/>
-                <a:ea typeface="微软雅黑" panose="020B0503020204020204" pitchFamily="34" charset="-122"/>
-                <a:cs typeface="微软雅黑" panose="020B0503020204020204" pitchFamily="34" charset="-122"/>
-              </a:rPr>
-              <a:t>else</a:t>
-            </a:r>
-            <a:r>
-              <a:rPr lang="en-US" altLang="zh-CN" sz="1400" dirty="0">
-                <a:latin typeface="微软雅黑" panose="020B0503020204020204" pitchFamily="34" charset="-122"/>
-                <a:ea typeface="微软雅黑" panose="020B0503020204020204" pitchFamily="34" charset="-122"/>
-                <a:cs typeface="微软雅黑" panose="020B0503020204020204" pitchFamily="34" charset="-122"/>
-              </a:rPr>
-              <a:t>   </a:t>
-            </a:r>
-            <a:r>
-              <a:rPr lang="zh-CN" altLang="en-US" sz="1400" dirty="0">
-                <a:latin typeface="微软雅黑" panose="020B0503020204020204" pitchFamily="34" charset="-122"/>
-                <a:ea typeface="微软雅黑" panose="020B0503020204020204" pitchFamily="34" charset="-122"/>
-                <a:cs typeface="微软雅黑" panose="020B0503020204020204" pitchFamily="34" charset="-122"/>
-              </a:rPr>
-              <a:t>按标量兼容策略</a:t>
-            </a:r>
-          </a:p>
-          <a:p>
-            <a:r>
-              <a:rPr lang="en-US" altLang="zh-CN" sz="1400" dirty="0">
-                <a:latin typeface="微软雅黑" panose="020B0503020204020204" pitchFamily="34" charset="-122"/>
-                <a:ea typeface="微软雅黑" panose="020B0503020204020204" pitchFamily="34" charset="-122"/>
-                <a:cs typeface="微软雅黑" panose="020B0503020204020204" pitchFamily="34" charset="-122"/>
-              </a:rPr>
-              <a:t>- </a:t>
-            </a:r>
-            <a:r>
-              <a:rPr lang="zh-CN" altLang="en-US" sz="1400" dirty="0">
-                <a:latin typeface="微软雅黑" panose="020B0503020204020204" pitchFamily="34" charset="-122"/>
-                <a:ea typeface="微软雅黑" panose="020B0503020204020204" pitchFamily="34" charset="-122"/>
-                <a:cs typeface="微软雅黑" panose="020B0503020204020204" pitchFamily="34" charset="-122"/>
-              </a:rPr>
-              <a:t>结果：调用表达式的类型即函数返回类型；用于后续类型传播与</a:t>
-            </a:r>
-            <a:r>
-              <a:rPr lang="en-US" altLang="zh-CN" sz="1400" dirty="0">
-                <a:latin typeface="微软雅黑" panose="020B0503020204020204" pitchFamily="34" charset="-122"/>
-                <a:ea typeface="微软雅黑" panose="020B0503020204020204" pitchFamily="34" charset="-122"/>
-                <a:cs typeface="微软雅黑" panose="020B0503020204020204" pitchFamily="34" charset="-122"/>
-              </a:rPr>
-              <a:t>IR</a:t>
-            </a:r>
-            <a:r>
-              <a:rPr lang="zh-CN" altLang="en-US" sz="1400" dirty="0">
-                <a:latin typeface="微软雅黑" panose="020B0503020204020204" pitchFamily="34" charset="-122"/>
-                <a:ea typeface="微软雅黑" panose="020B0503020204020204" pitchFamily="34" charset="-122"/>
-                <a:cs typeface="微软雅黑" panose="020B0503020204020204" pitchFamily="34" charset="-122"/>
-              </a:rPr>
-              <a:t>生成</a:t>
-            </a:r>
-          </a:p>
-          <a:p>
-            <a:endParaRPr lang="zh-CN" altLang="en-US" sz="1400" dirty="0">
-              <a:latin typeface="微软雅黑" panose="020B0503020204020204" pitchFamily="34" charset="-122"/>
-              <a:ea typeface="微软雅黑" panose="020B0503020204020204" pitchFamily="34" charset="-122"/>
-              <a:cs typeface="微软雅黑" panose="020B0503020204020204" pitchFamily="34" charset="-122"/>
-            </a:endParaRPr>
-          </a:p>
-        </p:txBody>
-      </p:sp>
-      <p:sp>
-        <p:nvSpPr>
-          <p:cNvPr id="33" name="文本框 32"/>
-          <p:cNvSpPr txBox="1"/>
-          <p:nvPr/>
-        </p:nvSpPr>
-        <p:spPr>
-          <a:xfrm>
-            <a:off x="6309360" y="2831465"/>
-            <a:ext cx="6096000" cy="368300"/>
-          </a:xfrm>
-          <a:prstGeom prst="rect">
-            <a:avLst/>
-          </a:prstGeom>
-          <a:noFill/>
-        </p:spPr>
-        <p:txBody>
-          <a:bodyPr wrap="square" rtlCol="0" anchor="t">
-            <a:spAutoFit/>
-          </a:bodyPr>
-          <a:lstStyle/>
-          <a:p>
-            <a:r>
-              <a:rPr lang="zh-CN" altLang="en-US" b="1" dirty="0">
-                <a:effectLst>
-                  <a:outerShdw blurRad="38100" dist="38100" dir="2700000" algn="tl">
-                    <a:srgbClr val="000000">
-                      <a:alpha val="43137"/>
-                    </a:srgbClr>
-                  </a:outerShdw>
-                </a:effectLst>
-                <a:latin typeface="微软雅黑" panose="020B0503020204020204" pitchFamily="34" charset="-122"/>
-                <a:ea typeface="微软雅黑" panose="020B0503020204020204" pitchFamily="34" charset="-122"/>
-                <a:cs typeface="微软雅黑" panose="020B0503020204020204" pitchFamily="34" charset="-122"/>
-                <a:sym typeface="+mn-ea"/>
-              </a:rPr>
-              <a:t>函数符号作为</a:t>
-            </a:r>
-            <a:r>
-              <a:rPr lang="en-US" altLang="zh-CN" b="1" dirty="0">
-                <a:effectLst>
-                  <a:outerShdw blurRad="38100" dist="38100" dir="2700000" algn="tl">
-                    <a:srgbClr val="000000">
-                      <a:alpha val="43137"/>
-                    </a:srgbClr>
-                  </a:outerShdw>
-                </a:effectLst>
-                <a:latin typeface="微软雅黑" panose="020B0503020204020204" pitchFamily="34" charset="-122"/>
-                <a:ea typeface="微软雅黑" panose="020B0503020204020204" pitchFamily="34" charset="-122"/>
-                <a:cs typeface="微软雅黑" panose="020B0503020204020204" pitchFamily="34" charset="-122"/>
-                <a:sym typeface="+mn-ea"/>
-              </a:rPr>
-              <a:t>“</a:t>
-            </a:r>
-            <a:r>
-              <a:rPr lang="zh-CN" altLang="en-US" b="1" dirty="0">
-                <a:effectLst>
-                  <a:outerShdw blurRad="38100" dist="38100" dir="2700000" algn="tl">
-                    <a:srgbClr val="000000">
-                      <a:alpha val="43137"/>
-                    </a:srgbClr>
-                  </a:outerShdw>
-                </a:effectLst>
-                <a:latin typeface="微软雅黑" panose="020B0503020204020204" pitchFamily="34" charset="-122"/>
-                <a:ea typeface="微软雅黑" panose="020B0503020204020204" pitchFamily="34" charset="-122"/>
-                <a:cs typeface="微软雅黑" panose="020B0503020204020204" pitchFamily="34" charset="-122"/>
-                <a:sym typeface="+mn-ea"/>
-              </a:rPr>
-              <a:t>契约</a:t>
-            </a:r>
-            <a:r>
-              <a:rPr lang="en-US" altLang="zh-CN" b="1" dirty="0">
-                <a:effectLst>
-                  <a:outerShdw blurRad="38100" dist="38100" dir="2700000" algn="tl">
-                    <a:srgbClr val="000000">
-                      <a:alpha val="43137"/>
-                    </a:srgbClr>
-                  </a:outerShdw>
-                </a:effectLst>
-                <a:latin typeface="微软雅黑" panose="020B0503020204020204" pitchFamily="34" charset="-122"/>
-                <a:ea typeface="微软雅黑" panose="020B0503020204020204" pitchFamily="34" charset="-122"/>
-                <a:cs typeface="微软雅黑" panose="020B0503020204020204" pitchFamily="34" charset="-122"/>
-                <a:sym typeface="+mn-ea"/>
-              </a:rPr>
-              <a:t>”</a:t>
+              <a:t>计</a:t>
             </a:r>
           </a:p>
         </p:txBody>
       </p:sp>
-      <p:sp>
-        <p:nvSpPr>
-          <p:cNvPr id="34" name="文本框 33"/>
-          <p:cNvSpPr txBox="1"/>
+      <p:graphicFrame>
+        <p:nvGraphicFramePr>
+          <p:cNvPr id="7" name="图示 6">
+            <a:extLst>
+              <a:ext uri="{FF2B5EF4-FFF2-40B4-BE49-F238E27FC236}">
+                <a16:creationId xmlns:a16="http://schemas.microsoft.com/office/drawing/2014/main" id="{8BC55A0E-D084-B68E-EB3B-42FBC5204854}"/>
+              </a:ext>
+            </a:extLst>
+          </p:cNvPr>
+          <p:cNvGraphicFramePr/>
           <p:nvPr/>
-        </p:nvSpPr>
-        <p:spPr>
-          <a:xfrm>
-            <a:off x="6309360" y="4141470"/>
-            <a:ext cx="6096000" cy="368300"/>
-          </a:xfrm>
-          <a:prstGeom prst="rect">
-            <a:avLst/>
-          </a:prstGeom>
-          <a:noFill/>
-        </p:spPr>
-        <p:txBody>
-          <a:bodyPr wrap="square" rtlCol="0" anchor="t">
-            <a:spAutoFit/>
-          </a:bodyPr>
-          <a:lstStyle/>
-          <a:p>
-            <a:r>
-              <a:rPr lang="zh-CN" altLang="en-US" b="1">
-                <a:effectLst>
-                  <a:outerShdw blurRad="38100" dist="38100" dir="2700000" algn="tl">
-                    <a:srgbClr val="000000">
-                      <a:alpha val="43137"/>
-                    </a:srgbClr>
-                  </a:outerShdw>
-                </a:effectLst>
-                <a:latin typeface="微软雅黑" panose="020B0503020204020204" pitchFamily="34" charset="-122"/>
-                <a:ea typeface="微软雅黑" panose="020B0503020204020204" pitchFamily="34" charset="-122"/>
-                <a:sym typeface="+mn-ea"/>
-              </a:rPr>
-              <a:t>调用点的结构化流程</a:t>
-            </a:r>
-          </a:p>
-        </p:txBody>
-      </p:sp>
-      <p:sp>
-        <p:nvSpPr>
-          <p:cNvPr id="35" name="文本框 34"/>
-          <p:cNvSpPr txBox="1"/>
-          <p:nvPr/>
-        </p:nvSpPr>
-        <p:spPr>
-          <a:xfrm>
-            <a:off x="9652635" y="2959735"/>
-            <a:ext cx="2277110" cy="398780"/>
-          </a:xfrm>
-          <a:prstGeom prst="rect">
-            <a:avLst/>
-          </a:prstGeom>
-          <a:noFill/>
-        </p:spPr>
-        <p:txBody>
-          <a:bodyPr wrap="square" rtlCol="0" anchor="t">
-            <a:spAutoFit/>
-          </a:bodyPr>
-          <a:lstStyle/>
-          <a:p>
-            <a:r>
-              <a:rPr lang="zh-CN" altLang="en-US" sz="2000" dirty="0">
-                <a:solidFill>
-                  <a:srgbClr val="C00000"/>
-                </a:solidFill>
-                <a:latin typeface="隶书" panose="02010509060101010101" charset="-122"/>
-                <a:ea typeface="隶书" panose="02010509060101010101" charset="-122"/>
-                <a:cs typeface="隶书" panose="02010509060101010101" charset="-122"/>
-                <a:sym typeface="+mn-ea"/>
-              </a:rPr>
-              <a:t>将数组退化为指针</a:t>
-            </a:r>
-          </a:p>
-        </p:txBody>
-      </p:sp>
+        </p:nvGraphicFramePr>
+        <p:xfrm>
+          <a:off x="1320165" y="3087370"/>
+          <a:ext cx="10412700" cy="3599180"/>
+        </p:xfrm>
+        <a:graphic>
+          <a:graphicData uri="http://schemas.openxmlformats.org/drawingml/2006/diagram">
+            <dgm:relIds xmlns:dgm="http://schemas.openxmlformats.org/drawingml/2006/diagram" xmlns:r="http://schemas.openxmlformats.org/officeDocument/2006/relationships" r:dm="rId6" r:lo="rId7" r:qs="rId8" r:cs="rId9"/>
+          </a:graphicData>
+        </a:graphic>
+      </p:graphicFrame>
     </p:spTree>
   </p:cSld>
   <p:clrMapOvr>
@@ -32606,7 +33931,7 @@
 </p:sld>
 </file>
 
-<file path=ppt/slides/slide6.xml><?xml version="1.0" encoding="utf-8"?>
+<file path=ppt/slides/slide5.xml><?xml version="1.0" encoding="utf-8"?>
 <p:sld xmlns:a="http://schemas.openxmlformats.org/drawingml/2006/main" xmlns:r="http://schemas.openxmlformats.org/officeDocument/2006/relationships" xmlns:p="http://schemas.openxmlformats.org/presentationml/2006/main">
   <p:cSld>
     <p:spTree>
@@ -32688,7 +34013,7 @@
 </p:sld>
 </file>
 
-<file path=ppt/slides/slide7.xml><?xml version="1.0" encoding="utf-8"?>
+<file path=ppt/slides/slide6.xml><?xml version="1.0" encoding="utf-8"?>
 <p:sld xmlns:a="http://schemas.openxmlformats.org/drawingml/2006/main" xmlns:r="http://schemas.openxmlformats.org/officeDocument/2006/relationships" xmlns:p="http://schemas.openxmlformats.org/presentationml/2006/main">
   <p:cSld>
     <p:spTree>
@@ -33118,7 +34443,7 @@
 </p:sld>
 </file>
 
-<file path=ppt/slides/slide8.xml><?xml version="1.0" encoding="utf-8"?>
+<file path=ppt/slides/slide7.xml><?xml version="1.0" encoding="utf-8"?>
 <p:sld xmlns:a="http://schemas.openxmlformats.org/drawingml/2006/main" xmlns:r="http://schemas.openxmlformats.org/officeDocument/2006/relationships" xmlns:p="http://schemas.openxmlformats.org/presentationml/2006/main">
   <p:cSld>
     <p:spTree>
@@ -33499,7 +34824,7 @@
 </p:sld>
 </file>
 
-<file path=ppt/slides/slide9.xml><?xml version="1.0" encoding="utf-8"?>
+<file path=ppt/slides/slide8.xml><?xml version="1.0" encoding="utf-8"?>
 <p:sld xmlns:a="http://schemas.openxmlformats.org/drawingml/2006/main" xmlns:r="http://schemas.openxmlformats.org/officeDocument/2006/relationships" xmlns:p="http://schemas.openxmlformats.org/presentationml/2006/main">
   <p:cSld>
     <p:spTree>
@@ -33561,6 +34886,698 @@
   <p:clrMapOvr>
     <a:masterClrMapping/>
   </p:clrMapOvr>
+</p:sld>
+</file>
+
+<file path=ppt/slides/slide9.xml><?xml version="1.0" encoding="utf-8"?>
+<p:sld xmlns:a="http://schemas.openxmlformats.org/drawingml/2006/main" xmlns:r="http://schemas.openxmlformats.org/officeDocument/2006/relationships" xmlns:p="http://schemas.openxmlformats.org/presentationml/2006/main">
+  <p:cSld>
+    <p:spTree>
+      <p:nvGrpSpPr>
+        <p:cNvPr id="1" name=""/>
+        <p:cNvGrpSpPr/>
+        <p:nvPr/>
+      </p:nvGrpSpPr>
+      <p:grpSpPr>
+        <a:xfrm>
+          <a:off x="0" y="0"/>
+          <a:ext cx="0" cy="0"/>
+          <a:chOff x="0" y="0"/>
+          <a:chExt cx="0" cy="0"/>
+        </a:xfrm>
+      </p:grpSpPr>
+      <p:sp>
+        <p:nvSpPr>
+          <p:cNvPr id="106" name="流程图: 过程 52"/>
+          <p:cNvSpPr/>
+          <p:nvPr/>
+        </p:nvSpPr>
+        <p:spPr>
+          <a:xfrm>
+            <a:off x="-10795" y="953770"/>
+            <a:ext cx="12192000" cy="168275"/>
+          </a:xfrm>
+          <a:prstGeom prst="flowChartProcess">
+            <a:avLst/>
+          </a:prstGeom>
+          <a:gradFill>
+            <a:gsLst>
+              <a:gs pos="2000">
+                <a:schemeClr val="bg1"/>
+              </a:gs>
+              <a:gs pos="78000">
+                <a:srgbClr val="9A1F2D"/>
+              </a:gs>
+              <a:gs pos="9000">
+                <a:schemeClr val="bg1"/>
+              </a:gs>
+              <a:gs pos="100000">
+                <a:srgbClr val="9A1F2D"/>
+              </a:gs>
+            </a:gsLst>
+            <a:lin ang="13500000" scaled="0"/>
+          </a:gradFill>
+          <a:ln>
+            <a:noFill/>
+          </a:ln>
+        </p:spPr>
+        <p:style>
+          <a:lnRef idx="2">
+            <a:schemeClr val="accent1">
+              <a:shade val="50000"/>
+            </a:schemeClr>
+          </a:lnRef>
+          <a:fillRef idx="1">
+            <a:schemeClr val="accent1"/>
+          </a:fillRef>
+          <a:effectRef idx="0">
+            <a:schemeClr val="accent1"/>
+          </a:effectRef>
+          <a:fontRef idx="minor">
+            <a:schemeClr val="lt1"/>
+          </a:fontRef>
+        </p:style>
+        <p:txBody>
+          <a:bodyPr rtlCol="0" anchor="ctr"/>
+          <a:lstStyle/>
+          <a:p>
+            <a:pPr algn="ctr"/>
+            <a:endParaRPr lang="zh-CN" altLang="en-US"/>
+          </a:p>
+        </p:txBody>
+      </p:sp>
+      <p:pic>
+        <p:nvPicPr>
+          <p:cNvPr id="2" name="图片 1"/>
+          <p:cNvPicPr>
+            <a:picLocks noChangeAspect="1"/>
+          </p:cNvPicPr>
+          <p:nvPr/>
+        </p:nvPicPr>
+        <p:blipFill>
+          <a:blip r:embed="rId5"/>
+          <a:stretch>
+            <a:fillRect/>
+          </a:stretch>
+        </p:blipFill>
+        <p:spPr>
+          <a:xfrm>
+            <a:off x="11102975" y="0"/>
+            <a:ext cx="1078230" cy="1122680"/>
+          </a:xfrm>
+          <a:prstGeom prst="rect">
+            <a:avLst/>
+          </a:prstGeom>
+        </p:spPr>
+      </p:pic>
+      <p:sp>
+        <p:nvSpPr>
+          <p:cNvPr id="3" name="文本框 2"/>
+          <p:cNvSpPr txBox="1"/>
+          <p:nvPr/>
+        </p:nvSpPr>
+        <p:spPr>
+          <a:xfrm flipH="1">
+            <a:off x="549910" y="163830"/>
+            <a:ext cx="6599032" cy="706755"/>
+          </a:xfrm>
+          <a:prstGeom prst="rect">
+            <a:avLst/>
+          </a:prstGeom>
+          <a:noFill/>
+        </p:spPr>
+        <p:txBody>
+          <a:bodyPr wrap="square" rtlCol="0">
+            <a:spAutoFit/>
+          </a:bodyPr>
+          <a:lstStyle>
+            <a:defPPr>
+              <a:defRPr lang="zh-CN"/>
+            </a:defPPr>
+            <a:lvl1pPr marL="0" algn="l" defTabSz="914400" rtl="0" eaLnBrk="1" latinLnBrk="0" hangingPunct="1">
+              <a:defRPr sz="1800" kern="1200">
+                <a:solidFill>
+                  <a:schemeClr val="tx1"/>
+                </a:solidFill>
+                <a:latin typeface="+mn-lt"/>
+                <a:ea typeface="+mn-ea"/>
+                <a:cs typeface="+mn-cs"/>
+              </a:defRPr>
+            </a:lvl1pPr>
+            <a:lvl2pPr marL="457200" algn="l" defTabSz="914400" rtl="0" eaLnBrk="1" latinLnBrk="0" hangingPunct="1">
+              <a:defRPr sz="1800" kern="1200">
+                <a:solidFill>
+                  <a:schemeClr val="tx1"/>
+                </a:solidFill>
+                <a:latin typeface="+mn-lt"/>
+                <a:ea typeface="+mn-ea"/>
+                <a:cs typeface="+mn-cs"/>
+              </a:defRPr>
+            </a:lvl2pPr>
+            <a:lvl3pPr marL="914400" algn="l" defTabSz="914400" rtl="0" eaLnBrk="1" latinLnBrk="0" hangingPunct="1">
+              <a:defRPr sz="1800" kern="1200">
+                <a:solidFill>
+                  <a:schemeClr val="tx1"/>
+                </a:solidFill>
+                <a:latin typeface="+mn-lt"/>
+                <a:ea typeface="+mn-ea"/>
+                <a:cs typeface="+mn-cs"/>
+              </a:defRPr>
+            </a:lvl3pPr>
+            <a:lvl4pPr marL="1371600" algn="l" defTabSz="914400" rtl="0" eaLnBrk="1" latinLnBrk="0" hangingPunct="1">
+              <a:defRPr sz="1800" kern="1200">
+                <a:solidFill>
+                  <a:schemeClr val="tx1"/>
+                </a:solidFill>
+                <a:latin typeface="+mn-lt"/>
+                <a:ea typeface="+mn-ea"/>
+                <a:cs typeface="+mn-cs"/>
+              </a:defRPr>
+            </a:lvl4pPr>
+            <a:lvl5pPr marL="1828800" algn="l" defTabSz="914400" rtl="0" eaLnBrk="1" latinLnBrk="0" hangingPunct="1">
+              <a:defRPr sz="1800" kern="1200">
+                <a:solidFill>
+                  <a:schemeClr val="tx1"/>
+                </a:solidFill>
+                <a:latin typeface="+mn-lt"/>
+                <a:ea typeface="+mn-ea"/>
+                <a:cs typeface="+mn-cs"/>
+              </a:defRPr>
+            </a:lvl5pPr>
+            <a:lvl6pPr marL="2286000" algn="l" defTabSz="914400" rtl="0" eaLnBrk="1" latinLnBrk="0" hangingPunct="1">
+              <a:defRPr sz="1800" kern="1200">
+                <a:solidFill>
+                  <a:schemeClr val="tx1"/>
+                </a:solidFill>
+                <a:latin typeface="+mn-lt"/>
+                <a:ea typeface="+mn-ea"/>
+                <a:cs typeface="+mn-cs"/>
+              </a:defRPr>
+            </a:lvl6pPr>
+            <a:lvl7pPr marL="2743200" algn="l" defTabSz="914400" rtl="0" eaLnBrk="1" latinLnBrk="0" hangingPunct="1">
+              <a:defRPr sz="1800" kern="1200">
+                <a:solidFill>
+                  <a:schemeClr val="tx1"/>
+                </a:solidFill>
+                <a:latin typeface="+mn-lt"/>
+                <a:ea typeface="+mn-ea"/>
+                <a:cs typeface="+mn-cs"/>
+              </a:defRPr>
+            </a:lvl7pPr>
+            <a:lvl8pPr marL="3200400" algn="l" defTabSz="914400" rtl="0" eaLnBrk="1" latinLnBrk="0" hangingPunct="1">
+              <a:defRPr sz="1800" kern="1200">
+                <a:solidFill>
+                  <a:schemeClr val="tx1"/>
+                </a:solidFill>
+                <a:latin typeface="+mn-lt"/>
+                <a:ea typeface="+mn-ea"/>
+                <a:cs typeface="+mn-cs"/>
+              </a:defRPr>
+            </a:lvl8pPr>
+            <a:lvl9pPr marL="3657600" algn="l" defTabSz="914400" rtl="0" eaLnBrk="1" latinLnBrk="0" hangingPunct="1">
+              <a:defRPr sz="1800" kern="1200">
+                <a:solidFill>
+                  <a:schemeClr val="tx1"/>
+                </a:solidFill>
+                <a:latin typeface="+mn-lt"/>
+                <a:ea typeface="+mn-ea"/>
+                <a:cs typeface="+mn-cs"/>
+              </a:defRPr>
+            </a:lvl9pPr>
+          </a:lstStyle>
+          <a:p>
+            <a:pPr lvl="0">
+              <a:defRPr/>
+            </a:pPr>
+            <a:r>
+              <a:rPr lang="zh-CN" altLang="en-US" sz="4000" b="1" dirty="0">
+                <a:solidFill>
+                  <a:srgbClr val="9A1F2D"/>
+                </a:solidFill>
+                <a:latin typeface="微软雅黑" panose="020B0503020204020204" pitchFamily="34" charset="-122"/>
+                <a:ea typeface="微软雅黑" panose="020B0503020204020204" pitchFamily="34" charset="-122"/>
+                <a:sym typeface="Helvetica Light"/>
+              </a:rPr>
+              <a:t>中间代码优化</a:t>
+            </a:r>
+          </a:p>
+        </p:txBody>
+      </p:sp>
+      <p:grpSp>
+        <p:nvGrpSpPr>
+          <p:cNvPr id="4" name="组 2"/>
+          <p:cNvGrpSpPr/>
+          <p:nvPr/>
+        </p:nvGrpSpPr>
+        <p:grpSpPr>
+          <a:xfrm>
+            <a:off x="257175" y="299720"/>
+            <a:ext cx="250825" cy="394335"/>
+            <a:chOff x="199895" y="181334"/>
+            <a:chExt cx="315595" cy="560705"/>
+          </a:xfrm>
+          <a:solidFill>
+            <a:schemeClr val="bg1"/>
+          </a:solidFill>
+        </p:grpSpPr>
+        <p:sp>
+          <p:nvSpPr>
+            <p:cNvPr id="29" name="矩形 28"/>
+            <p:cNvSpPr/>
+            <p:nvPr>
+              <p:custDataLst>
+                <p:tags r:id="rId1"/>
+              </p:custDataLst>
+            </p:nvPr>
+          </p:nvSpPr>
+          <p:spPr>
+            <a:xfrm>
+              <a:off x="199895" y="181334"/>
+              <a:ext cx="223520" cy="560705"/>
+            </a:xfrm>
+            <a:prstGeom prst="rect">
+              <a:avLst/>
+            </a:prstGeom>
+            <a:solidFill>
+              <a:srgbClr val="951F2F"/>
+            </a:solidFill>
+            <a:ln>
+              <a:noFill/>
+            </a:ln>
+          </p:spPr>
+          <p:style>
+            <a:lnRef idx="2">
+              <a:schemeClr val="accent1">
+                <a:shade val="50000"/>
+              </a:schemeClr>
+            </a:lnRef>
+            <a:fillRef idx="1">
+              <a:schemeClr val="accent1"/>
+            </a:fillRef>
+            <a:effectRef idx="0">
+              <a:schemeClr val="accent1"/>
+            </a:effectRef>
+            <a:fontRef idx="minor">
+              <a:schemeClr val="lt1"/>
+            </a:fontRef>
+          </p:style>
+          <p:txBody>
+            <a:bodyPr wrap="square" rtlCol="0" anchor="ctr">
+              <a:normAutofit/>
+            </a:bodyPr>
+            <a:lstStyle/>
+            <a:p>
+              <a:pPr algn="ctr"/>
+              <a:endParaRPr lang="zh-CN" altLang="en-US" sz="1320">
+                <a:solidFill>
+                  <a:srgbClr val="2A608D"/>
+                </a:solidFill>
+              </a:endParaRPr>
+            </a:p>
+          </p:txBody>
+        </p:sp>
+        <p:cxnSp>
+          <p:nvCxnSpPr>
+            <p:cNvPr id="30" name="直接连接符 4"/>
+            <p:cNvCxnSpPr/>
+            <p:nvPr>
+              <p:custDataLst>
+                <p:tags r:id="rId2"/>
+              </p:custDataLst>
+            </p:nvPr>
+          </p:nvCxnSpPr>
+          <p:spPr>
+            <a:xfrm>
+              <a:off x="515490" y="181334"/>
+              <a:ext cx="0" cy="560705"/>
+            </a:xfrm>
+            <a:prstGeom prst="line">
+              <a:avLst/>
+            </a:prstGeom>
+            <a:grpFill/>
+            <a:ln w="38100">
+              <a:solidFill>
+                <a:schemeClr val="accent5"/>
+              </a:solidFill>
+            </a:ln>
+          </p:spPr>
+          <p:style>
+            <a:lnRef idx="1">
+              <a:schemeClr val="accent1"/>
+            </a:lnRef>
+            <a:fillRef idx="0">
+              <a:schemeClr val="accent1"/>
+            </a:fillRef>
+            <a:effectRef idx="0">
+              <a:schemeClr val="accent1"/>
+            </a:effectRef>
+            <a:fontRef idx="minor">
+              <a:schemeClr val="tx1"/>
+            </a:fontRef>
+          </p:style>
+        </p:cxnSp>
+      </p:grpSp>
+      <p:sp>
+        <p:nvSpPr>
+          <p:cNvPr id="10" name="文本框 6"/>
+          <p:cNvSpPr txBox="1"/>
+          <p:nvPr/>
+        </p:nvSpPr>
+        <p:spPr>
+          <a:xfrm>
+            <a:off x="5516245" y="2809875"/>
+            <a:ext cx="7160895" cy="1938020"/>
+          </a:xfrm>
+          <a:prstGeom prst="rect">
+            <a:avLst/>
+          </a:prstGeom>
+          <a:noFill/>
+        </p:spPr>
+        <p:txBody>
+          <a:bodyPr wrap="square" rtlCol="0">
+            <a:spAutoFit/>
+          </a:bodyPr>
+          <a:lstStyle/>
+          <a:p>
+            <a:pPr>
+              <a:lnSpc>
+                <a:spcPct val="150000"/>
+              </a:lnSpc>
+            </a:pPr>
+            <a:endParaRPr lang="en-US" altLang="zh-CN" sz="2000" b="1" dirty="0">
+              <a:latin typeface="微软雅黑 Light" panose="020B0502040204020203" pitchFamily="34" charset="-122"/>
+              <a:ea typeface="微软雅黑 Light" panose="020B0502040204020203" pitchFamily="34" charset="-122"/>
+            </a:endParaRPr>
+          </a:p>
+          <a:p>
+            <a:pPr>
+              <a:lnSpc>
+                <a:spcPct val="150000"/>
+              </a:lnSpc>
+            </a:pPr>
+            <a:r>
+              <a:rPr lang="en-US" altLang="zh-CN" sz="2000" b="1" dirty="0">
+                <a:latin typeface="微软雅黑 Light" panose="020B0502040204020203" pitchFamily="34" charset="-122"/>
+                <a:ea typeface="微软雅黑 Light" panose="020B0502040204020203" pitchFamily="34" charset="-122"/>
+              </a:rPr>
+              <a:t>- </a:t>
+            </a:r>
+            <a:r>
+              <a:rPr lang="zh-CN" altLang="en-US" sz="2000" b="1" dirty="0">
+                <a:latin typeface="微软雅黑 Light" panose="020B0502040204020203" pitchFamily="34" charset="-122"/>
+                <a:ea typeface="微软雅黑 Light" panose="020B0502040204020203" pitchFamily="34" charset="-122"/>
+              </a:rPr>
+              <a:t>早期变换（展开</a:t>
+            </a:r>
+            <a:r>
+              <a:rPr lang="en-US" altLang="zh-CN" sz="2000" b="1" dirty="0">
+                <a:latin typeface="微软雅黑 Light" panose="020B0502040204020203" pitchFamily="34" charset="-122"/>
+                <a:ea typeface="微软雅黑 Light" panose="020B0502040204020203" pitchFamily="34" charset="-122"/>
+              </a:rPr>
+              <a:t>/</a:t>
+            </a:r>
+            <a:r>
+              <a:rPr lang="zh-CN" altLang="en-US" sz="2000" b="1" dirty="0">
+                <a:latin typeface="微软雅黑 Light" panose="020B0502040204020203" pitchFamily="34" charset="-122"/>
+                <a:ea typeface="微软雅黑 Light" panose="020B0502040204020203" pitchFamily="34" charset="-122"/>
+              </a:rPr>
+              <a:t>内联）后接折叠</a:t>
+            </a:r>
+            <a:r>
+              <a:rPr lang="en-US" altLang="zh-CN" sz="2000" b="1" dirty="0">
+                <a:latin typeface="微软雅黑 Light" panose="020B0502040204020203" pitchFamily="34" charset="-122"/>
+                <a:ea typeface="微软雅黑 Light" panose="020B0502040204020203" pitchFamily="34" charset="-122"/>
+              </a:rPr>
+              <a:t>/</a:t>
+            </a:r>
+            <a:r>
+              <a:rPr lang="zh-CN" altLang="en-US" sz="2000" b="1" dirty="0">
+                <a:latin typeface="微软雅黑 Light" panose="020B0502040204020203" pitchFamily="34" charset="-122"/>
+                <a:ea typeface="微软雅黑 Light" panose="020B0502040204020203" pitchFamily="34" charset="-122"/>
+              </a:rPr>
+              <a:t>清理，促进优化叠加</a:t>
+            </a:r>
+          </a:p>
+          <a:p>
+            <a:pPr>
+              <a:lnSpc>
+                <a:spcPct val="150000"/>
+              </a:lnSpc>
+            </a:pPr>
+            <a:r>
+              <a:rPr lang="en-US" altLang="zh-CN" sz="2000" b="1" dirty="0">
+                <a:latin typeface="微软雅黑 Light" panose="020B0502040204020203" pitchFamily="34" charset="-122"/>
+                <a:ea typeface="微软雅黑 Light" panose="020B0502040204020203" pitchFamily="34" charset="-122"/>
+              </a:rPr>
+              <a:t>- </a:t>
+            </a:r>
+            <a:r>
+              <a:rPr lang="zh-CN" altLang="en-US" sz="2000" b="1" dirty="0">
+                <a:latin typeface="微软雅黑 Light" panose="020B0502040204020203" pitchFamily="34" charset="-122"/>
+                <a:ea typeface="微软雅黑 Light" panose="020B0502040204020203" pitchFamily="34" charset="-122"/>
+              </a:rPr>
+              <a:t>每轮后清理常量与有用集，避免状态污染</a:t>
+            </a:r>
+          </a:p>
+          <a:p>
+            <a:pPr>
+              <a:lnSpc>
+                <a:spcPct val="150000"/>
+              </a:lnSpc>
+            </a:pPr>
+            <a:endParaRPr lang="zh-CN" altLang="en-US" sz="2000" b="1" dirty="0">
+              <a:latin typeface="微软雅黑 Light" panose="020B0502040204020203" pitchFamily="34" charset="-122"/>
+              <a:ea typeface="微软雅黑 Light" panose="020B0502040204020203" pitchFamily="34" charset="-122"/>
+            </a:endParaRPr>
+          </a:p>
+        </p:txBody>
+      </p:sp>
+      <p:sp>
+        <p:nvSpPr>
+          <p:cNvPr id="11" name="文本框 10"/>
+          <p:cNvSpPr txBox="1"/>
+          <p:nvPr/>
+        </p:nvSpPr>
+        <p:spPr>
+          <a:xfrm>
+            <a:off x="7148830" y="2929255"/>
+            <a:ext cx="6096000" cy="398780"/>
+          </a:xfrm>
+          <a:prstGeom prst="rect">
+            <a:avLst/>
+          </a:prstGeom>
+          <a:noFill/>
+        </p:spPr>
+        <p:txBody>
+          <a:bodyPr wrap="square" rtlCol="0" anchor="t">
+            <a:spAutoFit/>
+          </a:bodyPr>
+          <a:lstStyle/>
+          <a:p>
+            <a:r>
+              <a:rPr lang="zh-CN" altLang="en-US" sz="2000" dirty="0">
+                <a:solidFill>
+                  <a:srgbClr val="C00000"/>
+                </a:solidFill>
+                <a:latin typeface="隶书" panose="02010509060101010101" charset="-122"/>
+                <a:ea typeface="隶书" panose="02010509060101010101" charset="-122"/>
+                <a:cs typeface="隶书" panose="02010509060101010101" charset="-122"/>
+              </a:rPr>
+              <a:t>先</a:t>
+            </a:r>
+            <a:r>
+              <a:rPr lang="en-US" altLang="zh-CN" sz="2000" dirty="0">
+                <a:solidFill>
+                  <a:srgbClr val="C00000"/>
+                </a:solidFill>
+                <a:latin typeface="隶书" panose="02010509060101010101" charset="-122"/>
+                <a:ea typeface="隶书" panose="02010509060101010101" charset="-122"/>
+                <a:cs typeface="隶书" panose="02010509060101010101" charset="-122"/>
+              </a:rPr>
+              <a:t>“</a:t>
+            </a:r>
+            <a:r>
+              <a:rPr lang="zh-CN" altLang="en-US" sz="2000" dirty="0">
+                <a:solidFill>
+                  <a:srgbClr val="C00000"/>
+                </a:solidFill>
+                <a:latin typeface="隶书" panose="02010509060101010101" charset="-122"/>
+                <a:ea typeface="隶书" panose="02010509060101010101" charset="-122"/>
+                <a:cs typeface="隶书" panose="02010509060101010101" charset="-122"/>
+              </a:rPr>
+              <a:t>生成等价形式</a:t>
+            </a:r>
+            <a:r>
+              <a:rPr lang="en-US" altLang="zh-CN" sz="2000" dirty="0">
+                <a:solidFill>
+                  <a:srgbClr val="C00000"/>
+                </a:solidFill>
+                <a:latin typeface="隶书" panose="02010509060101010101" charset="-122"/>
+                <a:ea typeface="隶书" panose="02010509060101010101" charset="-122"/>
+                <a:cs typeface="隶书" panose="02010509060101010101" charset="-122"/>
+              </a:rPr>
+              <a:t>”</a:t>
+            </a:r>
+            <a:r>
+              <a:rPr lang="zh-CN" altLang="en-US" sz="2000" dirty="0">
+                <a:solidFill>
+                  <a:srgbClr val="C00000"/>
+                </a:solidFill>
+                <a:latin typeface="隶书" panose="02010509060101010101" charset="-122"/>
+                <a:ea typeface="隶书" panose="02010509060101010101" charset="-122"/>
+                <a:cs typeface="隶书" panose="02010509060101010101" charset="-122"/>
+              </a:rPr>
+              <a:t>，再</a:t>
+            </a:r>
+            <a:r>
+              <a:rPr lang="en-US" altLang="zh-CN" sz="2000" dirty="0">
+                <a:solidFill>
+                  <a:srgbClr val="C00000"/>
+                </a:solidFill>
+                <a:latin typeface="隶书" panose="02010509060101010101" charset="-122"/>
+                <a:ea typeface="隶书" panose="02010509060101010101" charset="-122"/>
+                <a:cs typeface="隶书" panose="02010509060101010101" charset="-122"/>
+              </a:rPr>
+              <a:t>“</a:t>
+            </a:r>
+            <a:r>
+              <a:rPr lang="zh-CN" altLang="en-US" sz="2000" dirty="0">
+                <a:solidFill>
+                  <a:srgbClr val="C00000"/>
+                </a:solidFill>
+                <a:latin typeface="隶书" panose="02010509060101010101" charset="-122"/>
+                <a:ea typeface="隶书" panose="02010509060101010101" charset="-122"/>
+                <a:cs typeface="隶书" panose="02010509060101010101" charset="-122"/>
+              </a:rPr>
+              <a:t>折叠与清理</a:t>
+            </a:r>
+            <a:r>
+              <a:rPr lang="en-US" altLang="zh-CN" sz="2000" dirty="0">
+                <a:solidFill>
+                  <a:srgbClr val="C00000"/>
+                </a:solidFill>
+                <a:latin typeface="隶书" panose="02010509060101010101" charset="-122"/>
+                <a:ea typeface="隶书" panose="02010509060101010101" charset="-122"/>
+                <a:cs typeface="隶书" panose="02010509060101010101" charset="-122"/>
+              </a:rPr>
+              <a:t>”</a:t>
+            </a:r>
+          </a:p>
+        </p:txBody>
+      </p:sp>
+      <p:sp>
+        <p:nvSpPr>
+          <p:cNvPr id="14" name="文本框 13"/>
+          <p:cNvSpPr txBox="1"/>
+          <p:nvPr/>
+        </p:nvSpPr>
+        <p:spPr>
+          <a:xfrm>
+            <a:off x="2882265" y="6355080"/>
+            <a:ext cx="6096000" cy="368300"/>
+          </a:xfrm>
+          <a:prstGeom prst="rect">
+            <a:avLst/>
+          </a:prstGeom>
+          <a:noFill/>
+        </p:spPr>
+        <p:txBody>
+          <a:bodyPr wrap="square" rtlCol="0" anchor="t">
+            <a:spAutoFit/>
+          </a:bodyPr>
+          <a:lstStyle/>
+          <a:p>
+            <a:endParaRPr lang="zh-CN" altLang="en-US" b="1">
+              <a:effectLst>
+                <a:outerShdw blurRad="38100" dist="38100" dir="2700000" algn="tl">
+                  <a:srgbClr val="000000">
+                    <a:alpha val="43137"/>
+                  </a:srgbClr>
+                </a:outerShdw>
+              </a:effectLst>
+              <a:sym typeface="+mn-ea"/>
+            </a:endParaRPr>
+          </a:p>
+        </p:txBody>
+      </p:sp>
+      <p:sp>
+        <p:nvSpPr>
+          <p:cNvPr id="5" name="文本框 4"/>
+          <p:cNvSpPr txBox="1"/>
+          <p:nvPr/>
+        </p:nvSpPr>
+        <p:spPr>
+          <a:xfrm>
+            <a:off x="5516245" y="2867660"/>
+            <a:ext cx="6096000" cy="460375"/>
+          </a:xfrm>
+          <a:prstGeom prst="rect">
+            <a:avLst/>
+          </a:prstGeom>
+          <a:noFill/>
+        </p:spPr>
+        <p:txBody>
+          <a:bodyPr wrap="square" rtlCol="0" anchor="t">
+            <a:spAutoFit/>
+          </a:bodyPr>
+          <a:lstStyle/>
+          <a:p>
+            <a:r>
+              <a:rPr lang="zh-CN" altLang="en-US" sz="2400" b="1" dirty="0">
+                <a:latin typeface="微软雅黑" panose="020B0503020204020204" pitchFamily="34" charset="-122"/>
+                <a:ea typeface="微软雅黑" panose="020B0503020204020204" pitchFamily="34" charset="-122"/>
+                <a:sym typeface="+mn-ea"/>
+              </a:rPr>
+              <a:t>优化策略</a:t>
+            </a:r>
+          </a:p>
+        </p:txBody>
+      </p:sp>
+      <p:graphicFrame>
+        <p:nvGraphicFramePr>
+          <p:cNvPr id="15" name="图示 14"/>
+          <p:cNvGraphicFramePr/>
+          <p:nvPr/>
+        </p:nvGraphicFramePr>
+        <p:xfrm>
+          <a:off x="257174" y="1315085"/>
+          <a:ext cx="5157663" cy="2676690"/>
+        </p:xfrm>
+        <a:graphic>
+          <a:graphicData uri="http://schemas.openxmlformats.org/drawingml/2006/diagram">
+            <dgm:relIds xmlns:dgm="http://schemas.openxmlformats.org/drawingml/2006/diagram" xmlns:r="http://schemas.openxmlformats.org/officeDocument/2006/relationships" r:dm="rId6" r:lo="rId7" r:qs="rId8" r:cs="rId9"/>
+          </a:graphicData>
+        </a:graphic>
+      </p:graphicFrame>
+      <p:graphicFrame>
+        <p:nvGraphicFramePr>
+          <p:cNvPr id="17" name="图示 16"/>
+          <p:cNvGraphicFramePr/>
+          <p:nvPr/>
+        </p:nvGraphicFramePr>
+        <p:xfrm>
+          <a:off x="257175" y="4042465"/>
+          <a:ext cx="5157663" cy="2630225"/>
+        </p:xfrm>
+        <a:graphic>
+          <a:graphicData uri="http://schemas.openxmlformats.org/drawingml/2006/diagram">
+            <dgm:relIds xmlns:dgm="http://schemas.openxmlformats.org/drawingml/2006/diagram" xmlns:r="http://schemas.openxmlformats.org/officeDocument/2006/relationships" r:dm="rId11" r:lo="rId12" r:qs="rId13" r:cs="rId14"/>
+          </a:graphicData>
+        </a:graphic>
+      </p:graphicFrame>
+    </p:spTree>
+  </p:cSld>
+  <p:clrMapOvr>
+    <a:masterClrMapping/>
+  </p:clrMapOvr>
+  <mc:AlternateContent xmlns:mc="http://schemas.openxmlformats.org/markup-compatibility/2006" xmlns:p14="http://schemas.microsoft.com/office/powerpoint/2010/main">
+    <mc:Choice Requires="p14">
+      <p:transition spd="slow" p14:dur="2000" advTm="77872"/>
+    </mc:Choice>
+    <mc:Fallback xmlns="">
+      <p:transition spd="slow" advTm="77872"/>
+    </mc:Fallback>
+  </mc:AlternateContent>
 </p:sld>
 </file>
 
